--- a/LeveragingSlackForStudentCollaboration.pptx
+++ b/LeveragingSlackForStudentCollaboration.pptx
@@ -5,12 +5,17 @@
     <p:sldMasterId id="2147483660" r:id="rId1"/>
   </p:sldMasterIdLst>
   <p:notesMasterIdLst>
-    <p:notesMasterId r:id="rId5"/>
+    <p:notesMasterId r:id="rId10"/>
   </p:notesMasterIdLst>
   <p:sldIdLst>
     <p:sldId id="309" r:id="rId2"/>
     <p:sldId id="302" r:id="rId3"/>
-    <p:sldId id="1372" r:id="rId4"/>
+    <p:sldId id="1373" r:id="rId4"/>
+    <p:sldId id="1374" r:id="rId5"/>
+    <p:sldId id="1375" r:id="rId6"/>
+    <p:sldId id="1376" r:id="rId7"/>
+    <p:sldId id="1377" r:id="rId8"/>
+    <p:sldId id="1372" r:id="rId9"/>
   </p:sldIdLst>
   <p:sldSz cx="12192000" cy="6858000"/>
   <p:notesSz cx="6858000" cy="9144000"/>
@@ -199,7 +204,7 @@
           <a:p>
             <a:fld id="{CA1F7DAD-AACB-410C-9AA4-BE5099812397}" type="datetimeFigureOut">
               <a:rPr lang="en-US" smtClean="0"/>
-              <a:t>5/24/2024</a:t>
+              <a:t>6/18/2024</a:t>
             </a:fld>
             <a:endParaRPr lang="en-US"/>
           </a:p>
@@ -615,7 +620,7 @@
           <a:p>
             <a:fld id="{FCFED414-B8BD-4977-925E-1C2AFAB354A8}" type="slidenum">
               <a:rPr lang="en-US" smtClean="0"/>
-              <a:t>3</a:t>
+              <a:t>8</a:t>
             </a:fld>
             <a:endParaRPr lang="en-US"/>
           </a:p>
@@ -1125,7 +1130,7 @@
           <a:p>
             <a:fld id="{8F7D2F49-1857-4E7D-8050-DC698401AAB7}" type="datetimeFigureOut">
               <a:rPr lang="en-US" smtClean="0"/>
-              <a:t>5/24/2024</a:t>
+              <a:t>6/18/2024</a:t>
             </a:fld>
             <a:endParaRPr lang="en-US"/>
           </a:p>
@@ -2472,7 +2477,7 @@
           <a:p>
             <a:fld id="{8F7D2F49-1857-4E7D-8050-DC698401AAB7}" type="datetimeFigureOut">
               <a:rPr lang="en-US" smtClean="0"/>
-              <a:t>5/24/2024</a:t>
+              <a:t>6/18/2024</a:t>
             </a:fld>
             <a:endParaRPr lang="en-US"/>
           </a:p>
@@ -3360,7 +3365,7 @@
           <a:p>
             <a:r>
               <a:rPr lang="en-US" sz="3200"/>
-              <a:t>Slack (https://slack.com/) is a widely adopted cloud-based team communication platform in industry. This session will present a case study showcasing the successful use of Slack for fostering collaboration among undergraduate students across various technology courses. It will provide insights into how Slack was integrated into course curriculum to enhance communication, project management, and teamwork among students. Attendees will learn about the setup of Slack workspaces, the creation of course-specific channels, the integration of tools, and the adoption of digital communication best practices in order to enrich  the educational experience and prepare students for the collaborative demands of the tech industry.</a:t>
+              <a:t>Slack (https://slack.com/) is a widely adopted cloud-based team communication platform in industry. This session presents a case study showcasing the successful use of Slack for fostering collaboration among undergraduate students across various technology courses. It will provide insights into how Slack was integrated into course curriculum to enhance communication, project management, and teamwork among students. Attendees will learn about the setup of Slack workspaces, the creation of course-specific channels, the integration of tools, and the adoption of digital communication best practices in order to enrich  the educational experience and prepare students for the collaborative demands of the tech industry.</a:t>
             </a:r>
             <a:endParaRPr lang="en-US" sz="2800"/>
           </a:p>
@@ -3380,6 +3385,673 @@
 </file>
 
 <file path=ppt/slides/slide3.xml><?xml version="1.0" encoding="utf-8"?>
+<p:sld xmlns:a="http://schemas.openxmlformats.org/drawingml/2006/main" xmlns:r="http://schemas.openxmlformats.org/officeDocument/2006/relationships" xmlns:p="http://schemas.openxmlformats.org/presentationml/2006/main">
+  <p:cSld>
+    <p:spTree>
+      <p:nvGrpSpPr>
+        <p:cNvPr id="1" name=""/>
+        <p:cNvGrpSpPr/>
+        <p:nvPr/>
+      </p:nvGrpSpPr>
+      <p:grpSpPr>
+        <a:xfrm>
+          <a:off x="0" y="0"/>
+          <a:ext cx="0" cy="0"/>
+          <a:chOff x="0" y="0"/>
+          <a:chExt cx="0" cy="0"/>
+        </a:xfrm>
+      </p:grpSpPr>
+      <p:sp>
+        <p:nvSpPr>
+          <p:cNvPr id="2" name="Title 1">
+            <a:extLst>
+              <a:ext uri="{FF2B5EF4-FFF2-40B4-BE49-F238E27FC236}">
+                <a16:creationId xmlns:a16="http://schemas.microsoft.com/office/drawing/2014/main" id="{1193C801-427D-4761-B139-63C3D71F6842}"/>
+              </a:ext>
+            </a:extLst>
+          </p:cNvPr>
+          <p:cNvSpPr>
+            <a:spLocks noGrp="1"/>
+          </p:cNvSpPr>
+          <p:nvPr>
+            <p:ph type="title"/>
+          </p:nvPr>
+        </p:nvSpPr>
+        <p:spPr>
+          <a:xfrm>
+            <a:off x="838200" y="290652"/>
+            <a:ext cx="10515600" cy="780769"/>
+          </a:xfrm>
+        </p:spPr>
+        <p:txBody>
+          <a:bodyPr/>
+          <a:lstStyle/>
+          <a:p>
+            <a:r>
+              <a:rPr lang="en-US"/>
+              <a:t>Why Slack</a:t>
+            </a:r>
+          </a:p>
+        </p:txBody>
+      </p:sp>
+      <p:sp>
+        <p:nvSpPr>
+          <p:cNvPr id="3" name="Content Placeholder 2">
+            <a:extLst>
+              <a:ext uri="{FF2B5EF4-FFF2-40B4-BE49-F238E27FC236}">
+                <a16:creationId xmlns:a16="http://schemas.microsoft.com/office/drawing/2014/main" id="{8105E254-772A-4AB1-8230-33418D800ECD}"/>
+              </a:ext>
+            </a:extLst>
+          </p:cNvPr>
+          <p:cNvSpPr>
+            <a:spLocks noGrp="1"/>
+          </p:cNvSpPr>
+          <p:nvPr>
+            <p:ph idx="1"/>
+          </p:nvPr>
+        </p:nvSpPr>
+        <p:spPr>
+          <a:xfrm>
+            <a:off x="838200" y="1307939"/>
+            <a:ext cx="10515600" cy="4615066"/>
+          </a:xfrm>
+        </p:spPr>
+        <p:txBody>
+          <a:bodyPr>
+            <a:normAutofit lnSpcReduction="10000"/>
+          </a:bodyPr>
+          <a:lstStyle/>
+          <a:p>
+            <a:r>
+              <a:rPr lang="en-US" sz="2800"/>
+              <a:t>Gartner: "Social Software in the Workplace"</a:t>
+            </a:r>
+            <a:r>
+              <a:rPr lang="en-US"/>
+              <a:t> https://www.gartner.com/reviews/market/workplace-social-software </a:t>
+            </a:r>
+          </a:p>
+          <a:p>
+            <a:pPr lvl="1"/>
+            <a:r>
+              <a:rPr lang="en-US"/>
+              <a:t>Positives: "Slack - Superior Messaging Platform"</a:t>
+            </a:r>
+          </a:p>
+          <a:p>
+            <a:pPr lvl="1"/>
+            <a:r>
+              <a:rPr lang="en-US"/>
+              <a:t>Negatives: "A mix between efficient communication and interface overload"</a:t>
+            </a:r>
+          </a:p>
+          <a:p>
+            <a:r>
+              <a:rPr lang="en-US" sz="2800"/>
+              <a:t>Top Slack Alternatives</a:t>
+            </a:r>
+          </a:p>
+          <a:p>
+            <a:pPr lvl="1"/>
+            <a:r>
+              <a:rPr lang="en-US"/>
+              <a:t>Office 365 (including SharePoint Online)</a:t>
+            </a:r>
+          </a:p>
+          <a:p>
+            <a:pPr lvl="1"/>
+            <a:r>
+              <a:rPr lang="en-US"/>
+              <a:t>Adobe Acrobat (Document Cloud)</a:t>
+            </a:r>
+          </a:p>
+          <a:p>
+            <a:pPr lvl="1"/>
+            <a:r>
+              <a:rPr lang="en-US"/>
+              <a:t>Google Workspace</a:t>
+            </a:r>
+          </a:p>
+          <a:p>
+            <a:r>
+              <a:rPr lang="en-US"/>
+              <a:t>"Non-business" alternatives</a:t>
+            </a:r>
+          </a:p>
+          <a:p>
+            <a:pPr lvl="1"/>
+            <a:r>
+              <a:rPr lang="en-US"/>
+              <a:t>Discord</a:t>
+            </a:r>
+          </a:p>
+          <a:p>
+            <a:pPr lvl="1"/>
+            <a:r>
+              <a:rPr lang="en-US"/>
+              <a:t>Reddit</a:t>
+            </a:r>
+          </a:p>
+        </p:txBody>
+      </p:sp>
+    </p:spTree>
+    <p:extLst>
+      <p:ext uri="{BB962C8B-B14F-4D97-AF65-F5344CB8AC3E}">
+        <p14:creationId xmlns:p14="http://schemas.microsoft.com/office/powerpoint/2010/main" val="3705107825"/>
+      </p:ext>
+    </p:extLst>
+  </p:cSld>
+  <p:clrMapOvr>
+    <a:masterClrMapping/>
+  </p:clrMapOvr>
+</p:sld>
+</file>
+
+<file path=ppt/slides/slide4.xml><?xml version="1.0" encoding="utf-8"?>
+<p:sld xmlns:a="http://schemas.openxmlformats.org/drawingml/2006/main" xmlns:r="http://schemas.openxmlformats.org/officeDocument/2006/relationships" xmlns:p="http://schemas.openxmlformats.org/presentationml/2006/main">
+  <p:cSld>
+    <p:spTree>
+      <p:nvGrpSpPr>
+        <p:cNvPr id="1" name=""/>
+        <p:cNvGrpSpPr/>
+        <p:nvPr/>
+      </p:nvGrpSpPr>
+      <p:grpSpPr>
+        <a:xfrm>
+          <a:off x="0" y="0"/>
+          <a:ext cx="0" cy="0"/>
+          <a:chOff x="0" y="0"/>
+          <a:chExt cx="0" cy="0"/>
+        </a:xfrm>
+      </p:grpSpPr>
+      <p:sp>
+        <p:nvSpPr>
+          <p:cNvPr id="2" name="Title 1">
+            <a:extLst>
+              <a:ext uri="{FF2B5EF4-FFF2-40B4-BE49-F238E27FC236}">
+                <a16:creationId xmlns:a16="http://schemas.microsoft.com/office/drawing/2014/main" id="{1193C801-427D-4761-B139-63C3D71F6842}"/>
+              </a:ext>
+            </a:extLst>
+          </p:cNvPr>
+          <p:cNvSpPr>
+            <a:spLocks noGrp="1"/>
+          </p:cNvSpPr>
+          <p:nvPr>
+            <p:ph type="title"/>
+          </p:nvPr>
+        </p:nvSpPr>
+        <p:spPr>
+          <a:xfrm>
+            <a:off x="838200" y="290652"/>
+            <a:ext cx="10515600" cy="780769"/>
+          </a:xfrm>
+        </p:spPr>
+        <p:txBody>
+          <a:bodyPr/>
+          <a:lstStyle/>
+          <a:p>
+            <a:r>
+              <a:rPr lang="en-US"/>
+              <a:t>Anecdotal Evidence for Popularity in Tech</a:t>
+            </a:r>
+          </a:p>
+        </p:txBody>
+      </p:sp>
+      <p:sp>
+        <p:nvSpPr>
+          <p:cNvPr id="3" name="Content Placeholder 2">
+            <a:extLst>
+              <a:ext uri="{FF2B5EF4-FFF2-40B4-BE49-F238E27FC236}">
+                <a16:creationId xmlns:a16="http://schemas.microsoft.com/office/drawing/2014/main" id="{8105E254-772A-4AB1-8230-33418D800ECD}"/>
+              </a:ext>
+            </a:extLst>
+          </p:cNvPr>
+          <p:cNvSpPr>
+            <a:spLocks noGrp="1"/>
+          </p:cNvSpPr>
+          <p:nvPr>
+            <p:ph idx="1"/>
+          </p:nvPr>
+        </p:nvSpPr>
+        <p:spPr>
+          <a:xfrm>
+            <a:off x="838200" y="1307939"/>
+            <a:ext cx="10515600" cy="4615066"/>
+          </a:xfrm>
+        </p:spPr>
+        <p:txBody>
+          <a:bodyPr>
+            <a:normAutofit fontScale="85000" lnSpcReduction="10000"/>
+          </a:bodyPr>
+          <a:lstStyle/>
+          <a:p>
+            <a:r>
+              <a:rPr lang="en-US" sz="2800"/>
+              <a:t>Many popular developer communities, including open-source projects and tech-focused groups, use Slack for communication. </a:t>
+            </a:r>
+          </a:p>
+          <a:p>
+            <a:r>
+              <a:rPr lang="en-US" sz="2800"/>
+              <a:t>Numerous tech companies, both startups and established enterprises, adopt Slack as their primary communication tool. </a:t>
+            </a:r>
+          </a:p>
+          <a:p>
+            <a:r>
+              <a:rPr lang="en-US" sz="2800"/>
+              <a:t>Tech conferences and meetups often use Slack to facilitate communication among attendees. </a:t>
+            </a:r>
+          </a:p>
+          <a:p>
+            <a:r>
+              <a:rPr lang="en-US" sz="2800"/>
+              <a:t>Developers appreciate Slack's ability to enhance productivity through integrations, bots, and automation. </a:t>
+            </a:r>
+          </a:p>
+          <a:p>
+            <a:r>
+              <a:rPr lang="en-US" sz="2800"/>
+              <a:t>With the rise of remote work, developers frequently share positive experiences using Slack to maintain team communication and collaboration. </a:t>
+            </a:r>
+          </a:p>
+          <a:p>
+            <a:r>
+              <a:rPr lang="en-US" sz="2800"/>
+              <a:t>Platforms like Reddit, Stack Overflow, and Twitter have numerous threads and discussions where developers share their positive experiences with Slack.</a:t>
+            </a:r>
+            <a:endParaRPr lang="en-US"/>
+          </a:p>
+        </p:txBody>
+      </p:sp>
+    </p:spTree>
+    <p:extLst>
+      <p:ext uri="{BB962C8B-B14F-4D97-AF65-F5344CB8AC3E}">
+        <p14:creationId xmlns:p14="http://schemas.microsoft.com/office/powerpoint/2010/main" val="4193741137"/>
+      </p:ext>
+    </p:extLst>
+  </p:cSld>
+  <p:clrMapOvr>
+    <a:masterClrMapping/>
+  </p:clrMapOvr>
+</p:sld>
+</file>
+
+<file path=ppt/slides/slide5.xml><?xml version="1.0" encoding="utf-8"?>
+<p:sld xmlns:a="http://schemas.openxmlformats.org/drawingml/2006/main" xmlns:r="http://schemas.openxmlformats.org/officeDocument/2006/relationships" xmlns:p="http://schemas.openxmlformats.org/presentationml/2006/main">
+  <p:cSld>
+    <p:spTree>
+      <p:nvGrpSpPr>
+        <p:cNvPr id="1" name=""/>
+        <p:cNvGrpSpPr/>
+        <p:nvPr/>
+      </p:nvGrpSpPr>
+      <p:grpSpPr>
+        <a:xfrm>
+          <a:off x="0" y="0"/>
+          <a:ext cx="0" cy="0"/>
+          <a:chOff x="0" y="0"/>
+          <a:chExt cx="0" cy="0"/>
+        </a:xfrm>
+      </p:grpSpPr>
+      <p:sp>
+        <p:nvSpPr>
+          <p:cNvPr id="2" name="Title 1">
+            <a:extLst>
+              <a:ext uri="{FF2B5EF4-FFF2-40B4-BE49-F238E27FC236}">
+                <a16:creationId xmlns:a16="http://schemas.microsoft.com/office/drawing/2014/main" id="{1193C801-427D-4761-B139-63C3D71F6842}"/>
+              </a:ext>
+            </a:extLst>
+          </p:cNvPr>
+          <p:cNvSpPr>
+            <a:spLocks noGrp="1"/>
+          </p:cNvSpPr>
+          <p:nvPr>
+            <p:ph type="title"/>
+          </p:nvPr>
+        </p:nvSpPr>
+        <p:spPr>
+          <a:xfrm>
+            <a:off x="838200" y="290652"/>
+            <a:ext cx="10515600" cy="780769"/>
+          </a:xfrm>
+        </p:spPr>
+        <p:txBody>
+          <a:bodyPr/>
+          <a:lstStyle/>
+          <a:p>
+            <a:r>
+              <a:rPr lang="en-US"/>
+              <a:t>Slack for Software Development</a:t>
+            </a:r>
+          </a:p>
+        </p:txBody>
+      </p:sp>
+      <p:sp>
+        <p:nvSpPr>
+          <p:cNvPr id="3" name="Content Placeholder 2">
+            <a:extLst>
+              <a:ext uri="{FF2B5EF4-FFF2-40B4-BE49-F238E27FC236}">
+                <a16:creationId xmlns:a16="http://schemas.microsoft.com/office/drawing/2014/main" id="{8105E254-772A-4AB1-8230-33418D800ECD}"/>
+              </a:ext>
+            </a:extLst>
+          </p:cNvPr>
+          <p:cNvSpPr>
+            <a:spLocks noGrp="1"/>
+          </p:cNvSpPr>
+          <p:nvPr>
+            <p:ph idx="1"/>
+          </p:nvPr>
+        </p:nvSpPr>
+        <p:spPr>
+          <a:xfrm>
+            <a:off x="838200" y="1307939"/>
+            <a:ext cx="10515600" cy="4615066"/>
+          </a:xfrm>
+        </p:spPr>
+        <p:txBody>
+          <a:bodyPr>
+            <a:normAutofit/>
+          </a:bodyPr>
+          <a:lstStyle/>
+          <a:p>
+            <a:r>
+              <a:rPr lang="en-US"/>
+              <a:t>I</a:t>
+            </a:r>
+            <a:r>
+              <a:rPr lang="en-US" sz="2800"/>
+              <a:t>ntegrations with development tools like GitHub, Jira, and CI/CD pipelines.</a:t>
+            </a:r>
+          </a:p>
+          <a:p>
+            <a:r>
+              <a:rPr lang="en-US" sz="2800"/>
+              <a:t>Slack's integrations streamline workflows, reducing context switching and improving efficiency.</a:t>
+            </a:r>
+          </a:p>
+          <a:p>
+            <a:r>
+              <a:rPr lang="en-US"/>
+              <a:t>F</a:t>
+            </a:r>
+            <a:r>
+              <a:rPr lang="en-US" sz="2800"/>
+              <a:t>eatures like channel organization, search functionality, and customizability</a:t>
+            </a:r>
+            <a:endParaRPr lang="en-US"/>
+          </a:p>
+        </p:txBody>
+      </p:sp>
+    </p:spTree>
+    <p:extLst>
+      <p:ext uri="{BB962C8B-B14F-4D97-AF65-F5344CB8AC3E}">
+        <p14:creationId xmlns:p14="http://schemas.microsoft.com/office/powerpoint/2010/main" val="825063461"/>
+      </p:ext>
+    </p:extLst>
+  </p:cSld>
+  <p:clrMapOvr>
+    <a:masterClrMapping/>
+  </p:clrMapOvr>
+</p:sld>
+</file>
+
+<file path=ppt/slides/slide6.xml><?xml version="1.0" encoding="utf-8"?>
+<p:sld xmlns:a="http://schemas.openxmlformats.org/drawingml/2006/main" xmlns:r="http://schemas.openxmlformats.org/officeDocument/2006/relationships" xmlns:p="http://schemas.openxmlformats.org/presentationml/2006/main">
+  <p:cSld>
+    <p:spTree>
+      <p:nvGrpSpPr>
+        <p:cNvPr id="1" name=""/>
+        <p:cNvGrpSpPr/>
+        <p:nvPr/>
+      </p:nvGrpSpPr>
+      <p:grpSpPr>
+        <a:xfrm>
+          <a:off x="0" y="0"/>
+          <a:ext cx="0" cy="0"/>
+          <a:chOff x="0" y="0"/>
+          <a:chExt cx="0" cy="0"/>
+        </a:xfrm>
+      </p:grpSpPr>
+      <p:sp>
+        <p:nvSpPr>
+          <p:cNvPr id="2" name="Title 1">
+            <a:extLst>
+              <a:ext uri="{FF2B5EF4-FFF2-40B4-BE49-F238E27FC236}">
+                <a16:creationId xmlns:a16="http://schemas.microsoft.com/office/drawing/2014/main" id="{1193C801-427D-4761-B139-63C3D71F6842}"/>
+              </a:ext>
+            </a:extLst>
+          </p:cNvPr>
+          <p:cNvSpPr>
+            <a:spLocks noGrp="1"/>
+          </p:cNvSpPr>
+          <p:nvPr>
+            <p:ph type="title"/>
+          </p:nvPr>
+        </p:nvSpPr>
+        <p:spPr>
+          <a:xfrm>
+            <a:off x="838200" y="290652"/>
+            <a:ext cx="10941908" cy="780769"/>
+          </a:xfrm>
+        </p:spPr>
+        <p:txBody>
+          <a:bodyPr/>
+          <a:lstStyle/>
+          <a:p>
+            <a:r>
+              <a:rPr lang="en-US"/>
+              <a:t>Shared Undergraduate Workspace Advantages</a:t>
+            </a:r>
+          </a:p>
+        </p:txBody>
+      </p:sp>
+      <p:sp>
+        <p:nvSpPr>
+          <p:cNvPr id="3" name="Content Placeholder 2">
+            <a:extLst>
+              <a:ext uri="{FF2B5EF4-FFF2-40B4-BE49-F238E27FC236}">
+                <a16:creationId xmlns:a16="http://schemas.microsoft.com/office/drawing/2014/main" id="{8105E254-772A-4AB1-8230-33418D800ECD}"/>
+              </a:ext>
+            </a:extLst>
+          </p:cNvPr>
+          <p:cNvSpPr>
+            <a:spLocks noGrp="1"/>
+          </p:cNvSpPr>
+          <p:nvPr>
+            <p:ph idx="1"/>
+          </p:nvPr>
+        </p:nvSpPr>
+        <p:spPr>
+          <a:xfrm>
+            <a:off x="838200" y="1307939"/>
+            <a:ext cx="10515600" cy="4615066"/>
+          </a:xfrm>
+        </p:spPr>
+        <p:txBody>
+          <a:bodyPr>
+            <a:normAutofit fontScale="77500" lnSpcReduction="20000"/>
+          </a:bodyPr>
+          <a:lstStyle/>
+          <a:p>
+            <a:r>
+              <a:rPr lang="en-US"/>
+              <a:t>Centralized Communication: consolidates communication channels for all courses, making it easier for students to stay informed about announcements, assignments, and deadlines.</a:t>
+            </a:r>
+          </a:p>
+          <a:p>
+            <a:r>
+              <a:rPr lang="en-US"/>
+              <a:t>Collaboration Opportunities: collaboration across courses on interdisciplinary projects, share resources, and coursework.</a:t>
+            </a:r>
+          </a:p>
+          <a:p>
+            <a:r>
+              <a:rPr lang="en-US"/>
+              <a:t>Networking: allows students to network with peers from various courses, potentially leading to new friendships, study groups, and professional connections.</a:t>
+            </a:r>
+          </a:p>
+          <a:p>
+            <a:r>
+              <a:rPr lang="en-US"/>
+              <a:t>Resource Sharing: sharing of relevant resources such as articles, tutorials, and tools across multiple courses, enriching the learning material available to everyone.</a:t>
+            </a:r>
+          </a:p>
+          <a:p>
+            <a:r>
+              <a:rPr lang="en-US"/>
+              <a:t>Real-Time Support: real-time support from instructors and peers, which can be particularly beneficial for addressing questions and issues promptly.</a:t>
+            </a:r>
+          </a:p>
+          <a:p>
+            <a:r>
+              <a:rPr lang="en-US"/>
+              <a:t>Community Building: helps build a sense of community among students and instructors, encouraging engagement and participation beyond the confines of individual courses.</a:t>
+            </a:r>
+          </a:p>
+        </p:txBody>
+      </p:sp>
+    </p:spTree>
+    <p:extLst>
+      <p:ext uri="{BB962C8B-B14F-4D97-AF65-F5344CB8AC3E}">
+        <p14:creationId xmlns:p14="http://schemas.microsoft.com/office/powerpoint/2010/main" val="2770863887"/>
+      </p:ext>
+    </p:extLst>
+  </p:cSld>
+  <p:clrMapOvr>
+    <a:masterClrMapping/>
+  </p:clrMapOvr>
+</p:sld>
+</file>
+
+<file path=ppt/slides/slide7.xml><?xml version="1.0" encoding="utf-8"?>
+<p:sld xmlns:a="http://schemas.openxmlformats.org/drawingml/2006/main" xmlns:r="http://schemas.openxmlformats.org/officeDocument/2006/relationships" xmlns:p="http://schemas.openxmlformats.org/presentationml/2006/main">
+  <p:cSld>
+    <p:spTree>
+      <p:nvGrpSpPr>
+        <p:cNvPr id="1" name=""/>
+        <p:cNvGrpSpPr/>
+        <p:nvPr/>
+      </p:nvGrpSpPr>
+      <p:grpSpPr>
+        <a:xfrm>
+          <a:off x="0" y="0"/>
+          <a:ext cx="0" cy="0"/>
+          <a:chOff x="0" y="0"/>
+          <a:chExt cx="0" cy="0"/>
+        </a:xfrm>
+      </p:grpSpPr>
+      <p:sp>
+        <p:nvSpPr>
+          <p:cNvPr id="2" name="Title 1">
+            <a:extLst>
+              <a:ext uri="{FF2B5EF4-FFF2-40B4-BE49-F238E27FC236}">
+                <a16:creationId xmlns:a16="http://schemas.microsoft.com/office/drawing/2014/main" id="{1193C801-427D-4761-B139-63C3D71F6842}"/>
+              </a:ext>
+            </a:extLst>
+          </p:cNvPr>
+          <p:cNvSpPr>
+            <a:spLocks noGrp="1"/>
+          </p:cNvSpPr>
+          <p:nvPr>
+            <p:ph type="title"/>
+          </p:nvPr>
+        </p:nvSpPr>
+        <p:spPr>
+          <a:xfrm>
+            <a:off x="838200" y="290652"/>
+            <a:ext cx="10941908" cy="780769"/>
+          </a:xfrm>
+        </p:spPr>
+        <p:txBody>
+          <a:bodyPr/>
+          <a:lstStyle/>
+          <a:p>
+            <a:r>
+              <a:rPr lang="en-US"/>
+              <a:t>Shared Undergraduate Workspace Advantages</a:t>
+            </a:r>
+          </a:p>
+        </p:txBody>
+      </p:sp>
+      <p:sp>
+        <p:nvSpPr>
+          <p:cNvPr id="3" name="Content Placeholder 2">
+            <a:extLst>
+              <a:ext uri="{FF2B5EF4-FFF2-40B4-BE49-F238E27FC236}">
+                <a16:creationId xmlns:a16="http://schemas.microsoft.com/office/drawing/2014/main" id="{8105E254-772A-4AB1-8230-33418D800ECD}"/>
+              </a:ext>
+            </a:extLst>
+          </p:cNvPr>
+          <p:cNvSpPr>
+            <a:spLocks noGrp="1"/>
+          </p:cNvSpPr>
+          <p:nvPr>
+            <p:ph idx="1"/>
+          </p:nvPr>
+        </p:nvSpPr>
+        <p:spPr>
+          <a:xfrm>
+            <a:off x="838200" y="1307939"/>
+            <a:ext cx="10515600" cy="4615066"/>
+          </a:xfrm>
+        </p:spPr>
+        <p:txBody>
+          <a:bodyPr>
+            <a:normAutofit fontScale="77500" lnSpcReduction="20000"/>
+          </a:bodyPr>
+          <a:lstStyle/>
+          <a:p>
+            <a:r>
+              <a:rPr lang="en-US"/>
+              <a:t>Cross-Course Announcements: announcements reach all students across different courses simultaneously, ensuring important information is disseminated quickly and efficiently.</a:t>
+            </a:r>
+          </a:p>
+          <a:p>
+            <a:r>
+              <a:rPr lang="en-US"/>
+              <a:t>Facilitating Mentorship: senior students or those who have taken certain courses can mentor juniors, providing guidance and sharing their experiences, which can be very beneficial for newcomers.</a:t>
+            </a:r>
+          </a:p>
+          <a:p>
+            <a:r>
+              <a:rPr lang="en-US"/>
+              <a:t>Integrated Tools and Apps: integrations with various tools (e.g., GitHub, Trello, Google Drive) can streamline project management and collaborative tasks across courses, enhancing productivity and learning.</a:t>
+            </a:r>
+          </a:p>
+          <a:p>
+            <a:r>
+              <a:rPr lang="en-US"/>
+              <a:t>Enhanced Learning Experience: informal communication style can make students feel more comfortable asking questions and participating in discussions, leading to a more engaging and interactive learning experience.</a:t>
+            </a:r>
+          </a:p>
+          <a:p>
+            <a:r>
+              <a:rPr lang="en-US"/>
+              <a:t>Feedback and Improvement: Instructors gather feedback from students about the courses in real-time, allowing for continuous improvement based on student input.</a:t>
+            </a:r>
+          </a:p>
+          <a:p>
+            <a:r>
+              <a:rPr lang="en-US"/>
+              <a:t>Event Coordination: Organizing events, such as hackathons, guest lectures, or study sessions, becomes easier.</a:t>
+            </a:r>
+          </a:p>
+        </p:txBody>
+      </p:sp>
+    </p:spTree>
+    <p:extLst>
+      <p:ext uri="{BB962C8B-B14F-4D97-AF65-F5344CB8AC3E}">
+        <p14:creationId xmlns:p14="http://schemas.microsoft.com/office/powerpoint/2010/main" val="2378320543"/>
+      </p:ext>
+    </p:extLst>
+  </p:cSld>
+  <p:clrMapOvr>
+    <a:masterClrMapping/>
+  </p:clrMapOvr>
+</p:sld>
+</file>
+
+<file path=ppt/slides/slide8.xml><?xml version="1.0" encoding="utf-8"?>
 <p:sld xmlns:a="http://schemas.openxmlformats.org/drawingml/2006/main" xmlns:r="http://schemas.openxmlformats.org/officeDocument/2006/relationships" xmlns:p="http://schemas.openxmlformats.org/presentationml/2006/main">
   <p:cSld>
     <p:spTree>

--- a/LeveragingSlackForStudentCollaboration.pptx
+++ b/LeveragingSlackForStudentCollaboration.pptx
@@ -5,7 +5,7 @@
     <p:sldMasterId id="2147483660" r:id="rId1"/>
   </p:sldMasterIdLst>
   <p:notesMasterIdLst>
-    <p:notesMasterId r:id="rId10"/>
+    <p:notesMasterId r:id="rId15"/>
   </p:notesMasterIdLst>
   <p:sldIdLst>
     <p:sldId id="309" r:id="rId2"/>
@@ -15,7 +15,12 @@
     <p:sldId id="1375" r:id="rId6"/>
     <p:sldId id="1376" r:id="rId7"/>
     <p:sldId id="1377" r:id="rId8"/>
-    <p:sldId id="1372" r:id="rId9"/>
+    <p:sldId id="1378" r:id="rId9"/>
+    <p:sldId id="1379" r:id="rId10"/>
+    <p:sldId id="1380" r:id="rId11"/>
+    <p:sldId id="1381" r:id="rId12"/>
+    <p:sldId id="1382" r:id="rId13"/>
+    <p:sldId id="1372" r:id="rId14"/>
   </p:sldIdLst>
   <p:sldSz cx="12192000" cy="6858000"/>
   <p:notesSz cx="6858000" cy="9144000"/>
@@ -204,7 +209,7 @@
           <a:p>
             <a:fld id="{CA1F7DAD-AACB-410C-9AA4-BE5099812397}" type="datetimeFigureOut">
               <a:rPr lang="en-US" smtClean="0"/>
-              <a:t>6/18/2024</a:t>
+              <a:t>6/22/2024</a:t>
             </a:fld>
             <a:endParaRPr lang="en-US"/>
           </a:p>
@@ -620,7 +625,7 @@
           <a:p>
             <a:fld id="{FCFED414-B8BD-4977-925E-1C2AFAB354A8}" type="slidenum">
               <a:rPr lang="en-US" smtClean="0"/>
-              <a:t>8</a:t>
+              <a:t>13</a:t>
             </a:fld>
             <a:endParaRPr lang="en-US"/>
           </a:p>
@@ -1130,7 +1135,7 @@
           <a:p>
             <a:fld id="{8F7D2F49-1857-4E7D-8050-DC698401AAB7}" type="datetimeFigureOut">
               <a:rPr lang="en-US" smtClean="0"/>
-              <a:t>6/18/2024</a:t>
+              <a:t>6/22/2024</a:t>
             </a:fld>
             <a:endParaRPr lang="en-US"/>
           </a:p>
@@ -2477,7 +2482,7 @@
           <a:p>
             <a:fld id="{8F7D2F49-1857-4E7D-8050-DC698401AAB7}" type="datetimeFigureOut">
               <a:rPr lang="en-US" smtClean="0"/>
-              <a:t>6/18/2024</a:t>
+              <a:t>6/22/2024</a:t>
             </a:fld>
             <a:endParaRPr lang="en-US"/>
           </a:p>
@@ -3187,7 +3192,7 @@
         </p:nvSpPr>
         <p:spPr>
           <a:xfrm>
-            <a:off x="2170393" y="538787"/>
+            <a:off x="514588" y="489359"/>
             <a:ext cx="7474348" cy="1754326"/>
           </a:xfrm>
           <a:prstGeom prst="rect">
@@ -3201,7 +3206,6 @@
           </a:bodyPr>
           <a:lstStyle/>
           <a:p>
-            <a:pPr algn="ctr"/>
             <a:r>
               <a:rPr lang="en-US" sz="5400"/>
               <a:t>Leveraging Slack for Student Collaboration</a:t>
@@ -3223,8 +3227,8 @@
         </p:nvSpPr>
         <p:spPr>
           <a:xfrm>
-            <a:off x="3131319" y="2644170"/>
-            <a:ext cx="6654292" cy="1569660"/>
+            <a:off x="659028" y="2951804"/>
+            <a:ext cx="8608540" cy="2677656"/>
           </a:xfrm>
           <a:prstGeom prst="rect">
             <a:avLst/>
@@ -3257,16 +3261,31 @@
             </a:r>
           </a:p>
           <a:p>
+            <a:endParaRPr lang="en-US" sz="2400"/>
+          </a:p>
+          <a:p>
             <a:r>
               <a:rPr lang="en-US" sz="2400"/>
-              <a:t>Kathryn Arraya</a:t>
-            </a:r>
-            <a:endParaRPr lang="en-US" sz="2400" dirty="0"/>
+              <a:t>Student Presenters:</a:t>
+            </a:r>
           </a:p>
           <a:p>
             <a:r>
               <a:rPr lang="en-US" sz="2400"/>
-              <a:t>Steven Gsell</a:t>
+              <a:t>Kathryn Arraya 	(A.S. Data Science Technology)</a:t>
+            </a:r>
+          </a:p>
+          <a:p>
+            <a:r>
+              <a:rPr lang="en-US" sz="2400"/>
+              <a:t>Steven Gsell  		(B.A.S. Information Systems Technology, </a:t>
+            </a:r>
+            <a:br>
+              <a:rPr lang="en-US" sz="2400"/>
+            </a:br>
+            <a:r>
+              <a:rPr lang="en-US" sz="2400"/>
+              <a:t>                                         Application Development Concentration)</a:t>
             </a:r>
             <a:endParaRPr lang="en-US" sz="2400" dirty="0"/>
           </a:p>
@@ -3276,6 +3295,585 @@
     <p:extLst>
       <p:ext uri="{BB962C8B-B14F-4D97-AF65-F5344CB8AC3E}">
         <p14:creationId xmlns:p14="http://schemas.microsoft.com/office/powerpoint/2010/main" val="2440045289"/>
+      </p:ext>
+    </p:extLst>
+  </p:cSld>
+  <p:clrMapOvr>
+    <a:masterClrMapping/>
+  </p:clrMapOvr>
+</p:sld>
+</file>
+
+<file path=ppt/slides/slide10.xml><?xml version="1.0" encoding="utf-8"?>
+<p:sld xmlns:a="http://schemas.openxmlformats.org/drawingml/2006/main" xmlns:r="http://schemas.openxmlformats.org/officeDocument/2006/relationships" xmlns:p="http://schemas.openxmlformats.org/presentationml/2006/main">
+  <p:cSld>
+    <p:spTree>
+      <p:nvGrpSpPr>
+        <p:cNvPr id="1" name=""/>
+        <p:cNvGrpSpPr/>
+        <p:nvPr/>
+      </p:nvGrpSpPr>
+      <p:grpSpPr>
+        <a:xfrm>
+          <a:off x="0" y="0"/>
+          <a:ext cx="0" cy="0"/>
+          <a:chOff x="0" y="0"/>
+          <a:chExt cx="0" cy="0"/>
+        </a:xfrm>
+      </p:grpSpPr>
+      <p:sp>
+        <p:nvSpPr>
+          <p:cNvPr id="2" name="Title 1">
+            <a:extLst>
+              <a:ext uri="{FF2B5EF4-FFF2-40B4-BE49-F238E27FC236}">
+                <a16:creationId xmlns:a16="http://schemas.microsoft.com/office/drawing/2014/main" id="{1193C801-427D-4761-B139-63C3D71F6842}"/>
+              </a:ext>
+            </a:extLst>
+          </p:cNvPr>
+          <p:cNvSpPr>
+            <a:spLocks noGrp="1"/>
+          </p:cNvSpPr>
+          <p:nvPr>
+            <p:ph type="title"/>
+          </p:nvPr>
+        </p:nvSpPr>
+        <p:spPr>
+          <a:xfrm>
+            <a:off x="838200" y="290652"/>
+            <a:ext cx="10941908" cy="780769"/>
+          </a:xfrm>
+        </p:spPr>
+        <p:txBody>
+          <a:bodyPr/>
+          <a:lstStyle/>
+          <a:p>
+            <a:r>
+              <a:rPr lang="en-US"/>
+              <a:t>Administering the Workspace</a:t>
+            </a:r>
+          </a:p>
+        </p:txBody>
+      </p:sp>
+      <p:sp>
+        <p:nvSpPr>
+          <p:cNvPr id="3" name="Content Placeholder 2">
+            <a:extLst>
+              <a:ext uri="{FF2B5EF4-FFF2-40B4-BE49-F238E27FC236}">
+                <a16:creationId xmlns:a16="http://schemas.microsoft.com/office/drawing/2014/main" id="{8105E254-772A-4AB1-8230-33418D800ECD}"/>
+              </a:ext>
+            </a:extLst>
+          </p:cNvPr>
+          <p:cNvSpPr>
+            <a:spLocks noGrp="1"/>
+          </p:cNvSpPr>
+          <p:nvPr>
+            <p:ph idx="1"/>
+          </p:nvPr>
+        </p:nvSpPr>
+        <p:spPr>
+          <a:xfrm>
+            <a:off x="838200" y="1071421"/>
+            <a:ext cx="10515600" cy="4851584"/>
+          </a:xfrm>
+        </p:spPr>
+        <p:txBody>
+          <a:bodyPr>
+            <a:normAutofit fontScale="92500" lnSpcReduction="20000"/>
+          </a:bodyPr>
+          <a:lstStyle/>
+          <a:p>
+            <a:pPr marL="169863" indent="-169863">
+              <a:lnSpc>
+                <a:spcPct val="120000"/>
+              </a:lnSpc>
+              <a:spcBef>
+                <a:spcPts val="500"/>
+              </a:spcBef>
+            </a:pPr>
+            <a:r>
+              <a:rPr lang="en-US" sz="2000"/>
+              <a:t>Canvas Announcement</a:t>
+            </a:r>
+            <a:endParaRPr lang="en-US" sz="2000">
+              <a:solidFill>
+                <a:srgbClr val="000000"/>
+              </a:solidFill>
+            </a:endParaRPr>
+          </a:p>
+          <a:p>
+            <a:pPr marL="457200" indent="0">
+              <a:lnSpc>
+                <a:spcPct val="120000"/>
+              </a:lnSpc>
+              <a:spcBef>
+                <a:spcPts val="500"/>
+              </a:spcBef>
+              <a:buNone/>
+            </a:pPr>
+            <a:r>
+              <a:rPr lang="en-US" sz="2000" b="1">
+                <a:solidFill>
+                  <a:srgbClr val="000000"/>
+                </a:solidFill>
+              </a:rPr>
+              <a:t>Slack Workspace Invitation</a:t>
+            </a:r>
+          </a:p>
+          <a:p>
+            <a:pPr marL="457200" indent="0">
+              <a:lnSpc>
+                <a:spcPct val="120000"/>
+              </a:lnSpc>
+              <a:spcBef>
+                <a:spcPts val="500"/>
+              </a:spcBef>
+              <a:buNone/>
+            </a:pPr>
+            <a:r>
+              <a:rPr lang="en-US" sz="1800">
+                <a:solidFill>
+                  <a:srgbClr val="000000"/>
+                </a:solidFill>
+              </a:rPr>
+              <a:t>Here is the invite link for our Slack workspace:</a:t>
+            </a:r>
+          </a:p>
+          <a:p>
+            <a:pPr marL="457200" indent="0">
+              <a:lnSpc>
+                <a:spcPct val="120000"/>
+              </a:lnSpc>
+              <a:spcBef>
+                <a:spcPts val="500"/>
+              </a:spcBef>
+              <a:buNone/>
+            </a:pPr>
+            <a:r>
+              <a:rPr lang="en-US" sz="1800">
+                <a:solidFill>
+                  <a:srgbClr val="000000"/>
+                </a:solidFill>
+              </a:rPr>
+              <a:t>	https://join.slack.com/t/summer24-workspace/shared_invite/... </a:t>
+            </a:r>
+          </a:p>
+          <a:p>
+            <a:pPr marL="914400" lvl="1" indent="0">
+              <a:lnSpc>
+                <a:spcPct val="120000"/>
+              </a:lnSpc>
+              <a:buNone/>
+            </a:pPr>
+            <a:r>
+              <a:rPr lang="en-US" sz="1600">
+                <a:solidFill>
+                  <a:srgbClr val="000000"/>
+                </a:solidFill>
+              </a:rPr>
+              <a:t>You can download Slack for Windows here: https://slack.com/downloads/windows</a:t>
+            </a:r>
+            <a:br>
+              <a:rPr lang="en-US" sz="1600">
+                <a:solidFill>
+                  <a:srgbClr val="000000"/>
+                </a:solidFill>
+              </a:rPr>
+            </a:br>
+            <a:r>
+              <a:rPr lang="en-US" sz="1600">
+                <a:solidFill>
+                  <a:srgbClr val="000000"/>
+                </a:solidFill>
+              </a:rPr>
+              <a:t>You can download Slack for Mac here: https://slack.com/downloads/mac </a:t>
+            </a:r>
+            <a:br>
+              <a:rPr lang="en-US" sz="1600">
+                <a:solidFill>
+                  <a:srgbClr val="000000"/>
+                </a:solidFill>
+              </a:rPr>
+            </a:br>
+            <a:r>
+              <a:rPr lang="en-US" sz="1600">
+                <a:solidFill>
+                  <a:srgbClr val="000000"/>
+                </a:solidFill>
+              </a:rPr>
+              <a:t>There is also a Slack app for iOS and Android devices.</a:t>
+            </a:r>
+          </a:p>
+          <a:p>
+            <a:pPr marL="457200" indent="0">
+              <a:lnSpc>
+                <a:spcPct val="120000"/>
+              </a:lnSpc>
+              <a:spcBef>
+                <a:spcPts val="500"/>
+              </a:spcBef>
+              <a:buNone/>
+            </a:pPr>
+            <a:r>
+              <a:rPr lang="en-US" sz="1800">
+                <a:solidFill>
+                  <a:srgbClr val="000000"/>
+                </a:solidFill>
+              </a:rPr>
+              <a:t>If you haven't used Slack before, each workspace contains channels for discussion topics.</a:t>
+            </a:r>
+          </a:p>
+          <a:p>
+            <a:pPr marL="914400" indent="-457200">
+              <a:lnSpc>
+                <a:spcPct val="120000"/>
+              </a:lnSpc>
+              <a:spcBef>
+                <a:spcPts val="500"/>
+              </a:spcBef>
+            </a:pPr>
+            <a:r>
+              <a:rPr lang="en-US" sz="1800">
+                <a:solidFill>
+                  <a:srgbClr val="000000"/>
+                </a:solidFill>
+              </a:rPr>
+              <a:t>The workspace has a dedicated channel for this course: #cop3330c</a:t>
+            </a:r>
+          </a:p>
+          <a:p>
+            <a:pPr marL="914400" indent="-457200">
+              <a:lnSpc>
+                <a:spcPct val="120000"/>
+              </a:lnSpc>
+              <a:spcBef>
+                <a:spcPts val="500"/>
+              </a:spcBef>
+            </a:pPr>
+            <a:r>
+              <a:rPr lang="en-US" sz="1800">
+                <a:solidFill>
+                  <a:srgbClr val="000000"/>
+                </a:solidFill>
+              </a:rPr>
+              <a:t>We also have a #general channel for general IT questions and discussions. This channel is shared among many other courses that are running this semester.</a:t>
+            </a:r>
+          </a:p>
+          <a:p>
+            <a:pPr marL="914400" indent="-457200">
+              <a:lnSpc>
+                <a:spcPct val="120000"/>
+              </a:lnSpc>
+              <a:spcBef>
+                <a:spcPts val="500"/>
+              </a:spcBef>
+            </a:pPr>
+            <a:r>
+              <a:rPr lang="en-US" sz="1800">
+                <a:solidFill>
+                  <a:srgbClr val="000000"/>
+                </a:solidFill>
+              </a:rPr>
+              <a:t>The #random channel is for fun stuff: technology memes, personal/job announcements, etc. that you would like to share with the class.</a:t>
+            </a:r>
+          </a:p>
+          <a:p>
+            <a:pPr marL="457200" indent="0">
+              <a:lnSpc>
+                <a:spcPct val="120000"/>
+              </a:lnSpc>
+              <a:spcBef>
+                <a:spcPts val="500"/>
+              </a:spcBef>
+              <a:buNone/>
+            </a:pPr>
+            <a:r>
+              <a:rPr lang="en-US" sz="1800" b="1">
+                <a:solidFill>
+                  <a:srgbClr val="000000"/>
+                </a:solidFill>
+              </a:rPr>
+              <a:t>All Slack posts must remain family-friendly. Be respectful. Do not DM without consent from the recipient. Do not share code solutions for course assignments before the due date, but feel free to share ideas, hints, and algorithms.</a:t>
+            </a:r>
+          </a:p>
+        </p:txBody>
+      </p:sp>
+    </p:spTree>
+    <p:extLst>
+      <p:ext uri="{BB962C8B-B14F-4D97-AF65-F5344CB8AC3E}">
+        <p14:creationId xmlns:p14="http://schemas.microsoft.com/office/powerpoint/2010/main" val="178654159"/>
+      </p:ext>
+    </p:extLst>
+  </p:cSld>
+  <p:clrMapOvr>
+    <a:masterClrMapping/>
+  </p:clrMapOvr>
+</p:sld>
+</file>
+
+<file path=ppt/slides/slide11.xml><?xml version="1.0" encoding="utf-8"?>
+<p:sld xmlns:a="http://schemas.openxmlformats.org/drawingml/2006/main" xmlns:r="http://schemas.openxmlformats.org/officeDocument/2006/relationships" xmlns:p="http://schemas.openxmlformats.org/presentationml/2006/main">
+  <p:cSld>
+    <p:spTree>
+      <p:nvGrpSpPr>
+        <p:cNvPr id="1" name=""/>
+        <p:cNvGrpSpPr/>
+        <p:nvPr/>
+      </p:nvGrpSpPr>
+      <p:grpSpPr>
+        <a:xfrm>
+          <a:off x="0" y="0"/>
+          <a:ext cx="0" cy="0"/>
+          <a:chOff x="0" y="0"/>
+          <a:chExt cx="0" cy="0"/>
+        </a:xfrm>
+      </p:grpSpPr>
+      <p:sp>
+        <p:nvSpPr>
+          <p:cNvPr id="2" name="Title 1">
+            <a:extLst>
+              <a:ext uri="{FF2B5EF4-FFF2-40B4-BE49-F238E27FC236}">
+                <a16:creationId xmlns:a16="http://schemas.microsoft.com/office/drawing/2014/main" id="{1193C801-427D-4761-B139-63C3D71F6842}"/>
+              </a:ext>
+            </a:extLst>
+          </p:cNvPr>
+          <p:cNvSpPr>
+            <a:spLocks noGrp="1"/>
+          </p:cNvSpPr>
+          <p:nvPr>
+            <p:ph type="title"/>
+          </p:nvPr>
+        </p:nvSpPr>
+        <p:spPr>
+          <a:xfrm>
+            <a:off x="838200" y="290652"/>
+            <a:ext cx="10941908" cy="780769"/>
+          </a:xfrm>
+        </p:spPr>
+        <p:txBody>
+          <a:bodyPr/>
+          <a:lstStyle/>
+          <a:p>
+            <a:r>
+              <a:rPr lang="en-US"/>
+              <a:t>Student Experience (Kate Araya)</a:t>
+            </a:r>
+          </a:p>
+        </p:txBody>
+      </p:sp>
+      <p:sp>
+        <p:nvSpPr>
+          <p:cNvPr id="3" name="Content Placeholder 2">
+            <a:extLst>
+              <a:ext uri="{FF2B5EF4-FFF2-40B4-BE49-F238E27FC236}">
+                <a16:creationId xmlns:a16="http://schemas.microsoft.com/office/drawing/2014/main" id="{8105E254-772A-4AB1-8230-33418D800ECD}"/>
+              </a:ext>
+            </a:extLst>
+          </p:cNvPr>
+          <p:cNvSpPr>
+            <a:spLocks noGrp="1"/>
+          </p:cNvSpPr>
+          <p:nvPr>
+            <p:ph idx="1"/>
+          </p:nvPr>
+        </p:nvSpPr>
+        <p:spPr>
+          <a:xfrm>
+            <a:off x="838200" y="1071421"/>
+            <a:ext cx="10515600" cy="4851584"/>
+          </a:xfrm>
+        </p:spPr>
+        <p:txBody>
+          <a:bodyPr>
+            <a:normAutofit/>
+          </a:bodyPr>
+          <a:lstStyle/>
+          <a:p>
+            <a:pPr marL="169863" indent="-169863">
+              <a:lnSpc>
+                <a:spcPct val="120000"/>
+              </a:lnSpc>
+              <a:spcBef>
+                <a:spcPts val="500"/>
+              </a:spcBef>
+            </a:pPr>
+            <a:endParaRPr lang="en-US" sz="1800" b="1">
+              <a:solidFill>
+                <a:srgbClr val="000000"/>
+              </a:solidFill>
+            </a:endParaRPr>
+          </a:p>
+        </p:txBody>
+      </p:sp>
+    </p:spTree>
+    <p:extLst>
+      <p:ext uri="{BB962C8B-B14F-4D97-AF65-F5344CB8AC3E}">
+        <p14:creationId xmlns:p14="http://schemas.microsoft.com/office/powerpoint/2010/main" val="3558463562"/>
+      </p:ext>
+    </p:extLst>
+  </p:cSld>
+  <p:clrMapOvr>
+    <a:masterClrMapping/>
+  </p:clrMapOvr>
+</p:sld>
+</file>
+
+<file path=ppt/slides/slide12.xml><?xml version="1.0" encoding="utf-8"?>
+<p:sld xmlns:a="http://schemas.openxmlformats.org/drawingml/2006/main" xmlns:r="http://schemas.openxmlformats.org/officeDocument/2006/relationships" xmlns:p="http://schemas.openxmlformats.org/presentationml/2006/main">
+  <p:cSld>
+    <p:spTree>
+      <p:nvGrpSpPr>
+        <p:cNvPr id="1" name=""/>
+        <p:cNvGrpSpPr/>
+        <p:nvPr/>
+      </p:nvGrpSpPr>
+      <p:grpSpPr>
+        <a:xfrm>
+          <a:off x="0" y="0"/>
+          <a:ext cx="0" cy="0"/>
+          <a:chOff x="0" y="0"/>
+          <a:chExt cx="0" cy="0"/>
+        </a:xfrm>
+      </p:grpSpPr>
+      <p:sp>
+        <p:nvSpPr>
+          <p:cNvPr id="2" name="Title 1">
+            <a:extLst>
+              <a:ext uri="{FF2B5EF4-FFF2-40B4-BE49-F238E27FC236}">
+                <a16:creationId xmlns:a16="http://schemas.microsoft.com/office/drawing/2014/main" id="{1193C801-427D-4761-B139-63C3D71F6842}"/>
+              </a:ext>
+            </a:extLst>
+          </p:cNvPr>
+          <p:cNvSpPr>
+            <a:spLocks noGrp="1"/>
+          </p:cNvSpPr>
+          <p:nvPr>
+            <p:ph type="title"/>
+          </p:nvPr>
+        </p:nvSpPr>
+        <p:spPr>
+          <a:xfrm>
+            <a:off x="838200" y="290652"/>
+            <a:ext cx="10941908" cy="780769"/>
+          </a:xfrm>
+        </p:spPr>
+        <p:txBody>
+          <a:bodyPr/>
+          <a:lstStyle/>
+          <a:p>
+            <a:r>
+              <a:rPr lang="en-US"/>
+              <a:t>Student Experience (Steven Gsell)</a:t>
+            </a:r>
+          </a:p>
+        </p:txBody>
+      </p:sp>
+      <p:sp>
+        <p:nvSpPr>
+          <p:cNvPr id="3" name="Content Placeholder 2">
+            <a:extLst>
+              <a:ext uri="{FF2B5EF4-FFF2-40B4-BE49-F238E27FC236}">
+                <a16:creationId xmlns:a16="http://schemas.microsoft.com/office/drawing/2014/main" id="{8105E254-772A-4AB1-8230-33418D800ECD}"/>
+              </a:ext>
+            </a:extLst>
+          </p:cNvPr>
+          <p:cNvSpPr>
+            <a:spLocks noGrp="1"/>
+          </p:cNvSpPr>
+          <p:nvPr>
+            <p:ph idx="1"/>
+          </p:nvPr>
+        </p:nvSpPr>
+        <p:spPr>
+          <a:xfrm>
+            <a:off x="838200" y="1071421"/>
+            <a:ext cx="10515600" cy="4851584"/>
+          </a:xfrm>
+        </p:spPr>
+        <p:txBody>
+          <a:bodyPr>
+            <a:normAutofit/>
+          </a:bodyPr>
+          <a:lstStyle/>
+          <a:p>
+            <a:pPr marL="169863" indent="-169863">
+              <a:lnSpc>
+                <a:spcPct val="120000"/>
+              </a:lnSpc>
+              <a:spcBef>
+                <a:spcPts val="500"/>
+              </a:spcBef>
+            </a:pPr>
+            <a:endParaRPr lang="en-US" sz="1800" b="1">
+              <a:solidFill>
+                <a:srgbClr val="000000"/>
+              </a:solidFill>
+            </a:endParaRPr>
+          </a:p>
+        </p:txBody>
+      </p:sp>
+    </p:spTree>
+    <p:extLst>
+      <p:ext uri="{BB962C8B-B14F-4D97-AF65-F5344CB8AC3E}">
+        <p14:creationId xmlns:p14="http://schemas.microsoft.com/office/powerpoint/2010/main" val="928223919"/>
+      </p:ext>
+    </p:extLst>
+  </p:cSld>
+  <p:clrMapOvr>
+    <a:masterClrMapping/>
+  </p:clrMapOvr>
+</p:sld>
+</file>
+
+<file path=ppt/slides/slide13.xml><?xml version="1.0" encoding="utf-8"?>
+<p:sld xmlns:a="http://schemas.openxmlformats.org/drawingml/2006/main" xmlns:r="http://schemas.openxmlformats.org/officeDocument/2006/relationships" xmlns:p="http://schemas.openxmlformats.org/presentationml/2006/main">
+  <p:cSld>
+    <p:spTree>
+      <p:nvGrpSpPr>
+        <p:cNvPr id="1" name=""/>
+        <p:cNvGrpSpPr/>
+        <p:nvPr/>
+      </p:nvGrpSpPr>
+      <p:grpSpPr>
+        <a:xfrm>
+          <a:off x="0" y="0"/>
+          <a:ext cx="0" cy="0"/>
+          <a:chOff x="0" y="0"/>
+          <a:chExt cx="0" cy="0"/>
+        </a:xfrm>
+      </p:grpSpPr>
+      <p:pic>
+        <p:nvPicPr>
+          <p:cNvPr id="5" name="Content Placeholder 4">
+            <a:extLst>
+              <a:ext uri="{FF2B5EF4-FFF2-40B4-BE49-F238E27FC236}">
+                <a16:creationId xmlns:a16="http://schemas.microsoft.com/office/drawing/2014/main" id="{075A8137-7C75-A9F5-529F-4D6C410FDC24}"/>
+              </a:ext>
+            </a:extLst>
+          </p:cNvPr>
+          <p:cNvPicPr>
+            <a:picLocks noGrp="1" noChangeAspect="1"/>
+          </p:cNvPicPr>
+          <p:nvPr>
+            <p:ph idx="1"/>
+          </p:nvPr>
+        </p:nvPicPr>
+        <p:blipFill>
+          <a:blip r:embed="rId3"/>
+          <a:stretch>
+            <a:fillRect/>
+          </a:stretch>
+        </p:blipFill>
+        <p:spPr>
+          <a:xfrm>
+            <a:off x="954072" y="1017201"/>
+            <a:ext cx="10283856" cy="2678819"/>
+          </a:xfrm>
+        </p:spPr>
+      </p:pic>
+    </p:spTree>
+    <p:extLst>
+      <p:ext uri="{BB962C8B-B14F-4D97-AF65-F5344CB8AC3E}">
+        <p14:creationId xmlns:p14="http://schemas.microsoft.com/office/powerpoint/2010/main" val="593074532"/>
       </p:ext>
     </p:extLst>
   </p:cSld>
@@ -3452,8 +4050,8 @@
         </p:nvSpPr>
         <p:spPr>
           <a:xfrm>
-            <a:off x="838200" y="1307939"/>
-            <a:ext cx="10515600" cy="4615066"/>
+            <a:off x="838200" y="1145059"/>
+            <a:ext cx="10515600" cy="4777946"/>
           </a:xfrm>
         </p:spPr>
         <p:txBody>
@@ -3495,7 +4093,7 @@
             <a:pPr lvl="1"/>
             <a:r>
               <a:rPr lang="en-US"/>
-              <a:t>Office 365 (including SharePoint Online)</a:t>
+              <a:t>Office 365 (Microsoft Teams, SharePoint)</a:t>
             </a:r>
           </a:p>
           <a:p>
@@ -3510,6 +4108,13 @@
             <a:r>
               <a:rPr lang="en-US"/>
               <a:t>Google Workspace</a:t>
+            </a:r>
+          </a:p>
+          <a:p>
+            <a:pPr lvl="1"/>
+            <a:r>
+              <a:rPr lang="en-US"/>
+              <a:t>WebEx</a:t>
             </a:r>
           </a:p>
           <a:p>
@@ -3615,13 +4220,13 @@
         </p:nvSpPr>
         <p:spPr>
           <a:xfrm>
-            <a:off x="838200" y="1307939"/>
-            <a:ext cx="10515600" cy="4615066"/>
+            <a:off x="838200" y="1071421"/>
+            <a:ext cx="10515600" cy="4851584"/>
           </a:xfrm>
         </p:spPr>
         <p:txBody>
           <a:bodyPr>
-            <a:normAutofit fontScale="85000" lnSpcReduction="10000"/>
+            <a:normAutofit fontScale="92500" lnSpcReduction="20000"/>
           </a:bodyPr>
           <a:lstStyle/>
           <a:p>
@@ -3744,8 +4349,8 @@
         </p:nvSpPr>
         <p:spPr>
           <a:xfrm>
-            <a:off x="838200" y="1307939"/>
-            <a:ext cx="10515600" cy="4615066"/>
+            <a:off x="838200" y="1071421"/>
+            <a:ext cx="10515600" cy="4851584"/>
           </a:xfrm>
         </p:spPr>
         <p:txBody>
@@ -3778,7 +4383,12 @@
               <a:rPr lang="en-US" sz="2800"/>
               <a:t>eatures like channel organization, search functionality, and customizability</a:t>
             </a:r>
-            <a:endParaRPr lang="en-US"/>
+          </a:p>
+          <a:p>
+            <a:r>
+              <a:rPr lang="en-US"/>
+              <a:t>Real-time collaboration (huddles)</a:t>
+            </a:r>
           </a:p>
         </p:txBody>
       </p:sp>
@@ -3840,7 +4450,7 @@
           <a:p>
             <a:r>
               <a:rPr lang="en-US"/>
-              <a:t>Shared Undergraduate Workspace Advantages</a:t>
+              <a:t>Shared Undergraduate Workspace</a:t>
             </a:r>
           </a:p>
         </p:txBody>
@@ -3863,25 +4473,25 @@
         </p:nvSpPr>
         <p:spPr>
           <a:xfrm>
-            <a:off x="838200" y="1307939"/>
-            <a:ext cx="10515600" cy="4615066"/>
+            <a:off x="838200" y="1071421"/>
+            <a:ext cx="10515600" cy="4851584"/>
           </a:xfrm>
         </p:spPr>
         <p:txBody>
           <a:bodyPr>
-            <a:normAutofit fontScale="77500" lnSpcReduction="20000"/>
+            <a:normAutofit fontScale="85000" lnSpcReduction="20000"/>
           </a:bodyPr>
           <a:lstStyle/>
           <a:p>
             <a:r>
               <a:rPr lang="en-US"/>
-              <a:t>Centralized Communication: consolidates communication channels for all courses, making it easier for students to stay informed about announcements, assignments, and deadlines.</a:t>
-            </a:r>
-          </a:p>
-          <a:p>
-            <a:r>
-              <a:rPr lang="en-US"/>
-              <a:t>Collaboration Opportunities: collaboration across courses on interdisciplinary projects, share resources, and coursework.</a:t>
+              <a:t>Centralized communication: consolidates communication channels for all courses, making it easier for students to stay informed about announcements, assignments, and deadlines.</a:t>
+            </a:r>
+          </a:p>
+          <a:p>
+            <a:r>
+              <a:rPr lang="en-US"/>
+              <a:t>Collaboration opportunities: collaboration across courses on interdisciplinary projects, share resources, and coursework.</a:t>
             </a:r>
           </a:p>
           <a:p>
@@ -3893,19 +4503,19 @@
           <a:p>
             <a:r>
               <a:rPr lang="en-US"/>
-              <a:t>Resource Sharing: sharing of relevant resources such as articles, tutorials, and tools across multiple courses, enriching the learning material available to everyone.</a:t>
-            </a:r>
-          </a:p>
-          <a:p>
-            <a:r>
-              <a:rPr lang="en-US"/>
-              <a:t>Real-Time Support: real-time support from instructors and peers, which can be particularly beneficial for addressing questions and issues promptly.</a:t>
-            </a:r>
-          </a:p>
-          <a:p>
-            <a:r>
-              <a:rPr lang="en-US"/>
-              <a:t>Community Building: helps build a sense of community among students and instructors, encouraging engagement and participation beyond the confines of individual courses.</a:t>
+              <a:t>Resource sharing: sharing of relevant resources such as articles, tutorials, and tools across multiple courses, enriching the learning material available to everyone.</a:t>
+            </a:r>
+          </a:p>
+          <a:p>
+            <a:r>
+              <a:rPr lang="en-US"/>
+              <a:t>Real-Time support: real-time support from instructors and peers, which can be particularly beneficial for addressing questions and issues promptly.</a:t>
+            </a:r>
+          </a:p>
+          <a:p>
+            <a:r>
+              <a:rPr lang="en-US"/>
+              <a:t>Community building: helps build a sense of community among students and instructors, encouraging engagement and participation beyond the confines of individual courses.</a:t>
             </a:r>
           </a:p>
         </p:txBody>
@@ -3968,7 +4578,7 @@
           <a:p>
             <a:r>
               <a:rPr lang="en-US"/>
-              <a:t>Shared Undergraduate Workspace Advantages</a:t>
+              <a:t>Shared Undergraduate Workspace</a:t>
             </a:r>
           </a:p>
         </p:txBody>
@@ -3991,49 +4601,49 @@
         </p:nvSpPr>
         <p:spPr>
           <a:xfrm>
-            <a:off x="838200" y="1307939"/>
-            <a:ext cx="10515600" cy="4615066"/>
+            <a:off x="838200" y="1071421"/>
+            <a:ext cx="10515600" cy="4851584"/>
           </a:xfrm>
         </p:spPr>
         <p:txBody>
           <a:bodyPr>
-            <a:normAutofit fontScale="77500" lnSpcReduction="20000"/>
+            <a:normAutofit fontScale="85000" lnSpcReduction="20000"/>
           </a:bodyPr>
           <a:lstStyle/>
           <a:p>
             <a:r>
               <a:rPr lang="en-US"/>
-              <a:t>Cross-Course Announcements: announcements reach all students across different courses simultaneously, ensuring important information is disseminated quickly and efficiently.</a:t>
-            </a:r>
-          </a:p>
-          <a:p>
-            <a:r>
-              <a:rPr lang="en-US"/>
-              <a:t>Facilitating Mentorship: senior students or those who have taken certain courses can mentor juniors, providing guidance and sharing their experiences, which can be very beneficial for newcomers.</a:t>
-            </a:r>
-          </a:p>
-          <a:p>
-            <a:r>
-              <a:rPr lang="en-US"/>
-              <a:t>Integrated Tools and Apps: integrations with various tools (e.g., GitHub, Trello, Google Drive) can streamline project management and collaborative tasks across courses, enhancing productivity and learning.</a:t>
-            </a:r>
-          </a:p>
-          <a:p>
-            <a:r>
-              <a:rPr lang="en-US"/>
-              <a:t>Enhanced Learning Experience: informal communication style can make students feel more comfortable asking questions and participating in discussions, leading to a more engaging and interactive learning experience.</a:t>
-            </a:r>
-          </a:p>
-          <a:p>
-            <a:r>
-              <a:rPr lang="en-US"/>
-              <a:t>Feedback and Improvement: Instructors gather feedback from students about the courses in real-time, allowing for continuous improvement based on student input.</a:t>
-            </a:r>
-          </a:p>
-          <a:p>
-            <a:r>
-              <a:rPr lang="en-US"/>
-              <a:t>Event Coordination: Organizing events, such as hackathons, guest lectures, or study sessions, becomes easier.</a:t>
+              <a:t>Cross-course announcements: announcements reach all students across different courses simultaneously, ensuring important information is disseminated quickly and efficiently.</a:t>
+            </a:r>
+          </a:p>
+          <a:p>
+            <a:r>
+              <a:rPr lang="en-US"/>
+              <a:t>Facilitating mentorship: senior students or those who have taken certain courses can mentor juniors, providing guidance and sharing their experiences, which can be very beneficial for newcomers.</a:t>
+            </a:r>
+          </a:p>
+          <a:p>
+            <a:r>
+              <a:rPr lang="en-US"/>
+              <a:t>Integrated tools and apps: integrations (e.g., GitHub, Trello, Google Drive) can streamline project management and collaborative tasks across courses, enhancing productivity and learning.</a:t>
+            </a:r>
+          </a:p>
+          <a:p>
+            <a:r>
+              <a:rPr lang="en-US"/>
+              <a:t>Enhanced learning experience: informal communication style can make students feel more comfortable asking questions and participating in discussions, leading to a more engaging and interactive learning experience.</a:t>
+            </a:r>
+          </a:p>
+          <a:p>
+            <a:r>
+              <a:rPr lang="en-US"/>
+              <a:t>Feedback and improvement: feedback from students about the courses in real-time, allowing for continuous improvement based on student input.</a:t>
+            </a:r>
+          </a:p>
+          <a:p>
+            <a:r>
+              <a:rPr lang="en-US"/>
+              <a:t>Event coordination: organize events, such as hackathons, guest lectures, or study sessions, becomes easier.</a:t>
             </a:r>
           </a:p>
         </p:txBody>
@@ -4068,39 +4678,363 @@
           <a:chExt cx="0" cy="0"/>
         </a:xfrm>
       </p:grpSpPr>
-      <p:pic>
-        <p:nvPicPr>
-          <p:cNvPr id="5" name="Content Placeholder 4">
+      <p:sp>
+        <p:nvSpPr>
+          <p:cNvPr id="2" name="Title 1">
             <a:extLst>
               <a:ext uri="{FF2B5EF4-FFF2-40B4-BE49-F238E27FC236}">
-                <a16:creationId xmlns:a16="http://schemas.microsoft.com/office/drawing/2014/main" id="{075A8137-7C75-A9F5-529F-4D6C410FDC24}"/>
+                <a16:creationId xmlns:a16="http://schemas.microsoft.com/office/drawing/2014/main" id="{1193C801-427D-4761-B139-63C3D71F6842}"/>
               </a:ext>
             </a:extLst>
           </p:cNvPr>
-          <p:cNvPicPr>
-            <a:picLocks noGrp="1" noChangeAspect="1"/>
-          </p:cNvPicPr>
+          <p:cNvSpPr>
+            <a:spLocks noGrp="1"/>
+          </p:cNvSpPr>
+          <p:nvPr>
+            <p:ph type="title"/>
+          </p:nvPr>
+        </p:nvSpPr>
+        <p:spPr>
+          <a:xfrm>
+            <a:off x="838200" y="290652"/>
+            <a:ext cx="10941908" cy="780769"/>
+          </a:xfrm>
+        </p:spPr>
+        <p:txBody>
+          <a:bodyPr/>
+          <a:lstStyle/>
+          <a:p>
+            <a:r>
+              <a:rPr lang="en-US"/>
+              <a:t>Organizing the Workspace</a:t>
+            </a:r>
+          </a:p>
+        </p:txBody>
+      </p:sp>
+      <p:sp>
+        <p:nvSpPr>
+          <p:cNvPr id="3" name="Content Placeholder 2">
+            <a:extLst>
+              <a:ext uri="{FF2B5EF4-FFF2-40B4-BE49-F238E27FC236}">
+                <a16:creationId xmlns:a16="http://schemas.microsoft.com/office/drawing/2014/main" id="{8105E254-772A-4AB1-8230-33418D800ECD}"/>
+              </a:ext>
+            </a:extLst>
+          </p:cNvPr>
+          <p:cNvSpPr>
+            <a:spLocks noGrp="1"/>
+          </p:cNvSpPr>
           <p:nvPr>
             <p:ph idx="1"/>
           </p:nvPr>
-        </p:nvPicPr>
-        <p:blipFill>
-          <a:blip r:embed="rId3"/>
-          <a:stretch>
-            <a:fillRect/>
-          </a:stretch>
-        </p:blipFill>
-        <p:spPr>
-          <a:xfrm>
-            <a:off x="954072" y="1017201"/>
-            <a:ext cx="10283856" cy="2678819"/>
-          </a:xfrm>
-        </p:spPr>
-      </p:pic>
+        </p:nvSpPr>
+        <p:spPr>
+          <a:xfrm>
+            <a:off x="838200" y="1202724"/>
+            <a:ext cx="10515600" cy="4720281"/>
+          </a:xfrm>
+        </p:spPr>
+        <p:txBody>
+          <a:bodyPr>
+            <a:normAutofit fontScale="92500" lnSpcReduction="10000"/>
+          </a:bodyPr>
+          <a:lstStyle/>
+          <a:p>
+            <a:r>
+              <a:rPr lang="en-US" sz="2600"/>
+              <a:t>Dedicated workspaces for individual courses ("v1")</a:t>
+            </a:r>
+          </a:p>
+          <a:p>
+            <a:r>
+              <a:rPr lang="en-US" sz="2600"/>
+              <a:t>Shared workspace per semester ("v2"), one channel per course e.g.,</a:t>
+            </a:r>
+          </a:p>
+          <a:p>
+            <a:pPr marL="461963" indent="0">
+              <a:buNone/>
+            </a:pPr>
+            <a:r>
+              <a:rPr lang="en-US" b="1"/>
+              <a:t>Summer 2024</a:t>
+            </a:r>
+          </a:p>
+          <a:p>
+            <a:pPr marL="914400" indent="0">
+              <a:buNone/>
+            </a:pPr>
+            <a:r>
+              <a:rPr lang="en-US"/>
+              <a:t># general - all students are members; shared general content</a:t>
+            </a:r>
+          </a:p>
+          <a:p>
+            <a:pPr marL="914400" indent="0">
+              <a:buNone/>
+            </a:pPr>
+            <a:r>
+              <a:rPr lang="en-US"/>
+              <a:t># random - all students are members; "fun" content (memes)</a:t>
+            </a:r>
+          </a:p>
+          <a:p>
+            <a:pPr marL="914400" indent="0">
+              <a:buNone/>
+            </a:pPr>
+            <a:r>
+              <a:rPr lang="en-US"/>
+              <a:t># COP2800C - course-specific channel, restricted membership</a:t>
+            </a:r>
+          </a:p>
+          <a:p>
+            <a:pPr marL="914400" indent="0">
+              <a:buNone/>
+            </a:pPr>
+            <a:r>
+              <a:rPr lang="en-US"/>
+              <a:t># CEN3330C - course-specific channel, restricted membership</a:t>
+            </a:r>
+          </a:p>
+          <a:p>
+            <a:pPr marL="914400" indent="0">
+              <a:buNone/>
+            </a:pPr>
+            <a:r>
+              <a:rPr lang="en-US"/>
+              <a:t># CEN4025C  - course-specific channel, restricted membership</a:t>
+            </a:r>
+          </a:p>
+          <a:p>
+            <a:pPr marL="914400" indent="0">
+              <a:buNone/>
+            </a:pPr>
+            <a:r>
+              <a:rPr lang="en-US"/>
+              <a:t>...</a:t>
+            </a:r>
+          </a:p>
+          <a:p>
+            <a:r>
+              <a:rPr lang="en-US" sz="2600"/>
+              <a:t>NOTE: some lower-level courses are excluded from shared workspaces to avoid distractions for first-time college students</a:t>
+            </a:r>
+          </a:p>
+          <a:p>
+            <a:endParaRPr lang="en-US"/>
+          </a:p>
+          <a:p>
+            <a:endParaRPr lang="en-US"/>
+          </a:p>
+        </p:txBody>
+      </p:sp>
     </p:spTree>
     <p:extLst>
       <p:ext uri="{BB962C8B-B14F-4D97-AF65-F5344CB8AC3E}">
-        <p14:creationId xmlns:p14="http://schemas.microsoft.com/office/powerpoint/2010/main" val="593074532"/>
+        <p14:creationId xmlns:p14="http://schemas.microsoft.com/office/powerpoint/2010/main" val="922338911"/>
+      </p:ext>
+    </p:extLst>
+  </p:cSld>
+  <p:clrMapOvr>
+    <a:masterClrMapping/>
+  </p:clrMapOvr>
+</p:sld>
+</file>
+
+<file path=ppt/slides/slide9.xml><?xml version="1.0" encoding="utf-8"?>
+<p:sld xmlns:a="http://schemas.openxmlformats.org/drawingml/2006/main" xmlns:r="http://schemas.openxmlformats.org/officeDocument/2006/relationships" xmlns:p="http://schemas.openxmlformats.org/presentationml/2006/main">
+  <p:cSld>
+    <p:spTree>
+      <p:nvGrpSpPr>
+        <p:cNvPr id="1" name=""/>
+        <p:cNvGrpSpPr/>
+        <p:nvPr/>
+      </p:nvGrpSpPr>
+      <p:grpSpPr>
+        <a:xfrm>
+          <a:off x="0" y="0"/>
+          <a:ext cx="0" cy="0"/>
+          <a:chOff x="0" y="0"/>
+          <a:chExt cx="0" cy="0"/>
+        </a:xfrm>
+      </p:grpSpPr>
+      <p:sp>
+        <p:nvSpPr>
+          <p:cNvPr id="2" name="Title 1">
+            <a:extLst>
+              <a:ext uri="{FF2B5EF4-FFF2-40B4-BE49-F238E27FC236}">
+                <a16:creationId xmlns:a16="http://schemas.microsoft.com/office/drawing/2014/main" id="{1193C801-427D-4761-B139-63C3D71F6842}"/>
+              </a:ext>
+            </a:extLst>
+          </p:cNvPr>
+          <p:cNvSpPr>
+            <a:spLocks noGrp="1"/>
+          </p:cNvSpPr>
+          <p:nvPr>
+            <p:ph type="title"/>
+          </p:nvPr>
+        </p:nvSpPr>
+        <p:spPr>
+          <a:xfrm>
+            <a:off x="838200" y="290652"/>
+            <a:ext cx="10941908" cy="780769"/>
+          </a:xfrm>
+        </p:spPr>
+        <p:txBody>
+          <a:bodyPr/>
+          <a:lstStyle/>
+          <a:p>
+            <a:r>
+              <a:rPr lang="en-US"/>
+              <a:t>Administering the Workspace</a:t>
+            </a:r>
+          </a:p>
+        </p:txBody>
+      </p:sp>
+      <p:sp>
+        <p:nvSpPr>
+          <p:cNvPr id="3" name="Content Placeholder 2">
+            <a:extLst>
+              <a:ext uri="{FF2B5EF4-FFF2-40B4-BE49-F238E27FC236}">
+                <a16:creationId xmlns:a16="http://schemas.microsoft.com/office/drawing/2014/main" id="{8105E254-772A-4AB1-8230-33418D800ECD}"/>
+              </a:ext>
+            </a:extLst>
+          </p:cNvPr>
+          <p:cNvSpPr>
+            <a:spLocks noGrp="1"/>
+          </p:cNvSpPr>
+          <p:nvPr>
+            <p:ph idx="1"/>
+          </p:nvPr>
+        </p:nvSpPr>
+        <p:spPr>
+          <a:xfrm>
+            <a:off x="838200" y="1071421"/>
+            <a:ext cx="10515600" cy="4851584"/>
+          </a:xfrm>
+        </p:spPr>
+        <p:txBody>
+          <a:bodyPr>
+            <a:normAutofit/>
+          </a:bodyPr>
+          <a:lstStyle/>
+          <a:p>
+            <a:r>
+              <a:rPr lang="en-US"/>
+              <a:t>Instructors are workspace creators w/full admin rights</a:t>
+            </a:r>
+          </a:p>
+          <a:p>
+            <a:r>
+              <a:rPr lang="en-US"/>
+              <a:t>Can delete posts if necessary</a:t>
+            </a:r>
+          </a:p>
+          <a:p>
+            <a:pPr marL="230188" indent="-225425">
+              <a:lnSpc>
+                <a:spcPct val="115000"/>
+              </a:lnSpc>
+              <a:spcBef>
+                <a:spcPts val="0"/>
+              </a:spcBef>
+            </a:pPr>
+            <a:r>
+              <a:rPr lang="en-US"/>
+              <a:t>Syllabus (Technology Requirements):</a:t>
+            </a:r>
+          </a:p>
+          <a:p>
+            <a:pPr lvl="1" indent="0">
+              <a:lnSpc>
+                <a:spcPct val="115000"/>
+              </a:lnSpc>
+              <a:spcBef>
+                <a:spcPts val="0"/>
+              </a:spcBef>
+              <a:buNone/>
+            </a:pPr>
+            <a:r>
+              <a:rPr lang="en-US" b="1">
+                <a:solidFill>
+                  <a:srgbClr val="000000"/>
+                </a:solidFill>
+                <a:effectLst/>
+                <a:latin typeface="Calibri" panose="020F0502020204030204" pitchFamily="34" charset="0"/>
+                <a:ea typeface="Calibri" panose="020F0502020204030204" pitchFamily="34" charset="0"/>
+                <a:cs typeface="Times New Roman" panose="02020603050405020304" pitchFamily="18" charset="0"/>
+              </a:rPr>
+              <a:t>Slack</a:t>
+            </a:r>
+            <a:endParaRPr lang="en-US">
+              <a:solidFill>
+                <a:srgbClr val="000000"/>
+              </a:solidFill>
+              <a:effectLst/>
+              <a:latin typeface="Calibri" panose="020F0502020204030204" pitchFamily="34" charset="0"/>
+              <a:ea typeface="Times New Roman" panose="02020603050405020304" pitchFamily="18" charset="0"/>
+              <a:cs typeface="Times New Roman" panose="02020603050405020304" pitchFamily="18" charset="0"/>
+            </a:endParaRPr>
+          </a:p>
+          <a:p>
+            <a:pPr lvl="1" indent="0">
+              <a:spcBef>
+                <a:spcPts val="0"/>
+              </a:spcBef>
+              <a:buNone/>
+            </a:pPr>
+            <a:r>
+              <a:rPr lang="en-US">
+                <a:solidFill>
+                  <a:srgbClr val="000000"/>
+                </a:solidFill>
+                <a:effectLst/>
+                <a:latin typeface="Calibri" panose="020F0502020204030204" pitchFamily="34" charset="0"/>
+                <a:ea typeface="Calibri" panose="020F0502020204030204" pitchFamily="34" charset="0"/>
+                <a:cs typeface="Times New Roman" panose="02020603050405020304" pitchFamily="18" charset="0"/>
+              </a:rPr>
+              <a:t>We will collaborate using Slack, an industry-standard collaboration tool. Slack is free (disregard their prompting to upgrade to the paid version, we do not use it). Instructions for joining the Slack workspace and course channel will be provided in Canvas. Slack runs on Windows and Mac (</a:t>
+            </a:r>
+            <a:r>
+              <a:rPr lang="en-US" u="sng">
+                <a:solidFill>
+                  <a:srgbClr val="000000"/>
+                </a:solidFill>
+                <a:effectLst/>
+                <a:latin typeface="Calibri" panose="020F0502020204030204" pitchFamily="34" charset="0"/>
+                <a:ea typeface="Calibri" panose="020F0502020204030204" pitchFamily="34" charset="0"/>
+                <a:cs typeface="Times New Roman" panose="02020603050405020304" pitchFamily="18" charset="0"/>
+                <a:hlinkClick r:id="rId2"/>
+              </a:rPr>
+              <a:t>https://slack.com/downloads</a:t>
+            </a:r>
+            <a:r>
+              <a:rPr lang="en-US">
+                <a:solidFill>
+                  <a:srgbClr val="000000"/>
+                </a:solidFill>
+                <a:effectLst/>
+                <a:latin typeface="Calibri" panose="020F0502020204030204" pitchFamily="34" charset="0"/>
+                <a:ea typeface="Calibri" panose="020F0502020204030204" pitchFamily="34" charset="0"/>
+                <a:cs typeface="Times New Roman" panose="02020603050405020304" pitchFamily="18" charset="0"/>
+              </a:rPr>
+              <a:t>)</a:t>
+            </a:r>
+          </a:p>
+          <a:p>
+            <a:endParaRPr lang="en-US"/>
+          </a:p>
+          <a:p>
+            <a:endParaRPr lang="en-US"/>
+          </a:p>
+          <a:p>
+            <a:endParaRPr lang="en-US"/>
+          </a:p>
+        </p:txBody>
+      </p:sp>
+    </p:spTree>
+    <p:extLst>
+      <p:ext uri="{BB962C8B-B14F-4D97-AF65-F5344CB8AC3E}">
+        <p14:creationId xmlns:p14="http://schemas.microsoft.com/office/powerpoint/2010/main" val="1878030025"/>
       </p:ext>
     </p:extLst>
   </p:cSld>

--- a/LeveragingSlackForStudentCollaboration.pptx
+++ b/LeveragingSlackForStudentCollaboration.pptx
@@ -5,7 +5,7 @@
     <p:sldMasterId id="2147483660" r:id="rId1"/>
   </p:sldMasterIdLst>
   <p:notesMasterIdLst>
-    <p:notesMasterId r:id="rId15"/>
+    <p:notesMasterId r:id="rId21"/>
   </p:notesMasterIdLst>
   <p:sldIdLst>
     <p:sldId id="309" r:id="rId2"/>
@@ -19,8 +19,14 @@
     <p:sldId id="1379" r:id="rId10"/>
     <p:sldId id="1380" r:id="rId11"/>
     <p:sldId id="1381" r:id="rId12"/>
-    <p:sldId id="1382" r:id="rId13"/>
-    <p:sldId id="1372" r:id="rId14"/>
+    <p:sldId id="1383" r:id="rId13"/>
+    <p:sldId id="1384" r:id="rId14"/>
+    <p:sldId id="1385" r:id="rId15"/>
+    <p:sldId id="1386" r:id="rId16"/>
+    <p:sldId id="1387" r:id="rId17"/>
+    <p:sldId id="1388" r:id="rId18"/>
+    <p:sldId id="1389" r:id="rId19"/>
+    <p:sldId id="1372" r:id="rId20"/>
   </p:sldIdLst>
   <p:sldSz cx="12192000" cy="6858000"/>
   <p:notesSz cx="6858000" cy="9144000"/>
@@ -127,6 +133,84 @@
 </p:presentation>
 </file>
 
+<file path=ppt/revisionInfo.xml><?xml version="1.0" encoding="utf-8"?>
+<p1510:revInfo xmlns:a="http://schemas.openxmlformats.org/drawingml/2006/main" xmlns:r="http://schemas.openxmlformats.org/officeDocument/2006/relationships" xmlns:p1510="http://schemas.microsoft.com/office/powerpoint/2015/10/main">
+  <p1510:revLst>
+    <p1510:client id="{D88466B7-03C0-4978-B1B6-A6C2E089C6A2}" v="1" dt="2024-07-08T00:23:02.830"/>
+  </p1510:revLst>
+</p1510:revInfo>
+</file>
+
+<file path=ppt/changesInfos/changesInfo1.xml><?xml version="1.0" encoding="utf-8"?>
+<pc:chgInfo xmlns:a="http://schemas.openxmlformats.org/drawingml/2006/main" xmlns:r="http://schemas.openxmlformats.org/officeDocument/2006/relationships" xmlns:ac="http://schemas.microsoft.com/office/drawing/2013/main/command" xmlns:pc="http://schemas.microsoft.com/office/powerpoint/2013/main/command">
+  <pc:docChgLst>
+    <pc:chgData name="Gsell, Steven D." userId="6e84bc59-7e38-490f-9209-f43946aa50d2" providerId="ADAL" clId="{D88466B7-03C0-4978-B1B6-A6C2E089C6A2}"/>
+    <pc:docChg chg="addSld delSld modSld">
+      <pc:chgData name="Gsell, Steven D." userId="6e84bc59-7e38-490f-9209-f43946aa50d2" providerId="ADAL" clId="{D88466B7-03C0-4978-B1B6-A6C2E089C6A2}" dt="2024-07-08T00:23:15.774" v="1" actId="2696"/>
+      <pc:docMkLst>
+        <pc:docMk/>
+      </pc:docMkLst>
+      <pc:sldChg chg="del">
+        <pc:chgData name="Gsell, Steven D." userId="6e84bc59-7e38-490f-9209-f43946aa50d2" providerId="ADAL" clId="{D88466B7-03C0-4978-B1B6-A6C2E089C6A2}" dt="2024-07-08T00:23:15.774" v="1" actId="2696"/>
+        <pc:sldMkLst>
+          <pc:docMk/>
+          <pc:sldMk cId="928223919" sldId="1382"/>
+        </pc:sldMkLst>
+      </pc:sldChg>
+      <pc:sldChg chg="add">
+        <pc:chgData name="Gsell, Steven D." userId="6e84bc59-7e38-490f-9209-f43946aa50d2" providerId="ADAL" clId="{D88466B7-03C0-4978-B1B6-A6C2E089C6A2}" dt="2024-07-08T00:23:02.822" v="0"/>
+        <pc:sldMkLst>
+          <pc:docMk/>
+          <pc:sldMk cId="985310508" sldId="1383"/>
+        </pc:sldMkLst>
+      </pc:sldChg>
+      <pc:sldChg chg="add">
+        <pc:chgData name="Gsell, Steven D." userId="6e84bc59-7e38-490f-9209-f43946aa50d2" providerId="ADAL" clId="{D88466B7-03C0-4978-B1B6-A6C2E089C6A2}" dt="2024-07-08T00:23:02.822" v="0"/>
+        <pc:sldMkLst>
+          <pc:docMk/>
+          <pc:sldMk cId="504903178" sldId="1384"/>
+        </pc:sldMkLst>
+      </pc:sldChg>
+      <pc:sldChg chg="add">
+        <pc:chgData name="Gsell, Steven D." userId="6e84bc59-7e38-490f-9209-f43946aa50d2" providerId="ADAL" clId="{D88466B7-03C0-4978-B1B6-A6C2E089C6A2}" dt="2024-07-08T00:23:02.822" v="0"/>
+        <pc:sldMkLst>
+          <pc:docMk/>
+          <pc:sldMk cId="2440337316" sldId="1385"/>
+        </pc:sldMkLst>
+      </pc:sldChg>
+      <pc:sldChg chg="add">
+        <pc:chgData name="Gsell, Steven D." userId="6e84bc59-7e38-490f-9209-f43946aa50d2" providerId="ADAL" clId="{D88466B7-03C0-4978-B1B6-A6C2E089C6A2}" dt="2024-07-08T00:23:02.822" v="0"/>
+        <pc:sldMkLst>
+          <pc:docMk/>
+          <pc:sldMk cId="275916581" sldId="1386"/>
+        </pc:sldMkLst>
+      </pc:sldChg>
+      <pc:sldChg chg="add">
+        <pc:chgData name="Gsell, Steven D." userId="6e84bc59-7e38-490f-9209-f43946aa50d2" providerId="ADAL" clId="{D88466B7-03C0-4978-B1B6-A6C2E089C6A2}" dt="2024-07-08T00:23:02.822" v="0"/>
+        <pc:sldMkLst>
+          <pc:docMk/>
+          <pc:sldMk cId="3943678850" sldId="1387"/>
+        </pc:sldMkLst>
+      </pc:sldChg>
+      <pc:sldChg chg="add">
+        <pc:chgData name="Gsell, Steven D." userId="6e84bc59-7e38-490f-9209-f43946aa50d2" providerId="ADAL" clId="{D88466B7-03C0-4978-B1B6-A6C2E089C6A2}" dt="2024-07-08T00:23:02.822" v="0"/>
+        <pc:sldMkLst>
+          <pc:docMk/>
+          <pc:sldMk cId="2257766621" sldId="1388"/>
+        </pc:sldMkLst>
+      </pc:sldChg>
+      <pc:sldChg chg="add">
+        <pc:chgData name="Gsell, Steven D." userId="6e84bc59-7e38-490f-9209-f43946aa50d2" providerId="ADAL" clId="{D88466B7-03C0-4978-B1B6-A6C2E089C6A2}" dt="2024-07-08T00:23:02.822" v="0"/>
+        <pc:sldMkLst>
+          <pc:docMk/>
+          <pc:sldMk cId="857814757" sldId="1389"/>
+        </pc:sldMkLst>
+      </pc:sldChg>
+    </pc:docChg>
+  </pc:docChgLst>
+</pc:chgInfo>
+</file>
+
 <file path=ppt/notesMasters/notesMaster1.xml><?xml version="1.0" encoding="utf-8"?>
 <p:notesMaster xmlns:a="http://schemas.openxmlformats.org/drawingml/2006/main" xmlns:r="http://schemas.openxmlformats.org/officeDocument/2006/relationships" xmlns:p="http://schemas.openxmlformats.org/presentationml/2006/main">
   <p:cSld>
@@ -209,7 +293,7 @@
           <a:p>
             <a:fld id="{CA1F7DAD-AACB-410C-9AA4-BE5099812397}" type="datetimeFigureOut">
               <a:rPr lang="en-US" smtClean="0"/>
-              <a:t>6/22/2024</a:t>
+              <a:t>7/7/2024</a:t>
             </a:fld>
             <a:endParaRPr lang="en-US"/>
           </a:p>
@@ -604,7 +688,57 @@
           <a:bodyPr/>
           <a:lstStyle/>
           <a:p>
-            <a:endParaRPr lang="en-US"/>
+            <a:pPr marL="285750" indent="-285750">
+              <a:buFont typeface="Arial" panose="020B0604020202020204" pitchFamily="34" charset="0"/>
+              <a:buChar char="•"/>
+            </a:pPr>
+            <a:r>
+              <a:rPr lang="en-US" sz="1200" dirty="0"/>
+              <a:t>Software projects in a class setting can be chaotic without clear communication</a:t>
+            </a:r>
+          </a:p>
+          <a:p>
+            <a:pPr marL="285750" indent="-285750">
+              <a:buFont typeface="Arial" panose="020B0604020202020204" pitchFamily="34" charset="0"/>
+              <a:buChar char="•"/>
+            </a:pPr>
+            <a:endParaRPr lang="en-US" sz="1200" dirty="0"/>
+          </a:p>
+          <a:p>
+            <a:pPr marL="285750" indent="-285750">
+              <a:buFont typeface="Arial" panose="020B0604020202020204" pitchFamily="34" charset="0"/>
+              <a:buChar char="•"/>
+            </a:pPr>
+            <a:r>
+              <a:rPr lang="en-US" sz="1200" dirty="0"/>
+              <a:t>We are all learning and perhaps working with several new technologies for the first time. We are also learning HOW to learn in a fast-paced tech environment.</a:t>
+            </a:r>
+          </a:p>
+          <a:p>
+            <a:pPr marL="285750" indent="-285750">
+              <a:buFont typeface="Arial" panose="020B0604020202020204" pitchFamily="34" charset="0"/>
+              <a:buChar char="•"/>
+            </a:pPr>
+            <a:endParaRPr lang="en-US" sz="1200" dirty="0"/>
+          </a:p>
+          <a:p>
+            <a:pPr marL="285750" indent="-285750">
+              <a:buFont typeface="Arial" panose="020B0604020202020204" pitchFamily="34" charset="0"/>
+              <a:buChar char="•"/>
+            </a:pPr>
+            <a:r>
+              <a:rPr lang="en-US" sz="1200" dirty="0"/>
+              <a:t>When our groups run into problems, Slack allows us to pinpoint the problem as a group and see the clear solution when someone finds it!</a:t>
+            </a:r>
+          </a:p>
+          <a:p>
+            <a:endParaRPr lang="en-US" dirty="0"/>
+          </a:p>
+          <a:p>
+            <a:r>
+              <a:rPr lang="en-US" dirty="0"/>
+              <a:t>(Dustin was able to pinpoint a problem with our Spring-Boot API and share what he found with our group. It was part of a dependency that we could manually exclude.)</a:t>
+            </a:r>
           </a:p>
         </p:txBody>
       </p:sp>
@@ -623,9 +757,1123 @@
           <a:bodyPr/>
           <a:lstStyle/>
           <a:p>
+            <a:pPr marL="0" marR="0" lvl="0" indent="0" algn="r" defTabSz="914400" rtl="0" eaLnBrk="1" fontAlgn="auto" latinLnBrk="0" hangingPunct="1">
+              <a:lnSpc>
+                <a:spcPct val="100000"/>
+              </a:lnSpc>
+              <a:spcBef>
+                <a:spcPts val="0"/>
+              </a:spcBef>
+              <a:spcAft>
+                <a:spcPts val="0"/>
+              </a:spcAft>
+              <a:buClrTx/>
+              <a:buSzTx/>
+              <a:buFontTx/>
+              <a:buNone/>
+              <a:tabLst/>
+              <a:defRPr/>
+            </a:pPr>
+            <a:fld id="{AE9ECEFE-5C53-4261-924B-F0AA5F7E0BB8}" type="slidenum">
+              <a:rPr kumimoji="0" lang="en-US" sz="1200" b="0" i="0" u="none" strike="noStrike" kern="1200" cap="none" spc="0" normalizeH="0" baseline="0" noProof="0" smtClean="0">
+                <a:ln>
+                  <a:noFill/>
+                </a:ln>
+                <a:solidFill>
+                  <a:prstClr val="black"/>
+                </a:solidFill>
+                <a:effectLst/>
+                <a:uLnTx/>
+                <a:uFillTx/>
+                <a:latin typeface="Calibri" panose="020F0502020204030204"/>
+                <a:ea typeface="+mn-ea"/>
+                <a:cs typeface="+mn-cs"/>
+              </a:rPr>
+              <a:pPr marL="0" marR="0" lvl="0" indent="0" algn="r" defTabSz="914400" rtl="0" eaLnBrk="1" fontAlgn="auto" latinLnBrk="0" hangingPunct="1">
+                <a:lnSpc>
+                  <a:spcPct val="100000"/>
+                </a:lnSpc>
+                <a:spcBef>
+                  <a:spcPts val="0"/>
+                </a:spcBef>
+                <a:spcAft>
+                  <a:spcPts val="0"/>
+                </a:spcAft>
+                <a:buClrTx/>
+                <a:buSzTx/>
+                <a:buFontTx/>
+                <a:buNone/>
+                <a:tabLst/>
+                <a:defRPr/>
+              </a:pPr>
+              <a:t>13</a:t>
+            </a:fld>
+            <a:endParaRPr kumimoji="0" lang="en-US" sz="1200" b="0" i="0" u="none" strike="noStrike" kern="1200" cap="none" spc="0" normalizeH="0" baseline="0" noProof="0">
+              <a:ln>
+                <a:noFill/>
+              </a:ln>
+              <a:solidFill>
+                <a:prstClr val="black"/>
+              </a:solidFill>
+              <a:effectLst/>
+              <a:uLnTx/>
+              <a:uFillTx/>
+              <a:latin typeface="Calibri" panose="020F0502020204030204"/>
+              <a:ea typeface="+mn-ea"/>
+              <a:cs typeface="+mn-cs"/>
+            </a:endParaRPr>
+          </a:p>
+        </p:txBody>
+      </p:sp>
+    </p:spTree>
+    <p:extLst>
+      <p:ext uri="{BB962C8B-B14F-4D97-AF65-F5344CB8AC3E}">
+        <p14:creationId xmlns:p14="http://schemas.microsoft.com/office/powerpoint/2010/main" val="3993838157"/>
+      </p:ext>
+    </p:extLst>
+  </p:cSld>
+  <p:clrMapOvr>
+    <a:masterClrMapping/>
+  </p:clrMapOvr>
+</p:notes>
+</file>
+
+<file path=ppt/notesSlides/notesSlide3.xml><?xml version="1.0" encoding="utf-8"?>
+<p:notes xmlns:a="http://schemas.openxmlformats.org/drawingml/2006/main" xmlns:r="http://schemas.openxmlformats.org/officeDocument/2006/relationships" xmlns:p="http://schemas.openxmlformats.org/presentationml/2006/main">
+  <p:cSld>
+    <p:spTree>
+      <p:nvGrpSpPr>
+        <p:cNvPr id="1" name=""/>
+        <p:cNvGrpSpPr/>
+        <p:nvPr/>
+      </p:nvGrpSpPr>
+      <p:grpSpPr>
+        <a:xfrm>
+          <a:off x="0" y="0"/>
+          <a:ext cx="0" cy="0"/>
+          <a:chOff x="0" y="0"/>
+          <a:chExt cx="0" cy="0"/>
+        </a:xfrm>
+      </p:grpSpPr>
+      <p:sp>
+        <p:nvSpPr>
+          <p:cNvPr id="2" name="Slide Image Placeholder 1"/>
+          <p:cNvSpPr>
+            <a:spLocks noGrp="1" noRot="1" noChangeAspect="1"/>
+          </p:cNvSpPr>
+          <p:nvPr>
+            <p:ph type="sldImg"/>
+          </p:nvPr>
+        </p:nvSpPr>
+        <p:spPr/>
+      </p:sp>
+      <p:sp>
+        <p:nvSpPr>
+          <p:cNvPr id="3" name="Notes Placeholder 2"/>
+          <p:cNvSpPr>
+            <a:spLocks noGrp="1"/>
+          </p:cNvSpPr>
+          <p:nvPr>
+            <p:ph type="body" idx="1"/>
+          </p:nvPr>
+        </p:nvSpPr>
+        <p:spPr/>
+        <p:txBody>
+          <a:bodyPr/>
+          <a:lstStyle/>
+          <a:p>
+            <a:pPr marL="285750" indent="-285750">
+              <a:buFont typeface="Arial" panose="020B0604020202020204" pitchFamily="34" charset="0"/>
+              <a:buChar char="•"/>
+            </a:pPr>
+            <a:r>
+              <a:rPr lang="en-US" sz="1200" dirty="0"/>
+              <a:t>Juggling different groups can quickly become a chore without the proper tools.</a:t>
+            </a:r>
+          </a:p>
+          <a:p>
+            <a:pPr marL="285750" indent="-285750">
+              <a:buFont typeface="Arial" panose="020B0604020202020204" pitchFamily="34" charset="0"/>
+              <a:buChar char="•"/>
+            </a:pPr>
+            <a:endParaRPr lang="en-US" sz="1200" dirty="0"/>
+          </a:p>
+          <a:p>
+            <a:pPr marL="285750" indent="-285750">
+              <a:buFont typeface="Arial" panose="020B0604020202020204" pitchFamily="34" charset="0"/>
+              <a:buChar char="•"/>
+            </a:pPr>
+            <a:r>
+              <a:rPr lang="en-US" sz="1200" dirty="0"/>
+              <a:t>Slack allows you to have multiple workspaces at once, with a user-friendly UI to jump between all your groups.</a:t>
+            </a:r>
+          </a:p>
+          <a:p>
+            <a:pPr marL="285750" indent="-285750">
+              <a:buFont typeface="Arial" panose="020B0604020202020204" pitchFamily="34" charset="0"/>
+              <a:buChar char="•"/>
+            </a:pPr>
+            <a:endParaRPr lang="en-US" sz="1200" dirty="0"/>
+          </a:p>
+          <a:p>
+            <a:pPr marL="285750" indent="-285750">
+              <a:buFont typeface="Arial" panose="020B0604020202020204" pitchFamily="34" charset="0"/>
+              <a:buChar char="•"/>
+            </a:pPr>
+            <a:r>
+              <a:rPr lang="en-US" sz="1200" dirty="0"/>
+              <a:t>Having clearly defined workspaces allows for easy transitioning from one group to another. </a:t>
+            </a:r>
+          </a:p>
+          <a:p>
+            <a:endParaRPr lang="en-US" dirty="0"/>
+          </a:p>
+          <a:p>
+            <a:r>
+              <a:rPr lang="en-US" dirty="0"/>
+              <a:t>(At FSCJ it can get to be a little much if you are taking multiple IT classes at the same time. Slack allows a handy workspace system to jump between your groups of peers.)</a:t>
+            </a:r>
+          </a:p>
+        </p:txBody>
+      </p:sp>
+      <p:sp>
+        <p:nvSpPr>
+          <p:cNvPr id="4" name="Slide Number Placeholder 3"/>
+          <p:cNvSpPr>
+            <a:spLocks noGrp="1"/>
+          </p:cNvSpPr>
+          <p:nvPr>
+            <p:ph type="sldNum" sz="quarter" idx="5"/>
+          </p:nvPr>
+        </p:nvSpPr>
+        <p:spPr/>
+        <p:txBody>
+          <a:bodyPr/>
+          <a:lstStyle/>
+          <a:p>
+            <a:pPr marL="0" marR="0" lvl="0" indent="0" algn="r" defTabSz="914400" rtl="0" eaLnBrk="1" fontAlgn="auto" latinLnBrk="0" hangingPunct="1">
+              <a:lnSpc>
+                <a:spcPct val="100000"/>
+              </a:lnSpc>
+              <a:spcBef>
+                <a:spcPts val="0"/>
+              </a:spcBef>
+              <a:spcAft>
+                <a:spcPts val="0"/>
+              </a:spcAft>
+              <a:buClrTx/>
+              <a:buSzTx/>
+              <a:buFontTx/>
+              <a:buNone/>
+              <a:tabLst/>
+              <a:defRPr/>
+            </a:pPr>
+            <a:fld id="{AE9ECEFE-5C53-4261-924B-F0AA5F7E0BB8}" type="slidenum">
+              <a:rPr kumimoji="0" lang="en-US" sz="1200" b="0" i="0" u="none" strike="noStrike" kern="1200" cap="none" spc="0" normalizeH="0" baseline="0" noProof="0" smtClean="0">
+                <a:ln>
+                  <a:noFill/>
+                </a:ln>
+                <a:solidFill>
+                  <a:prstClr val="black"/>
+                </a:solidFill>
+                <a:effectLst/>
+                <a:uLnTx/>
+                <a:uFillTx/>
+                <a:latin typeface="Calibri" panose="020F0502020204030204"/>
+                <a:ea typeface="+mn-ea"/>
+                <a:cs typeface="+mn-cs"/>
+              </a:rPr>
+              <a:pPr marL="0" marR="0" lvl="0" indent="0" algn="r" defTabSz="914400" rtl="0" eaLnBrk="1" fontAlgn="auto" latinLnBrk="0" hangingPunct="1">
+                <a:lnSpc>
+                  <a:spcPct val="100000"/>
+                </a:lnSpc>
+                <a:spcBef>
+                  <a:spcPts val="0"/>
+                </a:spcBef>
+                <a:spcAft>
+                  <a:spcPts val="0"/>
+                </a:spcAft>
+                <a:buClrTx/>
+                <a:buSzTx/>
+                <a:buFontTx/>
+                <a:buNone/>
+                <a:tabLst/>
+                <a:defRPr/>
+              </a:pPr>
+              <a:t>14</a:t>
+            </a:fld>
+            <a:endParaRPr kumimoji="0" lang="en-US" sz="1200" b="0" i="0" u="none" strike="noStrike" kern="1200" cap="none" spc="0" normalizeH="0" baseline="0" noProof="0">
+              <a:ln>
+                <a:noFill/>
+              </a:ln>
+              <a:solidFill>
+                <a:prstClr val="black"/>
+              </a:solidFill>
+              <a:effectLst/>
+              <a:uLnTx/>
+              <a:uFillTx/>
+              <a:latin typeface="Calibri" panose="020F0502020204030204"/>
+              <a:ea typeface="+mn-ea"/>
+              <a:cs typeface="+mn-cs"/>
+            </a:endParaRPr>
+          </a:p>
+        </p:txBody>
+      </p:sp>
+    </p:spTree>
+    <p:extLst>
+      <p:ext uri="{BB962C8B-B14F-4D97-AF65-F5344CB8AC3E}">
+        <p14:creationId xmlns:p14="http://schemas.microsoft.com/office/powerpoint/2010/main" val="1973195403"/>
+      </p:ext>
+    </p:extLst>
+  </p:cSld>
+  <p:clrMapOvr>
+    <a:masterClrMapping/>
+  </p:clrMapOvr>
+</p:notes>
+</file>
+
+<file path=ppt/notesSlides/notesSlide4.xml><?xml version="1.0" encoding="utf-8"?>
+<p:notes xmlns:a="http://schemas.openxmlformats.org/drawingml/2006/main" xmlns:r="http://schemas.openxmlformats.org/officeDocument/2006/relationships" xmlns:p="http://schemas.openxmlformats.org/presentationml/2006/main">
+  <p:cSld>
+    <p:spTree>
+      <p:nvGrpSpPr>
+        <p:cNvPr id="1" name=""/>
+        <p:cNvGrpSpPr/>
+        <p:nvPr/>
+      </p:nvGrpSpPr>
+      <p:grpSpPr>
+        <a:xfrm>
+          <a:off x="0" y="0"/>
+          <a:ext cx="0" cy="0"/>
+          <a:chOff x="0" y="0"/>
+          <a:chExt cx="0" cy="0"/>
+        </a:xfrm>
+      </p:grpSpPr>
+      <p:sp>
+        <p:nvSpPr>
+          <p:cNvPr id="2" name="Slide Image Placeholder 1"/>
+          <p:cNvSpPr>
+            <a:spLocks noGrp="1" noRot="1" noChangeAspect="1"/>
+          </p:cNvSpPr>
+          <p:nvPr>
+            <p:ph type="sldImg"/>
+          </p:nvPr>
+        </p:nvSpPr>
+        <p:spPr/>
+      </p:sp>
+      <p:sp>
+        <p:nvSpPr>
+          <p:cNvPr id="3" name="Notes Placeholder 2"/>
+          <p:cNvSpPr>
+            <a:spLocks noGrp="1"/>
+          </p:cNvSpPr>
+          <p:nvPr>
+            <p:ph type="body" idx="1"/>
+          </p:nvPr>
+        </p:nvSpPr>
+        <p:spPr/>
+        <p:txBody>
+          <a:bodyPr/>
+          <a:lstStyle/>
+          <a:p>
+            <a:pPr marL="285750" indent="-285750">
+              <a:buFont typeface="Arial" panose="020B0604020202020204" pitchFamily="34" charset="0"/>
+              <a:buChar char="•"/>
+            </a:pPr>
+            <a:r>
+              <a:rPr lang="en-US" sz="1200" dirty="0"/>
+              <a:t>One of the most noticeable things about Slack is the customization that is possible through their add-on apps!</a:t>
+            </a:r>
+          </a:p>
+          <a:p>
+            <a:pPr marL="285750" indent="-285750">
+              <a:buFont typeface="Arial" panose="020B0604020202020204" pitchFamily="34" charset="0"/>
+              <a:buChar char="•"/>
+            </a:pPr>
+            <a:endParaRPr lang="en-US" sz="1200" dirty="0"/>
+          </a:p>
+          <a:p>
+            <a:pPr marL="285750" indent="-285750">
+              <a:buFont typeface="Arial" panose="020B0604020202020204" pitchFamily="34" charset="0"/>
+              <a:buChar char="•"/>
+            </a:pPr>
+            <a:r>
+              <a:rPr lang="en-US" sz="1200" dirty="0"/>
+              <a:t>There are thousands of useful apps that can be added to a Slack workspace that supports the task your group is trying to accomplish.</a:t>
+            </a:r>
+          </a:p>
+          <a:p>
+            <a:pPr marL="285750" indent="-285750">
+              <a:buFont typeface="Arial" panose="020B0604020202020204" pitchFamily="34" charset="0"/>
+              <a:buChar char="•"/>
+            </a:pPr>
+            <a:endParaRPr lang="en-US" sz="1200" dirty="0"/>
+          </a:p>
+          <a:p>
+            <a:pPr marL="285750" indent="-285750">
+              <a:buFont typeface="Arial" panose="020B0604020202020204" pitchFamily="34" charset="0"/>
+              <a:buChar char="•"/>
+            </a:pPr>
+            <a:r>
+              <a:rPr lang="en-US" sz="1200" dirty="0"/>
+              <a:t>This customization allows for adaptation to different technologies and for an ever-changing Agile environment.</a:t>
+            </a:r>
+          </a:p>
+          <a:p>
+            <a:endParaRPr lang="en-US" dirty="0"/>
+          </a:p>
+        </p:txBody>
+      </p:sp>
+      <p:sp>
+        <p:nvSpPr>
+          <p:cNvPr id="4" name="Slide Number Placeholder 3"/>
+          <p:cNvSpPr>
+            <a:spLocks noGrp="1"/>
+          </p:cNvSpPr>
+          <p:nvPr>
+            <p:ph type="sldNum" sz="quarter" idx="5"/>
+          </p:nvPr>
+        </p:nvSpPr>
+        <p:spPr/>
+        <p:txBody>
+          <a:bodyPr/>
+          <a:lstStyle/>
+          <a:p>
+            <a:pPr marL="0" marR="0" lvl="0" indent="0" algn="r" defTabSz="914400" rtl="0" eaLnBrk="1" fontAlgn="auto" latinLnBrk="0" hangingPunct="1">
+              <a:lnSpc>
+                <a:spcPct val="100000"/>
+              </a:lnSpc>
+              <a:spcBef>
+                <a:spcPts val="0"/>
+              </a:spcBef>
+              <a:spcAft>
+                <a:spcPts val="0"/>
+              </a:spcAft>
+              <a:buClrTx/>
+              <a:buSzTx/>
+              <a:buFontTx/>
+              <a:buNone/>
+              <a:tabLst/>
+              <a:defRPr/>
+            </a:pPr>
+            <a:fld id="{AE9ECEFE-5C53-4261-924B-F0AA5F7E0BB8}" type="slidenum">
+              <a:rPr kumimoji="0" lang="en-US" sz="1200" b="0" i="0" u="none" strike="noStrike" kern="1200" cap="none" spc="0" normalizeH="0" baseline="0" noProof="0" smtClean="0">
+                <a:ln>
+                  <a:noFill/>
+                </a:ln>
+                <a:solidFill>
+                  <a:prstClr val="black"/>
+                </a:solidFill>
+                <a:effectLst/>
+                <a:uLnTx/>
+                <a:uFillTx/>
+                <a:latin typeface="Calibri" panose="020F0502020204030204"/>
+                <a:ea typeface="+mn-ea"/>
+                <a:cs typeface="+mn-cs"/>
+              </a:rPr>
+              <a:pPr marL="0" marR="0" lvl="0" indent="0" algn="r" defTabSz="914400" rtl="0" eaLnBrk="1" fontAlgn="auto" latinLnBrk="0" hangingPunct="1">
+                <a:lnSpc>
+                  <a:spcPct val="100000"/>
+                </a:lnSpc>
+                <a:spcBef>
+                  <a:spcPts val="0"/>
+                </a:spcBef>
+                <a:spcAft>
+                  <a:spcPts val="0"/>
+                </a:spcAft>
+                <a:buClrTx/>
+                <a:buSzTx/>
+                <a:buFontTx/>
+                <a:buNone/>
+                <a:tabLst/>
+                <a:defRPr/>
+              </a:pPr>
+              <a:t>15</a:t>
+            </a:fld>
+            <a:endParaRPr kumimoji="0" lang="en-US" sz="1200" b="0" i="0" u="none" strike="noStrike" kern="1200" cap="none" spc="0" normalizeH="0" baseline="0" noProof="0">
+              <a:ln>
+                <a:noFill/>
+              </a:ln>
+              <a:solidFill>
+                <a:prstClr val="black"/>
+              </a:solidFill>
+              <a:effectLst/>
+              <a:uLnTx/>
+              <a:uFillTx/>
+              <a:latin typeface="Calibri" panose="020F0502020204030204"/>
+              <a:ea typeface="+mn-ea"/>
+              <a:cs typeface="+mn-cs"/>
+            </a:endParaRPr>
+          </a:p>
+        </p:txBody>
+      </p:sp>
+    </p:spTree>
+    <p:extLst>
+      <p:ext uri="{BB962C8B-B14F-4D97-AF65-F5344CB8AC3E}">
+        <p14:creationId xmlns:p14="http://schemas.microsoft.com/office/powerpoint/2010/main" val="1117955501"/>
+      </p:ext>
+    </p:extLst>
+  </p:cSld>
+  <p:clrMapOvr>
+    <a:masterClrMapping/>
+  </p:clrMapOvr>
+</p:notes>
+</file>
+
+<file path=ppt/notesSlides/notesSlide5.xml><?xml version="1.0" encoding="utf-8"?>
+<p:notes xmlns:a="http://schemas.openxmlformats.org/drawingml/2006/main" xmlns:r="http://schemas.openxmlformats.org/officeDocument/2006/relationships" xmlns:p="http://schemas.openxmlformats.org/presentationml/2006/main">
+  <p:cSld>
+    <p:spTree>
+      <p:nvGrpSpPr>
+        <p:cNvPr id="1" name=""/>
+        <p:cNvGrpSpPr/>
+        <p:nvPr/>
+      </p:nvGrpSpPr>
+      <p:grpSpPr>
+        <a:xfrm>
+          <a:off x="0" y="0"/>
+          <a:ext cx="0" cy="0"/>
+          <a:chOff x="0" y="0"/>
+          <a:chExt cx="0" cy="0"/>
+        </a:xfrm>
+      </p:grpSpPr>
+      <p:sp>
+        <p:nvSpPr>
+          <p:cNvPr id="2" name="Slide Image Placeholder 1"/>
+          <p:cNvSpPr>
+            <a:spLocks noGrp="1" noRot="1" noChangeAspect="1"/>
+          </p:cNvSpPr>
+          <p:nvPr>
+            <p:ph type="sldImg"/>
+          </p:nvPr>
+        </p:nvSpPr>
+        <p:spPr/>
+      </p:sp>
+      <p:sp>
+        <p:nvSpPr>
+          <p:cNvPr id="3" name="Notes Placeholder 2"/>
+          <p:cNvSpPr>
+            <a:spLocks noGrp="1"/>
+          </p:cNvSpPr>
+          <p:nvPr>
+            <p:ph type="body" idx="1"/>
+          </p:nvPr>
+        </p:nvSpPr>
+        <p:spPr/>
+        <p:txBody>
+          <a:bodyPr/>
+          <a:lstStyle/>
+          <a:p>
+            <a:pPr marL="285750" indent="-285750">
+              <a:buFont typeface="Arial" panose="020B0604020202020204" pitchFamily="34" charset="0"/>
+              <a:buChar char="•"/>
+            </a:pPr>
+            <a:r>
+              <a:rPr lang="en-US" sz="1200" dirty="0"/>
+              <a:t>How often have you gone to push your code only to see that you need to pull the new updated first?</a:t>
+            </a:r>
+          </a:p>
+          <a:p>
+            <a:pPr marL="285750" indent="-285750">
+              <a:buFont typeface="Arial" panose="020B0604020202020204" pitchFamily="34" charset="0"/>
+              <a:buChar char="•"/>
+            </a:pPr>
+            <a:endParaRPr lang="en-US" sz="1200" dirty="0"/>
+          </a:p>
+          <a:p>
+            <a:pPr marL="285750" indent="-285750">
+              <a:buFont typeface="Arial" panose="020B0604020202020204" pitchFamily="34" charset="0"/>
+              <a:buChar char="•"/>
+            </a:pPr>
+            <a:r>
+              <a:rPr lang="en-US" sz="1200" dirty="0"/>
+              <a:t>Some of our groups have utilized the GitHub plugin for Slack. This allows the group to be up to date with every update and change happening.</a:t>
+            </a:r>
+          </a:p>
+          <a:p>
+            <a:pPr marL="285750" indent="-285750">
+              <a:buFont typeface="Arial" panose="020B0604020202020204" pitchFamily="34" charset="0"/>
+              <a:buChar char="•"/>
+            </a:pPr>
+            <a:endParaRPr lang="en-US" sz="1200" dirty="0"/>
+          </a:p>
+          <a:p>
+            <a:pPr marL="285750" indent="-285750">
+              <a:buFont typeface="Arial" panose="020B0604020202020204" pitchFamily="34" charset="0"/>
+              <a:buChar char="•"/>
+            </a:pPr>
+            <a:r>
+              <a:rPr lang="en-US" sz="1200" dirty="0"/>
+              <a:t>This allows cohesion of progress updates when the group reconvenes to discuss the next steps!</a:t>
+            </a:r>
+          </a:p>
+          <a:p>
+            <a:endParaRPr lang="en-US" dirty="0"/>
+          </a:p>
+        </p:txBody>
+      </p:sp>
+      <p:sp>
+        <p:nvSpPr>
+          <p:cNvPr id="4" name="Slide Number Placeholder 3"/>
+          <p:cNvSpPr>
+            <a:spLocks noGrp="1"/>
+          </p:cNvSpPr>
+          <p:nvPr>
+            <p:ph type="sldNum" sz="quarter" idx="5"/>
+          </p:nvPr>
+        </p:nvSpPr>
+        <p:spPr/>
+        <p:txBody>
+          <a:bodyPr/>
+          <a:lstStyle/>
+          <a:p>
+            <a:pPr marL="0" marR="0" lvl="0" indent="0" algn="r" defTabSz="914400" rtl="0" eaLnBrk="1" fontAlgn="auto" latinLnBrk="0" hangingPunct="1">
+              <a:lnSpc>
+                <a:spcPct val="100000"/>
+              </a:lnSpc>
+              <a:spcBef>
+                <a:spcPts val="0"/>
+              </a:spcBef>
+              <a:spcAft>
+                <a:spcPts val="0"/>
+              </a:spcAft>
+              <a:buClrTx/>
+              <a:buSzTx/>
+              <a:buFontTx/>
+              <a:buNone/>
+              <a:tabLst/>
+              <a:defRPr/>
+            </a:pPr>
+            <a:fld id="{AE9ECEFE-5C53-4261-924B-F0AA5F7E0BB8}" type="slidenum">
+              <a:rPr kumimoji="0" lang="en-US" sz="1200" b="0" i="0" u="none" strike="noStrike" kern="1200" cap="none" spc="0" normalizeH="0" baseline="0" noProof="0" smtClean="0">
+                <a:ln>
+                  <a:noFill/>
+                </a:ln>
+                <a:solidFill>
+                  <a:prstClr val="black"/>
+                </a:solidFill>
+                <a:effectLst/>
+                <a:uLnTx/>
+                <a:uFillTx/>
+                <a:latin typeface="Calibri" panose="020F0502020204030204"/>
+                <a:ea typeface="+mn-ea"/>
+                <a:cs typeface="+mn-cs"/>
+              </a:rPr>
+              <a:pPr marL="0" marR="0" lvl="0" indent="0" algn="r" defTabSz="914400" rtl="0" eaLnBrk="1" fontAlgn="auto" latinLnBrk="0" hangingPunct="1">
+                <a:lnSpc>
+                  <a:spcPct val="100000"/>
+                </a:lnSpc>
+                <a:spcBef>
+                  <a:spcPts val="0"/>
+                </a:spcBef>
+                <a:spcAft>
+                  <a:spcPts val="0"/>
+                </a:spcAft>
+                <a:buClrTx/>
+                <a:buSzTx/>
+                <a:buFontTx/>
+                <a:buNone/>
+                <a:tabLst/>
+                <a:defRPr/>
+              </a:pPr>
+              <a:t>16</a:t>
+            </a:fld>
+            <a:endParaRPr kumimoji="0" lang="en-US" sz="1200" b="0" i="0" u="none" strike="noStrike" kern="1200" cap="none" spc="0" normalizeH="0" baseline="0" noProof="0">
+              <a:ln>
+                <a:noFill/>
+              </a:ln>
+              <a:solidFill>
+                <a:prstClr val="black"/>
+              </a:solidFill>
+              <a:effectLst/>
+              <a:uLnTx/>
+              <a:uFillTx/>
+              <a:latin typeface="Calibri" panose="020F0502020204030204"/>
+              <a:ea typeface="+mn-ea"/>
+              <a:cs typeface="+mn-cs"/>
+            </a:endParaRPr>
+          </a:p>
+        </p:txBody>
+      </p:sp>
+    </p:spTree>
+    <p:extLst>
+      <p:ext uri="{BB962C8B-B14F-4D97-AF65-F5344CB8AC3E}">
+        <p14:creationId xmlns:p14="http://schemas.microsoft.com/office/powerpoint/2010/main" val="2657851505"/>
+      </p:ext>
+    </p:extLst>
+  </p:cSld>
+  <p:clrMapOvr>
+    <a:masterClrMapping/>
+  </p:clrMapOvr>
+</p:notes>
+</file>
+
+<file path=ppt/notesSlides/notesSlide6.xml><?xml version="1.0" encoding="utf-8"?>
+<p:notes xmlns:a="http://schemas.openxmlformats.org/drawingml/2006/main" xmlns:r="http://schemas.openxmlformats.org/officeDocument/2006/relationships" xmlns:p="http://schemas.openxmlformats.org/presentationml/2006/main">
+  <p:cSld>
+    <p:spTree>
+      <p:nvGrpSpPr>
+        <p:cNvPr id="1" name=""/>
+        <p:cNvGrpSpPr/>
+        <p:nvPr/>
+      </p:nvGrpSpPr>
+      <p:grpSpPr>
+        <a:xfrm>
+          <a:off x="0" y="0"/>
+          <a:ext cx="0" cy="0"/>
+          <a:chOff x="0" y="0"/>
+          <a:chExt cx="0" cy="0"/>
+        </a:xfrm>
+      </p:grpSpPr>
+      <p:sp>
+        <p:nvSpPr>
+          <p:cNvPr id="2" name="Slide Image Placeholder 1"/>
+          <p:cNvSpPr>
+            <a:spLocks noGrp="1" noRot="1" noChangeAspect="1"/>
+          </p:cNvSpPr>
+          <p:nvPr>
+            <p:ph type="sldImg"/>
+          </p:nvPr>
+        </p:nvSpPr>
+        <p:spPr/>
+      </p:sp>
+      <p:sp>
+        <p:nvSpPr>
+          <p:cNvPr id="3" name="Notes Placeholder 2"/>
+          <p:cNvSpPr>
+            <a:spLocks noGrp="1"/>
+          </p:cNvSpPr>
+          <p:nvPr>
+            <p:ph type="body" idx="1"/>
+          </p:nvPr>
+        </p:nvSpPr>
+        <p:spPr/>
+        <p:txBody>
+          <a:bodyPr/>
+          <a:lstStyle/>
+          <a:p>
+            <a:pPr marL="285750" indent="-285750">
+              <a:buFont typeface="Arial" panose="020B0604020202020204" pitchFamily="34" charset="0"/>
+              <a:buChar char="•"/>
+            </a:pPr>
+            <a:r>
+              <a:rPr lang="en-US" sz="1200" dirty="0"/>
+              <a:t>By utilizing the Slack Huddle feature our groups are able to have a live collaboration on demand.</a:t>
+            </a:r>
+          </a:p>
+          <a:p>
+            <a:pPr marL="285750" indent="-285750">
+              <a:buFont typeface="Arial" panose="020B0604020202020204" pitchFamily="34" charset="0"/>
+              <a:buChar char="•"/>
+            </a:pPr>
+            <a:endParaRPr lang="en-US" sz="1200" dirty="0"/>
+          </a:p>
+          <a:p>
+            <a:pPr marL="285750" indent="-285750">
+              <a:buFont typeface="Arial" panose="020B0604020202020204" pitchFamily="34" charset="0"/>
+              <a:buChar char="•"/>
+            </a:pPr>
+            <a:r>
+              <a:rPr lang="en-US" sz="1200" dirty="0"/>
+              <a:t>If there is any confusion to the project at hand there can be clarification in the matter of seconds!</a:t>
+            </a:r>
+          </a:p>
+          <a:p>
+            <a:pPr marL="285750" indent="-285750">
+              <a:buFont typeface="Arial" panose="020B0604020202020204" pitchFamily="34" charset="0"/>
+              <a:buChar char="•"/>
+            </a:pPr>
+            <a:endParaRPr lang="en-US" sz="1200" dirty="0"/>
+          </a:p>
+          <a:p>
+            <a:pPr marL="285750" indent="-285750">
+              <a:buFont typeface="Arial" panose="020B0604020202020204" pitchFamily="34" charset="0"/>
+              <a:buChar char="•"/>
+            </a:pPr>
+            <a:r>
+              <a:rPr lang="en-US" sz="1200" dirty="0"/>
+              <a:t>The cliché goes that a picture speaks a thousands words. So 30fps screen sharing should speak about 30,000 words per second. (pause for laughter)</a:t>
+            </a:r>
+          </a:p>
+          <a:p>
+            <a:endParaRPr lang="en-US" dirty="0"/>
+          </a:p>
+        </p:txBody>
+      </p:sp>
+      <p:sp>
+        <p:nvSpPr>
+          <p:cNvPr id="4" name="Slide Number Placeholder 3"/>
+          <p:cNvSpPr>
+            <a:spLocks noGrp="1"/>
+          </p:cNvSpPr>
+          <p:nvPr>
+            <p:ph type="sldNum" sz="quarter" idx="5"/>
+          </p:nvPr>
+        </p:nvSpPr>
+        <p:spPr/>
+        <p:txBody>
+          <a:bodyPr/>
+          <a:lstStyle/>
+          <a:p>
+            <a:pPr marL="0" marR="0" lvl="0" indent="0" algn="r" defTabSz="914400" rtl="0" eaLnBrk="1" fontAlgn="auto" latinLnBrk="0" hangingPunct="1">
+              <a:lnSpc>
+                <a:spcPct val="100000"/>
+              </a:lnSpc>
+              <a:spcBef>
+                <a:spcPts val="0"/>
+              </a:spcBef>
+              <a:spcAft>
+                <a:spcPts val="0"/>
+              </a:spcAft>
+              <a:buClrTx/>
+              <a:buSzTx/>
+              <a:buFontTx/>
+              <a:buNone/>
+              <a:tabLst/>
+              <a:defRPr/>
+            </a:pPr>
+            <a:fld id="{AE9ECEFE-5C53-4261-924B-F0AA5F7E0BB8}" type="slidenum">
+              <a:rPr kumimoji="0" lang="en-US" sz="1200" b="0" i="0" u="none" strike="noStrike" kern="1200" cap="none" spc="0" normalizeH="0" baseline="0" noProof="0" smtClean="0">
+                <a:ln>
+                  <a:noFill/>
+                </a:ln>
+                <a:solidFill>
+                  <a:prstClr val="black"/>
+                </a:solidFill>
+                <a:effectLst/>
+                <a:uLnTx/>
+                <a:uFillTx/>
+                <a:latin typeface="Calibri" panose="020F0502020204030204"/>
+                <a:ea typeface="+mn-ea"/>
+                <a:cs typeface="+mn-cs"/>
+              </a:rPr>
+              <a:pPr marL="0" marR="0" lvl="0" indent="0" algn="r" defTabSz="914400" rtl="0" eaLnBrk="1" fontAlgn="auto" latinLnBrk="0" hangingPunct="1">
+                <a:lnSpc>
+                  <a:spcPct val="100000"/>
+                </a:lnSpc>
+                <a:spcBef>
+                  <a:spcPts val="0"/>
+                </a:spcBef>
+                <a:spcAft>
+                  <a:spcPts val="0"/>
+                </a:spcAft>
+                <a:buClrTx/>
+                <a:buSzTx/>
+                <a:buFontTx/>
+                <a:buNone/>
+                <a:tabLst/>
+                <a:defRPr/>
+              </a:pPr>
+              <a:t>17</a:t>
+            </a:fld>
+            <a:endParaRPr kumimoji="0" lang="en-US" sz="1200" b="0" i="0" u="none" strike="noStrike" kern="1200" cap="none" spc="0" normalizeH="0" baseline="0" noProof="0">
+              <a:ln>
+                <a:noFill/>
+              </a:ln>
+              <a:solidFill>
+                <a:prstClr val="black"/>
+              </a:solidFill>
+              <a:effectLst/>
+              <a:uLnTx/>
+              <a:uFillTx/>
+              <a:latin typeface="Calibri" panose="020F0502020204030204"/>
+              <a:ea typeface="+mn-ea"/>
+              <a:cs typeface="+mn-cs"/>
+            </a:endParaRPr>
+          </a:p>
+        </p:txBody>
+      </p:sp>
+    </p:spTree>
+    <p:extLst>
+      <p:ext uri="{BB962C8B-B14F-4D97-AF65-F5344CB8AC3E}">
+        <p14:creationId xmlns:p14="http://schemas.microsoft.com/office/powerpoint/2010/main" val="3548995294"/>
+      </p:ext>
+    </p:extLst>
+  </p:cSld>
+  <p:clrMapOvr>
+    <a:masterClrMapping/>
+  </p:clrMapOvr>
+</p:notes>
+</file>
+
+<file path=ppt/notesSlides/notesSlide7.xml><?xml version="1.0" encoding="utf-8"?>
+<p:notes xmlns:a="http://schemas.openxmlformats.org/drawingml/2006/main" xmlns:r="http://schemas.openxmlformats.org/officeDocument/2006/relationships" xmlns:p="http://schemas.openxmlformats.org/presentationml/2006/main">
+  <p:cSld>
+    <p:spTree>
+      <p:nvGrpSpPr>
+        <p:cNvPr id="1" name=""/>
+        <p:cNvGrpSpPr/>
+        <p:nvPr/>
+      </p:nvGrpSpPr>
+      <p:grpSpPr>
+        <a:xfrm>
+          <a:off x="0" y="0"/>
+          <a:ext cx="0" cy="0"/>
+          <a:chOff x="0" y="0"/>
+          <a:chExt cx="0" cy="0"/>
+        </a:xfrm>
+      </p:grpSpPr>
+      <p:sp>
+        <p:nvSpPr>
+          <p:cNvPr id="2" name="Slide Image Placeholder 1"/>
+          <p:cNvSpPr>
+            <a:spLocks noGrp="1" noRot="1" noChangeAspect="1"/>
+          </p:cNvSpPr>
+          <p:nvPr>
+            <p:ph type="sldImg"/>
+          </p:nvPr>
+        </p:nvSpPr>
+        <p:spPr/>
+      </p:sp>
+      <p:sp>
+        <p:nvSpPr>
+          <p:cNvPr id="3" name="Notes Placeholder 2"/>
+          <p:cNvSpPr>
+            <a:spLocks noGrp="1"/>
+          </p:cNvSpPr>
+          <p:nvPr>
+            <p:ph type="body" idx="1"/>
+          </p:nvPr>
+        </p:nvSpPr>
+        <p:spPr/>
+        <p:txBody>
+          <a:bodyPr/>
+          <a:lstStyle/>
+          <a:p>
+            <a:pPr marL="285750" indent="-285750">
+              <a:buFont typeface="Arial" panose="020B0604020202020204" pitchFamily="34" charset="0"/>
+              <a:buChar char="•"/>
+            </a:pPr>
+            <a:r>
+              <a:rPr lang="en-US" sz="1200" dirty="0"/>
+              <a:t>Sometimes our computer notifications can cause a bit of a stressful spike in our bodies when we hear that jingle or notification noise. (pop </a:t>
+            </a:r>
+            <a:r>
+              <a:rPr lang="en-US" sz="1200" dirty="0" err="1"/>
+              <a:t>pop</a:t>
+            </a:r>
+            <a:r>
+              <a:rPr lang="en-US" sz="1200" dirty="0"/>
+              <a:t> </a:t>
+            </a:r>
+            <a:r>
+              <a:rPr lang="en-US" sz="1200" dirty="0" err="1"/>
+              <a:t>pop</a:t>
+            </a:r>
+            <a:r>
+              <a:rPr lang="en-US" sz="1200" dirty="0"/>
+              <a:t> brush </a:t>
+            </a:r>
+            <a:r>
+              <a:rPr lang="en-US" sz="1200" dirty="0" err="1"/>
+              <a:t>brush</a:t>
+            </a:r>
+            <a:r>
+              <a:rPr lang="en-US" sz="1200" dirty="0"/>
+              <a:t> brush)</a:t>
+            </a:r>
+          </a:p>
+          <a:p>
+            <a:pPr marL="285750" indent="-285750">
+              <a:buFont typeface="Arial" panose="020B0604020202020204" pitchFamily="34" charset="0"/>
+              <a:buChar char="•"/>
+            </a:pPr>
+            <a:endParaRPr lang="en-US" sz="1200" dirty="0"/>
+          </a:p>
+          <a:p>
+            <a:pPr marL="285750" indent="-285750">
+              <a:buFont typeface="Arial" panose="020B0604020202020204" pitchFamily="34" charset="0"/>
+              <a:buChar char="•"/>
+            </a:pPr>
+            <a:r>
+              <a:rPr lang="en-US" sz="1200" dirty="0"/>
+              <a:t>In a healthy group setting, those notifications can perk you up and bring motivation to your work-flow!</a:t>
+            </a:r>
+          </a:p>
+          <a:p>
+            <a:pPr marL="285750" indent="-285750">
+              <a:buFont typeface="Arial" panose="020B0604020202020204" pitchFamily="34" charset="0"/>
+              <a:buChar char="•"/>
+            </a:pPr>
+            <a:endParaRPr lang="en-US" sz="1200" dirty="0"/>
+          </a:p>
+          <a:p>
+            <a:pPr marL="285750" indent="-285750">
+              <a:buFont typeface="Arial" panose="020B0604020202020204" pitchFamily="34" charset="0"/>
+              <a:buChar char="•"/>
+            </a:pPr>
+            <a:r>
+              <a:rPr lang="en-US" sz="1200" dirty="0"/>
+              <a:t>Efficiency is always important, especially in the tech world. However, we find our group is most efficient when we are all laughing with each other.</a:t>
+            </a:r>
+          </a:p>
+          <a:p>
+            <a:endParaRPr lang="en-US" dirty="0"/>
+          </a:p>
+        </p:txBody>
+      </p:sp>
+      <p:sp>
+        <p:nvSpPr>
+          <p:cNvPr id="4" name="Slide Number Placeholder 3"/>
+          <p:cNvSpPr>
+            <a:spLocks noGrp="1"/>
+          </p:cNvSpPr>
+          <p:nvPr>
+            <p:ph type="sldNum" sz="quarter" idx="5"/>
+          </p:nvPr>
+        </p:nvSpPr>
+        <p:spPr/>
+        <p:txBody>
+          <a:bodyPr/>
+          <a:lstStyle/>
+          <a:p>
+            <a:pPr marL="0" marR="0" lvl="0" indent="0" algn="r" defTabSz="914400" rtl="0" eaLnBrk="1" fontAlgn="auto" latinLnBrk="0" hangingPunct="1">
+              <a:lnSpc>
+                <a:spcPct val="100000"/>
+              </a:lnSpc>
+              <a:spcBef>
+                <a:spcPts val="0"/>
+              </a:spcBef>
+              <a:spcAft>
+                <a:spcPts val="0"/>
+              </a:spcAft>
+              <a:buClrTx/>
+              <a:buSzTx/>
+              <a:buFontTx/>
+              <a:buNone/>
+              <a:tabLst/>
+              <a:defRPr/>
+            </a:pPr>
+            <a:fld id="{AE9ECEFE-5C53-4261-924B-F0AA5F7E0BB8}" type="slidenum">
+              <a:rPr kumimoji="0" lang="en-US" sz="1200" b="0" i="0" u="none" strike="noStrike" kern="1200" cap="none" spc="0" normalizeH="0" baseline="0" noProof="0" smtClean="0">
+                <a:ln>
+                  <a:noFill/>
+                </a:ln>
+                <a:solidFill>
+                  <a:prstClr val="black"/>
+                </a:solidFill>
+                <a:effectLst/>
+                <a:uLnTx/>
+                <a:uFillTx/>
+                <a:latin typeface="Calibri" panose="020F0502020204030204"/>
+                <a:ea typeface="+mn-ea"/>
+                <a:cs typeface="+mn-cs"/>
+              </a:rPr>
+              <a:pPr marL="0" marR="0" lvl="0" indent="0" algn="r" defTabSz="914400" rtl="0" eaLnBrk="1" fontAlgn="auto" latinLnBrk="0" hangingPunct="1">
+                <a:lnSpc>
+                  <a:spcPct val="100000"/>
+                </a:lnSpc>
+                <a:spcBef>
+                  <a:spcPts val="0"/>
+                </a:spcBef>
+                <a:spcAft>
+                  <a:spcPts val="0"/>
+                </a:spcAft>
+                <a:buClrTx/>
+                <a:buSzTx/>
+                <a:buFontTx/>
+                <a:buNone/>
+                <a:tabLst/>
+                <a:defRPr/>
+              </a:pPr>
+              <a:t>18</a:t>
+            </a:fld>
+            <a:endParaRPr kumimoji="0" lang="en-US" sz="1200" b="0" i="0" u="none" strike="noStrike" kern="1200" cap="none" spc="0" normalizeH="0" baseline="0" noProof="0">
+              <a:ln>
+                <a:noFill/>
+              </a:ln>
+              <a:solidFill>
+                <a:prstClr val="black"/>
+              </a:solidFill>
+              <a:effectLst/>
+              <a:uLnTx/>
+              <a:uFillTx/>
+              <a:latin typeface="Calibri" panose="020F0502020204030204"/>
+              <a:ea typeface="+mn-ea"/>
+              <a:cs typeface="+mn-cs"/>
+            </a:endParaRPr>
+          </a:p>
+        </p:txBody>
+      </p:sp>
+    </p:spTree>
+    <p:extLst>
+      <p:ext uri="{BB962C8B-B14F-4D97-AF65-F5344CB8AC3E}">
+        <p14:creationId xmlns:p14="http://schemas.microsoft.com/office/powerpoint/2010/main" val="2785805056"/>
+      </p:ext>
+    </p:extLst>
+  </p:cSld>
+  <p:clrMapOvr>
+    <a:masterClrMapping/>
+  </p:clrMapOvr>
+</p:notes>
+</file>
+
+<file path=ppt/notesSlides/notesSlide8.xml><?xml version="1.0" encoding="utf-8"?>
+<p:notes xmlns:a="http://schemas.openxmlformats.org/drawingml/2006/main" xmlns:r="http://schemas.openxmlformats.org/officeDocument/2006/relationships" xmlns:p="http://schemas.openxmlformats.org/presentationml/2006/main">
+  <p:cSld>
+    <p:spTree>
+      <p:nvGrpSpPr>
+        <p:cNvPr id="1" name=""/>
+        <p:cNvGrpSpPr/>
+        <p:nvPr/>
+      </p:nvGrpSpPr>
+      <p:grpSpPr>
+        <a:xfrm>
+          <a:off x="0" y="0"/>
+          <a:ext cx="0" cy="0"/>
+          <a:chOff x="0" y="0"/>
+          <a:chExt cx="0" cy="0"/>
+        </a:xfrm>
+      </p:grpSpPr>
+      <p:sp>
+        <p:nvSpPr>
+          <p:cNvPr id="2" name="Slide Image Placeholder 1"/>
+          <p:cNvSpPr>
+            <a:spLocks noGrp="1" noRot="1" noChangeAspect="1"/>
+          </p:cNvSpPr>
+          <p:nvPr>
+            <p:ph type="sldImg"/>
+          </p:nvPr>
+        </p:nvSpPr>
+        <p:spPr/>
+      </p:sp>
+      <p:sp>
+        <p:nvSpPr>
+          <p:cNvPr id="3" name="Notes Placeholder 2"/>
+          <p:cNvSpPr>
+            <a:spLocks noGrp="1"/>
+          </p:cNvSpPr>
+          <p:nvPr>
+            <p:ph type="body" idx="1"/>
+          </p:nvPr>
+        </p:nvSpPr>
+        <p:spPr/>
+        <p:txBody>
+          <a:bodyPr/>
+          <a:lstStyle/>
+          <a:p>
+            <a:endParaRPr lang="en-US"/>
+          </a:p>
+        </p:txBody>
+      </p:sp>
+      <p:sp>
+        <p:nvSpPr>
+          <p:cNvPr id="4" name="Slide Number Placeholder 3"/>
+          <p:cNvSpPr>
+            <a:spLocks noGrp="1"/>
+          </p:cNvSpPr>
+          <p:nvPr>
+            <p:ph type="sldNum" sz="quarter" idx="5"/>
+          </p:nvPr>
+        </p:nvSpPr>
+        <p:spPr/>
+        <p:txBody>
+          <a:bodyPr/>
+          <a:lstStyle/>
+          <a:p>
             <a:fld id="{FCFED414-B8BD-4977-925E-1C2AFAB354A8}" type="slidenum">
               <a:rPr lang="en-US" smtClean="0"/>
-              <a:t>13</a:t>
+              <a:t>19</a:t>
             </a:fld>
             <a:endParaRPr lang="en-US"/>
           </a:p>
@@ -1135,7 +2383,7 @@
           <a:p>
             <a:fld id="{8F7D2F49-1857-4E7D-8050-DC698401AAB7}" type="datetimeFigureOut">
               <a:rPr lang="en-US" smtClean="0"/>
-              <a:t>6/22/2024</a:t>
+              <a:t>7/7/2024</a:t>
             </a:fld>
             <a:endParaRPr lang="en-US"/>
           </a:p>
@@ -2482,7 +3730,7 @@
           <a:p>
             <a:fld id="{8F7D2F49-1857-4E7D-8050-DC698401AAB7}" type="datetimeFigureOut">
               <a:rPr lang="en-US" smtClean="0"/>
-              <a:t>6/22/2024</a:t>
+              <a:t>7/7/2024</a:t>
             </a:fld>
             <a:endParaRPr lang="en-US"/>
           </a:p>
@@ -3753,7 +5001,7 @@
         <p:spPr>
           <a:xfrm>
             <a:off x="838200" y="290652"/>
-            <a:ext cx="10941908" cy="780769"/>
+            <a:ext cx="10515600" cy="780769"/>
           </a:xfrm>
         </p:spPr>
         <p:txBody>
@@ -3761,7 +5009,7 @@
           <a:lstStyle/>
           <a:p>
             <a:r>
-              <a:rPr lang="en-US"/>
+              <a:rPr lang="en-US" dirty="0"/>
               <a:t>Student Experience (Steven Gsell)</a:t>
             </a:r>
           </a:p>
@@ -3785,8 +5033,8 @@
         </p:nvSpPr>
         <p:spPr>
           <a:xfrm>
-            <a:off x="838200" y="1071421"/>
-            <a:ext cx="10515600" cy="4851584"/>
+            <a:off x="838200" y="1307939"/>
+            <a:ext cx="10515600" cy="4615066"/>
           </a:xfrm>
         </p:spPr>
         <p:txBody>
@@ -3795,26 +5043,42 @@
           </a:bodyPr>
           <a:lstStyle/>
           <a:p>
-            <a:pPr marL="169863" indent="-169863">
-              <a:lnSpc>
-                <a:spcPct val="120000"/>
-              </a:lnSpc>
-              <a:spcBef>
-                <a:spcPts val="500"/>
-              </a:spcBef>
-            </a:pPr>
-            <a:endParaRPr lang="en-US" sz="1800" b="1">
-              <a:solidFill>
-                <a:srgbClr val="000000"/>
-              </a:solidFill>
-            </a:endParaRPr>
+            <a:r>
+              <a:rPr lang="en-US" dirty="0"/>
+              <a:t>Yes, it sounds just like the animal!</a:t>
+            </a:r>
+          </a:p>
+          <a:p>
+            <a:r>
+              <a:rPr lang="en-US" sz="2800" dirty="0"/>
+              <a:t>Current FSCJ student pursuing B.A.S in Computer Information Systems</a:t>
+            </a:r>
+          </a:p>
+          <a:p>
+            <a:r>
+              <a:rPr lang="en-US" dirty="0"/>
+              <a:t>Focus on software development</a:t>
+            </a:r>
+          </a:p>
+          <a:p>
+            <a:r>
+              <a:rPr lang="en-US" sz="2800" dirty="0"/>
+              <a:t>Been using Slack in multiple classes throughout education at FSCJ</a:t>
+            </a:r>
+          </a:p>
+          <a:p>
+            <a:r>
+              <a:rPr lang="en-US" dirty="0"/>
+              <a:t>Observed how Slack can add cohesion of communication in groups</a:t>
+            </a:r>
+            <a:endParaRPr lang="en-US" sz="2800" dirty="0"/>
           </a:p>
         </p:txBody>
       </p:sp>
     </p:spTree>
     <p:extLst>
       <p:ext uri="{BB962C8B-B14F-4D97-AF65-F5344CB8AC3E}">
-        <p14:creationId xmlns:p14="http://schemas.microsoft.com/office/powerpoint/2010/main" val="928223919"/>
+        <p14:creationId xmlns:p14="http://schemas.microsoft.com/office/powerpoint/2010/main" val="985310508"/>
       </p:ext>
     </p:extLst>
   </p:cSld>
@@ -3825,6 +5089,2190 @@
 </file>
 
 <file path=ppt/slides/slide13.xml><?xml version="1.0" encoding="utf-8"?>
+<p:sld xmlns:a="http://schemas.openxmlformats.org/drawingml/2006/main" xmlns:r="http://schemas.openxmlformats.org/officeDocument/2006/relationships" xmlns:p="http://schemas.openxmlformats.org/presentationml/2006/main">
+  <p:cSld>
+    <p:spTree>
+      <p:nvGrpSpPr>
+        <p:cNvPr id="1" name=""/>
+        <p:cNvGrpSpPr/>
+        <p:nvPr/>
+      </p:nvGrpSpPr>
+      <p:grpSpPr>
+        <a:xfrm>
+          <a:off x="0" y="0"/>
+          <a:ext cx="0" cy="0"/>
+          <a:chOff x="0" y="0"/>
+          <a:chExt cx="0" cy="0"/>
+        </a:xfrm>
+      </p:grpSpPr>
+      <p:sp>
+        <p:nvSpPr>
+          <p:cNvPr id="2" name="Title 1">
+            <a:extLst>
+              <a:ext uri="{FF2B5EF4-FFF2-40B4-BE49-F238E27FC236}">
+                <a16:creationId xmlns:a16="http://schemas.microsoft.com/office/drawing/2014/main" id="{1193C801-427D-4761-B139-63C3D71F6842}"/>
+              </a:ext>
+            </a:extLst>
+          </p:cNvPr>
+          <p:cNvSpPr>
+            <a:spLocks noGrp="1"/>
+          </p:cNvSpPr>
+          <p:nvPr>
+            <p:ph type="title"/>
+          </p:nvPr>
+        </p:nvSpPr>
+        <p:spPr>
+          <a:xfrm>
+            <a:off x="838200" y="290652"/>
+            <a:ext cx="10515600" cy="780769"/>
+          </a:xfrm>
+        </p:spPr>
+        <p:txBody>
+          <a:bodyPr/>
+          <a:lstStyle/>
+          <a:p>
+            <a:r>
+              <a:rPr lang="en-US" dirty="0"/>
+              <a:t>Allows for Group Problem Solving</a:t>
+            </a:r>
+          </a:p>
+        </p:txBody>
+      </p:sp>
+      <p:pic>
+        <p:nvPicPr>
+          <p:cNvPr id="5" name="Content Placeholder 4">
+            <a:extLst>
+              <a:ext uri="{FF2B5EF4-FFF2-40B4-BE49-F238E27FC236}">
+                <a16:creationId xmlns:a16="http://schemas.microsoft.com/office/drawing/2014/main" id="{54FA8369-B24F-3DFD-C8A1-C0B1C986F776}"/>
+              </a:ext>
+            </a:extLst>
+          </p:cNvPr>
+          <p:cNvPicPr>
+            <a:picLocks noGrp="1" noChangeAspect="1"/>
+          </p:cNvPicPr>
+          <p:nvPr>
+            <p:ph idx="1"/>
+          </p:nvPr>
+        </p:nvPicPr>
+        <p:blipFill>
+          <a:blip r:embed="rId3">
+            <a:extLst>
+              <a:ext uri="{28A0092B-C50C-407E-A947-70E740481C1C}">
+                <a14:useLocalDpi xmlns:a14="http://schemas.microsoft.com/office/drawing/2010/main" val="0"/>
+              </a:ext>
+            </a:extLst>
+          </a:blip>
+          <a:srcRect/>
+          <a:stretch/>
+        </p:blipFill>
+        <p:spPr>
+          <a:xfrm>
+            <a:off x="6096000" y="1121568"/>
+            <a:ext cx="5441405" cy="4614863"/>
+          </a:xfrm>
+          <a:effectLst>
+            <a:outerShdw blurRad="190500" dist="38100" dir="2700000" sx="102000" sy="102000" algn="tl" rotWithShape="0">
+              <a:prstClr val="black">
+                <a:alpha val="40000"/>
+              </a:prstClr>
+            </a:outerShdw>
+          </a:effectLst>
+        </p:spPr>
+      </p:pic>
+      <p:sp>
+        <p:nvSpPr>
+          <p:cNvPr id="10" name="TextBox 9">
+            <a:extLst>
+              <a:ext uri="{FF2B5EF4-FFF2-40B4-BE49-F238E27FC236}">
+                <a16:creationId xmlns:a16="http://schemas.microsoft.com/office/drawing/2014/main" id="{978843E6-49FE-CE26-265D-A2D19E4793C0}"/>
+              </a:ext>
+            </a:extLst>
+          </p:cNvPr>
+          <p:cNvSpPr txBox="1"/>
+          <p:nvPr/>
+        </p:nvSpPr>
+        <p:spPr>
+          <a:xfrm>
+            <a:off x="838200" y="1238081"/>
+            <a:ext cx="4915237" cy="3785652"/>
+          </a:xfrm>
+          <a:prstGeom prst="rect">
+            <a:avLst/>
+          </a:prstGeom>
+          <a:noFill/>
+        </p:spPr>
+        <p:txBody>
+          <a:bodyPr wrap="square" rtlCol="0">
+            <a:spAutoFit/>
+          </a:bodyPr>
+          <a:lstStyle/>
+          <a:p>
+            <a:pPr marL="285750" marR="0" lvl="0" indent="-285750" algn="l" defTabSz="914400" rtl="0" eaLnBrk="1" fontAlgn="auto" latinLnBrk="0" hangingPunct="1">
+              <a:lnSpc>
+                <a:spcPct val="100000"/>
+              </a:lnSpc>
+              <a:spcBef>
+                <a:spcPts val="0"/>
+              </a:spcBef>
+              <a:spcAft>
+                <a:spcPts val="0"/>
+              </a:spcAft>
+              <a:buClrTx/>
+              <a:buSzTx/>
+              <a:buFont typeface="Arial" panose="020B0604020202020204" pitchFamily="34" charset="0"/>
+              <a:buChar char="•"/>
+              <a:tabLst/>
+              <a:defRPr/>
+            </a:pPr>
+            <a:r>
+              <a:rPr kumimoji="0" lang="en-US" sz="2000" b="0" i="0" u="none" strike="noStrike" kern="1200" cap="none" spc="0" normalizeH="0" baseline="0" noProof="0" dirty="0">
+                <a:ln>
+                  <a:noFill/>
+                </a:ln>
+                <a:solidFill>
+                  <a:srgbClr val="007598"/>
+                </a:solidFill>
+                <a:effectLst/>
+                <a:uLnTx/>
+                <a:uFillTx/>
+                <a:latin typeface="Calibri" panose="020F0502020204030204"/>
+                <a:ea typeface="+mn-ea"/>
+                <a:cs typeface="+mn-cs"/>
+              </a:rPr>
+              <a:t>Software projects in a class setting can be chaotic without clear communication</a:t>
+            </a:r>
+          </a:p>
+          <a:p>
+            <a:pPr marL="285750" marR="0" lvl="0" indent="-285750" algn="l" defTabSz="914400" rtl="0" eaLnBrk="1" fontAlgn="auto" latinLnBrk="0" hangingPunct="1">
+              <a:lnSpc>
+                <a:spcPct val="100000"/>
+              </a:lnSpc>
+              <a:spcBef>
+                <a:spcPts val="0"/>
+              </a:spcBef>
+              <a:spcAft>
+                <a:spcPts val="0"/>
+              </a:spcAft>
+              <a:buClrTx/>
+              <a:buSzTx/>
+              <a:buFont typeface="Arial" panose="020B0604020202020204" pitchFamily="34" charset="0"/>
+              <a:buChar char="•"/>
+              <a:tabLst/>
+              <a:defRPr/>
+            </a:pPr>
+            <a:endParaRPr kumimoji="0" lang="en-US" sz="2000" b="0" i="0" u="none" strike="noStrike" kern="1200" cap="none" spc="0" normalizeH="0" baseline="0" noProof="0" dirty="0">
+              <a:ln>
+                <a:noFill/>
+              </a:ln>
+              <a:solidFill>
+                <a:srgbClr val="007598"/>
+              </a:solidFill>
+              <a:effectLst/>
+              <a:uLnTx/>
+              <a:uFillTx/>
+              <a:latin typeface="Calibri" panose="020F0502020204030204"/>
+              <a:ea typeface="+mn-ea"/>
+              <a:cs typeface="+mn-cs"/>
+            </a:endParaRPr>
+          </a:p>
+          <a:p>
+            <a:pPr marL="285750" marR="0" lvl="0" indent="-285750" algn="l" defTabSz="914400" rtl="0" eaLnBrk="1" fontAlgn="auto" latinLnBrk="0" hangingPunct="1">
+              <a:lnSpc>
+                <a:spcPct val="100000"/>
+              </a:lnSpc>
+              <a:spcBef>
+                <a:spcPts val="0"/>
+              </a:spcBef>
+              <a:spcAft>
+                <a:spcPts val="0"/>
+              </a:spcAft>
+              <a:buClrTx/>
+              <a:buSzTx/>
+              <a:buFont typeface="Arial" panose="020B0604020202020204" pitchFamily="34" charset="0"/>
+              <a:buChar char="•"/>
+              <a:tabLst/>
+              <a:defRPr/>
+            </a:pPr>
+            <a:r>
+              <a:rPr kumimoji="0" lang="en-US" sz="2000" b="0" i="0" u="none" strike="noStrike" kern="1200" cap="none" spc="0" normalizeH="0" baseline="0" noProof="0" dirty="0">
+                <a:ln>
+                  <a:noFill/>
+                </a:ln>
+                <a:solidFill>
+                  <a:srgbClr val="007598"/>
+                </a:solidFill>
+                <a:effectLst/>
+                <a:uLnTx/>
+                <a:uFillTx/>
+                <a:latin typeface="Calibri" panose="020F0502020204030204"/>
+                <a:ea typeface="+mn-ea"/>
+                <a:cs typeface="+mn-cs"/>
+              </a:rPr>
+              <a:t>We are all learning and perhaps working with several new technologies for the first time. We are also learning HOW to learn in a fast-paced tech environment.</a:t>
+            </a:r>
+          </a:p>
+          <a:p>
+            <a:pPr marL="285750" marR="0" lvl="0" indent="-285750" algn="l" defTabSz="914400" rtl="0" eaLnBrk="1" fontAlgn="auto" latinLnBrk="0" hangingPunct="1">
+              <a:lnSpc>
+                <a:spcPct val="100000"/>
+              </a:lnSpc>
+              <a:spcBef>
+                <a:spcPts val="0"/>
+              </a:spcBef>
+              <a:spcAft>
+                <a:spcPts val="0"/>
+              </a:spcAft>
+              <a:buClrTx/>
+              <a:buSzTx/>
+              <a:buFont typeface="Arial" panose="020B0604020202020204" pitchFamily="34" charset="0"/>
+              <a:buChar char="•"/>
+              <a:tabLst/>
+              <a:defRPr/>
+            </a:pPr>
+            <a:endParaRPr kumimoji="0" lang="en-US" sz="2000" b="0" i="0" u="none" strike="noStrike" kern="1200" cap="none" spc="0" normalizeH="0" baseline="0" noProof="0" dirty="0">
+              <a:ln>
+                <a:noFill/>
+              </a:ln>
+              <a:solidFill>
+                <a:srgbClr val="007598"/>
+              </a:solidFill>
+              <a:effectLst/>
+              <a:uLnTx/>
+              <a:uFillTx/>
+              <a:latin typeface="Calibri" panose="020F0502020204030204"/>
+              <a:ea typeface="+mn-ea"/>
+              <a:cs typeface="+mn-cs"/>
+            </a:endParaRPr>
+          </a:p>
+          <a:p>
+            <a:pPr marL="285750" marR="0" lvl="0" indent="-285750" algn="l" defTabSz="914400" rtl="0" eaLnBrk="1" fontAlgn="auto" latinLnBrk="0" hangingPunct="1">
+              <a:lnSpc>
+                <a:spcPct val="100000"/>
+              </a:lnSpc>
+              <a:spcBef>
+                <a:spcPts val="0"/>
+              </a:spcBef>
+              <a:spcAft>
+                <a:spcPts val="0"/>
+              </a:spcAft>
+              <a:buClrTx/>
+              <a:buSzTx/>
+              <a:buFont typeface="Arial" panose="020B0604020202020204" pitchFamily="34" charset="0"/>
+              <a:buChar char="•"/>
+              <a:tabLst/>
+              <a:defRPr/>
+            </a:pPr>
+            <a:r>
+              <a:rPr kumimoji="0" lang="en-US" sz="2000" b="0" i="0" u="none" strike="noStrike" kern="1200" cap="none" spc="0" normalizeH="0" baseline="0" noProof="0" dirty="0">
+                <a:ln>
+                  <a:noFill/>
+                </a:ln>
+                <a:solidFill>
+                  <a:srgbClr val="007598"/>
+                </a:solidFill>
+                <a:effectLst/>
+                <a:uLnTx/>
+                <a:uFillTx/>
+                <a:latin typeface="Calibri" panose="020F0502020204030204"/>
+                <a:ea typeface="+mn-ea"/>
+                <a:cs typeface="+mn-cs"/>
+              </a:rPr>
+              <a:t>When our groups run into problems, Slack allows us to pinpoint the problem as a group and see the clear solution when someone finds it!</a:t>
+            </a:r>
+          </a:p>
+        </p:txBody>
+      </p:sp>
+    </p:spTree>
+    <p:extLst>
+      <p:ext uri="{BB962C8B-B14F-4D97-AF65-F5344CB8AC3E}">
+        <p14:creationId xmlns:p14="http://schemas.microsoft.com/office/powerpoint/2010/main" val="504903178"/>
+      </p:ext>
+    </p:extLst>
+  </p:cSld>
+  <p:clrMapOvr>
+    <a:masterClrMapping/>
+  </p:clrMapOvr>
+</p:sld>
+</file>
+
+<file path=ppt/slides/slide14.xml><?xml version="1.0" encoding="utf-8"?>
+<p:sld xmlns:a="http://schemas.openxmlformats.org/drawingml/2006/main" xmlns:r="http://schemas.openxmlformats.org/officeDocument/2006/relationships" xmlns:p="http://schemas.openxmlformats.org/presentationml/2006/main">
+  <p:cSld>
+    <p:spTree>
+      <p:nvGrpSpPr>
+        <p:cNvPr id="1" name=""/>
+        <p:cNvGrpSpPr/>
+        <p:nvPr/>
+      </p:nvGrpSpPr>
+      <p:grpSpPr>
+        <a:xfrm>
+          <a:off x="0" y="0"/>
+          <a:ext cx="0" cy="0"/>
+          <a:chOff x="0" y="0"/>
+          <a:chExt cx="0" cy="0"/>
+        </a:xfrm>
+      </p:grpSpPr>
+      <p:sp>
+        <p:nvSpPr>
+          <p:cNvPr id="2" name="Title 1">
+            <a:extLst>
+              <a:ext uri="{FF2B5EF4-FFF2-40B4-BE49-F238E27FC236}">
+                <a16:creationId xmlns:a16="http://schemas.microsoft.com/office/drawing/2014/main" id="{1193C801-427D-4761-B139-63C3D71F6842}"/>
+              </a:ext>
+            </a:extLst>
+          </p:cNvPr>
+          <p:cNvSpPr>
+            <a:spLocks noGrp="1"/>
+          </p:cNvSpPr>
+          <p:nvPr>
+            <p:ph type="title"/>
+          </p:nvPr>
+        </p:nvSpPr>
+        <p:spPr>
+          <a:xfrm>
+            <a:off x="838200" y="290652"/>
+            <a:ext cx="10515600" cy="780769"/>
+          </a:xfrm>
+        </p:spPr>
+        <p:txBody>
+          <a:bodyPr/>
+          <a:lstStyle/>
+          <a:p>
+            <a:r>
+              <a:rPr lang="en-US" dirty="0"/>
+              <a:t>Allows Organized Group Separation </a:t>
+            </a:r>
+          </a:p>
+        </p:txBody>
+      </p:sp>
+      <p:sp>
+        <p:nvSpPr>
+          <p:cNvPr id="10" name="TextBox 9">
+            <a:extLst>
+              <a:ext uri="{FF2B5EF4-FFF2-40B4-BE49-F238E27FC236}">
+                <a16:creationId xmlns:a16="http://schemas.microsoft.com/office/drawing/2014/main" id="{978843E6-49FE-CE26-265D-A2D19E4793C0}"/>
+              </a:ext>
+            </a:extLst>
+          </p:cNvPr>
+          <p:cNvSpPr txBox="1"/>
+          <p:nvPr/>
+        </p:nvSpPr>
+        <p:spPr>
+          <a:xfrm>
+            <a:off x="838200" y="1238081"/>
+            <a:ext cx="4915237" cy="3170099"/>
+          </a:xfrm>
+          <a:prstGeom prst="rect">
+            <a:avLst/>
+          </a:prstGeom>
+          <a:noFill/>
+        </p:spPr>
+        <p:txBody>
+          <a:bodyPr wrap="square" rtlCol="0">
+            <a:spAutoFit/>
+          </a:bodyPr>
+          <a:lstStyle/>
+          <a:p>
+            <a:pPr marL="285750" marR="0" lvl="0" indent="-285750" algn="l" defTabSz="914400" rtl="0" eaLnBrk="1" fontAlgn="auto" latinLnBrk="0" hangingPunct="1">
+              <a:lnSpc>
+                <a:spcPct val="100000"/>
+              </a:lnSpc>
+              <a:spcBef>
+                <a:spcPts val="0"/>
+              </a:spcBef>
+              <a:spcAft>
+                <a:spcPts val="0"/>
+              </a:spcAft>
+              <a:buClrTx/>
+              <a:buSzTx/>
+              <a:buFont typeface="Arial" panose="020B0604020202020204" pitchFamily="34" charset="0"/>
+              <a:buChar char="•"/>
+              <a:tabLst/>
+              <a:defRPr/>
+            </a:pPr>
+            <a:r>
+              <a:rPr kumimoji="0" lang="en-US" sz="2000" b="0" i="0" u="none" strike="noStrike" kern="1200" cap="none" spc="0" normalizeH="0" baseline="0" noProof="0" dirty="0">
+                <a:ln>
+                  <a:noFill/>
+                </a:ln>
+                <a:solidFill>
+                  <a:srgbClr val="007598"/>
+                </a:solidFill>
+                <a:effectLst/>
+                <a:uLnTx/>
+                <a:uFillTx/>
+                <a:latin typeface="Calibri" panose="020F0502020204030204"/>
+                <a:ea typeface="+mn-ea"/>
+                <a:cs typeface="+mn-cs"/>
+              </a:rPr>
+              <a:t>Juggling different groups can quickly become a chore without the proper tools.</a:t>
+            </a:r>
+          </a:p>
+          <a:p>
+            <a:pPr marL="285750" marR="0" lvl="0" indent="-285750" algn="l" defTabSz="914400" rtl="0" eaLnBrk="1" fontAlgn="auto" latinLnBrk="0" hangingPunct="1">
+              <a:lnSpc>
+                <a:spcPct val="100000"/>
+              </a:lnSpc>
+              <a:spcBef>
+                <a:spcPts val="0"/>
+              </a:spcBef>
+              <a:spcAft>
+                <a:spcPts val="0"/>
+              </a:spcAft>
+              <a:buClrTx/>
+              <a:buSzTx/>
+              <a:buFont typeface="Arial" panose="020B0604020202020204" pitchFamily="34" charset="0"/>
+              <a:buChar char="•"/>
+              <a:tabLst/>
+              <a:defRPr/>
+            </a:pPr>
+            <a:endParaRPr kumimoji="0" lang="en-US" sz="2000" b="0" i="0" u="none" strike="noStrike" kern="1200" cap="none" spc="0" normalizeH="0" baseline="0" noProof="0" dirty="0">
+              <a:ln>
+                <a:noFill/>
+              </a:ln>
+              <a:solidFill>
+                <a:srgbClr val="007598"/>
+              </a:solidFill>
+              <a:effectLst/>
+              <a:uLnTx/>
+              <a:uFillTx/>
+              <a:latin typeface="Calibri" panose="020F0502020204030204"/>
+              <a:ea typeface="+mn-ea"/>
+              <a:cs typeface="+mn-cs"/>
+            </a:endParaRPr>
+          </a:p>
+          <a:p>
+            <a:pPr marL="285750" marR="0" lvl="0" indent="-285750" algn="l" defTabSz="914400" rtl="0" eaLnBrk="1" fontAlgn="auto" latinLnBrk="0" hangingPunct="1">
+              <a:lnSpc>
+                <a:spcPct val="100000"/>
+              </a:lnSpc>
+              <a:spcBef>
+                <a:spcPts val="0"/>
+              </a:spcBef>
+              <a:spcAft>
+                <a:spcPts val="0"/>
+              </a:spcAft>
+              <a:buClrTx/>
+              <a:buSzTx/>
+              <a:buFont typeface="Arial" panose="020B0604020202020204" pitchFamily="34" charset="0"/>
+              <a:buChar char="•"/>
+              <a:tabLst/>
+              <a:defRPr/>
+            </a:pPr>
+            <a:r>
+              <a:rPr kumimoji="0" lang="en-US" sz="2000" b="0" i="0" u="none" strike="noStrike" kern="1200" cap="none" spc="0" normalizeH="0" baseline="0" noProof="0" dirty="0">
+                <a:ln>
+                  <a:noFill/>
+                </a:ln>
+                <a:solidFill>
+                  <a:srgbClr val="007598"/>
+                </a:solidFill>
+                <a:effectLst/>
+                <a:uLnTx/>
+                <a:uFillTx/>
+                <a:latin typeface="Calibri" panose="020F0502020204030204"/>
+                <a:ea typeface="+mn-ea"/>
+                <a:cs typeface="+mn-cs"/>
+              </a:rPr>
+              <a:t>Slack allows you to have multiple workspaces at once, with a user-friendly UI to jump between all your groups.</a:t>
+            </a:r>
+          </a:p>
+          <a:p>
+            <a:pPr marL="285750" marR="0" lvl="0" indent="-285750" algn="l" defTabSz="914400" rtl="0" eaLnBrk="1" fontAlgn="auto" latinLnBrk="0" hangingPunct="1">
+              <a:lnSpc>
+                <a:spcPct val="100000"/>
+              </a:lnSpc>
+              <a:spcBef>
+                <a:spcPts val="0"/>
+              </a:spcBef>
+              <a:spcAft>
+                <a:spcPts val="0"/>
+              </a:spcAft>
+              <a:buClrTx/>
+              <a:buSzTx/>
+              <a:buFont typeface="Arial" panose="020B0604020202020204" pitchFamily="34" charset="0"/>
+              <a:buChar char="•"/>
+              <a:tabLst/>
+              <a:defRPr/>
+            </a:pPr>
+            <a:endParaRPr kumimoji="0" lang="en-US" sz="2000" b="0" i="0" u="none" strike="noStrike" kern="1200" cap="none" spc="0" normalizeH="0" baseline="0" noProof="0" dirty="0">
+              <a:ln>
+                <a:noFill/>
+              </a:ln>
+              <a:solidFill>
+                <a:srgbClr val="007598"/>
+              </a:solidFill>
+              <a:effectLst/>
+              <a:uLnTx/>
+              <a:uFillTx/>
+              <a:latin typeface="Calibri" panose="020F0502020204030204"/>
+              <a:ea typeface="+mn-ea"/>
+              <a:cs typeface="+mn-cs"/>
+            </a:endParaRPr>
+          </a:p>
+          <a:p>
+            <a:pPr marL="285750" marR="0" lvl="0" indent="-285750" algn="l" defTabSz="914400" rtl="0" eaLnBrk="1" fontAlgn="auto" latinLnBrk="0" hangingPunct="1">
+              <a:lnSpc>
+                <a:spcPct val="100000"/>
+              </a:lnSpc>
+              <a:spcBef>
+                <a:spcPts val="0"/>
+              </a:spcBef>
+              <a:spcAft>
+                <a:spcPts val="0"/>
+              </a:spcAft>
+              <a:buClrTx/>
+              <a:buSzTx/>
+              <a:buFont typeface="Arial" panose="020B0604020202020204" pitchFamily="34" charset="0"/>
+              <a:buChar char="•"/>
+              <a:tabLst/>
+              <a:defRPr/>
+            </a:pPr>
+            <a:r>
+              <a:rPr kumimoji="0" lang="en-US" sz="2000" b="0" i="0" u="none" strike="noStrike" kern="1200" cap="none" spc="0" normalizeH="0" baseline="0" noProof="0" dirty="0">
+                <a:ln>
+                  <a:noFill/>
+                </a:ln>
+                <a:solidFill>
+                  <a:srgbClr val="007598"/>
+                </a:solidFill>
+                <a:effectLst/>
+                <a:uLnTx/>
+                <a:uFillTx/>
+                <a:latin typeface="Calibri" panose="020F0502020204030204"/>
+                <a:ea typeface="+mn-ea"/>
+                <a:cs typeface="+mn-cs"/>
+              </a:rPr>
+              <a:t>Having clearly defined workspaces allows for easy transitioning from one group to another. </a:t>
+            </a:r>
+          </a:p>
+        </p:txBody>
+      </p:sp>
+      <p:pic>
+        <p:nvPicPr>
+          <p:cNvPr id="6" name="Content Placeholder 5">
+            <a:extLst>
+              <a:ext uri="{FF2B5EF4-FFF2-40B4-BE49-F238E27FC236}">
+                <a16:creationId xmlns:a16="http://schemas.microsoft.com/office/drawing/2014/main" id="{2DCB6C17-1E8C-6E62-A772-C36B095C05BB}"/>
+              </a:ext>
+            </a:extLst>
+          </p:cNvPr>
+          <p:cNvPicPr>
+            <a:picLocks noGrp="1" noChangeAspect="1"/>
+          </p:cNvPicPr>
+          <p:nvPr>
+            <p:ph idx="1"/>
+          </p:nvPr>
+        </p:nvPicPr>
+        <p:blipFill>
+          <a:blip r:embed="rId3">
+            <a:extLst>
+              <a:ext uri="{28A0092B-C50C-407E-A947-70E740481C1C}">
+                <a14:useLocalDpi xmlns:a14="http://schemas.microsoft.com/office/drawing/2010/main" val="0"/>
+              </a:ext>
+            </a:extLst>
+          </a:blip>
+          <a:srcRect/>
+          <a:stretch/>
+        </p:blipFill>
+        <p:spPr>
+          <a:xfrm>
+            <a:off x="6322454" y="1376552"/>
+            <a:ext cx="5306327" cy="4104895"/>
+          </a:xfrm>
+          <a:effectLst>
+            <a:outerShdw blurRad="190500" dist="38100" dir="2700000" sx="102000" sy="102000" algn="tl" rotWithShape="0">
+              <a:prstClr val="black">
+                <a:alpha val="40000"/>
+              </a:prstClr>
+            </a:outerShdw>
+          </a:effectLst>
+        </p:spPr>
+      </p:pic>
+      <p:sp>
+        <p:nvSpPr>
+          <p:cNvPr id="12" name="Rectangle 11">
+            <a:extLst>
+              <a:ext uri="{FF2B5EF4-FFF2-40B4-BE49-F238E27FC236}">
+                <a16:creationId xmlns:a16="http://schemas.microsoft.com/office/drawing/2014/main" id="{9F0AB30B-54F0-1D78-1303-343918EB6B18}"/>
+              </a:ext>
+            </a:extLst>
+          </p:cNvPr>
+          <p:cNvSpPr/>
+          <p:nvPr/>
+        </p:nvSpPr>
+        <p:spPr>
+          <a:xfrm>
+            <a:off x="6202017" y="1749287"/>
+            <a:ext cx="2097157" cy="1808922"/>
+          </a:xfrm>
+          <a:prstGeom prst="rect">
+            <a:avLst/>
+          </a:prstGeom>
+          <a:noFill/>
+          <a:ln w="57150">
+            <a:solidFill>
+              <a:srgbClr val="FF0000"/>
+            </a:solidFill>
+          </a:ln>
+        </p:spPr>
+        <p:style>
+          <a:lnRef idx="2">
+            <a:schemeClr val="accent1">
+              <a:shade val="15000"/>
+            </a:schemeClr>
+          </a:lnRef>
+          <a:fillRef idx="1">
+            <a:schemeClr val="accent1"/>
+          </a:fillRef>
+          <a:effectRef idx="0">
+            <a:schemeClr val="accent1"/>
+          </a:effectRef>
+          <a:fontRef idx="minor">
+            <a:schemeClr val="lt1"/>
+          </a:fontRef>
+        </p:style>
+        <p:txBody>
+          <a:bodyPr rtlCol="0" anchor="ctr"/>
+          <a:lstStyle/>
+          <a:p>
+            <a:pPr marL="0" marR="0" lvl="0" indent="0" algn="ctr" defTabSz="914400" rtl="0" eaLnBrk="1" fontAlgn="auto" latinLnBrk="0" hangingPunct="1">
+              <a:lnSpc>
+                <a:spcPct val="100000"/>
+              </a:lnSpc>
+              <a:spcBef>
+                <a:spcPts val="0"/>
+              </a:spcBef>
+              <a:spcAft>
+                <a:spcPts val="0"/>
+              </a:spcAft>
+              <a:buClrTx/>
+              <a:buSzTx/>
+              <a:buFontTx/>
+              <a:buNone/>
+              <a:tabLst/>
+              <a:defRPr/>
+            </a:pPr>
+            <a:endParaRPr kumimoji="0" lang="en-US" sz="1800" b="0" i="0" u="none" strike="noStrike" kern="1200" cap="none" spc="0" normalizeH="0" baseline="0" noProof="0">
+              <a:ln>
+                <a:noFill/>
+              </a:ln>
+              <a:solidFill>
+                <a:srgbClr val="FFFFFF"/>
+              </a:solidFill>
+              <a:effectLst/>
+              <a:uLnTx/>
+              <a:uFillTx/>
+              <a:latin typeface="Calibri" panose="020F0502020204030204"/>
+              <a:ea typeface="+mn-ea"/>
+              <a:cs typeface="+mn-cs"/>
+            </a:endParaRPr>
+          </a:p>
+        </p:txBody>
+      </p:sp>
+      <p:sp>
+        <p:nvSpPr>
+          <p:cNvPr id="11" name="Arrow: Right 10">
+            <a:extLst>
+              <a:ext uri="{FF2B5EF4-FFF2-40B4-BE49-F238E27FC236}">
+                <a16:creationId xmlns:a16="http://schemas.microsoft.com/office/drawing/2014/main" id="{828A5158-6DF2-C82B-41BB-8DDCA4199DCE}"/>
+              </a:ext>
+            </a:extLst>
+          </p:cNvPr>
+          <p:cNvSpPr/>
+          <p:nvPr/>
+        </p:nvSpPr>
+        <p:spPr>
+          <a:xfrm rot="12770960">
+            <a:off x="7938882" y="3594982"/>
+            <a:ext cx="1858618" cy="536713"/>
+          </a:xfrm>
+          <a:prstGeom prst="rightArrow">
+            <a:avLst/>
+          </a:prstGeom>
+          <a:solidFill>
+            <a:srgbClr val="FF0000"/>
+          </a:solidFill>
+        </p:spPr>
+        <p:style>
+          <a:lnRef idx="2">
+            <a:schemeClr val="accent1">
+              <a:shade val="15000"/>
+            </a:schemeClr>
+          </a:lnRef>
+          <a:fillRef idx="1">
+            <a:schemeClr val="accent1"/>
+          </a:fillRef>
+          <a:effectRef idx="0">
+            <a:schemeClr val="accent1"/>
+          </a:effectRef>
+          <a:fontRef idx="minor">
+            <a:schemeClr val="lt1"/>
+          </a:fontRef>
+        </p:style>
+        <p:txBody>
+          <a:bodyPr rtlCol="0" anchor="ctr"/>
+          <a:lstStyle/>
+          <a:p>
+            <a:pPr marL="0" marR="0" lvl="0" indent="0" algn="ctr" defTabSz="914400" rtl="0" eaLnBrk="1" fontAlgn="auto" latinLnBrk="0" hangingPunct="1">
+              <a:lnSpc>
+                <a:spcPct val="100000"/>
+              </a:lnSpc>
+              <a:spcBef>
+                <a:spcPts val="0"/>
+              </a:spcBef>
+              <a:spcAft>
+                <a:spcPts val="0"/>
+              </a:spcAft>
+              <a:buClrTx/>
+              <a:buSzTx/>
+              <a:buFontTx/>
+              <a:buNone/>
+              <a:tabLst/>
+              <a:defRPr/>
+            </a:pPr>
+            <a:endParaRPr kumimoji="0" lang="en-US" sz="1800" b="0" i="0" u="none" strike="noStrike" kern="1200" cap="none" spc="0" normalizeH="0" baseline="0" noProof="0">
+              <a:ln>
+                <a:noFill/>
+              </a:ln>
+              <a:solidFill>
+                <a:srgbClr val="FFFFFF"/>
+              </a:solidFill>
+              <a:effectLst/>
+              <a:uLnTx/>
+              <a:uFillTx/>
+              <a:latin typeface="Calibri" panose="020F0502020204030204"/>
+              <a:ea typeface="+mn-ea"/>
+              <a:cs typeface="+mn-cs"/>
+            </a:endParaRPr>
+          </a:p>
+        </p:txBody>
+      </p:sp>
+    </p:spTree>
+    <p:extLst>
+      <p:ext uri="{BB962C8B-B14F-4D97-AF65-F5344CB8AC3E}">
+        <p14:creationId xmlns:p14="http://schemas.microsoft.com/office/powerpoint/2010/main" val="2440337316"/>
+      </p:ext>
+    </p:extLst>
+  </p:cSld>
+  <p:clrMapOvr>
+    <a:masterClrMapping/>
+  </p:clrMapOvr>
+</p:sld>
+</file>
+
+<file path=ppt/slides/slide15.xml><?xml version="1.0" encoding="utf-8"?>
+<p:sld xmlns:a="http://schemas.openxmlformats.org/drawingml/2006/main" xmlns:r="http://schemas.openxmlformats.org/officeDocument/2006/relationships" xmlns:p="http://schemas.openxmlformats.org/presentationml/2006/main">
+  <p:cSld>
+    <p:spTree>
+      <p:nvGrpSpPr>
+        <p:cNvPr id="1" name=""/>
+        <p:cNvGrpSpPr/>
+        <p:nvPr/>
+      </p:nvGrpSpPr>
+      <p:grpSpPr>
+        <a:xfrm>
+          <a:off x="0" y="0"/>
+          <a:ext cx="0" cy="0"/>
+          <a:chOff x="0" y="0"/>
+          <a:chExt cx="0" cy="0"/>
+        </a:xfrm>
+      </p:grpSpPr>
+      <p:sp>
+        <p:nvSpPr>
+          <p:cNvPr id="2" name="Title 1">
+            <a:extLst>
+              <a:ext uri="{FF2B5EF4-FFF2-40B4-BE49-F238E27FC236}">
+                <a16:creationId xmlns:a16="http://schemas.microsoft.com/office/drawing/2014/main" id="{1193C801-427D-4761-B139-63C3D71F6842}"/>
+              </a:ext>
+            </a:extLst>
+          </p:cNvPr>
+          <p:cNvSpPr>
+            <a:spLocks noGrp="1"/>
+          </p:cNvSpPr>
+          <p:nvPr>
+            <p:ph type="title"/>
+          </p:nvPr>
+        </p:nvSpPr>
+        <p:spPr>
+          <a:xfrm>
+            <a:off x="838200" y="290652"/>
+            <a:ext cx="10515600" cy="780769"/>
+          </a:xfrm>
+        </p:spPr>
+        <p:txBody>
+          <a:bodyPr/>
+          <a:lstStyle/>
+          <a:p>
+            <a:r>
+              <a:rPr lang="en-US" dirty="0"/>
+              <a:t>Allows Communication Customization</a:t>
+            </a:r>
+          </a:p>
+        </p:txBody>
+      </p:sp>
+      <p:sp>
+        <p:nvSpPr>
+          <p:cNvPr id="10" name="TextBox 9">
+            <a:extLst>
+              <a:ext uri="{FF2B5EF4-FFF2-40B4-BE49-F238E27FC236}">
+                <a16:creationId xmlns:a16="http://schemas.microsoft.com/office/drawing/2014/main" id="{978843E6-49FE-CE26-265D-A2D19E4793C0}"/>
+              </a:ext>
+            </a:extLst>
+          </p:cNvPr>
+          <p:cNvSpPr txBox="1"/>
+          <p:nvPr/>
+        </p:nvSpPr>
+        <p:spPr>
+          <a:xfrm>
+            <a:off x="838200" y="1238081"/>
+            <a:ext cx="4915237" cy="3785652"/>
+          </a:xfrm>
+          <a:prstGeom prst="rect">
+            <a:avLst/>
+          </a:prstGeom>
+          <a:noFill/>
+        </p:spPr>
+        <p:txBody>
+          <a:bodyPr wrap="square" rtlCol="0">
+            <a:spAutoFit/>
+          </a:bodyPr>
+          <a:lstStyle/>
+          <a:p>
+            <a:pPr marL="285750" marR="0" lvl="0" indent="-285750" algn="l" defTabSz="914400" rtl="0" eaLnBrk="1" fontAlgn="auto" latinLnBrk="0" hangingPunct="1">
+              <a:lnSpc>
+                <a:spcPct val="100000"/>
+              </a:lnSpc>
+              <a:spcBef>
+                <a:spcPts val="0"/>
+              </a:spcBef>
+              <a:spcAft>
+                <a:spcPts val="0"/>
+              </a:spcAft>
+              <a:buClrTx/>
+              <a:buSzTx/>
+              <a:buFont typeface="Arial" panose="020B0604020202020204" pitchFamily="34" charset="0"/>
+              <a:buChar char="•"/>
+              <a:tabLst/>
+              <a:defRPr/>
+            </a:pPr>
+            <a:r>
+              <a:rPr kumimoji="0" lang="en-US" sz="2000" b="0" i="0" u="none" strike="noStrike" kern="1200" cap="none" spc="0" normalizeH="0" baseline="0" noProof="0" dirty="0">
+                <a:ln>
+                  <a:noFill/>
+                </a:ln>
+                <a:solidFill>
+                  <a:srgbClr val="007598"/>
+                </a:solidFill>
+                <a:effectLst/>
+                <a:uLnTx/>
+                <a:uFillTx/>
+                <a:latin typeface="Calibri" panose="020F0502020204030204"/>
+                <a:ea typeface="+mn-ea"/>
+                <a:cs typeface="+mn-cs"/>
+              </a:rPr>
+              <a:t>One of the most noticeable things about Slack is the customization that is possible through their add-on apps!</a:t>
+            </a:r>
+          </a:p>
+          <a:p>
+            <a:pPr marL="285750" marR="0" lvl="0" indent="-285750" algn="l" defTabSz="914400" rtl="0" eaLnBrk="1" fontAlgn="auto" latinLnBrk="0" hangingPunct="1">
+              <a:lnSpc>
+                <a:spcPct val="100000"/>
+              </a:lnSpc>
+              <a:spcBef>
+                <a:spcPts val="0"/>
+              </a:spcBef>
+              <a:spcAft>
+                <a:spcPts val="0"/>
+              </a:spcAft>
+              <a:buClrTx/>
+              <a:buSzTx/>
+              <a:buFont typeface="Arial" panose="020B0604020202020204" pitchFamily="34" charset="0"/>
+              <a:buChar char="•"/>
+              <a:tabLst/>
+              <a:defRPr/>
+            </a:pPr>
+            <a:endParaRPr kumimoji="0" lang="en-US" sz="2000" b="0" i="0" u="none" strike="noStrike" kern="1200" cap="none" spc="0" normalizeH="0" baseline="0" noProof="0" dirty="0">
+              <a:ln>
+                <a:noFill/>
+              </a:ln>
+              <a:solidFill>
+                <a:srgbClr val="007598"/>
+              </a:solidFill>
+              <a:effectLst/>
+              <a:uLnTx/>
+              <a:uFillTx/>
+              <a:latin typeface="Calibri" panose="020F0502020204030204"/>
+              <a:ea typeface="+mn-ea"/>
+              <a:cs typeface="+mn-cs"/>
+            </a:endParaRPr>
+          </a:p>
+          <a:p>
+            <a:pPr marL="285750" marR="0" lvl="0" indent="-285750" algn="l" defTabSz="914400" rtl="0" eaLnBrk="1" fontAlgn="auto" latinLnBrk="0" hangingPunct="1">
+              <a:lnSpc>
+                <a:spcPct val="100000"/>
+              </a:lnSpc>
+              <a:spcBef>
+                <a:spcPts val="0"/>
+              </a:spcBef>
+              <a:spcAft>
+                <a:spcPts val="0"/>
+              </a:spcAft>
+              <a:buClrTx/>
+              <a:buSzTx/>
+              <a:buFont typeface="Arial" panose="020B0604020202020204" pitchFamily="34" charset="0"/>
+              <a:buChar char="•"/>
+              <a:tabLst/>
+              <a:defRPr/>
+            </a:pPr>
+            <a:r>
+              <a:rPr kumimoji="0" lang="en-US" sz="2000" b="0" i="0" u="none" strike="noStrike" kern="1200" cap="none" spc="0" normalizeH="0" baseline="0" noProof="0" dirty="0">
+                <a:ln>
+                  <a:noFill/>
+                </a:ln>
+                <a:solidFill>
+                  <a:srgbClr val="007598"/>
+                </a:solidFill>
+                <a:effectLst/>
+                <a:uLnTx/>
+                <a:uFillTx/>
+                <a:latin typeface="Calibri" panose="020F0502020204030204"/>
+                <a:ea typeface="+mn-ea"/>
+                <a:cs typeface="+mn-cs"/>
+              </a:rPr>
+              <a:t>There are thousands of useful apps that can be added to a Slack workspace that supports the task your group is trying to accomplish.</a:t>
+            </a:r>
+          </a:p>
+          <a:p>
+            <a:pPr marL="285750" marR="0" lvl="0" indent="-285750" algn="l" defTabSz="914400" rtl="0" eaLnBrk="1" fontAlgn="auto" latinLnBrk="0" hangingPunct="1">
+              <a:lnSpc>
+                <a:spcPct val="100000"/>
+              </a:lnSpc>
+              <a:spcBef>
+                <a:spcPts val="0"/>
+              </a:spcBef>
+              <a:spcAft>
+                <a:spcPts val="0"/>
+              </a:spcAft>
+              <a:buClrTx/>
+              <a:buSzTx/>
+              <a:buFont typeface="Arial" panose="020B0604020202020204" pitchFamily="34" charset="0"/>
+              <a:buChar char="•"/>
+              <a:tabLst/>
+              <a:defRPr/>
+            </a:pPr>
+            <a:endParaRPr kumimoji="0" lang="en-US" sz="2000" b="0" i="0" u="none" strike="noStrike" kern="1200" cap="none" spc="0" normalizeH="0" baseline="0" noProof="0" dirty="0">
+              <a:ln>
+                <a:noFill/>
+              </a:ln>
+              <a:solidFill>
+                <a:srgbClr val="007598"/>
+              </a:solidFill>
+              <a:effectLst/>
+              <a:uLnTx/>
+              <a:uFillTx/>
+              <a:latin typeface="Calibri" panose="020F0502020204030204"/>
+              <a:ea typeface="+mn-ea"/>
+              <a:cs typeface="+mn-cs"/>
+            </a:endParaRPr>
+          </a:p>
+          <a:p>
+            <a:pPr marL="285750" marR="0" lvl="0" indent="-285750" algn="l" defTabSz="914400" rtl="0" eaLnBrk="1" fontAlgn="auto" latinLnBrk="0" hangingPunct="1">
+              <a:lnSpc>
+                <a:spcPct val="100000"/>
+              </a:lnSpc>
+              <a:spcBef>
+                <a:spcPts val="0"/>
+              </a:spcBef>
+              <a:spcAft>
+                <a:spcPts val="0"/>
+              </a:spcAft>
+              <a:buClrTx/>
+              <a:buSzTx/>
+              <a:buFont typeface="Arial" panose="020B0604020202020204" pitchFamily="34" charset="0"/>
+              <a:buChar char="•"/>
+              <a:tabLst/>
+              <a:defRPr/>
+            </a:pPr>
+            <a:r>
+              <a:rPr kumimoji="0" lang="en-US" sz="2000" b="0" i="0" u="none" strike="noStrike" kern="1200" cap="none" spc="0" normalizeH="0" baseline="0" noProof="0" dirty="0">
+                <a:ln>
+                  <a:noFill/>
+                </a:ln>
+                <a:solidFill>
+                  <a:srgbClr val="007598"/>
+                </a:solidFill>
+                <a:effectLst/>
+                <a:uLnTx/>
+                <a:uFillTx/>
+                <a:latin typeface="Calibri" panose="020F0502020204030204"/>
+                <a:ea typeface="+mn-ea"/>
+                <a:cs typeface="+mn-cs"/>
+              </a:rPr>
+              <a:t>This customization allows for adaptation to different technologies and for an ever-changing Agile environment.</a:t>
+            </a:r>
+          </a:p>
+        </p:txBody>
+      </p:sp>
+      <p:pic>
+        <p:nvPicPr>
+          <p:cNvPr id="7" name="Content Placeholder 6" descr="Slack app Directory Page">
+            <a:extLst>
+              <a:ext uri="{FF2B5EF4-FFF2-40B4-BE49-F238E27FC236}">
+                <a16:creationId xmlns:a16="http://schemas.microsoft.com/office/drawing/2014/main" id="{9D62BA66-3F60-D008-F105-D4180F011B57}"/>
+              </a:ext>
+            </a:extLst>
+          </p:cNvPr>
+          <p:cNvPicPr>
+            <a:picLocks noGrp="1" noChangeAspect="1"/>
+          </p:cNvPicPr>
+          <p:nvPr>
+            <p:ph idx="1"/>
+          </p:nvPr>
+        </p:nvPicPr>
+        <p:blipFill>
+          <a:blip r:embed="rId3">
+            <a:extLst>
+              <a:ext uri="{28A0092B-C50C-407E-A947-70E740481C1C}">
+                <a14:useLocalDpi xmlns:a14="http://schemas.microsoft.com/office/drawing/2010/main" val="0"/>
+              </a:ext>
+            </a:extLst>
+          </a:blip>
+          <a:stretch>
+            <a:fillRect/>
+          </a:stretch>
+        </p:blipFill>
+        <p:spPr>
+          <a:xfrm>
+            <a:off x="6096000" y="1602232"/>
+            <a:ext cx="5577283" cy="3421501"/>
+          </a:xfrm>
+          <a:effectLst>
+            <a:outerShdw blurRad="190500" dist="38100" dir="2700000" sx="102000" sy="102000" algn="tl" rotWithShape="0">
+              <a:prstClr val="black">
+                <a:alpha val="40000"/>
+              </a:prstClr>
+            </a:outerShdw>
+          </a:effectLst>
+        </p:spPr>
+      </p:pic>
+      <p:sp>
+        <p:nvSpPr>
+          <p:cNvPr id="8" name="TextBox 7">
+            <a:extLst>
+              <a:ext uri="{FF2B5EF4-FFF2-40B4-BE49-F238E27FC236}">
+                <a16:creationId xmlns:a16="http://schemas.microsoft.com/office/drawing/2014/main" id="{7E801D9D-D251-3DFA-A6F4-45AF8E839110}"/>
+              </a:ext>
+            </a:extLst>
+          </p:cNvPr>
+          <p:cNvSpPr txBox="1"/>
+          <p:nvPr/>
+        </p:nvSpPr>
+        <p:spPr>
+          <a:xfrm>
+            <a:off x="7721763" y="5185212"/>
+            <a:ext cx="2325756" cy="369332"/>
+          </a:xfrm>
+          <a:prstGeom prst="rect">
+            <a:avLst/>
+          </a:prstGeom>
+          <a:noFill/>
+        </p:spPr>
+        <p:txBody>
+          <a:bodyPr wrap="square" rtlCol="0">
+            <a:spAutoFit/>
+          </a:bodyPr>
+          <a:lstStyle/>
+          <a:p>
+            <a:pPr marL="0" marR="0" lvl="0" indent="0" algn="l" defTabSz="914400" rtl="0" eaLnBrk="1" fontAlgn="auto" latinLnBrk="0" hangingPunct="1">
+              <a:lnSpc>
+                <a:spcPct val="100000"/>
+              </a:lnSpc>
+              <a:spcBef>
+                <a:spcPts val="0"/>
+              </a:spcBef>
+              <a:spcAft>
+                <a:spcPts val="0"/>
+              </a:spcAft>
+              <a:buClrTx/>
+              <a:buSzTx/>
+              <a:buFontTx/>
+              <a:buNone/>
+              <a:tabLst/>
+              <a:defRPr/>
+            </a:pPr>
+            <a:r>
+              <a:rPr kumimoji="0" lang="en-US" sz="1800" b="0" i="0" u="none" strike="noStrike" kern="1200" cap="none" spc="0" normalizeH="0" baseline="0" noProof="0" dirty="0">
+                <a:ln>
+                  <a:noFill/>
+                </a:ln>
+                <a:solidFill>
+                  <a:srgbClr val="007598"/>
+                </a:solidFill>
+                <a:effectLst/>
+                <a:uLnTx/>
+                <a:uFillTx/>
+                <a:latin typeface="Calibri" panose="020F0502020204030204"/>
+                <a:ea typeface="+mn-ea"/>
+                <a:cs typeface="+mn-cs"/>
+                <a:hlinkClick r:id="rId4"/>
+              </a:rPr>
+              <a:t>https://slack.com/apps</a:t>
+            </a:r>
+            <a:endParaRPr kumimoji="0" lang="en-US" sz="1800" b="0" i="0" u="none" strike="noStrike" kern="1200" cap="none" spc="0" normalizeH="0" baseline="0" noProof="0" dirty="0">
+              <a:ln>
+                <a:noFill/>
+              </a:ln>
+              <a:solidFill>
+                <a:srgbClr val="007598"/>
+              </a:solidFill>
+              <a:effectLst/>
+              <a:uLnTx/>
+              <a:uFillTx/>
+              <a:latin typeface="Calibri" panose="020F0502020204030204"/>
+              <a:ea typeface="+mn-ea"/>
+              <a:cs typeface="+mn-cs"/>
+            </a:endParaRPr>
+          </a:p>
+        </p:txBody>
+      </p:sp>
+    </p:spTree>
+    <p:extLst>
+      <p:ext uri="{BB962C8B-B14F-4D97-AF65-F5344CB8AC3E}">
+        <p14:creationId xmlns:p14="http://schemas.microsoft.com/office/powerpoint/2010/main" val="275916581"/>
+      </p:ext>
+    </p:extLst>
+  </p:cSld>
+  <p:clrMapOvr>
+    <a:masterClrMapping/>
+  </p:clrMapOvr>
+</p:sld>
+</file>
+
+<file path=ppt/slides/slide16.xml><?xml version="1.0" encoding="utf-8"?>
+<p:sld xmlns:a="http://schemas.openxmlformats.org/drawingml/2006/main" xmlns:r="http://schemas.openxmlformats.org/officeDocument/2006/relationships" xmlns:p="http://schemas.openxmlformats.org/presentationml/2006/main">
+  <p:cSld>
+    <p:spTree>
+      <p:nvGrpSpPr>
+        <p:cNvPr id="1" name=""/>
+        <p:cNvGrpSpPr/>
+        <p:nvPr/>
+      </p:nvGrpSpPr>
+      <p:grpSpPr>
+        <a:xfrm>
+          <a:off x="0" y="0"/>
+          <a:ext cx="0" cy="0"/>
+          <a:chOff x="0" y="0"/>
+          <a:chExt cx="0" cy="0"/>
+        </a:xfrm>
+      </p:grpSpPr>
+      <p:sp>
+        <p:nvSpPr>
+          <p:cNvPr id="2" name="Title 1">
+            <a:extLst>
+              <a:ext uri="{FF2B5EF4-FFF2-40B4-BE49-F238E27FC236}">
+                <a16:creationId xmlns:a16="http://schemas.microsoft.com/office/drawing/2014/main" id="{1193C801-427D-4761-B139-63C3D71F6842}"/>
+              </a:ext>
+            </a:extLst>
+          </p:cNvPr>
+          <p:cNvSpPr>
+            <a:spLocks noGrp="1"/>
+          </p:cNvSpPr>
+          <p:nvPr>
+            <p:ph type="title"/>
+          </p:nvPr>
+        </p:nvSpPr>
+        <p:spPr>
+          <a:xfrm>
+            <a:off x="838200" y="290652"/>
+            <a:ext cx="10515600" cy="780769"/>
+          </a:xfrm>
+        </p:spPr>
+        <p:txBody>
+          <a:bodyPr/>
+          <a:lstStyle/>
+          <a:p>
+            <a:r>
+              <a:rPr lang="en-US" dirty="0"/>
+              <a:t>Allows Repository Transparency </a:t>
+            </a:r>
+          </a:p>
+        </p:txBody>
+      </p:sp>
+      <p:sp>
+        <p:nvSpPr>
+          <p:cNvPr id="10" name="TextBox 9">
+            <a:extLst>
+              <a:ext uri="{FF2B5EF4-FFF2-40B4-BE49-F238E27FC236}">
+                <a16:creationId xmlns:a16="http://schemas.microsoft.com/office/drawing/2014/main" id="{978843E6-49FE-CE26-265D-A2D19E4793C0}"/>
+              </a:ext>
+            </a:extLst>
+          </p:cNvPr>
+          <p:cNvSpPr txBox="1"/>
+          <p:nvPr/>
+        </p:nvSpPr>
+        <p:spPr>
+          <a:xfrm>
+            <a:off x="838200" y="1238081"/>
+            <a:ext cx="4915237" cy="3785652"/>
+          </a:xfrm>
+          <a:prstGeom prst="rect">
+            <a:avLst/>
+          </a:prstGeom>
+          <a:noFill/>
+        </p:spPr>
+        <p:txBody>
+          <a:bodyPr wrap="square" rtlCol="0">
+            <a:spAutoFit/>
+          </a:bodyPr>
+          <a:lstStyle/>
+          <a:p>
+            <a:pPr marL="285750" marR="0" lvl="0" indent="-285750" algn="l" defTabSz="914400" rtl="0" eaLnBrk="1" fontAlgn="auto" latinLnBrk="0" hangingPunct="1">
+              <a:lnSpc>
+                <a:spcPct val="100000"/>
+              </a:lnSpc>
+              <a:spcBef>
+                <a:spcPts val="0"/>
+              </a:spcBef>
+              <a:spcAft>
+                <a:spcPts val="0"/>
+              </a:spcAft>
+              <a:buClrTx/>
+              <a:buSzTx/>
+              <a:buFont typeface="Arial" panose="020B0604020202020204" pitchFamily="34" charset="0"/>
+              <a:buChar char="•"/>
+              <a:tabLst/>
+              <a:defRPr/>
+            </a:pPr>
+            <a:r>
+              <a:rPr kumimoji="0" lang="en-US" sz="2000" b="0" i="0" u="none" strike="noStrike" kern="1200" cap="none" spc="0" normalizeH="0" baseline="0" noProof="0" dirty="0">
+                <a:ln>
+                  <a:noFill/>
+                </a:ln>
+                <a:solidFill>
+                  <a:srgbClr val="007598"/>
+                </a:solidFill>
+                <a:effectLst/>
+                <a:uLnTx/>
+                <a:uFillTx/>
+                <a:latin typeface="Calibri" panose="020F0502020204030204"/>
+                <a:ea typeface="+mn-ea"/>
+                <a:cs typeface="+mn-cs"/>
+              </a:rPr>
+              <a:t>How often have you gone to push your code only to see that you need to pull the new updated first?</a:t>
+            </a:r>
+          </a:p>
+          <a:p>
+            <a:pPr marL="285750" marR="0" lvl="0" indent="-285750" algn="l" defTabSz="914400" rtl="0" eaLnBrk="1" fontAlgn="auto" latinLnBrk="0" hangingPunct="1">
+              <a:lnSpc>
+                <a:spcPct val="100000"/>
+              </a:lnSpc>
+              <a:spcBef>
+                <a:spcPts val="0"/>
+              </a:spcBef>
+              <a:spcAft>
+                <a:spcPts val="0"/>
+              </a:spcAft>
+              <a:buClrTx/>
+              <a:buSzTx/>
+              <a:buFont typeface="Arial" panose="020B0604020202020204" pitchFamily="34" charset="0"/>
+              <a:buChar char="•"/>
+              <a:tabLst/>
+              <a:defRPr/>
+            </a:pPr>
+            <a:endParaRPr kumimoji="0" lang="en-US" sz="2000" b="0" i="0" u="none" strike="noStrike" kern="1200" cap="none" spc="0" normalizeH="0" baseline="0" noProof="0" dirty="0">
+              <a:ln>
+                <a:noFill/>
+              </a:ln>
+              <a:solidFill>
+                <a:srgbClr val="007598"/>
+              </a:solidFill>
+              <a:effectLst/>
+              <a:uLnTx/>
+              <a:uFillTx/>
+              <a:latin typeface="Calibri" panose="020F0502020204030204"/>
+              <a:ea typeface="+mn-ea"/>
+              <a:cs typeface="+mn-cs"/>
+            </a:endParaRPr>
+          </a:p>
+          <a:p>
+            <a:pPr marL="285750" marR="0" lvl="0" indent="-285750" algn="l" defTabSz="914400" rtl="0" eaLnBrk="1" fontAlgn="auto" latinLnBrk="0" hangingPunct="1">
+              <a:lnSpc>
+                <a:spcPct val="100000"/>
+              </a:lnSpc>
+              <a:spcBef>
+                <a:spcPts val="0"/>
+              </a:spcBef>
+              <a:spcAft>
+                <a:spcPts val="0"/>
+              </a:spcAft>
+              <a:buClrTx/>
+              <a:buSzTx/>
+              <a:buFont typeface="Arial" panose="020B0604020202020204" pitchFamily="34" charset="0"/>
+              <a:buChar char="•"/>
+              <a:tabLst/>
+              <a:defRPr/>
+            </a:pPr>
+            <a:r>
+              <a:rPr kumimoji="0" lang="en-US" sz="2000" b="0" i="0" u="none" strike="noStrike" kern="1200" cap="none" spc="0" normalizeH="0" baseline="0" noProof="0" dirty="0">
+                <a:ln>
+                  <a:noFill/>
+                </a:ln>
+                <a:solidFill>
+                  <a:srgbClr val="007598"/>
+                </a:solidFill>
+                <a:effectLst/>
+                <a:uLnTx/>
+                <a:uFillTx/>
+                <a:latin typeface="Calibri" panose="020F0502020204030204"/>
+                <a:ea typeface="+mn-ea"/>
+                <a:cs typeface="+mn-cs"/>
+              </a:rPr>
+              <a:t>Some of our groups have utilized the GitHub plugin for Slack. This allows the group to be up to date with every update and change happening.</a:t>
+            </a:r>
+          </a:p>
+          <a:p>
+            <a:pPr marL="285750" marR="0" lvl="0" indent="-285750" algn="l" defTabSz="914400" rtl="0" eaLnBrk="1" fontAlgn="auto" latinLnBrk="0" hangingPunct="1">
+              <a:lnSpc>
+                <a:spcPct val="100000"/>
+              </a:lnSpc>
+              <a:spcBef>
+                <a:spcPts val="0"/>
+              </a:spcBef>
+              <a:spcAft>
+                <a:spcPts val="0"/>
+              </a:spcAft>
+              <a:buClrTx/>
+              <a:buSzTx/>
+              <a:buFont typeface="Arial" panose="020B0604020202020204" pitchFamily="34" charset="0"/>
+              <a:buChar char="•"/>
+              <a:tabLst/>
+              <a:defRPr/>
+            </a:pPr>
+            <a:endParaRPr kumimoji="0" lang="en-US" sz="2000" b="0" i="0" u="none" strike="noStrike" kern="1200" cap="none" spc="0" normalizeH="0" baseline="0" noProof="0" dirty="0">
+              <a:ln>
+                <a:noFill/>
+              </a:ln>
+              <a:solidFill>
+                <a:srgbClr val="007598"/>
+              </a:solidFill>
+              <a:effectLst/>
+              <a:uLnTx/>
+              <a:uFillTx/>
+              <a:latin typeface="Calibri" panose="020F0502020204030204"/>
+              <a:ea typeface="+mn-ea"/>
+              <a:cs typeface="+mn-cs"/>
+            </a:endParaRPr>
+          </a:p>
+          <a:p>
+            <a:pPr marL="285750" marR="0" lvl="0" indent="-285750" algn="l" defTabSz="914400" rtl="0" eaLnBrk="1" fontAlgn="auto" latinLnBrk="0" hangingPunct="1">
+              <a:lnSpc>
+                <a:spcPct val="100000"/>
+              </a:lnSpc>
+              <a:spcBef>
+                <a:spcPts val="0"/>
+              </a:spcBef>
+              <a:spcAft>
+                <a:spcPts val="0"/>
+              </a:spcAft>
+              <a:buClrTx/>
+              <a:buSzTx/>
+              <a:buFont typeface="Arial" panose="020B0604020202020204" pitchFamily="34" charset="0"/>
+              <a:buChar char="•"/>
+              <a:tabLst/>
+              <a:defRPr/>
+            </a:pPr>
+            <a:r>
+              <a:rPr kumimoji="0" lang="en-US" sz="2000" b="0" i="0" u="none" strike="noStrike" kern="1200" cap="none" spc="0" normalizeH="0" baseline="0" noProof="0" dirty="0">
+                <a:ln>
+                  <a:noFill/>
+                </a:ln>
+                <a:solidFill>
+                  <a:srgbClr val="007598"/>
+                </a:solidFill>
+                <a:effectLst/>
+                <a:uLnTx/>
+                <a:uFillTx/>
+                <a:latin typeface="Calibri" panose="020F0502020204030204"/>
+                <a:ea typeface="+mn-ea"/>
+                <a:cs typeface="+mn-cs"/>
+              </a:rPr>
+              <a:t>This allows cohesion of progress updates when the group reconvenes to discuss the next steps!</a:t>
+            </a:r>
+          </a:p>
+        </p:txBody>
+      </p:sp>
+      <p:pic>
+        <p:nvPicPr>
+          <p:cNvPr id="7" name="Content Placeholder 6">
+            <a:extLst>
+              <a:ext uri="{FF2B5EF4-FFF2-40B4-BE49-F238E27FC236}">
+                <a16:creationId xmlns:a16="http://schemas.microsoft.com/office/drawing/2014/main" id="{79CBEC20-A68A-CF72-63A4-21534BB00816}"/>
+              </a:ext>
+            </a:extLst>
+          </p:cNvPr>
+          <p:cNvPicPr>
+            <a:picLocks noGrp="1" noChangeAspect="1"/>
+          </p:cNvPicPr>
+          <p:nvPr>
+            <p:ph idx="1"/>
+          </p:nvPr>
+        </p:nvPicPr>
+        <p:blipFill>
+          <a:blip r:embed="rId3">
+            <a:extLst>
+              <a:ext uri="{28A0092B-C50C-407E-A947-70E740481C1C}">
+                <a14:useLocalDpi xmlns:a14="http://schemas.microsoft.com/office/drawing/2010/main" val="0"/>
+              </a:ext>
+            </a:extLst>
+          </a:blip>
+          <a:srcRect/>
+          <a:stretch/>
+        </p:blipFill>
+        <p:spPr>
+          <a:xfrm>
+            <a:off x="6249749" y="1238081"/>
+            <a:ext cx="5257800" cy="4618268"/>
+          </a:xfrm>
+          <a:effectLst>
+            <a:outerShdw blurRad="190500" dist="38100" dir="2700000" sx="102000" sy="102000" algn="tl" rotWithShape="0">
+              <a:prstClr val="black">
+                <a:alpha val="40000"/>
+              </a:prstClr>
+            </a:outerShdw>
+          </a:effectLst>
+        </p:spPr>
+      </p:pic>
+    </p:spTree>
+    <p:extLst>
+      <p:ext uri="{BB962C8B-B14F-4D97-AF65-F5344CB8AC3E}">
+        <p14:creationId xmlns:p14="http://schemas.microsoft.com/office/powerpoint/2010/main" val="3943678850"/>
+      </p:ext>
+    </p:extLst>
+  </p:cSld>
+  <p:clrMapOvr>
+    <a:masterClrMapping/>
+  </p:clrMapOvr>
+</p:sld>
+</file>
+
+<file path=ppt/slides/slide17.xml><?xml version="1.0" encoding="utf-8"?>
+<p:sld xmlns:a="http://schemas.openxmlformats.org/drawingml/2006/main" xmlns:r="http://schemas.openxmlformats.org/officeDocument/2006/relationships" xmlns:p="http://schemas.openxmlformats.org/presentationml/2006/main">
+  <p:cSld>
+    <p:spTree>
+      <p:nvGrpSpPr>
+        <p:cNvPr id="1" name=""/>
+        <p:cNvGrpSpPr/>
+        <p:nvPr/>
+      </p:nvGrpSpPr>
+      <p:grpSpPr>
+        <a:xfrm>
+          <a:off x="0" y="0"/>
+          <a:ext cx="0" cy="0"/>
+          <a:chOff x="0" y="0"/>
+          <a:chExt cx="0" cy="0"/>
+        </a:xfrm>
+      </p:grpSpPr>
+      <p:sp>
+        <p:nvSpPr>
+          <p:cNvPr id="2" name="Title 1">
+            <a:extLst>
+              <a:ext uri="{FF2B5EF4-FFF2-40B4-BE49-F238E27FC236}">
+                <a16:creationId xmlns:a16="http://schemas.microsoft.com/office/drawing/2014/main" id="{1193C801-427D-4761-B139-63C3D71F6842}"/>
+              </a:ext>
+            </a:extLst>
+          </p:cNvPr>
+          <p:cNvSpPr>
+            <a:spLocks noGrp="1"/>
+          </p:cNvSpPr>
+          <p:nvPr>
+            <p:ph type="title"/>
+          </p:nvPr>
+        </p:nvSpPr>
+        <p:spPr>
+          <a:xfrm>
+            <a:off x="838200" y="290652"/>
+            <a:ext cx="10515600" cy="780769"/>
+          </a:xfrm>
+        </p:spPr>
+        <p:txBody>
+          <a:bodyPr/>
+          <a:lstStyle/>
+          <a:p>
+            <a:r>
+              <a:rPr lang="en-US" dirty="0"/>
+              <a:t>Enhances Cohesive File &amp; Screen Sharing</a:t>
+            </a:r>
+          </a:p>
+        </p:txBody>
+      </p:sp>
+      <p:sp>
+        <p:nvSpPr>
+          <p:cNvPr id="10" name="TextBox 9">
+            <a:extLst>
+              <a:ext uri="{FF2B5EF4-FFF2-40B4-BE49-F238E27FC236}">
+                <a16:creationId xmlns:a16="http://schemas.microsoft.com/office/drawing/2014/main" id="{978843E6-49FE-CE26-265D-A2D19E4793C0}"/>
+              </a:ext>
+            </a:extLst>
+          </p:cNvPr>
+          <p:cNvSpPr txBox="1"/>
+          <p:nvPr/>
+        </p:nvSpPr>
+        <p:spPr>
+          <a:xfrm>
+            <a:off x="838200" y="1238081"/>
+            <a:ext cx="4915237" cy="3785652"/>
+          </a:xfrm>
+          <a:prstGeom prst="rect">
+            <a:avLst/>
+          </a:prstGeom>
+          <a:noFill/>
+        </p:spPr>
+        <p:txBody>
+          <a:bodyPr wrap="square" rtlCol="0">
+            <a:spAutoFit/>
+          </a:bodyPr>
+          <a:lstStyle/>
+          <a:p>
+            <a:pPr marL="285750" marR="0" lvl="0" indent="-285750" algn="l" defTabSz="914400" rtl="0" eaLnBrk="1" fontAlgn="auto" latinLnBrk="0" hangingPunct="1">
+              <a:lnSpc>
+                <a:spcPct val="100000"/>
+              </a:lnSpc>
+              <a:spcBef>
+                <a:spcPts val="0"/>
+              </a:spcBef>
+              <a:spcAft>
+                <a:spcPts val="0"/>
+              </a:spcAft>
+              <a:buClrTx/>
+              <a:buSzTx/>
+              <a:buFont typeface="Arial" panose="020B0604020202020204" pitchFamily="34" charset="0"/>
+              <a:buChar char="•"/>
+              <a:tabLst/>
+              <a:defRPr/>
+            </a:pPr>
+            <a:r>
+              <a:rPr kumimoji="0" lang="en-US" sz="2000" b="0" i="0" u="none" strike="noStrike" kern="1200" cap="none" spc="0" normalizeH="0" baseline="0" noProof="0" dirty="0">
+                <a:ln>
+                  <a:noFill/>
+                </a:ln>
+                <a:solidFill>
+                  <a:srgbClr val="007598"/>
+                </a:solidFill>
+                <a:effectLst/>
+                <a:uLnTx/>
+                <a:uFillTx/>
+                <a:latin typeface="Calibri" panose="020F0502020204030204"/>
+                <a:ea typeface="+mn-ea"/>
+                <a:cs typeface="+mn-cs"/>
+              </a:rPr>
+              <a:t>By utilizing the Slack Huddle feature our groups are able to have a live collaboration on demand.</a:t>
+            </a:r>
+          </a:p>
+          <a:p>
+            <a:pPr marL="285750" marR="0" lvl="0" indent="-285750" algn="l" defTabSz="914400" rtl="0" eaLnBrk="1" fontAlgn="auto" latinLnBrk="0" hangingPunct="1">
+              <a:lnSpc>
+                <a:spcPct val="100000"/>
+              </a:lnSpc>
+              <a:spcBef>
+                <a:spcPts val="0"/>
+              </a:spcBef>
+              <a:spcAft>
+                <a:spcPts val="0"/>
+              </a:spcAft>
+              <a:buClrTx/>
+              <a:buSzTx/>
+              <a:buFont typeface="Arial" panose="020B0604020202020204" pitchFamily="34" charset="0"/>
+              <a:buChar char="•"/>
+              <a:tabLst/>
+              <a:defRPr/>
+            </a:pPr>
+            <a:endParaRPr kumimoji="0" lang="en-US" sz="2000" b="0" i="0" u="none" strike="noStrike" kern="1200" cap="none" spc="0" normalizeH="0" baseline="0" noProof="0" dirty="0">
+              <a:ln>
+                <a:noFill/>
+              </a:ln>
+              <a:solidFill>
+                <a:srgbClr val="007598"/>
+              </a:solidFill>
+              <a:effectLst/>
+              <a:uLnTx/>
+              <a:uFillTx/>
+              <a:latin typeface="Calibri" panose="020F0502020204030204"/>
+              <a:ea typeface="+mn-ea"/>
+              <a:cs typeface="+mn-cs"/>
+            </a:endParaRPr>
+          </a:p>
+          <a:p>
+            <a:pPr marL="285750" marR="0" lvl="0" indent="-285750" algn="l" defTabSz="914400" rtl="0" eaLnBrk="1" fontAlgn="auto" latinLnBrk="0" hangingPunct="1">
+              <a:lnSpc>
+                <a:spcPct val="100000"/>
+              </a:lnSpc>
+              <a:spcBef>
+                <a:spcPts val="0"/>
+              </a:spcBef>
+              <a:spcAft>
+                <a:spcPts val="0"/>
+              </a:spcAft>
+              <a:buClrTx/>
+              <a:buSzTx/>
+              <a:buFont typeface="Arial" panose="020B0604020202020204" pitchFamily="34" charset="0"/>
+              <a:buChar char="•"/>
+              <a:tabLst/>
+              <a:defRPr/>
+            </a:pPr>
+            <a:r>
+              <a:rPr kumimoji="0" lang="en-US" sz="2000" b="0" i="0" u="none" strike="noStrike" kern="1200" cap="none" spc="0" normalizeH="0" baseline="0" noProof="0" dirty="0">
+                <a:ln>
+                  <a:noFill/>
+                </a:ln>
+                <a:solidFill>
+                  <a:srgbClr val="007598"/>
+                </a:solidFill>
+                <a:effectLst/>
+                <a:uLnTx/>
+                <a:uFillTx/>
+                <a:latin typeface="Calibri" panose="020F0502020204030204"/>
+                <a:ea typeface="+mn-ea"/>
+                <a:cs typeface="+mn-cs"/>
+              </a:rPr>
+              <a:t>If there is any confusion to the project at hand there can be clarification in the matter of seconds!</a:t>
+            </a:r>
+          </a:p>
+          <a:p>
+            <a:pPr marL="285750" marR="0" lvl="0" indent="-285750" algn="l" defTabSz="914400" rtl="0" eaLnBrk="1" fontAlgn="auto" latinLnBrk="0" hangingPunct="1">
+              <a:lnSpc>
+                <a:spcPct val="100000"/>
+              </a:lnSpc>
+              <a:spcBef>
+                <a:spcPts val="0"/>
+              </a:spcBef>
+              <a:spcAft>
+                <a:spcPts val="0"/>
+              </a:spcAft>
+              <a:buClrTx/>
+              <a:buSzTx/>
+              <a:buFont typeface="Arial" panose="020B0604020202020204" pitchFamily="34" charset="0"/>
+              <a:buChar char="•"/>
+              <a:tabLst/>
+              <a:defRPr/>
+            </a:pPr>
+            <a:endParaRPr kumimoji="0" lang="en-US" sz="2000" b="0" i="0" u="none" strike="noStrike" kern="1200" cap="none" spc="0" normalizeH="0" baseline="0" noProof="0" dirty="0">
+              <a:ln>
+                <a:noFill/>
+              </a:ln>
+              <a:solidFill>
+                <a:srgbClr val="007598"/>
+              </a:solidFill>
+              <a:effectLst/>
+              <a:uLnTx/>
+              <a:uFillTx/>
+              <a:latin typeface="Calibri" panose="020F0502020204030204"/>
+              <a:ea typeface="+mn-ea"/>
+              <a:cs typeface="+mn-cs"/>
+            </a:endParaRPr>
+          </a:p>
+          <a:p>
+            <a:pPr marL="285750" marR="0" lvl="0" indent="-285750" algn="l" defTabSz="914400" rtl="0" eaLnBrk="1" fontAlgn="auto" latinLnBrk="0" hangingPunct="1">
+              <a:lnSpc>
+                <a:spcPct val="100000"/>
+              </a:lnSpc>
+              <a:spcBef>
+                <a:spcPts val="0"/>
+              </a:spcBef>
+              <a:spcAft>
+                <a:spcPts val="0"/>
+              </a:spcAft>
+              <a:buClrTx/>
+              <a:buSzTx/>
+              <a:buFont typeface="Arial" panose="020B0604020202020204" pitchFamily="34" charset="0"/>
+              <a:buChar char="•"/>
+              <a:tabLst/>
+              <a:defRPr/>
+            </a:pPr>
+            <a:r>
+              <a:rPr kumimoji="0" lang="en-US" sz="2000" b="0" i="0" u="none" strike="noStrike" kern="1200" cap="none" spc="0" normalizeH="0" baseline="0" noProof="0" dirty="0">
+                <a:ln>
+                  <a:noFill/>
+                </a:ln>
+                <a:solidFill>
+                  <a:srgbClr val="007598"/>
+                </a:solidFill>
+                <a:effectLst/>
+                <a:uLnTx/>
+                <a:uFillTx/>
+                <a:latin typeface="Calibri" panose="020F0502020204030204"/>
+                <a:ea typeface="+mn-ea"/>
+                <a:cs typeface="+mn-cs"/>
+              </a:rPr>
+              <a:t>The cliché goes that a picture speaks a thousands words. So 30fps screen sharing should speak about 30,000 words per second. (pause for laughter)</a:t>
+            </a:r>
+          </a:p>
+        </p:txBody>
+      </p:sp>
+      <p:pic>
+        <p:nvPicPr>
+          <p:cNvPr id="6" name="Content Placeholder 5">
+            <a:extLst>
+              <a:ext uri="{FF2B5EF4-FFF2-40B4-BE49-F238E27FC236}">
+                <a16:creationId xmlns:a16="http://schemas.microsoft.com/office/drawing/2014/main" id="{DA4CFD66-3291-66F8-D4DA-888A03F5CE36}"/>
+              </a:ext>
+            </a:extLst>
+          </p:cNvPr>
+          <p:cNvPicPr>
+            <a:picLocks noGrp="1" noChangeAspect="1"/>
+          </p:cNvPicPr>
+          <p:nvPr>
+            <p:ph idx="1"/>
+          </p:nvPr>
+        </p:nvPicPr>
+        <p:blipFill>
+          <a:blip r:embed="rId3">
+            <a:extLst>
+              <a:ext uri="{28A0092B-C50C-407E-A947-70E740481C1C}">
+                <a14:useLocalDpi xmlns:a14="http://schemas.microsoft.com/office/drawing/2010/main" val="0"/>
+              </a:ext>
+            </a:extLst>
+          </a:blip>
+          <a:srcRect/>
+          <a:stretch/>
+        </p:blipFill>
+        <p:spPr>
+          <a:xfrm>
+            <a:off x="6096000" y="1866153"/>
+            <a:ext cx="5806880" cy="3269264"/>
+          </a:xfrm>
+          <a:effectLst>
+            <a:outerShdw blurRad="190500" dist="38100" dir="2700000" sx="102000" sy="102000" algn="tl" rotWithShape="0">
+              <a:prstClr val="black">
+                <a:alpha val="40000"/>
+              </a:prstClr>
+            </a:outerShdw>
+          </a:effectLst>
+        </p:spPr>
+      </p:pic>
+    </p:spTree>
+    <p:extLst>
+      <p:ext uri="{BB962C8B-B14F-4D97-AF65-F5344CB8AC3E}">
+        <p14:creationId xmlns:p14="http://schemas.microsoft.com/office/powerpoint/2010/main" val="2257766621"/>
+      </p:ext>
+    </p:extLst>
+  </p:cSld>
+  <p:clrMapOvr>
+    <a:masterClrMapping/>
+  </p:clrMapOvr>
+</p:sld>
+</file>
+
+<file path=ppt/slides/slide18.xml><?xml version="1.0" encoding="utf-8"?>
+<p:sld xmlns:a="http://schemas.openxmlformats.org/drawingml/2006/main" xmlns:r="http://schemas.openxmlformats.org/officeDocument/2006/relationships" xmlns:p="http://schemas.openxmlformats.org/presentationml/2006/main">
+  <p:cSld>
+    <p:spTree>
+      <p:nvGrpSpPr>
+        <p:cNvPr id="1" name=""/>
+        <p:cNvGrpSpPr/>
+        <p:nvPr/>
+      </p:nvGrpSpPr>
+      <p:grpSpPr>
+        <a:xfrm>
+          <a:off x="0" y="0"/>
+          <a:ext cx="0" cy="0"/>
+          <a:chOff x="0" y="0"/>
+          <a:chExt cx="0" cy="0"/>
+        </a:xfrm>
+      </p:grpSpPr>
+      <p:sp>
+        <p:nvSpPr>
+          <p:cNvPr id="2" name="Title 1">
+            <a:extLst>
+              <a:ext uri="{FF2B5EF4-FFF2-40B4-BE49-F238E27FC236}">
+                <a16:creationId xmlns:a16="http://schemas.microsoft.com/office/drawing/2014/main" id="{1193C801-427D-4761-B139-63C3D71F6842}"/>
+              </a:ext>
+            </a:extLst>
+          </p:cNvPr>
+          <p:cNvSpPr>
+            <a:spLocks noGrp="1"/>
+          </p:cNvSpPr>
+          <p:nvPr>
+            <p:ph type="title"/>
+          </p:nvPr>
+        </p:nvSpPr>
+        <p:spPr>
+          <a:xfrm>
+            <a:off x="838200" y="290652"/>
+            <a:ext cx="10515600" cy="780769"/>
+          </a:xfrm>
+        </p:spPr>
+        <p:txBody>
+          <a:bodyPr/>
+          <a:lstStyle/>
+          <a:p>
+            <a:r>
+              <a:rPr lang="en-US" dirty="0"/>
+              <a:t>Supports community and friendship</a:t>
+            </a:r>
+          </a:p>
+        </p:txBody>
+      </p:sp>
+      <p:sp>
+        <p:nvSpPr>
+          <p:cNvPr id="10" name="TextBox 9">
+            <a:extLst>
+              <a:ext uri="{FF2B5EF4-FFF2-40B4-BE49-F238E27FC236}">
+                <a16:creationId xmlns:a16="http://schemas.microsoft.com/office/drawing/2014/main" id="{978843E6-49FE-CE26-265D-A2D19E4793C0}"/>
+              </a:ext>
+            </a:extLst>
+          </p:cNvPr>
+          <p:cNvSpPr txBox="1"/>
+          <p:nvPr/>
+        </p:nvSpPr>
+        <p:spPr>
+          <a:xfrm>
+            <a:off x="838200" y="1238081"/>
+            <a:ext cx="4915237" cy="4401205"/>
+          </a:xfrm>
+          <a:prstGeom prst="rect">
+            <a:avLst/>
+          </a:prstGeom>
+          <a:noFill/>
+        </p:spPr>
+        <p:txBody>
+          <a:bodyPr wrap="square" rtlCol="0">
+            <a:spAutoFit/>
+          </a:bodyPr>
+          <a:lstStyle/>
+          <a:p>
+            <a:pPr marL="285750" marR="0" lvl="0" indent="-285750" algn="l" defTabSz="914400" rtl="0" eaLnBrk="1" fontAlgn="auto" latinLnBrk="0" hangingPunct="1">
+              <a:lnSpc>
+                <a:spcPct val="100000"/>
+              </a:lnSpc>
+              <a:spcBef>
+                <a:spcPts val="0"/>
+              </a:spcBef>
+              <a:spcAft>
+                <a:spcPts val="0"/>
+              </a:spcAft>
+              <a:buClrTx/>
+              <a:buSzTx/>
+              <a:buFont typeface="Arial" panose="020B0604020202020204" pitchFamily="34" charset="0"/>
+              <a:buChar char="•"/>
+              <a:tabLst/>
+              <a:defRPr/>
+            </a:pPr>
+            <a:r>
+              <a:rPr kumimoji="0" lang="en-US" sz="2000" b="0" i="0" u="none" strike="noStrike" kern="1200" cap="none" spc="0" normalizeH="0" baseline="0" noProof="0" dirty="0">
+                <a:ln>
+                  <a:noFill/>
+                </a:ln>
+                <a:solidFill>
+                  <a:srgbClr val="007598"/>
+                </a:solidFill>
+                <a:effectLst/>
+                <a:uLnTx/>
+                <a:uFillTx/>
+                <a:latin typeface="Calibri" panose="020F0502020204030204"/>
+                <a:ea typeface="+mn-ea"/>
+                <a:cs typeface="+mn-cs"/>
+              </a:rPr>
+              <a:t>Sometimes our computer notifications can cause a bit of a stressful spike in our bodies when we hear that jingle or notification noise. (pop </a:t>
+            </a:r>
+            <a:r>
+              <a:rPr kumimoji="0" lang="en-US" sz="2000" b="0" i="0" u="none" strike="noStrike" kern="1200" cap="none" spc="0" normalizeH="0" baseline="0" noProof="0" dirty="0" err="1">
+                <a:ln>
+                  <a:noFill/>
+                </a:ln>
+                <a:solidFill>
+                  <a:srgbClr val="007598"/>
+                </a:solidFill>
+                <a:effectLst/>
+                <a:uLnTx/>
+                <a:uFillTx/>
+                <a:latin typeface="Calibri" panose="020F0502020204030204"/>
+                <a:ea typeface="+mn-ea"/>
+                <a:cs typeface="+mn-cs"/>
+              </a:rPr>
+              <a:t>pop</a:t>
+            </a:r>
+            <a:r>
+              <a:rPr kumimoji="0" lang="en-US" sz="2000" b="0" i="0" u="none" strike="noStrike" kern="1200" cap="none" spc="0" normalizeH="0" baseline="0" noProof="0" dirty="0">
+                <a:ln>
+                  <a:noFill/>
+                </a:ln>
+                <a:solidFill>
+                  <a:srgbClr val="007598"/>
+                </a:solidFill>
+                <a:effectLst/>
+                <a:uLnTx/>
+                <a:uFillTx/>
+                <a:latin typeface="Calibri" panose="020F0502020204030204"/>
+                <a:ea typeface="+mn-ea"/>
+                <a:cs typeface="+mn-cs"/>
+              </a:rPr>
+              <a:t> </a:t>
+            </a:r>
+            <a:r>
+              <a:rPr kumimoji="0" lang="en-US" sz="2000" b="0" i="0" u="none" strike="noStrike" kern="1200" cap="none" spc="0" normalizeH="0" baseline="0" noProof="0" dirty="0" err="1">
+                <a:ln>
+                  <a:noFill/>
+                </a:ln>
+                <a:solidFill>
+                  <a:srgbClr val="007598"/>
+                </a:solidFill>
+                <a:effectLst/>
+                <a:uLnTx/>
+                <a:uFillTx/>
+                <a:latin typeface="Calibri" panose="020F0502020204030204"/>
+                <a:ea typeface="+mn-ea"/>
+                <a:cs typeface="+mn-cs"/>
+              </a:rPr>
+              <a:t>pop</a:t>
+            </a:r>
+            <a:r>
+              <a:rPr kumimoji="0" lang="en-US" sz="2000" b="0" i="0" u="none" strike="noStrike" kern="1200" cap="none" spc="0" normalizeH="0" baseline="0" noProof="0" dirty="0">
+                <a:ln>
+                  <a:noFill/>
+                </a:ln>
+                <a:solidFill>
+                  <a:srgbClr val="007598"/>
+                </a:solidFill>
+                <a:effectLst/>
+                <a:uLnTx/>
+                <a:uFillTx/>
+                <a:latin typeface="Calibri" panose="020F0502020204030204"/>
+                <a:ea typeface="+mn-ea"/>
+                <a:cs typeface="+mn-cs"/>
+              </a:rPr>
+              <a:t> brush </a:t>
+            </a:r>
+            <a:r>
+              <a:rPr kumimoji="0" lang="en-US" sz="2000" b="0" i="0" u="none" strike="noStrike" kern="1200" cap="none" spc="0" normalizeH="0" baseline="0" noProof="0" dirty="0" err="1">
+                <a:ln>
+                  <a:noFill/>
+                </a:ln>
+                <a:solidFill>
+                  <a:srgbClr val="007598"/>
+                </a:solidFill>
+                <a:effectLst/>
+                <a:uLnTx/>
+                <a:uFillTx/>
+                <a:latin typeface="Calibri" panose="020F0502020204030204"/>
+                <a:ea typeface="+mn-ea"/>
+                <a:cs typeface="+mn-cs"/>
+              </a:rPr>
+              <a:t>brush</a:t>
+            </a:r>
+            <a:r>
+              <a:rPr kumimoji="0" lang="en-US" sz="2000" b="0" i="0" u="none" strike="noStrike" kern="1200" cap="none" spc="0" normalizeH="0" baseline="0" noProof="0" dirty="0">
+                <a:ln>
+                  <a:noFill/>
+                </a:ln>
+                <a:solidFill>
+                  <a:srgbClr val="007598"/>
+                </a:solidFill>
+                <a:effectLst/>
+                <a:uLnTx/>
+                <a:uFillTx/>
+                <a:latin typeface="Calibri" panose="020F0502020204030204"/>
+                <a:ea typeface="+mn-ea"/>
+                <a:cs typeface="+mn-cs"/>
+              </a:rPr>
+              <a:t> brush)</a:t>
+            </a:r>
+          </a:p>
+          <a:p>
+            <a:pPr marL="285750" marR="0" lvl="0" indent="-285750" algn="l" defTabSz="914400" rtl="0" eaLnBrk="1" fontAlgn="auto" latinLnBrk="0" hangingPunct="1">
+              <a:lnSpc>
+                <a:spcPct val="100000"/>
+              </a:lnSpc>
+              <a:spcBef>
+                <a:spcPts val="0"/>
+              </a:spcBef>
+              <a:spcAft>
+                <a:spcPts val="0"/>
+              </a:spcAft>
+              <a:buClrTx/>
+              <a:buSzTx/>
+              <a:buFont typeface="Arial" panose="020B0604020202020204" pitchFamily="34" charset="0"/>
+              <a:buChar char="•"/>
+              <a:tabLst/>
+              <a:defRPr/>
+            </a:pPr>
+            <a:endParaRPr kumimoji="0" lang="en-US" sz="2000" b="0" i="0" u="none" strike="noStrike" kern="1200" cap="none" spc="0" normalizeH="0" baseline="0" noProof="0" dirty="0">
+              <a:ln>
+                <a:noFill/>
+              </a:ln>
+              <a:solidFill>
+                <a:srgbClr val="007598"/>
+              </a:solidFill>
+              <a:effectLst/>
+              <a:uLnTx/>
+              <a:uFillTx/>
+              <a:latin typeface="Calibri" panose="020F0502020204030204"/>
+              <a:ea typeface="+mn-ea"/>
+              <a:cs typeface="+mn-cs"/>
+            </a:endParaRPr>
+          </a:p>
+          <a:p>
+            <a:pPr marL="285750" marR="0" lvl="0" indent="-285750" algn="l" defTabSz="914400" rtl="0" eaLnBrk="1" fontAlgn="auto" latinLnBrk="0" hangingPunct="1">
+              <a:lnSpc>
+                <a:spcPct val="100000"/>
+              </a:lnSpc>
+              <a:spcBef>
+                <a:spcPts val="0"/>
+              </a:spcBef>
+              <a:spcAft>
+                <a:spcPts val="0"/>
+              </a:spcAft>
+              <a:buClrTx/>
+              <a:buSzTx/>
+              <a:buFont typeface="Arial" panose="020B0604020202020204" pitchFamily="34" charset="0"/>
+              <a:buChar char="•"/>
+              <a:tabLst/>
+              <a:defRPr/>
+            </a:pPr>
+            <a:r>
+              <a:rPr kumimoji="0" lang="en-US" sz="2000" b="0" i="0" u="none" strike="noStrike" kern="1200" cap="none" spc="0" normalizeH="0" baseline="0" noProof="0" dirty="0">
+                <a:ln>
+                  <a:noFill/>
+                </a:ln>
+                <a:solidFill>
+                  <a:srgbClr val="007598"/>
+                </a:solidFill>
+                <a:effectLst/>
+                <a:uLnTx/>
+                <a:uFillTx/>
+                <a:latin typeface="Calibri" panose="020F0502020204030204"/>
+                <a:ea typeface="+mn-ea"/>
+                <a:cs typeface="+mn-cs"/>
+              </a:rPr>
+              <a:t>In a healthy group setting, those notifications can perk you up and bring motivation to your work-flow!</a:t>
+            </a:r>
+          </a:p>
+          <a:p>
+            <a:pPr marL="285750" marR="0" lvl="0" indent="-285750" algn="l" defTabSz="914400" rtl="0" eaLnBrk="1" fontAlgn="auto" latinLnBrk="0" hangingPunct="1">
+              <a:lnSpc>
+                <a:spcPct val="100000"/>
+              </a:lnSpc>
+              <a:spcBef>
+                <a:spcPts val="0"/>
+              </a:spcBef>
+              <a:spcAft>
+                <a:spcPts val="0"/>
+              </a:spcAft>
+              <a:buClrTx/>
+              <a:buSzTx/>
+              <a:buFont typeface="Arial" panose="020B0604020202020204" pitchFamily="34" charset="0"/>
+              <a:buChar char="•"/>
+              <a:tabLst/>
+              <a:defRPr/>
+            </a:pPr>
+            <a:endParaRPr kumimoji="0" lang="en-US" sz="2000" b="0" i="0" u="none" strike="noStrike" kern="1200" cap="none" spc="0" normalizeH="0" baseline="0" noProof="0" dirty="0">
+              <a:ln>
+                <a:noFill/>
+              </a:ln>
+              <a:solidFill>
+                <a:srgbClr val="007598"/>
+              </a:solidFill>
+              <a:effectLst/>
+              <a:uLnTx/>
+              <a:uFillTx/>
+              <a:latin typeface="Calibri" panose="020F0502020204030204"/>
+              <a:ea typeface="+mn-ea"/>
+              <a:cs typeface="+mn-cs"/>
+            </a:endParaRPr>
+          </a:p>
+          <a:p>
+            <a:pPr marL="285750" marR="0" lvl="0" indent="-285750" algn="l" defTabSz="914400" rtl="0" eaLnBrk="1" fontAlgn="auto" latinLnBrk="0" hangingPunct="1">
+              <a:lnSpc>
+                <a:spcPct val="100000"/>
+              </a:lnSpc>
+              <a:spcBef>
+                <a:spcPts val="0"/>
+              </a:spcBef>
+              <a:spcAft>
+                <a:spcPts val="0"/>
+              </a:spcAft>
+              <a:buClrTx/>
+              <a:buSzTx/>
+              <a:buFont typeface="Arial" panose="020B0604020202020204" pitchFamily="34" charset="0"/>
+              <a:buChar char="•"/>
+              <a:tabLst/>
+              <a:defRPr/>
+            </a:pPr>
+            <a:r>
+              <a:rPr kumimoji="0" lang="en-US" sz="2000" b="0" i="0" u="none" strike="noStrike" kern="1200" cap="none" spc="0" normalizeH="0" baseline="0" noProof="0" dirty="0">
+                <a:ln>
+                  <a:noFill/>
+                </a:ln>
+                <a:solidFill>
+                  <a:srgbClr val="007598"/>
+                </a:solidFill>
+                <a:effectLst/>
+                <a:uLnTx/>
+                <a:uFillTx/>
+                <a:latin typeface="Calibri" panose="020F0502020204030204"/>
+                <a:ea typeface="+mn-ea"/>
+                <a:cs typeface="+mn-cs"/>
+              </a:rPr>
+              <a:t>Efficiency is always important, especially in the tech world. However, we find our group is most efficient when we are all laughing with each other.</a:t>
+            </a:r>
+          </a:p>
+        </p:txBody>
+      </p:sp>
+      <p:pic>
+        <p:nvPicPr>
+          <p:cNvPr id="6" name="Content Placeholder 5">
+            <a:extLst>
+              <a:ext uri="{FF2B5EF4-FFF2-40B4-BE49-F238E27FC236}">
+                <a16:creationId xmlns:a16="http://schemas.microsoft.com/office/drawing/2014/main" id="{B070374E-4E90-6E58-153B-FCEFE25430E4}"/>
+              </a:ext>
+            </a:extLst>
+          </p:cNvPr>
+          <p:cNvPicPr>
+            <a:picLocks noGrp="1" noChangeAspect="1"/>
+          </p:cNvPicPr>
+          <p:nvPr>
+            <p:ph idx="1"/>
+          </p:nvPr>
+        </p:nvPicPr>
+        <p:blipFill>
+          <a:blip r:embed="rId3">
+            <a:extLst>
+              <a:ext uri="{28A0092B-C50C-407E-A947-70E740481C1C}">
+                <a14:useLocalDpi xmlns:a14="http://schemas.microsoft.com/office/drawing/2010/main" val="0"/>
+              </a:ext>
+            </a:extLst>
+          </a:blip>
+          <a:srcRect/>
+          <a:stretch/>
+        </p:blipFill>
+        <p:spPr>
+          <a:xfrm>
+            <a:off x="5848712" y="1071421"/>
+            <a:ext cx="6137316" cy="4618179"/>
+          </a:xfrm>
+          <a:effectLst>
+            <a:outerShdw blurRad="190500" dist="38100" dir="2700000" sx="102000" sy="102000" algn="tl" rotWithShape="0">
+              <a:prstClr val="black">
+                <a:alpha val="40000"/>
+              </a:prstClr>
+            </a:outerShdw>
+          </a:effectLst>
+        </p:spPr>
+      </p:pic>
+    </p:spTree>
+    <p:extLst>
+      <p:ext uri="{BB962C8B-B14F-4D97-AF65-F5344CB8AC3E}">
+        <p14:creationId xmlns:p14="http://schemas.microsoft.com/office/powerpoint/2010/main" val="857814757"/>
+      </p:ext>
+    </p:extLst>
+  </p:cSld>
+  <p:clrMapOvr>
+    <a:masterClrMapping/>
+  </p:clrMapOvr>
+</p:sld>
+</file>
+
+<file path=ppt/slides/slide19.xml><?xml version="1.0" encoding="utf-8"?>
 <p:sld xmlns:a="http://schemas.openxmlformats.org/drawingml/2006/main" xmlns:r="http://schemas.openxmlformats.org/officeDocument/2006/relationships" xmlns:p="http://schemas.openxmlformats.org/presentationml/2006/main">
   <p:cSld>
     <p:spTree>

--- a/LeveragingSlackForStudentCollaboration.pptx
+++ b/LeveragingSlackForStudentCollaboration.pptx
@@ -5,7 +5,7 @@
     <p:sldMasterId id="2147483660" r:id="rId1"/>
   </p:sldMasterIdLst>
   <p:notesMasterIdLst>
-    <p:notesMasterId r:id="rId21"/>
+    <p:notesMasterId r:id="rId17"/>
   </p:notesMasterIdLst>
   <p:sldIdLst>
     <p:sldId id="309" r:id="rId2"/>
@@ -18,15 +18,11 @@
     <p:sldId id="1378" r:id="rId9"/>
     <p:sldId id="1379" r:id="rId10"/>
     <p:sldId id="1380" r:id="rId11"/>
-    <p:sldId id="1381" r:id="rId12"/>
-    <p:sldId id="1383" r:id="rId13"/>
-    <p:sldId id="1384" r:id="rId14"/>
-    <p:sldId id="1385" r:id="rId15"/>
-    <p:sldId id="1386" r:id="rId16"/>
-    <p:sldId id="1387" r:id="rId17"/>
-    <p:sldId id="1388" r:id="rId18"/>
-    <p:sldId id="1389" r:id="rId19"/>
-    <p:sldId id="1372" r:id="rId20"/>
+    <p:sldId id="1383" r:id="rId12"/>
+    <p:sldId id="1385" r:id="rId13"/>
+    <p:sldId id="258" r:id="rId14"/>
+    <p:sldId id="1382" r:id="rId15"/>
+    <p:sldId id="1372" r:id="rId16"/>
   </p:sldIdLst>
   <p:sldSz cx="12192000" cy="6858000"/>
   <p:notesSz cx="6858000" cy="9144000"/>
@@ -133,82 +129,1521 @@
 </p:presentation>
 </file>
 
-<file path=ppt/revisionInfo.xml><?xml version="1.0" encoding="utf-8"?>
-<p1510:revInfo xmlns:a="http://schemas.openxmlformats.org/drawingml/2006/main" xmlns:r="http://schemas.openxmlformats.org/officeDocument/2006/relationships" xmlns:p1510="http://schemas.microsoft.com/office/powerpoint/2015/10/main">
-  <p1510:revLst>
-    <p1510:client id="{D88466B7-03C0-4978-B1B6-A6C2E089C6A2}" v="1" dt="2024-07-08T00:23:02.830"/>
-  </p1510:revLst>
-</p1510:revInfo>
+<file path=ppt/charts/chart1.xml><?xml version="1.0" encoding="utf-8"?>
+<c:chartSpace xmlns:c="http://schemas.openxmlformats.org/drawingml/2006/chart" xmlns:a="http://schemas.openxmlformats.org/drawingml/2006/main" xmlns:r="http://schemas.openxmlformats.org/officeDocument/2006/relationships" xmlns:c16r2="http://schemas.microsoft.com/office/drawing/2015/06/chart">
+  <c:date1904 val="0"/>
+  <c:lang val="en-US"/>
+  <c:roundedCorners val="0"/>
+  <mc:AlternateContent xmlns:mc="http://schemas.openxmlformats.org/markup-compatibility/2006">
+    <mc:Choice xmlns:c14="http://schemas.microsoft.com/office/drawing/2007/8/2/chart" Requires="c14">
+      <c14:style val="102"/>
+    </mc:Choice>
+    <mc:Fallback>
+      <c:style val="2"/>
+    </mc:Fallback>
+  </mc:AlternateContent>
+  <c:clrMapOvr bg1="lt1" tx1="dk1" bg2="lt2" tx2="dk2" accent1="accent1" accent2="accent2" accent3="accent3" accent4="accent4" accent5="accent5" accent6="accent6" hlink="hlink" folHlink="folHlink"/>
+  <c:chart>
+    <c:title>
+      <c:tx>
+        <c:rich>
+          <a:bodyPr rot="0" spcFirstLastPara="1" vertOverflow="ellipsis" vert="horz" wrap="square" anchor="ctr" anchorCtr="1"/>
+          <a:lstStyle/>
+          <a:p>
+            <a:pPr>
+              <a:defRPr sz="2000" b="1" i="0" u="none" strike="noStrike" kern="1200" spc="100" baseline="0">
+                <a:solidFill>
+                  <a:schemeClr val="lt1">
+                    <a:lumMod val="95000"/>
+                  </a:schemeClr>
+                </a:solidFill>
+                <a:effectLst>
+                  <a:outerShdw blurRad="50800" dist="38100" dir="5400000" algn="t" rotWithShape="0">
+                    <a:prstClr val="black">
+                      <a:alpha val="40000"/>
+                    </a:prstClr>
+                  </a:outerShdw>
+                </a:effectLst>
+                <a:latin typeface="+mn-lt"/>
+                <a:ea typeface="+mn-ea"/>
+                <a:cs typeface="+mn-cs"/>
+              </a:defRPr>
+            </a:pPr>
+            <a:r>
+              <a:rPr lang="en-US" sz="2000" baseline="0"/>
+              <a:t>Students See Benefits Using Slack</a:t>
+            </a:r>
+          </a:p>
+        </c:rich>
+      </c:tx>
+      <c:overlay val="0"/>
+      <c:spPr>
+        <a:noFill/>
+        <a:ln>
+          <a:noFill/>
+        </a:ln>
+        <a:effectLst/>
+      </c:spPr>
+      <c:txPr>
+        <a:bodyPr rot="0" spcFirstLastPara="1" vertOverflow="ellipsis" vert="horz" wrap="square" anchor="ctr" anchorCtr="1"/>
+        <a:lstStyle/>
+        <a:p>
+          <a:pPr>
+            <a:defRPr sz="2000" b="1" i="0" u="none" strike="noStrike" kern="1200" spc="100" baseline="0">
+              <a:solidFill>
+                <a:schemeClr val="lt1">
+                  <a:lumMod val="95000"/>
+                </a:schemeClr>
+              </a:solidFill>
+              <a:effectLst>
+                <a:outerShdw blurRad="50800" dist="38100" dir="5400000" algn="t" rotWithShape="0">
+                  <a:prstClr val="black">
+                    <a:alpha val="40000"/>
+                  </a:prstClr>
+                </a:outerShdw>
+              </a:effectLst>
+              <a:latin typeface="+mn-lt"/>
+              <a:ea typeface="+mn-ea"/>
+              <a:cs typeface="+mn-cs"/>
+            </a:defRPr>
+          </a:pPr>
+          <a:endParaRPr lang="en-US"/>
+        </a:p>
+      </c:txPr>
+    </c:title>
+    <c:autoTitleDeleted val="0"/>
+    <c:plotArea>
+      <c:layout/>
+      <c:barChart>
+        <c:barDir val="col"/>
+        <c:grouping val="clustered"/>
+        <c:varyColors val="0"/>
+        <c:ser>
+          <c:idx val="0"/>
+          <c:order val="0"/>
+          <c:tx>
+            <c:strRef>
+              <c:f>Survey_Chart!$B$2</c:f>
+              <c:strCache>
+                <c:ptCount val="1"/>
+                <c:pt idx="0">
+                  <c:v>Productivity</c:v>
+                </c:pt>
+              </c:strCache>
+            </c:strRef>
+          </c:tx>
+          <c:spPr>
+            <a:gradFill rotWithShape="1">
+              <a:gsLst>
+                <a:gs pos="0">
+                  <a:schemeClr val="accent1">
+                    <a:satMod val="103000"/>
+                    <a:lumMod val="102000"/>
+                    <a:tint val="94000"/>
+                  </a:schemeClr>
+                </a:gs>
+                <a:gs pos="50000">
+                  <a:schemeClr val="accent1">
+                    <a:satMod val="110000"/>
+                    <a:lumMod val="100000"/>
+                    <a:shade val="100000"/>
+                  </a:schemeClr>
+                </a:gs>
+                <a:gs pos="100000">
+                  <a:schemeClr val="accent1">
+                    <a:lumMod val="99000"/>
+                    <a:satMod val="120000"/>
+                    <a:shade val="78000"/>
+                  </a:schemeClr>
+                </a:gs>
+              </a:gsLst>
+              <a:lin ang="5400000" scaled="0"/>
+            </a:gradFill>
+            <a:ln>
+              <a:noFill/>
+            </a:ln>
+            <a:effectLst>
+              <a:outerShdw blurRad="57150" dist="19050" dir="5400000" algn="ctr" rotWithShape="0">
+                <a:srgbClr val="000000">
+                  <a:alpha val="63000"/>
+                </a:srgbClr>
+              </a:outerShdw>
+            </a:effectLst>
+          </c:spPr>
+          <c:invertIfNegative val="0"/>
+          <c:cat>
+            <c:strRef>
+              <c:f>Survey_Chart!$A$13</c:f>
+              <c:strCache>
+                <c:ptCount val="1"/>
+                <c:pt idx="0">
+                  <c:v>Benefits</c:v>
+                </c:pt>
+              </c:strCache>
+            </c:strRef>
+          </c:cat>
+          <c:val>
+            <c:numRef>
+              <c:f>Survey_Chart!$B$13</c:f>
+              <c:numCache>
+                <c:formatCode>General</c:formatCode>
+                <c:ptCount val="1"/>
+                <c:pt idx="0">
+                  <c:v>10</c:v>
+                </c:pt>
+              </c:numCache>
+            </c:numRef>
+          </c:val>
+          <c:extLst>
+            <c:ext xmlns:c16="http://schemas.microsoft.com/office/drawing/2014/chart" uri="{C3380CC4-5D6E-409C-BE32-E72D297353CC}">
+              <c16:uniqueId val="{00000000-7554-45D2-B3DF-7278882E2387}"/>
+            </c:ext>
+          </c:extLst>
+        </c:ser>
+        <c:ser>
+          <c:idx val="1"/>
+          <c:order val="1"/>
+          <c:tx>
+            <c:strRef>
+              <c:f>Survey_Chart!$C$2</c:f>
+              <c:strCache>
+                <c:ptCount val="1"/>
+                <c:pt idx="0">
+                  <c:v>Communication Skills</c:v>
+                </c:pt>
+              </c:strCache>
+            </c:strRef>
+          </c:tx>
+          <c:spPr>
+            <a:gradFill rotWithShape="1">
+              <a:gsLst>
+                <a:gs pos="0">
+                  <a:schemeClr val="accent2">
+                    <a:satMod val="103000"/>
+                    <a:lumMod val="102000"/>
+                    <a:tint val="94000"/>
+                  </a:schemeClr>
+                </a:gs>
+                <a:gs pos="50000">
+                  <a:schemeClr val="accent2">
+                    <a:satMod val="110000"/>
+                    <a:lumMod val="100000"/>
+                    <a:shade val="100000"/>
+                  </a:schemeClr>
+                </a:gs>
+                <a:gs pos="100000">
+                  <a:schemeClr val="accent2">
+                    <a:lumMod val="99000"/>
+                    <a:satMod val="120000"/>
+                    <a:shade val="78000"/>
+                  </a:schemeClr>
+                </a:gs>
+              </a:gsLst>
+              <a:lin ang="5400000" scaled="0"/>
+            </a:gradFill>
+            <a:ln>
+              <a:noFill/>
+            </a:ln>
+            <a:effectLst>
+              <a:outerShdw blurRad="57150" dist="19050" dir="5400000" algn="ctr" rotWithShape="0">
+                <a:srgbClr val="000000">
+                  <a:alpha val="63000"/>
+                </a:srgbClr>
+              </a:outerShdw>
+            </a:effectLst>
+          </c:spPr>
+          <c:invertIfNegative val="0"/>
+          <c:cat>
+            <c:strRef>
+              <c:f>Survey_Chart!$A$13</c:f>
+              <c:strCache>
+                <c:ptCount val="1"/>
+                <c:pt idx="0">
+                  <c:v>Benefits</c:v>
+                </c:pt>
+              </c:strCache>
+            </c:strRef>
+          </c:cat>
+          <c:val>
+            <c:numRef>
+              <c:f>Survey_Chart!$C$13</c:f>
+              <c:numCache>
+                <c:formatCode>General</c:formatCode>
+                <c:ptCount val="1"/>
+                <c:pt idx="0">
+                  <c:v>9</c:v>
+                </c:pt>
+              </c:numCache>
+            </c:numRef>
+          </c:val>
+          <c:extLst>
+            <c:ext xmlns:c16="http://schemas.microsoft.com/office/drawing/2014/chart" uri="{C3380CC4-5D6E-409C-BE32-E72D297353CC}">
+              <c16:uniqueId val="{00000001-7554-45D2-B3DF-7278882E2387}"/>
+            </c:ext>
+          </c:extLst>
+        </c:ser>
+        <c:ser>
+          <c:idx val="2"/>
+          <c:order val="2"/>
+          <c:tx>
+            <c:strRef>
+              <c:f>Survey_Chart!$D$2</c:f>
+              <c:strCache>
+                <c:ptCount val="1"/>
+                <c:pt idx="0">
+                  <c:v>Collaboration </c:v>
+                </c:pt>
+              </c:strCache>
+            </c:strRef>
+          </c:tx>
+          <c:spPr>
+            <a:gradFill rotWithShape="1">
+              <a:gsLst>
+                <a:gs pos="0">
+                  <a:schemeClr val="accent3">
+                    <a:satMod val="103000"/>
+                    <a:lumMod val="102000"/>
+                    <a:tint val="94000"/>
+                  </a:schemeClr>
+                </a:gs>
+                <a:gs pos="50000">
+                  <a:schemeClr val="accent3">
+                    <a:satMod val="110000"/>
+                    <a:lumMod val="100000"/>
+                    <a:shade val="100000"/>
+                  </a:schemeClr>
+                </a:gs>
+                <a:gs pos="100000">
+                  <a:schemeClr val="accent3">
+                    <a:lumMod val="99000"/>
+                    <a:satMod val="120000"/>
+                    <a:shade val="78000"/>
+                  </a:schemeClr>
+                </a:gs>
+              </a:gsLst>
+              <a:lin ang="5400000" scaled="0"/>
+            </a:gradFill>
+            <a:ln>
+              <a:noFill/>
+            </a:ln>
+            <a:effectLst>
+              <a:outerShdw blurRad="57150" dist="19050" dir="5400000" algn="ctr" rotWithShape="0">
+                <a:srgbClr val="000000">
+                  <a:alpha val="63000"/>
+                </a:srgbClr>
+              </a:outerShdw>
+            </a:effectLst>
+          </c:spPr>
+          <c:invertIfNegative val="0"/>
+          <c:cat>
+            <c:strRef>
+              <c:f>Survey_Chart!$A$13</c:f>
+              <c:strCache>
+                <c:ptCount val="1"/>
+                <c:pt idx="0">
+                  <c:v>Benefits</c:v>
+                </c:pt>
+              </c:strCache>
+            </c:strRef>
+          </c:cat>
+          <c:val>
+            <c:numRef>
+              <c:f>Survey_Chart!$D$13</c:f>
+              <c:numCache>
+                <c:formatCode>General</c:formatCode>
+                <c:ptCount val="1"/>
+                <c:pt idx="0">
+                  <c:v>9</c:v>
+                </c:pt>
+              </c:numCache>
+            </c:numRef>
+          </c:val>
+          <c:extLst>
+            <c:ext xmlns:c16="http://schemas.microsoft.com/office/drawing/2014/chart" uri="{C3380CC4-5D6E-409C-BE32-E72D297353CC}">
+              <c16:uniqueId val="{00000002-7554-45D2-B3DF-7278882E2387}"/>
+            </c:ext>
+          </c:extLst>
+        </c:ser>
+        <c:ser>
+          <c:idx val="3"/>
+          <c:order val="3"/>
+          <c:tx>
+            <c:strRef>
+              <c:f>Survey_Chart!$E$2</c:f>
+              <c:strCache>
+                <c:ptCount val="1"/>
+                <c:pt idx="0">
+                  <c:v>Assignmnt Assistance</c:v>
+                </c:pt>
+              </c:strCache>
+            </c:strRef>
+          </c:tx>
+          <c:spPr>
+            <a:gradFill rotWithShape="1">
+              <a:gsLst>
+                <a:gs pos="0">
+                  <a:schemeClr val="accent4">
+                    <a:satMod val="103000"/>
+                    <a:lumMod val="102000"/>
+                    <a:tint val="94000"/>
+                  </a:schemeClr>
+                </a:gs>
+                <a:gs pos="50000">
+                  <a:schemeClr val="accent4">
+                    <a:satMod val="110000"/>
+                    <a:lumMod val="100000"/>
+                    <a:shade val="100000"/>
+                  </a:schemeClr>
+                </a:gs>
+                <a:gs pos="100000">
+                  <a:schemeClr val="accent4">
+                    <a:lumMod val="99000"/>
+                    <a:satMod val="120000"/>
+                    <a:shade val="78000"/>
+                  </a:schemeClr>
+                </a:gs>
+              </a:gsLst>
+              <a:lin ang="5400000" scaled="0"/>
+            </a:gradFill>
+            <a:ln>
+              <a:noFill/>
+            </a:ln>
+            <a:effectLst>
+              <a:outerShdw blurRad="57150" dist="19050" dir="5400000" algn="ctr" rotWithShape="0">
+                <a:srgbClr val="000000">
+                  <a:alpha val="63000"/>
+                </a:srgbClr>
+              </a:outerShdw>
+            </a:effectLst>
+          </c:spPr>
+          <c:invertIfNegative val="0"/>
+          <c:cat>
+            <c:strRef>
+              <c:f>Survey_Chart!$A$13</c:f>
+              <c:strCache>
+                <c:ptCount val="1"/>
+                <c:pt idx="0">
+                  <c:v>Benefits</c:v>
+                </c:pt>
+              </c:strCache>
+            </c:strRef>
+          </c:cat>
+          <c:val>
+            <c:numRef>
+              <c:f>Survey_Chart!$E$13</c:f>
+              <c:numCache>
+                <c:formatCode>General</c:formatCode>
+                <c:ptCount val="1"/>
+                <c:pt idx="0">
+                  <c:v>6</c:v>
+                </c:pt>
+              </c:numCache>
+            </c:numRef>
+          </c:val>
+          <c:extLst>
+            <c:ext xmlns:c16="http://schemas.microsoft.com/office/drawing/2014/chart" uri="{C3380CC4-5D6E-409C-BE32-E72D297353CC}">
+              <c16:uniqueId val="{00000003-7554-45D2-B3DF-7278882E2387}"/>
+            </c:ext>
+          </c:extLst>
+        </c:ser>
+        <c:ser>
+          <c:idx val="4"/>
+          <c:order val="4"/>
+          <c:tx>
+            <c:strRef>
+              <c:f>Survey_Chart!$F$2</c:f>
+              <c:strCache>
+                <c:ptCount val="1"/>
+                <c:pt idx="0">
+                  <c:v>Soft Skills</c:v>
+                </c:pt>
+              </c:strCache>
+            </c:strRef>
+          </c:tx>
+          <c:spPr>
+            <a:gradFill rotWithShape="1">
+              <a:gsLst>
+                <a:gs pos="0">
+                  <a:schemeClr val="accent5">
+                    <a:satMod val="103000"/>
+                    <a:lumMod val="102000"/>
+                    <a:tint val="94000"/>
+                  </a:schemeClr>
+                </a:gs>
+                <a:gs pos="50000">
+                  <a:schemeClr val="accent5">
+                    <a:satMod val="110000"/>
+                    <a:lumMod val="100000"/>
+                    <a:shade val="100000"/>
+                  </a:schemeClr>
+                </a:gs>
+                <a:gs pos="100000">
+                  <a:schemeClr val="accent5">
+                    <a:lumMod val="99000"/>
+                    <a:satMod val="120000"/>
+                    <a:shade val="78000"/>
+                  </a:schemeClr>
+                </a:gs>
+              </a:gsLst>
+              <a:lin ang="5400000" scaled="0"/>
+            </a:gradFill>
+            <a:ln>
+              <a:noFill/>
+            </a:ln>
+            <a:effectLst>
+              <a:outerShdw blurRad="57150" dist="19050" dir="5400000" algn="ctr" rotWithShape="0">
+                <a:srgbClr val="000000">
+                  <a:alpha val="63000"/>
+                </a:srgbClr>
+              </a:outerShdw>
+            </a:effectLst>
+          </c:spPr>
+          <c:invertIfNegative val="0"/>
+          <c:cat>
+            <c:strRef>
+              <c:f>Survey_Chart!$A$13</c:f>
+              <c:strCache>
+                <c:ptCount val="1"/>
+                <c:pt idx="0">
+                  <c:v>Benefits</c:v>
+                </c:pt>
+              </c:strCache>
+            </c:strRef>
+          </c:cat>
+          <c:val>
+            <c:numRef>
+              <c:f>Survey_Chart!$F$13</c:f>
+              <c:numCache>
+                <c:formatCode>General</c:formatCode>
+                <c:ptCount val="1"/>
+                <c:pt idx="0">
+                  <c:v>7</c:v>
+                </c:pt>
+              </c:numCache>
+            </c:numRef>
+          </c:val>
+          <c:extLst>
+            <c:ext xmlns:c16="http://schemas.microsoft.com/office/drawing/2014/chart" uri="{C3380CC4-5D6E-409C-BE32-E72D297353CC}">
+              <c16:uniqueId val="{00000004-7554-45D2-B3DF-7278882E2387}"/>
+            </c:ext>
+          </c:extLst>
+        </c:ser>
+        <c:ser>
+          <c:idx val="5"/>
+          <c:order val="5"/>
+          <c:tx>
+            <c:strRef>
+              <c:f>Survey_Chart!$G$2</c:f>
+              <c:strCache>
+                <c:ptCount val="1"/>
+                <c:pt idx="0">
+                  <c:v>Respnse Time</c:v>
+                </c:pt>
+              </c:strCache>
+            </c:strRef>
+          </c:tx>
+          <c:spPr>
+            <a:gradFill rotWithShape="1">
+              <a:gsLst>
+                <a:gs pos="0">
+                  <a:schemeClr val="accent6">
+                    <a:satMod val="103000"/>
+                    <a:lumMod val="102000"/>
+                    <a:tint val="94000"/>
+                  </a:schemeClr>
+                </a:gs>
+                <a:gs pos="50000">
+                  <a:schemeClr val="accent6">
+                    <a:satMod val="110000"/>
+                    <a:lumMod val="100000"/>
+                    <a:shade val="100000"/>
+                  </a:schemeClr>
+                </a:gs>
+                <a:gs pos="100000">
+                  <a:schemeClr val="accent6">
+                    <a:lumMod val="99000"/>
+                    <a:satMod val="120000"/>
+                    <a:shade val="78000"/>
+                  </a:schemeClr>
+                </a:gs>
+              </a:gsLst>
+              <a:lin ang="5400000" scaled="0"/>
+            </a:gradFill>
+            <a:ln>
+              <a:noFill/>
+            </a:ln>
+            <a:effectLst>
+              <a:outerShdw blurRad="57150" dist="19050" dir="5400000" algn="ctr" rotWithShape="0">
+                <a:srgbClr val="000000">
+                  <a:alpha val="63000"/>
+                </a:srgbClr>
+              </a:outerShdw>
+            </a:effectLst>
+          </c:spPr>
+          <c:invertIfNegative val="0"/>
+          <c:cat>
+            <c:strRef>
+              <c:f>Survey_Chart!$A$13</c:f>
+              <c:strCache>
+                <c:ptCount val="1"/>
+                <c:pt idx="0">
+                  <c:v>Benefits</c:v>
+                </c:pt>
+              </c:strCache>
+            </c:strRef>
+          </c:cat>
+          <c:val>
+            <c:numRef>
+              <c:f>Survey_Chart!$G$13</c:f>
+              <c:numCache>
+                <c:formatCode>General</c:formatCode>
+                <c:ptCount val="1"/>
+                <c:pt idx="0">
+                  <c:v>10</c:v>
+                </c:pt>
+              </c:numCache>
+            </c:numRef>
+          </c:val>
+          <c:extLst>
+            <c:ext xmlns:c16="http://schemas.microsoft.com/office/drawing/2014/chart" uri="{C3380CC4-5D6E-409C-BE32-E72D297353CC}">
+              <c16:uniqueId val="{00000005-7554-45D2-B3DF-7278882E2387}"/>
+            </c:ext>
+          </c:extLst>
+        </c:ser>
+        <c:ser>
+          <c:idx val="6"/>
+          <c:order val="6"/>
+          <c:tx>
+            <c:strRef>
+              <c:f>Survey_Chart!$H$2</c:f>
+              <c:strCache>
+                <c:ptCount val="1"/>
+                <c:pt idx="0">
+                  <c:v>Sense of Community</c:v>
+                </c:pt>
+              </c:strCache>
+            </c:strRef>
+          </c:tx>
+          <c:spPr>
+            <a:gradFill rotWithShape="1">
+              <a:gsLst>
+                <a:gs pos="0">
+                  <a:schemeClr val="accent1">
+                    <a:lumMod val="60000"/>
+                    <a:satMod val="103000"/>
+                    <a:lumMod val="102000"/>
+                    <a:tint val="94000"/>
+                  </a:schemeClr>
+                </a:gs>
+                <a:gs pos="50000">
+                  <a:schemeClr val="accent1">
+                    <a:lumMod val="60000"/>
+                    <a:satMod val="110000"/>
+                    <a:lumMod val="100000"/>
+                    <a:shade val="100000"/>
+                  </a:schemeClr>
+                </a:gs>
+                <a:gs pos="100000">
+                  <a:schemeClr val="accent1">
+                    <a:lumMod val="60000"/>
+                    <a:lumMod val="99000"/>
+                    <a:satMod val="120000"/>
+                    <a:shade val="78000"/>
+                  </a:schemeClr>
+                </a:gs>
+              </a:gsLst>
+              <a:lin ang="5400000" scaled="0"/>
+            </a:gradFill>
+            <a:ln>
+              <a:noFill/>
+            </a:ln>
+            <a:effectLst>
+              <a:outerShdw blurRad="57150" dist="19050" dir="5400000" algn="ctr" rotWithShape="0">
+                <a:srgbClr val="000000">
+                  <a:alpha val="63000"/>
+                </a:srgbClr>
+              </a:outerShdw>
+            </a:effectLst>
+          </c:spPr>
+          <c:invertIfNegative val="0"/>
+          <c:cat>
+            <c:strRef>
+              <c:f>Survey_Chart!$A$13</c:f>
+              <c:strCache>
+                <c:ptCount val="1"/>
+                <c:pt idx="0">
+                  <c:v>Benefits</c:v>
+                </c:pt>
+              </c:strCache>
+            </c:strRef>
+          </c:cat>
+          <c:val>
+            <c:numRef>
+              <c:f>Survey_Chart!$H$13</c:f>
+              <c:numCache>
+                <c:formatCode>General</c:formatCode>
+                <c:ptCount val="1"/>
+                <c:pt idx="0">
+                  <c:v>9</c:v>
+                </c:pt>
+              </c:numCache>
+            </c:numRef>
+          </c:val>
+          <c:extLst>
+            <c:ext xmlns:c16="http://schemas.microsoft.com/office/drawing/2014/chart" uri="{C3380CC4-5D6E-409C-BE32-E72D297353CC}">
+              <c16:uniqueId val="{00000006-7554-45D2-B3DF-7278882E2387}"/>
+            </c:ext>
+          </c:extLst>
+        </c:ser>
+        <c:ser>
+          <c:idx val="7"/>
+          <c:order val="7"/>
+          <c:tx>
+            <c:strRef>
+              <c:f>Survey_Chart!$I$2</c:f>
+              <c:strCache>
+                <c:ptCount val="1"/>
+                <c:pt idx="0">
+                  <c:v>Career Benefit</c:v>
+                </c:pt>
+              </c:strCache>
+            </c:strRef>
+          </c:tx>
+          <c:spPr>
+            <a:gradFill rotWithShape="1">
+              <a:gsLst>
+                <a:gs pos="0">
+                  <a:schemeClr val="accent2">
+                    <a:lumMod val="60000"/>
+                    <a:satMod val="103000"/>
+                    <a:lumMod val="102000"/>
+                    <a:tint val="94000"/>
+                  </a:schemeClr>
+                </a:gs>
+                <a:gs pos="50000">
+                  <a:schemeClr val="accent2">
+                    <a:lumMod val="60000"/>
+                    <a:satMod val="110000"/>
+                    <a:lumMod val="100000"/>
+                    <a:shade val="100000"/>
+                  </a:schemeClr>
+                </a:gs>
+                <a:gs pos="100000">
+                  <a:schemeClr val="accent2">
+                    <a:lumMod val="60000"/>
+                    <a:lumMod val="99000"/>
+                    <a:satMod val="120000"/>
+                    <a:shade val="78000"/>
+                  </a:schemeClr>
+                </a:gs>
+              </a:gsLst>
+              <a:lin ang="5400000" scaled="0"/>
+            </a:gradFill>
+            <a:ln>
+              <a:noFill/>
+            </a:ln>
+            <a:effectLst>
+              <a:outerShdw blurRad="57150" dist="19050" dir="5400000" algn="ctr" rotWithShape="0">
+                <a:srgbClr val="000000">
+                  <a:alpha val="63000"/>
+                </a:srgbClr>
+              </a:outerShdw>
+            </a:effectLst>
+          </c:spPr>
+          <c:invertIfNegative val="0"/>
+          <c:cat>
+            <c:strRef>
+              <c:f>Survey_Chart!$A$13</c:f>
+              <c:strCache>
+                <c:ptCount val="1"/>
+                <c:pt idx="0">
+                  <c:v>Benefits</c:v>
+                </c:pt>
+              </c:strCache>
+            </c:strRef>
+          </c:cat>
+          <c:val>
+            <c:numRef>
+              <c:f>Survey_Chart!$I$13</c:f>
+              <c:numCache>
+                <c:formatCode>General</c:formatCode>
+                <c:ptCount val="1"/>
+                <c:pt idx="0">
+                  <c:v>10</c:v>
+                </c:pt>
+              </c:numCache>
+            </c:numRef>
+          </c:val>
+          <c:extLst>
+            <c:ext xmlns:c16="http://schemas.microsoft.com/office/drawing/2014/chart" uri="{C3380CC4-5D6E-409C-BE32-E72D297353CC}">
+              <c16:uniqueId val="{00000007-7554-45D2-B3DF-7278882E2387}"/>
+            </c:ext>
+          </c:extLst>
+        </c:ser>
+        <c:dLbls>
+          <c:showLegendKey val="0"/>
+          <c:showVal val="0"/>
+          <c:showCatName val="0"/>
+          <c:showSerName val="0"/>
+          <c:showPercent val="0"/>
+          <c:showBubbleSize val="0"/>
+        </c:dLbls>
+        <c:gapWidth val="100"/>
+        <c:overlap val="-24"/>
+        <c:axId val="1627802895"/>
+        <c:axId val="1627803375"/>
+      </c:barChart>
+      <c:catAx>
+        <c:axId val="1627802895"/>
+        <c:scaling>
+          <c:orientation val="minMax"/>
+        </c:scaling>
+        <c:delete val="1"/>
+        <c:axPos val="b"/>
+        <c:numFmt formatCode="General" sourceLinked="1"/>
+        <c:majorTickMark val="none"/>
+        <c:minorTickMark val="none"/>
+        <c:tickLblPos val="nextTo"/>
+        <c:crossAx val="1627803375"/>
+        <c:crosses val="autoZero"/>
+        <c:auto val="1"/>
+        <c:lblAlgn val="ctr"/>
+        <c:lblOffset val="100"/>
+        <c:noMultiLvlLbl val="0"/>
+      </c:catAx>
+      <c:valAx>
+        <c:axId val="1627803375"/>
+        <c:scaling>
+          <c:orientation val="minMax"/>
+        </c:scaling>
+        <c:delete val="0"/>
+        <c:axPos val="l"/>
+        <c:majorGridlines>
+          <c:spPr>
+            <a:ln w="9525" cap="flat" cmpd="sng" algn="ctr">
+              <a:solidFill>
+                <a:schemeClr val="lt1">
+                  <a:lumMod val="95000"/>
+                  <a:alpha val="10000"/>
+                </a:schemeClr>
+              </a:solidFill>
+              <a:round/>
+            </a:ln>
+            <a:effectLst/>
+          </c:spPr>
+        </c:majorGridlines>
+        <c:title>
+          <c:tx>
+            <c:rich>
+              <a:bodyPr rot="-5400000" spcFirstLastPara="1" vertOverflow="ellipsis" vert="horz" wrap="square" anchor="ctr" anchorCtr="1"/>
+              <a:lstStyle/>
+              <a:p>
+                <a:pPr>
+                  <a:defRPr sz="1200" b="1" i="0" u="none" strike="noStrike" kern="1200" cap="all" baseline="0">
+                    <a:solidFill>
+                      <a:schemeClr val="lt1">
+                        <a:lumMod val="85000"/>
+                      </a:schemeClr>
+                    </a:solidFill>
+                    <a:latin typeface="+mn-lt"/>
+                    <a:ea typeface="+mn-ea"/>
+                    <a:cs typeface="+mn-cs"/>
+                  </a:defRPr>
+                </a:pPr>
+                <a:r>
+                  <a:rPr lang="en-US" sz="1200" baseline="0"/>
+                  <a:t>Students</a:t>
+                </a:r>
+              </a:p>
+            </c:rich>
+          </c:tx>
+          <c:overlay val="0"/>
+          <c:spPr>
+            <a:noFill/>
+            <a:ln>
+              <a:noFill/>
+            </a:ln>
+            <a:effectLst/>
+          </c:spPr>
+          <c:txPr>
+            <a:bodyPr rot="-5400000" spcFirstLastPara="1" vertOverflow="ellipsis" vert="horz" wrap="square" anchor="ctr" anchorCtr="1"/>
+            <a:lstStyle/>
+            <a:p>
+              <a:pPr>
+                <a:defRPr sz="1200" b="1" i="0" u="none" strike="noStrike" kern="1200" cap="all" baseline="0">
+                  <a:solidFill>
+                    <a:schemeClr val="lt1">
+                      <a:lumMod val="85000"/>
+                    </a:schemeClr>
+                  </a:solidFill>
+                  <a:latin typeface="+mn-lt"/>
+                  <a:ea typeface="+mn-ea"/>
+                  <a:cs typeface="+mn-cs"/>
+                </a:defRPr>
+              </a:pPr>
+              <a:endParaRPr lang="en-US"/>
+            </a:p>
+          </c:txPr>
+        </c:title>
+        <c:numFmt formatCode="General" sourceLinked="1"/>
+        <c:majorTickMark val="none"/>
+        <c:minorTickMark val="none"/>
+        <c:tickLblPos val="nextTo"/>
+        <c:spPr>
+          <a:noFill/>
+          <a:ln>
+            <a:noFill/>
+          </a:ln>
+          <a:effectLst/>
+        </c:spPr>
+        <c:txPr>
+          <a:bodyPr rot="-60000000" spcFirstLastPara="1" vertOverflow="ellipsis" vert="horz" wrap="square" anchor="ctr" anchorCtr="1"/>
+          <a:lstStyle/>
+          <a:p>
+            <a:pPr>
+              <a:defRPr sz="1000" b="0" i="0" u="none" strike="noStrike" kern="1200" baseline="0">
+                <a:solidFill>
+                  <a:schemeClr val="lt1">
+                    <a:lumMod val="85000"/>
+                  </a:schemeClr>
+                </a:solidFill>
+                <a:latin typeface="+mn-lt"/>
+                <a:ea typeface="+mn-ea"/>
+                <a:cs typeface="+mn-cs"/>
+              </a:defRPr>
+            </a:pPr>
+            <a:endParaRPr lang="en-US"/>
+          </a:p>
+        </c:txPr>
+        <c:crossAx val="1627802895"/>
+        <c:crosses val="autoZero"/>
+        <c:crossBetween val="between"/>
+      </c:valAx>
+      <c:spPr>
+        <a:noFill/>
+        <a:ln>
+          <a:noFill/>
+        </a:ln>
+        <a:effectLst/>
+      </c:spPr>
+    </c:plotArea>
+    <c:legend>
+      <c:legendPos val="b"/>
+      <c:overlay val="0"/>
+      <c:spPr>
+        <a:noFill/>
+        <a:ln>
+          <a:noFill/>
+        </a:ln>
+        <a:effectLst/>
+      </c:spPr>
+      <c:txPr>
+        <a:bodyPr rot="0" spcFirstLastPara="1" vertOverflow="ellipsis" vert="horz" wrap="square" anchor="ctr" anchorCtr="1"/>
+        <a:lstStyle/>
+        <a:p>
+          <a:pPr>
+            <a:defRPr sz="1200" b="1" i="0" u="none" strike="noStrike" kern="1800" baseline="0">
+              <a:solidFill>
+                <a:schemeClr val="lt1">
+                  <a:lumMod val="85000"/>
+                </a:schemeClr>
+              </a:solidFill>
+              <a:latin typeface="+mn-lt"/>
+              <a:ea typeface="+mn-ea"/>
+              <a:cs typeface="+mn-cs"/>
+            </a:defRPr>
+          </a:pPr>
+          <a:endParaRPr lang="en-US"/>
+        </a:p>
+      </c:txPr>
+    </c:legend>
+    <c:plotVisOnly val="1"/>
+    <c:dispBlanksAs val="gap"/>
+    <c:extLst>
+      <c:ext xmlns:c16r3="http://schemas.microsoft.com/office/drawing/2017/03/chart" uri="{56B9EC1D-385E-4148-901F-78D8002777C0}">
+        <c16r3:dataDisplayOptions16>
+          <c16r3:dispNaAsBlank val="1"/>
+        </c16r3:dataDisplayOptions16>
+      </c:ext>
+    </c:extLst>
+    <c:showDLblsOverMax val="0"/>
+  </c:chart>
+  <c:spPr>
+    <a:gradFill flip="none" rotWithShape="1">
+      <a:gsLst>
+        <a:gs pos="0">
+          <a:schemeClr val="dk1">
+            <a:lumMod val="65000"/>
+            <a:lumOff val="35000"/>
+          </a:schemeClr>
+        </a:gs>
+        <a:gs pos="100000">
+          <a:schemeClr val="dk1">
+            <a:lumMod val="85000"/>
+            <a:lumOff val="15000"/>
+          </a:schemeClr>
+        </a:gs>
+      </a:gsLst>
+      <a:path path="circle">
+        <a:fillToRect l="50000" t="50000" r="50000" b="50000"/>
+      </a:path>
+      <a:tileRect/>
+    </a:gradFill>
+    <a:ln>
+      <a:noFill/>
+    </a:ln>
+    <a:effectLst/>
+  </c:spPr>
+  <c:txPr>
+    <a:bodyPr/>
+    <a:lstStyle/>
+    <a:p>
+      <a:pPr>
+        <a:defRPr/>
+      </a:pPr>
+      <a:endParaRPr lang="en-US"/>
+    </a:p>
+  </c:txPr>
+  <c:externalData r:id="rId4">
+    <c:autoUpdate val="0"/>
+  </c:externalData>
+</c:chartSpace>
 </file>
 
-<file path=ppt/changesInfos/changesInfo1.xml><?xml version="1.0" encoding="utf-8"?>
-<pc:chgInfo xmlns:a="http://schemas.openxmlformats.org/drawingml/2006/main" xmlns:r="http://schemas.openxmlformats.org/officeDocument/2006/relationships" xmlns:ac="http://schemas.microsoft.com/office/drawing/2013/main/command" xmlns:pc="http://schemas.microsoft.com/office/powerpoint/2013/main/command">
-  <pc:docChgLst>
-    <pc:chgData name="Gsell, Steven D." userId="6e84bc59-7e38-490f-9209-f43946aa50d2" providerId="ADAL" clId="{D88466B7-03C0-4978-B1B6-A6C2E089C6A2}"/>
-    <pc:docChg chg="addSld delSld modSld">
-      <pc:chgData name="Gsell, Steven D." userId="6e84bc59-7e38-490f-9209-f43946aa50d2" providerId="ADAL" clId="{D88466B7-03C0-4978-B1B6-A6C2E089C6A2}" dt="2024-07-08T00:23:15.774" v="1" actId="2696"/>
-      <pc:docMkLst>
-        <pc:docMk/>
-      </pc:docMkLst>
-      <pc:sldChg chg="del">
-        <pc:chgData name="Gsell, Steven D." userId="6e84bc59-7e38-490f-9209-f43946aa50d2" providerId="ADAL" clId="{D88466B7-03C0-4978-B1B6-A6C2E089C6A2}" dt="2024-07-08T00:23:15.774" v="1" actId="2696"/>
-        <pc:sldMkLst>
-          <pc:docMk/>
-          <pc:sldMk cId="928223919" sldId="1382"/>
-        </pc:sldMkLst>
-      </pc:sldChg>
-      <pc:sldChg chg="add">
-        <pc:chgData name="Gsell, Steven D." userId="6e84bc59-7e38-490f-9209-f43946aa50d2" providerId="ADAL" clId="{D88466B7-03C0-4978-B1B6-A6C2E089C6A2}" dt="2024-07-08T00:23:02.822" v="0"/>
-        <pc:sldMkLst>
-          <pc:docMk/>
-          <pc:sldMk cId="985310508" sldId="1383"/>
-        </pc:sldMkLst>
-      </pc:sldChg>
-      <pc:sldChg chg="add">
-        <pc:chgData name="Gsell, Steven D." userId="6e84bc59-7e38-490f-9209-f43946aa50d2" providerId="ADAL" clId="{D88466B7-03C0-4978-B1B6-A6C2E089C6A2}" dt="2024-07-08T00:23:02.822" v="0"/>
-        <pc:sldMkLst>
-          <pc:docMk/>
-          <pc:sldMk cId="504903178" sldId="1384"/>
-        </pc:sldMkLst>
-      </pc:sldChg>
-      <pc:sldChg chg="add">
-        <pc:chgData name="Gsell, Steven D." userId="6e84bc59-7e38-490f-9209-f43946aa50d2" providerId="ADAL" clId="{D88466B7-03C0-4978-B1B6-A6C2E089C6A2}" dt="2024-07-08T00:23:02.822" v="0"/>
-        <pc:sldMkLst>
-          <pc:docMk/>
-          <pc:sldMk cId="2440337316" sldId="1385"/>
-        </pc:sldMkLst>
-      </pc:sldChg>
-      <pc:sldChg chg="add">
-        <pc:chgData name="Gsell, Steven D." userId="6e84bc59-7e38-490f-9209-f43946aa50d2" providerId="ADAL" clId="{D88466B7-03C0-4978-B1B6-A6C2E089C6A2}" dt="2024-07-08T00:23:02.822" v="0"/>
-        <pc:sldMkLst>
-          <pc:docMk/>
-          <pc:sldMk cId="275916581" sldId="1386"/>
-        </pc:sldMkLst>
-      </pc:sldChg>
-      <pc:sldChg chg="add">
-        <pc:chgData name="Gsell, Steven D." userId="6e84bc59-7e38-490f-9209-f43946aa50d2" providerId="ADAL" clId="{D88466B7-03C0-4978-B1B6-A6C2E089C6A2}" dt="2024-07-08T00:23:02.822" v="0"/>
-        <pc:sldMkLst>
-          <pc:docMk/>
-          <pc:sldMk cId="3943678850" sldId="1387"/>
-        </pc:sldMkLst>
-      </pc:sldChg>
-      <pc:sldChg chg="add">
-        <pc:chgData name="Gsell, Steven D." userId="6e84bc59-7e38-490f-9209-f43946aa50d2" providerId="ADAL" clId="{D88466B7-03C0-4978-B1B6-A6C2E089C6A2}" dt="2024-07-08T00:23:02.822" v="0"/>
-        <pc:sldMkLst>
-          <pc:docMk/>
-          <pc:sldMk cId="2257766621" sldId="1388"/>
-        </pc:sldMkLst>
-      </pc:sldChg>
-      <pc:sldChg chg="add">
-        <pc:chgData name="Gsell, Steven D." userId="6e84bc59-7e38-490f-9209-f43946aa50d2" providerId="ADAL" clId="{D88466B7-03C0-4978-B1B6-A6C2E089C6A2}" dt="2024-07-08T00:23:02.822" v="0"/>
-        <pc:sldMkLst>
-          <pc:docMk/>
-          <pc:sldMk cId="857814757" sldId="1389"/>
-        </pc:sldMkLst>
-      </pc:sldChg>
-    </pc:docChg>
-  </pc:docChgLst>
-</pc:chgInfo>
+<file path=ppt/charts/colors1.xml><?xml version="1.0" encoding="utf-8"?>
+<cs:colorStyle xmlns:cs="http://schemas.microsoft.com/office/drawing/2012/chartStyle" xmlns:a="http://schemas.openxmlformats.org/drawingml/2006/main" meth="cycle" id="10">
+  <a:schemeClr val="accent1"/>
+  <a:schemeClr val="accent2"/>
+  <a:schemeClr val="accent3"/>
+  <a:schemeClr val="accent4"/>
+  <a:schemeClr val="accent5"/>
+  <a:schemeClr val="accent6"/>
+  <cs:variation/>
+  <cs:variation>
+    <a:lumMod val="60000"/>
+  </cs:variation>
+  <cs:variation>
+    <a:lumMod val="80000"/>
+    <a:lumOff val="20000"/>
+  </cs:variation>
+  <cs:variation>
+    <a:lumMod val="80000"/>
+  </cs:variation>
+  <cs:variation>
+    <a:lumMod val="60000"/>
+    <a:lumOff val="40000"/>
+  </cs:variation>
+  <cs:variation>
+    <a:lumMod val="50000"/>
+  </cs:variation>
+  <cs:variation>
+    <a:lumMod val="70000"/>
+    <a:lumOff val="30000"/>
+  </cs:variation>
+  <cs:variation>
+    <a:lumMod val="70000"/>
+  </cs:variation>
+  <cs:variation>
+    <a:lumMod val="50000"/>
+    <a:lumOff val="50000"/>
+  </cs:variation>
+</cs:colorStyle>
+</file>
+
+<file path=ppt/charts/style1.xml><?xml version="1.0" encoding="utf-8"?>
+<cs:chartStyle xmlns:cs="http://schemas.microsoft.com/office/drawing/2012/chartStyle" xmlns:a="http://schemas.openxmlformats.org/drawingml/2006/main" id="209">
+  <cs:axisTitle>
+    <cs:lnRef idx="0"/>
+    <cs:fillRef idx="0"/>
+    <cs:effectRef idx="0"/>
+    <cs:fontRef idx="minor">
+      <a:schemeClr val="lt1">
+        <a:lumMod val="85000"/>
+      </a:schemeClr>
+    </cs:fontRef>
+    <cs:defRPr sz="900" b="1" kern="1200" cap="all"/>
+  </cs:axisTitle>
+  <cs:categoryAxis>
+    <cs:lnRef idx="0"/>
+    <cs:fillRef idx="0"/>
+    <cs:effectRef idx="0"/>
+    <cs:fontRef idx="minor">
+      <a:schemeClr val="lt1">
+        <a:lumMod val="85000"/>
+      </a:schemeClr>
+    </cs:fontRef>
+    <cs:spPr>
+      <a:ln w="12700" cap="flat" cmpd="sng" algn="ctr">
+        <a:solidFill>
+          <a:schemeClr val="lt1">
+            <a:lumMod val="95000"/>
+            <a:alpha val="54000"/>
+          </a:schemeClr>
+        </a:solidFill>
+        <a:round/>
+      </a:ln>
+    </cs:spPr>
+    <cs:defRPr sz="900" kern="1200"/>
+  </cs:categoryAxis>
+  <cs:chartArea>
+    <cs:lnRef idx="0"/>
+    <cs:fillRef idx="0"/>
+    <cs:effectRef idx="0"/>
+    <cs:fontRef idx="minor">
+      <a:schemeClr val="dk1"/>
+    </cs:fontRef>
+    <cs:spPr>
+      <a:gradFill flip="none" rotWithShape="1">
+        <a:gsLst>
+          <a:gs pos="0">
+            <a:schemeClr val="dk1">
+              <a:lumMod val="65000"/>
+              <a:lumOff val="35000"/>
+            </a:schemeClr>
+          </a:gs>
+          <a:gs pos="100000">
+            <a:schemeClr val="dk1">
+              <a:lumMod val="85000"/>
+              <a:lumOff val="15000"/>
+            </a:schemeClr>
+          </a:gs>
+        </a:gsLst>
+        <a:path path="circle">
+          <a:fillToRect l="50000" t="50000" r="50000" b="50000"/>
+        </a:path>
+        <a:tileRect/>
+      </a:gradFill>
+    </cs:spPr>
+    <cs:defRPr sz="1000" kern="1200"/>
+  </cs:chartArea>
+  <cs:dataLabel>
+    <cs:lnRef idx="0"/>
+    <cs:fillRef idx="0"/>
+    <cs:effectRef idx="0"/>
+    <cs:fontRef idx="minor">
+      <a:schemeClr val="lt1">
+        <a:lumMod val="85000"/>
+      </a:schemeClr>
+    </cs:fontRef>
+    <cs:defRPr sz="900" kern="1200"/>
+  </cs:dataLabel>
+  <cs:dataLabelCallout>
+    <cs:lnRef idx="0"/>
+    <cs:fillRef idx="0"/>
+    <cs:effectRef idx="0"/>
+    <cs:fontRef idx="minor">
+      <a:schemeClr val="dk1">
+        <a:lumMod val="65000"/>
+        <a:lumOff val="35000"/>
+      </a:schemeClr>
+    </cs:fontRef>
+    <cs:spPr>
+      <a:solidFill>
+        <a:schemeClr val="lt1"/>
+      </a:solidFill>
+    </cs:spPr>
+    <cs:defRPr sz="900" kern="1200"/>
+    <cs:bodyPr rot="0" spcFirstLastPara="1" vertOverflow="clip" horzOverflow="clip" vert="horz" wrap="square" lIns="36576" tIns="18288" rIns="36576" bIns="18288" anchor="ctr" anchorCtr="1">
+      <a:spAutoFit/>
+    </cs:bodyPr>
+  </cs:dataLabelCallout>
+  <cs:dataPoint>
+    <cs:lnRef idx="0"/>
+    <cs:fillRef idx="3">
+      <cs:styleClr val="auto"/>
+    </cs:fillRef>
+    <cs:effectRef idx="3"/>
+    <cs:fontRef idx="minor">
+      <a:schemeClr val="lt1"/>
+    </cs:fontRef>
+  </cs:dataPoint>
+  <cs:dataPoint3D>
+    <cs:lnRef idx="0"/>
+    <cs:fillRef idx="3">
+      <cs:styleClr val="auto"/>
+    </cs:fillRef>
+    <cs:effectRef idx="3"/>
+    <cs:fontRef idx="minor">
+      <a:schemeClr val="lt1"/>
+    </cs:fontRef>
+  </cs:dataPoint3D>
+  <cs:dataPointLine>
+    <cs:lnRef idx="0">
+      <cs:styleClr val="auto"/>
+    </cs:lnRef>
+    <cs:fillRef idx="3"/>
+    <cs:effectRef idx="3"/>
+    <cs:fontRef idx="minor">
+      <a:schemeClr val="lt1"/>
+    </cs:fontRef>
+    <cs:spPr>
+      <a:ln w="34925" cap="rnd">
+        <a:solidFill>
+          <a:schemeClr val="phClr"/>
+        </a:solidFill>
+        <a:round/>
+      </a:ln>
+    </cs:spPr>
+  </cs:dataPointLine>
+  <cs:dataPointMarker>
+    <cs:lnRef idx="0">
+      <cs:styleClr val="auto"/>
+    </cs:lnRef>
+    <cs:fillRef idx="3">
+      <cs:styleClr val="auto"/>
+    </cs:fillRef>
+    <cs:effectRef idx="3"/>
+    <cs:fontRef idx="minor">
+      <a:schemeClr val="lt1"/>
+    </cs:fontRef>
+    <cs:spPr>
+      <a:ln w="9525">
+        <a:solidFill>
+          <a:schemeClr val="phClr"/>
+        </a:solidFill>
+        <a:round/>
+      </a:ln>
+    </cs:spPr>
+  </cs:dataPointMarker>
+  <cs:dataPointMarkerLayout symbol="circle" size="6"/>
+  <cs:dataPointWireframe>
+    <cs:lnRef idx="0">
+      <cs:styleClr val="auto"/>
+    </cs:lnRef>
+    <cs:fillRef idx="3"/>
+    <cs:effectRef idx="3"/>
+    <cs:fontRef idx="minor">
+      <a:schemeClr val="lt1"/>
+    </cs:fontRef>
+    <cs:spPr>
+      <a:ln w="9525" cap="rnd">
+        <a:solidFill>
+          <a:schemeClr val="phClr"/>
+        </a:solidFill>
+        <a:round/>
+      </a:ln>
+    </cs:spPr>
+  </cs:dataPointWireframe>
+  <cs:dataTable>
+    <cs:lnRef idx="0"/>
+    <cs:fillRef idx="0"/>
+    <cs:effectRef idx="0"/>
+    <cs:fontRef idx="minor">
+      <a:schemeClr val="lt1">
+        <a:lumMod val="85000"/>
+      </a:schemeClr>
+    </cs:fontRef>
+    <cs:spPr>
+      <a:ln w="9525">
+        <a:solidFill>
+          <a:schemeClr val="lt1">
+            <a:lumMod val="95000"/>
+            <a:alpha val="54000"/>
+          </a:schemeClr>
+        </a:solidFill>
+      </a:ln>
+    </cs:spPr>
+    <cs:defRPr sz="900" kern="1200"/>
+  </cs:dataTable>
+  <cs:downBar>
+    <cs:lnRef idx="0"/>
+    <cs:fillRef idx="0"/>
+    <cs:effectRef idx="0"/>
+    <cs:fontRef idx="minor">
+      <a:schemeClr val="lt1"/>
+    </cs:fontRef>
+    <cs:spPr>
+      <a:solidFill>
+        <a:schemeClr val="dk1">
+          <a:lumMod val="75000"/>
+          <a:lumOff val="25000"/>
+        </a:schemeClr>
+      </a:solidFill>
+      <a:ln w="9525">
+        <a:solidFill>
+          <a:schemeClr val="lt1">
+            <a:lumMod val="95000"/>
+            <a:alpha val="54000"/>
+          </a:schemeClr>
+        </a:solidFill>
+      </a:ln>
+    </cs:spPr>
+  </cs:downBar>
+  <cs:dropLine>
+    <cs:lnRef idx="0"/>
+    <cs:fillRef idx="0"/>
+    <cs:effectRef idx="0"/>
+    <cs:fontRef idx="minor">
+      <a:schemeClr val="lt1"/>
+    </cs:fontRef>
+    <cs:spPr>
+      <a:ln w="9525">
+        <a:solidFill>
+          <a:schemeClr val="lt1">
+            <a:lumMod val="95000"/>
+            <a:alpha val="54000"/>
+          </a:schemeClr>
+        </a:solidFill>
+        <a:prstDash val="dash"/>
+      </a:ln>
+    </cs:spPr>
+  </cs:dropLine>
+  <cs:errorBar>
+    <cs:lnRef idx="0"/>
+    <cs:fillRef idx="0"/>
+    <cs:effectRef idx="0"/>
+    <cs:fontRef idx="minor">
+      <a:schemeClr val="lt1"/>
+    </cs:fontRef>
+    <cs:spPr>
+      <a:ln w="9525" cap="flat" cmpd="sng" algn="ctr">
+        <a:solidFill>
+          <a:schemeClr val="lt1">
+            <a:lumMod val="95000"/>
+          </a:schemeClr>
+        </a:solidFill>
+        <a:round/>
+      </a:ln>
+    </cs:spPr>
+  </cs:errorBar>
+  <cs:floor>
+    <cs:lnRef idx="0"/>
+    <cs:fillRef idx="0"/>
+    <cs:effectRef idx="0"/>
+    <cs:fontRef idx="minor">
+      <a:schemeClr val="lt1"/>
+    </cs:fontRef>
+  </cs:floor>
+  <cs:gridlineMajor>
+    <cs:lnRef idx="0"/>
+    <cs:fillRef idx="0"/>
+    <cs:effectRef idx="0"/>
+    <cs:fontRef idx="minor">
+      <a:schemeClr val="lt1"/>
+    </cs:fontRef>
+    <cs:spPr>
+      <a:ln w="9525" cap="flat" cmpd="sng" algn="ctr">
+        <a:solidFill>
+          <a:schemeClr val="lt1">
+            <a:lumMod val="95000"/>
+            <a:alpha val="10000"/>
+          </a:schemeClr>
+        </a:solidFill>
+        <a:round/>
+      </a:ln>
+    </cs:spPr>
+  </cs:gridlineMajor>
+  <cs:gridlineMinor>
+    <cs:lnRef idx="0"/>
+    <cs:fillRef idx="0"/>
+    <cs:effectRef idx="0"/>
+    <cs:fontRef idx="minor">
+      <a:schemeClr val="lt1"/>
+    </cs:fontRef>
+    <cs:spPr>
+      <a:ln>
+        <a:solidFill>
+          <a:schemeClr val="lt1">
+            <a:lumMod val="95000"/>
+            <a:alpha val="5000"/>
+          </a:schemeClr>
+        </a:solidFill>
+      </a:ln>
+    </cs:spPr>
+  </cs:gridlineMinor>
+  <cs:hiLoLine>
+    <cs:lnRef idx="0"/>
+    <cs:fillRef idx="0"/>
+    <cs:effectRef idx="0"/>
+    <cs:fontRef idx="minor">
+      <a:schemeClr val="lt1"/>
+    </cs:fontRef>
+    <cs:spPr>
+      <a:ln w="9525">
+        <a:solidFill>
+          <a:schemeClr val="lt1">
+            <a:lumMod val="95000"/>
+            <a:alpha val="54000"/>
+          </a:schemeClr>
+        </a:solidFill>
+        <a:prstDash val="dash"/>
+      </a:ln>
+    </cs:spPr>
+  </cs:hiLoLine>
+  <cs:leaderLine>
+    <cs:lnRef idx="0"/>
+    <cs:fillRef idx="0"/>
+    <cs:effectRef idx="0"/>
+    <cs:fontRef idx="minor">
+      <a:schemeClr val="lt1"/>
+    </cs:fontRef>
+    <cs:spPr>
+      <a:ln w="9525">
+        <a:solidFill>
+          <a:schemeClr val="lt1">
+            <a:lumMod val="95000"/>
+            <a:alpha val="54000"/>
+          </a:schemeClr>
+        </a:solidFill>
+      </a:ln>
+    </cs:spPr>
+  </cs:leaderLine>
+  <cs:legend>
+    <cs:lnRef idx="0"/>
+    <cs:fillRef idx="0"/>
+    <cs:effectRef idx="0"/>
+    <cs:fontRef idx="minor">
+      <a:schemeClr val="lt1">
+        <a:lumMod val="85000"/>
+      </a:schemeClr>
+    </cs:fontRef>
+    <cs:defRPr sz="900" kern="1200"/>
+  </cs:legend>
+  <cs:plotArea>
+    <cs:lnRef idx="0"/>
+    <cs:fillRef idx="0"/>
+    <cs:effectRef idx="0"/>
+    <cs:fontRef idx="minor">
+      <a:schemeClr val="lt1"/>
+    </cs:fontRef>
+  </cs:plotArea>
+  <cs:plotArea3D>
+    <cs:lnRef idx="0"/>
+    <cs:fillRef idx="0"/>
+    <cs:effectRef idx="0"/>
+    <cs:fontRef idx="minor">
+      <a:schemeClr val="lt1"/>
+    </cs:fontRef>
+  </cs:plotArea3D>
+  <cs:seriesAxis>
+    <cs:lnRef idx="0"/>
+    <cs:fillRef idx="0"/>
+    <cs:effectRef idx="0"/>
+    <cs:fontRef idx="minor">
+      <a:schemeClr val="lt1">
+        <a:lumMod val="85000"/>
+      </a:schemeClr>
+    </cs:fontRef>
+    <cs:spPr>
+      <a:ln w="12700" cap="flat" cmpd="sng" algn="ctr">
+        <a:solidFill>
+          <a:schemeClr val="lt1">
+            <a:lumMod val="95000"/>
+            <a:alpha val="54000"/>
+          </a:schemeClr>
+        </a:solidFill>
+        <a:round/>
+      </a:ln>
+    </cs:spPr>
+    <cs:defRPr sz="900" kern="1200"/>
+  </cs:seriesAxis>
+  <cs:seriesLine>
+    <cs:lnRef idx="0"/>
+    <cs:fillRef idx="0"/>
+    <cs:effectRef idx="0"/>
+    <cs:fontRef idx="minor">
+      <a:schemeClr val="lt1"/>
+    </cs:fontRef>
+    <cs:spPr>
+      <a:ln w="9525" cap="flat" cmpd="sng" algn="ctr">
+        <a:solidFill>
+          <a:schemeClr val="lt1">
+            <a:lumMod val="95000"/>
+            <a:alpha val="54000"/>
+          </a:schemeClr>
+        </a:solidFill>
+        <a:round/>
+      </a:ln>
+    </cs:spPr>
+  </cs:seriesLine>
+  <cs:title>
+    <cs:lnRef idx="0"/>
+    <cs:fillRef idx="0"/>
+    <cs:effectRef idx="0"/>
+    <cs:fontRef idx="minor">
+      <a:schemeClr val="lt1">
+        <a:lumMod val="95000"/>
+      </a:schemeClr>
+    </cs:fontRef>
+    <cs:defRPr sz="1600" b="1" kern="1200" spc="100" baseline="0">
+      <a:effectLst>
+        <a:outerShdw blurRad="50800" dist="38100" dir="5400000" algn="t" rotWithShape="0">
+          <a:prstClr val="black">
+            <a:alpha val="40000"/>
+          </a:prstClr>
+        </a:outerShdw>
+      </a:effectLst>
+    </cs:defRPr>
+  </cs:title>
+  <cs:trendline>
+    <cs:lnRef idx="0">
+      <cs:styleClr val="auto"/>
+    </cs:lnRef>
+    <cs:fillRef idx="0"/>
+    <cs:effectRef idx="0"/>
+    <cs:fontRef idx="minor">
+      <a:schemeClr val="lt1"/>
+    </cs:fontRef>
+    <cs:spPr>
+      <a:ln w="19050" cap="rnd">
+        <a:solidFill>
+          <a:schemeClr val="phClr"/>
+        </a:solidFill>
+      </a:ln>
+    </cs:spPr>
+  </cs:trendline>
+  <cs:trendlineLabel>
+    <cs:lnRef idx="0"/>
+    <cs:fillRef idx="0"/>
+    <cs:effectRef idx="0"/>
+    <cs:fontRef idx="minor">
+      <a:schemeClr val="lt1">
+        <a:lumMod val="85000"/>
+      </a:schemeClr>
+    </cs:fontRef>
+    <cs:defRPr sz="900" kern="1200"/>
+  </cs:trendlineLabel>
+  <cs:upBar>
+    <cs:lnRef idx="0"/>
+    <cs:fillRef idx="0"/>
+    <cs:effectRef idx="0"/>
+    <cs:fontRef idx="minor">
+      <a:schemeClr val="lt1"/>
+    </cs:fontRef>
+    <cs:spPr>
+      <a:solidFill>
+        <a:schemeClr val="lt1"/>
+      </a:solidFill>
+      <a:ln w="9525">
+        <a:solidFill>
+          <a:schemeClr val="lt1">
+            <a:lumMod val="95000"/>
+            <a:alpha val="54000"/>
+          </a:schemeClr>
+        </a:solidFill>
+      </a:ln>
+    </cs:spPr>
+  </cs:upBar>
+  <cs:valueAxis>
+    <cs:lnRef idx="0"/>
+    <cs:fillRef idx="0"/>
+    <cs:effectRef idx="0"/>
+    <cs:fontRef idx="minor">
+      <a:schemeClr val="lt1">
+        <a:lumMod val="85000"/>
+      </a:schemeClr>
+    </cs:fontRef>
+    <cs:defRPr sz="900" kern="1200"/>
+  </cs:valueAxis>
+  <cs:wall>
+    <cs:lnRef idx="0"/>
+    <cs:fillRef idx="0"/>
+    <cs:effectRef idx="0"/>
+    <cs:fontRef idx="minor">
+      <a:schemeClr val="lt1"/>
+    </cs:fontRef>
+  </cs:wall>
+</cs:chartStyle>
 </file>
 
 <file path=ppt/notesMasters/notesMaster1.xml><?xml version="1.0" encoding="utf-8"?>
@@ -293,7 +1728,7 @@
           <a:p>
             <a:fld id="{CA1F7DAD-AACB-410C-9AA4-BE5099812397}" type="datetimeFigureOut">
               <a:rPr lang="en-US" smtClean="0"/>
-              <a:t>7/7/2024</a:t>
+              <a:t>7/16/2024</a:t>
             </a:fld>
             <a:endParaRPr lang="en-US"/>
           </a:p>
@@ -688,57 +2123,7 @@
           <a:bodyPr/>
           <a:lstStyle/>
           <a:p>
-            <a:pPr marL="285750" indent="-285750">
-              <a:buFont typeface="Arial" panose="020B0604020202020204" pitchFamily="34" charset="0"/>
-              <a:buChar char="•"/>
-            </a:pPr>
-            <a:r>
-              <a:rPr lang="en-US" sz="1200" dirty="0"/>
-              <a:t>Software projects in a class setting can be chaotic without clear communication</a:t>
-            </a:r>
-          </a:p>
-          <a:p>
-            <a:pPr marL="285750" indent="-285750">
-              <a:buFont typeface="Arial" panose="020B0604020202020204" pitchFamily="34" charset="0"/>
-              <a:buChar char="•"/>
-            </a:pPr>
-            <a:endParaRPr lang="en-US" sz="1200" dirty="0"/>
-          </a:p>
-          <a:p>
-            <a:pPr marL="285750" indent="-285750">
-              <a:buFont typeface="Arial" panose="020B0604020202020204" pitchFamily="34" charset="0"/>
-              <a:buChar char="•"/>
-            </a:pPr>
-            <a:r>
-              <a:rPr lang="en-US" sz="1200" dirty="0"/>
-              <a:t>We are all learning and perhaps working with several new technologies for the first time. We are also learning HOW to learn in a fast-paced tech environment.</a:t>
-            </a:r>
-          </a:p>
-          <a:p>
-            <a:pPr marL="285750" indent="-285750">
-              <a:buFont typeface="Arial" panose="020B0604020202020204" pitchFamily="34" charset="0"/>
-              <a:buChar char="•"/>
-            </a:pPr>
-            <a:endParaRPr lang="en-US" sz="1200" dirty="0"/>
-          </a:p>
-          <a:p>
-            <a:pPr marL="285750" indent="-285750">
-              <a:buFont typeface="Arial" panose="020B0604020202020204" pitchFamily="34" charset="0"/>
-              <a:buChar char="•"/>
-            </a:pPr>
-            <a:r>
-              <a:rPr lang="en-US" sz="1200" dirty="0"/>
-              <a:t>When our groups run into problems, Slack allows us to pinpoint the problem as a group and see the clear solution when someone finds it!</a:t>
-            </a:r>
-          </a:p>
-          <a:p>
-            <a:endParaRPr lang="en-US" dirty="0"/>
-          </a:p>
-          <a:p>
-            <a:r>
-              <a:rPr lang="en-US" dirty="0"/>
-              <a:t>(Dustin was able to pinpoint a problem with our Spring-Boot API and share what he found with our group. It was part of a dependency that we could manually exclude.)</a:t>
-            </a:r>
+            <a:endParaRPr lang="en-US"/>
           </a:p>
         </p:txBody>
       </p:sp>
@@ -757,1123 +2142,9 @@
           <a:bodyPr/>
           <a:lstStyle/>
           <a:p>
-            <a:pPr marL="0" marR="0" lvl="0" indent="0" algn="r" defTabSz="914400" rtl="0" eaLnBrk="1" fontAlgn="auto" latinLnBrk="0" hangingPunct="1">
-              <a:lnSpc>
-                <a:spcPct val="100000"/>
-              </a:lnSpc>
-              <a:spcBef>
-                <a:spcPts val="0"/>
-              </a:spcBef>
-              <a:spcAft>
-                <a:spcPts val="0"/>
-              </a:spcAft>
-              <a:buClrTx/>
-              <a:buSzTx/>
-              <a:buFontTx/>
-              <a:buNone/>
-              <a:tabLst/>
-              <a:defRPr/>
-            </a:pPr>
-            <a:fld id="{AE9ECEFE-5C53-4261-924B-F0AA5F7E0BB8}" type="slidenum">
-              <a:rPr kumimoji="0" lang="en-US" sz="1200" b="0" i="0" u="none" strike="noStrike" kern="1200" cap="none" spc="0" normalizeH="0" baseline="0" noProof="0" smtClean="0">
-                <a:ln>
-                  <a:noFill/>
-                </a:ln>
-                <a:solidFill>
-                  <a:prstClr val="black"/>
-                </a:solidFill>
-                <a:effectLst/>
-                <a:uLnTx/>
-                <a:uFillTx/>
-                <a:latin typeface="Calibri" panose="020F0502020204030204"/>
-                <a:ea typeface="+mn-ea"/>
-                <a:cs typeface="+mn-cs"/>
-              </a:rPr>
-              <a:pPr marL="0" marR="0" lvl="0" indent="0" algn="r" defTabSz="914400" rtl="0" eaLnBrk="1" fontAlgn="auto" latinLnBrk="0" hangingPunct="1">
-                <a:lnSpc>
-                  <a:spcPct val="100000"/>
-                </a:lnSpc>
-                <a:spcBef>
-                  <a:spcPts val="0"/>
-                </a:spcBef>
-                <a:spcAft>
-                  <a:spcPts val="0"/>
-                </a:spcAft>
-                <a:buClrTx/>
-                <a:buSzTx/>
-                <a:buFontTx/>
-                <a:buNone/>
-                <a:tabLst/>
-                <a:defRPr/>
-              </a:pPr>
-              <a:t>13</a:t>
-            </a:fld>
-            <a:endParaRPr kumimoji="0" lang="en-US" sz="1200" b="0" i="0" u="none" strike="noStrike" kern="1200" cap="none" spc="0" normalizeH="0" baseline="0" noProof="0">
-              <a:ln>
-                <a:noFill/>
-              </a:ln>
-              <a:solidFill>
-                <a:prstClr val="black"/>
-              </a:solidFill>
-              <a:effectLst/>
-              <a:uLnTx/>
-              <a:uFillTx/>
-              <a:latin typeface="Calibri" panose="020F0502020204030204"/>
-              <a:ea typeface="+mn-ea"/>
-              <a:cs typeface="+mn-cs"/>
-            </a:endParaRPr>
-          </a:p>
-        </p:txBody>
-      </p:sp>
-    </p:spTree>
-    <p:extLst>
-      <p:ext uri="{BB962C8B-B14F-4D97-AF65-F5344CB8AC3E}">
-        <p14:creationId xmlns:p14="http://schemas.microsoft.com/office/powerpoint/2010/main" val="3993838157"/>
-      </p:ext>
-    </p:extLst>
-  </p:cSld>
-  <p:clrMapOvr>
-    <a:masterClrMapping/>
-  </p:clrMapOvr>
-</p:notes>
-</file>
-
-<file path=ppt/notesSlides/notesSlide3.xml><?xml version="1.0" encoding="utf-8"?>
-<p:notes xmlns:a="http://schemas.openxmlformats.org/drawingml/2006/main" xmlns:r="http://schemas.openxmlformats.org/officeDocument/2006/relationships" xmlns:p="http://schemas.openxmlformats.org/presentationml/2006/main">
-  <p:cSld>
-    <p:spTree>
-      <p:nvGrpSpPr>
-        <p:cNvPr id="1" name=""/>
-        <p:cNvGrpSpPr/>
-        <p:nvPr/>
-      </p:nvGrpSpPr>
-      <p:grpSpPr>
-        <a:xfrm>
-          <a:off x="0" y="0"/>
-          <a:ext cx="0" cy="0"/>
-          <a:chOff x="0" y="0"/>
-          <a:chExt cx="0" cy="0"/>
-        </a:xfrm>
-      </p:grpSpPr>
-      <p:sp>
-        <p:nvSpPr>
-          <p:cNvPr id="2" name="Slide Image Placeholder 1"/>
-          <p:cNvSpPr>
-            <a:spLocks noGrp="1" noRot="1" noChangeAspect="1"/>
-          </p:cNvSpPr>
-          <p:nvPr>
-            <p:ph type="sldImg"/>
-          </p:nvPr>
-        </p:nvSpPr>
-        <p:spPr/>
-      </p:sp>
-      <p:sp>
-        <p:nvSpPr>
-          <p:cNvPr id="3" name="Notes Placeholder 2"/>
-          <p:cNvSpPr>
-            <a:spLocks noGrp="1"/>
-          </p:cNvSpPr>
-          <p:nvPr>
-            <p:ph type="body" idx="1"/>
-          </p:nvPr>
-        </p:nvSpPr>
-        <p:spPr/>
-        <p:txBody>
-          <a:bodyPr/>
-          <a:lstStyle/>
-          <a:p>
-            <a:pPr marL="285750" indent="-285750">
-              <a:buFont typeface="Arial" panose="020B0604020202020204" pitchFamily="34" charset="0"/>
-              <a:buChar char="•"/>
-            </a:pPr>
-            <a:r>
-              <a:rPr lang="en-US" sz="1200" dirty="0"/>
-              <a:t>Juggling different groups can quickly become a chore without the proper tools.</a:t>
-            </a:r>
-          </a:p>
-          <a:p>
-            <a:pPr marL="285750" indent="-285750">
-              <a:buFont typeface="Arial" panose="020B0604020202020204" pitchFamily="34" charset="0"/>
-              <a:buChar char="•"/>
-            </a:pPr>
-            <a:endParaRPr lang="en-US" sz="1200" dirty="0"/>
-          </a:p>
-          <a:p>
-            <a:pPr marL="285750" indent="-285750">
-              <a:buFont typeface="Arial" panose="020B0604020202020204" pitchFamily="34" charset="0"/>
-              <a:buChar char="•"/>
-            </a:pPr>
-            <a:r>
-              <a:rPr lang="en-US" sz="1200" dirty="0"/>
-              <a:t>Slack allows you to have multiple workspaces at once, with a user-friendly UI to jump between all your groups.</a:t>
-            </a:r>
-          </a:p>
-          <a:p>
-            <a:pPr marL="285750" indent="-285750">
-              <a:buFont typeface="Arial" panose="020B0604020202020204" pitchFamily="34" charset="0"/>
-              <a:buChar char="•"/>
-            </a:pPr>
-            <a:endParaRPr lang="en-US" sz="1200" dirty="0"/>
-          </a:p>
-          <a:p>
-            <a:pPr marL="285750" indent="-285750">
-              <a:buFont typeface="Arial" panose="020B0604020202020204" pitchFamily="34" charset="0"/>
-              <a:buChar char="•"/>
-            </a:pPr>
-            <a:r>
-              <a:rPr lang="en-US" sz="1200" dirty="0"/>
-              <a:t>Having clearly defined workspaces allows for easy transitioning from one group to another. </a:t>
-            </a:r>
-          </a:p>
-          <a:p>
-            <a:endParaRPr lang="en-US" dirty="0"/>
-          </a:p>
-          <a:p>
-            <a:r>
-              <a:rPr lang="en-US" dirty="0"/>
-              <a:t>(At FSCJ it can get to be a little much if you are taking multiple IT classes at the same time. Slack allows a handy workspace system to jump between your groups of peers.)</a:t>
-            </a:r>
-          </a:p>
-        </p:txBody>
-      </p:sp>
-      <p:sp>
-        <p:nvSpPr>
-          <p:cNvPr id="4" name="Slide Number Placeholder 3"/>
-          <p:cNvSpPr>
-            <a:spLocks noGrp="1"/>
-          </p:cNvSpPr>
-          <p:nvPr>
-            <p:ph type="sldNum" sz="quarter" idx="5"/>
-          </p:nvPr>
-        </p:nvSpPr>
-        <p:spPr/>
-        <p:txBody>
-          <a:bodyPr/>
-          <a:lstStyle/>
-          <a:p>
-            <a:pPr marL="0" marR="0" lvl="0" indent="0" algn="r" defTabSz="914400" rtl="0" eaLnBrk="1" fontAlgn="auto" latinLnBrk="0" hangingPunct="1">
-              <a:lnSpc>
-                <a:spcPct val="100000"/>
-              </a:lnSpc>
-              <a:spcBef>
-                <a:spcPts val="0"/>
-              </a:spcBef>
-              <a:spcAft>
-                <a:spcPts val="0"/>
-              </a:spcAft>
-              <a:buClrTx/>
-              <a:buSzTx/>
-              <a:buFontTx/>
-              <a:buNone/>
-              <a:tabLst/>
-              <a:defRPr/>
-            </a:pPr>
-            <a:fld id="{AE9ECEFE-5C53-4261-924B-F0AA5F7E0BB8}" type="slidenum">
-              <a:rPr kumimoji="0" lang="en-US" sz="1200" b="0" i="0" u="none" strike="noStrike" kern="1200" cap="none" spc="0" normalizeH="0" baseline="0" noProof="0" smtClean="0">
-                <a:ln>
-                  <a:noFill/>
-                </a:ln>
-                <a:solidFill>
-                  <a:prstClr val="black"/>
-                </a:solidFill>
-                <a:effectLst/>
-                <a:uLnTx/>
-                <a:uFillTx/>
-                <a:latin typeface="Calibri" panose="020F0502020204030204"/>
-                <a:ea typeface="+mn-ea"/>
-                <a:cs typeface="+mn-cs"/>
-              </a:rPr>
-              <a:pPr marL="0" marR="0" lvl="0" indent="0" algn="r" defTabSz="914400" rtl="0" eaLnBrk="1" fontAlgn="auto" latinLnBrk="0" hangingPunct="1">
-                <a:lnSpc>
-                  <a:spcPct val="100000"/>
-                </a:lnSpc>
-                <a:spcBef>
-                  <a:spcPts val="0"/>
-                </a:spcBef>
-                <a:spcAft>
-                  <a:spcPts val="0"/>
-                </a:spcAft>
-                <a:buClrTx/>
-                <a:buSzTx/>
-                <a:buFontTx/>
-                <a:buNone/>
-                <a:tabLst/>
-                <a:defRPr/>
-              </a:pPr>
-              <a:t>14</a:t>
-            </a:fld>
-            <a:endParaRPr kumimoji="0" lang="en-US" sz="1200" b="0" i="0" u="none" strike="noStrike" kern="1200" cap="none" spc="0" normalizeH="0" baseline="0" noProof="0">
-              <a:ln>
-                <a:noFill/>
-              </a:ln>
-              <a:solidFill>
-                <a:prstClr val="black"/>
-              </a:solidFill>
-              <a:effectLst/>
-              <a:uLnTx/>
-              <a:uFillTx/>
-              <a:latin typeface="Calibri" panose="020F0502020204030204"/>
-              <a:ea typeface="+mn-ea"/>
-              <a:cs typeface="+mn-cs"/>
-            </a:endParaRPr>
-          </a:p>
-        </p:txBody>
-      </p:sp>
-    </p:spTree>
-    <p:extLst>
-      <p:ext uri="{BB962C8B-B14F-4D97-AF65-F5344CB8AC3E}">
-        <p14:creationId xmlns:p14="http://schemas.microsoft.com/office/powerpoint/2010/main" val="1973195403"/>
-      </p:ext>
-    </p:extLst>
-  </p:cSld>
-  <p:clrMapOvr>
-    <a:masterClrMapping/>
-  </p:clrMapOvr>
-</p:notes>
-</file>
-
-<file path=ppt/notesSlides/notesSlide4.xml><?xml version="1.0" encoding="utf-8"?>
-<p:notes xmlns:a="http://schemas.openxmlformats.org/drawingml/2006/main" xmlns:r="http://schemas.openxmlformats.org/officeDocument/2006/relationships" xmlns:p="http://schemas.openxmlformats.org/presentationml/2006/main">
-  <p:cSld>
-    <p:spTree>
-      <p:nvGrpSpPr>
-        <p:cNvPr id="1" name=""/>
-        <p:cNvGrpSpPr/>
-        <p:nvPr/>
-      </p:nvGrpSpPr>
-      <p:grpSpPr>
-        <a:xfrm>
-          <a:off x="0" y="0"/>
-          <a:ext cx="0" cy="0"/>
-          <a:chOff x="0" y="0"/>
-          <a:chExt cx="0" cy="0"/>
-        </a:xfrm>
-      </p:grpSpPr>
-      <p:sp>
-        <p:nvSpPr>
-          <p:cNvPr id="2" name="Slide Image Placeholder 1"/>
-          <p:cNvSpPr>
-            <a:spLocks noGrp="1" noRot="1" noChangeAspect="1"/>
-          </p:cNvSpPr>
-          <p:nvPr>
-            <p:ph type="sldImg"/>
-          </p:nvPr>
-        </p:nvSpPr>
-        <p:spPr/>
-      </p:sp>
-      <p:sp>
-        <p:nvSpPr>
-          <p:cNvPr id="3" name="Notes Placeholder 2"/>
-          <p:cNvSpPr>
-            <a:spLocks noGrp="1"/>
-          </p:cNvSpPr>
-          <p:nvPr>
-            <p:ph type="body" idx="1"/>
-          </p:nvPr>
-        </p:nvSpPr>
-        <p:spPr/>
-        <p:txBody>
-          <a:bodyPr/>
-          <a:lstStyle/>
-          <a:p>
-            <a:pPr marL="285750" indent="-285750">
-              <a:buFont typeface="Arial" panose="020B0604020202020204" pitchFamily="34" charset="0"/>
-              <a:buChar char="•"/>
-            </a:pPr>
-            <a:r>
-              <a:rPr lang="en-US" sz="1200" dirty="0"/>
-              <a:t>One of the most noticeable things about Slack is the customization that is possible through their add-on apps!</a:t>
-            </a:r>
-          </a:p>
-          <a:p>
-            <a:pPr marL="285750" indent="-285750">
-              <a:buFont typeface="Arial" panose="020B0604020202020204" pitchFamily="34" charset="0"/>
-              <a:buChar char="•"/>
-            </a:pPr>
-            <a:endParaRPr lang="en-US" sz="1200" dirty="0"/>
-          </a:p>
-          <a:p>
-            <a:pPr marL="285750" indent="-285750">
-              <a:buFont typeface="Arial" panose="020B0604020202020204" pitchFamily="34" charset="0"/>
-              <a:buChar char="•"/>
-            </a:pPr>
-            <a:r>
-              <a:rPr lang="en-US" sz="1200" dirty="0"/>
-              <a:t>There are thousands of useful apps that can be added to a Slack workspace that supports the task your group is trying to accomplish.</a:t>
-            </a:r>
-          </a:p>
-          <a:p>
-            <a:pPr marL="285750" indent="-285750">
-              <a:buFont typeface="Arial" panose="020B0604020202020204" pitchFamily="34" charset="0"/>
-              <a:buChar char="•"/>
-            </a:pPr>
-            <a:endParaRPr lang="en-US" sz="1200" dirty="0"/>
-          </a:p>
-          <a:p>
-            <a:pPr marL="285750" indent="-285750">
-              <a:buFont typeface="Arial" panose="020B0604020202020204" pitchFamily="34" charset="0"/>
-              <a:buChar char="•"/>
-            </a:pPr>
-            <a:r>
-              <a:rPr lang="en-US" sz="1200" dirty="0"/>
-              <a:t>This customization allows for adaptation to different technologies and for an ever-changing Agile environment.</a:t>
-            </a:r>
-          </a:p>
-          <a:p>
-            <a:endParaRPr lang="en-US" dirty="0"/>
-          </a:p>
-        </p:txBody>
-      </p:sp>
-      <p:sp>
-        <p:nvSpPr>
-          <p:cNvPr id="4" name="Slide Number Placeholder 3"/>
-          <p:cNvSpPr>
-            <a:spLocks noGrp="1"/>
-          </p:cNvSpPr>
-          <p:nvPr>
-            <p:ph type="sldNum" sz="quarter" idx="5"/>
-          </p:nvPr>
-        </p:nvSpPr>
-        <p:spPr/>
-        <p:txBody>
-          <a:bodyPr/>
-          <a:lstStyle/>
-          <a:p>
-            <a:pPr marL="0" marR="0" lvl="0" indent="0" algn="r" defTabSz="914400" rtl="0" eaLnBrk="1" fontAlgn="auto" latinLnBrk="0" hangingPunct="1">
-              <a:lnSpc>
-                <a:spcPct val="100000"/>
-              </a:lnSpc>
-              <a:spcBef>
-                <a:spcPts val="0"/>
-              </a:spcBef>
-              <a:spcAft>
-                <a:spcPts val="0"/>
-              </a:spcAft>
-              <a:buClrTx/>
-              <a:buSzTx/>
-              <a:buFontTx/>
-              <a:buNone/>
-              <a:tabLst/>
-              <a:defRPr/>
-            </a:pPr>
-            <a:fld id="{AE9ECEFE-5C53-4261-924B-F0AA5F7E0BB8}" type="slidenum">
-              <a:rPr kumimoji="0" lang="en-US" sz="1200" b="0" i="0" u="none" strike="noStrike" kern="1200" cap="none" spc="0" normalizeH="0" baseline="0" noProof="0" smtClean="0">
-                <a:ln>
-                  <a:noFill/>
-                </a:ln>
-                <a:solidFill>
-                  <a:prstClr val="black"/>
-                </a:solidFill>
-                <a:effectLst/>
-                <a:uLnTx/>
-                <a:uFillTx/>
-                <a:latin typeface="Calibri" panose="020F0502020204030204"/>
-                <a:ea typeface="+mn-ea"/>
-                <a:cs typeface="+mn-cs"/>
-              </a:rPr>
-              <a:pPr marL="0" marR="0" lvl="0" indent="0" algn="r" defTabSz="914400" rtl="0" eaLnBrk="1" fontAlgn="auto" latinLnBrk="0" hangingPunct="1">
-                <a:lnSpc>
-                  <a:spcPct val="100000"/>
-                </a:lnSpc>
-                <a:spcBef>
-                  <a:spcPts val="0"/>
-                </a:spcBef>
-                <a:spcAft>
-                  <a:spcPts val="0"/>
-                </a:spcAft>
-                <a:buClrTx/>
-                <a:buSzTx/>
-                <a:buFontTx/>
-                <a:buNone/>
-                <a:tabLst/>
-                <a:defRPr/>
-              </a:pPr>
-              <a:t>15</a:t>
-            </a:fld>
-            <a:endParaRPr kumimoji="0" lang="en-US" sz="1200" b="0" i="0" u="none" strike="noStrike" kern="1200" cap="none" spc="0" normalizeH="0" baseline="0" noProof="0">
-              <a:ln>
-                <a:noFill/>
-              </a:ln>
-              <a:solidFill>
-                <a:prstClr val="black"/>
-              </a:solidFill>
-              <a:effectLst/>
-              <a:uLnTx/>
-              <a:uFillTx/>
-              <a:latin typeface="Calibri" panose="020F0502020204030204"/>
-              <a:ea typeface="+mn-ea"/>
-              <a:cs typeface="+mn-cs"/>
-            </a:endParaRPr>
-          </a:p>
-        </p:txBody>
-      </p:sp>
-    </p:spTree>
-    <p:extLst>
-      <p:ext uri="{BB962C8B-B14F-4D97-AF65-F5344CB8AC3E}">
-        <p14:creationId xmlns:p14="http://schemas.microsoft.com/office/powerpoint/2010/main" val="1117955501"/>
-      </p:ext>
-    </p:extLst>
-  </p:cSld>
-  <p:clrMapOvr>
-    <a:masterClrMapping/>
-  </p:clrMapOvr>
-</p:notes>
-</file>
-
-<file path=ppt/notesSlides/notesSlide5.xml><?xml version="1.0" encoding="utf-8"?>
-<p:notes xmlns:a="http://schemas.openxmlformats.org/drawingml/2006/main" xmlns:r="http://schemas.openxmlformats.org/officeDocument/2006/relationships" xmlns:p="http://schemas.openxmlformats.org/presentationml/2006/main">
-  <p:cSld>
-    <p:spTree>
-      <p:nvGrpSpPr>
-        <p:cNvPr id="1" name=""/>
-        <p:cNvGrpSpPr/>
-        <p:nvPr/>
-      </p:nvGrpSpPr>
-      <p:grpSpPr>
-        <a:xfrm>
-          <a:off x="0" y="0"/>
-          <a:ext cx="0" cy="0"/>
-          <a:chOff x="0" y="0"/>
-          <a:chExt cx="0" cy="0"/>
-        </a:xfrm>
-      </p:grpSpPr>
-      <p:sp>
-        <p:nvSpPr>
-          <p:cNvPr id="2" name="Slide Image Placeholder 1"/>
-          <p:cNvSpPr>
-            <a:spLocks noGrp="1" noRot="1" noChangeAspect="1"/>
-          </p:cNvSpPr>
-          <p:nvPr>
-            <p:ph type="sldImg"/>
-          </p:nvPr>
-        </p:nvSpPr>
-        <p:spPr/>
-      </p:sp>
-      <p:sp>
-        <p:nvSpPr>
-          <p:cNvPr id="3" name="Notes Placeholder 2"/>
-          <p:cNvSpPr>
-            <a:spLocks noGrp="1"/>
-          </p:cNvSpPr>
-          <p:nvPr>
-            <p:ph type="body" idx="1"/>
-          </p:nvPr>
-        </p:nvSpPr>
-        <p:spPr/>
-        <p:txBody>
-          <a:bodyPr/>
-          <a:lstStyle/>
-          <a:p>
-            <a:pPr marL="285750" indent="-285750">
-              <a:buFont typeface="Arial" panose="020B0604020202020204" pitchFamily="34" charset="0"/>
-              <a:buChar char="•"/>
-            </a:pPr>
-            <a:r>
-              <a:rPr lang="en-US" sz="1200" dirty="0"/>
-              <a:t>How often have you gone to push your code only to see that you need to pull the new updated first?</a:t>
-            </a:r>
-          </a:p>
-          <a:p>
-            <a:pPr marL="285750" indent="-285750">
-              <a:buFont typeface="Arial" panose="020B0604020202020204" pitchFamily="34" charset="0"/>
-              <a:buChar char="•"/>
-            </a:pPr>
-            <a:endParaRPr lang="en-US" sz="1200" dirty="0"/>
-          </a:p>
-          <a:p>
-            <a:pPr marL="285750" indent="-285750">
-              <a:buFont typeface="Arial" panose="020B0604020202020204" pitchFamily="34" charset="0"/>
-              <a:buChar char="•"/>
-            </a:pPr>
-            <a:r>
-              <a:rPr lang="en-US" sz="1200" dirty="0"/>
-              <a:t>Some of our groups have utilized the GitHub plugin for Slack. This allows the group to be up to date with every update and change happening.</a:t>
-            </a:r>
-          </a:p>
-          <a:p>
-            <a:pPr marL="285750" indent="-285750">
-              <a:buFont typeface="Arial" panose="020B0604020202020204" pitchFamily="34" charset="0"/>
-              <a:buChar char="•"/>
-            </a:pPr>
-            <a:endParaRPr lang="en-US" sz="1200" dirty="0"/>
-          </a:p>
-          <a:p>
-            <a:pPr marL="285750" indent="-285750">
-              <a:buFont typeface="Arial" panose="020B0604020202020204" pitchFamily="34" charset="0"/>
-              <a:buChar char="•"/>
-            </a:pPr>
-            <a:r>
-              <a:rPr lang="en-US" sz="1200" dirty="0"/>
-              <a:t>This allows cohesion of progress updates when the group reconvenes to discuss the next steps!</a:t>
-            </a:r>
-          </a:p>
-          <a:p>
-            <a:endParaRPr lang="en-US" dirty="0"/>
-          </a:p>
-        </p:txBody>
-      </p:sp>
-      <p:sp>
-        <p:nvSpPr>
-          <p:cNvPr id="4" name="Slide Number Placeholder 3"/>
-          <p:cNvSpPr>
-            <a:spLocks noGrp="1"/>
-          </p:cNvSpPr>
-          <p:nvPr>
-            <p:ph type="sldNum" sz="quarter" idx="5"/>
-          </p:nvPr>
-        </p:nvSpPr>
-        <p:spPr/>
-        <p:txBody>
-          <a:bodyPr/>
-          <a:lstStyle/>
-          <a:p>
-            <a:pPr marL="0" marR="0" lvl="0" indent="0" algn="r" defTabSz="914400" rtl="0" eaLnBrk="1" fontAlgn="auto" latinLnBrk="0" hangingPunct="1">
-              <a:lnSpc>
-                <a:spcPct val="100000"/>
-              </a:lnSpc>
-              <a:spcBef>
-                <a:spcPts val="0"/>
-              </a:spcBef>
-              <a:spcAft>
-                <a:spcPts val="0"/>
-              </a:spcAft>
-              <a:buClrTx/>
-              <a:buSzTx/>
-              <a:buFontTx/>
-              <a:buNone/>
-              <a:tabLst/>
-              <a:defRPr/>
-            </a:pPr>
-            <a:fld id="{AE9ECEFE-5C53-4261-924B-F0AA5F7E0BB8}" type="slidenum">
-              <a:rPr kumimoji="0" lang="en-US" sz="1200" b="0" i="0" u="none" strike="noStrike" kern="1200" cap="none" spc="0" normalizeH="0" baseline="0" noProof="0" smtClean="0">
-                <a:ln>
-                  <a:noFill/>
-                </a:ln>
-                <a:solidFill>
-                  <a:prstClr val="black"/>
-                </a:solidFill>
-                <a:effectLst/>
-                <a:uLnTx/>
-                <a:uFillTx/>
-                <a:latin typeface="Calibri" panose="020F0502020204030204"/>
-                <a:ea typeface="+mn-ea"/>
-                <a:cs typeface="+mn-cs"/>
-              </a:rPr>
-              <a:pPr marL="0" marR="0" lvl="0" indent="0" algn="r" defTabSz="914400" rtl="0" eaLnBrk="1" fontAlgn="auto" latinLnBrk="0" hangingPunct="1">
-                <a:lnSpc>
-                  <a:spcPct val="100000"/>
-                </a:lnSpc>
-                <a:spcBef>
-                  <a:spcPts val="0"/>
-                </a:spcBef>
-                <a:spcAft>
-                  <a:spcPts val="0"/>
-                </a:spcAft>
-                <a:buClrTx/>
-                <a:buSzTx/>
-                <a:buFontTx/>
-                <a:buNone/>
-                <a:tabLst/>
-                <a:defRPr/>
-              </a:pPr>
-              <a:t>16</a:t>
-            </a:fld>
-            <a:endParaRPr kumimoji="0" lang="en-US" sz="1200" b="0" i="0" u="none" strike="noStrike" kern="1200" cap="none" spc="0" normalizeH="0" baseline="0" noProof="0">
-              <a:ln>
-                <a:noFill/>
-              </a:ln>
-              <a:solidFill>
-                <a:prstClr val="black"/>
-              </a:solidFill>
-              <a:effectLst/>
-              <a:uLnTx/>
-              <a:uFillTx/>
-              <a:latin typeface="Calibri" panose="020F0502020204030204"/>
-              <a:ea typeface="+mn-ea"/>
-              <a:cs typeface="+mn-cs"/>
-            </a:endParaRPr>
-          </a:p>
-        </p:txBody>
-      </p:sp>
-    </p:spTree>
-    <p:extLst>
-      <p:ext uri="{BB962C8B-B14F-4D97-AF65-F5344CB8AC3E}">
-        <p14:creationId xmlns:p14="http://schemas.microsoft.com/office/powerpoint/2010/main" val="2657851505"/>
-      </p:ext>
-    </p:extLst>
-  </p:cSld>
-  <p:clrMapOvr>
-    <a:masterClrMapping/>
-  </p:clrMapOvr>
-</p:notes>
-</file>
-
-<file path=ppt/notesSlides/notesSlide6.xml><?xml version="1.0" encoding="utf-8"?>
-<p:notes xmlns:a="http://schemas.openxmlformats.org/drawingml/2006/main" xmlns:r="http://schemas.openxmlformats.org/officeDocument/2006/relationships" xmlns:p="http://schemas.openxmlformats.org/presentationml/2006/main">
-  <p:cSld>
-    <p:spTree>
-      <p:nvGrpSpPr>
-        <p:cNvPr id="1" name=""/>
-        <p:cNvGrpSpPr/>
-        <p:nvPr/>
-      </p:nvGrpSpPr>
-      <p:grpSpPr>
-        <a:xfrm>
-          <a:off x="0" y="0"/>
-          <a:ext cx="0" cy="0"/>
-          <a:chOff x="0" y="0"/>
-          <a:chExt cx="0" cy="0"/>
-        </a:xfrm>
-      </p:grpSpPr>
-      <p:sp>
-        <p:nvSpPr>
-          <p:cNvPr id="2" name="Slide Image Placeholder 1"/>
-          <p:cNvSpPr>
-            <a:spLocks noGrp="1" noRot="1" noChangeAspect="1"/>
-          </p:cNvSpPr>
-          <p:nvPr>
-            <p:ph type="sldImg"/>
-          </p:nvPr>
-        </p:nvSpPr>
-        <p:spPr/>
-      </p:sp>
-      <p:sp>
-        <p:nvSpPr>
-          <p:cNvPr id="3" name="Notes Placeholder 2"/>
-          <p:cNvSpPr>
-            <a:spLocks noGrp="1"/>
-          </p:cNvSpPr>
-          <p:nvPr>
-            <p:ph type="body" idx="1"/>
-          </p:nvPr>
-        </p:nvSpPr>
-        <p:spPr/>
-        <p:txBody>
-          <a:bodyPr/>
-          <a:lstStyle/>
-          <a:p>
-            <a:pPr marL="285750" indent="-285750">
-              <a:buFont typeface="Arial" panose="020B0604020202020204" pitchFamily="34" charset="0"/>
-              <a:buChar char="•"/>
-            </a:pPr>
-            <a:r>
-              <a:rPr lang="en-US" sz="1200" dirty="0"/>
-              <a:t>By utilizing the Slack Huddle feature our groups are able to have a live collaboration on demand.</a:t>
-            </a:r>
-          </a:p>
-          <a:p>
-            <a:pPr marL="285750" indent="-285750">
-              <a:buFont typeface="Arial" panose="020B0604020202020204" pitchFamily="34" charset="0"/>
-              <a:buChar char="•"/>
-            </a:pPr>
-            <a:endParaRPr lang="en-US" sz="1200" dirty="0"/>
-          </a:p>
-          <a:p>
-            <a:pPr marL="285750" indent="-285750">
-              <a:buFont typeface="Arial" panose="020B0604020202020204" pitchFamily="34" charset="0"/>
-              <a:buChar char="•"/>
-            </a:pPr>
-            <a:r>
-              <a:rPr lang="en-US" sz="1200" dirty="0"/>
-              <a:t>If there is any confusion to the project at hand there can be clarification in the matter of seconds!</a:t>
-            </a:r>
-          </a:p>
-          <a:p>
-            <a:pPr marL="285750" indent="-285750">
-              <a:buFont typeface="Arial" panose="020B0604020202020204" pitchFamily="34" charset="0"/>
-              <a:buChar char="•"/>
-            </a:pPr>
-            <a:endParaRPr lang="en-US" sz="1200" dirty="0"/>
-          </a:p>
-          <a:p>
-            <a:pPr marL="285750" indent="-285750">
-              <a:buFont typeface="Arial" panose="020B0604020202020204" pitchFamily="34" charset="0"/>
-              <a:buChar char="•"/>
-            </a:pPr>
-            <a:r>
-              <a:rPr lang="en-US" sz="1200" dirty="0"/>
-              <a:t>The cliché goes that a picture speaks a thousands words. So 30fps screen sharing should speak about 30,000 words per second. (pause for laughter)</a:t>
-            </a:r>
-          </a:p>
-          <a:p>
-            <a:endParaRPr lang="en-US" dirty="0"/>
-          </a:p>
-        </p:txBody>
-      </p:sp>
-      <p:sp>
-        <p:nvSpPr>
-          <p:cNvPr id="4" name="Slide Number Placeholder 3"/>
-          <p:cNvSpPr>
-            <a:spLocks noGrp="1"/>
-          </p:cNvSpPr>
-          <p:nvPr>
-            <p:ph type="sldNum" sz="quarter" idx="5"/>
-          </p:nvPr>
-        </p:nvSpPr>
-        <p:spPr/>
-        <p:txBody>
-          <a:bodyPr/>
-          <a:lstStyle/>
-          <a:p>
-            <a:pPr marL="0" marR="0" lvl="0" indent="0" algn="r" defTabSz="914400" rtl="0" eaLnBrk="1" fontAlgn="auto" latinLnBrk="0" hangingPunct="1">
-              <a:lnSpc>
-                <a:spcPct val="100000"/>
-              </a:lnSpc>
-              <a:spcBef>
-                <a:spcPts val="0"/>
-              </a:spcBef>
-              <a:spcAft>
-                <a:spcPts val="0"/>
-              </a:spcAft>
-              <a:buClrTx/>
-              <a:buSzTx/>
-              <a:buFontTx/>
-              <a:buNone/>
-              <a:tabLst/>
-              <a:defRPr/>
-            </a:pPr>
-            <a:fld id="{AE9ECEFE-5C53-4261-924B-F0AA5F7E0BB8}" type="slidenum">
-              <a:rPr kumimoji="0" lang="en-US" sz="1200" b="0" i="0" u="none" strike="noStrike" kern="1200" cap="none" spc="0" normalizeH="0" baseline="0" noProof="0" smtClean="0">
-                <a:ln>
-                  <a:noFill/>
-                </a:ln>
-                <a:solidFill>
-                  <a:prstClr val="black"/>
-                </a:solidFill>
-                <a:effectLst/>
-                <a:uLnTx/>
-                <a:uFillTx/>
-                <a:latin typeface="Calibri" panose="020F0502020204030204"/>
-                <a:ea typeface="+mn-ea"/>
-                <a:cs typeface="+mn-cs"/>
-              </a:rPr>
-              <a:pPr marL="0" marR="0" lvl="0" indent="0" algn="r" defTabSz="914400" rtl="0" eaLnBrk="1" fontAlgn="auto" latinLnBrk="0" hangingPunct="1">
-                <a:lnSpc>
-                  <a:spcPct val="100000"/>
-                </a:lnSpc>
-                <a:spcBef>
-                  <a:spcPts val="0"/>
-                </a:spcBef>
-                <a:spcAft>
-                  <a:spcPts val="0"/>
-                </a:spcAft>
-                <a:buClrTx/>
-                <a:buSzTx/>
-                <a:buFontTx/>
-                <a:buNone/>
-                <a:tabLst/>
-                <a:defRPr/>
-              </a:pPr>
-              <a:t>17</a:t>
-            </a:fld>
-            <a:endParaRPr kumimoji="0" lang="en-US" sz="1200" b="0" i="0" u="none" strike="noStrike" kern="1200" cap="none" spc="0" normalizeH="0" baseline="0" noProof="0">
-              <a:ln>
-                <a:noFill/>
-              </a:ln>
-              <a:solidFill>
-                <a:prstClr val="black"/>
-              </a:solidFill>
-              <a:effectLst/>
-              <a:uLnTx/>
-              <a:uFillTx/>
-              <a:latin typeface="Calibri" panose="020F0502020204030204"/>
-              <a:ea typeface="+mn-ea"/>
-              <a:cs typeface="+mn-cs"/>
-            </a:endParaRPr>
-          </a:p>
-        </p:txBody>
-      </p:sp>
-    </p:spTree>
-    <p:extLst>
-      <p:ext uri="{BB962C8B-B14F-4D97-AF65-F5344CB8AC3E}">
-        <p14:creationId xmlns:p14="http://schemas.microsoft.com/office/powerpoint/2010/main" val="3548995294"/>
-      </p:ext>
-    </p:extLst>
-  </p:cSld>
-  <p:clrMapOvr>
-    <a:masterClrMapping/>
-  </p:clrMapOvr>
-</p:notes>
-</file>
-
-<file path=ppt/notesSlides/notesSlide7.xml><?xml version="1.0" encoding="utf-8"?>
-<p:notes xmlns:a="http://schemas.openxmlformats.org/drawingml/2006/main" xmlns:r="http://schemas.openxmlformats.org/officeDocument/2006/relationships" xmlns:p="http://schemas.openxmlformats.org/presentationml/2006/main">
-  <p:cSld>
-    <p:spTree>
-      <p:nvGrpSpPr>
-        <p:cNvPr id="1" name=""/>
-        <p:cNvGrpSpPr/>
-        <p:nvPr/>
-      </p:nvGrpSpPr>
-      <p:grpSpPr>
-        <a:xfrm>
-          <a:off x="0" y="0"/>
-          <a:ext cx="0" cy="0"/>
-          <a:chOff x="0" y="0"/>
-          <a:chExt cx="0" cy="0"/>
-        </a:xfrm>
-      </p:grpSpPr>
-      <p:sp>
-        <p:nvSpPr>
-          <p:cNvPr id="2" name="Slide Image Placeholder 1"/>
-          <p:cNvSpPr>
-            <a:spLocks noGrp="1" noRot="1" noChangeAspect="1"/>
-          </p:cNvSpPr>
-          <p:nvPr>
-            <p:ph type="sldImg"/>
-          </p:nvPr>
-        </p:nvSpPr>
-        <p:spPr/>
-      </p:sp>
-      <p:sp>
-        <p:nvSpPr>
-          <p:cNvPr id="3" name="Notes Placeholder 2"/>
-          <p:cNvSpPr>
-            <a:spLocks noGrp="1"/>
-          </p:cNvSpPr>
-          <p:nvPr>
-            <p:ph type="body" idx="1"/>
-          </p:nvPr>
-        </p:nvSpPr>
-        <p:spPr/>
-        <p:txBody>
-          <a:bodyPr/>
-          <a:lstStyle/>
-          <a:p>
-            <a:pPr marL="285750" indent="-285750">
-              <a:buFont typeface="Arial" panose="020B0604020202020204" pitchFamily="34" charset="0"/>
-              <a:buChar char="•"/>
-            </a:pPr>
-            <a:r>
-              <a:rPr lang="en-US" sz="1200" dirty="0"/>
-              <a:t>Sometimes our computer notifications can cause a bit of a stressful spike in our bodies when we hear that jingle or notification noise. (pop </a:t>
-            </a:r>
-            <a:r>
-              <a:rPr lang="en-US" sz="1200" dirty="0" err="1"/>
-              <a:t>pop</a:t>
-            </a:r>
-            <a:r>
-              <a:rPr lang="en-US" sz="1200" dirty="0"/>
-              <a:t> </a:t>
-            </a:r>
-            <a:r>
-              <a:rPr lang="en-US" sz="1200" dirty="0" err="1"/>
-              <a:t>pop</a:t>
-            </a:r>
-            <a:r>
-              <a:rPr lang="en-US" sz="1200" dirty="0"/>
-              <a:t> brush </a:t>
-            </a:r>
-            <a:r>
-              <a:rPr lang="en-US" sz="1200" dirty="0" err="1"/>
-              <a:t>brush</a:t>
-            </a:r>
-            <a:r>
-              <a:rPr lang="en-US" sz="1200" dirty="0"/>
-              <a:t> brush)</a:t>
-            </a:r>
-          </a:p>
-          <a:p>
-            <a:pPr marL="285750" indent="-285750">
-              <a:buFont typeface="Arial" panose="020B0604020202020204" pitchFamily="34" charset="0"/>
-              <a:buChar char="•"/>
-            </a:pPr>
-            <a:endParaRPr lang="en-US" sz="1200" dirty="0"/>
-          </a:p>
-          <a:p>
-            <a:pPr marL="285750" indent="-285750">
-              <a:buFont typeface="Arial" panose="020B0604020202020204" pitchFamily="34" charset="0"/>
-              <a:buChar char="•"/>
-            </a:pPr>
-            <a:r>
-              <a:rPr lang="en-US" sz="1200" dirty="0"/>
-              <a:t>In a healthy group setting, those notifications can perk you up and bring motivation to your work-flow!</a:t>
-            </a:r>
-          </a:p>
-          <a:p>
-            <a:pPr marL="285750" indent="-285750">
-              <a:buFont typeface="Arial" panose="020B0604020202020204" pitchFamily="34" charset="0"/>
-              <a:buChar char="•"/>
-            </a:pPr>
-            <a:endParaRPr lang="en-US" sz="1200" dirty="0"/>
-          </a:p>
-          <a:p>
-            <a:pPr marL="285750" indent="-285750">
-              <a:buFont typeface="Arial" panose="020B0604020202020204" pitchFamily="34" charset="0"/>
-              <a:buChar char="•"/>
-            </a:pPr>
-            <a:r>
-              <a:rPr lang="en-US" sz="1200" dirty="0"/>
-              <a:t>Efficiency is always important, especially in the tech world. However, we find our group is most efficient when we are all laughing with each other.</a:t>
-            </a:r>
-          </a:p>
-          <a:p>
-            <a:endParaRPr lang="en-US" dirty="0"/>
-          </a:p>
-        </p:txBody>
-      </p:sp>
-      <p:sp>
-        <p:nvSpPr>
-          <p:cNvPr id="4" name="Slide Number Placeholder 3"/>
-          <p:cNvSpPr>
-            <a:spLocks noGrp="1"/>
-          </p:cNvSpPr>
-          <p:nvPr>
-            <p:ph type="sldNum" sz="quarter" idx="5"/>
-          </p:nvPr>
-        </p:nvSpPr>
-        <p:spPr/>
-        <p:txBody>
-          <a:bodyPr/>
-          <a:lstStyle/>
-          <a:p>
-            <a:pPr marL="0" marR="0" lvl="0" indent="0" algn="r" defTabSz="914400" rtl="0" eaLnBrk="1" fontAlgn="auto" latinLnBrk="0" hangingPunct="1">
-              <a:lnSpc>
-                <a:spcPct val="100000"/>
-              </a:lnSpc>
-              <a:spcBef>
-                <a:spcPts val="0"/>
-              </a:spcBef>
-              <a:spcAft>
-                <a:spcPts val="0"/>
-              </a:spcAft>
-              <a:buClrTx/>
-              <a:buSzTx/>
-              <a:buFontTx/>
-              <a:buNone/>
-              <a:tabLst/>
-              <a:defRPr/>
-            </a:pPr>
-            <a:fld id="{AE9ECEFE-5C53-4261-924B-F0AA5F7E0BB8}" type="slidenum">
-              <a:rPr kumimoji="0" lang="en-US" sz="1200" b="0" i="0" u="none" strike="noStrike" kern="1200" cap="none" spc="0" normalizeH="0" baseline="0" noProof="0" smtClean="0">
-                <a:ln>
-                  <a:noFill/>
-                </a:ln>
-                <a:solidFill>
-                  <a:prstClr val="black"/>
-                </a:solidFill>
-                <a:effectLst/>
-                <a:uLnTx/>
-                <a:uFillTx/>
-                <a:latin typeface="Calibri" panose="020F0502020204030204"/>
-                <a:ea typeface="+mn-ea"/>
-                <a:cs typeface="+mn-cs"/>
-              </a:rPr>
-              <a:pPr marL="0" marR="0" lvl="0" indent="0" algn="r" defTabSz="914400" rtl="0" eaLnBrk="1" fontAlgn="auto" latinLnBrk="0" hangingPunct="1">
-                <a:lnSpc>
-                  <a:spcPct val="100000"/>
-                </a:lnSpc>
-                <a:spcBef>
-                  <a:spcPts val="0"/>
-                </a:spcBef>
-                <a:spcAft>
-                  <a:spcPts val="0"/>
-                </a:spcAft>
-                <a:buClrTx/>
-                <a:buSzTx/>
-                <a:buFontTx/>
-                <a:buNone/>
-                <a:tabLst/>
-                <a:defRPr/>
-              </a:pPr>
-              <a:t>18</a:t>
-            </a:fld>
-            <a:endParaRPr kumimoji="0" lang="en-US" sz="1200" b="0" i="0" u="none" strike="noStrike" kern="1200" cap="none" spc="0" normalizeH="0" baseline="0" noProof="0">
-              <a:ln>
-                <a:noFill/>
-              </a:ln>
-              <a:solidFill>
-                <a:prstClr val="black"/>
-              </a:solidFill>
-              <a:effectLst/>
-              <a:uLnTx/>
-              <a:uFillTx/>
-              <a:latin typeface="Calibri" panose="020F0502020204030204"/>
-              <a:ea typeface="+mn-ea"/>
-              <a:cs typeface="+mn-cs"/>
-            </a:endParaRPr>
-          </a:p>
-        </p:txBody>
-      </p:sp>
-    </p:spTree>
-    <p:extLst>
-      <p:ext uri="{BB962C8B-B14F-4D97-AF65-F5344CB8AC3E}">
-        <p14:creationId xmlns:p14="http://schemas.microsoft.com/office/powerpoint/2010/main" val="2785805056"/>
-      </p:ext>
-    </p:extLst>
-  </p:cSld>
-  <p:clrMapOvr>
-    <a:masterClrMapping/>
-  </p:clrMapOvr>
-</p:notes>
-</file>
-
-<file path=ppt/notesSlides/notesSlide8.xml><?xml version="1.0" encoding="utf-8"?>
-<p:notes xmlns:a="http://schemas.openxmlformats.org/drawingml/2006/main" xmlns:r="http://schemas.openxmlformats.org/officeDocument/2006/relationships" xmlns:p="http://schemas.openxmlformats.org/presentationml/2006/main">
-  <p:cSld>
-    <p:spTree>
-      <p:nvGrpSpPr>
-        <p:cNvPr id="1" name=""/>
-        <p:cNvGrpSpPr/>
-        <p:nvPr/>
-      </p:nvGrpSpPr>
-      <p:grpSpPr>
-        <a:xfrm>
-          <a:off x="0" y="0"/>
-          <a:ext cx="0" cy="0"/>
-          <a:chOff x="0" y="0"/>
-          <a:chExt cx="0" cy="0"/>
-        </a:xfrm>
-      </p:grpSpPr>
-      <p:sp>
-        <p:nvSpPr>
-          <p:cNvPr id="2" name="Slide Image Placeholder 1"/>
-          <p:cNvSpPr>
-            <a:spLocks noGrp="1" noRot="1" noChangeAspect="1"/>
-          </p:cNvSpPr>
-          <p:nvPr>
-            <p:ph type="sldImg"/>
-          </p:nvPr>
-        </p:nvSpPr>
-        <p:spPr/>
-      </p:sp>
-      <p:sp>
-        <p:nvSpPr>
-          <p:cNvPr id="3" name="Notes Placeholder 2"/>
-          <p:cNvSpPr>
-            <a:spLocks noGrp="1"/>
-          </p:cNvSpPr>
-          <p:nvPr>
-            <p:ph type="body" idx="1"/>
-          </p:nvPr>
-        </p:nvSpPr>
-        <p:spPr/>
-        <p:txBody>
-          <a:bodyPr/>
-          <a:lstStyle/>
-          <a:p>
-            <a:endParaRPr lang="en-US"/>
-          </a:p>
-        </p:txBody>
-      </p:sp>
-      <p:sp>
-        <p:nvSpPr>
-          <p:cNvPr id="4" name="Slide Number Placeholder 3"/>
-          <p:cNvSpPr>
-            <a:spLocks noGrp="1"/>
-          </p:cNvSpPr>
-          <p:nvPr>
-            <p:ph type="sldNum" sz="quarter" idx="5"/>
-          </p:nvPr>
-        </p:nvSpPr>
-        <p:spPr/>
-        <p:txBody>
-          <a:bodyPr/>
-          <a:lstStyle/>
-          <a:p>
             <a:fld id="{FCFED414-B8BD-4977-925E-1C2AFAB354A8}" type="slidenum">
               <a:rPr lang="en-US" smtClean="0"/>
-              <a:t>19</a:t>
+              <a:t>15</a:t>
             </a:fld>
             <a:endParaRPr lang="en-US"/>
           </a:p>
@@ -2383,7 +2654,7 @@
           <a:p>
             <a:fld id="{8F7D2F49-1857-4E7D-8050-DC698401AAB7}" type="datetimeFigureOut">
               <a:rPr lang="en-US" smtClean="0"/>
-              <a:t>7/7/2024</a:t>
+              <a:t>7/16/2024</a:t>
             </a:fld>
             <a:endParaRPr lang="en-US"/>
           </a:p>
@@ -3730,7 +4001,7 @@
           <a:p>
             <a:fld id="{8F7D2F49-1857-4E7D-8050-DC698401AAB7}" type="datetimeFigureOut">
               <a:rPr lang="en-US" smtClean="0"/>
-              <a:t>7/7/2024</a:t>
+              <a:t>7/16/2024</a:t>
             </a:fld>
             <a:endParaRPr lang="en-US"/>
           </a:p>
@@ -4893,16 +5164,18 @@
         </p:nvSpPr>
         <p:spPr>
           <a:xfrm>
-            <a:off x="838200" y="290652"/>
-            <a:ext cx="10941908" cy="780769"/>
+            <a:off x="108481" y="167100"/>
+            <a:ext cx="7568226" cy="672872"/>
           </a:xfrm>
         </p:spPr>
         <p:txBody>
-          <a:bodyPr/>
+          <a:bodyPr>
+            <a:normAutofit fontScale="90000"/>
+          </a:bodyPr>
           <a:lstStyle/>
           <a:p>
             <a:r>
-              <a:rPr lang="en-US"/>
+              <a:rPr lang="en-US" dirty="0"/>
               <a:t>Student Experience (Kate Araya)</a:t>
             </a:r>
           </a:p>
@@ -4910,10 +5183,10 @@
       </p:sp>
       <p:sp>
         <p:nvSpPr>
-          <p:cNvPr id="3" name="Content Placeholder 2">
+          <p:cNvPr id="4" name="Content Placeholder 2">
             <a:extLst>
               <a:ext uri="{FF2B5EF4-FFF2-40B4-BE49-F238E27FC236}">
-                <a16:creationId xmlns:a16="http://schemas.microsoft.com/office/drawing/2014/main" id="{8105E254-772A-4AB1-8230-33418D800ECD}"/>
+                <a16:creationId xmlns:a16="http://schemas.microsoft.com/office/drawing/2014/main" id="{A35AB93C-54AE-6295-ABCB-48058A131206}"/>
               </a:ext>
             </a:extLst>
           </p:cNvPr>
@@ -4926,9 +5199,12 @@
         </p:nvSpPr>
         <p:spPr>
           <a:xfrm>
-            <a:off x="838200" y="1071421"/>
-            <a:ext cx="10515600" cy="4851584"/>
+            <a:off x="838200" y="1411739"/>
+            <a:ext cx="10515600" cy="1304567"/>
           </a:xfrm>
+          <a:ln>
+            <a:noFill/>
+          </a:ln>
         </p:spPr>
         <p:txBody>
           <a:bodyPr>
@@ -4936,26 +5212,644 @@
           </a:bodyPr>
           <a:lstStyle/>
           <a:p>
-            <a:pPr marL="169863" indent="-169863">
+            <a:endParaRPr lang="en-US" sz="1800" b="1" kern="0" dirty="0">
+              <a:solidFill>
+                <a:srgbClr val="1D1C1D"/>
+              </a:solidFill>
+              <a:latin typeface="Arial" panose="020B0604020202020204" pitchFamily="34" charset="0"/>
+              <a:ea typeface="Times New Roman" panose="02020603050405020304" pitchFamily="18" charset="0"/>
+            </a:endParaRPr>
+          </a:p>
+          <a:p>
+            <a:pPr marL="0" indent="0">
+              <a:buNone/>
+            </a:pPr>
+            <a:endParaRPr lang="en-US" dirty="0"/>
+          </a:p>
+        </p:txBody>
+      </p:sp>
+      <p:sp>
+        <p:nvSpPr>
+          <p:cNvPr id="5" name="Content Placeholder 2">
+            <a:extLst>
+              <a:ext uri="{FF2B5EF4-FFF2-40B4-BE49-F238E27FC236}">
+                <a16:creationId xmlns:a16="http://schemas.microsoft.com/office/drawing/2014/main" id="{90966C4B-121B-6580-E539-BC3F76FEFE5A}"/>
+              </a:ext>
+            </a:extLst>
+          </p:cNvPr>
+          <p:cNvSpPr txBox="1">
+            <a:spLocks/>
+          </p:cNvSpPr>
+          <p:nvPr/>
+        </p:nvSpPr>
+        <p:spPr>
+          <a:xfrm>
+            <a:off x="838200" y="1605516"/>
+            <a:ext cx="9868786" cy="3168503"/>
+          </a:xfrm>
+          <a:prstGeom prst="rect">
+            <a:avLst/>
+          </a:prstGeom>
+          <a:noFill/>
+          <a:ln>
+            <a:noFill/>
+          </a:ln>
+        </p:spPr>
+        <p:txBody>
+          <a:bodyPr vert="horz" lIns="91440" tIns="45720" rIns="91440" bIns="45720" rtlCol="0">
+            <a:normAutofit/>
+          </a:bodyPr>
+          <a:lstStyle>
+            <a:lvl1pPr marL="228600" indent="-228600" algn="l" defTabSz="914400" rtl="0" eaLnBrk="1" latinLnBrk="0" hangingPunct="1">
               <a:lnSpc>
-                <a:spcPct val="120000"/>
+                <a:spcPct val="90000"/>
+              </a:lnSpc>
+              <a:spcBef>
+                <a:spcPts val="1000"/>
+              </a:spcBef>
+              <a:buFont typeface="Arial" panose="020B0604020202020204" pitchFamily="34" charset="0"/>
+              <a:buChar char="•"/>
+              <a:defRPr sz="2800" kern="1200">
+                <a:solidFill>
+                  <a:schemeClr val="tx1"/>
+                </a:solidFill>
+                <a:latin typeface="+mn-lt"/>
+                <a:ea typeface="+mn-ea"/>
+                <a:cs typeface="+mn-cs"/>
+              </a:defRPr>
+            </a:lvl1pPr>
+            <a:lvl2pPr marL="685800" indent="-228600" algn="l" defTabSz="914400" rtl="0" eaLnBrk="1" latinLnBrk="0" hangingPunct="1">
+              <a:lnSpc>
+                <a:spcPct val="90000"/>
               </a:lnSpc>
               <a:spcBef>
                 <a:spcPts val="500"/>
               </a:spcBef>
+              <a:buFont typeface="Arial" panose="020B0604020202020204" pitchFamily="34" charset="0"/>
+              <a:buChar char="•"/>
+              <a:defRPr sz="2400" kern="1200">
+                <a:solidFill>
+                  <a:schemeClr val="tx1"/>
+                </a:solidFill>
+                <a:latin typeface="+mn-lt"/>
+                <a:ea typeface="+mn-ea"/>
+                <a:cs typeface="+mn-cs"/>
+              </a:defRPr>
+            </a:lvl2pPr>
+            <a:lvl3pPr marL="1143000" indent="-228600" algn="l" defTabSz="914400" rtl="0" eaLnBrk="1" latinLnBrk="0" hangingPunct="1">
+              <a:lnSpc>
+                <a:spcPct val="90000"/>
+              </a:lnSpc>
+              <a:spcBef>
+                <a:spcPts val="500"/>
+              </a:spcBef>
+              <a:buFont typeface="Arial" panose="020B0604020202020204" pitchFamily="34" charset="0"/>
+              <a:buChar char="•"/>
+              <a:defRPr sz="2000" kern="1200">
+                <a:solidFill>
+                  <a:schemeClr val="tx1"/>
+                </a:solidFill>
+                <a:latin typeface="+mn-lt"/>
+                <a:ea typeface="+mn-ea"/>
+                <a:cs typeface="+mn-cs"/>
+              </a:defRPr>
+            </a:lvl3pPr>
+            <a:lvl4pPr marL="1600200" indent="-228600" algn="l" defTabSz="914400" rtl="0" eaLnBrk="1" latinLnBrk="0" hangingPunct="1">
+              <a:lnSpc>
+                <a:spcPct val="90000"/>
+              </a:lnSpc>
+              <a:spcBef>
+                <a:spcPts val="500"/>
+              </a:spcBef>
+              <a:buFont typeface="Arial" panose="020B0604020202020204" pitchFamily="34" charset="0"/>
+              <a:buChar char="•"/>
+              <a:defRPr sz="1800" kern="1200">
+                <a:solidFill>
+                  <a:schemeClr val="tx1"/>
+                </a:solidFill>
+                <a:latin typeface="+mn-lt"/>
+                <a:ea typeface="+mn-ea"/>
+                <a:cs typeface="+mn-cs"/>
+              </a:defRPr>
+            </a:lvl4pPr>
+            <a:lvl5pPr marL="2057400" indent="-228600" algn="l" defTabSz="914400" rtl="0" eaLnBrk="1" latinLnBrk="0" hangingPunct="1">
+              <a:lnSpc>
+                <a:spcPct val="90000"/>
+              </a:lnSpc>
+              <a:spcBef>
+                <a:spcPts val="500"/>
+              </a:spcBef>
+              <a:buFont typeface="Arial" panose="020B0604020202020204" pitchFamily="34" charset="0"/>
+              <a:buChar char="•"/>
+              <a:defRPr sz="1800" kern="1200">
+                <a:solidFill>
+                  <a:schemeClr val="tx1"/>
+                </a:solidFill>
+                <a:latin typeface="+mn-lt"/>
+                <a:ea typeface="+mn-ea"/>
+                <a:cs typeface="+mn-cs"/>
+              </a:defRPr>
+            </a:lvl5pPr>
+            <a:lvl6pPr marL="2514600" indent="-228600" algn="l" defTabSz="914400" rtl="0" eaLnBrk="1" latinLnBrk="0" hangingPunct="1">
+              <a:lnSpc>
+                <a:spcPct val="90000"/>
+              </a:lnSpc>
+              <a:spcBef>
+                <a:spcPts val="500"/>
+              </a:spcBef>
+              <a:buFont typeface="Arial" panose="020B0604020202020204" pitchFamily="34" charset="0"/>
+              <a:buChar char="•"/>
+              <a:defRPr sz="1800" kern="1200">
+                <a:solidFill>
+                  <a:schemeClr val="tx1"/>
+                </a:solidFill>
+                <a:latin typeface="+mn-lt"/>
+                <a:ea typeface="+mn-ea"/>
+                <a:cs typeface="+mn-cs"/>
+              </a:defRPr>
+            </a:lvl6pPr>
+            <a:lvl7pPr marL="2971800" indent="-228600" algn="l" defTabSz="914400" rtl="0" eaLnBrk="1" latinLnBrk="0" hangingPunct="1">
+              <a:lnSpc>
+                <a:spcPct val="90000"/>
+              </a:lnSpc>
+              <a:spcBef>
+                <a:spcPts val="500"/>
+              </a:spcBef>
+              <a:buFont typeface="Arial" panose="020B0604020202020204" pitchFamily="34" charset="0"/>
+              <a:buChar char="•"/>
+              <a:defRPr sz="1800" kern="1200">
+                <a:solidFill>
+                  <a:schemeClr val="tx1"/>
+                </a:solidFill>
+                <a:latin typeface="+mn-lt"/>
+                <a:ea typeface="+mn-ea"/>
+                <a:cs typeface="+mn-cs"/>
+              </a:defRPr>
+            </a:lvl7pPr>
+            <a:lvl8pPr marL="3429000" indent="-228600" algn="l" defTabSz="914400" rtl="0" eaLnBrk="1" latinLnBrk="0" hangingPunct="1">
+              <a:lnSpc>
+                <a:spcPct val="90000"/>
+              </a:lnSpc>
+              <a:spcBef>
+                <a:spcPts val="500"/>
+              </a:spcBef>
+              <a:buFont typeface="Arial" panose="020B0604020202020204" pitchFamily="34" charset="0"/>
+              <a:buChar char="•"/>
+              <a:defRPr sz="1800" kern="1200">
+                <a:solidFill>
+                  <a:schemeClr val="tx1"/>
+                </a:solidFill>
+                <a:latin typeface="+mn-lt"/>
+                <a:ea typeface="+mn-ea"/>
+                <a:cs typeface="+mn-cs"/>
+              </a:defRPr>
+            </a:lvl8pPr>
+            <a:lvl9pPr marL="3886200" indent="-228600" algn="l" defTabSz="914400" rtl="0" eaLnBrk="1" latinLnBrk="0" hangingPunct="1">
+              <a:lnSpc>
+                <a:spcPct val="90000"/>
+              </a:lnSpc>
+              <a:spcBef>
+                <a:spcPts val="500"/>
+              </a:spcBef>
+              <a:buFont typeface="Arial" panose="020B0604020202020204" pitchFamily="34" charset="0"/>
+              <a:buChar char="•"/>
+              <a:defRPr sz="1800" kern="1200">
+                <a:solidFill>
+                  <a:schemeClr val="tx1"/>
+                </a:solidFill>
+                <a:latin typeface="+mn-lt"/>
+                <a:ea typeface="+mn-ea"/>
+                <a:cs typeface="+mn-cs"/>
+              </a:defRPr>
+            </a:lvl9pPr>
+          </a:lstStyle>
+          <a:p>
+            <a:pPr marL="0" marR="0" lvl="0" indent="0" algn="l" defTabSz="914400" rtl="0" eaLnBrk="1" fontAlgn="auto" latinLnBrk="0" hangingPunct="1">
+              <a:lnSpc>
+                <a:spcPct val="100000"/>
+              </a:lnSpc>
+              <a:spcBef>
+                <a:spcPct val="0"/>
+              </a:spcBef>
+              <a:spcAft>
+                <a:spcPts val="0"/>
+              </a:spcAft>
+              <a:buClrTx/>
+              <a:buSzTx/>
+              <a:buFontTx/>
+              <a:buNone/>
+              <a:tabLst/>
+              <a:defRPr/>
             </a:pPr>
-            <a:endParaRPr lang="en-US" sz="1800" b="1">
+            <a:r>
+              <a:rPr kumimoji="0" lang="en-US" sz="2000" b="0" i="0" u="none" strike="noStrike" kern="1200" cap="none" spc="0" normalizeH="0" baseline="0" noProof="0" dirty="0">
+                <a:ln>
+                  <a:noFill/>
+                </a:ln>
+                <a:solidFill>
+                  <a:srgbClr val="007598"/>
+                </a:solidFill>
+                <a:effectLst/>
+                <a:uLnTx/>
+                <a:uFillTx/>
+                <a:latin typeface="Calibri" panose="020F0502020204030204"/>
+                <a:ea typeface="+mn-ea"/>
+                <a:cs typeface="+mn-cs"/>
+              </a:rPr>
+              <a:t>While we conducted a survey with a total of eight questions to understand students’ experiences with Slack, our primary focus was on identifying the specific benefits students feel Slack provides. Here are two key questions from the survey:</a:t>
+            </a:r>
+          </a:p>
+          <a:p>
+            <a:pPr marL="0" marR="0" lvl="0" indent="0" algn="l" defTabSz="914400" rtl="0" eaLnBrk="1" fontAlgn="auto" latinLnBrk="0" hangingPunct="1">
+              <a:lnSpc>
+                <a:spcPct val="100000"/>
+              </a:lnSpc>
+              <a:spcBef>
+                <a:spcPct val="0"/>
+              </a:spcBef>
+              <a:spcAft>
+                <a:spcPts val="0"/>
+              </a:spcAft>
+              <a:buClrTx/>
+              <a:buSzTx/>
+              <a:buFont typeface="Arial" panose="020B0604020202020204" pitchFamily="34" charset="0"/>
+              <a:buNone/>
+              <a:tabLst/>
+              <a:defRPr/>
+            </a:pPr>
+            <a:endParaRPr kumimoji="0" lang="en-US" sz="2400" b="1" i="0" u="none" strike="noStrike" kern="1200" cap="none" spc="0" normalizeH="0" baseline="0" noProof="0" dirty="0">
+              <a:ln>
+                <a:noFill/>
+              </a:ln>
               <a:solidFill>
-                <a:srgbClr val="000000"/>
+                <a:srgbClr val="007598"/>
               </a:solidFill>
+              <a:effectLst/>
+              <a:uLnTx/>
+              <a:uFillTx/>
+              <a:latin typeface="Calibri" panose="020F0502020204030204"/>
+              <a:ea typeface="+mn-ea"/>
+              <a:cs typeface="+mn-cs"/>
             </a:endParaRPr>
+          </a:p>
+          <a:p>
+            <a:pPr marL="228600" marR="0" lvl="0" indent="-228600" algn="l" defTabSz="914400" rtl="0" eaLnBrk="1" fontAlgn="auto" latinLnBrk="0" hangingPunct="1">
+              <a:lnSpc>
+                <a:spcPct val="150000"/>
+              </a:lnSpc>
+              <a:spcBef>
+                <a:spcPct val="0"/>
+              </a:spcBef>
+              <a:spcAft>
+                <a:spcPts val="0"/>
+              </a:spcAft>
+              <a:buClrTx/>
+              <a:buSzTx/>
+              <a:buFont typeface="Arial" panose="020B0604020202020204" pitchFamily="34" charset="0"/>
+              <a:buChar char="•"/>
+              <a:tabLst/>
+              <a:defRPr/>
+            </a:pPr>
+            <a:r>
+              <a:rPr kumimoji="0" lang="en-US" sz="2200" b="1" i="1" u="none" strike="noStrike" kern="1200" cap="none" spc="0" normalizeH="0" baseline="0" noProof="0" dirty="0">
+                <a:ln>
+                  <a:noFill/>
+                </a:ln>
+                <a:solidFill>
+                  <a:srgbClr val="007598"/>
+                </a:solidFill>
+                <a:effectLst/>
+                <a:uLnTx/>
+                <a:uFillTx/>
+                <a:latin typeface="Calibri" panose="020F0502020204030204"/>
+                <a:ea typeface="+mn-ea"/>
+                <a:cs typeface="+mn-cs"/>
+              </a:rPr>
+              <a:t>How has your educational experience benefited from using Slack?</a:t>
+            </a:r>
+          </a:p>
+          <a:p>
+            <a:pPr marL="228600" marR="0" lvl="0" indent="-228600" algn="l" defTabSz="914400" rtl="0" eaLnBrk="1" fontAlgn="auto" latinLnBrk="0" hangingPunct="1">
+              <a:lnSpc>
+                <a:spcPct val="150000"/>
+              </a:lnSpc>
+              <a:spcBef>
+                <a:spcPct val="0"/>
+              </a:spcBef>
+              <a:spcAft>
+                <a:spcPts val="0"/>
+              </a:spcAft>
+              <a:buClrTx/>
+              <a:buSzTx/>
+              <a:buFont typeface="Arial" panose="020B0604020202020204" pitchFamily="34" charset="0"/>
+              <a:buChar char="•"/>
+              <a:tabLst/>
+              <a:defRPr/>
+            </a:pPr>
+            <a:r>
+              <a:rPr kumimoji="0" lang="en-US" sz="2200" b="1" i="1" u="none" strike="noStrike" kern="1200" cap="none" spc="0" normalizeH="0" baseline="0" noProof="0" dirty="0">
+                <a:ln>
+                  <a:noFill/>
+                </a:ln>
+                <a:solidFill>
+                  <a:srgbClr val="007598"/>
+                </a:solidFill>
+                <a:effectLst/>
+                <a:uLnTx/>
+                <a:uFillTx/>
+                <a:latin typeface="Calibri" panose="020F0502020204030204"/>
+                <a:ea typeface="+mn-ea"/>
+                <a:cs typeface="+mn-cs"/>
+              </a:rPr>
+              <a:t>Do you feel Slack could continue to be beneficial to you after graduation, perhaps in a professional setting?</a:t>
+            </a:r>
+          </a:p>
+          <a:p>
+            <a:pPr marL="0" marR="0" lvl="0" indent="0" algn="l" defTabSz="914400" rtl="0" eaLnBrk="1" fontAlgn="auto" latinLnBrk="0" hangingPunct="1">
+              <a:lnSpc>
+                <a:spcPct val="100000"/>
+              </a:lnSpc>
+              <a:spcBef>
+                <a:spcPct val="0"/>
+              </a:spcBef>
+              <a:spcAft>
+                <a:spcPts val="0"/>
+              </a:spcAft>
+              <a:buClrTx/>
+              <a:buSzTx/>
+              <a:buFont typeface="Arial" panose="020B0604020202020204" pitchFamily="34" charset="0"/>
+              <a:buNone/>
+              <a:tabLst/>
+              <a:defRPr/>
+            </a:pPr>
+            <a:endParaRPr kumimoji="0" lang="en-US" sz="2400" b="0" i="0" u="none" strike="noStrike" kern="1200" cap="none" spc="0" normalizeH="0" baseline="0" noProof="0" dirty="0">
+              <a:ln>
+                <a:noFill/>
+              </a:ln>
+              <a:solidFill>
+                <a:srgbClr val="007598"/>
+              </a:solidFill>
+              <a:effectLst/>
+              <a:uLnTx/>
+              <a:uFillTx/>
+              <a:latin typeface="Calibri" panose="020F0502020204030204"/>
+              <a:ea typeface="+mn-ea"/>
+              <a:cs typeface="+mn-cs"/>
+            </a:endParaRPr>
+          </a:p>
+          <a:p>
+            <a:pPr marL="228600" marR="0" lvl="0" indent="-228600" algn="l" defTabSz="914400" rtl="0" eaLnBrk="1" fontAlgn="auto" latinLnBrk="0" hangingPunct="1">
+              <a:lnSpc>
+                <a:spcPct val="100000"/>
+              </a:lnSpc>
+              <a:spcBef>
+                <a:spcPct val="0"/>
+              </a:spcBef>
+              <a:spcAft>
+                <a:spcPts val="0"/>
+              </a:spcAft>
+              <a:buClrTx/>
+              <a:buSzTx/>
+              <a:buFont typeface="Arial" panose="020B0604020202020204" pitchFamily="34" charset="0"/>
+              <a:buChar char="•"/>
+              <a:tabLst/>
+              <a:defRPr/>
+            </a:pPr>
+            <a:endParaRPr kumimoji="0" lang="en-US" sz="2400" b="0" i="0" u="none" strike="noStrike" kern="1200" cap="none" spc="0" normalizeH="0" baseline="0" noProof="0" dirty="0">
+              <a:ln>
+                <a:noFill/>
+              </a:ln>
+              <a:solidFill>
+                <a:srgbClr val="007598"/>
+              </a:solidFill>
+              <a:effectLst/>
+              <a:uLnTx/>
+              <a:uFillTx/>
+              <a:latin typeface="Calibri" panose="020F0502020204030204"/>
+              <a:ea typeface="+mn-ea"/>
+              <a:cs typeface="+mn-cs"/>
+            </a:endParaRPr>
+          </a:p>
+          <a:p>
+            <a:pPr marL="0" marR="0" lvl="0" indent="0" algn="l" defTabSz="914400" rtl="0" eaLnBrk="1" fontAlgn="auto" latinLnBrk="0" hangingPunct="1">
+              <a:lnSpc>
+                <a:spcPct val="90000"/>
+              </a:lnSpc>
+              <a:spcBef>
+                <a:spcPts val="1000"/>
+              </a:spcBef>
+              <a:spcAft>
+                <a:spcPts val="0"/>
+              </a:spcAft>
+              <a:buClrTx/>
+              <a:buSzTx/>
+              <a:buFont typeface="Arial" panose="020B0604020202020204" pitchFamily="34" charset="0"/>
+              <a:buNone/>
+              <a:tabLst/>
+              <a:defRPr/>
+            </a:pPr>
+            <a:endParaRPr kumimoji="0" lang="en-US" sz="1800" b="1" i="0" u="none" strike="noStrike" kern="0" cap="none" spc="0" normalizeH="0" baseline="0" noProof="0" dirty="0">
+              <a:ln>
+                <a:noFill/>
+              </a:ln>
+              <a:solidFill>
+                <a:srgbClr val="1D1C1D"/>
+              </a:solidFill>
+              <a:effectLst/>
+              <a:uLnTx/>
+              <a:uFillTx/>
+              <a:latin typeface="Arial" panose="020B0604020202020204" pitchFamily="34" charset="0"/>
+              <a:ea typeface="Times New Roman" panose="02020603050405020304" pitchFamily="18" charset="0"/>
+              <a:cs typeface="+mn-cs"/>
+            </a:endParaRPr>
+          </a:p>
+          <a:p>
+            <a:pPr marL="0" marR="0" lvl="0" indent="0" algn="l" defTabSz="914400" rtl="0" eaLnBrk="1" fontAlgn="auto" latinLnBrk="0" hangingPunct="1">
+              <a:lnSpc>
+                <a:spcPct val="90000"/>
+              </a:lnSpc>
+              <a:spcBef>
+                <a:spcPts val="1000"/>
+              </a:spcBef>
+              <a:spcAft>
+                <a:spcPts val="0"/>
+              </a:spcAft>
+              <a:buClrTx/>
+              <a:buSzTx/>
+              <a:buFont typeface="Arial" panose="020B0604020202020204" pitchFamily="34" charset="0"/>
+              <a:buNone/>
+              <a:tabLst/>
+              <a:defRPr/>
+            </a:pPr>
+            <a:endParaRPr kumimoji="0" lang="en-US" sz="2800" b="0" i="0" u="none" strike="noStrike" kern="1200" cap="none" spc="0" normalizeH="0" baseline="0" noProof="0" dirty="0">
+              <a:ln>
+                <a:noFill/>
+              </a:ln>
+              <a:solidFill>
+                <a:srgbClr val="007598"/>
+              </a:solidFill>
+              <a:effectLst/>
+              <a:uLnTx/>
+              <a:uFillTx/>
+              <a:latin typeface="Calibri" panose="020F0502020204030204"/>
+              <a:ea typeface="+mn-ea"/>
+              <a:cs typeface="+mn-cs"/>
+            </a:endParaRPr>
+          </a:p>
+        </p:txBody>
+      </p:sp>
+      <p:sp>
+        <p:nvSpPr>
+          <p:cNvPr id="11" name="Title 1">
+            <a:extLst>
+              <a:ext uri="{FF2B5EF4-FFF2-40B4-BE49-F238E27FC236}">
+                <a16:creationId xmlns:a16="http://schemas.microsoft.com/office/drawing/2014/main" id="{929BE7ED-D881-145F-D48F-DCDFF183C2B3}"/>
+              </a:ext>
+            </a:extLst>
+          </p:cNvPr>
+          <p:cNvSpPr txBox="1">
+            <a:spLocks/>
+          </p:cNvSpPr>
+          <p:nvPr/>
+        </p:nvSpPr>
+        <p:spPr>
+          <a:xfrm>
+            <a:off x="1322867" y="839972"/>
+            <a:ext cx="8899451" cy="414671"/>
+          </a:xfrm>
+          <a:prstGeom prst="rect">
+            <a:avLst/>
+          </a:prstGeom>
+          <a:gradFill flip="none" rotWithShape="1">
+            <a:gsLst>
+              <a:gs pos="95000">
+                <a:schemeClr val="tx1"/>
+              </a:gs>
+              <a:gs pos="17000">
+                <a:schemeClr val="accent1">
+                  <a:lumMod val="45000"/>
+                  <a:lumOff val="55000"/>
+                </a:schemeClr>
+              </a:gs>
+              <a:gs pos="79000">
+                <a:schemeClr val="accent1">
+                  <a:lumMod val="45000"/>
+                  <a:lumOff val="55000"/>
+                </a:schemeClr>
+              </a:gs>
+              <a:gs pos="100000">
+                <a:schemeClr val="tx1"/>
+              </a:gs>
+            </a:gsLst>
+            <a:lin ang="5400000" scaled="1"/>
+            <a:tileRect/>
+          </a:gradFill>
+          <a:ln>
+            <a:noFill/>
+          </a:ln>
+        </p:spPr>
+        <p:txBody>
+          <a:bodyPr vert="horz" lIns="91440" tIns="45720" rIns="91440" bIns="45720" rtlCol="0" anchor="ctr">
+            <a:normAutofit fontScale="77500" lnSpcReduction="20000"/>
+          </a:bodyPr>
+          <a:lstStyle>
+            <a:lvl1pPr algn="l" defTabSz="914400" rtl="0" eaLnBrk="1" latinLnBrk="0" hangingPunct="1">
+              <a:lnSpc>
+                <a:spcPct val="90000"/>
+              </a:lnSpc>
+              <a:spcBef>
+                <a:spcPct val="0"/>
+              </a:spcBef>
+              <a:buNone/>
+              <a:defRPr sz="4400" kern="1200">
+                <a:solidFill>
+                  <a:schemeClr val="tx1"/>
+                </a:solidFill>
+                <a:latin typeface="+mj-lt"/>
+                <a:ea typeface="+mj-ea"/>
+                <a:cs typeface="+mj-cs"/>
+              </a:defRPr>
+            </a:lvl1pPr>
+          </a:lstStyle>
+          <a:p>
+            <a:pPr marL="0" marR="0" lvl="0" indent="0" algn="ctr" defTabSz="914400" rtl="0" eaLnBrk="1" fontAlgn="auto" latinLnBrk="0" hangingPunct="1">
+              <a:lnSpc>
+                <a:spcPct val="90000"/>
+              </a:lnSpc>
+              <a:spcBef>
+                <a:spcPct val="0"/>
+              </a:spcBef>
+              <a:spcAft>
+                <a:spcPts val="0"/>
+              </a:spcAft>
+              <a:buClrTx/>
+              <a:buSzTx/>
+              <a:buFontTx/>
+              <a:buNone/>
+              <a:tabLst/>
+              <a:defRPr/>
+            </a:pPr>
+            <a:r>
+              <a:rPr kumimoji="0" lang="en-US" sz="3600" b="0" i="0" u="none" strike="noStrike" kern="1200" cap="none" spc="0" normalizeH="0" baseline="0" noProof="0" dirty="0">
+                <a:ln>
+                  <a:noFill/>
+                </a:ln>
+                <a:solidFill>
+                  <a:srgbClr val="007598"/>
+                </a:solidFill>
+                <a:effectLst/>
+                <a:uLnTx/>
+                <a:uFillTx/>
+                <a:latin typeface="Calibri" panose="020F0502020204030204"/>
+                <a:ea typeface="+mj-ea"/>
+                <a:cs typeface="+mj-cs"/>
+              </a:rPr>
+              <a:t>Survey</a:t>
+            </a:r>
+            <a:r>
+              <a:rPr kumimoji="0" lang="en-US" sz="3600" b="0" i="0" u="none" strike="noStrike" kern="1200" cap="none" spc="0" normalizeH="0" baseline="0" noProof="0" dirty="0">
+                <a:ln>
+                  <a:noFill/>
+                </a:ln>
+                <a:solidFill>
+                  <a:srgbClr val="1F497D">
+                    <a:lumMod val="75000"/>
+                    <a:lumOff val="25000"/>
+                  </a:srgbClr>
+                </a:solidFill>
+                <a:effectLst/>
+                <a:uLnTx/>
+                <a:uFillTx/>
+                <a:latin typeface="Calibri" panose="020F0502020204030204"/>
+                <a:ea typeface="+mj-ea"/>
+                <a:cs typeface="+mj-cs"/>
+              </a:rPr>
+              <a:t> </a:t>
+            </a:r>
+            <a:r>
+              <a:rPr kumimoji="0" lang="en-US" sz="3600" b="0" i="0" u="none" strike="noStrike" kern="1200" cap="none" spc="0" normalizeH="0" baseline="0" noProof="0" dirty="0">
+                <a:ln>
+                  <a:noFill/>
+                </a:ln>
+                <a:solidFill>
+                  <a:srgbClr val="007598"/>
+                </a:solidFill>
+                <a:effectLst/>
+                <a:uLnTx/>
+                <a:uFillTx/>
+                <a:latin typeface="Calibri" panose="020F0502020204030204"/>
+                <a:ea typeface="+mj-ea"/>
+                <a:cs typeface="+mj-cs"/>
+              </a:rPr>
+              <a:t>Questions</a:t>
+            </a:r>
           </a:p>
         </p:txBody>
       </p:sp>
     </p:spTree>
     <p:extLst>
       <p:ext uri="{BB962C8B-B14F-4D97-AF65-F5344CB8AC3E}">
-        <p14:creationId xmlns:p14="http://schemas.microsoft.com/office/powerpoint/2010/main" val="3558463562"/>
+        <p14:creationId xmlns:p14="http://schemas.microsoft.com/office/powerpoint/2010/main" val="2276177501"/>
       </p:ext>
     </p:extLst>
   </p:cSld>
@@ -4982,103 +5876,34 @@
           <a:chExt cx="0" cy="0"/>
         </a:xfrm>
       </p:grpSpPr>
-      <p:sp>
-        <p:nvSpPr>
-          <p:cNvPr id="2" name="Title 1">
+      <p:graphicFrame>
+        <p:nvGraphicFramePr>
+          <p:cNvPr id="12" name="Chart 11">
             <a:extLst>
               <a:ext uri="{FF2B5EF4-FFF2-40B4-BE49-F238E27FC236}">
-                <a16:creationId xmlns:a16="http://schemas.microsoft.com/office/drawing/2014/main" id="{1193C801-427D-4761-B139-63C3D71F6842}"/>
+                <a16:creationId xmlns:a16="http://schemas.microsoft.com/office/drawing/2014/main" id="{B3837A63-1854-9078-3FA2-05567BD34B82}"/>
               </a:ext>
             </a:extLst>
           </p:cNvPr>
-          <p:cNvSpPr>
-            <a:spLocks noGrp="1"/>
-          </p:cNvSpPr>
-          <p:nvPr>
-            <p:ph type="title"/>
-          </p:nvPr>
-        </p:nvSpPr>
-        <p:spPr>
-          <a:xfrm>
-            <a:off x="838200" y="290652"/>
-            <a:ext cx="10515600" cy="780769"/>
-          </a:xfrm>
-        </p:spPr>
-        <p:txBody>
-          <a:bodyPr/>
-          <a:lstStyle/>
-          <a:p>
-            <a:r>
-              <a:rPr lang="en-US" dirty="0"/>
-              <a:t>Student Experience (Steven Gsell)</a:t>
-            </a:r>
-          </a:p>
-        </p:txBody>
-      </p:sp>
-      <p:sp>
-        <p:nvSpPr>
-          <p:cNvPr id="3" name="Content Placeholder 2">
-            <a:extLst>
-              <a:ext uri="{FF2B5EF4-FFF2-40B4-BE49-F238E27FC236}">
-                <a16:creationId xmlns:a16="http://schemas.microsoft.com/office/drawing/2014/main" id="{8105E254-772A-4AB1-8230-33418D800ECD}"/>
-              </a:ext>
-            </a:extLst>
-          </p:cNvPr>
-          <p:cNvSpPr>
-            <a:spLocks noGrp="1"/>
-          </p:cNvSpPr>
-          <p:nvPr>
-            <p:ph idx="1"/>
-          </p:nvPr>
-        </p:nvSpPr>
-        <p:spPr>
-          <a:xfrm>
-            <a:off x="838200" y="1307939"/>
-            <a:ext cx="10515600" cy="4615066"/>
-          </a:xfrm>
-        </p:spPr>
-        <p:txBody>
-          <a:bodyPr>
-            <a:normAutofit/>
-          </a:bodyPr>
-          <a:lstStyle/>
-          <a:p>
-            <a:r>
-              <a:rPr lang="en-US" dirty="0"/>
-              <a:t>Yes, it sounds just like the animal!</a:t>
-            </a:r>
-          </a:p>
-          <a:p>
-            <a:r>
-              <a:rPr lang="en-US" sz="2800" dirty="0"/>
-              <a:t>Current FSCJ student pursuing B.A.S in Computer Information Systems</a:t>
-            </a:r>
-          </a:p>
-          <a:p>
-            <a:r>
-              <a:rPr lang="en-US" dirty="0"/>
-              <a:t>Focus on software development</a:t>
-            </a:r>
-          </a:p>
-          <a:p>
-            <a:r>
-              <a:rPr lang="en-US" sz="2800" dirty="0"/>
-              <a:t>Been using Slack in multiple classes throughout education at FSCJ</a:t>
-            </a:r>
-          </a:p>
-          <a:p>
-            <a:r>
-              <a:rPr lang="en-US" dirty="0"/>
-              <a:t>Observed how Slack can add cohesion of communication in groups</a:t>
-            </a:r>
-            <a:endParaRPr lang="en-US" sz="2800" dirty="0"/>
-          </a:p>
-        </p:txBody>
-      </p:sp>
+          <p:cNvGraphicFramePr>
+            <a:graphicFrameLocks/>
+          </p:cNvGraphicFramePr>
+          <p:nvPr/>
+        </p:nvGraphicFramePr>
+        <p:xfrm>
+          <a:off x="159488" y="393405"/>
+          <a:ext cx="11876568" cy="4986670"/>
+        </p:xfrm>
+        <a:graphic>
+          <a:graphicData uri="http://schemas.openxmlformats.org/drawingml/2006/chart">
+            <c:chart xmlns:c="http://schemas.openxmlformats.org/drawingml/2006/chart" xmlns:r="http://schemas.openxmlformats.org/officeDocument/2006/relationships" r:id="rId2"/>
+          </a:graphicData>
+        </a:graphic>
+      </p:graphicFrame>
     </p:spTree>
     <p:extLst>
       <p:ext uri="{BB962C8B-B14F-4D97-AF65-F5344CB8AC3E}">
-        <p14:creationId xmlns:p14="http://schemas.microsoft.com/office/powerpoint/2010/main" val="985310508"/>
+        <p14:creationId xmlns:p14="http://schemas.microsoft.com/office/powerpoint/2010/main" val="3511008966"/>
       </p:ext>
     </p:extLst>
   </p:cSld>
@@ -5107,84 +5932,10 @@
       </p:grpSpPr>
       <p:sp>
         <p:nvSpPr>
-          <p:cNvPr id="2" name="Title 1">
+          <p:cNvPr id="8" name="TextBox 7">
             <a:extLst>
               <a:ext uri="{FF2B5EF4-FFF2-40B4-BE49-F238E27FC236}">
-                <a16:creationId xmlns:a16="http://schemas.microsoft.com/office/drawing/2014/main" id="{1193C801-427D-4761-B139-63C3D71F6842}"/>
-              </a:ext>
-            </a:extLst>
-          </p:cNvPr>
-          <p:cNvSpPr>
-            <a:spLocks noGrp="1"/>
-          </p:cNvSpPr>
-          <p:nvPr>
-            <p:ph type="title"/>
-          </p:nvPr>
-        </p:nvSpPr>
-        <p:spPr>
-          <a:xfrm>
-            <a:off x="838200" y="290652"/>
-            <a:ext cx="10515600" cy="780769"/>
-          </a:xfrm>
-        </p:spPr>
-        <p:txBody>
-          <a:bodyPr/>
-          <a:lstStyle/>
-          <a:p>
-            <a:r>
-              <a:rPr lang="en-US" dirty="0"/>
-              <a:t>Allows for Group Problem Solving</a:t>
-            </a:r>
-          </a:p>
-        </p:txBody>
-      </p:sp>
-      <p:pic>
-        <p:nvPicPr>
-          <p:cNvPr id="5" name="Content Placeholder 4">
-            <a:extLst>
-              <a:ext uri="{FF2B5EF4-FFF2-40B4-BE49-F238E27FC236}">
-                <a16:creationId xmlns:a16="http://schemas.microsoft.com/office/drawing/2014/main" id="{54FA8369-B24F-3DFD-C8A1-C0B1C986F776}"/>
-              </a:ext>
-            </a:extLst>
-          </p:cNvPr>
-          <p:cNvPicPr>
-            <a:picLocks noGrp="1" noChangeAspect="1"/>
-          </p:cNvPicPr>
-          <p:nvPr>
-            <p:ph idx="1"/>
-          </p:nvPr>
-        </p:nvPicPr>
-        <p:blipFill>
-          <a:blip r:embed="rId3">
-            <a:extLst>
-              <a:ext uri="{28A0092B-C50C-407E-A947-70E740481C1C}">
-                <a14:useLocalDpi xmlns:a14="http://schemas.microsoft.com/office/drawing/2010/main" val="0"/>
-              </a:ext>
-            </a:extLst>
-          </a:blip>
-          <a:srcRect/>
-          <a:stretch/>
-        </p:blipFill>
-        <p:spPr>
-          <a:xfrm>
-            <a:off x="6096000" y="1121568"/>
-            <a:ext cx="5441405" cy="4614863"/>
-          </a:xfrm>
-          <a:effectLst>
-            <a:outerShdw blurRad="190500" dist="38100" dir="2700000" sx="102000" sy="102000" algn="tl" rotWithShape="0">
-              <a:prstClr val="black">
-                <a:alpha val="40000"/>
-              </a:prstClr>
-            </a:outerShdw>
-          </a:effectLst>
-        </p:spPr>
-      </p:pic>
-      <p:sp>
-        <p:nvSpPr>
-          <p:cNvPr id="10" name="TextBox 9">
-            <a:extLst>
-              <a:ext uri="{FF2B5EF4-FFF2-40B4-BE49-F238E27FC236}">
-                <a16:creationId xmlns:a16="http://schemas.microsoft.com/office/drawing/2014/main" id="{978843E6-49FE-CE26-265D-A2D19E4793C0}"/>
+                <a16:creationId xmlns:a16="http://schemas.microsoft.com/office/drawing/2014/main" id="{A180AD3A-5A89-B9DB-E16B-C481A20532CD}"/>
               </a:ext>
             </a:extLst>
           </p:cNvPr>
@@ -5193,8 +5944,8 @@
         </p:nvSpPr>
         <p:spPr>
           <a:xfrm>
-            <a:off x="838200" y="1238081"/>
-            <a:ext cx="4915237" cy="3785652"/>
+            <a:off x="895149" y="780176"/>
+            <a:ext cx="10376034" cy="4313104"/>
           </a:xfrm>
           <a:prstGeom prst="rect">
             <a:avLst/>
@@ -5202,190 +5953,155 @@
           <a:noFill/>
         </p:spPr>
         <p:txBody>
-          <a:bodyPr wrap="square" rtlCol="0">
+          <a:bodyPr wrap="square">
             <a:spAutoFit/>
           </a:bodyPr>
           <a:lstStyle/>
           <a:p>
-            <a:pPr marL="285750" marR="0" lvl="0" indent="-285750" algn="l" defTabSz="914400" rtl="0" eaLnBrk="1" fontAlgn="auto" latinLnBrk="0" hangingPunct="1">
+            <a:pPr marL="742950" indent="-285750">
               <a:lnSpc>
-                <a:spcPct val="100000"/>
+                <a:spcPct val="106000"/>
               </a:lnSpc>
-              <a:spcBef>
-                <a:spcPts val="0"/>
-              </a:spcBef>
-              <a:spcAft>
-                <a:spcPts val="0"/>
-              </a:spcAft>
-              <a:buClrTx/>
-              <a:buSzTx/>
-              <a:buFont typeface="Arial" panose="020B0604020202020204" pitchFamily="34" charset="0"/>
-              <a:buChar char="•"/>
-              <a:tabLst/>
-              <a:defRPr/>
+              <a:buFont typeface="Wingdings" panose="05000000000000000000" pitchFamily="2" charset="2"/>
+              <a:buChar char="v"/>
             </a:pPr>
             <a:r>
-              <a:rPr kumimoji="0" lang="en-US" sz="2000" b="0" i="0" u="none" strike="noStrike" kern="1200" cap="none" spc="0" normalizeH="0" baseline="0" noProof="0" dirty="0">
-                <a:ln>
-                  <a:noFill/>
-                </a:ln>
+              <a:rPr lang="en-US" sz="1400" dirty="0">
                 <a:solidFill>
-                  <a:srgbClr val="007598"/>
+                  <a:schemeClr val="tx1">
+                    <a:lumMod val="50000"/>
+                  </a:schemeClr>
                 </a:solidFill>
-                <a:effectLst/>
-                <a:uLnTx/>
-                <a:uFillTx/>
-                <a:latin typeface="Calibri" panose="020F0502020204030204"/>
-                <a:ea typeface="+mn-ea"/>
-                <a:cs typeface="+mn-cs"/>
+                <a:latin typeface="Aptos" panose="020B0004020202020204" pitchFamily="34" charset="0"/>
+                <a:ea typeface="Aptos" panose="020B0004020202020204" pitchFamily="34" charset="0"/>
               </a:rPr>
-              <a:t>Software projects in a class setting can be chaotic without clear communication</a:t>
-            </a:r>
-          </a:p>
-          <a:p>
-            <a:pPr marL="285750" marR="0" lvl="0" indent="-285750" algn="l" defTabSz="914400" rtl="0" eaLnBrk="1" fontAlgn="auto" latinLnBrk="0" hangingPunct="1">
+              <a:t>More than half of the respondents found Slack beneficial across various value data points. Notably, the lowest added benefit identified was “Assistance with Assignments,” is subjective and could be interesting to explore further through a query comparing “Ask” versus “Response.” Regarding Collaboration, it might be valuable to conduct a more focused query to assess a student’s Slack presence, comfort in asking for help, and comfort in responding.</a:t>
+            </a:r>
+            <a:endParaRPr lang="en-US" sz="1200" dirty="0">
+              <a:solidFill>
+                <a:schemeClr val="tx1">
+                  <a:lumMod val="50000"/>
+                </a:schemeClr>
+              </a:solidFill>
+              <a:latin typeface="Times New Roman" panose="02020603050405020304" pitchFamily="18" charset="0"/>
+              <a:ea typeface="Times New Roman" panose="02020603050405020304" pitchFamily="18" charset="0"/>
+            </a:endParaRPr>
+          </a:p>
+          <a:p>
+            <a:pPr marL="457200">
               <a:lnSpc>
-                <a:spcPct val="100000"/>
+                <a:spcPct val="106000"/>
               </a:lnSpc>
-              <a:spcBef>
-                <a:spcPts val="0"/>
-              </a:spcBef>
-              <a:spcAft>
-                <a:spcPts val="0"/>
-              </a:spcAft>
-              <a:buClrTx/>
-              <a:buSzTx/>
-              <a:buFont typeface="Arial" panose="020B0604020202020204" pitchFamily="34" charset="0"/>
-              <a:buChar char="•"/>
-              <a:tabLst/>
-              <a:defRPr/>
             </a:pPr>
-            <a:endParaRPr kumimoji="0" lang="en-US" sz="2000" b="0" i="0" u="none" strike="noStrike" kern="1200" cap="none" spc="0" normalizeH="0" baseline="0" noProof="0" dirty="0">
-              <a:ln>
-                <a:noFill/>
-              </a:ln>
+            <a:endParaRPr lang="en-US" sz="1200" dirty="0">
               <a:solidFill>
-                <a:srgbClr val="007598"/>
+                <a:schemeClr val="tx1">
+                  <a:lumMod val="50000"/>
+                </a:schemeClr>
               </a:solidFill>
-              <a:effectLst/>
-              <a:uLnTx/>
-              <a:uFillTx/>
-              <a:latin typeface="Calibri" panose="020F0502020204030204"/>
-              <a:ea typeface="+mn-ea"/>
-              <a:cs typeface="+mn-cs"/>
+              <a:latin typeface="Times New Roman" panose="02020603050405020304" pitchFamily="18" charset="0"/>
+              <a:ea typeface="Times New Roman" panose="02020603050405020304" pitchFamily="18" charset="0"/>
             </a:endParaRPr>
           </a:p>
           <a:p>
-            <a:pPr marL="285750" marR="0" lvl="0" indent="-285750" algn="l" defTabSz="914400" rtl="0" eaLnBrk="1" fontAlgn="auto" latinLnBrk="0" hangingPunct="1">
+            <a:pPr marL="742950" indent="-285750">
               <a:lnSpc>
-                <a:spcPct val="100000"/>
+                <a:spcPct val="106000"/>
               </a:lnSpc>
-              <a:spcBef>
-                <a:spcPts val="0"/>
-              </a:spcBef>
-              <a:spcAft>
-                <a:spcPts val="0"/>
-              </a:spcAft>
-              <a:buClrTx/>
-              <a:buSzTx/>
-              <a:buFont typeface="Arial" panose="020B0604020202020204" pitchFamily="34" charset="0"/>
-              <a:buChar char="•"/>
-              <a:tabLst/>
-              <a:defRPr/>
+              <a:buFont typeface="Wingdings" panose="05000000000000000000" pitchFamily="2" charset="2"/>
+              <a:buChar char="v"/>
             </a:pPr>
             <a:r>
-              <a:rPr kumimoji="0" lang="en-US" sz="2000" b="0" i="0" u="none" strike="noStrike" kern="1200" cap="none" spc="0" normalizeH="0" baseline="0" noProof="0" dirty="0">
-                <a:ln>
-                  <a:noFill/>
-                </a:ln>
+              <a:rPr lang="en-US" sz="1400" dirty="0">
                 <a:solidFill>
-                  <a:srgbClr val="007598"/>
+                  <a:schemeClr val="tx1">
+                    <a:lumMod val="50000"/>
+                  </a:schemeClr>
                 </a:solidFill>
-                <a:effectLst/>
-                <a:uLnTx/>
-                <a:uFillTx/>
-                <a:latin typeface="Calibri" panose="020F0502020204030204"/>
-                <a:ea typeface="+mn-ea"/>
-                <a:cs typeface="+mn-cs"/>
+                <a:latin typeface="Aptos" panose="020B0004020202020204" pitchFamily="34" charset="0"/>
+                <a:ea typeface="Aptos" panose="020B0004020202020204" pitchFamily="34" charset="0"/>
               </a:rPr>
-              <a:t>We are all learning and perhaps working with several new technologies for the first time. We are also learning HOW to learn in a fast-paced tech environment.</a:t>
-            </a:r>
-          </a:p>
-          <a:p>
-            <a:pPr marL="285750" marR="0" lvl="0" indent="-285750" algn="l" defTabSz="914400" rtl="0" eaLnBrk="1" fontAlgn="auto" latinLnBrk="0" hangingPunct="1">
+              <a:t>Focusing on soft skills, our survey revealed that three out of ten students did not perceive soft skills as an added benefit of using Slack. This is an intriguing response, as many students without professional work experience may not fully understand the term “soft skills” or recognize their importance for career growth. By adhering to social and school constructs and codes of conduct, students are practicing these skills daily. As we progress in our careers, often without direct communication, hiring managers are increasingly focusing on the soft skills of potential candidates, which could significantly impact their employability.</a:t>
+            </a:r>
+            <a:endParaRPr lang="en-US" sz="1200" dirty="0">
+              <a:solidFill>
+                <a:schemeClr val="tx1">
+                  <a:lumMod val="50000"/>
+                </a:schemeClr>
+              </a:solidFill>
+              <a:latin typeface="Times New Roman" panose="02020603050405020304" pitchFamily="18" charset="0"/>
+              <a:ea typeface="Times New Roman" panose="02020603050405020304" pitchFamily="18" charset="0"/>
+            </a:endParaRPr>
+          </a:p>
+          <a:p>
+            <a:pPr marL="457200">
               <a:lnSpc>
-                <a:spcPct val="100000"/>
+                <a:spcPct val="106000"/>
               </a:lnSpc>
-              <a:spcBef>
-                <a:spcPts val="0"/>
-              </a:spcBef>
-              <a:spcAft>
-                <a:spcPts val="0"/>
-              </a:spcAft>
-              <a:buClrTx/>
-              <a:buSzTx/>
-              <a:buFont typeface="Arial" panose="020B0604020202020204" pitchFamily="34" charset="0"/>
-              <a:buChar char="•"/>
-              <a:tabLst/>
-              <a:defRPr/>
             </a:pPr>
-            <a:endParaRPr kumimoji="0" lang="en-US" sz="2000" b="0" i="0" u="none" strike="noStrike" kern="1200" cap="none" spc="0" normalizeH="0" baseline="0" noProof="0" dirty="0">
-              <a:ln>
-                <a:noFill/>
-              </a:ln>
+            <a:endParaRPr lang="en-US" sz="1200" dirty="0">
               <a:solidFill>
-                <a:srgbClr val="007598"/>
+                <a:schemeClr val="tx1">
+                  <a:lumMod val="50000"/>
+                </a:schemeClr>
               </a:solidFill>
-              <a:effectLst/>
-              <a:uLnTx/>
-              <a:uFillTx/>
-              <a:latin typeface="Calibri" panose="020F0502020204030204"/>
-              <a:ea typeface="+mn-ea"/>
-              <a:cs typeface="+mn-cs"/>
+              <a:latin typeface="Times New Roman" panose="02020603050405020304" pitchFamily="18" charset="0"/>
+              <a:ea typeface="Times New Roman" panose="02020603050405020304" pitchFamily="18" charset="0"/>
             </a:endParaRPr>
           </a:p>
           <a:p>
-            <a:pPr marL="285750" marR="0" lvl="0" indent="-285750" algn="l" defTabSz="914400" rtl="0" eaLnBrk="1" fontAlgn="auto" latinLnBrk="0" hangingPunct="1">
+            <a:pPr marL="742950" indent="-285750">
               <a:lnSpc>
-                <a:spcPct val="100000"/>
+                <a:spcPct val="106000"/>
               </a:lnSpc>
-              <a:spcBef>
-                <a:spcPts val="0"/>
-              </a:spcBef>
-              <a:spcAft>
-                <a:spcPts val="0"/>
-              </a:spcAft>
-              <a:buClrTx/>
-              <a:buSzTx/>
-              <a:buFont typeface="Arial" panose="020B0604020202020204" pitchFamily="34" charset="0"/>
-              <a:buChar char="•"/>
-              <a:tabLst/>
-              <a:defRPr/>
+              <a:buFont typeface="Wingdings" panose="05000000000000000000" pitchFamily="2" charset="2"/>
+              <a:buChar char="v"/>
             </a:pPr>
             <a:r>
-              <a:rPr kumimoji="0" lang="en-US" sz="2000" b="0" i="0" u="none" strike="noStrike" kern="1200" cap="none" spc="0" normalizeH="0" baseline="0" noProof="0" dirty="0">
-                <a:ln>
-                  <a:noFill/>
-                </a:ln>
+              <a:rPr lang="en-US" sz="1400" dirty="0">
                 <a:solidFill>
-                  <a:srgbClr val="007598"/>
+                  <a:schemeClr val="tx1">
+                    <a:lumMod val="50000"/>
+                  </a:schemeClr>
                 </a:solidFill>
-                <a:effectLst/>
-                <a:uLnTx/>
-                <a:uFillTx/>
-                <a:latin typeface="Calibri" panose="020F0502020204030204"/>
-                <a:ea typeface="+mn-ea"/>
-                <a:cs typeface="+mn-cs"/>
+                <a:latin typeface="Aptos" panose="020B0004020202020204" pitchFamily="34" charset="0"/>
+                <a:ea typeface="Aptos" panose="020B0004020202020204" pitchFamily="34" charset="0"/>
               </a:rPr>
-              <a:t>When our groups run into problems, Slack allows us to pinpoint the problem as a group and see the clear solution when someone finds it!</a:t>
-            </a:r>
+              <a:t>This brings us to why Slack can be essential for students. Team-building and collaboration, practicing professionalism, properly asking technical questions, or overcoming obstacles and seeking guidance are all skills that will be valuable in our careers post-graduation. While we and many professionals in our field may be geographically dispersed, gaining a sense of community through collaboration on various projects helps mitigate the isolation often experienced by technology professionals. With a tool like Slack in education, we can develop more experienced students with better communication and productivity skills, leading to improved data and technology outcomes.</a:t>
+            </a:r>
+            <a:endParaRPr lang="en-US" sz="1200" dirty="0">
+              <a:solidFill>
+                <a:schemeClr val="tx1">
+                  <a:lumMod val="50000"/>
+                </a:schemeClr>
+              </a:solidFill>
+              <a:latin typeface="Times New Roman" panose="02020603050405020304" pitchFamily="18" charset="0"/>
+              <a:ea typeface="Times New Roman" panose="02020603050405020304" pitchFamily="18" charset="0"/>
+            </a:endParaRPr>
+          </a:p>
+          <a:p>
+            <a:pPr marL="628650" indent="-171450">
+              <a:lnSpc>
+                <a:spcPct val="107000"/>
+              </a:lnSpc>
+              <a:buFont typeface="Wingdings" panose="05000000000000000000" pitchFamily="2" charset="2"/>
+              <a:buChar char="v"/>
+            </a:pPr>
+            <a:endParaRPr lang="en-US" sz="1100" kern="100" dirty="0">
+              <a:solidFill>
+                <a:prstClr val="black"/>
+              </a:solidFill>
+              <a:latin typeface="Aptos" panose="020B0004020202020204" pitchFamily="34" charset="0"/>
+              <a:ea typeface="Aptos" panose="020B0004020202020204" pitchFamily="34" charset="0"/>
+              <a:cs typeface="Times New Roman" panose="02020603050405020304" pitchFamily="18" charset="0"/>
+            </a:endParaRPr>
           </a:p>
         </p:txBody>
       </p:sp>
     </p:spTree>
     <p:extLst>
       <p:ext uri="{BB962C8B-B14F-4D97-AF65-F5344CB8AC3E}">
-        <p14:creationId xmlns:p14="http://schemas.microsoft.com/office/powerpoint/2010/main" val="504903178"/>
+        <p14:creationId xmlns:p14="http://schemas.microsoft.com/office/powerpoint/2010/main" val="1246754225"/>
       </p:ext>
     </p:extLst>
   </p:cSld>
@@ -5431,7 +6147,7 @@
         <p:spPr>
           <a:xfrm>
             <a:off x="838200" y="290652"/>
-            <a:ext cx="10515600" cy="780769"/>
+            <a:ext cx="10941908" cy="780769"/>
           </a:xfrm>
         </p:spPr>
         <p:txBody>
@@ -5439,411 +6155,52 @@
           <a:lstStyle/>
           <a:p>
             <a:r>
-              <a:rPr lang="en-US" dirty="0"/>
-              <a:t>Allows Organized Group Separation </a:t>
+              <a:rPr lang="en-US"/>
+              <a:t>Student Experience (Steven Gsell)</a:t>
             </a:r>
           </a:p>
         </p:txBody>
       </p:sp>
       <p:sp>
         <p:nvSpPr>
-          <p:cNvPr id="10" name="TextBox 9">
+          <p:cNvPr id="3" name="Content Placeholder 2">
             <a:extLst>
               <a:ext uri="{FF2B5EF4-FFF2-40B4-BE49-F238E27FC236}">
-                <a16:creationId xmlns:a16="http://schemas.microsoft.com/office/drawing/2014/main" id="{978843E6-49FE-CE26-265D-A2D19E4793C0}"/>
+                <a16:creationId xmlns:a16="http://schemas.microsoft.com/office/drawing/2014/main" id="{8105E254-772A-4AB1-8230-33418D800ECD}"/>
               </a:ext>
             </a:extLst>
           </p:cNvPr>
-          <p:cNvSpPr txBox="1"/>
-          <p:nvPr/>
+          <p:cNvSpPr>
+            <a:spLocks noGrp="1"/>
+          </p:cNvSpPr>
+          <p:nvPr>
+            <p:ph idx="1"/>
+          </p:nvPr>
         </p:nvSpPr>
         <p:spPr>
           <a:xfrm>
-            <a:off x="838200" y="1238081"/>
-            <a:ext cx="4915237" cy="3170099"/>
+            <a:off x="838200" y="1071421"/>
+            <a:ext cx="10515600" cy="4851584"/>
           </a:xfrm>
-          <a:prstGeom prst="rect">
-            <a:avLst/>
-          </a:prstGeom>
-          <a:noFill/>
         </p:spPr>
         <p:txBody>
-          <a:bodyPr wrap="square" rtlCol="0">
-            <a:spAutoFit/>
+          <a:bodyPr>
+            <a:normAutofit/>
           </a:bodyPr>
           <a:lstStyle/>
           <a:p>
-            <a:pPr marL="285750" marR="0" lvl="0" indent="-285750" algn="l" defTabSz="914400" rtl="0" eaLnBrk="1" fontAlgn="auto" latinLnBrk="0" hangingPunct="1">
+            <a:pPr marL="169863" indent="-169863">
               <a:lnSpc>
-                <a:spcPct val="100000"/>
+                <a:spcPct val="120000"/>
               </a:lnSpc>
               <a:spcBef>
-                <a:spcPts val="0"/>
+                <a:spcPts val="500"/>
               </a:spcBef>
-              <a:spcAft>
-                <a:spcPts val="0"/>
-              </a:spcAft>
-              <a:buClrTx/>
-              <a:buSzTx/>
-              <a:buFont typeface="Arial" panose="020B0604020202020204" pitchFamily="34" charset="0"/>
-              <a:buChar char="•"/>
-              <a:tabLst/>
-              <a:defRPr/>
             </a:pPr>
-            <a:r>
-              <a:rPr kumimoji="0" lang="en-US" sz="2000" b="0" i="0" u="none" strike="noStrike" kern="1200" cap="none" spc="0" normalizeH="0" baseline="0" noProof="0" dirty="0">
-                <a:ln>
-                  <a:noFill/>
-                </a:ln>
-                <a:solidFill>
-                  <a:srgbClr val="007598"/>
-                </a:solidFill>
-                <a:effectLst/>
-                <a:uLnTx/>
-                <a:uFillTx/>
-                <a:latin typeface="Calibri" panose="020F0502020204030204"/>
-                <a:ea typeface="+mn-ea"/>
-                <a:cs typeface="+mn-cs"/>
-              </a:rPr>
-              <a:t>Juggling different groups can quickly become a chore without the proper tools.</a:t>
-            </a:r>
-          </a:p>
-          <a:p>
-            <a:pPr marL="285750" marR="0" lvl="0" indent="-285750" algn="l" defTabSz="914400" rtl="0" eaLnBrk="1" fontAlgn="auto" latinLnBrk="0" hangingPunct="1">
-              <a:lnSpc>
-                <a:spcPct val="100000"/>
-              </a:lnSpc>
-              <a:spcBef>
-                <a:spcPts val="0"/>
-              </a:spcBef>
-              <a:spcAft>
-                <a:spcPts val="0"/>
-              </a:spcAft>
-              <a:buClrTx/>
-              <a:buSzTx/>
-              <a:buFont typeface="Arial" panose="020B0604020202020204" pitchFamily="34" charset="0"/>
-              <a:buChar char="•"/>
-              <a:tabLst/>
-              <a:defRPr/>
-            </a:pPr>
-            <a:endParaRPr kumimoji="0" lang="en-US" sz="2000" b="0" i="0" u="none" strike="noStrike" kern="1200" cap="none" spc="0" normalizeH="0" baseline="0" noProof="0" dirty="0">
-              <a:ln>
-                <a:noFill/>
-              </a:ln>
+            <a:endParaRPr lang="en-US" sz="1800" b="1">
               <a:solidFill>
-                <a:srgbClr val="007598"/>
+                <a:srgbClr val="000000"/>
               </a:solidFill>
-              <a:effectLst/>
-              <a:uLnTx/>
-              <a:uFillTx/>
-              <a:latin typeface="Calibri" panose="020F0502020204030204"/>
-              <a:ea typeface="+mn-ea"/>
-              <a:cs typeface="+mn-cs"/>
-            </a:endParaRPr>
-          </a:p>
-          <a:p>
-            <a:pPr marL="285750" marR="0" lvl="0" indent="-285750" algn="l" defTabSz="914400" rtl="0" eaLnBrk="1" fontAlgn="auto" latinLnBrk="0" hangingPunct="1">
-              <a:lnSpc>
-                <a:spcPct val="100000"/>
-              </a:lnSpc>
-              <a:spcBef>
-                <a:spcPts val="0"/>
-              </a:spcBef>
-              <a:spcAft>
-                <a:spcPts val="0"/>
-              </a:spcAft>
-              <a:buClrTx/>
-              <a:buSzTx/>
-              <a:buFont typeface="Arial" panose="020B0604020202020204" pitchFamily="34" charset="0"/>
-              <a:buChar char="•"/>
-              <a:tabLst/>
-              <a:defRPr/>
-            </a:pPr>
-            <a:r>
-              <a:rPr kumimoji="0" lang="en-US" sz="2000" b="0" i="0" u="none" strike="noStrike" kern="1200" cap="none" spc="0" normalizeH="0" baseline="0" noProof="0" dirty="0">
-                <a:ln>
-                  <a:noFill/>
-                </a:ln>
-                <a:solidFill>
-                  <a:srgbClr val="007598"/>
-                </a:solidFill>
-                <a:effectLst/>
-                <a:uLnTx/>
-                <a:uFillTx/>
-                <a:latin typeface="Calibri" panose="020F0502020204030204"/>
-                <a:ea typeface="+mn-ea"/>
-                <a:cs typeface="+mn-cs"/>
-              </a:rPr>
-              <a:t>Slack allows you to have multiple workspaces at once, with a user-friendly UI to jump between all your groups.</a:t>
-            </a:r>
-          </a:p>
-          <a:p>
-            <a:pPr marL="285750" marR="0" lvl="0" indent="-285750" algn="l" defTabSz="914400" rtl="0" eaLnBrk="1" fontAlgn="auto" latinLnBrk="0" hangingPunct="1">
-              <a:lnSpc>
-                <a:spcPct val="100000"/>
-              </a:lnSpc>
-              <a:spcBef>
-                <a:spcPts val="0"/>
-              </a:spcBef>
-              <a:spcAft>
-                <a:spcPts val="0"/>
-              </a:spcAft>
-              <a:buClrTx/>
-              <a:buSzTx/>
-              <a:buFont typeface="Arial" panose="020B0604020202020204" pitchFamily="34" charset="0"/>
-              <a:buChar char="•"/>
-              <a:tabLst/>
-              <a:defRPr/>
-            </a:pPr>
-            <a:endParaRPr kumimoji="0" lang="en-US" sz="2000" b="0" i="0" u="none" strike="noStrike" kern="1200" cap="none" spc="0" normalizeH="0" baseline="0" noProof="0" dirty="0">
-              <a:ln>
-                <a:noFill/>
-              </a:ln>
-              <a:solidFill>
-                <a:srgbClr val="007598"/>
-              </a:solidFill>
-              <a:effectLst/>
-              <a:uLnTx/>
-              <a:uFillTx/>
-              <a:latin typeface="Calibri" panose="020F0502020204030204"/>
-              <a:ea typeface="+mn-ea"/>
-              <a:cs typeface="+mn-cs"/>
-            </a:endParaRPr>
-          </a:p>
-          <a:p>
-            <a:pPr marL="285750" marR="0" lvl="0" indent="-285750" algn="l" defTabSz="914400" rtl="0" eaLnBrk="1" fontAlgn="auto" latinLnBrk="0" hangingPunct="1">
-              <a:lnSpc>
-                <a:spcPct val="100000"/>
-              </a:lnSpc>
-              <a:spcBef>
-                <a:spcPts val="0"/>
-              </a:spcBef>
-              <a:spcAft>
-                <a:spcPts val="0"/>
-              </a:spcAft>
-              <a:buClrTx/>
-              <a:buSzTx/>
-              <a:buFont typeface="Arial" panose="020B0604020202020204" pitchFamily="34" charset="0"/>
-              <a:buChar char="•"/>
-              <a:tabLst/>
-              <a:defRPr/>
-            </a:pPr>
-            <a:r>
-              <a:rPr kumimoji="0" lang="en-US" sz="2000" b="0" i="0" u="none" strike="noStrike" kern="1200" cap="none" spc="0" normalizeH="0" baseline="0" noProof="0" dirty="0">
-                <a:ln>
-                  <a:noFill/>
-                </a:ln>
-                <a:solidFill>
-                  <a:srgbClr val="007598"/>
-                </a:solidFill>
-                <a:effectLst/>
-                <a:uLnTx/>
-                <a:uFillTx/>
-                <a:latin typeface="Calibri" panose="020F0502020204030204"/>
-                <a:ea typeface="+mn-ea"/>
-                <a:cs typeface="+mn-cs"/>
-              </a:rPr>
-              <a:t>Having clearly defined workspaces allows for easy transitioning from one group to another. </a:t>
-            </a:r>
-          </a:p>
-        </p:txBody>
-      </p:sp>
-      <p:pic>
-        <p:nvPicPr>
-          <p:cNvPr id="6" name="Content Placeholder 5">
-            <a:extLst>
-              <a:ext uri="{FF2B5EF4-FFF2-40B4-BE49-F238E27FC236}">
-                <a16:creationId xmlns:a16="http://schemas.microsoft.com/office/drawing/2014/main" id="{2DCB6C17-1E8C-6E62-A772-C36B095C05BB}"/>
-              </a:ext>
-            </a:extLst>
-          </p:cNvPr>
-          <p:cNvPicPr>
-            <a:picLocks noGrp="1" noChangeAspect="1"/>
-          </p:cNvPicPr>
-          <p:nvPr>
-            <p:ph idx="1"/>
-          </p:nvPr>
-        </p:nvPicPr>
-        <p:blipFill>
-          <a:blip r:embed="rId3">
-            <a:extLst>
-              <a:ext uri="{28A0092B-C50C-407E-A947-70E740481C1C}">
-                <a14:useLocalDpi xmlns:a14="http://schemas.microsoft.com/office/drawing/2010/main" val="0"/>
-              </a:ext>
-            </a:extLst>
-          </a:blip>
-          <a:srcRect/>
-          <a:stretch/>
-        </p:blipFill>
-        <p:spPr>
-          <a:xfrm>
-            <a:off x="6322454" y="1376552"/>
-            <a:ext cx="5306327" cy="4104895"/>
-          </a:xfrm>
-          <a:effectLst>
-            <a:outerShdw blurRad="190500" dist="38100" dir="2700000" sx="102000" sy="102000" algn="tl" rotWithShape="0">
-              <a:prstClr val="black">
-                <a:alpha val="40000"/>
-              </a:prstClr>
-            </a:outerShdw>
-          </a:effectLst>
-        </p:spPr>
-      </p:pic>
-      <p:sp>
-        <p:nvSpPr>
-          <p:cNvPr id="12" name="Rectangle 11">
-            <a:extLst>
-              <a:ext uri="{FF2B5EF4-FFF2-40B4-BE49-F238E27FC236}">
-                <a16:creationId xmlns:a16="http://schemas.microsoft.com/office/drawing/2014/main" id="{9F0AB30B-54F0-1D78-1303-343918EB6B18}"/>
-              </a:ext>
-            </a:extLst>
-          </p:cNvPr>
-          <p:cNvSpPr/>
-          <p:nvPr/>
-        </p:nvSpPr>
-        <p:spPr>
-          <a:xfrm>
-            <a:off x="6202017" y="1749287"/>
-            <a:ext cx="2097157" cy="1808922"/>
-          </a:xfrm>
-          <a:prstGeom prst="rect">
-            <a:avLst/>
-          </a:prstGeom>
-          <a:noFill/>
-          <a:ln w="57150">
-            <a:solidFill>
-              <a:srgbClr val="FF0000"/>
-            </a:solidFill>
-          </a:ln>
-        </p:spPr>
-        <p:style>
-          <a:lnRef idx="2">
-            <a:schemeClr val="accent1">
-              <a:shade val="15000"/>
-            </a:schemeClr>
-          </a:lnRef>
-          <a:fillRef idx="1">
-            <a:schemeClr val="accent1"/>
-          </a:fillRef>
-          <a:effectRef idx="0">
-            <a:schemeClr val="accent1"/>
-          </a:effectRef>
-          <a:fontRef idx="minor">
-            <a:schemeClr val="lt1"/>
-          </a:fontRef>
-        </p:style>
-        <p:txBody>
-          <a:bodyPr rtlCol="0" anchor="ctr"/>
-          <a:lstStyle/>
-          <a:p>
-            <a:pPr marL="0" marR="0" lvl="0" indent="0" algn="ctr" defTabSz="914400" rtl="0" eaLnBrk="1" fontAlgn="auto" latinLnBrk="0" hangingPunct="1">
-              <a:lnSpc>
-                <a:spcPct val="100000"/>
-              </a:lnSpc>
-              <a:spcBef>
-                <a:spcPts val="0"/>
-              </a:spcBef>
-              <a:spcAft>
-                <a:spcPts val="0"/>
-              </a:spcAft>
-              <a:buClrTx/>
-              <a:buSzTx/>
-              <a:buFontTx/>
-              <a:buNone/>
-              <a:tabLst/>
-              <a:defRPr/>
-            </a:pPr>
-            <a:endParaRPr kumimoji="0" lang="en-US" sz="1800" b="0" i="0" u="none" strike="noStrike" kern="1200" cap="none" spc="0" normalizeH="0" baseline="0" noProof="0">
-              <a:ln>
-                <a:noFill/>
-              </a:ln>
-              <a:solidFill>
-                <a:srgbClr val="FFFFFF"/>
-              </a:solidFill>
-              <a:effectLst/>
-              <a:uLnTx/>
-              <a:uFillTx/>
-              <a:latin typeface="Calibri" panose="020F0502020204030204"/>
-              <a:ea typeface="+mn-ea"/>
-              <a:cs typeface="+mn-cs"/>
-            </a:endParaRPr>
-          </a:p>
-        </p:txBody>
-      </p:sp>
-      <p:sp>
-        <p:nvSpPr>
-          <p:cNvPr id="11" name="Arrow: Right 10">
-            <a:extLst>
-              <a:ext uri="{FF2B5EF4-FFF2-40B4-BE49-F238E27FC236}">
-                <a16:creationId xmlns:a16="http://schemas.microsoft.com/office/drawing/2014/main" id="{828A5158-6DF2-C82B-41BB-8DDCA4199DCE}"/>
-              </a:ext>
-            </a:extLst>
-          </p:cNvPr>
-          <p:cNvSpPr/>
-          <p:nvPr/>
-        </p:nvSpPr>
-        <p:spPr>
-          <a:xfrm rot="12770960">
-            <a:off x="7938882" y="3594982"/>
-            <a:ext cx="1858618" cy="536713"/>
-          </a:xfrm>
-          <a:prstGeom prst="rightArrow">
-            <a:avLst/>
-          </a:prstGeom>
-          <a:solidFill>
-            <a:srgbClr val="FF0000"/>
-          </a:solidFill>
-        </p:spPr>
-        <p:style>
-          <a:lnRef idx="2">
-            <a:schemeClr val="accent1">
-              <a:shade val="15000"/>
-            </a:schemeClr>
-          </a:lnRef>
-          <a:fillRef idx="1">
-            <a:schemeClr val="accent1"/>
-          </a:fillRef>
-          <a:effectRef idx="0">
-            <a:schemeClr val="accent1"/>
-          </a:effectRef>
-          <a:fontRef idx="minor">
-            <a:schemeClr val="lt1"/>
-          </a:fontRef>
-        </p:style>
-        <p:txBody>
-          <a:bodyPr rtlCol="0" anchor="ctr"/>
-          <a:lstStyle/>
-          <a:p>
-            <a:pPr marL="0" marR="0" lvl="0" indent="0" algn="ctr" defTabSz="914400" rtl="0" eaLnBrk="1" fontAlgn="auto" latinLnBrk="0" hangingPunct="1">
-              <a:lnSpc>
-                <a:spcPct val="100000"/>
-              </a:lnSpc>
-              <a:spcBef>
-                <a:spcPts val="0"/>
-              </a:spcBef>
-              <a:spcAft>
-                <a:spcPts val="0"/>
-              </a:spcAft>
-              <a:buClrTx/>
-              <a:buSzTx/>
-              <a:buFontTx/>
-              <a:buNone/>
-              <a:tabLst/>
-              <a:defRPr/>
-            </a:pPr>
-            <a:endParaRPr kumimoji="0" lang="en-US" sz="1800" b="0" i="0" u="none" strike="noStrike" kern="1200" cap="none" spc="0" normalizeH="0" baseline="0" noProof="0">
-              <a:ln>
-                <a:noFill/>
-              </a:ln>
-              <a:solidFill>
-                <a:srgbClr val="FFFFFF"/>
-              </a:solidFill>
-              <a:effectLst/>
-              <a:uLnTx/>
-              <a:uFillTx/>
-              <a:latin typeface="Calibri" panose="020F0502020204030204"/>
-              <a:ea typeface="+mn-ea"/>
-              <a:cs typeface="+mn-cs"/>
             </a:endParaRPr>
           </a:p>
         </p:txBody>
@@ -5851,7 +6208,7 @@
     </p:spTree>
     <p:extLst>
       <p:ext uri="{BB962C8B-B14F-4D97-AF65-F5344CB8AC3E}">
-        <p14:creationId xmlns:p14="http://schemas.microsoft.com/office/powerpoint/2010/main" val="2440337316"/>
+        <p14:creationId xmlns:p14="http://schemas.microsoft.com/office/powerpoint/2010/main" val="928223919"/>
       </p:ext>
     </p:extLst>
   </p:cSld>
@@ -5862,1417 +6219,6 @@
 </file>
 
 <file path=ppt/slides/slide15.xml><?xml version="1.0" encoding="utf-8"?>
-<p:sld xmlns:a="http://schemas.openxmlformats.org/drawingml/2006/main" xmlns:r="http://schemas.openxmlformats.org/officeDocument/2006/relationships" xmlns:p="http://schemas.openxmlformats.org/presentationml/2006/main">
-  <p:cSld>
-    <p:spTree>
-      <p:nvGrpSpPr>
-        <p:cNvPr id="1" name=""/>
-        <p:cNvGrpSpPr/>
-        <p:nvPr/>
-      </p:nvGrpSpPr>
-      <p:grpSpPr>
-        <a:xfrm>
-          <a:off x="0" y="0"/>
-          <a:ext cx="0" cy="0"/>
-          <a:chOff x="0" y="0"/>
-          <a:chExt cx="0" cy="0"/>
-        </a:xfrm>
-      </p:grpSpPr>
-      <p:sp>
-        <p:nvSpPr>
-          <p:cNvPr id="2" name="Title 1">
-            <a:extLst>
-              <a:ext uri="{FF2B5EF4-FFF2-40B4-BE49-F238E27FC236}">
-                <a16:creationId xmlns:a16="http://schemas.microsoft.com/office/drawing/2014/main" id="{1193C801-427D-4761-B139-63C3D71F6842}"/>
-              </a:ext>
-            </a:extLst>
-          </p:cNvPr>
-          <p:cNvSpPr>
-            <a:spLocks noGrp="1"/>
-          </p:cNvSpPr>
-          <p:nvPr>
-            <p:ph type="title"/>
-          </p:nvPr>
-        </p:nvSpPr>
-        <p:spPr>
-          <a:xfrm>
-            <a:off x="838200" y="290652"/>
-            <a:ext cx="10515600" cy="780769"/>
-          </a:xfrm>
-        </p:spPr>
-        <p:txBody>
-          <a:bodyPr/>
-          <a:lstStyle/>
-          <a:p>
-            <a:r>
-              <a:rPr lang="en-US" dirty="0"/>
-              <a:t>Allows Communication Customization</a:t>
-            </a:r>
-          </a:p>
-        </p:txBody>
-      </p:sp>
-      <p:sp>
-        <p:nvSpPr>
-          <p:cNvPr id="10" name="TextBox 9">
-            <a:extLst>
-              <a:ext uri="{FF2B5EF4-FFF2-40B4-BE49-F238E27FC236}">
-                <a16:creationId xmlns:a16="http://schemas.microsoft.com/office/drawing/2014/main" id="{978843E6-49FE-CE26-265D-A2D19E4793C0}"/>
-              </a:ext>
-            </a:extLst>
-          </p:cNvPr>
-          <p:cNvSpPr txBox="1"/>
-          <p:nvPr/>
-        </p:nvSpPr>
-        <p:spPr>
-          <a:xfrm>
-            <a:off x="838200" y="1238081"/>
-            <a:ext cx="4915237" cy="3785652"/>
-          </a:xfrm>
-          <a:prstGeom prst="rect">
-            <a:avLst/>
-          </a:prstGeom>
-          <a:noFill/>
-        </p:spPr>
-        <p:txBody>
-          <a:bodyPr wrap="square" rtlCol="0">
-            <a:spAutoFit/>
-          </a:bodyPr>
-          <a:lstStyle/>
-          <a:p>
-            <a:pPr marL="285750" marR="0" lvl="0" indent="-285750" algn="l" defTabSz="914400" rtl="0" eaLnBrk="1" fontAlgn="auto" latinLnBrk="0" hangingPunct="1">
-              <a:lnSpc>
-                <a:spcPct val="100000"/>
-              </a:lnSpc>
-              <a:spcBef>
-                <a:spcPts val="0"/>
-              </a:spcBef>
-              <a:spcAft>
-                <a:spcPts val="0"/>
-              </a:spcAft>
-              <a:buClrTx/>
-              <a:buSzTx/>
-              <a:buFont typeface="Arial" panose="020B0604020202020204" pitchFamily="34" charset="0"/>
-              <a:buChar char="•"/>
-              <a:tabLst/>
-              <a:defRPr/>
-            </a:pPr>
-            <a:r>
-              <a:rPr kumimoji="0" lang="en-US" sz="2000" b="0" i="0" u="none" strike="noStrike" kern="1200" cap="none" spc="0" normalizeH="0" baseline="0" noProof="0" dirty="0">
-                <a:ln>
-                  <a:noFill/>
-                </a:ln>
-                <a:solidFill>
-                  <a:srgbClr val="007598"/>
-                </a:solidFill>
-                <a:effectLst/>
-                <a:uLnTx/>
-                <a:uFillTx/>
-                <a:latin typeface="Calibri" panose="020F0502020204030204"/>
-                <a:ea typeface="+mn-ea"/>
-                <a:cs typeface="+mn-cs"/>
-              </a:rPr>
-              <a:t>One of the most noticeable things about Slack is the customization that is possible through their add-on apps!</a:t>
-            </a:r>
-          </a:p>
-          <a:p>
-            <a:pPr marL="285750" marR="0" lvl="0" indent="-285750" algn="l" defTabSz="914400" rtl="0" eaLnBrk="1" fontAlgn="auto" latinLnBrk="0" hangingPunct="1">
-              <a:lnSpc>
-                <a:spcPct val="100000"/>
-              </a:lnSpc>
-              <a:spcBef>
-                <a:spcPts val="0"/>
-              </a:spcBef>
-              <a:spcAft>
-                <a:spcPts val="0"/>
-              </a:spcAft>
-              <a:buClrTx/>
-              <a:buSzTx/>
-              <a:buFont typeface="Arial" panose="020B0604020202020204" pitchFamily="34" charset="0"/>
-              <a:buChar char="•"/>
-              <a:tabLst/>
-              <a:defRPr/>
-            </a:pPr>
-            <a:endParaRPr kumimoji="0" lang="en-US" sz="2000" b="0" i="0" u="none" strike="noStrike" kern="1200" cap="none" spc="0" normalizeH="0" baseline="0" noProof="0" dirty="0">
-              <a:ln>
-                <a:noFill/>
-              </a:ln>
-              <a:solidFill>
-                <a:srgbClr val="007598"/>
-              </a:solidFill>
-              <a:effectLst/>
-              <a:uLnTx/>
-              <a:uFillTx/>
-              <a:latin typeface="Calibri" panose="020F0502020204030204"/>
-              <a:ea typeface="+mn-ea"/>
-              <a:cs typeface="+mn-cs"/>
-            </a:endParaRPr>
-          </a:p>
-          <a:p>
-            <a:pPr marL="285750" marR="0" lvl="0" indent="-285750" algn="l" defTabSz="914400" rtl="0" eaLnBrk="1" fontAlgn="auto" latinLnBrk="0" hangingPunct="1">
-              <a:lnSpc>
-                <a:spcPct val="100000"/>
-              </a:lnSpc>
-              <a:spcBef>
-                <a:spcPts val="0"/>
-              </a:spcBef>
-              <a:spcAft>
-                <a:spcPts val="0"/>
-              </a:spcAft>
-              <a:buClrTx/>
-              <a:buSzTx/>
-              <a:buFont typeface="Arial" panose="020B0604020202020204" pitchFamily="34" charset="0"/>
-              <a:buChar char="•"/>
-              <a:tabLst/>
-              <a:defRPr/>
-            </a:pPr>
-            <a:r>
-              <a:rPr kumimoji="0" lang="en-US" sz="2000" b="0" i="0" u="none" strike="noStrike" kern="1200" cap="none" spc="0" normalizeH="0" baseline="0" noProof="0" dirty="0">
-                <a:ln>
-                  <a:noFill/>
-                </a:ln>
-                <a:solidFill>
-                  <a:srgbClr val="007598"/>
-                </a:solidFill>
-                <a:effectLst/>
-                <a:uLnTx/>
-                <a:uFillTx/>
-                <a:latin typeface="Calibri" panose="020F0502020204030204"/>
-                <a:ea typeface="+mn-ea"/>
-                <a:cs typeface="+mn-cs"/>
-              </a:rPr>
-              <a:t>There are thousands of useful apps that can be added to a Slack workspace that supports the task your group is trying to accomplish.</a:t>
-            </a:r>
-          </a:p>
-          <a:p>
-            <a:pPr marL="285750" marR="0" lvl="0" indent="-285750" algn="l" defTabSz="914400" rtl="0" eaLnBrk="1" fontAlgn="auto" latinLnBrk="0" hangingPunct="1">
-              <a:lnSpc>
-                <a:spcPct val="100000"/>
-              </a:lnSpc>
-              <a:spcBef>
-                <a:spcPts val="0"/>
-              </a:spcBef>
-              <a:spcAft>
-                <a:spcPts val="0"/>
-              </a:spcAft>
-              <a:buClrTx/>
-              <a:buSzTx/>
-              <a:buFont typeface="Arial" panose="020B0604020202020204" pitchFamily="34" charset="0"/>
-              <a:buChar char="•"/>
-              <a:tabLst/>
-              <a:defRPr/>
-            </a:pPr>
-            <a:endParaRPr kumimoji="0" lang="en-US" sz="2000" b="0" i="0" u="none" strike="noStrike" kern="1200" cap="none" spc="0" normalizeH="0" baseline="0" noProof="0" dirty="0">
-              <a:ln>
-                <a:noFill/>
-              </a:ln>
-              <a:solidFill>
-                <a:srgbClr val="007598"/>
-              </a:solidFill>
-              <a:effectLst/>
-              <a:uLnTx/>
-              <a:uFillTx/>
-              <a:latin typeface="Calibri" panose="020F0502020204030204"/>
-              <a:ea typeface="+mn-ea"/>
-              <a:cs typeface="+mn-cs"/>
-            </a:endParaRPr>
-          </a:p>
-          <a:p>
-            <a:pPr marL="285750" marR="0" lvl="0" indent="-285750" algn="l" defTabSz="914400" rtl="0" eaLnBrk="1" fontAlgn="auto" latinLnBrk="0" hangingPunct="1">
-              <a:lnSpc>
-                <a:spcPct val="100000"/>
-              </a:lnSpc>
-              <a:spcBef>
-                <a:spcPts val="0"/>
-              </a:spcBef>
-              <a:spcAft>
-                <a:spcPts val="0"/>
-              </a:spcAft>
-              <a:buClrTx/>
-              <a:buSzTx/>
-              <a:buFont typeface="Arial" panose="020B0604020202020204" pitchFamily="34" charset="0"/>
-              <a:buChar char="•"/>
-              <a:tabLst/>
-              <a:defRPr/>
-            </a:pPr>
-            <a:r>
-              <a:rPr kumimoji="0" lang="en-US" sz="2000" b="0" i="0" u="none" strike="noStrike" kern="1200" cap="none" spc="0" normalizeH="0" baseline="0" noProof="0" dirty="0">
-                <a:ln>
-                  <a:noFill/>
-                </a:ln>
-                <a:solidFill>
-                  <a:srgbClr val="007598"/>
-                </a:solidFill>
-                <a:effectLst/>
-                <a:uLnTx/>
-                <a:uFillTx/>
-                <a:latin typeface="Calibri" panose="020F0502020204030204"/>
-                <a:ea typeface="+mn-ea"/>
-                <a:cs typeface="+mn-cs"/>
-              </a:rPr>
-              <a:t>This customization allows for adaptation to different technologies and for an ever-changing Agile environment.</a:t>
-            </a:r>
-          </a:p>
-        </p:txBody>
-      </p:sp>
-      <p:pic>
-        <p:nvPicPr>
-          <p:cNvPr id="7" name="Content Placeholder 6" descr="Slack app Directory Page">
-            <a:extLst>
-              <a:ext uri="{FF2B5EF4-FFF2-40B4-BE49-F238E27FC236}">
-                <a16:creationId xmlns:a16="http://schemas.microsoft.com/office/drawing/2014/main" id="{9D62BA66-3F60-D008-F105-D4180F011B57}"/>
-              </a:ext>
-            </a:extLst>
-          </p:cNvPr>
-          <p:cNvPicPr>
-            <a:picLocks noGrp="1" noChangeAspect="1"/>
-          </p:cNvPicPr>
-          <p:nvPr>
-            <p:ph idx="1"/>
-          </p:nvPr>
-        </p:nvPicPr>
-        <p:blipFill>
-          <a:blip r:embed="rId3">
-            <a:extLst>
-              <a:ext uri="{28A0092B-C50C-407E-A947-70E740481C1C}">
-                <a14:useLocalDpi xmlns:a14="http://schemas.microsoft.com/office/drawing/2010/main" val="0"/>
-              </a:ext>
-            </a:extLst>
-          </a:blip>
-          <a:stretch>
-            <a:fillRect/>
-          </a:stretch>
-        </p:blipFill>
-        <p:spPr>
-          <a:xfrm>
-            <a:off x="6096000" y="1602232"/>
-            <a:ext cx="5577283" cy="3421501"/>
-          </a:xfrm>
-          <a:effectLst>
-            <a:outerShdw blurRad="190500" dist="38100" dir="2700000" sx="102000" sy="102000" algn="tl" rotWithShape="0">
-              <a:prstClr val="black">
-                <a:alpha val="40000"/>
-              </a:prstClr>
-            </a:outerShdw>
-          </a:effectLst>
-        </p:spPr>
-      </p:pic>
-      <p:sp>
-        <p:nvSpPr>
-          <p:cNvPr id="8" name="TextBox 7">
-            <a:extLst>
-              <a:ext uri="{FF2B5EF4-FFF2-40B4-BE49-F238E27FC236}">
-                <a16:creationId xmlns:a16="http://schemas.microsoft.com/office/drawing/2014/main" id="{7E801D9D-D251-3DFA-A6F4-45AF8E839110}"/>
-              </a:ext>
-            </a:extLst>
-          </p:cNvPr>
-          <p:cNvSpPr txBox="1"/>
-          <p:nvPr/>
-        </p:nvSpPr>
-        <p:spPr>
-          <a:xfrm>
-            <a:off x="7721763" y="5185212"/>
-            <a:ext cx="2325756" cy="369332"/>
-          </a:xfrm>
-          <a:prstGeom prst="rect">
-            <a:avLst/>
-          </a:prstGeom>
-          <a:noFill/>
-        </p:spPr>
-        <p:txBody>
-          <a:bodyPr wrap="square" rtlCol="0">
-            <a:spAutoFit/>
-          </a:bodyPr>
-          <a:lstStyle/>
-          <a:p>
-            <a:pPr marL="0" marR="0" lvl="0" indent="0" algn="l" defTabSz="914400" rtl="0" eaLnBrk="1" fontAlgn="auto" latinLnBrk="0" hangingPunct="1">
-              <a:lnSpc>
-                <a:spcPct val="100000"/>
-              </a:lnSpc>
-              <a:spcBef>
-                <a:spcPts val="0"/>
-              </a:spcBef>
-              <a:spcAft>
-                <a:spcPts val="0"/>
-              </a:spcAft>
-              <a:buClrTx/>
-              <a:buSzTx/>
-              <a:buFontTx/>
-              <a:buNone/>
-              <a:tabLst/>
-              <a:defRPr/>
-            </a:pPr>
-            <a:r>
-              <a:rPr kumimoji="0" lang="en-US" sz="1800" b="0" i="0" u="none" strike="noStrike" kern="1200" cap="none" spc="0" normalizeH="0" baseline="0" noProof="0" dirty="0">
-                <a:ln>
-                  <a:noFill/>
-                </a:ln>
-                <a:solidFill>
-                  <a:srgbClr val="007598"/>
-                </a:solidFill>
-                <a:effectLst/>
-                <a:uLnTx/>
-                <a:uFillTx/>
-                <a:latin typeface="Calibri" panose="020F0502020204030204"/>
-                <a:ea typeface="+mn-ea"/>
-                <a:cs typeface="+mn-cs"/>
-                <a:hlinkClick r:id="rId4"/>
-              </a:rPr>
-              <a:t>https://slack.com/apps</a:t>
-            </a:r>
-            <a:endParaRPr kumimoji="0" lang="en-US" sz="1800" b="0" i="0" u="none" strike="noStrike" kern="1200" cap="none" spc="0" normalizeH="0" baseline="0" noProof="0" dirty="0">
-              <a:ln>
-                <a:noFill/>
-              </a:ln>
-              <a:solidFill>
-                <a:srgbClr val="007598"/>
-              </a:solidFill>
-              <a:effectLst/>
-              <a:uLnTx/>
-              <a:uFillTx/>
-              <a:latin typeface="Calibri" panose="020F0502020204030204"/>
-              <a:ea typeface="+mn-ea"/>
-              <a:cs typeface="+mn-cs"/>
-            </a:endParaRPr>
-          </a:p>
-        </p:txBody>
-      </p:sp>
-    </p:spTree>
-    <p:extLst>
-      <p:ext uri="{BB962C8B-B14F-4D97-AF65-F5344CB8AC3E}">
-        <p14:creationId xmlns:p14="http://schemas.microsoft.com/office/powerpoint/2010/main" val="275916581"/>
-      </p:ext>
-    </p:extLst>
-  </p:cSld>
-  <p:clrMapOvr>
-    <a:masterClrMapping/>
-  </p:clrMapOvr>
-</p:sld>
-</file>
-
-<file path=ppt/slides/slide16.xml><?xml version="1.0" encoding="utf-8"?>
-<p:sld xmlns:a="http://schemas.openxmlformats.org/drawingml/2006/main" xmlns:r="http://schemas.openxmlformats.org/officeDocument/2006/relationships" xmlns:p="http://schemas.openxmlformats.org/presentationml/2006/main">
-  <p:cSld>
-    <p:spTree>
-      <p:nvGrpSpPr>
-        <p:cNvPr id="1" name=""/>
-        <p:cNvGrpSpPr/>
-        <p:nvPr/>
-      </p:nvGrpSpPr>
-      <p:grpSpPr>
-        <a:xfrm>
-          <a:off x="0" y="0"/>
-          <a:ext cx="0" cy="0"/>
-          <a:chOff x="0" y="0"/>
-          <a:chExt cx="0" cy="0"/>
-        </a:xfrm>
-      </p:grpSpPr>
-      <p:sp>
-        <p:nvSpPr>
-          <p:cNvPr id="2" name="Title 1">
-            <a:extLst>
-              <a:ext uri="{FF2B5EF4-FFF2-40B4-BE49-F238E27FC236}">
-                <a16:creationId xmlns:a16="http://schemas.microsoft.com/office/drawing/2014/main" id="{1193C801-427D-4761-B139-63C3D71F6842}"/>
-              </a:ext>
-            </a:extLst>
-          </p:cNvPr>
-          <p:cNvSpPr>
-            <a:spLocks noGrp="1"/>
-          </p:cNvSpPr>
-          <p:nvPr>
-            <p:ph type="title"/>
-          </p:nvPr>
-        </p:nvSpPr>
-        <p:spPr>
-          <a:xfrm>
-            <a:off x="838200" y="290652"/>
-            <a:ext cx="10515600" cy="780769"/>
-          </a:xfrm>
-        </p:spPr>
-        <p:txBody>
-          <a:bodyPr/>
-          <a:lstStyle/>
-          <a:p>
-            <a:r>
-              <a:rPr lang="en-US" dirty="0"/>
-              <a:t>Allows Repository Transparency </a:t>
-            </a:r>
-          </a:p>
-        </p:txBody>
-      </p:sp>
-      <p:sp>
-        <p:nvSpPr>
-          <p:cNvPr id="10" name="TextBox 9">
-            <a:extLst>
-              <a:ext uri="{FF2B5EF4-FFF2-40B4-BE49-F238E27FC236}">
-                <a16:creationId xmlns:a16="http://schemas.microsoft.com/office/drawing/2014/main" id="{978843E6-49FE-CE26-265D-A2D19E4793C0}"/>
-              </a:ext>
-            </a:extLst>
-          </p:cNvPr>
-          <p:cNvSpPr txBox="1"/>
-          <p:nvPr/>
-        </p:nvSpPr>
-        <p:spPr>
-          <a:xfrm>
-            <a:off x="838200" y="1238081"/>
-            <a:ext cx="4915237" cy="3785652"/>
-          </a:xfrm>
-          <a:prstGeom prst="rect">
-            <a:avLst/>
-          </a:prstGeom>
-          <a:noFill/>
-        </p:spPr>
-        <p:txBody>
-          <a:bodyPr wrap="square" rtlCol="0">
-            <a:spAutoFit/>
-          </a:bodyPr>
-          <a:lstStyle/>
-          <a:p>
-            <a:pPr marL="285750" marR="0" lvl="0" indent="-285750" algn="l" defTabSz="914400" rtl="0" eaLnBrk="1" fontAlgn="auto" latinLnBrk="0" hangingPunct="1">
-              <a:lnSpc>
-                <a:spcPct val="100000"/>
-              </a:lnSpc>
-              <a:spcBef>
-                <a:spcPts val="0"/>
-              </a:spcBef>
-              <a:spcAft>
-                <a:spcPts val="0"/>
-              </a:spcAft>
-              <a:buClrTx/>
-              <a:buSzTx/>
-              <a:buFont typeface="Arial" panose="020B0604020202020204" pitchFamily="34" charset="0"/>
-              <a:buChar char="•"/>
-              <a:tabLst/>
-              <a:defRPr/>
-            </a:pPr>
-            <a:r>
-              <a:rPr kumimoji="0" lang="en-US" sz="2000" b="0" i="0" u="none" strike="noStrike" kern="1200" cap="none" spc="0" normalizeH="0" baseline="0" noProof="0" dirty="0">
-                <a:ln>
-                  <a:noFill/>
-                </a:ln>
-                <a:solidFill>
-                  <a:srgbClr val="007598"/>
-                </a:solidFill>
-                <a:effectLst/>
-                <a:uLnTx/>
-                <a:uFillTx/>
-                <a:latin typeface="Calibri" panose="020F0502020204030204"/>
-                <a:ea typeface="+mn-ea"/>
-                <a:cs typeface="+mn-cs"/>
-              </a:rPr>
-              <a:t>How often have you gone to push your code only to see that you need to pull the new updated first?</a:t>
-            </a:r>
-          </a:p>
-          <a:p>
-            <a:pPr marL="285750" marR="0" lvl="0" indent="-285750" algn="l" defTabSz="914400" rtl="0" eaLnBrk="1" fontAlgn="auto" latinLnBrk="0" hangingPunct="1">
-              <a:lnSpc>
-                <a:spcPct val="100000"/>
-              </a:lnSpc>
-              <a:spcBef>
-                <a:spcPts val="0"/>
-              </a:spcBef>
-              <a:spcAft>
-                <a:spcPts val="0"/>
-              </a:spcAft>
-              <a:buClrTx/>
-              <a:buSzTx/>
-              <a:buFont typeface="Arial" panose="020B0604020202020204" pitchFamily="34" charset="0"/>
-              <a:buChar char="•"/>
-              <a:tabLst/>
-              <a:defRPr/>
-            </a:pPr>
-            <a:endParaRPr kumimoji="0" lang="en-US" sz="2000" b="0" i="0" u="none" strike="noStrike" kern="1200" cap="none" spc="0" normalizeH="0" baseline="0" noProof="0" dirty="0">
-              <a:ln>
-                <a:noFill/>
-              </a:ln>
-              <a:solidFill>
-                <a:srgbClr val="007598"/>
-              </a:solidFill>
-              <a:effectLst/>
-              <a:uLnTx/>
-              <a:uFillTx/>
-              <a:latin typeface="Calibri" panose="020F0502020204030204"/>
-              <a:ea typeface="+mn-ea"/>
-              <a:cs typeface="+mn-cs"/>
-            </a:endParaRPr>
-          </a:p>
-          <a:p>
-            <a:pPr marL="285750" marR="0" lvl="0" indent="-285750" algn="l" defTabSz="914400" rtl="0" eaLnBrk="1" fontAlgn="auto" latinLnBrk="0" hangingPunct="1">
-              <a:lnSpc>
-                <a:spcPct val="100000"/>
-              </a:lnSpc>
-              <a:spcBef>
-                <a:spcPts val="0"/>
-              </a:spcBef>
-              <a:spcAft>
-                <a:spcPts val="0"/>
-              </a:spcAft>
-              <a:buClrTx/>
-              <a:buSzTx/>
-              <a:buFont typeface="Arial" panose="020B0604020202020204" pitchFamily="34" charset="0"/>
-              <a:buChar char="•"/>
-              <a:tabLst/>
-              <a:defRPr/>
-            </a:pPr>
-            <a:r>
-              <a:rPr kumimoji="0" lang="en-US" sz="2000" b="0" i="0" u="none" strike="noStrike" kern="1200" cap="none" spc="0" normalizeH="0" baseline="0" noProof="0" dirty="0">
-                <a:ln>
-                  <a:noFill/>
-                </a:ln>
-                <a:solidFill>
-                  <a:srgbClr val="007598"/>
-                </a:solidFill>
-                <a:effectLst/>
-                <a:uLnTx/>
-                <a:uFillTx/>
-                <a:latin typeface="Calibri" panose="020F0502020204030204"/>
-                <a:ea typeface="+mn-ea"/>
-                <a:cs typeface="+mn-cs"/>
-              </a:rPr>
-              <a:t>Some of our groups have utilized the GitHub plugin for Slack. This allows the group to be up to date with every update and change happening.</a:t>
-            </a:r>
-          </a:p>
-          <a:p>
-            <a:pPr marL="285750" marR="0" lvl="0" indent="-285750" algn="l" defTabSz="914400" rtl="0" eaLnBrk="1" fontAlgn="auto" latinLnBrk="0" hangingPunct="1">
-              <a:lnSpc>
-                <a:spcPct val="100000"/>
-              </a:lnSpc>
-              <a:spcBef>
-                <a:spcPts val="0"/>
-              </a:spcBef>
-              <a:spcAft>
-                <a:spcPts val="0"/>
-              </a:spcAft>
-              <a:buClrTx/>
-              <a:buSzTx/>
-              <a:buFont typeface="Arial" panose="020B0604020202020204" pitchFamily="34" charset="0"/>
-              <a:buChar char="•"/>
-              <a:tabLst/>
-              <a:defRPr/>
-            </a:pPr>
-            <a:endParaRPr kumimoji="0" lang="en-US" sz="2000" b="0" i="0" u="none" strike="noStrike" kern="1200" cap="none" spc="0" normalizeH="0" baseline="0" noProof="0" dirty="0">
-              <a:ln>
-                <a:noFill/>
-              </a:ln>
-              <a:solidFill>
-                <a:srgbClr val="007598"/>
-              </a:solidFill>
-              <a:effectLst/>
-              <a:uLnTx/>
-              <a:uFillTx/>
-              <a:latin typeface="Calibri" panose="020F0502020204030204"/>
-              <a:ea typeface="+mn-ea"/>
-              <a:cs typeface="+mn-cs"/>
-            </a:endParaRPr>
-          </a:p>
-          <a:p>
-            <a:pPr marL="285750" marR="0" lvl="0" indent="-285750" algn="l" defTabSz="914400" rtl="0" eaLnBrk="1" fontAlgn="auto" latinLnBrk="0" hangingPunct="1">
-              <a:lnSpc>
-                <a:spcPct val="100000"/>
-              </a:lnSpc>
-              <a:spcBef>
-                <a:spcPts val="0"/>
-              </a:spcBef>
-              <a:spcAft>
-                <a:spcPts val="0"/>
-              </a:spcAft>
-              <a:buClrTx/>
-              <a:buSzTx/>
-              <a:buFont typeface="Arial" panose="020B0604020202020204" pitchFamily="34" charset="0"/>
-              <a:buChar char="•"/>
-              <a:tabLst/>
-              <a:defRPr/>
-            </a:pPr>
-            <a:r>
-              <a:rPr kumimoji="0" lang="en-US" sz="2000" b="0" i="0" u="none" strike="noStrike" kern="1200" cap="none" spc="0" normalizeH="0" baseline="0" noProof="0" dirty="0">
-                <a:ln>
-                  <a:noFill/>
-                </a:ln>
-                <a:solidFill>
-                  <a:srgbClr val="007598"/>
-                </a:solidFill>
-                <a:effectLst/>
-                <a:uLnTx/>
-                <a:uFillTx/>
-                <a:latin typeface="Calibri" panose="020F0502020204030204"/>
-                <a:ea typeface="+mn-ea"/>
-                <a:cs typeface="+mn-cs"/>
-              </a:rPr>
-              <a:t>This allows cohesion of progress updates when the group reconvenes to discuss the next steps!</a:t>
-            </a:r>
-          </a:p>
-        </p:txBody>
-      </p:sp>
-      <p:pic>
-        <p:nvPicPr>
-          <p:cNvPr id="7" name="Content Placeholder 6">
-            <a:extLst>
-              <a:ext uri="{FF2B5EF4-FFF2-40B4-BE49-F238E27FC236}">
-                <a16:creationId xmlns:a16="http://schemas.microsoft.com/office/drawing/2014/main" id="{79CBEC20-A68A-CF72-63A4-21534BB00816}"/>
-              </a:ext>
-            </a:extLst>
-          </p:cNvPr>
-          <p:cNvPicPr>
-            <a:picLocks noGrp="1" noChangeAspect="1"/>
-          </p:cNvPicPr>
-          <p:nvPr>
-            <p:ph idx="1"/>
-          </p:nvPr>
-        </p:nvPicPr>
-        <p:blipFill>
-          <a:blip r:embed="rId3">
-            <a:extLst>
-              <a:ext uri="{28A0092B-C50C-407E-A947-70E740481C1C}">
-                <a14:useLocalDpi xmlns:a14="http://schemas.microsoft.com/office/drawing/2010/main" val="0"/>
-              </a:ext>
-            </a:extLst>
-          </a:blip>
-          <a:srcRect/>
-          <a:stretch/>
-        </p:blipFill>
-        <p:spPr>
-          <a:xfrm>
-            <a:off x="6249749" y="1238081"/>
-            <a:ext cx="5257800" cy="4618268"/>
-          </a:xfrm>
-          <a:effectLst>
-            <a:outerShdw blurRad="190500" dist="38100" dir="2700000" sx="102000" sy="102000" algn="tl" rotWithShape="0">
-              <a:prstClr val="black">
-                <a:alpha val="40000"/>
-              </a:prstClr>
-            </a:outerShdw>
-          </a:effectLst>
-        </p:spPr>
-      </p:pic>
-    </p:spTree>
-    <p:extLst>
-      <p:ext uri="{BB962C8B-B14F-4D97-AF65-F5344CB8AC3E}">
-        <p14:creationId xmlns:p14="http://schemas.microsoft.com/office/powerpoint/2010/main" val="3943678850"/>
-      </p:ext>
-    </p:extLst>
-  </p:cSld>
-  <p:clrMapOvr>
-    <a:masterClrMapping/>
-  </p:clrMapOvr>
-</p:sld>
-</file>
-
-<file path=ppt/slides/slide17.xml><?xml version="1.0" encoding="utf-8"?>
-<p:sld xmlns:a="http://schemas.openxmlformats.org/drawingml/2006/main" xmlns:r="http://schemas.openxmlformats.org/officeDocument/2006/relationships" xmlns:p="http://schemas.openxmlformats.org/presentationml/2006/main">
-  <p:cSld>
-    <p:spTree>
-      <p:nvGrpSpPr>
-        <p:cNvPr id="1" name=""/>
-        <p:cNvGrpSpPr/>
-        <p:nvPr/>
-      </p:nvGrpSpPr>
-      <p:grpSpPr>
-        <a:xfrm>
-          <a:off x="0" y="0"/>
-          <a:ext cx="0" cy="0"/>
-          <a:chOff x="0" y="0"/>
-          <a:chExt cx="0" cy="0"/>
-        </a:xfrm>
-      </p:grpSpPr>
-      <p:sp>
-        <p:nvSpPr>
-          <p:cNvPr id="2" name="Title 1">
-            <a:extLst>
-              <a:ext uri="{FF2B5EF4-FFF2-40B4-BE49-F238E27FC236}">
-                <a16:creationId xmlns:a16="http://schemas.microsoft.com/office/drawing/2014/main" id="{1193C801-427D-4761-B139-63C3D71F6842}"/>
-              </a:ext>
-            </a:extLst>
-          </p:cNvPr>
-          <p:cNvSpPr>
-            <a:spLocks noGrp="1"/>
-          </p:cNvSpPr>
-          <p:nvPr>
-            <p:ph type="title"/>
-          </p:nvPr>
-        </p:nvSpPr>
-        <p:spPr>
-          <a:xfrm>
-            <a:off x="838200" y="290652"/>
-            <a:ext cx="10515600" cy="780769"/>
-          </a:xfrm>
-        </p:spPr>
-        <p:txBody>
-          <a:bodyPr/>
-          <a:lstStyle/>
-          <a:p>
-            <a:r>
-              <a:rPr lang="en-US" dirty="0"/>
-              <a:t>Enhances Cohesive File &amp; Screen Sharing</a:t>
-            </a:r>
-          </a:p>
-        </p:txBody>
-      </p:sp>
-      <p:sp>
-        <p:nvSpPr>
-          <p:cNvPr id="10" name="TextBox 9">
-            <a:extLst>
-              <a:ext uri="{FF2B5EF4-FFF2-40B4-BE49-F238E27FC236}">
-                <a16:creationId xmlns:a16="http://schemas.microsoft.com/office/drawing/2014/main" id="{978843E6-49FE-CE26-265D-A2D19E4793C0}"/>
-              </a:ext>
-            </a:extLst>
-          </p:cNvPr>
-          <p:cNvSpPr txBox="1"/>
-          <p:nvPr/>
-        </p:nvSpPr>
-        <p:spPr>
-          <a:xfrm>
-            <a:off x="838200" y="1238081"/>
-            <a:ext cx="4915237" cy="3785652"/>
-          </a:xfrm>
-          <a:prstGeom prst="rect">
-            <a:avLst/>
-          </a:prstGeom>
-          <a:noFill/>
-        </p:spPr>
-        <p:txBody>
-          <a:bodyPr wrap="square" rtlCol="0">
-            <a:spAutoFit/>
-          </a:bodyPr>
-          <a:lstStyle/>
-          <a:p>
-            <a:pPr marL="285750" marR="0" lvl="0" indent="-285750" algn="l" defTabSz="914400" rtl="0" eaLnBrk="1" fontAlgn="auto" latinLnBrk="0" hangingPunct="1">
-              <a:lnSpc>
-                <a:spcPct val="100000"/>
-              </a:lnSpc>
-              <a:spcBef>
-                <a:spcPts val="0"/>
-              </a:spcBef>
-              <a:spcAft>
-                <a:spcPts val="0"/>
-              </a:spcAft>
-              <a:buClrTx/>
-              <a:buSzTx/>
-              <a:buFont typeface="Arial" panose="020B0604020202020204" pitchFamily="34" charset="0"/>
-              <a:buChar char="•"/>
-              <a:tabLst/>
-              <a:defRPr/>
-            </a:pPr>
-            <a:r>
-              <a:rPr kumimoji="0" lang="en-US" sz="2000" b="0" i="0" u="none" strike="noStrike" kern="1200" cap="none" spc="0" normalizeH="0" baseline="0" noProof="0" dirty="0">
-                <a:ln>
-                  <a:noFill/>
-                </a:ln>
-                <a:solidFill>
-                  <a:srgbClr val="007598"/>
-                </a:solidFill>
-                <a:effectLst/>
-                <a:uLnTx/>
-                <a:uFillTx/>
-                <a:latin typeface="Calibri" panose="020F0502020204030204"/>
-                <a:ea typeface="+mn-ea"/>
-                <a:cs typeface="+mn-cs"/>
-              </a:rPr>
-              <a:t>By utilizing the Slack Huddle feature our groups are able to have a live collaboration on demand.</a:t>
-            </a:r>
-          </a:p>
-          <a:p>
-            <a:pPr marL="285750" marR="0" lvl="0" indent="-285750" algn="l" defTabSz="914400" rtl="0" eaLnBrk="1" fontAlgn="auto" latinLnBrk="0" hangingPunct="1">
-              <a:lnSpc>
-                <a:spcPct val="100000"/>
-              </a:lnSpc>
-              <a:spcBef>
-                <a:spcPts val="0"/>
-              </a:spcBef>
-              <a:spcAft>
-                <a:spcPts val="0"/>
-              </a:spcAft>
-              <a:buClrTx/>
-              <a:buSzTx/>
-              <a:buFont typeface="Arial" panose="020B0604020202020204" pitchFamily="34" charset="0"/>
-              <a:buChar char="•"/>
-              <a:tabLst/>
-              <a:defRPr/>
-            </a:pPr>
-            <a:endParaRPr kumimoji="0" lang="en-US" sz="2000" b="0" i="0" u="none" strike="noStrike" kern="1200" cap="none" spc="0" normalizeH="0" baseline="0" noProof="0" dirty="0">
-              <a:ln>
-                <a:noFill/>
-              </a:ln>
-              <a:solidFill>
-                <a:srgbClr val="007598"/>
-              </a:solidFill>
-              <a:effectLst/>
-              <a:uLnTx/>
-              <a:uFillTx/>
-              <a:latin typeface="Calibri" panose="020F0502020204030204"/>
-              <a:ea typeface="+mn-ea"/>
-              <a:cs typeface="+mn-cs"/>
-            </a:endParaRPr>
-          </a:p>
-          <a:p>
-            <a:pPr marL="285750" marR="0" lvl="0" indent="-285750" algn="l" defTabSz="914400" rtl="0" eaLnBrk="1" fontAlgn="auto" latinLnBrk="0" hangingPunct="1">
-              <a:lnSpc>
-                <a:spcPct val="100000"/>
-              </a:lnSpc>
-              <a:spcBef>
-                <a:spcPts val="0"/>
-              </a:spcBef>
-              <a:spcAft>
-                <a:spcPts val="0"/>
-              </a:spcAft>
-              <a:buClrTx/>
-              <a:buSzTx/>
-              <a:buFont typeface="Arial" panose="020B0604020202020204" pitchFamily="34" charset="0"/>
-              <a:buChar char="•"/>
-              <a:tabLst/>
-              <a:defRPr/>
-            </a:pPr>
-            <a:r>
-              <a:rPr kumimoji="0" lang="en-US" sz="2000" b="0" i="0" u="none" strike="noStrike" kern="1200" cap="none" spc="0" normalizeH="0" baseline="0" noProof="0" dirty="0">
-                <a:ln>
-                  <a:noFill/>
-                </a:ln>
-                <a:solidFill>
-                  <a:srgbClr val="007598"/>
-                </a:solidFill>
-                <a:effectLst/>
-                <a:uLnTx/>
-                <a:uFillTx/>
-                <a:latin typeface="Calibri" panose="020F0502020204030204"/>
-                <a:ea typeface="+mn-ea"/>
-                <a:cs typeface="+mn-cs"/>
-              </a:rPr>
-              <a:t>If there is any confusion to the project at hand there can be clarification in the matter of seconds!</a:t>
-            </a:r>
-          </a:p>
-          <a:p>
-            <a:pPr marL="285750" marR="0" lvl="0" indent="-285750" algn="l" defTabSz="914400" rtl="0" eaLnBrk="1" fontAlgn="auto" latinLnBrk="0" hangingPunct="1">
-              <a:lnSpc>
-                <a:spcPct val="100000"/>
-              </a:lnSpc>
-              <a:spcBef>
-                <a:spcPts val="0"/>
-              </a:spcBef>
-              <a:spcAft>
-                <a:spcPts val="0"/>
-              </a:spcAft>
-              <a:buClrTx/>
-              <a:buSzTx/>
-              <a:buFont typeface="Arial" panose="020B0604020202020204" pitchFamily="34" charset="0"/>
-              <a:buChar char="•"/>
-              <a:tabLst/>
-              <a:defRPr/>
-            </a:pPr>
-            <a:endParaRPr kumimoji="0" lang="en-US" sz="2000" b="0" i="0" u="none" strike="noStrike" kern="1200" cap="none" spc="0" normalizeH="0" baseline="0" noProof="0" dirty="0">
-              <a:ln>
-                <a:noFill/>
-              </a:ln>
-              <a:solidFill>
-                <a:srgbClr val="007598"/>
-              </a:solidFill>
-              <a:effectLst/>
-              <a:uLnTx/>
-              <a:uFillTx/>
-              <a:latin typeface="Calibri" panose="020F0502020204030204"/>
-              <a:ea typeface="+mn-ea"/>
-              <a:cs typeface="+mn-cs"/>
-            </a:endParaRPr>
-          </a:p>
-          <a:p>
-            <a:pPr marL="285750" marR="0" lvl="0" indent="-285750" algn="l" defTabSz="914400" rtl="0" eaLnBrk="1" fontAlgn="auto" latinLnBrk="0" hangingPunct="1">
-              <a:lnSpc>
-                <a:spcPct val="100000"/>
-              </a:lnSpc>
-              <a:spcBef>
-                <a:spcPts val="0"/>
-              </a:spcBef>
-              <a:spcAft>
-                <a:spcPts val="0"/>
-              </a:spcAft>
-              <a:buClrTx/>
-              <a:buSzTx/>
-              <a:buFont typeface="Arial" panose="020B0604020202020204" pitchFamily="34" charset="0"/>
-              <a:buChar char="•"/>
-              <a:tabLst/>
-              <a:defRPr/>
-            </a:pPr>
-            <a:r>
-              <a:rPr kumimoji="0" lang="en-US" sz="2000" b="0" i="0" u="none" strike="noStrike" kern="1200" cap="none" spc="0" normalizeH="0" baseline="0" noProof="0" dirty="0">
-                <a:ln>
-                  <a:noFill/>
-                </a:ln>
-                <a:solidFill>
-                  <a:srgbClr val="007598"/>
-                </a:solidFill>
-                <a:effectLst/>
-                <a:uLnTx/>
-                <a:uFillTx/>
-                <a:latin typeface="Calibri" panose="020F0502020204030204"/>
-                <a:ea typeface="+mn-ea"/>
-                <a:cs typeface="+mn-cs"/>
-              </a:rPr>
-              <a:t>The cliché goes that a picture speaks a thousands words. So 30fps screen sharing should speak about 30,000 words per second. (pause for laughter)</a:t>
-            </a:r>
-          </a:p>
-        </p:txBody>
-      </p:sp>
-      <p:pic>
-        <p:nvPicPr>
-          <p:cNvPr id="6" name="Content Placeholder 5">
-            <a:extLst>
-              <a:ext uri="{FF2B5EF4-FFF2-40B4-BE49-F238E27FC236}">
-                <a16:creationId xmlns:a16="http://schemas.microsoft.com/office/drawing/2014/main" id="{DA4CFD66-3291-66F8-D4DA-888A03F5CE36}"/>
-              </a:ext>
-            </a:extLst>
-          </p:cNvPr>
-          <p:cNvPicPr>
-            <a:picLocks noGrp="1" noChangeAspect="1"/>
-          </p:cNvPicPr>
-          <p:nvPr>
-            <p:ph idx="1"/>
-          </p:nvPr>
-        </p:nvPicPr>
-        <p:blipFill>
-          <a:blip r:embed="rId3">
-            <a:extLst>
-              <a:ext uri="{28A0092B-C50C-407E-A947-70E740481C1C}">
-                <a14:useLocalDpi xmlns:a14="http://schemas.microsoft.com/office/drawing/2010/main" val="0"/>
-              </a:ext>
-            </a:extLst>
-          </a:blip>
-          <a:srcRect/>
-          <a:stretch/>
-        </p:blipFill>
-        <p:spPr>
-          <a:xfrm>
-            <a:off x="6096000" y="1866153"/>
-            <a:ext cx="5806880" cy="3269264"/>
-          </a:xfrm>
-          <a:effectLst>
-            <a:outerShdw blurRad="190500" dist="38100" dir="2700000" sx="102000" sy="102000" algn="tl" rotWithShape="0">
-              <a:prstClr val="black">
-                <a:alpha val="40000"/>
-              </a:prstClr>
-            </a:outerShdw>
-          </a:effectLst>
-        </p:spPr>
-      </p:pic>
-    </p:spTree>
-    <p:extLst>
-      <p:ext uri="{BB962C8B-B14F-4D97-AF65-F5344CB8AC3E}">
-        <p14:creationId xmlns:p14="http://schemas.microsoft.com/office/powerpoint/2010/main" val="2257766621"/>
-      </p:ext>
-    </p:extLst>
-  </p:cSld>
-  <p:clrMapOvr>
-    <a:masterClrMapping/>
-  </p:clrMapOvr>
-</p:sld>
-</file>
-
-<file path=ppt/slides/slide18.xml><?xml version="1.0" encoding="utf-8"?>
-<p:sld xmlns:a="http://schemas.openxmlformats.org/drawingml/2006/main" xmlns:r="http://schemas.openxmlformats.org/officeDocument/2006/relationships" xmlns:p="http://schemas.openxmlformats.org/presentationml/2006/main">
-  <p:cSld>
-    <p:spTree>
-      <p:nvGrpSpPr>
-        <p:cNvPr id="1" name=""/>
-        <p:cNvGrpSpPr/>
-        <p:nvPr/>
-      </p:nvGrpSpPr>
-      <p:grpSpPr>
-        <a:xfrm>
-          <a:off x="0" y="0"/>
-          <a:ext cx="0" cy="0"/>
-          <a:chOff x="0" y="0"/>
-          <a:chExt cx="0" cy="0"/>
-        </a:xfrm>
-      </p:grpSpPr>
-      <p:sp>
-        <p:nvSpPr>
-          <p:cNvPr id="2" name="Title 1">
-            <a:extLst>
-              <a:ext uri="{FF2B5EF4-FFF2-40B4-BE49-F238E27FC236}">
-                <a16:creationId xmlns:a16="http://schemas.microsoft.com/office/drawing/2014/main" id="{1193C801-427D-4761-B139-63C3D71F6842}"/>
-              </a:ext>
-            </a:extLst>
-          </p:cNvPr>
-          <p:cNvSpPr>
-            <a:spLocks noGrp="1"/>
-          </p:cNvSpPr>
-          <p:nvPr>
-            <p:ph type="title"/>
-          </p:nvPr>
-        </p:nvSpPr>
-        <p:spPr>
-          <a:xfrm>
-            <a:off x="838200" y="290652"/>
-            <a:ext cx="10515600" cy="780769"/>
-          </a:xfrm>
-        </p:spPr>
-        <p:txBody>
-          <a:bodyPr/>
-          <a:lstStyle/>
-          <a:p>
-            <a:r>
-              <a:rPr lang="en-US" dirty="0"/>
-              <a:t>Supports community and friendship</a:t>
-            </a:r>
-          </a:p>
-        </p:txBody>
-      </p:sp>
-      <p:sp>
-        <p:nvSpPr>
-          <p:cNvPr id="10" name="TextBox 9">
-            <a:extLst>
-              <a:ext uri="{FF2B5EF4-FFF2-40B4-BE49-F238E27FC236}">
-                <a16:creationId xmlns:a16="http://schemas.microsoft.com/office/drawing/2014/main" id="{978843E6-49FE-CE26-265D-A2D19E4793C0}"/>
-              </a:ext>
-            </a:extLst>
-          </p:cNvPr>
-          <p:cNvSpPr txBox="1"/>
-          <p:nvPr/>
-        </p:nvSpPr>
-        <p:spPr>
-          <a:xfrm>
-            <a:off x="838200" y="1238081"/>
-            <a:ext cx="4915237" cy="4401205"/>
-          </a:xfrm>
-          <a:prstGeom prst="rect">
-            <a:avLst/>
-          </a:prstGeom>
-          <a:noFill/>
-        </p:spPr>
-        <p:txBody>
-          <a:bodyPr wrap="square" rtlCol="0">
-            <a:spAutoFit/>
-          </a:bodyPr>
-          <a:lstStyle/>
-          <a:p>
-            <a:pPr marL="285750" marR="0" lvl="0" indent="-285750" algn="l" defTabSz="914400" rtl="0" eaLnBrk="1" fontAlgn="auto" latinLnBrk="0" hangingPunct="1">
-              <a:lnSpc>
-                <a:spcPct val="100000"/>
-              </a:lnSpc>
-              <a:spcBef>
-                <a:spcPts val="0"/>
-              </a:spcBef>
-              <a:spcAft>
-                <a:spcPts val="0"/>
-              </a:spcAft>
-              <a:buClrTx/>
-              <a:buSzTx/>
-              <a:buFont typeface="Arial" panose="020B0604020202020204" pitchFamily="34" charset="0"/>
-              <a:buChar char="•"/>
-              <a:tabLst/>
-              <a:defRPr/>
-            </a:pPr>
-            <a:r>
-              <a:rPr kumimoji="0" lang="en-US" sz="2000" b="0" i="0" u="none" strike="noStrike" kern="1200" cap="none" spc="0" normalizeH="0" baseline="0" noProof="0" dirty="0">
-                <a:ln>
-                  <a:noFill/>
-                </a:ln>
-                <a:solidFill>
-                  <a:srgbClr val="007598"/>
-                </a:solidFill>
-                <a:effectLst/>
-                <a:uLnTx/>
-                <a:uFillTx/>
-                <a:latin typeface="Calibri" panose="020F0502020204030204"/>
-                <a:ea typeface="+mn-ea"/>
-                <a:cs typeface="+mn-cs"/>
-              </a:rPr>
-              <a:t>Sometimes our computer notifications can cause a bit of a stressful spike in our bodies when we hear that jingle or notification noise. (pop </a:t>
-            </a:r>
-            <a:r>
-              <a:rPr kumimoji="0" lang="en-US" sz="2000" b="0" i="0" u="none" strike="noStrike" kern="1200" cap="none" spc="0" normalizeH="0" baseline="0" noProof="0" dirty="0" err="1">
-                <a:ln>
-                  <a:noFill/>
-                </a:ln>
-                <a:solidFill>
-                  <a:srgbClr val="007598"/>
-                </a:solidFill>
-                <a:effectLst/>
-                <a:uLnTx/>
-                <a:uFillTx/>
-                <a:latin typeface="Calibri" panose="020F0502020204030204"/>
-                <a:ea typeface="+mn-ea"/>
-                <a:cs typeface="+mn-cs"/>
-              </a:rPr>
-              <a:t>pop</a:t>
-            </a:r>
-            <a:r>
-              <a:rPr kumimoji="0" lang="en-US" sz="2000" b="0" i="0" u="none" strike="noStrike" kern="1200" cap="none" spc="0" normalizeH="0" baseline="0" noProof="0" dirty="0">
-                <a:ln>
-                  <a:noFill/>
-                </a:ln>
-                <a:solidFill>
-                  <a:srgbClr val="007598"/>
-                </a:solidFill>
-                <a:effectLst/>
-                <a:uLnTx/>
-                <a:uFillTx/>
-                <a:latin typeface="Calibri" panose="020F0502020204030204"/>
-                <a:ea typeface="+mn-ea"/>
-                <a:cs typeface="+mn-cs"/>
-              </a:rPr>
-              <a:t> </a:t>
-            </a:r>
-            <a:r>
-              <a:rPr kumimoji="0" lang="en-US" sz="2000" b="0" i="0" u="none" strike="noStrike" kern="1200" cap="none" spc="0" normalizeH="0" baseline="0" noProof="0" dirty="0" err="1">
-                <a:ln>
-                  <a:noFill/>
-                </a:ln>
-                <a:solidFill>
-                  <a:srgbClr val="007598"/>
-                </a:solidFill>
-                <a:effectLst/>
-                <a:uLnTx/>
-                <a:uFillTx/>
-                <a:latin typeface="Calibri" panose="020F0502020204030204"/>
-                <a:ea typeface="+mn-ea"/>
-                <a:cs typeface="+mn-cs"/>
-              </a:rPr>
-              <a:t>pop</a:t>
-            </a:r>
-            <a:r>
-              <a:rPr kumimoji="0" lang="en-US" sz="2000" b="0" i="0" u="none" strike="noStrike" kern="1200" cap="none" spc="0" normalizeH="0" baseline="0" noProof="0" dirty="0">
-                <a:ln>
-                  <a:noFill/>
-                </a:ln>
-                <a:solidFill>
-                  <a:srgbClr val="007598"/>
-                </a:solidFill>
-                <a:effectLst/>
-                <a:uLnTx/>
-                <a:uFillTx/>
-                <a:latin typeface="Calibri" panose="020F0502020204030204"/>
-                <a:ea typeface="+mn-ea"/>
-                <a:cs typeface="+mn-cs"/>
-              </a:rPr>
-              <a:t> brush </a:t>
-            </a:r>
-            <a:r>
-              <a:rPr kumimoji="0" lang="en-US" sz="2000" b="0" i="0" u="none" strike="noStrike" kern="1200" cap="none" spc="0" normalizeH="0" baseline="0" noProof="0" dirty="0" err="1">
-                <a:ln>
-                  <a:noFill/>
-                </a:ln>
-                <a:solidFill>
-                  <a:srgbClr val="007598"/>
-                </a:solidFill>
-                <a:effectLst/>
-                <a:uLnTx/>
-                <a:uFillTx/>
-                <a:latin typeface="Calibri" panose="020F0502020204030204"/>
-                <a:ea typeface="+mn-ea"/>
-                <a:cs typeface="+mn-cs"/>
-              </a:rPr>
-              <a:t>brush</a:t>
-            </a:r>
-            <a:r>
-              <a:rPr kumimoji="0" lang="en-US" sz="2000" b="0" i="0" u="none" strike="noStrike" kern="1200" cap="none" spc="0" normalizeH="0" baseline="0" noProof="0" dirty="0">
-                <a:ln>
-                  <a:noFill/>
-                </a:ln>
-                <a:solidFill>
-                  <a:srgbClr val="007598"/>
-                </a:solidFill>
-                <a:effectLst/>
-                <a:uLnTx/>
-                <a:uFillTx/>
-                <a:latin typeface="Calibri" panose="020F0502020204030204"/>
-                <a:ea typeface="+mn-ea"/>
-                <a:cs typeface="+mn-cs"/>
-              </a:rPr>
-              <a:t> brush)</a:t>
-            </a:r>
-          </a:p>
-          <a:p>
-            <a:pPr marL="285750" marR="0" lvl="0" indent="-285750" algn="l" defTabSz="914400" rtl="0" eaLnBrk="1" fontAlgn="auto" latinLnBrk="0" hangingPunct="1">
-              <a:lnSpc>
-                <a:spcPct val="100000"/>
-              </a:lnSpc>
-              <a:spcBef>
-                <a:spcPts val="0"/>
-              </a:spcBef>
-              <a:spcAft>
-                <a:spcPts val="0"/>
-              </a:spcAft>
-              <a:buClrTx/>
-              <a:buSzTx/>
-              <a:buFont typeface="Arial" panose="020B0604020202020204" pitchFamily="34" charset="0"/>
-              <a:buChar char="•"/>
-              <a:tabLst/>
-              <a:defRPr/>
-            </a:pPr>
-            <a:endParaRPr kumimoji="0" lang="en-US" sz="2000" b="0" i="0" u="none" strike="noStrike" kern="1200" cap="none" spc="0" normalizeH="0" baseline="0" noProof="0" dirty="0">
-              <a:ln>
-                <a:noFill/>
-              </a:ln>
-              <a:solidFill>
-                <a:srgbClr val="007598"/>
-              </a:solidFill>
-              <a:effectLst/>
-              <a:uLnTx/>
-              <a:uFillTx/>
-              <a:latin typeface="Calibri" panose="020F0502020204030204"/>
-              <a:ea typeface="+mn-ea"/>
-              <a:cs typeface="+mn-cs"/>
-            </a:endParaRPr>
-          </a:p>
-          <a:p>
-            <a:pPr marL="285750" marR="0" lvl="0" indent="-285750" algn="l" defTabSz="914400" rtl="0" eaLnBrk="1" fontAlgn="auto" latinLnBrk="0" hangingPunct="1">
-              <a:lnSpc>
-                <a:spcPct val="100000"/>
-              </a:lnSpc>
-              <a:spcBef>
-                <a:spcPts val="0"/>
-              </a:spcBef>
-              <a:spcAft>
-                <a:spcPts val="0"/>
-              </a:spcAft>
-              <a:buClrTx/>
-              <a:buSzTx/>
-              <a:buFont typeface="Arial" panose="020B0604020202020204" pitchFamily="34" charset="0"/>
-              <a:buChar char="•"/>
-              <a:tabLst/>
-              <a:defRPr/>
-            </a:pPr>
-            <a:r>
-              <a:rPr kumimoji="0" lang="en-US" sz="2000" b="0" i="0" u="none" strike="noStrike" kern="1200" cap="none" spc="0" normalizeH="0" baseline="0" noProof="0" dirty="0">
-                <a:ln>
-                  <a:noFill/>
-                </a:ln>
-                <a:solidFill>
-                  <a:srgbClr val="007598"/>
-                </a:solidFill>
-                <a:effectLst/>
-                <a:uLnTx/>
-                <a:uFillTx/>
-                <a:latin typeface="Calibri" panose="020F0502020204030204"/>
-                <a:ea typeface="+mn-ea"/>
-                <a:cs typeface="+mn-cs"/>
-              </a:rPr>
-              <a:t>In a healthy group setting, those notifications can perk you up and bring motivation to your work-flow!</a:t>
-            </a:r>
-          </a:p>
-          <a:p>
-            <a:pPr marL="285750" marR="0" lvl="0" indent="-285750" algn="l" defTabSz="914400" rtl="0" eaLnBrk="1" fontAlgn="auto" latinLnBrk="0" hangingPunct="1">
-              <a:lnSpc>
-                <a:spcPct val="100000"/>
-              </a:lnSpc>
-              <a:spcBef>
-                <a:spcPts val="0"/>
-              </a:spcBef>
-              <a:spcAft>
-                <a:spcPts val="0"/>
-              </a:spcAft>
-              <a:buClrTx/>
-              <a:buSzTx/>
-              <a:buFont typeface="Arial" panose="020B0604020202020204" pitchFamily="34" charset="0"/>
-              <a:buChar char="•"/>
-              <a:tabLst/>
-              <a:defRPr/>
-            </a:pPr>
-            <a:endParaRPr kumimoji="0" lang="en-US" sz="2000" b="0" i="0" u="none" strike="noStrike" kern="1200" cap="none" spc="0" normalizeH="0" baseline="0" noProof="0" dirty="0">
-              <a:ln>
-                <a:noFill/>
-              </a:ln>
-              <a:solidFill>
-                <a:srgbClr val="007598"/>
-              </a:solidFill>
-              <a:effectLst/>
-              <a:uLnTx/>
-              <a:uFillTx/>
-              <a:latin typeface="Calibri" panose="020F0502020204030204"/>
-              <a:ea typeface="+mn-ea"/>
-              <a:cs typeface="+mn-cs"/>
-            </a:endParaRPr>
-          </a:p>
-          <a:p>
-            <a:pPr marL="285750" marR="0" lvl="0" indent="-285750" algn="l" defTabSz="914400" rtl="0" eaLnBrk="1" fontAlgn="auto" latinLnBrk="0" hangingPunct="1">
-              <a:lnSpc>
-                <a:spcPct val="100000"/>
-              </a:lnSpc>
-              <a:spcBef>
-                <a:spcPts val="0"/>
-              </a:spcBef>
-              <a:spcAft>
-                <a:spcPts val="0"/>
-              </a:spcAft>
-              <a:buClrTx/>
-              <a:buSzTx/>
-              <a:buFont typeface="Arial" panose="020B0604020202020204" pitchFamily="34" charset="0"/>
-              <a:buChar char="•"/>
-              <a:tabLst/>
-              <a:defRPr/>
-            </a:pPr>
-            <a:r>
-              <a:rPr kumimoji="0" lang="en-US" sz="2000" b="0" i="0" u="none" strike="noStrike" kern="1200" cap="none" spc="0" normalizeH="0" baseline="0" noProof="0" dirty="0">
-                <a:ln>
-                  <a:noFill/>
-                </a:ln>
-                <a:solidFill>
-                  <a:srgbClr val="007598"/>
-                </a:solidFill>
-                <a:effectLst/>
-                <a:uLnTx/>
-                <a:uFillTx/>
-                <a:latin typeface="Calibri" panose="020F0502020204030204"/>
-                <a:ea typeface="+mn-ea"/>
-                <a:cs typeface="+mn-cs"/>
-              </a:rPr>
-              <a:t>Efficiency is always important, especially in the tech world. However, we find our group is most efficient when we are all laughing with each other.</a:t>
-            </a:r>
-          </a:p>
-        </p:txBody>
-      </p:sp>
-      <p:pic>
-        <p:nvPicPr>
-          <p:cNvPr id="6" name="Content Placeholder 5">
-            <a:extLst>
-              <a:ext uri="{FF2B5EF4-FFF2-40B4-BE49-F238E27FC236}">
-                <a16:creationId xmlns:a16="http://schemas.microsoft.com/office/drawing/2014/main" id="{B070374E-4E90-6E58-153B-FCEFE25430E4}"/>
-              </a:ext>
-            </a:extLst>
-          </p:cNvPr>
-          <p:cNvPicPr>
-            <a:picLocks noGrp="1" noChangeAspect="1"/>
-          </p:cNvPicPr>
-          <p:nvPr>
-            <p:ph idx="1"/>
-          </p:nvPr>
-        </p:nvPicPr>
-        <p:blipFill>
-          <a:blip r:embed="rId3">
-            <a:extLst>
-              <a:ext uri="{28A0092B-C50C-407E-A947-70E740481C1C}">
-                <a14:useLocalDpi xmlns:a14="http://schemas.microsoft.com/office/drawing/2010/main" val="0"/>
-              </a:ext>
-            </a:extLst>
-          </a:blip>
-          <a:srcRect/>
-          <a:stretch/>
-        </p:blipFill>
-        <p:spPr>
-          <a:xfrm>
-            <a:off x="5848712" y="1071421"/>
-            <a:ext cx="6137316" cy="4618179"/>
-          </a:xfrm>
-          <a:effectLst>
-            <a:outerShdw blurRad="190500" dist="38100" dir="2700000" sx="102000" sy="102000" algn="tl" rotWithShape="0">
-              <a:prstClr val="black">
-                <a:alpha val="40000"/>
-              </a:prstClr>
-            </a:outerShdw>
-          </a:effectLst>
-        </p:spPr>
-      </p:pic>
-    </p:spTree>
-    <p:extLst>
-      <p:ext uri="{BB962C8B-B14F-4D97-AF65-F5344CB8AC3E}">
-        <p14:creationId xmlns:p14="http://schemas.microsoft.com/office/powerpoint/2010/main" val="857814757"/>
-      </p:ext>
-    </p:extLst>
-  </p:cSld>
-  <p:clrMapOvr>
-    <a:masterClrMapping/>
-  </p:clrMapOvr>
-</p:sld>
-</file>
-
-<file path=ppt/slides/slide19.xml><?xml version="1.0" encoding="utf-8"?>
 <p:sld xmlns:a="http://schemas.openxmlformats.org/drawingml/2006/main" xmlns:r="http://schemas.openxmlformats.org/officeDocument/2006/relationships" xmlns:p="http://schemas.openxmlformats.org/presentationml/2006/main">
   <p:cSld>
     <p:spTree>
@@ -9046,4 +7992,290 @@
     </a:ext>
   </a:extLst>
 </a:theme>
+</file>
+
+<file path=ppt/theme/themeOverride1.xml><?xml version="1.0" encoding="utf-8"?>
+<a:themeOverride xmlns:a="http://schemas.openxmlformats.org/drawingml/2006/main">
+  <a:clrScheme name="Office">
+    <a:dk1>
+      <a:sysClr val="windowText" lastClr="000000"/>
+    </a:dk1>
+    <a:lt1>
+      <a:sysClr val="window" lastClr="FFFFFF"/>
+    </a:lt1>
+    <a:dk2>
+      <a:srgbClr val="0E2841"/>
+    </a:dk2>
+    <a:lt2>
+      <a:srgbClr val="E8E8E8"/>
+    </a:lt2>
+    <a:accent1>
+      <a:srgbClr val="156082"/>
+    </a:accent1>
+    <a:accent2>
+      <a:srgbClr val="E97132"/>
+    </a:accent2>
+    <a:accent3>
+      <a:srgbClr val="196B24"/>
+    </a:accent3>
+    <a:accent4>
+      <a:srgbClr val="0F9ED5"/>
+    </a:accent4>
+    <a:accent5>
+      <a:srgbClr val="A02B93"/>
+    </a:accent5>
+    <a:accent6>
+      <a:srgbClr val="4EA72E"/>
+    </a:accent6>
+    <a:hlink>
+      <a:srgbClr val="467886"/>
+    </a:hlink>
+    <a:folHlink>
+      <a:srgbClr val="96607D"/>
+    </a:folHlink>
+  </a:clrScheme>
+  <a:fontScheme name="Office">
+    <a:majorFont>
+      <a:latin typeface="Aptos Display" panose="02110004020202020204"/>
+      <a:ea typeface=""/>
+      <a:cs typeface=""/>
+      <a:font script="Jpan" typeface="游ゴシック Light"/>
+      <a:font script="Hang" typeface="맑은 고딕"/>
+      <a:font script="Hans" typeface="等线 Light"/>
+      <a:font script="Hant" typeface="新細明體"/>
+      <a:font script="Arab" typeface="Times New Roman"/>
+      <a:font script="Hebr" typeface="Times New Roman"/>
+      <a:font script="Thai" typeface="Tahoma"/>
+      <a:font script="Ethi" typeface="Nyala"/>
+      <a:font script="Beng" typeface="Vrinda"/>
+      <a:font script="Gujr" typeface="Shruti"/>
+      <a:font script="Khmr" typeface="MoolBoran"/>
+      <a:font script="Knda" typeface="Tunga"/>
+      <a:font script="Guru" typeface="Raavi"/>
+      <a:font script="Cans" typeface="Euphemia"/>
+      <a:font script="Cher" typeface="Plantagenet Cherokee"/>
+      <a:font script="Yiii" typeface="Microsoft Yi Baiti"/>
+      <a:font script="Tibt" typeface="Microsoft Himalaya"/>
+      <a:font script="Thaa" typeface="MV Boli"/>
+      <a:font script="Deva" typeface="Mangal"/>
+      <a:font script="Telu" typeface="Gautami"/>
+      <a:font script="Taml" typeface="Latha"/>
+      <a:font script="Syrc" typeface="Estrangelo Edessa"/>
+      <a:font script="Orya" typeface="Kalinga"/>
+      <a:font script="Mlym" typeface="Kartika"/>
+      <a:font script="Laoo" typeface="DokChampa"/>
+      <a:font script="Sinh" typeface="Iskoola Pota"/>
+      <a:font script="Mong" typeface="Mongolian Baiti"/>
+      <a:font script="Viet" typeface="Times New Roman"/>
+      <a:font script="Uigh" typeface="Microsoft Uighur"/>
+      <a:font script="Geor" typeface="Sylfaen"/>
+      <a:font script="Armn" typeface="Arial"/>
+      <a:font script="Bugi" typeface="Leelawadee UI"/>
+      <a:font script="Bopo" typeface="Microsoft JhengHei"/>
+      <a:font script="Java" typeface="Javanese Text"/>
+      <a:font script="Lisu" typeface="Segoe UI"/>
+      <a:font script="Mymr" typeface="Myanmar Text"/>
+      <a:font script="Nkoo" typeface="Ebrima"/>
+      <a:font script="Olck" typeface="Nirmala UI"/>
+      <a:font script="Osma" typeface="Ebrima"/>
+      <a:font script="Phag" typeface="Phagspa"/>
+      <a:font script="Syrn" typeface="Estrangelo Edessa"/>
+      <a:font script="Syrj" typeface="Estrangelo Edessa"/>
+      <a:font script="Syre" typeface="Estrangelo Edessa"/>
+      <a:font script="Sora" typeface="Nirmala UI"/>
+      <a:font script="Tale" typeface="Microsoft Tai Le"/>
+      <a:font script="Talu" typeface="Microsoft New Tai Lue"/>
+      <a:font script="Tfng" typeface="Ebrima"/>
+    </a:majorFont>
+    <a:minorFont>
+      <a:latin typeface="Aptos Narrow" panose="02110004020202020204"/>
+      <a:ea typeface=""/>
+      <a:cs typeface=""/>
+      <a:font script="Jpan" typeface="游ゴシック"/>
+      <a:font script="Hang" typeface="맑은 고딕"/>
+      <a:font script="Hans" typeface="等线"/>
+      <a:font script="Hant" typeface="新細明體"/>
+      <a:font script="Arab" typeface="Arial"/>
+      <a:font script="Hebr" typeface="Arial"/>
+      <a:font script="Thai" typeface="Tahoma"/>
+      <a:font script="Ethi" typeface="Nyala"/>
+      <a:font script="Beng" typeface="Vrinda"/>
+      <a:font script="Gujr" typeface="Shruti"/>
+      <a:font script="Khmr" typeface="DaunPenh"/>
+      <a:font script="Knda" typeface="Tunga"/>
+      <a:font script="Guru" typeface="Raavi"/>
+      <a:font script="Cans" typeface="Euphemia"/>
+      <a:font script="Cher" typeface="Plantagenet Cherokee"/>
+      <a:font script="Yiii" typeface="Microsoft Yi Baiti"/>
+      <a:font script="Tibt" typeface="Microsoft Himalaya"/>
+      <a:font script="Thaa" typeface="MV Boli"/>
+      <a:font script="Deva" typeface="Mangal"/>
+      <a:font script="Telu" typeface="Gautami"/>
+      <a:font script="Taml" typeface="Latha"/>
+      <a:font script="Syrc" typeface="Estrangelo Edessa"/>
+      <a:font script="Orya" typeface="Kalinga"/>
+      <a:font script="Mlym" typeface="Kartika"/>
+      <a:font script="Laoo" typeface="DokChampa"/>
+      <a:font script="Sinh" typeface="Iskoola Pota"/>
+      <a:font script="Mong" typeface="Mongolian Baiti"/>
+      <a:font script="Viet" typeface="Arial"/>
+      <a:font script="Uigh" typeface="Microsoft Uighur"/>
+      <a:font script="Geor" typeface="Sylfaen"/>
+      <a:font script="Armn" typeface="Arial"/>
+      <a:font script="Bugi" typeface="Leelawadee UI"/>
+      <a:font script="Bopo" typeface="Microsoft JhengHei"/>
+      <a:font script="Java" typeface="Javanese Text"/>
+      <a:font script="Lisu" typeface="Segoe UI"/>
+      <a:font script="Mymr" typeface="Myanmar Text"/>
+      <a:font script="Nkoo" typeface="Ebrima"/>
+      <a:font script="Olck" typeface="Nirmala UI"/>
+      <a:font script="Osma" typeface="Ebrima"/>
+      <a:font script="Phag" typeface="Phagspa"/>
+      <a:font script="Syrn" typeface="Estrangelo Edessa"/>
+      <a:font script="Syrj" typeface="Estrangelo Edessa"/>
+      <a:font script="Syre" typeface="Estrangelo Edessa"/>
+      <a:font script="Sora" typeface="Nirmala UI"/>
+      <a:font script="Tale" typeface="Microsoft Tai Le"/>
+      <a:font script="Talu" typeface="Microsoft New Tai Lue"/>
+      <a:font script="Tfng" typeface="Ebrima"/>
+    </a:minorFont>
+  </a:fontScheme>
+  <a:fmtScheme name="Office">
+    <a:fillStyleLst>
+      <a:solidFill>
+        <a:schemeClr val="phClr"/>
+      </a:solidFill>
+      <a:gradFill rotWithShape="1">
+        <a:gsLst>
+          <a:gs pos="0">
+            <a:schemeClr val="phClr">
+              <a:lumMod val="110000"/>
+              <a:satMod val="105000"/>
+              <a:tint val="67000"/>
+            </a:schemeClr>
+          </a:gs>
+          <a:gs pos="50000">
+            <a:schemeClr val="phClr">
+              <a:lumMod val="105000"/>
+              <a:satMod val="103000"/>
+              <a:tint val="73000"/>
+            </a:schemeClr>
+          </a:gs>
+          <a:gs pos="100000">
+            <a:schemeClr val="phClr">
+              <a:lumMod val="105000"/>
+              <a:satMod val="109000"/>
+              <a:tint val="81000"/>
+            </a:schemeClr>
+          </a:gs>
+        </a:gsLst>
+        <a:lin ang="5400000" scaled="0"/>
+      </a:gradFill>
+      <a:gradFill rotWithShape="1">
+        <a:gsLst>
+          <a:gs pos="0">
+            <a:schemeClr val="phClr">
+              <a:satMod val="103000"/>
+              <a:lumMod val="102000"/>
+              <a:tint val="94000"/>
+            </a:schemeClr>
+          </a:gs>
+          <a:gs pos="50000">
+            <a:schemeClr val="phClr">
+              <a:satMod val="110000"/>
+              <a:lumMod val="100000"/>
+              <a:shade val="100000"/>
+            </a:schemeClr>
+          </a:gs>
+          <a:gs pos="100000">
+            <a:schemeClr val="phClr">
+              <a:lumMod val="99000"/>
+              <a:satMod val="120000"/>
+              <a:shade val="78000"/>
+            </a:schemeClr>
+          </a:gs>
+        </a:gsLst>
+        <a:lin ang="5400000" scaled="0"/>
+      </a:gradFill>
+    </a:fillStyleLst>
+    <a:lnStyleLst>
+      <a:ln w="12700" cap="flat" cmpd="sng" algn="ctr">
+        <a:solidFill>
+          <a:schemeClr val="phClr"/>
+        </a:solidFill>
+        <a:prstDash val="solid"/>
+        <a:miter lim="800000"/>
+      </a:ln>
+      <a:ln w="19050" cap="flat" cmpd="sng" algn="ctr">
+        <a:solidFill>
+          <a:schemeClr val="phClr"/>
+        </a:solidFill>
+        <a:prstDash val="solid"/>
+        <a:miter lim="800000"/>
+      </a:ln>
+      <a:ln w="25400" cap="flat" cmpd="sng" algn="ctr">
+        <a:solidFill>
+          <a:schemeClr val="phClr"/>
+        </a:solidFill>
+        <a:prstDash val="solid"/>
+        <a:miter lim="800000"/>
+      </a:ln>
+    </a:lnStyleLst>
+    <a:effectStyleLst>
+      <a:effectStyle>
+        <a:effectLst/>
+      </a:effectStyle>
+      <a:effectStyle>
+        <a:effectLst/>
+      </a:effectStyle>
+      <a:effectStyle>
+        <a:effectLst>
+          <a:outerShdw blurRad="57150" dist="19050" dir="5400000" algn="ctr" rotWithShape="0">
+            <a:srgbClr val="000000">
+              <a:alpha val="63000"/>
+            </a:srgbClr>
+          </a:outerShdw>
+        </a:effectLst>
+      </a:effectStyle>
+    </a:effectStyleLst>
+    <a:bgFillStyleLst>
+      <a:solidFill>
+        <a:schemeClr val="phClr"/>
+      </a:solidFill>
+      <a:solidFill>
+        <a:schemeClr val="phClr">
+          <a:tint val="95000"/>
+          <a:satMod val="170000"/>
+        </a:schemeClr>
+      </a:solidFill>
+      <a:gradFill rotWithShape="1">
+        <a:gsLst>
+          <a:gs pos="0">
+            <a:schemeClr val="phClr">
+              <a:tint val="93000"/>
+              <a:satMod val="150000"/>
+              <a:shade val="98000"/>
+              <a:lumMod val="102000"/>
+            </a:schemeClr>
+          </a:gs>
+          <a:gs pos="50000">
+            <a:schemeClr val="phClr">
+              <a:tint val="98000"/>
+              <a:satMod val="130000"/>
+              <a:shade val="90000"/>
+              <a:lumMod val="103000"/>
+            </a:schemeClr>
+          </a:gs>
+          <a:gs pos="100000">
+            <a:schemeClr val="phClr">
+              <a:shade val="63000"/>
+              <a:satMod val="120000"/>
+            </a:schemeClr>
+          </a:gs>
+        </a:gsLst>
+        <a:lin ang="5400000" scaled="0"/>
+      </a:gradFill>
+    </a:bgFillStyleLst>
+  </a:fmtScheme>
+</a:themeOverride>
 </file>
--- a/LeveragingSlackForStudentCollaboration.pptx
+++ b/LeveragingSlackForStudentCollaboration.pptx
@@ -5,7 +5,7 @@
     <p:sldMasterId id="2147483660" r:id="rId1"/>
   </p:sldMasterIdLst>
   <p:notesMasterIdLst>
-    <p:notesMasterId r:id="rId17"/>
+    <p:notesMasterId r:id="rId23"/>
   </p:notesMasterIdLst>
   <p:sldIdLst>
     <p:sldId id="309" r:id="rId2"/>
@@ -18,11 +18,17 @@
     <p:sldId id="1378" r:id="rId9"/>
     <p:sldId id="1379" r:id="rId10"/>
     <p:sldId id="1380" r:id="rId11"/>
-    <p:sldId id="1383" r:id="rId12"/>
-    <p:sldId id="1385" r:id="rId13"/>
+    <p:sldId id="1391" r:id="rId12"/>
+    <p:sldId id="1392" r:id="rId13"/>
     <p:sldId id="258" r:id="rId14"/>
-    <p:sldId id="1382" r:id="rId15"/>
-    <p:sldId id="1372" r:id="rId16"/>
+    <p:sldId id="1383" r:id="rId15"/>
+    <p:sldId id="1384" r:id="rId16"/>
+    <p:sldId id="1385" r:id="rId17"/>
+    <p:sldId id="1386" r:id="rId18"/>
+    <p:sldId id="1387" r:id="rId19"/>
+    <p:sldId id="1388" r:id="rId20"/>
+    <p:sldId id="1389" r:id="rId21"/>
+    <p:sldId id="1372" r:id="rId22"/>
   </p:sldIdLst>
   <p:sldSz cx="12192000" cy="6858000"/>
   <p:notesSz cx="6858000" cy="9144000"/>
@@ -1728,7 +1734,7 @@
           <a:p>
             <a:fld id="{CA1F7DAD-AACB-410C-9AA4-BE5099812397}" type="datetimeFigureOut">
               <a:rPr lang="en-US" smtClean="0"/>
-              <a:t>7/16/2024</a:t>
+              <a:t>7/17/2024</a:t>
             </a:fld>
             <a:endParaRPr lang="en-US"/>
           </a:p>
@@ -2123,7 +2129,57 @@
           <a:bodyPr/>
           <a:lstStyle/>
           <a:p>
-            <a:endParaRPr lang="en-US"/>
+            <a:pPr marL="285750" indent="-285750">
+              <a:buFont typeface="Arial" panose="020B0604020202020204" pitchFamily="34" charset="0"/>
+              <a:buChar char="•"/>
+            </a:pPr>
+            <a:r>
+              <a:rPr lang="en-US" sz="1200" dirty="0"/>
+              <a:t>Software projects in a class setting can be chaotic without clear communication</a:t>
+            </a:r>
+          </a:p>
+          <a:p>
+            <a:pPr marL="285750" indent="-285750">
+              <a:buFont typeface="Arial" panose="020B0604020202020204" pitchFamily="34" charset="0"/>
+              <a:buChar char="•"/>
+            </a:pPr>
+            <a:endParaRPr lang="en-US" sz="1200" dirty="0"/>
+          </a:p>
+          <a:p>
+            <a:pPr marL="285750" indent="-285750">
+              <a:buFont typeface="Arial" panose="020B0604020202020204" pitchFamily="34" charset="0"/>
+              <a:buChar char="•"/>
+            </a:pPr>
+            <a:r>
+              <a:rPr lang="en-US" sz="1200" dirty="0"/>
+              <a:t>We are all learning and perhaps working with several new technologies for the first time. We are also learning HOW to learn in a fast-paced tech environment.</a:t>
+            </a:r>
+          </a:p>
+          <a:p>
+            <a:pPr marL="285750" indent="-285750">
+              <a:buFont typeface="Arial" panose="020B0604020202020204" pitchFamily="34" charset="0"/>
+              <a:buChar char="•"/>
+            </a:pPr>
+            <a:endParaRPr lang="en-US" sz="1200" dirty="0"/>
+          </a:p>
+          <a:p>
+            <a:pPr marL="285750" indent="-285750">
+              <a:buFont typeface="Arial" panose="020B0604020202020204" pitchFamily="34" charset="0"/>
+              <a:buChar char="•"/>
+            </a:pPr>
+            <a:r>
+              <a:rPr lang="en-US" sz="1200" dirty="0"/>
+              <a:t>When our groups run into problems, Slack allows us to pinpoint the problem as a group and see the clear solution when someone finds it!</a:t>
+            </a:r>
+          </a:p>
+          <a:p>
+            <a:endParaRPr lang="en-US" dirty="0"/>
+          </a:p>
+          <a:p>
+            <a:r>
+              <a:rPr lang="en-US" dirty="0"/>
+              <a:t>(Dustin was able to pinpoint a problem with our Spring-Boot API and share what he found with our group. It was part of a dependency that we could manually exclude.)</a:t>
+            </a:r>
           </a:p>
         </p:txBody>
       </p:sp>
@@ -2142,9 +2198,1123 @@
           <a:bodyPr/>
           <a:lstStyle/>
           <a:p>
+            <a:pPr marL="0" marR="0" lvl="0" indent="0" algn="r" defTabSz="914400" rtl="0" eaLnBrk="1" fontAlgn="auto" latinLnBrk="0" hangingPunct="1">
+              <a:lnSpc>
+                <a:spcPct val="100000"/>
+              </a:lnSpc>
+              <a:spcBef>
+                <a:spcPts val="0"/>
+              </a:spcBef>
+              <a:spcAft>
+                <a:spcPts val="0"/>
+              </a:spcAft>
+              <a:buClrTx/>
+              <a:buSzTx/>
+              <a:buFontTx/>
+              <a:buNone/>
+              <a:tabLst/>
+              <a:defRPr/>
+            </a:pPr>
+            <a:fld id="{AE9ECEFE-5C53-4261-924B-F0AA5F7E0BB8}" type="slidenum">
+              <a:rPr kumimoji="0" lang="en-US" sz="1200" b="0" i="0" u="none" strike="noStrike" kern="1200" cap="none" spc="0" normalizeH="0" baseline="0" noProof="0" smtClean="0">
+                <a:ln>
+                  <a:noFill/>
+                </a:ln>
+                <a:solidFill>
+                  <a:prstClr val="black"/>
+                </a:solidFill>
+                <a:effectLst/>
+                <a:uLnTx/>
+                <a:uFillTx/>
+                <a:latin typeface="Calibri" panose="020F0502020204030204"/>
+                <a:ea typeface="+mn-ea"/>
+                <a:cs typeface="+mn-cs"/>
+              </a:rPr>
+              <a:pPr marL="0" marR="0" lvl="0" indent="0" algn="r" defTabSz="914400" rtl="0" eaLnBrk="1" fontAlgn="auto" latinLnBrk="0" hangingPunct="1">
+                <a:lnSpc>
+                  <a:spcPct val="100000"/>
+                </a:lnSpc>
+                <a:spcBef>
+                  <a:spcPts val="0"/>
+                </a:spcBef>
+                <a:spcAft>
+                  <a:spcPts val="0"/>
+                </a:spcAft>
+                <a:buClrTx/>
+                <a:buSzTx/>
+                <a:buFontTx/>
+                <a:buNone/>
+                <a:tabLst/>
+                <a:defRPr/>
+              </a:pPr>
+              <a:t>15</a:t>
+            </a:fld>
+            <a:endParaRPr kumimoji="0" lang="en-US" sz="1200" b="0" i="0" u="none" strike="noStrike" kern="1200" cap="none" spc="0" normalizeH="0" baseline="0" noProof="0">
+              <a:ln>
+                <a:noFill/>
+              </a:ln>
+              <a:solidFill>
+                <a:prstClr val="black"/>
+              </a:solidFill>
+              <a:effectLst/>
+              <a:uLnTx/>
+              <a:uFillTx/>
+              <a:latin typeface="Calibri" panose="020F0502020204030204"/>
+              <a:ea typeface="+mn-ea"/>
+              <a:cs typeface="+mn-cs"/>
+            </a:endParaRPr>
+          </a:p>
+        </p:txBody>
+      </p:sp>
+    </p:spTree>
+    <p:extLst>
+      <p:ext uri="{BB962C8B-B14F-4D97-AF65-F5344CB8AC3E}">
+        <p14:creationId xmlns:p14="http://schemas.microsoft.com/office/powerpoint/2010/main" val="3993838157"/>
+      </p:ext>
+    </p:extLst>
+  </p:cSld>
+  <p:clrMapOvr>
+    <a:masterClrMapping/>
+  </p:clrMapOvr>
+</p:notes>
+</file>
+
+<file path=ppt/notesSlides/notesSlide3.xml><?xml version="1.0" encoding="utf-8"?>
+<p:notes xmlns:a="http://schemas.openxmlformats.org/drawingml/2006/main" xmlns:r="http://schemas.openxmlformats.org/officeDocument/2006/relationships" xmlns:p="http://schemas.openxmlformats.org/presentationml/2006/main">
+  <p:cSld>
+    <p:spTree>
+      <p:nvGrpSpPr>
+        <p:cNvPr id="1" name=""/>
+        <p:cNvGrpSpPr/>
+        <p:nvPr/>
+      </p:nvGrpSpPr>
+      <p:grpSpPr>
+        <a:xfrm>
+          <a:off x="0" y="0"/>
+          <a:ext cx="0" cy="0"/>
+          <a:chOff x="0" y="0"/>
+          <a:chExt cx="0" cy="0"/>
+        </a:xfrm>
+      </p:grpSpPr>
+      <p:sp>
+        <p:nvSpPr>
+          <p:cNvPr id="2" name="Slide Image Placeholder 1"/>
+          <p:cNvSpPr>
+            <a:spLocks noGrp="1" noRot="1" noChangeAspect="1"/>
+          </p:cNvSpPr>
+          <p:nvPr>
+            <p:ph type="sldImg"/>
+          </p:nvPr>
+        </p:nvSpPr>
+        <p:spPr/>
+      </p:sp>
+      <p:sp>
+        <p:nvSpPr>
+          <p:cNvPr id="3" name="Notes Placeholder 2"/>
+          <p:cNvSpPr>
+            <a:spLocks noGrp="1"/>
+          </p:cNvSpPr>
+          <p:nvPr>
+            <p:ph type="body" idx="1"/>
+          </p:nvPr>
+        </p:nvSpPr>
+        <p:spPr/>
+        <p:txBody>
+          <a:bodyPr/>
+          <a:lstStyle/>
+          <a:p>
+            <a:pPr marL="285750" indent="-285750">
+              <a:buFont typeface="Arial" panose="020B0604020202020204" pitchFamily="34" charset="0"/>
+              <a:buChar char="•"/>
+            </a:pPr>
+            <a:r>
+              <a:rPr lang="en-US" sz="1200" dirty="0"/>
+              <a:t>Juggling different groups can quickly become a chore without the proper tools.</a:t>
+            </a:r>
+          </a:p>
+          <a:p>
+            <a:pPr marL="285750" indent="-285750">
+              <a:buFont typeface="Arial" panose="020B0604020202020204" pitchFamily="34" charset="0"/>
+              <a:buChar char="•"/>
+            </a:pPr>
+            <a:endParaRPr lang="en-US" sz="1200" dirty="0"/>
+          </a:p>
+          <a:p>
+            <a:pPr marL="285750" indent="-285750">
+              <a:buFont typeface="Arial" panose="020B0604020202020204" pitchFamily="34" charset="0"/>
+              <a:buChar char="•"/>
+            </a:pPr>
+            <a:r>
+              <a:rPr lang="en-US" sz="1200" dirty="0"/>
+              <a:t>Slack allows you to have multiple workspaces at once, with a user-friendly UI to jump between all your groups.</a:t>
+            </a:r>
+          </a:p>
+          <a:p>
+            <a:pPr marL="285750" indent="-285750">
+              <a:buFont typeface="Arial" panose="020B0604020202020204" pitchFamily="34" charset="0"/>
+              <a:buChar char="•"/>
+            </a:pPr>
+            <a:endParaRPr lang="en-US" sz="1200" dirty="0"/>
+          </a:p>
+          <a:p>
+            <a:pPr marL="285750" indent="-285750">
+              <a:buFont typeface="Arial" panose="020B0604020202020204" pitchFamily="34" charset="0"/>
+              <a:buChar char="•"/>
+            </a:pPr>
+            <a:r>
+              <a:rPr lang="en-US" sz="1200" dirty="0"/>
+              <a:t>Having clearly defined workspaces allows for easy transitioning from one group to another. </a:t>
+            </a:r>
+          </a:p>
+          <a:p>
+            <a:endParaRPr lang="en-US" dirty="0"/>
+          </a:p>
+          <a:p>
+            <a:r>
+              <a:rPr lang="en-US" dirty="0"/>
+              <a:t>(At FSCJ it can get to be a little much if you are taking multiple IT classes at the same time. Slack allows a handy workspace system to jump between your groups of peers.)</a:t>
+            </a:r>
+          </a:p>
+        </p:txBody>
+      </p:sp>
+      <p:sp>
+        <p:nvSpPr>
+          <p:cNvPr id="4" name="Slide Number Placeholder 3"/>
+          <p:cNvSpPr>
+            <a:spLocks noGrp="1"/>
+          </p:cNvSpPr>
+          <p:nvPr>
+            <p:ph type="sldNum" sz="quarter" idx="5"/>
+          </p:nvPr>
+        </p:nvSpPr>
+        <p:spPr/>
+        <p:txBody>
+          <a:bodyPr/>
+          <a:lstStyle/>
+          <a:p>
+            <a:pPr marL="0" marR="0" lvl="0" indent="0" algn="r" defTabSz="914400" rtl="0" eaLnBrk="1" fontAlgn="auto" latinLnBrk="0" hangingPunct="1">
+              <a:lnSpc>
+                <a:spcPct val="100000"/>
+              </a:lnSpc>
+              <a:spcBef>
+                <a:spcPts val="0"/>
+              </a:spcBef>
+              <a:spcAft>
+                <a:spcPts val="0"/>
+              </a:spcAft>
+              <a:buClrTx/>
+              <a:buSzTx/>
+              <a:buFontTx/>
+              <a:buNone/>
+              <a:tabLst/>
+              <a:defRPr/>
+            </a:pPr>
+            <a:fld id="{AE9ECEFE-5C53-4261-924B-F0AA5F7E0BB8}" type="slidenum">
+              <a:rPr kumimoji="0" lang="en-US" sz="1200" b="0" i="0" u="none" strike="noStrike" kern="1200" cap="none" spc="0" normalizeH="0" baseline="0" noProof="0" smtClean="0">
+                <a:ln>
+                  <a:noFill/>
+                </a:ln>
+                <a:solidFill>
+                  <a:prstClr val="black"/>
+                </a:solidFill>
+                <a:effectLst/>
+                <a:uLnTx/>
+                <a:uFillTx/>
+                <a:latin typeface="Calibri" panose="020F0502020204030204"/>
+                <a:ea typeface="+mn-ea"/>
+                <a:cs typeface="+mn-cs"/>
+              </a:rPr>
+              <a:pPr marL="0" marR="0" lvl="0" indent="0" algn="r" defTabSz="914400" rtl="0" eaLnBrk="1" fontAlgn="auto" latinLnBrk="0" hangingPunct="1">
+                <a:lnSpc>
+                  <a:spcPct val="100000"/>
+                </a:lnSpc>
+                <a:spcBef>
+                  <a:spcPts val="0"/>
+                </a:spcBef>
+                <a:spcAft>
+                  <a:spcPts val="0"/>
+                </a:spcAft>
+                <a:buClrTx/>
+                <a:buSzTx/>
+                <a:buFontTx/>
+                <a:buNone/>
+                <a:tabLst/>
+                <a:defRPr/>
+              </a:pPr>
+              <a:t>16</a:t>
+            </a:fld>
+            <a:endParaRPr kumimoji="0" lang="en-US" sz="1200" b="0" i="0" u="none" strike="noStrike" kern="1200" cap="none" spc="0" normalizeH="0" baseline="0" noProof="0">
+              <a:ln>
+                <a:noFill/>
+              </a:ln>
+              <a:solidFill>
+                <a:prstClr val="black"/>
+              </a:solidFill>
+              <a:effectLst/>
+              <a:uLnTx/>
+              <a:uFillTx/>
+              <a:latin typeface="Calibri" panose="020F0502020204030204"/>
+              <a:ea typeface="+mn-ea"/>
+              <a:cs typeface="+mn-cs"/>
+            </a:endParaRPr>
+          </a:p>
+        </p:txBody>
+      </p:sp>
+    </p:spTree>
+    <p:extLst>
+      <p:ext uri="{BB962C8B-B14F-4D97-AF65-F5344CB8AC3E}">
+        <p14:creationId xmlns:p14="http://schemas.microsoft.com/office/powerpoint/2010/main" val="1973195403"/>
+      </p:ext>
+    </p:extLst>
+  </p:cSld>
+  <p:clrMapOvr>
+    <a:masterClrMapping/>
+  </p:clrMapOvr>
+</p:notes>
+</file>
+
+<file path=ppt/notesSlides/notesSlide4.xml><?xml version="1.0" encoding="utf-8"?>
+<p:notes xmlns:a="http://schemas.openxmlformats.org/drawingml/2006/main" xmlns:r="http://schemas.openxmlformats.org/officeDocument/2006/relationships" xmlns:p="http://schemas.openxmlformats.org/presentationml/2006/main">
+  <p:cSld>
+    <p:spTree>
+      <p:nvGrpSpPr>
+        <p:cNvPr id="1" name=""/>
+        <p:cNvGrpSpPr/>
+        <p:nvPr/>
+      </p:nvGrpSpPr>
+      <p:grpSpPr>
+        <a:xfrm>
+          <a:off x="0" y="0"/>
+          <a:ext cx="0" cy="0"/>
+          <a:chOff x="0" y="0"/>
+          <a:chExt cx="0" cy="0"/>
+        </a:xfrm>
+      </p:grpSpPr>
+      <p:sp>
+        <p:nvSpPr>
+          <p:cNvPr id="2" name="Slide Image Placeholder 1"/>
+          <p:cNvSpPr>
+            <a:spLocks noGrp="1" noRot="1" noChangeAspect="1"/>
+          </p:cNvSpPr>
+          <p:nvPr>
+            <p:ph type="sldImg"/>
+          </p:nvPr>
+        </p:nvSpPr>
+        <p:spPr/>
+      </p:sp>
+      <p:sp>
+        <p:nvSpPr>
+          <p:cNvPr id="3" name="Notes Placeholder 2"/>
+          <p:cNvSpPr>
+            <a:spLocks noGrp="1"/>
+          </p:cNvSpPr>
+          <p:nvPr>
+            <p:ph type="body" idx="1"/>
+          </p:nvPr>
+        </p:nvSpPr>
+        <p:spPr/>
+        <p:txBody>
+          <a:bodyPr/>
+          <a:lstStyle/>
+          <a:p>
+            <a:pPr marL="285750" indent="-285750">
+              <a:buFont typeface="Arial" panose="020B0604020202020204" pitchFamily="34" charset="0"/>
+              <a:buChar char="•"/>
+            </a:pPr>
+            <a:r>
+              <a:rPr lang="en-US" sz="1200" dirty="0"/>
+              <a:t>One of the most noticeable things about Slack is the customization that is possible through their add-on apps!</a:t>
+            </a:r>
+          </a:p>
+          <a:p>
+            <a:pPr marL="285750" indent="-285750">
+              <a:buFont typeface="Arial" panose="020B0604020202020204" pitchFamily="34" charset="0"/>
+              <a:buChar char="•"/>
+            </a:pPr>
+            <a:endParaRPr lang="en-US" sz="1200" dirty="0"/>
+          </a:p>
+          <a:p>
+            <a:pPr marL="285750" indent="-285750">
+              <a:buFont typeface="Arial" panose="020B0604020202020204" pitchFamily="34" charset="0"/>
+              <a:buChar char="•"/>
+            </a:pPr>
+            <a:r>
+              <a:rPr lang="en-US" sz="1200" dirty="0"/>
+              <a:t>There are thousands of useful apps that can be added to a Slack workspace that supports the task your group is trying to accomplish.</a:t>
+            </a:r>
+          </a:p>
+          <a:p>
+            <a:pPr marL="285750" indent="-285750">
+              <a:buFont typeface="Arial" panose="020B0604020202020204" pitchFamily="34" charset="0"/>
+              <a:buChar char="•"/>
+            </a:pPr>
+            <a:endParaRPr lang="en-US" sz="1200" dirty="0"/>
+          </a:p>
+          <a:p>
+            <a:pPr marL="285750" indent="-285750">
+              <a:buFont typeface="Arial" panose="020B0604020202020204" pitchFamily="34" charset="0"/>
+              <a:buChar char="•"/>
+            </a:pPr>
+            <a:r>
+              <a:rPr lang="en-US" sz="1200" dirty="0"/>
+              <a:t>This customization allows for adaptation to different technologies and for an ever-changing Agile environment.</a:t>
+            </a:r>
+          </a:p>
+          <a:p>
+            <a:endParaRPr lang="en-US" dirty="0"/>
+          </a:p>
+        </p:txBody>
+      </p:sp>
+      <p:sp>
+        <p:nvSpPr>
+          <p:cNvPr id="4" name="Slide Number Placeholder 3"/>
+          <p:cNvSpPr>
+            <a:spLocks noGrp="1"/>
+          </p:cNvSpPr>
+          <p:nvPr>
+            <p:ph type="sldNum" sz="quarter" idx="5"/>
+          </p:nvPr>
+        </p:nvSpPr>
+        <p:spPr/>
+        <p:txBody>
+          <a:bodyPr/>
+          <a:lstStyle/>
+          <a:p>
+            <a:pPr marL="0" marR="0" lvl="0" indent="0" algn="r" defTabSz="914400" rtl="0" eaLnBrk="1" fontAlgn="auto" latinLnBrk="0" hangingPunct="1">
+              <a:lnSpc>
+                <a:spcPct val="100000"/>
+              </a:lnSpc>
+              <a:spcBef>
+                <a:spcPts val="0"/>
+              </a:spcBef>
+              <a:spcAft>
+                <a:spcPts val="0"/>
+              </a:spcAft>
+              <a:buClrTx/>
+              <a:buSzTx/>
+              <a:buFontTx/>
+              <a:buNone/>
+              <a:tabLst/>
+              <a:defRPr/>
+            </a:pPr>
+            <a:fld id="{AE9ECEFE-5C53-4261-924B-F0AA5F7E0BB8}" type="slidenum">
+              <a:rPr kumimoji="0" lang="en-US" sz="1200" b="0" i="0" u="none" strike="noStrike" kern="1200" cap="none" spc="0" normalizeH="0" baseline="0" noProof="0" smtClean="0">
+                <a:ln>
+                  <a:noFill/>
+                </a:ln>
+                <a:solidFill>
+                  <a:prstClr val="black"/>
+                </a:solidFill>
+                <a:effectLst/>
+                <a:uLnTx/>
+                <a:uFillTx/>
+                <a:latin typeface="Calibri" panose="020F0502020204030204"/>
+                <a:ea typeface="+mn-ea"/>
+                <a:cs typeface="+mn-cs"/>
+              </a:rPr>
+              <a:pPr marL="0" marR="0" lvl="0" indent="0" algn="r" defTabSz="914400" rtl="0" eaLnBrk="1" fontAlgn="auto" latinLnBrk="0" hangingPunct="1">
+                <a:lnSpc>
+                  <a:spcPct val="100000"/>
+                </a:lnSpc>
+                <a:spcBef>
+                  <a:spcPts val="0"/>
+                </a:spcBef>
+                <a:spcAft>
+                  <a:spcPts val="0"/>
+                </a:spcAft>
+                <a:buClrTx/>
+                <a:buSzTx/>
+                <a:buFontTx/>
+                <a:buNone/>
+                <a:tabLst/>
+                <a:defRPr/>
+              </a:pPr>
+              <a:t>17</a:t>
+            </a:fld>
+            <a:endParaRPr kumimoji="0" lang="en-US" sz="1200" b="0" i="0" u="none" strike="noStrike" kern="1200" cap="none" spc="0" normalizeH="0" baseline="0" noProof="0">
+              <a:ln>
+                <a:noFill/>
+              </a:ln>
+              <a:solidFill>
+                <a:prstClr val="black"/>
+              </a:solidFill>
+              <a:effectLst/>
+              <a:uLnTx/>
+              <a:uFillTx/>
+              <a:latin typeface="Calibri" panose="020F0502020204030204"/>
+              <a:ea typeface="+mn-ea"/>
+              <a:cs typeface="+mn-cs"/>
+            </a:endParaRPr>
+          </a:p>
+        </p:txBody>
+      </p:sp>
+    </p:spTree>
+    <p:extLst>
+      <p:ext uri="{BB962C8B-B14F-4D97-AF65-F5344CB8AC3E}">
+        <p14:creationId xmlns:p14="http://schemas.microsoft.com/office/powerpoint/2010/main" val="1117955501"/>
+      </p:ext>
+    </p:extLst>
+  </p:cSld>
+  <p:clrMapOvr>
+    <a:masterClrMapping/>
+  </p:clrMapOvr>
+</p:notes>
+</file>
+
+<file path=ppt/notesSlides/notesSlide5.xml><?xml version="1.0" encoding="utf-8"?>
+<p:notes xmlns:a="http://schemas.openxmlformats.org/drawingml/2006/main" xmlns:r="http://schemas.openxmlformats.org/officeDocument/2006/relationships" xmlns:p="http://schemas.openxmlformats.org/presentationml/2006/main">
+  <p:cSld>
+    <p:spTree>
+      <p:nvGrpSpPr>
+        <p:cNvPr id="1" name=""/>
+        <p:cNvGrpSpPr/>
+        <p:nvPr/>
+      </p:nvGrpSpPr>
+      <p:grpSpPr>
+        <a:xfrm>
+          <a:off x="0" y="0"/>
+          <a:ext cx="0" cy="0"/>
+          <a:chOff x="0" y="0"/>
+          <a:chExt cx="0" cy="0"/>
+        </a:xfrm>
+      </p:grpSpPr>
+      <p:sp>
+        <p:nvSpPr>
+          <p:cNvPr id="2" name="Slide Image Placeholder 1"/>
+          <p:cNvSpPr>
+            <a:spLocks noGrp="1" noRot="1" noChangeAspect="1"/>
+          </p:cNvSpPr>
+          <p:nvPr>
+            <p:ph type="sldImg"/>
+          </p:nvPr>
+        </p:nvSpPr>
+        <p:spPr/>
+      </p:sp>
+      <p:sp>
+        <p:nvSpPr>
+          <p:cNvPr id="3" name="Notes Placeholder 2"/>
+          <p:cNvSpPr>
+            <a:spLocks noGrp="1"/>
+          </p:cNvSpPr>
+          <p:nvPr>
+            <p:ph type="body" idx="1"/>
+          </p:nvPr>
+        </p:nvSpPr>
+        <p:spPr/>
+        <p:txBody>
+          <a:bodyPr/>
+          <a:lstStyle/>
+          <a:p>
+            <a:pPr marL="285750" indent="-285750">
+              <a:buFont typeface="Arial" panose="020B0604020202020204" pitchFamily="34" charset="0"/>
+              <a:buChar char="•"/>
+            </a:pPr>
+            <a:r>
+              <a:rPr lang="en-US" sz="1200" dirty="0"/>
+              <a:t>How often have you gone to push your code only to see that you need to pull the new updated first?</a:t>
+            </a:r>
+          </a:p>
+          <a:p>
+            <a:pPr marL="285750" indent="-285750">
+              <a:buFont typeface="Arial" panose="020B0604020202020204" pitchFamily="34" charset="0"/>
+              <a:buChar char="•"/>
+            </a:pPr>
+            <a:endParaRPr lang="en-US" sz="1200" dirty="0"/>
+          </a:p>
+          <a:p>
+            <a:pPr marL="285750" indent="-285750">
+              <a:buFont typeface="Arial" panose="020B0604020202020204" pitchFamily="34" charset="0"/>
+              <a:buChar char="•"/>
+            </a:pPr>
+            <a:r>
+              <a:rPr lang="en-US" sz="1200" dirty="0"/>
+              <a:t>Some of our groups have utilized the GitHub plugin for Slack. This allows the group to be up to date with every update and change happening.</a:t>
+            </a:r>
+          </a:p>
+          <a:p>
+            <a:pPr marL="285750" indent="-285750">
+              <a:buFont typeface="Arial" panose="020B0604020202020204" pitchFamily="34" charset="0"/>
+              <a:buChar char="•"/>
+            </a:pPr>
+            <a:endParaRPr lang="en-US" sz="1200" dirty="0"/>
+          </a:p>
+          <a:p>
+            <a:pPr marL="285750" indent="-285750">
+              <a:buFont typeface="Arial" panose="020B0604020202020204" pitchFamily="34" charset="0"/>
+              <a:buChar char="•"/>
+            </a:pPr>
+            <a:r>
+              <a:rPr lang="en-US" sz="1200" dirty="0"/>
+              <a:t>This allows cohesion of progress updates when the group reconvenes to discuss the next steps!</a:t>
+            </a:r>
+          </a:p>
+          <a:p>
+            <a:endParaRPr lang="en-US" dirty="0"/>
+          </a:p>
+        </p:txBody>
+      </p:sp>
+      <p:sp>
+        <p:nvSpPr>
+          <p:cNvPr id="4" name="Slide Number Placeholder 3"/>
+          <p:cNvSpPr>
+            <a:spLocks noGrp="1"/>
+          </p:cNvSpPr>
+          <p:nvPr>
+            <p:ph type="sldNum" sz="quarter" idx="5"/>
+          </p:nvPr>
+        </p:nvSpPr>
+        <p:spPr/>
+        <p:txBody>
+          <a:bodyPr/>
+          <a:lstStyle/>
+          <a:p>
+            <a:pPr marL="0" marR="0" lvl="0" indent="0" algn="r" defTabSz="914400" rtl="0" eaLnBrk="1" fontAlgn="auto" latinLnBrk="0" hangingPunct="1">
+              <a:lnSpc>
+                <a:spcPct val="100000"/>
+              </a:lnSpc>
+              <a:spcBef>
+                <a:spcPts val="0"/>
+              </a:spcBef>
+              <a:spcAft>
+                <a:spcPts val="0"/>
+              </a:spcAft>
+              <a:buClrTx/>
+              <a:buSzTx/>
+              <a:buFontTx/>
+              <a:buNone/>
+              <a:tabLst/>
+              <a:defRPr/>
+            </a:pPr>
+            <a:fld id="{AE9ECEFE-5C53-4261-924B-F0AA5F7E0BB8}" type="slidenum">
+              <a:rPr kumimoji="0" lang="en-US" sz="1200" b="0" i="0" u="none" strike="noStrike" kern="1200" cap="none" spc="0" normalizeH="0" baseline="0" noProof="0" smtClean="0">
+                <a:ln>
+                  <a:noFill/>
+                </a:ln>
+                <a:solidFill>
+                  <a:prstClr val="black"/>
+                </a:solidFill>
+                <a:effectLst/>
+                <a:uLnTx/>
+                <a:uFillTx/>
+                <a:latin typeface="Calibri" panose="020F0502020204030204"/>
+                <a:ea typeface="+mn-ea"/>
+                <a:cs typeface="+mn-cs"/>
+              </a:rPr>
+              <a:pPr marL="0" marR="0" lvl="0" indent="0" algn="r" defTabSz="914400" rtl="0" eaLnBrk="1" fontAlgn="auto" latinLnBrk="0" hangingPunct="1">
+                <a:lnSpc>
+                  <a:spcPct val="100000"/>
+                </a:lnSpc>
+                <a:spcBef>
+                  <a:spcPts val="0"/>
+                </a:spcBef>
+                <a:spcAft>
+                  <a:spcPts val="0"/>
+                </a:spcAft>
+                <a:buClrTx/>
+                <a:buSzTx/>
+                <a:buFontTx/>
+                <a:buNone/>
+                <a:tabLst/>
+                <a:defRPr/>
+              </a:pPr>
+              <a:t>18</a:t>
+            </a:fld>
+            <a:endParaRPr kumimoji="0" lang="en-US" sz="1200" b="0" i="0" u="none" strike="noStrike" kern="1200" cap="none" spc="0" normalizeH="0" baseline="0" noProof="0">
+              <a:ln>
+                <a:noFill/>
+              </a:ln>
+              <a:solidFill>
+                <a:prstClr val="black"/>
+              </a:solidFill>
+              <a:effectLst/>
+              <a:uLnTx/>
+              <a:uFillTx/>
+              <a:latin typeface="Calibri" panose="020F0502020204030204"/>
+              <a:ea typeface="+mn-ea"/>
+              <a:cs typeface="+mn-cs"/>
+            </a:endParaRPr>
+          </a:p>
+        </p:txBody>
+      </p:sp>
+    </p:spTree>
+    <p:extLst>
+      <p:ext uri="{BB962C8B-B14F-4D97-AF65-F5344CB8AC3E}">
+        <p14:creationId xmlns:p14="http://schemas.microsoft.com/office/powerpoint/2010/main" val="2657851505"/>
+      </p:ext>
+    </p:extLst>
+  </p:cSld>
+  <p:clrMapOvr>
+    <a:masterClrMapping/>
+  </p:clrMapOvr>
+</p:notes>
+</file>
+
+<file path=ppt/notesSlides/notesSlide6.xml><?xml version="1.0" encoding="utf-8"?>
+<p:notes xmlns:a="http://schemas.openxmlformats.org/drawingml/2006/main" xmlns:r="http://schemas.openxmlformats.org/officeDocument/2006/relationships" xmlns:p="http://schemas.openxmlformats.org/presentationml/2006/main">
+  <p:cSld>
+    <p:spTree>
+      <p:nvGrpSpPr>
+        <p:cNvPr id="1" name=""/>
+        <p:cNvGrpSpPr/>
+        <p:nvPr/>
+      </p:nvGrpSpPr>
+      <p:grpSpPr>
+        <a:xfrm>
+          <a:off x="0" y="0"/>
+          <a:ext cx="0" cy="0"/>
+          <a:chOff x="0" y="0"/>
+          <a:chExt cx="0" cy="0"/>
+        </a:xfrm>
+      </p:grpSpPr>
+      <p:sp>
+        <p:nvSpPr>
+          <p:cNvPr id="2" name="Slide Image Placeholder 1"/>
+          <p:cNvSpPr>
+            <a:spLocks noGrp="1" noRot="1" noChangeAspect="1"/>
+          </p:cNvSpPr>
+          <p:nvPr>
+            <p:ph type="sldImg"/>
+          </p:nvPr>
+        </p:nvSpPr>
+        <p:spPr/>
+      </p:sp>
+      <p:sp>
+        <p:nvSpPr>
+          <p:cNvPr id="3" name="Notes Placeholder 2"/>
+          <p:cNvSpPr>
+            <a:spLocks noGrp="1"/>
+          </p:cNvSpPr>
+          <p:nvPr>
+            <p:ph type="body" idx="1"/>
+          </p:nvPr>
+        </p:nvSpPr>
+        <p:spPr/>
+        <p:txBody>
+          <a:bodyPr/>
+          <a:lstStyle/>
+          <a:p>
+            <a:pPr marL="285750" indent="-285750">
+              <a:buFont typeface="Arial" panose="020B0604020202020204" pitchFamily="34" charset="0"/>
+              <a:buChar char="•"/>
+            </a:pPr>
+            <a:r>
+              <a:rPr lang="en-US" sz="1200" dirty="0"/>
+              <a:t>By utilizing the Slack Huddle feature our groups are able to have a live collaboration on demand.</a:t>
+            </a:r>
+          </a:p>
+          <a:p>
+            <a:pPr marL="285750" indent="-285750">
+              <a:buFont typeface="Arial" panose="020B0604020202020204" pitchFamily="34" charset="0"/>
+              <a:buChar char="•"/>
+            </a:pPr>
+            <a:endParaRPr lang="en-US" sz="1200" dirty="0"/>
+          </a:p>
+          <a:p>
+            <a:pPr marL="285750" indent="-285750">
+              <a:buFont typeface="Arial" panose="020B0604020202020204" pitchFamily="34" charset="0"/>
+              <a:buChar char="•"/>
+            </a:pPr>
+            <a:r>
+              <a:rPr lang="en-US" sz="1200" dirty="0"/>
+              <a:t>If there is any confusion to the project at hand there can be clarification in the matter of seconds!</a:t>
+            </a:r>
+          </a:p>
+          <a:p>
+            <a:pPr marL="285750" indent="-285750">
+              <a:buFont typeface="Arial" panose="020B0604020202020204" pitchFamily="34" charset="0"/>
+              <a:buChar char="•"/>
+            </a:pPr>
+            <a:endParaRPr lang="en-US" sz="1200" dirty="0"/>
+          </a:p>
+          <a:p>
+            <a:pPr marL="285750" indent="-285750">
+              <a:buFont typeface="Arial" panose="020B0604020202020204" pitchFamily="34" charset="0"/>
+              <a:buChar char="•"/>
+            </a:pPr>
+            <a:r>
+              <a:rPr lang="en-US" sz="1200" dirty="0"/>
+              <a:t>The cliché goes that a picture speaks a thousands words. So 30fps screen sharing should speak about 30,000 words per second. (pause for laughter)</a:t>
+            </a:r>
+          </a:p>
+          <a:p>
+            <a:endParaRPr lang="en-US" dirty="0"/>
+          </a:p>
+        </p:txBody>
+      </p:sp>
+      <p:sp>
+        <p:nvSpPr>
+          <p:cNvPr id="4" name="Slide Number Placeholder 3"/>
+          <p:cNvSpPr>
+            <a:spLocks noGrp="1"/>
+          </p:cNvSpPr>
+          <p:nvPr>
+            <p:ph type="sldNum" sz="quarter" idx="5"/>
+          </p:nvPr>
+        </p:nvSpPr>
+        <p:spPr/>
+        <p:txBody>
+          <a:bodyPr/>
+          <a:lstStyle/>
+          <a:p>
+            <a:pPr marL="0" marR="0" lvl="0" indent="0" algn="r" defTabSz="914400" rtl="0" eaLnBrk="1" fontAlgn="auto" latinLnBrk="0" hangingPunct="1">
+              <a:lnSpc>
+                <a:spcPct val="100000"/>
+              </a:lnSpc>
+              <a:spcBef>
+                <a:spcPts val="0"/>
+              </a:spcBef>
+              <a:spcAft>
+                <a:spcPts val="0"/>
+              </a:spcAft>
+              <a:buClrTx/>
+              <a:buSzTx/>
+              <a:buFontTx/>
+              <a:buNone/>
+              <a:tabLst/>
+              <a:defRPr/>
+            </a:pPr>
+            <a:fld id="{AE9ECEFE-5C53-4261-924B-F0AA5F7E0BB8}" type="slidenum">
+              <a:rPr kumimoji="0" lang="en-US" sz="1200" b="0" i="0" u="none" strike="noStrike" kern="1200" cap="none" spc="0" normalizeH="0" baseline="0" noProof="0" smtClean="0">
+                <a:ln>
+                  <a:noFill/>
+                </a:ln>
+                <a:solidFill>
+                  <a:prstClr val="black"/>
+                </a:solidFill>
+                <a:effectLst/>
+                <a:uLnTx/>
+                <a:uFillTx/>
+                <a:latin typeface="Calibri" panose="020F0502020204030204"/>
+                <a:ea typeface="+mn-ea"/>
+                <a:cs typeface="+mn-cs"/>
+              </a:rPr>
+              <a:pPr marL="0" marR="0" lvl="0" indent="0" algn="r" defTabSz="914400" rtl="0" eaLnBrk="1" fontAlgn="auto" latinLnBrk="0" hangingPunct="1">
+                <a:lnSpc>
+                  <a:spcPct val="100000"/>
+                </a:lnSpc>
+                <a:spcBef>
+                  <a:spcPts val="0"/>
+                </a:spcBef>
+                <a:spcAft>
+                  <a:spcPts val="0"/>
+                </a:spcAft>
+                <a:buClrTx/>
+                <a:buSzTx/>
+                <a:buFontTx/>
+                <a:buNone/>
+                <a:tabLst/>
+                <a:defRPr/>
+              </a:pPr>
+              <a:t>19</a:t>
+            </a:fld>
+            <a:endParaRPr kumimoji="0" lang="en-US" sz="1200" b="0" i="0" u="none" strike="noStrike" kern="1200" cap="none" spc="0" normalizeH="0" baseline="0" noProof="0">
+              <a:ln>
+                <a:noFill/>
+              </a:ln>
+              <a:solidFill>
+                <a:prstClr val="black"/>
+              </a:solidFill>
+              <a:effectLst/>
+              <a:uLnTx/>
+              <a:uFillTx/>
+              <a:latin typeface="Calibri" panose="020F0502020204030204"/>
+              <a:ea typeface="+mn-ea"/>
+              <a:cs typeface="+mn-cs"/>
+            </a:endParaRPr>
+          </a:p>
+        </p:txBody>
+      </p:sp>
+    </p:spTree>
+    <p:extLst>
+      <p:ext uri="{BB962C8B-B14F-4D97-AF65-F5344CB8AC3E}">
+        <p14:creationId xmlns:p14="http://schemas.microsoft.com/office/powerpoint/2010/main" val="3548995294"/>
+      </p:ext>
+    </p:extLst>
+  </p:cSld>
+  <p:clrMapOvr>
+    <a:masterClrMapping/>
+  </p:clrMapOvr>
+</p:notes>
+</file>
+
+<file path=ppt/notesSlides/notesSlide7.xml><?xml version="1.0" encoding="utf-8"?>
+<p:notes xmlns:a="http://schemas.openxmlformats.org/drawingml/2006/main" xmlns:r="http://schemas.openxmlformats.org/officeDocument/2006/relationships" xmlns:p="http://schemas.openxmlformats.org/presentationml/2006/main">
+  <p:cSld>
+    <p:spTree>
+      <p:nvGrpSpPr>
+        <p:cNvPr id="1" name=""/>
+        <p:cNvGrpSpPr/>
+        <p:nvPr/>
+      </p:nvGrpSpPr>
+      <p:grpSpPr>
+        <a:xfrm>
+          <a:off x="0" y="0"/>
+          <a:ext cx="0" cy="0"/>
+          <a:chOff x="0" y="0"/>
+          <a:chExt cx="0" cy="0"/>
+        </a:xfrm>
+      </p:grpSpPr>
+      <p:sp>
+        <p:nvSpPr>
+          <p:cNvPr id="2" name="Slide Image Placeholder 1"/>
+          <p:cNvSpPr>
+            <a:spLocks noGrp="1" noRot="1" noChangeAspect="1"/>
+          </p:cNvSpPr>
+          <p:nvPr>
+            <p:ph type="sldImg"/>
+          </p:nvPr>
+        </p:nvSpPr>
+        <p:spPr/>
+      </p:sp>
+      <p:sp>
+        <p:nvSpPr>
+          <p:cNvPr id="3" name="Notes Placeholder 2"/>
+          <p:cNvSpPr>
+            <a:spLocks noGrp="1"/>
+          </p:cNvSpPr>
+          <p:nvPr>
+            <p:ph type="body" idx="1"/>
+          </p:nvPr>
+        </p:nvSpPr>
+        <p:spPr/>
+        <p:txBody>
+          <a:bodyPr/>
+          <a:lstStyle/>
+          <a:p>
+            <a:pPr marL="285750" indent="-285750">
+              <a:buFont typeface="Arial" panose="020B0604020202020204" pitchFamily="34" charset="0"/>
+              <a:buChar char="•"/>
+            </a:pPr>
+            <a:r>
+              <a:rPr lang="en-US" sz="1200" dirty="0"/>
+              <a:t>Sometimes our computer notifications can cause a bit of a stressful spike in our bodies when we hear that jingle or notification noise. (pop </a:t>
+            </a:r>
+            <a:r>
+              <a:rPr lang="en-US" sz="1200" dirty="0" err="1"/>
+              <a:t>pop</a:t>
+            </a:r>
+            <a:r>
+              <a:rPr lang="en-US" sz="1200" dirty="0"/>
+              <a:t> </a:t>
+            </a:r>
+            <a:r>
+              <a:rPr lang="en-US" sz="1200" dirty="0" err="1"/>
+              <a:t>pop</a:t>
+            </a:r>
+            <a:r>
+              <a:rPr lang="en-US" sz="1200" dirty="0"/>
+              <a:t> brush </a:t>
+            </a:r>
+            <a:r>
+              <a:rPr lang="en-US" sz="1200" dirty="0" err="1"/>
+              <a:t>brush</a:t>
+            </a:r>
+            <a:r>
+              <a:rPr lang="en-US" sz="1200" dirty="0"/>
+              <a:t> brush)</a:t>
+            </a:r>
+          </a:p>
+          <a:p>
+            <a:pPr marL="285750" indent="-285750">
+              <a:buFont typeface="Arial" panose="020B0604020202020204" pitchFamily="34" charset="0"/>
+              <a:buChar char="•"/>
+            </a:pPr>
+            <a:endParaRPr lang="en-US" sz="1200" dirty="0"/>
+          </a:p>
+          <a:p>
+            <a:pPr marL="285750" indent="-285750">
+              <a:buFont typeface="Arial" panose="020B0604020202020204" pitchFamily="34" charset="0"/>
+              <a:buChar char="•"/>
+            </a:pPr>
+            <a:r>
+              <a:rPr lang="en-US" sz="1200" dirty="0"/>
+              <a:t>In a healthy group setting, those notifications can perk you up and bring motivation to your work-flow!</a:t>
+            </a:r>
+          </a:p>
+          <a:p>
+            <a:pPr marL="285750" indent="-285750">
+              <a:buFont typeface="Arial" panose="020B0604020202020204" pitchFamily="34" charset="0"/>
+              <a:buChar char="•"/>
+            </a:pPr>
+            <a:endParaRPr lang="en-US" sz="1200" dirty="0"/>
+          </a:p>
+          <a:p>
+            <a:pPr marL="285750" indent="-285750">
+              <a:buFont typeface="Arial" panose="020B0604020202020204" pitchFamily="34" charset="0"/>
+              <a:buChar char="•"/>
+            </a:pPr>
+            <a:r>
+              <a:rPr lang="en-US" sz="1200" dirty="0"/>
+              <a:t>Efficiency is always important, especially in the tech world. However, we find our group is most efficient when we are all laughing with each other.</a:t>
+            </a:r>
+          </a:p>
+          <a:p>
+            <a:endParaRPr lang="en-US" dirty="0"/>
+          </a:p>
+        </p:txBody>
+      </p:sp>
+      <p:sp>
+        <p:nvSpPr>
+          <p:cNvPr id="4" name="Slide Number Placeholder 3"/>
+          <p:cNvSpPr>
+            <a:spLocks noGrp="1"/>
+          </p:cNvSpPr>
+          <p:nvPr>
+            <p:ph type="sldNum" sz="quarter" idx="5"/>
+          </p:nvPr>
+        </p:nvSpPr>
+        <p:spPr/>
+        <p:txBody>
+          <a:bodyPr/>
+          <a:lstStyle/>
+          <a:p>
+            <a:pPr marL="0" marR="0" lvl="0" indent="0" algn="r" defTabSz="914400" rtl="0" eaLnBrk="1" fontAlgn="auto" latinLnBrk="0" hangingPunct="1">
+              <a:lnSpc>
+                <a:spcPct val="100000"/>
+              </a:lnSpc>
+              <a:spcBef>
+                <a:spcPts val="0"/>
+              </a:spcBef>
+              <a:spcAft>
+                <a:spcPts val="0"/>
+              </a:spcAft>
+              <a:buClrTx/>
+              <a:buSzTx/>
+              <a:buFontTx/>
+              <a:buNone/>
+              <a:tabLst/>
+              <a:defRPr/>
+            </a:pPr>
+            <a:fld id="{AE9ECEFE-5C53-4261-924B-F0AA5F7E0BB8}" type="slidenum">
+              <a:rPr kumimoji="0" lang="en-US" sz="1200" b="0" i="0" u="none" strike="noStrike" kern="1200" cap="none" spc="0" normalizeH="0" baseline="0" noProof="0" smtClean="0">
+                <a:ln>
+                  <a:noFill/>
+                </a:ln>
+                <a:solidFill>
+                  <a:prstClr val="black"/>
+                </a:solidFill>
+                <a:effectLst/>
+                <a:uLnTx/>
+                <a:uFillTx/>
+                <a:latin typeface="Calibri" panose="020F0502020204030204"/>
+                <a:ea typeface="+mn-ea"/>
+                <a:cs typeface="+mn-cs"/>
+              </a:rPr>
+              <a:pPr marL="0" marR="0" lvl="0" indent="0" algn="r" defTabSz="914400" rtl="0" eaLnBrk="1" fontAlgn="auto" latinLnBrk="0" hangingPunct="1">
+                <a:lnSpc>
+                  <a:spcPct val="100000"/>
+                </a:lnSpc>
+                <a:spcBef>
+                  <a:spcPts val="0"/>
+                </a:spcBef>
+                <a:spcAft>
+                  <a:spcPts val="0"/>
+                </a:spcAft>
+                <a:buClrTx/>
+                <a:buSzTx/>
+                <a:buFontTx/>
+                <a:buNone/>
+                <a:tabLst/>
+                <a:defRPr/>
+              </a:pPr>
+              <a:t>20</a:t>
+            </a:fld>
+            <a:endParaRPr kumimoji="0" lang="en-US" sz="1200" b="0" i="0" u="none" strike="noStrike" kern="1200" cap="none" spc="0" normalizeH="0" baseline="0" noProof="0">
+              <a:ln>
+                <a:noFill/>
+              </a:ln>
+              <a:solidFill>
+                <a:prstClr val="black"/>
+              </a:solidFill>
+              <a:effectLst/>
+              <a:uLnTx/>
+              <a:uFillTx/>
+              <a:latin typeface="Calibri" panose="020F0502020204030204"/>
+              <a:ea typeface="+mn-ea"/>
+              <a:cs typeface="+mn-cs"/>
+            </a:endParaRPr>
+          </a:p>
+        </p:txBody>
+      </p:sp>
+    </p:spTree>
+    <p:extLst>
+      <p:ext uri="{BB962C8B-B14F-4D97-AF65-F5344CB8AC3E}">
+        <p14:creationId xmlns:p14="http://schemas.microsoft.com/office/powerpoint/2010/main" val="2785805056"/>
+      </p:ext>
+    </p:extLst>
+  </p:cSld>
+  <p:clrMapOvr>
+    <a:masterClrMapping/>
+  </p:clrMapOvr>
+</p:notes>
+</file>
+
+<file path=ppt/notesSlides/notesSlide8.xml><?xml version="1.0" encoding="utf-8"?>
+<p:notes xmlns:a="http://schemas.openxmlformats.org/drawingml/2006/main" xmlns:r="http://schemas.openxmlformats.org/officeDocument/2006/relationships" xmlns:p="http://schemas.openxmlformats.org/presentationml/2006/main">
+  <p:cSld>
+    <p:spTree>
+      <p:nvGrpSpPr>
+        <p:cNvPr id="1" name=""/>
+        <p:cNvGrpSpPr/>
+        <p:nvPr/>
+      </p:nvGrpSpPr>
+      <p:grpSpPr>
+        <a:xfrm>
+          <a:off x="0" y="0"/>
+          <a:ext cx="0" cy="0"/>
+          <a:chOff x="0" y="0"/>
+          <a:chExt cx="0" cy="0"/>
+        </a:xfrm>
+      </p:grpSpPr>
+      <p:sp>
+        <p:nvSpPr>
+          <p:cNvPr id="2" name="Slide Image Placeholder 1"/>
+          <p:cNvSpPr>
+            <a:spLocks noGrp="1" noRot="1" noChangeAspect="1"/>
+          </p:cNvSpPr>
+          <p:nvPr>
+            <p:ph type="sldImg"/>
+          </p:nvPr>
+        </p:nvSpPr>
+        <p:spPr/>
+      </p:sp>
+      <p:sp>
+        <p:nvSpPr>
+          <p:cNvPr id="3" name="Notes Placeholder 2"/>
+          <p:cNvSpPr>
+            <a:spLocks noGrp="1"/>
+          </p:cNvSpPr>
+          <p:nvPr>
+            <p:ph type="body" idx="1"/>
+          </p:nvPr>
+        </p:nvSpPr>
+        <p:spPr/>
+        <p:txBody>
+          <a:bodyPr/>
+          <a:lstStyle/>
+          <a:p>
+            <a:endParaRPr lang="en-US"/>
+          </a:p>
+        </p:txBody>
+      </p:sp>
+      <p:sp>
+        <p:nvSpPr>
+          <p:cNvPr id="4" name="Slide Number Placeholder 3"/>
+          <p:cNvSpPr>
+            <a:spLocks noGrp="1"/>
+          </p:cNvSpPr>
+          <p:nvPr>
+            <p:ph type="sldNum" sz="quarter" idx="5"/>
+          </p:nvPr>
+        </p:nvSpPr>
+        <p:spPr/>
+        <p:txBody>
+          <a:bodyPr/>
+          <a:lstStyle/>
+          <a:p>
             <a:fld id="{FCFED414-B8BD-4977-925E-1C2AFAB354A8}" type="slidenum">
               <a:rPr lang="en-US" smtClean="0"/>
-              <a:t>15</a:t>
+              <a:t>21</a:t>
             </a:fld>
             <a:endParaRPr lang="en-US"/>
           </a:p>
@@ -2654,7 +3824,7 @@
           <a:p>
             <a:fld id="{8F7D2F49-1857-4E7D-8050-DC698401AAB7}" type="datetimeFigureOut">
               <a:rPr lang="en-US" smtClean="0"/>
-              <a:t>7/16/2024</a:t>
+              <a:t>7/17/2024</a:t>
             </a:fld>
             <a:endParaRPr lang="en-US"/>
           </a:p>
@@ -4001,7 +5171,7 @@
           <a:p>
             <a:fld id="{8F7D2F49-1857-4E7D-8050-DC698401AAB7}" type="datetimeFigureOut">
               <a:rPr lang="en-US" smtClean="0"/>
-              <a:t>7/16/2024</a:t>
+              <a:t>7/17/2024</a:t>
             </a:fld>
             <a:endParaRPr lang="en-US"/>
           </a:p>
@@ -5164,7 +6334,7 @@
         </p:nvSpPr>
         <p:spPr>
           <a:xfrm>
-            <a:off x="108481" y="167100"/>
+            <a:off x="176574" y="238281"/>
             <a:ext cx="7568226" cy="672872"/>
           </a:xfrm>
         </p:spPr>
@@ -5244,7 +6414,7 @@
         </p:nvSpPr>
         <p:spPr>
           <a:xfrm>
-            <a:off x="838200" y="1605516"/>
+            <a:off x="1161607" y="2412912"/>
             <a:ext cx="9868786" cy="3168503"/>
           </a:xfrm>
           <a:prstGeom prst="rect">
@@ -5442,7 +6612,7 @@
               <a:defRPr/>
             </a:pPr>
             <a:r>
-              <a:rPr kumimoji="0" lang="en-US" sz="2000" b="0" i="0" u="none" strike="noStrike" kern="1200" cap="none" spc="0" normalizeH="0" baseline="0" noProof="0" dirty="0">
+              <a:rPr kumimoji="0" lang="en-US" sz="2000" b="0" u="none" strike="noStrike" kern="1200" cap="none" spc="0" normalizeH="0" baseline="0" noProof="0" dirty="0">
                 <a:ln>
                   <a:noFill/>
                 </a:ln>
@@ -5460,241 +6630,105 @@
             </a:r>
           </a:p>
           <a:p>
-            <a:pPr marL="0" marR="0" lvl="0" indent="0" algn="l" defTabSz="914400" rtl="0" eaLnBrk="1" fontAlgn="auto" latinLnBrk="0" hangingPunct="1">
+            <a:pPr marL="0" indent="0">
               <a:lnSpc>
                 <a:spcPct val="100000"/>
               </a:lnSpc>
               <a:spcBef>
                 <a:spcPct val="0"/>
               </a:spcBef>
-              <a:spcAft>
-                <a:spcPts val="0"/>
-              </a:spcAft>
-              <a:buClrTx/>
-              <a:buSzTx/>
-              <a:buFont typeface="Arial" panose="020B0604020202020204" pitchFamily="34" charset="0"/>
               <a:buNone/>
-              <a:tabLst/>
-              <a:defRPr/>
             </a:pPr>
-            <a:endParaRPr kumimoji="0" lang="en-US" sz="2400" b="1" i="0" u="none" strike="noStrike" kern="1200" cap="none" spc="0" normalizeH="0" baseline="0" noProof="0" dirty="0">
-              <a:ln>
-                <a:noFill/>
-              </a:ln>
-              <a:solidFill>
-                <a:srgbClr val="007598"/>
-              </a:solidFill>
-              <a:effectLst/>
-              <a:uLnTx/>
-              <a:uFillTx/>
-              <a:latin typeface="Calibri" panose="020F0502020204030204"/>
-              <a:ea typeface="+mn-ea"/>
-              <a:cs typeface="+mn-cs"/>
+            <a:endParaRPr lang="en-US" sz="2400" b="1" dirty="0">
+              <a:latin typeface="+mj-lt"/>
+              <a:ea typeface="+mj-ea"/>
+              <a:cs typeface="+mj-cs"/>
             </a:endParaRPr>
           </a:p>
           <a:p>
-            <a:pPr marL="228600" marR="0" lvl="0" indent="-228600" algn="l" defTabSz="914400" rtl="0" eaLnBrk="1" fontAlgn="auto" latinLnBrk="0" hangingPunct="1">
+            <a:pPr>
               <a:lnSpc>
                 <a:spcPct val="150000"/>
               </a:lnSpc>
               <a:spcBef>
                 <a:spcPct val="0"/>
               </a:spcBef>
-              <a:spcAft>
-                <a:spcPts val="0"/>
-              </a:spcAft>
-              <a:buClrTx/>
-              <a:buSzTx/>
-              <a:buFont typeface="Arial" panose="020B0604020202020204" pitchFamily="34" charset="0"/>
-              <a:buChar char="•"/>
-              <a:tabLst/>
-              <a:defRPr/>
             </a:pPr>
             <a:r>
-              <a:rPr kumimoji="0" lang="en-US" sz="2200" b="1" i="1" u="none" strike="noStrike" kern="1200" cap="none" spc="0" normalizeH="0" baseline="0" noProof="0" dirty="0">
-                <a:ln>
-                  <a:noFill/>
-                </a:ln>
-                <a:solidFill>
-                  <a:srgbClr val="007598"/>
-                </a:solidFill>
-                <a:effectLst/>
-                <a:uLnTx/>
-                <a:uFillTx/>
-                <a:latin typeface="Calibri" panose="020F0502020204030204"/>
-                <a:ea typeface="+mn-ea"/>
-                <a:cs typeface="+mn-cs"/>
+              <a:rPr lang="en-US" sz="2200" b="1" i="1" dirty="0">
+                <a:latin typeface="+mj-lt"/>
+                <a:ea typeface="+mj-ea"/>
+                <a:cs typeface="+mj-cs"/>
               </a:rPr>
               <a:t>How has your educational experience benefited from using Slack?</a:t>
             </a:r>
           </a:p>
           <a:p>
-            <a:pPr marL="228600" marR="0" lvl="0" indent="-228600" algn="l" defTabSz="914400" rtl="0" eaLnBrk="1" fontAlgn="auto" latinLnBrk="0" hangingPunct="1">
+            <a:pPr>
               <a:lnSpc>
                 <a:spcPct val="150000"/>
               </a:lnSpc>
               <a:spcBef>
                 <a:spcPct val="0"/>
               </a:spcBef>
-              <a:spcAft>
-                <a:spcPts val="0"/>
-              </a:spcAft>
-              <a:buClrTx/>
-              <a:buSzTx/>
-              <a:buFont typeface="Arial" panose="020B0604020202020204" pitchFamily="34" charset="0"/>
-              <a:buChar char="•"/>
-              <a:tabLst/>
-              <a:defRPr/>
             </a:pPr>
             <a:r>
-              <a:rPr kumimoji="0" lang="en-US" sz="2200" b="1" i="1" u="none" strike="noStrike" kern="1200" cap="none" spc="0" normalizeH="0" baseline="0" noProof="0" dirty="0">
-                <a:ln>
-                  <a:noFill/>
-                </a:ln>
-                <a:solidFill>
-                  <a:srgbClr val="007598"/>
-                </a:solidFill>
-                <a:effectLst/>
-                <a:uLnTx/>
-                <a:uFillTx/>
-                <a:latin typeface="Calibri" panose="020F0502020204030204"/>
-                <a:ea typeface="+mn-ea"/>
-                <a:cs typeface="+mn-cs"/>
+              <a:rPr lang="en-US" sz="2200" b="1" i="1" dirty="0">
+                <a:latin typeface="+mj-lt"/>
+                <a:ea typeface="+mj-ea"/>
+                <a:cs typeface="+mj-cs"/>
               </a:rPr>
               <a:t>Do you feel Slack could continue to be beneficial to you after graduation, perhaps in a professional setting?</a:t>
             </a:r>
           </a:p>
           <a:p>
-            <a:pPr marL="0" marR="0" lvl="0" indent="0" algn="l" defTabSz="914400" rtl="0" eaLnBrk="1" fontAlgn="auto" latinLnBrk="0" hangingPunct="1">
+            <a:pPr marL="0" indent="0">
               <a:lnSpc>
                 <a:spcPct val="100000"/>
               </a:lnSpc>
               <a:spcBef>
                 <a:spcPct val="0"/>
               </a:spcBef>
-              <a:spcAft>
-                <a:spcPts val="0"/>
-              </a:spcAft>
-              <a:buClrTx/>
-              <a:buSzTx/>
-              <a:buFont typeface="Arial" panose="020B0604020202020204" pitchFamily="34" charset="0"/>
               <a:buNone/>
-              <a:tabLst/>
-              <a:defRPr/>
             </a:pPr>
-            <a:endParaRPr kumimoji="0" lang="en-US" sz="2400" b="0" i="0" u="none" strike="noStrike" kern="1200" cap="none" spc="0" normalizeH="0" baseline="0" noProof="0" dirty="0">
-              <a:ln>
-                <a:noFill/>
-              </a:ln>
-              <a:solidFill>
-                <a:srgbClr val="007598"/>
-              </a:solidFill>
-              <a:effectLst/>
-              <a:uLnTx/>
-              <a:uFillTx/>
-              <a:latin typeface="Calibri" panose="020F0502020204030204"/>
-              <a:ea typeface="+mn-ea"/>
-              <a:cs typeface="+mn-cs"/>
+            <a:endParaRPr lang="en-US" sz="2400" dirty="0">
+              <a:latin typeface="+mj-lt"/>
+              <a:ea typeface="+mj-ea"/>
+              <a:cs typeface="+mj-cs"/>
             </a:endParaRPr>
           </a:p>
           <a:p>
-            <a:pPr marL="228600" marR="0" lvl="0" indent="-228600" algn="l" defTabSz="914400" rtl="0" eaLnBrk="1" fontAlgn="auto" latinLnBrk="0" hangingPunct="1">
+            <a:pPr>
               <a:lnSpc>
                 <a:spcPct val="100000"/>
               </a:lnSpc>
               <a:spcBef>
                 <a:spcPct val="0"/>
               </a:spcBef>
-              <a:spcAft>
-                <a:spcPts val="0"/>
-              </a:spcAft>
-              <a:buClrTx/>
-              <a:buSzTx/>
-              <a:buFont typeface="Arial" panose="020B0604020202020204" pitchFamily="34" charset="0"/>
-              <a:buChar char="•"/>
-              <a:tabLst/>
-              <a:defRPr/>
             </a:pPr>
-            <a:endParaRPr kumimoji="0" lang="en-US" sz="2400" b="0" i="0" u="none" strike="noStrike" kern="1200" cap="none" spc="0" normalizeH="0" baseline="0" noProof="0" dirty="0">
-              <a:ln>
-                <a:noFill/>
-              </a:ln>
-              <a:solidFill>
-                <a:srgbClr val="007598"/>
-              </a:solidFill>
-              <a:effectLst/>
-              <a:uLnTx/>
-              <a:uFillTx/>
-              <a:latin typeface="Calibri" panose="020F0502020204030204"/>
-              <a:ea typeface="+mn-ea"/>
-              <a:cs typeface="+mn-cs"/>
+            <a:endParaRPr lang="en-US" sz="2400" dirty="0">
+              <a:latin typeface="+mj-lt"/>
+              <a:ea typeface="+mj-ea"/>
+              <a:cs typeface="+mj-cs"/>
             </a:endParaRPr>
           </a:p>
           <a:p>
-            <a:pPr marL="0" marR="0" lvl="0" indent="0" algn="l" defTabSz="914400" rtl="0" eaLnBrk="1" fontAlgn="auto" latinLnBrk="0" hangingPunct="1">
-              <a:lnSpc>
-                <a:spcPct val="90000"/>
-              </a:lnSpc>
-              <a:spcBef>
-                <a:spcPts val="1000"/>
-              </a:spcBef>
-              <a:spcAft>
-                <a:spcPts val="0"/>
-              </a:spcAft>
-              <a:buClrTx/>
-              <a:buSzTx/>
-              <a:buFont typeface="Arial" panose="020B0604020202020204" pitchFamily="34" charset="0"/>
+            <a:pPr marL="0" indent="0">
               <a:buNone/>
-              <a:tabLst/>
-              <a:defRPr/>
             </a:pPr>
-            <a:endParaRPr kumimoji="0" lang="en-US" sz="1800" b="1" i="0" u="none" strike="noStrike" kern="0" cap="none" spc="0" normalizeH="0" baseline="0" noProof="0" dirty="0">
-              <a:ln>
-                <a:noFill/>
-              </a:ln>
+            <a:endParaRPr lang="en-US" sz="1800" b="1" kern="0" dirty="0">
               <a:solidFill>
                 <a:srgbClr val="1D1C1D"/>
               </a:solidFill>
-              <a:effectLst/>
-              <a:uLnTx/>
-              <a:uFillTx/>
               <a:latin typeface="Arial" panose="020B0604020202020204" pitchFamily="34" charset="0"/>
               <a:ea typeface="Times New Roman" panose="02020603050405020304" pitchFamily="18" charset="0"/>
-              <a:cs typeface="+mn-cs"/>
             </a:endParaRPr>
           </a:p>
           <a:p>
-            <a:pPr marL="0" marR="0" lvl="0" indent="0" algn="l" defTabSz="914400" rtl="0" eaLnBrk="1" fontAlgn="auto" latinLnBrk="0" hangingPunct="1">
-              <a:lnSpc>
-                <a:spcPct val="90000"/>
-              </a:lnSpc>
-              <a:spcBef>
-                <a:spcPts val="1000"/>
-              </a:spcBef>
-              <a:spcAft>
-                <a:spcPts val="0"/>
-              </a:spcAft>
-              <a:buClrTx/>
-              <a:buSzTx/>
-              <a:buFont typeface="Arial" panose="020B0604020202020204" pitchFamily="34" charset="0"/>
+            <a:pPr marL="0" indent="0">
               <a:buNone/>
-              <a:tabLst/>
-              <a:defRPr/>
             </a:pPr>
-            <a:endParaRPr kumimoji="0" lang="en-US" sz="2800" b="0" i="0" u="none" strike="noStrike" kern="1200" cap="none" spc="0" normalizeH="0" baseline="0" noProof="0" dirty="0">
-              <a:ln>
-                <a:noFill/>
-              </a:ln>
-              <a:solidFill>
-                <a:srgbClr val="007598"/>
-              </a:solidFill>
-              <a:effectLst/>
-              <a:uLnTx/>
-              <a:uFillTx/>
-              <a:latin typeface="Calibri" panose="020F0502020204030204"/>
-              <a:ea typeface="+mn-ea"/>
-              <a:cs typeface="+mn-cs"/>
-            </a:endParaRPr>
+            <a:endParaRPr lang="en-US" dirty="0"/>
           </a:p>
         </p:txBody>
       </p:sp>
@@ -5714,8 +6748,8 @@
         </p:nvSpPr>
         <p:spPr>
           <a:xfrm>
-            <a:off x="1322867" y="839972"/>
-            <a:ext cx="8899451" cy="414671"/>
+            <a:off x="1689323" y="1411739"/>
+            <a:ext cx="8813353" cy="414671"/>
           </a:xfrm>
           <a:prstGeom prst="rect">
             <a:avLst/>
@@ -5772,75 +6806,24 @@
             </a:lvl1pPr>
           </a:lstStyle>
           <a:p>
-            <a:pPr marL="0" marR="0" lvl="0" indent="0" algn="ctr" defTabSz="914400" rtl="0" eaLnBrk="1" fontAlgn="auto" latinLnBrk="0" hangingPunct="1">
-              <a:lnSpc>
-                <a:spcPct val="90000"/>
-              </a:lnSpc>
-              <a:spcBef>
-                <a:spcPct val="0"/>
-              </a:spcBef>
-              <a:spcAft>
-                <a:spcPts val="0"/>
-              </a:spcAft>
-              <a:buClrTx/>
-              <a:buSzTx/>
-              <a:buFontTx/>
-              <a:buNone/>
-              <a:tabLst/>
-              <a:defRPr/>
-            </a:pPr>
-            <a:r>
-              <a:rPr kumimoji="0" lang="en-US" sz="3600" b="0" i="0" u="none" strike="noStrike" kern="1200" cap="none" spc="0" normalizeH="0" baseline="0" noProof="0" dirty="0">
-                <a:ln>
-                  <a:noFill/>
-                </a:ln>
+            <a:pPr algn="ctr"/>
+            <a:r>
+              <a:rPr lang="en-US" sz="3600" dirty="0"/>
+              <a:t>Survey</a:t>
+            </a:r>
+            <a:r>
+              <a:rPr lang="en-US" sz="3600" dirty="0">
                 <a:solidFill>
-                  <a:srgbClr val="007598"/>
-                </a:solidFill>
-                <a:effectLst/>
-                <a:uLnTx/>
-                <a:uFillTx/>
-                <a:latin typeface="Calibri" panose="020F0502020204030204"/>
-                <a:ea typeface="+mj-ea"/>
-                <a:cs typeface="+mj-cs"/>
-              </a:rPr>
-              <a:t>Survey</a:t>
-            </a:r>
-            <a:r>
-              <a:rPr kumimoji="0" lang="en-US" sz="3600" b="0" i="0" u="none" strike="noStrike" kern="1200" cap="none" spc="0" normalizeH="0" baseline="0" noProof="0" dirty="0">
-                <a:ln>
-                  <a:noFill/>
-                </a:ln>
-                <a:solidFill>
-                  <a:srgbClr val="1F497D">
+                  <a:schemeClr val="tx2">
                     <a:lumMod val="75000"/>
                     <a:lumOff val="25000"/>
-                  </a:srgbClr>
+                  </a:schemeClr>
                 </a:solidFill>
-                <a:effectLst/>
-                <a:uLnTx/>
-                <a:uFillTx/>
-                <a:latin typeface="Calibri" panose="020F0502020204030204"/>
-                <a:ea typeface="+mj-ea"/>
-                <a:cs typeface="+mj-cs"/>
               </a:rPr>
               <a:t> </a:t>
             </a:r>
             <a:r>
-              <a:rPr kumimoji="0" lang="en-US" sz="3600" b="0" i="0" u="none" strike="noStrike" kern="1200" cap="none" spc="0" normalizeH="0" baseline="0" noProof="0" dirty="0">
-                <a:ln>
-                  <a:noFill/>
-                </a:ln>
-                <a:solidFill>
-                  <a:srgbClr val="007598"/>
-                </a:solidFill>
-                <a:effectLst/>
-                <a:uLnTx/>
-                <a:uFillTx/>
-                <a:latin typeface="Calibri" panose="020F0502020204030204"/>
-                <a:ea typeface="+mj-ea"/>
-                <a:cs typeface="+mj-cs"/>
-              </a:rPr>
+              <a:rPr lang="en-US" sz="3600" dirty="0"/>
               <a:t>Questions</a:t>
             </a:r>
           </a:p>
@@ -5849,7 +6832,7 @@
     </p:spTree>
     <p:extLst>
       <p:ext uri="{BB962C8B-B14F-4D97-AF65-F5344CB8AC3E}">
-        <p14:creationId xmlns:p14="http://schemas.microsoft.com/office/powerpoint/2010/main" val="2276177501"/>
+        <p14:creationId xmlns:p14="http://schemas.microsoft.com/office/powerpoint/2010/main" val="1023016579"/>
       </p:ext>
     </p:extLst>
   </p:cSld>
@@ -5888,11 +6871,17 @@
           <p:cNvGraphicFramePr>
             <a:graphicFrameLocks/>
           </p:cNvGraphicFramePr>
-          <p:nvPr/>
+          <p:nvPr>
+            <p:extLst>
+              <p:ext uri="{D42A27DB-BD31-4B8C-83A1-F6EECF244321}">
+                <p14:modId xmlns:p14="http://schemas.microsoft.com/office/powerpoint/2010/main" val="2650405625"/>
+              </p:ext>
+            </p:extLst>
+          </p:nvPr>
         </p:nvGraphicFramePr>
         <p:xfrm>
-          <a:off x="159488" y="393405"/>
-          <a:ext cx="11876568" cy="4986670"/>
+          <a:off x="223736" y="622569"/>
+          <a:ext cx="11556460" cy="4319081"/>
         </p:xfrm>
         <a:graphic>
           <a:graphicData uri="http://schemas.openxmlformats.org/drawingml/2006/chart">
@@ -5944,7 +6933,7 @@
         </p:nvSpPr>
         <p:spPr>
           <a:xfrm>
-            <a:off x="895149" y="780176"/>
+            <a:off x="907983" y="990346"/>
             <a:ext cx="10376034" cy="4313104"/>
           </a:xfrm>
           <a:prstGeom prst="rect">
@@ -5958,139 +6947,265 @@
           </a:bodyPr>
           <a:lstStyle/>
           <a:p>
-            <a:pPr marL="742950" indent="-285750">
+            <a:pPr marL="742950" marR="0" lvl="0" indent="-285750" algn="l" defTabSz="914400" rtl="0" eaLnBrk="1" fontAlgn="auto" latinLnBrk="0" hangingPunct="1">
               <a:lnSpc>
                 <a:spcPct val="106000"/>
               </a:lnSpc>
+              <a:spcBef>
+                <a:spcPts val="0"/>
+              </a:spcBef>
+              <a:spcAft>
+                <a:spcPts val="0"/>
+              </a:spcAft>
+              <a:buClrTx/>
+              <a:buSzTx/>
               <a:buFont typeface="Wingdings" panose="05000000000000000000" pitchFamily="2" charset="2"/>
               <a:buChar char="v"/>
+              <a:tabLst/>
+              <a:defRPr/>
             </a:pPr>
             <a:r>
-              <a:rPr lang="en-US" sz="1400" dirty="0">
+              <a:rPr kumimoji="0" lang="en-US" sz="1400" b="0" i="0" u="none" strike="noStrike" kern="1200" cap="none" spc="0" normalizeH="0" baseline="0" noProof="0" dirty="0">
+                <a:ln>
+                  <a:noFill/>
+                </a:ln>
                 <a:solidFill>
-                  <a:schemeClr val="tx1">
+                  <a:srgbClr val="007598">
                     <a:lumMod val="50000"/>
-                  </a:schemeClr>
+                  </a:srgbClr>
                 </a:solidFill>
+                <a:effectLst/>
+                <a:uLnTx/>
+                <a:uFillTx/>
                 <a:latin typeface="Aptos" panose="020B0004020202020204" pitchFamily="34" charset="0"/>
                 <a:ea typeface="Aptos" panose="020B0004020202020204" pitchFamily="34" charset="0"/>
+                <a:cs typeface="+mn-cs"/>
               </a:rPr>
               <a:t>More than half of the respondents found Slack beneficial across various value data points. Notably, the lowest added benefit identified was “Assistance with Assignments,” is subjective and could be interesting to explore further through a query comparing “Ask” versus “Response.” Regarding Collaboration, it might be valuable to conduct a more focused query to assess a student’s Slack presence, comfort in asking for help, and comfort in responding.</a:t>
             </a:r>
-            <a:endParaRPr lang="en-US" sz="1200" dirty="0">
+            <a:endParaRPr kumimoji="0" lang="en-US" sz="1200" b="0" i="0" u="none" strike="noStrike" kern="1200" cap="none" spc="0" normalizeH="0" baseline="0" noProof="0" dirty="0">
+              <a:ln>
+                <a:noFill/>
+              </a:ln>
               <a:solidFill>
-                <a:schemeClr val="tx1">
+                <a:srgbClr val="007598">
                   <a:lumMod val="50000"/>
-                </a:schemeClr>
+                </a:srgbClr>
               </a:solidFill>
+              <a:effectLst/>
+              <a:uLnTx/>
+              <a:uFillTx/>
               <a:latin typeface="Times New Roman" panose="02020603050405020304" pitchFamily="18" charset="0"/>
               <a:ea typeface="Times New Roman" panose="02020603050405020304" pitchFamily="18" charset="0"/>
+              <a:cs typeface="+mn-cs"/>
             </a:endParaRPr>
           </a:p>
           <a:p>
-            <a:pPr marL="457200">
+            <a:pPr marL="457200" marR="0" lvl="0" indent="0" algn="l" defTabSz="914400" rtl="0" eaLnBrk="1" fontAlgn="auto" latinLnBrk="0" hangingPunct="1">
               <a:lnSpc>
                 <a:spcPct val="106000"/>
               </a:lnSpc>
+              <a:spcBef>
+                <a:spcPts val="0"/>
+              </a:spcBef>
+              <a:spcAft>
+                <a:spcPts val="0"/>
+              </a:spcAft>
+              <a:buClrTx/>
+              <a:buSzTx/>
+              <a:buFontTx/>
+              <a:buNone/>
+              <a:tabLst/>
+              <a:defRPr/>
             </a:pPr>
-            <a:endParaRPr lang="en-US" sz="1200" dirty="0">
+            <a:endParaRPr kumimoji="0" lang="en-US" sz="1200" b="0" i="0" u="none" strike="noStrike" kern="1200" cap="none" spc="0" normalizeH="0" baseline="0" noProof="0" dirty="0">
+              <a:ln>
+                <a:noFill/>
+              </a:ln>
               <a:solidFill>
-                <a:schemeClr val="tx1">
+                <a:srgbClr val="007598">
                   <a:lumMod val="50000"/>
-                </a:schemeClr>
+                </a:srgbClr>
               </a:solidFill>
+              <a:effectLst/>
+              <a:uLnTx/>
+              <a:uFillTx/>
               <a:latin typeface="Times New Roman" panose="02020603050405020304" pitchFamily="18" charset="0"/>
               <a:ea typeface="Times New Roman" panose="02020603050405020304" pitchFamily="18" charset="0"/>
+              <a:cs typeface="+mn-cs"/>
             </a:endParaRPr>
           </a:p>
           <a:p>
-            <a:pPr marL="742950" indent="-285750">
+            <a:pPr marL="742950" marR="0" lvl="0" indent="-285750" algn="l" defTabSz="914400" rtl="0" eaLnBrk="1" fontAlgn="auto" latinLnBrk="0" hangingPunct="1">
               <a:lnSpc>
                 <a:spcPct val="106000"/>
               </a:lnSpc>
+              <a:spcBef>
+                <a:spcPts val="0"/>
+              </a:spcBef>
+              <a:spcAft>
+                <a:spcPts val="0"/>
+              </a:spcAft>
+              <a:buClrTx/>
+              <a:buSzTx/>
               <a:buFont typeface="Wingdings" panose="05000000000000000000" pitchFamily="2" charset="2"/>
               <a:buChar char="v"/>
+              <a:tabLst/>
+              <a:defRPr/>
             </a:pPr>
             <a:r>
-              <a:rPr lang="en-US" sz="1400" dirty="0">
+              <a:rPr kumimoji="0" lang="en-US" sz="1400" b="0" i="0" u="none" strike="noStrike" kern="1200" cap="none" spc="0" normalizeH="0" baseline="0" noProof="0" dirty="0">
+                <a:ln>
+                  <a:noFill/>
+                </a:ln>
                 <a:solidFill>
-                  <a:schemeClr val="tx1">
+                  <a:srgbClr val="007598">
                     <a:lumMod val="50000"/>
-                  </a:schemeClr>
+                  </a:srgbClr>
                 </a:solidFill>
+                <a:effectLst/>
+                <a:uLnTx/>
+                <a:uFillTx/>
                 <a:latin typeface="Aptos" panose="020B0004020202020204" pitchFamily="34" charset="0"/>
                 <a:ea typeface="Aptos" panose="020B0004020202020204" pitchFamily="34" charset="0"/>
+                <a:cs typeface="+mn-cs"/>
               </a:rPr>
               <a:t>Focusing on soft skills, our survey revealed that three out of ten students did not perceive soft skills as an added benefit of using Slack. This is an intriguing response, as many students without professional work experience may not fully understand the term “soft skills” or recognize their importance for career growth. By adhering to social and school constructs and codes of conduct, students are practicing these skills daily. As we progress in our careers, often without direct communication, hiring managers are increasingly focusing on the soft skills of potential candidates, which could significantly impact their employability.</a:t>
             </a:r>
-            <a:endParaRPr lang="en-US" sz="1200" dirty="0">
+            <a:endParaRPr kumimoji="0" lang="en-US" sz="1200" b="0" i="0" u="none" strike="noStrike" kern="1200" cap="none" spc="0" normalizeH="0" baseline="0" noProof="0" dirty="0">
+              <a:ln>
+                <a:noFill/>
+              </a:ln>
               <a:solidFill>
-                <a:schemeClr val="tx1">
+                <a:srgbClr val="007598">
                   <a:lumMod val="50000"/>
-                </a:schemeClr>
+                </a:srgbClr>
               </a:solidFill>
+              <a:effectLst/>
+              <a:uLnTx/>
+              <a:uFillTx/>
               <a:latin typeface="Times New Roman" panose="02020603050405020304" pitchFamily="18" charset="0"/>
               <a:ea typeface="Times New Roman" panose="02020603050405020304" pitchFamily="18" charset="0"/>
+              <a:cs typeface="+mn-cs"/>
             </a:endParaRPr>
           </a:p>
           <a:p>
-            <a:pPr marL="457200">
+            <a:pPr marL="457200" marR="0" lvl="0" indent="0" algn="l" defTabSz="914400" rtl="0" eaLnBrk="1" fontAlgn="auto" latinLnBrk="0" hangingPunct="1">
               <a:lnSpc>
                 <a:spcPct val="106000"/>
               </a:lnSpc>
+              <a:spcBef>
+                <a:spcPts val="0"/>
+              </a:spcBef>
+              <a:spcAft>
+                <a:spcPts val="0"/>
+              </a:spcAft>
+              <a:buClrTx/>
+              <a:buSzTx/>
+              <a:buFontTx/>
+              <a:buNone/>
+              <a:tabLst/>
+              <a:defRPr/>
             </a:pPr>
-            <a:endParaRPr lang="en-US" sz="1200" dirty="0">
+            <a:endParaRPr kumimoji="0" lang="en-US" sz="1200" b="0" i="0" u="none" strike="noStrike" kern="1200" cap="none" spc="0" normalizeH="0" baseline="0" noProof="0" dirty="0">
+              <a:ln>
+                <a:noFill/>
+              </a:ln>
               <a:solidFill>
-                <a:schemeClr val="tx1">
+                <a:srgbClr val="007598">
                   <a:lumMod val="50000"/>
-                </a:schemeClr>
+                </a:srgbClr>
               </a:solidFill>
+              <a:effectLst/>
+              <a:uLnTx/>
+              <a:uFillTx/>
               <a:latin typeface="Times New Roman" panose="02020603050405020304" pitchFamily="18" charset="0"/>
               <a:ea typeface="Times New Roman" panose="02020603050405020304" pitchFamily="18" charset="0"/>
+              <a:cs typeface="+mn-cs"/>
             </a:endParaRPr>
           </a:p>
           <a:p>
-            <a:pPr marL="742950" indent="-285750">
+            <a:pPr marL="742950" marR="0" lvl="0" indent="-285750" algn="l" defTabSz="914400" rtl="0" eaLnBrk="1" fontAlgn="auto" latinLnBrk="0" hangingPunct="1">
               <a:lnSpc>
                 <a:spcPct val="106000"/>
               </a:lnSpc>
+              <a:spcBef>
+                <a:spcPts val="0"/>
+              </a:spcBef>
+              <a:spcAft>
+                <a:spcPts val="0"/>
+              </a:spcAft>
+              <a:buClrTx/>
+              <a:buSzTx/>
               <a:buFont typeface="Wingdings" panose="05000000000000000000" pitchFamily="2" charset="2"/>
               <a:buChar char="v"/>
+              <a:tabLst/>
+              <a:defRPr/>
             </a:pPr>
             <a:r>
-              <a:rPr lang="en-US" sz="1400" dirty="0">
+              <a:rPr kumimoji="0" lang="en-US" sz="1400" b="0" i="0" u="none" strike="noStrike" kern="1200" cap="none" spc="0" normalizeH="0" baseline="0" noProof="0" dirty="0">
+                <a:ln>
+                  <a:noFill/>
+                </a:ln>
                 <a:solidFill>
-                  <a:schemeClr val="tx1">
+                  <a:srgbClr val="007598">
                     <a:lumMod val="50000"/>
-                  </a:schemeClr>
+                  </a:srgbClr>
                 </a:solidFill>
+                <a:effectLst/>
+                <a:uLnTx/>
+                <a:uFillTx/>
                 <a:latin typeface="Aptos" panose="020B0004020202020204" pitchFamily="34" charset="0"/>
                 <a:ea typeface="Aptos" panose="020B0004020202020204" pitchFamily="34" charset="0"/>
+                <a:cs typeface="+mn-cs"/>
               </a:rPr>
               <a:t>This brings us to why Slack can be essential for students. Team-building and collaboration, practicing professionalism, properly asking technical questions, or overcoming obstacles and seeking guidance are all skills that will be valuable in our careers post-graduation. While we and many professionals in our field may be geographically dispersed, gaining a sense of community through collaboration on various projects helps mitigate the isolation often experienced by technology professionals. With a tool like Slack in education, we can develop more experienced students with better communication and productivity skills, leading to improved data and technology outcomes.</a:t>
             </a:r>
-            <a:endParaRPr lang="en-US" sz="1200" dirty="0">
+            <a:endParaRPr kumimoji="0" lang="en-US" sz="1200" b="0" i="0" u="none" strike="noStrike" kern="1200" cap="none" spc="0" normalizeH="0" baseline="0" noProof="0" dirty="0">
+              <a:ln>
+                <a:noFill/>
+              </a:ln>
               <a:solidFill>
-                <a:schemeClr val="tx1">
+                <a:srgbClr val="007598">
                   <a:lumMod val="50000"/>
-                </a:schemeClr>
+                </a:srgbClr>
               </a:solidFill>
+              <a:effectLst/>
+              <a:uLnTx/>
+              <a:uFillTx/>
               <a:latin typeface="Times New Roman" panose="02020603050405020304" pitchFamily="18" charset="0"/>
               <a:ea typeface="Times New Roman" panose="02020603050405020304" pitchFamily="18" charset="0"/>
+              <a:cs typeface="+mn-cs"/>
             </a:endParaRPr>
           </a:p>
           <a:p>
-            <a:pPr marL="628650" indent="-171450">
+            <a:pPr marL="628650" marR="0" lvl="0" indent="-171450" algn="l" defTabSz="914400" rtl="0" eaLnBrk="1" fontAlgn="auto" latinLnBrk="0" hangingPunct="1">
               <a:lnSpc>
                 <a:spcPct val="107000"/>
               </a:lnSpc>
+              <a:spcBef>
+                <a:spcPts val="0"/>
+              </a:spcBef>
+              <a:spcAft>
+                <a:spcPts val="0"/>
+              </a:spcAft>
+              <a:buClrTx/>
+              <a:buSzTx/>
               <a:buFont typeface="Wingdings" panose="05000000000000000000" pitchFamily="2" charset="2"/>
               <a:buChar char="v"/>
+              <a:tabLst/>
+              <a:defRPr/>
             </a:pPr>
-            <a:endParaRPr lang="en-US" sz="1100" kern="100" dirty="0">
+            <a:endParaRPr kumimoji="0" lang="en-US" sz="1100" b="0" i="0" u="none" strike="noStrike" kern="100" cap="none" spc="0" normalizeH="0" baseline="0" noProof="0" dirty="0">
+              <a:ln>
+                <a:noFill/>
+              </a:ln>
               <a:solidFill>
                 <a:prstClr val="black"/>
               </a:solidFill>
+              <a:effectLst/>
+              <a:uLnTx/>
+              <a:uFillTx/>
               <a:latin typeface="Aptos" panose="020B0004020202020204" pitchFamily="34" charset="0"/>
               <a:ea typeface="Aptos" panose="020B0004020202020204" pitchFamily="34" charset="0"/>
               <a:cs typeface="Times New Roman" panose="02020603050405020304" pitchFamily="18" charset="0"/>
@@ -6147,7 +7262,7 @@
         <p:spPr>
           <a:xfrm>
             <a:off x="838200" y="290652"/>
-            <a:ext cx="10941908" cy="780769"/>
+            <a:ext cx="10515600" cy="780769"/>
           </a:xfrm>
         </p:spPr>
         <p:txBody>
@@ -6155,7 +7270,7 @@
           <a:lstStyle/>
           <a:p>
             <a:r>
-              <a:rPr lang="en-US"/>
+              <a:rPr lang="en-US" dirty="0"/>
               <a:t>Student Experience (Steven Gsell)</a:t>
             </a:r>
           </a:p>
@@ -6179,8 +7294,8 @@
         </p:nvSpPr>
         <p:spPr>
           <a:xfrm>
-            <a:off x="838200" y="1071421"/>
-            <a:ext cx="10515600" cy="4851584"/>
+            <a:off x="838200" y="1307939"/>
+            <a:ext cx="10515600" cy="4615066"/>
           </a:xfrm>
         </p:spPr>
         <p:txBody>
@@ -6189,26 +7304,42 @@
           </a:bodyPr>
           <a:lstStyle/>
           <a:p>
-            <a:pPr marL="169863" indent="-169863">
-              <a:lnSpc>
-                <a:spcPct val="120000"/>
-              </a:lnSpc>
-              <a:spcBef>
-                <a:spcPts val="500"/>
-              </a:spcBef>
-            </a:pPr>
-            <a:endParaRPr lang="en-US" sz="1800" b="1">
-              <a:solidFill>
-                <a:srgbClr val="000000"/>
-              </a:solidFill>
-            </a:endParaRPr>
+            <a:r>
+              <a:rPr lang="en-US" dirty="0"/>
+              <a:t>Yes, it sounds just like the animal!</a:t>
+            </a:r>
+          </a:p>
+          <a:p>
+            <a:r>
+              <a:rPr lang="en-US" sz="2800" dirty="0"/>
+              <a:t>Current FSCJ student pursuing B.A.S in Computer Information Systems</a:t>
+            </a:r>
+          </a:p>
+          <a:p>
+            <a:r>
+              <a:rPr lang="en-US" dirty="0"/>
+              <a:t>Focus on software development</a:t>
+            </a:r>
+          </a:p>
+          <a:p>
+            <a:r>
+              <a:rPr lang="en-US" sz="2800" dirty="0"/>
+              <a:t>Been using Slack in multiple classes throughout education at FSCJ</a:t>
+            </a:r>
+          </a:p>
+          <a:p>
+            <a:r>
+              <a:rPr lang="en-US" dirty="0"/>
+              <a:t>Observed how Slack can add cohesion of communication in groups</a:t>
+            </a:r>
+            <a:endParaRPr lang="en-US" sz="2800" dirty="0"/>
           </a:p>
         </p:txBody>
       </p:sp>
     </p:spTree>
     <p:extLst>
       <p:ext uri="{BB962C8B-B14F-4D97-AF65-F5344CB8AC3E}">
-        <p14:creationId xmlns:p14="http://schemas.microsoft.com/office/powerpoint/2010/main" val="928223919"/>
+        <p14:creationId xmlns:p14="http://schemas.microsoft.com/office/powerpoint/2010/main" val="985310508"/>
       </p:ext>
     </p:extLst>
   </p:cSld>
@@ -6235,12 +7366,45 @@
           <a:chExt cx="0" cy="0"/>
         </a:xfrm>
       </p:grpSpPr>
+      <p:sp>
+        <p:nvSpPr>
+          <p:cNvPr id="2" name="Title 1">
+            <a:extLst>
+              <a:ext uri="{FF2B5EF4-FFF2-40B4-BE49-F238E27FC236}">
+                <a16:creationId xmlns:a16="http://schemas.microsoft.com/office/drawing/2014/main" id="{1193C801-427D-4761-B139-63C3D71F6842}"/>
+              </a:ext>
+            </a:extLst>
+          </p:cNvPr>
+          <p:cNvSpPr>
+            <a:spLocks noGrp="1"/>
+          </p:cNvSpPr>
+          <p:nvPr>
+            <p:ph type="title"/>
+          </p:nvPr>
+        </p:nvSpPr>
+        <p:spPr>
+          <a:xfrm>
+            <a:off x="838200" y="290652"/>
+            <a:ext cx="10515600" cy="780769"/>
+          </a:xfrm>
+        </p:spPr>
+        <p:txBody>
+          <a:bodyPr/>
+          <a:lstStyle/>
+          <a:p>
+            <a:r>
+              <a:rPr lang="en-US" dirty="0"/>
+              <a:t>Allows for Group Problem Solving</a:t>
+            </a:r>
+          </a:p>
+        </p:txBody>
+      </p:sp>
       <p:pic>
         <p:nvPicPr>
           <p:cNvPr id="5" name="Content Placeholder 4">
             <a:extLst>
               <a:ext uri="{FF2B5EF4-FFF2-40B4-BE49-F238E27FC236}">
-                <a16:creationId xmlns:a16="http://schemas.microsoft.com/office/drawing/2014/main" id="{075A8137-7C75-A9F5-529F-4D6C410FDC24}"/>
+                <a16:creationId xmlns:a16="http://schemas.microsoft.com/office/drawing/2014/main" id="{54FA8369-B24F-3DFD-C8A1-C0B1C986F776}"/>
               </a:ext>
             </a:extLst>
           </p:cNvPr>
@@ -6252,22 +7416,1705 @@
           </p:nvPr>
         </p:nvPicPr>
         <p:blipFill>
-          <a:blip r:embed="rId3"/>
+          <a:blip r:embed="rId3">
+            <a:extLst>
+              <a:ext uri="{28A0092B-C50C-407E-A947-70E740481C1C}">
+                <a14:useLocalDpi xmlns:a14="http://schemas.microsoft.com/office/drawing/2010/main" val="0"/>
+              </a:ext>
+            </a:extLst>
+          </a:blip>
+          <a:srcRect/>
+          <a:stretch/>
+        </p:blipFill>
+        <p:spPr>
+          <a:xfrm>
+            <a:off x="6096000" y="1121568"/>
+            <a:ext cx="5441405" cy="4614863"/>
+          </a:xfrm>
+          <a:effectLst>
+            <a:outerShdw blurRad="190500" dist="38100" dir="2700000" sx="102000" sy="102000" algn="tl" rotWithShape="0">
+              <a:prstClr val="black">
+                <a:alpha val="40000"/>
+              </a:prstClr>
+            </a:outerShdw>
+          </a:effectLst>
+        </p:spPr>
+      </p:pic>
+      <p:sp>
+        <p:nvSpPr>
+          <p:cNvPr id="10" name="TextBox 9">
+            <a:extLst>
+              <a:ext uri="{FF2B5EF4-FFF2-40B4-BE49-F238E27FC236}">
+                <a16:creationId xmlns:a16="http://schemas.microsoft.com/office/drawing/2014/main" id="{978843E6-49FE-CE26-265D-A2D19E4793C0}"/>
+              </a:ext>
+            </a:extLst>
+          </p:cNvPr>
+          <p:cNvSpPr txBox="1"/>
+          <p:nvPr/>
+        </p:nvSpPr>
+        <p:spPr>
+          <a:xfrm>
+            <a:off x="838200" y="1238081"/>
+            <a:ext cx="4915237" cy="3785652"/>
+          </a:xfrm>
+          <a:prstGeom prst="rect">
+            <a:avLst/>
+          </a:prstGeom>
+          <a:noFill/>
+        </p:spPr>
+        <p:txBody>
+          <a:bodyPr wrap="square" rtlCol="0">
+            <a:spAutoFit/>
+          </a:bodyPr>
+          <a:lstStyle/>
+          <a:p>
+            <a:pPr marL="285750" marR="0" lvl="0" indent="-285750" algn="l" defTabSz="914400" rtl="0" eaLnBrk="1" fontAlgn="auto" latinLnBrk="0" hangingPunct="1">
+              <a:lnSpc>
+                <a:spcPct val="100000"/>
+              </a:lnSpc>
+              <a:spcBef>
+                <a:spcPts val="0"/>
+              </a:spcBef>
+              <a:spcAft>
+                <a:spcPts val="0"/>
+              </a:spcAft>
+              <a:buClrTx/>
+              <a:buSzTx/>
+              <a:buFont typeface="Arial" panose="020B0604020202020204" pitchFamily="34" charset="0"/>
+              <a:buChar char="•"/>
+              <a:tabLst/>
+              <a:defRPr/>
+            </a:pPr>
+            <a:r>
+              <a:rPr kumimoji="0" lang="en-US" sz="2000" b="0" i="0" u="none" strike="noStrike" kern="1200" cap="none" spc="0" normalizeH="0" baseline="0" noProof="0" dirty="0">
+                <a:ln>
+                  <a:noFill/>
+                </a:ln>
+                <a:solidFill>
+                  <a:srgbClr val="007598"/>
+                </a:solidFill>
+                <a:effectLst/>
+                <a:uLnTx/>
+                <a:uFillTx/>
+                <a:latin typeface="Calibri" panose="020F0502020204030204"/>
+                <a:ea typeface="+mn-ea"/>
+                <a:cs typeface="+mn-cs"/>
+              </a:rPr>
+              <a:t>Software projects in a class setting can be chaotic without clear communication</a:t>
+            </a:r>
+          </a:p>
+          <a:p>
+            <a:pPr marL="285750" marR="0" lvl="0" indent="-285750" algn="l" defTabSz="914400" rtl="0" eaLnBrk="1" fontAlgn="auto" latinLnBrk="0" hangingPunct="1">
+              <a:lnSpc>
+                <a:spcPct val="100000"/>
+              </a:lnSpc>
+              <a:spcBef>
+                <a:spcPts val="0"/>
+              </a:spcBef>
+              <a:spcAft>
+                <a:spcPts val="0"/>
+              </a:spcAft>
+              <a:buClrTx/>
+              <a:buSzTx/>
+              <a:buFont typeface="Arial" panose="020B0604020202020204" pitchFamily="34" charset="0"/>
+              <a:buChar char="•"/>
+              <a:tabLst/>
+              <a:defRPr/>
+            </a:pPr>
+            <a:endParaRPr kumimoji="0" lang="en-US" sz="2000" b="0" i="0" u="none" strike="noStrike" kern="1200" cap="none" spc="0" normalizeH="0" baseline="0" noProof="0" dirty="0">
+              <a:ln>
+                <a:noFill/>
+              </a:ln>
+              <a:solidFill>
+                <a:srgbClr val="007598"/>
+              </a:solidFill>
+              <a:effectLst/>
+              <a:uLnTx/>
+              <a:uFillTx/>
+              <a:latin typeface="Calibri" panose="020F0502020204030204"/>
+              <a:ea typeface="+mn-ea"/>
+              <a:cs typeface="+mn-cs"/>
+            </a:endParaRPr>
+          </a:p>
+          <a:p>
+            <a:pPr marL="285750" marR="0" lvl="0" indent="-285750" algn="l" defTabSz="914400" rtl="0" eaLnBrk="1" fontAlgn="auto" latinLnBrk="0" hangingPunct="1">
+              <a:lnSpc>
+                <a:spcPct val="100000"/>
+              </a:lnSpc>
+              <a:spcBef>
+                <a:spcPts val="0"/>
+              </a:spcBef>
+              <a:spcAft>
+                <a:spcPts val="0"/>
+              </a:spcAft>
+              <a:buClrTx/>
+              <a:buSzTx/>
+              <a:buFont typeface="Arial" panose="020B0604020202020204" pitchFamily="34" charset="0"/>
+              <a:buChar char="•"/>
+              <a:tabLst/>
+              <a:defRPr/>
+            </a:pPr>
+            <a:r>
+              <a:rPr kumimoji="0" lang="en-US" sz="2000" b="0" i="0" u="none" strike="noStrike" kern="1200" cap="none" spc="0" normalizeH="0" baseline="0" noProof="0" dirty="0">
+                <a:ln>
+                  <a:noFill/>
+                </a:ln>
+                <a:solidFill>
+                  <a:srgbClr val="007598"/>
+                </a:solidFill>
+                <a:effectLst/>
+                <a:uLnTx/>
+                <a:uFillTx/>
+                <a:latin typeface="Calibri" panose="020F0502020204030204"/>
+                <a:ea typeface="+mn-ea"/>
+                <a:cs typeface="+mn-cs"/>
+              </a:rPr>
+              <a:t>We are all learning and perhaps working with several new technologies for the first time. We are also learning HOW to learn in a fast-paced tech environment.</a:t>
+            </a:r>
+          </a:p>
+          <a:p>
+            <a:pPr marL="285750" marR="0" lvl="0" indent="-285750" algn="l" defTabSz="914400" rtl="0" eaLnBrk="1" fontAlgn="auto" latinLnBrk="0" hangingPunct="1">
+              <a:lnSpc>
+                <a:spcPct val="100000"/>
+              </a:lnSpc>
+              <a:spcBef>
+                <a:spcPts val="0"/>
+              </a:spcBef>
+              <a:spcAft>
+                <a:spcPts val="0"/>
+              </a:spcAft>
+              <a:buClrTx/>
+              <a:buSzTx/>
+              <a:buFont typeface="Arial" panose="020B0604020202020204" pitchFamily="34" charset="0"/>
+              <a:buChar char="•"/>
+              <a:tabLst/>
+              <a:defRPr/>
+            </a:pPr>
+            <a:endParaRPr kumimoji="0" lang="en-US" sz="2000" b="0" i="0" u="none" strike="noStrike" kern="1200" cap="none" spc="0" normalizeH="0" baseline="0" noProof="0" dirty="0">
+              <a:ln>
+                <a:noFill/>
+              </a:ln>
+              <a:solidFill>
+                <a:srgbClr val="007598"/>
+              </a:solidFill>
+              <a:effectLst/>
+              <a:uLnTx/>
+              <a:uFillTx/>
+              <a:latin typeface="Calibri" panose="020F0502020204030204"/>
+              <a:ea typeface="+mn-ea"/>
+              <a:cs typeface="+mn-cs"/>
+            </a:endParaRPr>
+          </a:p>
+          <a:p>
+            <a:pPr marL="285750" marR="0" lvl="0" indent="-285750" algn="l" defTabSz="914400" rtl="0" eaLnBrk="1" fontAlgn="auto" latinLnBrk="0" hangingPunct="1">
+              <a:lnSpc>
+                <a:spcPct val="100000"/>
+              </a:lnSpc>
+              <a:spcBef>
+                <a:spcPts val="0"/>
+              </a:spcBef>
+              <a:spcAft>
+                <a:spcPts val="0"/>
+              </a:spcAft>
+              <a:buClrTx/>
+              <a:buSzTx/>
+              <a:buFont typeface="Arial" panose="020B0604020202020204" pitchFamily="34" charset="0"/>
+              <a:buChar char="•"/>
+              <a:tabLst/>
+              <a:defRPr/>
+            </a:pPr>
+            <a:r>
+              <a:rPr kumimoji="0" lang="en-US" sz="2000" b="0" i="0" u="none" strike="noStrike" kern="1200" cap="none" spc="0" normalizeH="0" baseline="0" noProof="0" dirty="0">
+                <a:ln>
+                  <a:noFill/>
+                </a:ln>
+                <a:solidFill>
+                  <a:srgbClr val="007598"/>
+                </a:solidFill>
+                <a:effectLst/>
+                <a:uLnTx/>
+                <a:uFillTx/>
+                <a:latin typeface="Calibri" panose="020F0502020204030204"/>
+                <a:ea typeface="+mn-ea"/>
+                <a:cs typeface="+mn-cs"/>
+              </a:rPr>
+              <a:t>When our groups run into problems, Slack allows us to pinpoint the problem as a group and see the clear solution when someone finds it!</a:t>
+            </a:r>
+          </a:p>
+        </p:txBody>
+      </p:sp>
+    </p:spTree>
+    <p:extLst>
+      <p:ext uri="{BB962C8B-B14F-4D97-AF65-F5344CB8AC3E}">
+        <p14:creationId xmlns:p14="http://schemas.microsoft.com/office/powerpoint/2010/main" val="504903178"/>
+      </p:ext>
+    </p:extLst>
+  </p:cSld>
+  <p:clrMapOvr>
+    <a:masterClrMapping/>
+  </p:clrMapOvr>
+</p:sld>
+</file>
+
+<file path=ppt/slides/slide16.xml><?xml version="1.0" encoding="utf-8"?>
+<p:sld xmlns:a="http://schemas.openxmlformats.org/drawingml/2006/main" xmlns:r="http://schemas.openxmlformats.org/officeDocument/2006/relationships" xmlns:p="http://schemas.openxmlformats.org/presentationml/2006/main">
+  <p:cSld>
+    <p:spTree>
+      <p:nvGrpSpPr>
+        <p:cNvPr id="1" name=""/>
+        <p:cNvGrpSpPr/>
+        <p:nvPr/>
+      </p:nvGrpSpPr>
+      <p:grpSpPr>
+        <a:xfrm>
+          <a:off x="0" y="0"/>
+          <a:ext cx="0" cy="0"/>
+          <a:chOff x="0" y="0"/>
+          <a:chExt cx="0" cy="0"/>
+        </a:xfrm>
+      </p:grpSpPr>
+      <p:sp>
+        <p:nvSpPr>
+          <p:cNvPr id="2" name="Title 1">
+            <a:extLst>
+              <a:ext uri="{FF2B5EF4-FFF2-40B4-BE49-F238E27FC236}">
+                <a16:creationId xmlns:a16="http://schemas.microsoft.com/office/drawing/2014/main" id="{1193C801-427D-4761-B139-63C3D71F6842}"/>
+              </a:ext>
+            </a:extLst>
+          </p:cNvPr>
+          <p:cNvSpPr>
+            <a:spLocks noGrp="1"/>
+          </p:cNvSpPr>
+          <p:nvPr>
+            <p:ph type="title"/>
+          </p:nvPr>
+        </p:nvSpPr>
+        <p:spPr>
+          <a:xfrm>
+            <a:off x="838200" y="290652"/>
+            <a:ext cx="10515600" cy="780769"/>
+          </a:xfrm>
+        </p:spPr>
+        <p:txBody>
+          <a:bodyPr/>
+          <a:lstStyle/>
+          <a:p>
+            <a:r>
+              <a:rPr lang="en-US" dirty="0"/>
+              <a:t>Allows Organized Group Separation </a:t>
+            </a:r>
+          </a:p>
+        </p:txBody>
+      </p:sp>
+      <p:sp>
+        <p:nvSpPr>
+          <p:cNvPr id="10" name="TextBox 9">
+            <a:extLst>
+              <a:ext uri="{FF2B5EF4-FFF2-40B4-BE49-F238E27FC236}">
+                <a16:creationId xmlns:a16="http://schemas.microsoft.com/office/drawing/2014/main" id="{978843E6-49FE-CE26-265D-A2D19E4793C0}"/>
+              </a:ext>
+            </a:extLst>
+          </p:cNvPr>
+          <p:cNvSpPr txBox="1"/>
+          <p:nvPr/>
+        </p:nvSpPr>
+        <p:spPr>
+          <a:xfrm>
+            <a:off x="838200" y="1238081"/>
+            <a:ext cx="4915237" cy="3170099"/>
+          </a:xfrm>
+          <a:prstGeom prst="rect">
+            <a:avLst/>
+          </a:prstGeom>
+          <a:noFill/>
+        </p:spPr>
+        <p:txBody>
+          <a:bodyPr wrap="square" rtlCol="0">
+            <a:spAutoFit/>
+          </a:bodyPr>
+          <a:lstStyle/>
+          <a:p>
+            <a:pPr marL="285750" marR="0" lvl="0" indent="-285750" algn="l" defTabSz="914400" rtl="0" eaLnBrk="1" fontAlgn="auto" latinLnBrk="0" hangingPunct="1">
+              <a:lnSpc>
+                <a:spcPct val="100000"/>
+              </a:lnSpc>
+              <a:spcBef>
+                <a:spcPts val="0"/>
+              </a:spcBef>
+              <a:spcAft>
+                <a:spcPts val="0"/>
+              </a:spcAft>
+              <a:buClrTx/>
+              <a:buSzTx/>
+              <a:buFont typeface="Arial" panose="020B0604020202020204" pitchFamily="34" charset="0"/>
+              <a:buChar char="•"/>
+              <a:tabLst/>
+              <a:defRPr/>
+            </a:pPr>
+            <a:r>
+              <a:rPr kumimoji="0" lang="en-US" sz="2000" b="0" i="0" u="none" strike="noStrike" kern="1200" cap="none" spc="0" normalizeH="0" baseline="0" noProof="0" dirty="0">
+                <a:ln>
+                  <a:noFill/>
+                </a:ln>
+                <a:solidFill>
+                  <a:srgbClr val="007598"/>
+                </a:solidFill>
+                <a:effectLst/>
+                <a:uLnTx/>
+                <a:uFillTx/>
+                <a:latin typeface="Calibri" panose="020F0502020204030204"/>
+                <a:ea typeface="+mn-ea"/>
+                <a:cs typeface="+mn-cs"/>
+              </a:rPr>
+              <a:t>Juggling different groups can quickly become a chore without the proper tools.</a:t>
+            </a:r>
+          </a:p>
+          <a:p>
+            <a:pPr marL="285750" marR="0" lvl="0" indent="-285750" algn="l" defTabSz="914400" rtl="0" eaLnBrk="1" fontAlgn="auto" latinLnBrk="0" hangingPunct="1">
+              <a:lnSpc>
+                <a:spcPct val="100000"/>
+              </a:lnSpc>
+              <a:spcBef>
+                <a:spcPts val="0"/>
+              </a:spcBef>
+              <a:spcAft>
+                <a:spcPts val="0"/>
+              </a:spcAft>
+              <a:buClrTx/>
+              <a:buSzTx/>
+              <a:buFont typeface="Arial" panose="020B0604020202020204" pitchFamily="34" charset="0"/>
+              <a:buChar char="•"/>
+              <a:tabLst/>
+              <a:defRPr/>
+            </a:pPr>
+            <a:endParaRPr kumimoji="0" lang="en-US" sz="2000" b="0" i="0" u="none" strike="noStrike" kern="1200" cap="none" spc="0" normalizeH="0" baseline="0" noProof="0" dirty="0">
+              <a:ln>
+                <a:noFill/>
+              </a:ln>
+              <a:solidFill>
+                <a:srgbClr val="007598"/>
+              </a:solidFill>
+              <a:effectLst/>
+              <a:uLnTx/>
+              <a:uFillTx/>
+              <a:latin typeface="Calibri" panose="020F0502020204030204"/>
+              <a:ea typeface="+mn-ea"/>
+              <a:cs typeface="+mn-cs"/>
+            </a:endParaRPr>
+          </a:p>
+          <a:p>
+            <a:pPr marL="285750" marR="0" lvl="0" indent="-285750" algn="l" defTabSz="914400" rtl="0" eaLnBrk="1" fontAlgn="auto" latinLnBrk="0" hangingPunct="1">
+              <a:lnSpc>
+                <a:spcPct val="100000"/>
+              </a:lnSpc>
+              <a:spcBef>
+                <a:spcPts val="0"/>
+              </a:spcBef>
+              <a:spcAft>
+                <a:spcPts val="0"/>
+              </a:spcAft>
+              <a:buClrTx/>
+              <a:buSzTx/>
+              <a:buFont typeface="Arial" panose="020B0604020202020204" pitchFamily="34" charset="0"/>
+              <a:buChar char="•"/>
+              <a:tabLst/>
+              <a:defRPr/>
+            </a:pPr>
+            <a:r>
+              <a:rPr kumimoji="0" lang="en-US" sz="2000" b="0" i="0" u="none" strike="noStrike" kern="1200" cap="none" spc="0" normalizeH="0" baseline="0" noProof="0" dirty="0">
+                <a:ln>
+                  <a:noFill/>
+                </a:ln>
+                <a:solidFill>
+                  <a:srgbClr val="007598"/>
+                </a:solidFill>
+                <a:effectLst/>
+                <a:uLnTx/>
+                <a:uFillTx/>
+                <a:latin typeface="Calibri" panose="020F0502020204030204"/>
+                <a:ea typeface="+mn-ea"/>
+                <a:cs typeface="+mn-cs"/>
+              </a:rPr>
+              <a:t>Slack allows you to have multiple workspaces at once, with a user-friendly UI to jump between all your groups.</a:t>
+            </a:r>
+          </a:p>
+          <a:p>
+            <a:pPr marL="285750" marR="0" lvl="0" indent="-285750" algn="l" defTabSz="914400" rtl="0" eaLnBrk="1" fontAlgn="auto" latinLnBrk="0" hangingPunct="1">
+              <a:lnSpc>
+                <a:spcPct val="100000"/>
+              </a:lnSpc>
+              <a:spcBef>
+                <a:spcPts val="0"/>
+              </a:spcBef>
+              <a:spcAft>
+                <a:spcPts val="0"/>
+              </a:spcAft>
+              <a:buClrTx/>
+              <a:buSzTx/>
+              <a:buFont typeface="Arial" panose="020B0604020202020204" pitchFamily="34" charset="0"/>
+              <a:buChar char="•"/>
+              <a:tabLst/>
+              <a:defRPr/>
+            </a:pPr>
+            <a:endParaRPr kumimoji="0" lang="en-US" sz="2000" b="0" i="0" u="none" strike="noStrike" kern="1200" cap="none" spc="0" normalizeH="0" baseline="0" noProof="0" dirty="0">
+              <a:ln>
+                <a:noFill/>
+              </a:ln>
+              <a:solidFill>
+                <a:srgbClr val="007598"/>
+              </a:solidFill>
+              <a:effectLst/>
+              <a:uLnTx/>
+              <a:uFillTx/>
+              <a:latin typeface="Calibri" panose="020F0502020204030204"/>
+              <a:ea typeface="+mn-ea"/>
+              <a:cs typeface="+mn-cs"/>
+            </a:endParaRPr>
+          </a:p>
+          <a:p>
+            <a:pPr marL="285750" marR="0" lvl="0" indent="-285750" algn="l" defTabSz="914400" rtl="0" eaLnBrk="1" fontAlgn="auto" latinLnBrk="0" hangingPunct="1">
+              <a:lnSpc>
+                <a:spcPct val="100000"/>
+              </a:lnSpc>
+              <a:spcBef>
+                <a:spcPts val="0"/>
+              </a:spcBef>
+              <a:spcAft>
+                <a:spcPts val="0"/>
+              </a:spcAft>
+              <a:buClrTx/>
+              <a:buSzTx/>
+              <a:buFont typeface="Arial" panose="020B0604020202020204" pitchFamily="34" charset="0"/>
+              <a:buChar char="•"/>
+              <a:tabLst/>
+              <a:defRPr/>
+            </a:pPr>
+            <a:r>
+              <a:rPr kumimoji="0" lang="en-US" sz="2000" b="0" i="0" u="none" strike="noStrike" kern="1200" cap="none" spc="0" normalizeH="0" baseline="0" noProof="0" dirty="0">
+                <a:ln>
+                  <a:noFill/>
+                </a:ln>
+                <a:solidFill>
+                  <a:srgbClr val="007598"/>
+                </a:solidFill>
+                <a:effectLst/>
+                <a:uLnTx/>
+                <a:uFillTx/>
+                <a:latin typeface="Calibri" panose="020F0502020204030204"/>
+                <a:ea typeface="+mn-ea"/>
+                <a:cs typeface="+mn-cs"/>
+              </a:rPr>
+              <a:t>Having clearly defined workspaces allows for easy transitioning from one group to another. </a:t>
+            </a:r>
+          </a:p>
+        </p:txBody>
+      </p:sp>
+      <p:pic>
+        <p:nvPicPr>
+          <p:cNvPr id="6" name="Content Placeholder 5">
+            <a:extLst>
+              <a:ext uri="{FF2B5EF4-FFF2-40B4-BE49-F238E27FC236}">
+                <a16:creationId xmlns:a16="http://schemas.microsoft.com/office/drawing/2014/main" id="{2DCB6C17-1E8C-6E62-A772-C36B095C05BB}"/>
+              </a:ext>
+            </a:extLst>
+          </p:cNvPr>
+          <p:cNvPicPr>
+            <a:picLocks noGrp="1" noChangeAspect="1"/>
+          </p:cNvPicPr>
+          <p:nvPr>
+            <p:ph idx="1"/>
+          </p:nvPr>
+        </p:nvPicPr>
+        <p:blipFill>
+          <a:blip r:embed="rId3">
+            <a:extLst>
+              <a:ext uri="{28A0092B-C50C-407E-A947-70E740481C1C}">
+                <a14:useLocalDpi xmlns:a14="http://schemas.microsoft.com/office/drawing/2010/main" val="0"/>
+              </a:ext>
+            </a:extLst>
+          </a:blip>
+          <a:srcRect/>
+          <a:stretch/>
+        </p:blipFill>
+        <p:spPr>
+          <a:xfrm>
+            <a:off x="6322454" y="1376552"/>
+            <a:ext cx="5306327" cy="4104895"/>
+          </a:xfrm>
+          <a:effectLst>
+            <a:outerShdw blurRad="190500" dist="38100" dir="2700000" sx="102000" sy="102000" algn="tl" rotWithShape="0">
+              <a:prstClr val="black">
+                <a:alpha val="40000"/>
+              </a:prstClr>
+            </a:outerShdw>
+          </a:effectLst>
+        </p:spPr>
+      </p:pic>
+      <p:sp>
+        <p:nvSpPr>
+          <p:cNvPr id="12" name="Rectangle 11">
+            <a:extLst>
+              <a:ext uri="{FF2B5EF4-FFF2-40B4-BE49-F238E27FC236}">
+                <a16:creationId xmlns:a16="http://schemas.microsoft.com/office/drawing/2014/main" id="{9F0AB30B-54F0-1D78-1303-343918EB6B18}"/>
+              </a:ext>
+            </a:extLst>
+          </p:cNvPr>
+          <p:cNvSpPr/>
+          <p:nvPr/>
+        </p:nvSpPr>
+        <p:spPr>
+          <a:xfrm>
+            <a:off x="6202017" y="1749287"/>
+            <a:ext cx="2097157" cy="1808922"/>
+          </a:xfrm>
+          <a:prstGeom prst="rect">
+            <a:avLst/>
+          </a:prstGeom>
+          <a:noFill/>
+          <a:ln w="57150">
+            <a:solidFill>
+              <a:srgbClr val="FF0000"/>
+            </a:solidFill>
+          </a:ln>
+        </p:spPr>
+        <p:style>
+          <a:lnRef idx="2">
+            <a:schemeClr val="accent1">
+              <a:shade val="15000"/>
+            </a:schemeClr>
+          </a:lnRef>
+          <a:fillRef idx="1">
+            <a:schemeClr val="accent1"/>
+          </a:fillRef>
+          <a:effectRef idx="0">
+            <a:schemeClr val="accent1"/>
+          </a:effectRef>
+          <a:fontRef idx="minor">
+            <a:schemeClr val="lt1"/>
+          </a:fontRef>
+        </p:style>
+        <p:txBody>
+          <a:bodyPr rtlCol="0" anchor="ctr"/>
+          <a:lstStyle/>
+          <a:p>
+            <a:pPr marL="0" marR="0" lvl="0" indent="0" algn="ctr" defTabSz="914400" rtl="0" eaLnBrk="1" fontAlgn="auto" latinLnBrk="0" hangingPunct="1">
+              <a:lnSpc>
+                <a:spcPct val="100000"/>
+              </a:lnSpc>
+              <a:spcBef>
+                <a:spcPts val="0"/>
+              </a:spcBef>
+              <a:spcAft>
+                <a:spcPts val="0"/>
+              </a:spcAft>
+              <a:buClrTx/>
+              <a:buSzTx/>
+              <a:buFontTx/>
+              <a:buNone/>
+              <a:tabLst/>
+              <a:defRPr/>
+            </a:pPr>
+            <a:endParaRPr kumimoji="0" lang="en-US" sz="1800" b="0" i="0" u="none" strike="noStrike" kern="1200" cap="none" spc="0" normalizeH="0" baseline="0" noProof="0">
+              <a:ln>
+                <a:noFill/>
+              </a:ln>
+              <a:solidFill>
+                <a:srgbClr val="FFFFFF"/>
+              </a:solidFill>
+              <a:effectLst/>
+              <a:uLnTx/>
+              <a:uFillTx/>
+              <a:latin typeface="Calibri" panose="020F0502020204030204"/>
+              <a:ea typeface="+mn-ea"/>
+              <a:cs typeface="+mn-cs"/>
+            </a:endParaRPr>
+          </a:p>
+        </p:txBody>
+      </p:sp>
+      <p:sp>
+        <p:nvSpPr>
+          <p:cNvPr id="11" name="Arrow: Right 10">
+            <a:extLst>
+              <a:ext uri="{FF2B5EF4-FFF2-40B4-BE49-F238E27FC236}">
+                <a16:creationId xmlns:a16="http://schemas.microsoft.com/office/drawing/2014/main" id="{828A5158-6DF2-C82B-41BB-8DDCA4199DCE}"/>
+              </a:ext>
+            </a:extLst>
+          </p:cNvPr>
+          <p:cNvSpPr/>
+          <p:nvPr/>
+        </p:nvSpPr>
+        <p:spPr>
+          <a:xfrm rot="12770960">
+            <a:off x="7938882" y="3594982"/>
+            <a:ext cx="1858618" cy="536713"/>
+          </a:xfrm>
+          <a:prstGeom prst="rightArrow">
+            <a:avLst/>
+          </a:prstGeom>
+          <a:solidFill>
+            <a:srgbClr val="FF0000"/>
+          </a:solidFill>
+        </p:spPr>
+        <p:style>
+          <a:lnRef idx="2">
+            <a:schemeClr val="accent1">
+              <a:shade val="15000"/>
+            </a:schemeClr>
+          </a:lnRef>
+          <a:fillRef idx="1">
+            <a:schemeClr val="accent1"/>
+          </a:fillRef>
+          <a:effectRef idx="0">
+            <a:schemeClr val="accent1"/>
+          </a:effectRef>
+          <a:fontRef idx="minor">
+            <a:schemeClr val="lt1"/>
+          </a:fontRef>
+        </p:style>
+        <p:txBody>
+          <a:bodyPr rtlCol="0" anchor="ctr"/>
+          <a:lstStyle/>
+          <a:p>
+            <a:pPr marL="0" marR="0" lvl="0" indent="0" algn="ctr" defTabSz="914400" rtl="0" eaLnBrk="1" fontAlgn="auto" latinLnBrk="0" hangingPunct="1">
+              <a:lnSpc>
+                <a:spcPct val="100000"/>
+              </a:lnSpc>
+              <a:spcBef>
+                <a:spcPts val="0"/>
+              </a:spcBef>
+              <a:spcAft>
+                <a:spcPts val="0"/>
+              </a:spcAft>
+              <a:buClrTx/>
+              <a:buSzTx/>
+              <a:buFontTx/>
+              <a:buNone/>
+              <a:tabLst/>
+              <a:defRPr/>
+            </a:pPr>
+            <a:endParaRPr kumimoji="0" lang="en-US" sz="1800" b="0" i="0" u="none" strike="noStrike" kern="1200" cap="none" spc="0" normalizeH="0" baseline="0" noProof="0">
+              <a:ln>
+                <a:noFill/>
+              </a:ln>
+              <a:solidFill>
+                <a:srgbClr val="FFFFFF"/>
+              </a:solidFill>
+              <a:effectLst/>
+              <a:uLnTx/>
+              <a:uFillTx/>
+              <a:latin typeface="Calibri" panose="020F0502020204030204"/>
+              <a:ea typeface="+mn-ea"/>
+              <a:cs typeface="+mn-cs"/>
+            </a:endParaRPr>
+          </a:p>
+        </p:txBody>
+      </p:sp>
+    </p:spTree>
+    <p:extLst>
+      <p:ext uri="{BB962C8B-B14F-4D97-AF65-F5344CB8AC3E}">
+        <p14:creationId xmlns:p14="http://schemas.microsoft.com/office/powerpoint/2010/main" val="2440337316"/>
+      </p:ext>
+    </p:extLst>
+  </p:cSld>
+  <p:clrMapOvr>
+    <a:masterClrMapping/>
+  </p:clrMapOvr>
+</p:sld>
+</file>
+
+<file path=ppt/slides/slide17.xml><?xml version="1.0" encoding="utf-8"?>
+<p:sld xmlns:a="http://schemas.openxmlformats.org/drawingml/2006/main" xmlns:r="http://schemas.openxmlformats.org/officeDocument/2006/relationships" xmlns:p="http://schemas.openxmlformats.org/presentationml/2006/main">
+  <p:cSld>
+    <p:spTree>
+      <p:nvGrpSpPr>
+        <p:cNvPr id="1" name=""/>
+        <p:cNvGrpSpPr/>
+        <p:nvPr/>
+      </p:nvGrpSpPr>
+      <p:grpSpPr>
+        <a:xfrm>
+          <a:off x="0" y="0"/>
+          <a:ext cx="0" cy="0"/>
+          <a:chOff x="0" y="0"/>
+          <a:chExt cx="0" cy="0"/>
+        </a:xfrm>
+      </p:grpSpPr>
+      <p:sp>
+        <p:nvSpPr>
+          <p:cNvPr id="2" name="Title 1">
+            <a:extLst>
+              <a:ext uri="{FF2B5EF4-FFF2-40B4-BE49-F238E27FC236}">
+                <a16:creationId xmlns:a16="http://schemas.microsoft.com/office/drawing/2014/main" id="{1193C801-427D-4761-B139-63C3D71F6842}"/>
+              </a:ext>
+            </a:extLst>
+          </p:cNvPr>
+          <p:cNvSpPr>
+            <a:spLocks noGrp="1"/>
+          </p:cNvSpPr>
+          <p:nvPr>
+            <p:ph type="title"/>
+          </p:nvPr>
+        </p:nvSpPr>
+        <p:spPr>
+          <a:xfrm>
+            <a:off x="838200" y="290652"/>
+            <a:ext cx="10515600" cy="780769"/>
+          </a:xfrm>
+        </p:spPr>
+        <p:txBody>
+          <a:bodyPr/>
+          <a:lstStyle/>
+          <a:p>
+            <a:r>
+              <a:rPr lang="en-US" dirty="0"/>
+              <a:t>Allows Communication Customization</a:t>
+            </a:r>
+          </a:p>
+        </p:txBody>
+      </p:sp>
+      <p:sp>
+        <p:nvSpPr>
+          <p:cNvPr id="10" name="TextBox 9">
+            <a:extLst>
+              <a:ext uri="{FF2B5EF4-FFF2-40B4-BE49-F238E27FC236}">
+                <a16:creationId xmlns:a16="http://schemas.microsoft.com/office/drawing/2014/main" id="{978843E6-49FE-CE26-265D-A2D19E4793C0}"/>
+              </a:ext>
+            </a:extLst>
+          </p:cNvPr>
+          <p:cNvSpPr txBox="1"/>
+          <p:nvPr/>
+        </p:nvSpPr>
+        <p:spPr>
+          <a:xfrm>
+            <a:off x="838200" y="1238081"/>
+            <a:ext cx="4915237" cy="3785652"/>
+          </a:xfrm>
+          <a:prstGeom prst="rect">
+            <a:avLst/>
+          </a:prstGeom>
+          <a:noFill/>
+        </p:spPr>
+        <p:txBody>
+          <a:bodyPr wrap="square" rtlCol="0">
+            <a:spAutoFit/>
+          </a:bodyPr>
+          <a:lstStyle/>
+          <a:p>
+            <a:pPr marL="285750" marR="0" lvl="0" indent="-285750" algn="l" defTabSz="914400" rtl="0" eaLnBrk="1" fontAlgn="auto" latinLnBrk="0" hangingPunct="1">
+              <a:lnSpc>
+                <a:spcPct val="100000"/>
+              </a:lnSpc>
+              <a:spcBef>
+                <a:spcPts val="0"/>
+              </a:spcBef>
+              <a:spcAft>
+                <a:spcPts val="0"/>
+              </a:spcAft>
+              <a:buClrTx/>
+              <a:buSzTx/>
+              <a:buFont typeface="Arial" panose="020B0604020202020204" pitchFamily="34" charset="0"/>
+              <a:buChar char="•"/>
+              <a:tabLst/>
+              <a:defRPr/>
+            </a:pPr>
+            <a:r>
+              <a:rPr kumimoji="0" lang="en-US" sz="2000" b="0" i="0" u="none" strike="noStrike" kern="1200" cap="none" spc="0" normalizeH="0" baseline="0" noProof="0" dirty="0">
+                <a:ln>
+                  <a:noFill/>
+                </a:ln>
+                <a:solidFill>
+                  <a:srgbClr val="007598"/>
+                </a:solidFill>
+                <a:effectLst/>
+                <a:uLnTx/>
+                <a:uFillTx/>
+                <a:latin typeface="Calibri" panose="020F0502020204030204"/>
+                <a:ea typeface="+mn-ea"/>
+                <a:cs typeface="+mn-cs"/>
+              </a:rPr>
+              <a:t>One of the most noticeable things about Slack is the customization that is possible through their add-on apps!</a:t>
+            </a:r>
+          </a:p>
+          <a:p>
+            <a:pPr marL="285750" marR="0" lvl="0" indent="-285750" algn="l" defTabSz="914400" rtl="0" eaLnBrk="1" fontAlgn="auto" latinLnBrk="0" hangingPunct="1">
+              <a:lnSpc>
+                <a:spcPct val="100000"/>
+              </a:lnSpc>
+              <a:spcBef>
+                <a:spcPts val="0"/>
+              </a:spcBef>
+              <a:spcAft>
+                <a:spcPts val="0"/>
+              </a:spcAft>
+              <a:buClrTx/>
+              <a:buSzTx/>
+              <a:buFont typeface="Arial" panose="020B0604020202020204" pitchFamily="34" charset="0"/>
+              <a:buChar char="•"/>
+              <a:tabLst/>
+              <a:defRPr/>
+            </a:pPr>
+            <a:endParaRPr kumimoji="0" lang="en-US" sz="2000" b="0" i="0" u="none" strike="noStrike" kern="1200" cap="none" spc="0" normalizeH="0" baseline="0" noProof="0" dirty="0">
+              <a:ln>
+                <a:noFill/>
+              </a:ln>
+              <a:solidFill>
+                <a:srgbClr val="007598"/>
+              </a:solidFill>
+              <a:effectLst/>
+              <a:uLnTx/>
+              <a:uFillTx/>
+              <a:latin typeface="Calibri" panose="020F0502020204030204"/>
+              <a:ea typeface="+mn-ea"/>
+              <a:cs typeface="+mn-cs"/>
+            </a:endParaRPr>
+          </a:p>
+          <a:p>
+            <a:pPr marL="285750" marR="0" lvl="0" indent="-285750" algn="l" defTabSz="914400" rtl="0" eaLnBrk="1" fontAlgn="auto" latinLnBrk="0" hangingPunct="1">
+              <a:lnSpc>
+                <a:spcPct val="100000"/>
+              </a:lnSpc>
+              <a:spcBef>
+                <a:spcPts val="0"/>
+              </a:spcBef>
+              <a:spcAft>
+                <a:spcPts val="0"/>
+              </a:spcAft>
+              <a:buClrTx/>
+              <a:buSzTx/>
+              <a:buFont typeface="Arial" panose="020B0604020202020204" pitchFamily="34" charset="0"/>
+              <a:buChar char="•"/>
+              <a:tabLst/>
+              <a:defRPr/>
+            </a:pPr>
+            <a:r>
+              <a:rPr kumimoji="0" lang="en-US" sz="2000" b="0" i="0" u="none" strike="noStrike" kern="1200" cap="none" spc="0" normalizeH="0" baseline="0" noProof="0" dirty="0">
+                <a:ln>
+                  <a:noFill/>
+                </a:ln>
+                <a:solidFill>
+                  <a:srgbClr val="007598"/>
+                </a:solidFill>
+                <a:effectLst/>
+                <a:uLnTx/>
+                <a:uFillTx/>
+                <a:latin typeface="Calibri" panose="020F0502020204030204"/>
+                <a:ea typeface="+mn-ea"/>
+                <a:cs typeface="+mn-cs"/>
+              </a:rPr>
+              <a:t>There are thousands of useful apps that can be added to a Slack workspace that supports the task your group is trying to accomplish.</a:t>
+            </a:r>
+          </a:p>
+          <a:p>
+            <a:pPr marL="285750" marR="0" lvl="0" indent="-285750" algn="l" defTabSz="914400" rtl="0" eaLnBrk="1" fontAlgn="auto" latinLnBrk="0" hangingPunct="1">
+              <a:lnSpc>
+                <a:spcPct val="100000"/>
+              </a:lnSpc>
+              <a:spcBef>
+                <a:spcPts val="0"/>
+              </a:spcBef>
+              <a:spcAft>
+                <a:spcPts val="0"/>
+              </a:spcAft>
+              <a:buClrTx/>
+              <a:buSzTx/>
+              <a:buFont typeface="Arial" panose="020B0604020202020204" pitchFamily="34" charset="0"/>
+              <a:buChar char="•"/>
+              <a:tabLst/>
+              <a:defRPr/>
+            </a:pPr>
+            <a:endParaRPr kumimoji="0" lang="en-US" sz="2000" b="0" i="0" u="none" strike="noStrike" kern="1200" cap="none" spc="0" normalizeH="0" baseline="0" noProof="0" dirty="0">
+              <a:ln>
+                <a:noFill/>
+              </a:ln>
+              <a:solidFill>
+                <a:srgbClr val="007598"/>
+              </a:solidFill>
+              <a:effectLst/>
+              <a:uLnTx/>
+              <a:uFillTx/>
+              <a:latin typeface="Calibri" panose="020F0502020204030204"/>
+              <a:ea typeface="+mn-ea"/>
+              <a:cs typeface="+mn-cs"/>
+            </a:endParaRPr>
+          </a:p>
+          <a:p>
+            <a:pPr marL="285750" marR="0" lvl="0" indent="-285750" algn="l" defTabSz="914400" rtl="0" eaLnBrk="1" fontAlgn="auto" latinLnBrk="0" hangingPunct="1">
+              <a:lnSpc>
+                <a:spcPct val="100000"/>
+              </a:lnSpc>
+              <a:spcBef>
+                <a:spcPts val="0"/>
+              </a:spcBef>
+              <a:spcAft>
+                <a:spcPts val="0"/>
+              </a:spcAft>
+              <a:buClrTx/>
+              <a:buSzTx/>
+              <a:buFont typeface="Arial" panose="020B0604020202020204" pitchFamily="34" charset="0"/>
+              <a:buChar char="•"/>
+              <a:tabLst/>
+              <a:defRPr/>
+            </a:pPr>
+            <a:r>
+              <a:rPr kumimoji="0" lang="en-US" sz="2000" b="0" i="0" u="none" strike="noStrike" kern="1200" cap="none" spc="0" normalizeH="0" baseline="0" noProof="0" dirty="0">
+                <a:ln>
+                  <a:noFill/>
+                </a:ln>
+                <a:solidFill>
+                  <a:srgbClr val="007598"/>
+                </a:solidFill>
+                <a:effectLst/>
+                <a:uLnTx/>
+                <a:uFillTx/>
+                <a:latin typeface="Calibri" panose="020F0502020204030204"/>
+                <a:ea typeface="+mn-ea"/>
+                <a:cs typeface="+mn-cs"/>
+              </a:rPr>
+              <a:t>This customization allows for adaptation to different technologies and for an ever-changing Agile environment.</a:t>
+            </a:r>
+          </a:p>
+        </p:txBody>
+      </p:sp>
+      <p:pic>
+        <p:nvPicPr>
+          <p:cNvPr id="7" name="Content Placeholder 6" descr="Slack app Directory Page">
+            <a:extLst>
+              <a:ext uri="{FF2B5EF4-FFF2-40B4-BE49-F238E27FC236}">
+                <a16:creationId xmlns:a16="http://schemas.microsoft.com/office/drawing/2014/main" id="{9D62BA66-3F60-D008-F105-D4180F011B57}"/>
+              </a:ext>
+            </a:extLst>
+          </p:cNvPr>
+          <p:cNvPicPr>
+            <a:picLocks noGrp="1" noChangeAspect="1"/>
+          </p:cNvPicPr>
+          <p:nvPr>
+            <p:ph idx="1"/>
+          </p:nvPr>
+        </p:nvPicPr>
+        <p:blipFill>
+          <a:blip r:embed="rId3">
+            <a:extLst>
+              <a:ext uri="{28A0092B-C50C-407E-A947-70E740481C1C}">
+                <a14:useLocalDpi xmlns:a14="http://schemas.microsoft.com/office/drawing/2010/main" val="0"/>
+              </a:ext>
+            </a:extLst>
+          </a:blip>
           <a:stretch>
             <a:fillRect/>
           </a:stretch>
         </p:blipFill>
         <p:spPr>
           <a:xfrm>
-            <a:off x="954072" y="1017201"/>
-            <a:ext cx="10283856" cy="2678819"/>
+            <a:off x="6096000" y="1602232"/>
+            <a:ext cx="5577283" cy="3421501"/>
           </a:xfrm>
+          <a:effectLst>
+            <a:outerShdw blurRad="190500" dist="38100" dir="2700000" sx="102000" sy="102000" algn="tl" rotWithShape="0">
+              <a:prstClr val="black">
+                <a:alpha val="40000"/>
+              </a:prstClr>
+            </a:outerShdw>
+          </a:effectLst>
+        </p:spPr>
+      </p:pic>
+      <p:sp>
+        <p:nvSpPr>
+          <p:cNvPr id="8" name="TextBox 7">
+            <a:extLst>
+              <a:ext uri="{FF2B5EF4-FFF2-40B4-BE49-F238E27FC236}">
+                <a16:creationId xmlns:a16="http://schemas.microsoft.com/office/drawing/2014/main" id="{7E801D9D-D251-3DFA-A6F4-45AF8E839110}"/>
+              </a:ext>
+            </a:extLst>
+          </p:cNvPr>
+          <p:cNvSpPr txBox="1"/>
+          <p:nvPr/>
+        </p:nvSpPr>
+        <p:spPr>
+          <a:xfrm>
+            <a:off x="7721763" y="5185212"/>
+            <a:ext cx="2325756" cy="369332"/>
+          </a:xfrm>
+          <a:prstGeom prst="rect">
+            <a:avLst/>
+          </a:prstGeom>
+          <a:noFill/>
+        </p:spPr>
+        <p:txBody>
+          <a:bodyPr wrap="square" rtlCol="0">
+            <a:spAutoFit/>
+          </a:bodyPr>
+          <a:lstStyle/>
+          <a:p>
+            <a:pPr marL="0" marR="0" lvl="0" indent="0" algn="l" defTabSz="914400" rtl="0" eaLnBrk="1" fontAlgn="auto" latinLnBrk="0" hangingPunct="1">
+              <a:lnSpc>
+                <a:spcPct val="100000"/>
+              </a:lnSpc>
+              <a:spcBef>
+                <a:spcPts val="0"/>
+              </a:spcBef>
+              <a:spcAft>
+                <a:spcPts val="0"/>
+              </a:spcAft>
+              <a:buClrTx/>
+              <a:buSzTx/>
+              <a:buFontTx/>
+              <a:buNone/>
+              <a:tabLst/>
+              <a:defRPr/>
+            </a:pPr>
+            <a:r>
+              <a:rPr kumimoji="0" lang="en-US" sz="1800" b="0" i="0" u="none" strike="noStrike" kern="1200" cap="none" spc="0" normalizeH="0" baseline="0" noProof="0" dirty="0">
+                <a:ln>
+                  <a:noFill/>
+                </a:ln>
+                <a:solidFill>
+                  <a:srgbClr val="007598"/>
+                </a:solidFill>
+                <a:effectLst/>
+                <a:uLnTx/>
+                <a:uFillTx/>
+                <a:latin typeface="Calibri" panose="020F0502020204030204"/>
+                <a:ea typeface="+mn-ea"/>
+                <a:cs typeface="+mn-cs"/>
+                <a:hlinkClick r:id="rId4"/>
+              </a:rPr>
+              <a:t>https://slack.com/apps</a:t>
+            </a:r>
+            <a:endParaRPr kumimoji="0" lang="en-US" sz="1800" b="0" i="0" u="none" strike="noStrike" kern="1200" cap="none" spc="0" normalizeH="0" baseline="0" noProof="0" dirty="0">
+              <a:ln>
+                <a:noFill/>
+              </a:ln>
+              <a:solidFill>
+                <a:srgbClr val="007598"/>
+              </a:solidFill>
+              <a:effectLst/>
+              <a:uLnTx/>
+              <a:uFillTx/>
+              <a:latin typeface="Calibri" panose="020F0502020204030204"/>
+              <a:ea typeface="+mn-ea"/>
+              <a:cs typeface="+mn-cs"/>
+            </a:endParaRPr>
+          </a:p>
+        </p:txBody>
+      </p:sp>
+    </p:spTree>
+    <p:extLst>
+      <p:ext uri="{BB962C8B-B14F-4D97-AF65-F5344CB8AC3E}">
+        <p14:creationId xmlns:p14="http://schemas.microsoft.com/office/powerpoint/2010/main" val="275916581"/>
+      </p:ext>
+    </p:extLst>
+  </p:cSld>
+  <p:clrMapOvr>
+    <a:masterClrMapping/>
+  </p:clrMapOvr>
+</p:sld>
+</file>
+
+<file path=ppt/slides/slide18.xml><?xml version="1.0" encoding="utf-8"?>
+<p:sld xmlns:a="http://schemas.openxmlformats.org/drawingml/2006/main" xmlns:r="http://schemas.openxmlformats.org/officeDocument/2006/relationships" xmlns:p="http://schemas.openxmlformats.org/presentationml/2006/main">
+  <p:cSld>
+    <p:spTree>
+      <p:nvGrpSpPr>
+        <p:cNvPr id="1" name=""/>
+        <p:cNvGrpSpPr/>
+        <p:nvPr/>
+      </p:nvGrpSpPr>
+      <p:grpSpPr>
+        <a:xfrm>
+          <a:off x="0" y="0"/>
+          <a:ext cx="0" cy="0"/>
+          <a:chOff x="0" y="0"/>
+          <a:chExt cx="0" cy="0"/>
+        </a:xfrm>
+      </p:grpSpPr>
+      <p:sp>
+        <p:nvSpPr>
+          <p:cNvPr id="2" name="Title 1">
+            <a:extLst>
+              <a:ext uri="{FF2B5EF4-FFF2-40B4-BE49-F238E27FC236}">
+                <a16:creationId xmlns:a16="http://schemas.microsoft.com/office/drawing/2014/main" id="{1193C801-427D-4761-B139-63C3D71F6842}"/>
+              </a:ext>
+            </a:extLst>
+          </p:cNvPr>
+          <p:cNvSpPr>
+            <a:spLocks noGrp="1"/>
+          </p:cNvSpPr>
+          <p:nvPr>
+            <p:ph type="title"/>
+          </p:nvPr>
+        </p:nvSpPr>
+        <p:spPr>
+          <a:xfrm>
+            <a:off x="838200" y="290652"/>
+            <a:ext cx="10515600" cy="780769"/>
+          </a:xfrm>
+        </p:spPr>
+        <p:txBody>
+          <a:bodyPr/>
+          <a:lstStyle/>
+          <a:p>
+            <a:r>
+              <a:rPr lang="en-US" dirty="0"/>
+              <a:t>Allows Repository Transparency </a:t>
+            </a:r>
+          </a:p>
+        </p:txBody>
+      </p:sp>
+      <p:sp>
+        <p:nvSpPr>
+          <p:cNvPr id="10" name="TextBox 9">
+            <a:extLst>
+              <a:ext uri="{FF2B5EF4-FFF2-40B4-BE49-F238E27FC236}">
+                <a16:creationId xmlns:a16="http://schemas.microsoft.com/office/drawing/2014/main" id="{978843E6-49FE-CE26-265D-A2D19E4793C0}"/>
+              </a:ext>
+            </a:extLst>
+          </p:cNvPr>
+          <p:cNvSpPr txBox="1"/>
+          <p:nvPr/>
+        </p:nvSpPr>
+        <p:spPr>
+          <a:xfrm>
+            <a:off x="838200" y="1238081"/>
+            <a:ext cx="4915237" cy="3785652"/>
+          </a:xfrm>
+          <a:prstGeom prst="rect">
+            <a:avLst/>
+          </a:prstGeom>
+          <a:noFill/>
+        </p:spPr>
+        <p:txBody>
+          <a:bodyPr wrap="square" rtlCol="0">
+            <a:spAutoFit/>
+          </a:bodyPr>
+          <a:lstStyle/>
+          <a:p>
+            <a:pPr marL="285750" marR="0" lvl="0" indent="-285750" algn="l" defTabSz="914400" rtl="0" eaLnBrk="1" fontAlgn="auto" latinLnBrk="0" hangingPunct="1">
+              <a:lnSpc>
+                <a:spcPct val="100000"/>
+              </a:lnSpc>
+              <a:spcBef>
+                <a:spcPts val="0"/>
+              </a:spcBef>
+              <a:spcAft>
+                <a:spcPts val="0"/>
+              </a:spcAft>
+              <a:buClrTx/>
+              <a:buSzTx/>
+              <a:buFont typeface="Arial" panose="020B0604020202020204" pitchFamily="34" charset="0"/>
+              <a:buChar char="•"/>
+              <a:tabLst/>
+              <a:defRPr/>
+            </a:pPr>
+            <a:r>
+              <a:rPr kumimoji="0" lang="en-US" sz="2000" b="0" i="0" u="none" strike="noStrike" kern="1200" cap="none" spc="0" normalizeH="0" baseline="0" noProof="0" dirty="0">
+                <a:ln>
+                  <a:noFill/>
+                </a:ln>
+                <a:solidFill>
+                  <a:srgbClr val="007598"/>
+                </a:solidFill>
+                <a:effectLst/>
+                <a:uLnTx/>
+                <a:uFillTx/>
+                <a:latin typeface="Calibri" panose="020F0502020204030204"/>
+                <a:ea typeface="+mn-ea"/>
+                <a:cs typeface="+mn-cs"/>
+              </a:rPr>
+              <a:t>How often have you gone to push your code only to see that you need to pull the new updated first?</a:t>
+            </a:r>
+          </a:p>
+          <a:p>
+            <a:pPr marL="285750" marR="0" lvl="0" indent="-285750" algn="l" defTabSz="914400" rtl="0" eaLnBrk="1" fontAlgn="auto" latinLnBrk="0" hangingPunct="1">
+              <a:lnSpc>
+                <a:spcPct val="100000"/>
+              </a:lnSpc>
+              <a:spcBef>
+                <a:spcPts val="0"/>
+              </a:spcBef>
+              <a:spcAft>
+                <a:spcPts val="0"/>
+              </a:spcAft>
+              <a:buClrTx/>
+              <a:buSzTx/>
+              <a:buFont typeface="Arial" panose="020B0604020202020204" pitchFamily="34" charset="0"/>
+              <a:buChar char="•"/>
+              <a:tabLst/>
+              <a:defRPr/>
+            </a:pPr>
+            <a:endParaRPr kumimoji="0" lang="en-US" sz="2000" b="0" i="0" u="none" strike="noStrike" kern="1200" cap="none" spc="0" normalizeH="0" baseline="0" noProof="0" dirty="0">
+              <a:ln>
+                <a:noFill/>
+              </a:ln>
+              <a:solidFill>
+                <a:srgbClr val="007598"/>
+              </a:solidFill>
+              <a:effectLst/>
+              <a:uLnTx/>
+              <a:uFillTx/>
+              <a:latin typeface="Calibri" panose="020F0502020204030204"/>
+              <a:ea typeface="+mn-ea"/>
+              <a:cs typeface="+mn-cs"/>
+            </a:endParaRPr>
+          </a:p>
+          <a:p>
+            <a:pPr marL="285750" marR="0" lvl="0" indent="-285750" algn="l" defTabSz="914400" rtl="0" eaLnBrk="1" fontAlgn="auto" latinLnBrk="0" hangingPunct="1">
+              <a:lnSpc>
+                <a:spcPct val="100000"/>
+              </a:lnSpc>
+              <a:spcBef>
+                <a:spcPts val="0"/>
+              </a:spcBef>
+              <a:spcAft>
+                <a:spcPts val="0"/>
+              </a:spcAft>
+              <a:buClrTx/>
+              <a:buSzTx/>
+              <a:buFont typeface="Arial" panose="020B0604020202020204" pitchFamily="34" charset="0"/>
+              <a:buChar char="•"/>
+              <a:tabLst/>
+              <a:defRPr/>
+            </a:pPr>
+            <a:r>
+              <a:rPr kumimoji="0" lang="en-US" sz="2000" b="0" i="0" u="none" strike="noStrike" kern="1200" cap="none" spc="0" normalizeH="0" baseline="0" noProof="0" dirty="0">
+                <a:ln>
+                  <a:noFill/>
+                </a:ln>
+                <a:solidFill>
+                  <a:srgbClr val="007598"/>
+                </a:solidFill>
+                <a:effectLst/>
+                <a:uLnTx/>
+                <a:uFillTx/>
+                <a:latin typeface="Calibri" panose="020F0502020204030204"/>
+                <a:ea typeface="+mn-ea"/>
+                <a:cs typeface="+mn-cs"/>
+              </a:rPr>
+              <a:t>Some of our groups have utilized the GitHub plugin for Slack. This allows the group to be up to date with every update and change happening.</a:t>
+            </a:r>
+          </a:p>
+          <a:p>
+            <a:pPr marL="285750" marR="0" lvl="0" indent="-285750" algn="l" defTabSz="914400" rtl="0" eaLnBrk="1" fontAlgn="auto" latinLnBrk="0" hangingPunct="1">
+              <a:lnSpc>
+                <a:spcPct val="100000"/>
+              </a:lnSpc>
+              <a:spcBef>
+                <a:spcPts val="0"/>
+              </a:spcBef>
+              <a:spcAft>
+                <a:spcPts val="0"/>
+              </a:spcAft>
+              <a:buClrTx/>
+              <a:buSzTx/>
+              <a:buFont typeface="Arial" panose="020B0604020202020204" pitchFamily="34" charset="0"/>
+              <a:buChar char="•"/>
+              <a:tabLst/>
+              <a:defRPr/>
+            </a:pPr>
+            <a:endParaRPr kumimoji="0" lang="en-US" sz="2000" b="0" i="0" u="none" strike="noStrike" kern="1200" cap="none" spc="0" normalizeH="0" baseline="0" noProof="0" dirty="0">
+              <a:ln>
+                <a:noFill/>
+              </a:ln>
+              <a:solidFill>
+                <a:srgbClr val="007598"/>
+              </a:solidFill>
+              <a:effectLst/>
+              <a:uLnTx/>
+              <a:uFillTx/>
+              <a:latin typeface="Calibri" panose="020F0502020204030204"/>
+              <a:ea typeface="+mn-ea"/>
+              <a:cs typeface="+mn-cs"/>
+            </a:endParaRPr>
+          </a:p>
+          <a:p>
+            <a:pPr marL="285750" marR="0" lvl="0" indent="-285750" algn="l" defTabSz="914400" rtl="0" eaLnBrk="1" fontAlgn="auto" latinLnBrk="0" hangingPunct="1">
+              <a:lnSpc>
+                <a:spcPct val="100000"/>
+              </a:lnSpc>
+              <a:spcBef>
+                <a:spcPts val="0"/>
+              </a:spcBef>
+              <a:spcAft>
+                <a:spcPts val="0"/>
+              </a:spcAft>
+              <a:buClrTx/>
+              <a:buSzTx/>
+              <a:buFont typeface="Arial" panose="020B0604020202020204" pitchFamily="34" charset="0"/>
+              <a:buChar char="•"/>
+              <a:tabLst/>
+              <a:defRPr/>
+            </a:pPr>
+            <a:r>
+              <a:rPr kumimoji="0" lang="en-US" sz="2000" b="0" i="0" u="none" strike="noStrike" kern="1200" cap="none" spc="0" normalizeH="0" baseline="0" noProof="0" dirty="0">
+                <a:ln>
+                  <a:noFill/>
+                </a:ln>
+                <a:solidFill>
+                  <a:srgbClr val="007598"/>
+                </a:solidFill>
+                <a:effectLst/>
+                <a:uLnTx/>
+                <a:uFillTx/>
+                <a:latin typeface="Calibri" panose="020F0502020204030204"/>
+                <a:ea typeface="+mn-ea"/>
+                <a:cs typeface="+mn-cs"/>
+              </a:rPr>
+              <a:t>This allows cohesion of progress updates when the group reconvenes to discuss the next steps!</a:t>
+            </a:r>
+          </a:p>
+        </p:txBody>
+      </p:sp>
+      <p:pic>
+        <p:nvPicPr>
+          <p:cNvPr id="7" name="Content Placeholder 6">
+            <a:extLst>
+              <a:ext uri="{FF2B5EF4-FFF2-40B4-BE49-F238E27FC236}">
+                <a16:creationId xmlns:a16="http://schemas.microsoft.com/office/drawing/2014/main" id="{79CBEC20-A68A-CF72-63A4-21534BB00816}"/>
+              </a:ext>
+            </a:extLst>
+          </p:cNvPr>
+          <p:cNvPicPr>
+            <a:picLocks noGrp="1" noChangeAspect="1"/>
+          </p:cNvPicPr>
+          <p:nvPr>
+            <p:ph idx="1"/>
+          </p:nvPr>
+        </p:nvPicPr>
+        <p:blipFill>
+          <a:blip r:embed="rId3">
+            <a:extLst>
+              <a:ext uri="{28A0092B-C50C-407E-A947-70E740481C1C}">
+                <a14:useLocalDpi xmlns:a14="http://schemas.microsoft.com/office/drawing/2010/main" val="0"/>
+              </a:ext>
+            </a:extLst>
+          </a:blip>
+          <a:srcRect/>
+          <a:stretch/>
+        </p:blipFill>
+        <p:spPr>
+          <a:xfrm>
+            <a:off x="6249749" y="1238081"/>
+            <a:ext cx="5257800" cy="4618268"/>
+          </a:xfrm>
+          <a:effectLst>
+            <a:outerShdw blurRad="190500" dist="38100" dir="2700000" sx="102000" sy="102000" algn="tl" rotWithShape="0">
+              <a:prstClr val="black">
+                <a:alpha val="40000"/>
+              </a:prstClr>
+            </a:outerShdw>
+          </a:effectLst>
         </p:spPr>
       </p:pic>
     </p:spTree>
     <p:extLst>
       <p:ext uri="{BB962C8B-B14F-4D97-AF65-F5344CB8AC3E}">
-        <p14:creationId xmlns:p14="http://schemas.microsoft.com/office/powerpoint/2010/main" val="593074532"/>
+        <p14:creationId xmlns:p14="http://schemas.microsoft.com/office/powerpoint/2010/main" val="3943678850"/>
+      </p:ext>
+    </p:extLst>
+  </p:cSld>
+  <p:clrMapOvr>
+    <a:masterClrMapping/>
+  </p:clrMapOvr>
+</p:sld>
+</file>
+
+<file path=ppt/slides/slide19.xml><?xml version="1.0" encoding="utf-8"?>
+<p:sld xmlns:a="http://schemas.openxmlformats.org/drawingml/2006/main" xmlns:r="http://schemas.openxmlformats.org/officeDocument/2006/relationships" xmlns:p="http://schemas.openxmlformats.org/presentationml/2006/main">
+  <p:cSld>
+    <p:spTree>
+      <p:nvGrpSpPr>
+        <p:cNvPr id="1" name=""/>
+        <p:cNvGrpSpPr/>
+        <p:nvPr/>
+      </p:nvGrpSpPr>
+      <p:grpSpPr>
+        <a:xfrm>
+          <a:off x="0" y="0"/>
+          <a:ext cx="0" cy="0"/>
+          <a:chOff x="0" y="0"/>
+          <a:chExt cx="0" cy="0"/>
+        </a:xfrm>
+      </p:grpSpPr>
+      <p:sp>
+        <p:nvSpPr>
+          <p:cNvPr id="2" name="Title 1">
+            <a:extLst>
+              <a:ext uri="{FF2B5EF4-FFF2-40B4-BE49-F238E27FC236}">
+                <a16:creationId xmlns:a16="http://schemas.microsoft.com/office/drawing/2014/main" id="{1193C801-427D-4761-B139-63C3D71F6842}"/>
+              </a:ext>
+            </a:extLst>
+          </p:cNvPr>
+          <p:cNvSpPr>
+            <a:spLocks noGrp="1"/>
+          </p:cNvSpPr>
+          <p:nvPr>
+            <p:ph type="title"/>
+          </p:nvPr>
+        </p:nvSpPr>
+        <p:spPr>
+          <a:xfrm>
+            <a:off x="838200" y="290652"/>
+            <a:ext cx="10515600" cy="780769"/>
+          </a:xfrm>
+        </p:spPr>
+        <p:txBody>
+          <a:bodyPr/>
+          <a:lstStyle/>
+          <a:p>
+            <a:r>
+              <a:rPr lang="en-US" dirty="0"/>
+              <a:t>Enhances Cohesive File &amp; Screen Sharing</a:t>
+            </a:r>
+          </a:p>
+        </p:txBody>
+      </p:sp>
+      <p:sp>
+        <p:nvSpPr>
+          <p:cNvPr id="10" name="TextBox 9">
+            <a:extLst>
+              <a:ext uri="{FF2B5EF4-FFF2-40B4-BE49-F238E27FC236}">
+                <a16:creationId xmlns:a16="http://schemas.microsoft.com/office/drawing/2014/main" id="{978843E6-49FE-CE26-265D-A2D19E4793C0}"/>
+              </a:ext>
+            </a:extLst>
+          </p:cNvPr>
+          <p:cNvSpPr txBox="1"/>
+          <p:nvPr/>
+        </p:nvSpPr>
+        <p:spPr>
+          <a:xfrm>
+            <a:off x="838200" y="1238081"/>
+            <a:ext cx="4915237" cy="3785652"/>
+          </a:xfrm>
+          <a:prstGeom prst="rect">
+            <a:avLst/>
+          </a:prstGeom>
+          <a:noFill/>
+        </p:spPr>
+        <p:txBody>
+          <a:bodyPr wrap="square" rtlCol="0">
+            <a:spAutoFit/>
+          </a:bodyPr>
+          <a:lstStyle/>
+          <a:p>
+            <a:pPr marL="285750" marR="0" lvl="0" indent="-285750" algn="l" defTabSz="914400" rtl="0" eaLnBrk="1" fontAlgn="auto" latinLnBrk="0" hangingPunct="1">
+              <a:lnSpc>
+                <a:spcPct val="100000"/>
+              </a:lnSpc>
+              <a:spcBef>
+                <a:spcPts val="0"/>
+              </a:spcBef>
+              <a:spcAft>
+                <a:spcPts val="0"/>
+              </a:spcAft>
+              <a:buClrTx/>
+              <a:buSzTx/>
+              <a:buFont typeface="Arial" panose="020B0604020202020204" pitchFamily="34" charset="0"/>
+              <a:buChar char="•"/>
+              <a:tabLst/>
+              <a:defRPr/>
+            </a:pPr>
+            <a:r>
+              <a:rPr kumimoji="0" lang="en-US" sz="2000" b="0" i="0" u="none" strike="noStrike" kern="1200" cap="none" spc="0" normalizeH="0" baseline="0" noProof="0" dirty="0">
+                <a:ln>
+                  <a:noFill/>
+                </a:ln>
+                <a:solidFill>
+                  <a:srgbClr val="007598"/>
+                </a:solidFill>
+                <a:effectLst/>
+                <a:uLnTx/>
+                <a:uFillTx/>
+                <a:latin typeface="Calibri" panose="020F0502020204030204"/>
+                <a:ea typeface="+mn-ea"/>
+                <a:cs typeface="+mn-cs"/>
+              </a:rPr>
+              <a:t>By utilizing the Slack Huddle feature our groups are able to have a live collaboration on demand.</a:t>
+            </a:r>
+          </a:p>
+          <a:p>
+            <a:pPr marL="285750" marR="0" lvl="0" indent="-285750" algn="l" defTabSz="914400" rtl="0" eaLnBrk="1" fontAlgn="auto" latinLnBrk="0" hangingPunct="1">
+              <a:lnSpc>
+                <a:spcPct val="100000"/>
+              </a:lnSpc>
+              <a:spcBef>
+                <a:spcPts val="0"/>
+              </a:spcBef>
+              <a:spcAft>
+                <a:spcPts val="0"/>
+              </a:spcAft>
+              <a:buClrTx/>
+              <a:buSzTx/>
+              <a:buFont typeface="Arial" panose="020B0604020202020204" pitchFamily="34" charset="0"/>
+              <a:buChar char="•"/>
+              <a:tabLst/>
+              <a:defRPr/>
+            </a:pPr>
+            <a:endParaRPr kumimoji="0" lang="en-US" sz="2000" b="0" i="0" u="none" strike="noStrike" kern="1200" cap="none" spc="0" normalizeH="0" baseline="0" noProof="0" dirty="0">
+              <a:ln>
+                <a:noFill/>
+              </a:ln>
+              <a:solidFill>
+                <a:srgbClr val="007598"/>
+              </a:solidFill>
+              <a:effectLst/>
+              <a:uLnTx/>
+              <a:uFillTx/>
+              <a:latin typeface="Calibri" panose="020F0502020204030204"/>
+              <a:ea typeface="+mn-ea"/>
+              <a:cs typeface="+mn-cs"/>
+            </a:endParaRPr>
+          </a:p>
+          <a:p>
+            <a:pPr marL="285750" marR="0" lvl="0" indent="-285750" algn="l" defTabSz="914400" rtl="0" eaLnBrk="1" fontAlgn="auto" latinLnBrk="0" hangingPunct="1">
+              <a:lnSpc>
+                <a:spcPct val="100000"/>
+              </a:lnSpc>
+              <a:spcBef>
+                <a:spcPts val="0"/>
+              </a:spcBef>
+              <a:spcAft>
+                <a:spcPts val="0"/>
+              </a:spcAft>
+              <a:buClrTx/>
+              <a:buSzTx/>
+              <a:buFont typeface="Arial" panose="020B0604020202020204" pitchFamily="34" charset="0"/>
+              <a:buChar char="•"/>
+              <a:tabLst/>
+              <a:defRPr/>
+            </a:pPr>
+            <a:r>
+              <a:rPr kumimoji="0" lang="en-US" sz="2000" b="0" i="0" u="none" strike="noStrike" kern="1200" cap="none" spc="0" normalizeH="0" baseline="0" noProof="0" dirty="0">
+                <a:ln>
+                  <a:noFill/>
+                </a:ln>
+                <a:solidFill>
+                  <a:srgbClr val="007598"/>
+                </a:solidFill>
+                <a:effectLst/>
+                <a:uLnTx/>
+                <a:uFillTx/>
+                <a:latin typeface="Calibri" panose="020F0502020204030204"/>
+                <a:ea typeface="+mn-ea"/>
+                <a:cs typeface="+mn-cs"/>
+              </a:rPr>
+              <a:t>If there is any confusion to the project at hand there can be clarification in the matter of seconds!</a:t>
+            </a:r>
+          </a:p>
+          <a:p>
+            <a:pPr marL="285750" marR="0" lvl="0" indent="-285750" algn="l" defTabSz="914400" rtl="0" eaLnBrk="1" fontAlgn="auto" latinLnBrk="0" hangingPunct="1">
+              <a:lnSpc>
+                <a:spcPct val="100000"/>
+              </a:lnSpc>
+              <a:spcBef>
+                <a:spcPts val="0"/>
+              </a:spcBef>
+              <a:spcAft>
+                <a:spcPts val="0"/>
+              </a:spcAft>
+              <a:buClrTx/>
+              <a:buSzTx/>
+              <a:buFont typeface="Arial" panose="020B0604020202020204" pitchFamily="34" charset="0"/>
+              <a:buChar char="•"/>
+              <a:tabLst/>
+              <a:defRPr/>
+            </a:pPr>
+            <a:endParaRPr kumimoji="0" lang="en-US" sz="2000" b="0" i="0" u="none" strike="noStrike" kern="1200" cap="none" spc="0" normalizeH="0" baseline="0" noProof="0" dirty="0">
+              <a:ln>
+                <a:noFill/>
+              </a:ln>
+              <a:solidFill>
+                <a:srgbClr val="007598"/>
+              </a:solidFill>
+              <a:effectLst/>
+              <a:uLnTx/>
+              <a:uFillTx/>
+              <a:latin typeface="Calibri" panose="020F0502020204030204"/>
+              <a:ea typeface="+mn-ea"/>
+              <a:cs typeface="+mn-cs"/>
+            </a:endParaRPr>
+          </a:p>
+          <a:p>
+            <a:pPr marL="285750" marR="0" lvl="0" indent="-285750" algn="l" defTabSz="914400" rtl="0" eaLnBrk="1" fontAlgn="auto" latinLnBrk="0" hangingPunct="1">
+              <a:lnSpc>
+                <a:spcPct val="100000"/>
+              </a:lnSpc>
+              <a:spcBef>
+                <a:spcPts val="0"/>
+              </a:spcBef>
+              <a:spcAft>
+                <a:spcPts val="0"/>
+              </a:spcAft>
+              <a:buClrTx/>
+              <a:buSzTx/>
+              <a:buFont typeface="Arial" panose="020B0604020202020204" pitchFamily="34" charset="0"/>
+              <a:buChar char="•"/>
+              <a:tabLst/>
+              <a:defRPr/>
+            </a:pPr>
+            <a:r>
+              <a:rPr kumimoji="0" lang="en-US" sz="2000" b="0" i="0" u="none" strike="noStrike" kern="1200" cap="none" spc="0" normalizeH="0" baseline="0" noProof="0" dirty="0">
+                <a:ln>
+                  <a:noFill/>
+                </a:ln>
+                <a:solidFill>
+                  <a:srgbClr val="007598"/>
+                </a:solidFill>
+                <a:effectLst/>
+                <a:uLnTx/>
+                <a:uFillTx/>
+                <a:latin typeface="Calibri" panose="020F0502020204030204"/>
+                <a:ea typeface="+mn-ea"/>
+                <a:cs typeface="+mn-cs"/>
+              </a:rPr>
+              <a:t>The cliché goes that a picture speaks a thousands words. So 30fps screen sharing should speak about 30,000 words per second. (pause for laughter)</a:t>
+            </a:r>
+          </a:p>
+        </p:txBody>
+      </p:sp>
+      <p:pic>
+        <p:nvPicPr>
+          <p:cNvPr id="6" name="Content Placeholder 5">
+            <a:extLst>
+              <a:ext uri="{FF2B5EF4-FFF2-40B4-BE49-F238E27FC236}">
+                <a16:creationId xmlns:a16="http://schemas.microsoft.com/office/drawing/2014/main" id="{DA4CFD66-3291-66F8-D4DA-888A03F5CE36}"/>
+              </a:ext>
+            </a:extLst>
+          </p:cNvPr>
+          <p:cNvPicPr>
+            <a:picLocks noGrp="1" noChangeAspect="1"/>
+          </p:cNvPicPr>
+          <p:nvPr>
+            <p:ph idx="1"/>
+          </p:nvPr>
+        </p:nvPicPr>
+        <p:blipFill>
+          <a:blip r:embed="rId3">
+            <a:extLst>
+              <a:ext uri="{28A0092B-C50C-407E-A947-70E740481C1C}">
+                <a14:useLocalDpi xmlns:a14="http://schemas.microsoft.com/office/drawing/2010/main" val="0"/>
+              </a:ext>
+            </a:extLst>
+          </a:blip>
+          <a:srcRect/>
+          <a:stretch/>
+        </p:blipFill>
+        <p:spPr>
+          <a:xfrm>
+            <a:off x="6096000" y="1866153"/>
+            <a:ext cx="5806880" cy="3269264"/>
+          </a:xfrm>
+          <a:effectLst>
+            <a:outerShdw blurRad="190500" dist="38100" dir="2700000" sx="102000" sy="102000" algn="tl" rotWithShape="0">
+              <a:prstClr val="black">
+                <a:alpha val="40000"/>
+              </a:prstClr>
+            </a:outerShdw>
+          </a:effectLst>
+        </p:spPr>
+      </p:pic>
+    </p:spTree>
+    <p:extLst>
+      <p:ext uri="{BB962C8B-B14F-4D97-AF65-F5344CB8AC3E}">
+        <p14:creationId xmlns:p14="http://schemas.microsoft.com/office/powerpoint/2010/main" val="2257766621"/>
       </p:ext>
     </p:extLst>
   </p:cSld>
@@ -6367,6 +9214,474 @@
     <p:extLst>
       <p:ext uri="{BB962C8B-B14F-4D97-AF65-F5344CB8AC3E}">
         <p14:creationId xmlns:p14="http://schemas.microsoft.com/office/powerpoint/2010/main" val="1697206845"/>
+      </p:ext>
+    </p:extLst>
+  </p:cSld>
+  <p:clrMapOvr>
+    <a:masterClrMapping/>
+  </p:clrMapOvr>
+</p:sld>
+</file>
+
+<file path=ppt/slides/slide20.xml><?xml version="1.0" encoding="utf-8"?>
+<p:sld xmlns:a="http://schemas.openxmlformats.org/drawingml/2006/main" xmlns:r="http://schemas.openxmlformats.org/officeDocument/2006/relationships" xmlns:p="http://schemas.openxmlformats.org/presentationml/2006/main">
+  <p:cSld>
+    <p:spTree>
+      <p:nvGrpSpPr>
+        <p:cNvPr id="1" name=""/>
+        <p:cNvGrpSpPr/>
+        <p:nvPr/>
+      </p:nvGrpSpPr>
+      <p:grpSpPr>
+        <a:xfrm>
+          <a:off x="0" y="0"/>
+          <a:ext cx="0" cy="0"/>
+          <a:chOff x="0" y="0"/>
+          <a:chExt cx="0" cy="0"/>
+        </a:xfrm>
+      </p:grpSpPr>
+      <p:sp>
+        <p:nvSpPr>
+          <p:cNvPr id="2" name="Title 1">
+            <a:extLst>
+              <a:ext uri="{FF2B5EF4-FFF2-40B4-BE49-F238E27FC236}">
+                <a16:creationId xmlns:a16="http://schemas.microsoft.com/office/drawing/2014/main" id="{1193C801-427D-4761-B139-63C3D71F6842}"/>
+              </a:ext>
+            </a:extLst>
+          </p:cNvPr>
+          <p:cNvSpPr>
+            <a:spLocks noGrp="1"/>
+          </p:cNvSpPr>
+          <p:nvPr>
+            <p:ph type="title"/>
+          </p:nvPr>
+        </p:nvSpPr>
+        <p:spPr>
+          <a:xfrm>
+            <a:off x="838200" y="290652"/>
+            <a:ext cx="10515600" cy="780769"/>
+          </a:xfrm>
+        </p:spPr>
+        <p:txBody>
+          <a:bodyPr/>
+          <a:lstStyle/>
+          <a:p>
+            <a:r>
+              <a:rPr lang="en-US" dirty="0"/>
+              <a:t>Supports community and friendship</a:t>
+            </a:r>
+          </a:p>
+        </p:txBody>
+      </p:sp>
+      <p:sp>
+        <p:nvSpPr>
+          <p:cNvPr id="10" name="TextBox 9">
+            <a:extLst>
+              <a:ext uri="{FF2B5EF4-FFF2-40B4-BE49-F238E27FC236}">
+                <a16:creationId xmlns:a16="http://schemas.microsoft.com/office/drawing/2014/main" id="{978843E6-49FE-CE26-265D-A2D19E4793C0}"/>
+              </a:ext>
+            </a:extLst>
+          </p:cNvPr>
+          <p:cNvSpPr txBox="1"/>
+          <p:nvPr/>
+        </p:nvSpPr>
+        <p:spPr>
+          <a:xfrm>
+            <a:off x="838200" y="1238081"/>
+            <a:ext cx="4915237" cy="4401205"/>
+          </a:xfrm>
+          <a:prstGeom prst="rect">
+            <a:avLst/>
+          </a:prstGeom>
+          <a:noFill/>
+        </p:spPr>
+        <p:txBody>
+          <a:bodyPr wrap="square" rtlCol="0">
+            <a:spAutoFit/>
+          </a:bodyPr>
+          <a:lstStyle/>
+          <a:p>
+            <a:pPr marL="285750" marR="0" lvl="0" indent="-285750" algn="l" defTabSz="914400" rtl="0" eaLnBrk="1" fontAlgn="auto" latinLnBrk="0" hangingPunct="1">
+              <a:lnSpc>
+                <a:spcPct val="100000"/>
+              </a:lnSpc>
+              <a:spcBef>
+                <a:spcPts val="0"/>
+              </a:spcBef>
+              <a:spcAft>
+                <a:spcPts val="0"/>
+              </a:spcAft>
+              <a:buClrTx/>
+              <a:buSzTx/>
+              <a:buFont typeface="Arial" panose="020B0604020202020204" pitchFamily="34" charset="0"/>
+              <a:buChar char="•"/>
+              <a:tabLst/>
+              <a:defRPr/>
+            </a:pPr>
+            <a:r>
+              <a:rPr kumimoji="0" lang="en-US" sz="2000" b="0" i="0" u="none" strike="noStrike" kern="1200" cap="none" spc="0" normalizeH="0" baseline="0" noProof="0" dirty="0">
+                <a:ln>
+                  <a:noFill/>
+                </a:ln>
+                <a:solidFill>
+                  <a:srgbClr val="007598"/>
+                </a:solidFill>
+                <a:effectLst/>
+                <a:uLnTx/>
+                <a:uFillTx/>
+                <a:latin typeface="Calibri" panose="020F0502020204030204"/>
+                <a:ea typeface="+mn-ea"/>
+                <a:cs typeface="+mn-cs"/>
+              </a:rPr>
+              <a:t>Sometimes our computer notifications can cause a bit of a stressful spike in our bodies when we hear that jingle or notification noise. (pop </a:t>
+            </a:r>
+            <a:r>
+              <a:rPr kumimoji="0" lang="en-US" sz="2000" b="0" i="0" u="none" strike="noStrike" kern="1200" cap="none" spc="0" normalizeH="0" baseline="0" noProof="0" dirty="0" err="1">
+                <a:ln>
+                  <a:noFill/>
+                </a:ln>
+                <a:solidFill>
+                  <a:srgbClr val="007598"/>
+                </a:solidFill>
+                <a:effectLst/>
+                <a:uLnTx/>
+                <a:uFillTx/>
+                <a:latin typeface="Calibri" panose="020F0502020204030204"/>
+                <a:ea typeface="+mn-ea"/>
+                <a:cs typeface="+mn-cs"/>
+              </a:rPr>
+              <a:t>pop</a:t>
+            </a:r>
+            <a:r>
+              <a:rPr kumimoji="0" lang="en-US" sz="2000" b="0" i="0" u="none" strike="noStrike" kern="1200" cap="none" spc="0" normalizeH="0" baseline="0" noProof="0" dirty="0">
+                <a:ln>
+                  <a:noFill/>
+                </a:ln>
+                <a:solidFill>
+                  <a:srgbClr val="007598"/>
+                </a:solidFill>
+                <a:effectLst/>
+                <a:uLnTx/>
+                <a:uFillTx/>
+                <a:latin typeface="Calibri" panose="020F0502020204030204"/>
+                <a:ea typeface="+mn-ea"/>
+                <a:cs typeface="+mn-cs"/>
+              </a:rPr>
+              <a:t> </a:t>
+            </a:r>
+            <a:r>
+              <a:rPr kumimoji="0" lang="en-US" sz="2000" b="0" i="0" u="none" strike="noStrike" kern="1200" cap="none" spc="0" normalizeH="0" baseline="0" noProof="0" dirty="0" err="1">
+                <a:ln>
+                  <a:noFill/>
+                </a:ln>
+                <a:solidFill>
+                  <a:srgbClr val="007598"/>
+                </a:solidFill>
+                <a:effectLst/>
+                <a:uLnTx/>
+                <a:uFillTx/>
+                <a:latin typeface="Calibri" panose="020F0502020204030204"/>
+                <a:ea typeface="+mn-ea"/>
+                <a:cs typeface="+mn-cs"/>
+              </a:rPr>
+              <a:t>pop</a:t>
+            </a:r>
+            <a:r>
+              <a:rPr kumimoji="0" lang="en-US" sz="2000" b="0" i="0" u="none" strike="noStrike" kern="1200" cap="none" spc="0" normalizeH="0" baseline="0" noProof="0" dirty="0">
+                <a:ln>
+                  <a:noFill/>
+                </a:ln>
+                <a:solidFill>
+                  <a:srgbClr val="007598"/>
+                </a:solidFill>
+                <a:effectLst/>
+                <a:uLnTx/>
+                <a:uFillTx/>
+                <a:latin typeface="Calibri" panose="020F0502020204030204"/>
+                <a:ea typeface="+mn-ea"/>
+                <a:cs typeface="+mn-cs"/>
+              </a:rPr>
+              <a:t> brush </a:t>
+            </a:r>
+            <a:r>
+              <a:rPr kumimoji="0" lang="en-US" sz="2000" b="0" i="0" u="none" strike="noStrike" kern="1200" cap="none" spc="0" normalizeH="0" baseline="0" noProof="0" dirty="0" err="1">
+                <a:ln>
+                  <a:noFill/>
+                </a:ln>
+                <a:solidFill>
+                  <a:srgbClr val="007598"/>
+                </a:solidFill>
+                <a:effectLst/>
+                <a:uLnTx/>
+                <a:uFillTx/>
+                <a:latin typeface="Calibri" panose="020F0502020204030204"/>
+                <a:ea typeface="+mn-ea"/>
+                <a:cs typeface="+mn-cs"/>
+              </a:rPr>
+              <a:t>brush</a:t>
+            </a:r>
+            <a:r>
+              <a:rPr kumimoji="0" lang="en-US" sz="2000" b="0" i="0" u="none" strike="noStrike" kern="1200" cap="none" spc="0" normalizeH="0" baseline="0" noProof="0" dirty="0">
+                <a:ln>
+                  <a:noFill/>
+                </a:ln>
+                <a:solidFill>
+                  <a:srgbClr val="007598"/>
+                </a:solidFill>
+                <a:effectLst/>
+                <a:uLnTx/>
+                <a:uFillTx/>
+                <a:latin typeface="Calibri" panose="020F0502020204030204"/>
+                <a:ea typeface="+mn-ea"/>
+                <a:cs typeface="+mn-cs"/>
+              </a:rPr>
+              <a:t> brush)</a:t>
+            </a:r>
+          </a:p>
+          <a:p>
+            <a:pPr marL="285750" marR="0" lvl="0" indent="-285750" algn="l" defTabSz="914400" rtl="0" eaLnBrk="1" fontAlgn="auto" latinLnBrk="0" hangingPunct="1">
+              <a:lnSpc>
+                <a:spcPct val="100000"/>
+              </a:lnSpc>
+              <a:spcBef>
+                <a:spcPts val="0"/>
+              </a:spcBef>
+              <a:spcAft>
+                <a:spcPts val="0"/>
+              </a:spcAft>
+              <a:buClrTx/>
+              <a:buSzTx/>
+              <a:buFont typeface="Arial" panose="020B0604020202020204" pitchFamily="34" charset="0"/>
+              <a:buChar char="•"/>
+              <a:tabLst/>
+              <a:defRPr/>
+            </a:pPr>
+            <a:endParaRPr kumimoji="0" lang="en-US" sz="2000" b="0" i="0" u="none" strike="noStrike" kern="1200" cap="none" spc="0" normalizeH="0" baseline="0" noProof="0" dirty="0">
+              <a:ln>
+                <a:noFill/>
+              </a:ln>
+              <a:solidFill>
+                <a:srgbClr val="007598"/>
+              </a:solidFill>
+              <a:effectLst/>
+              <a:uLnTx/>
+              <a:uFillTx/>
+              <a:latin typeface="Calibri" panose="020F0502020204030204"/>
+              <a:ea typeface="+mn-ea"/>
+              <a:cs typeface="+mn-cs"/>
+            </a:endParaRPr>
+          </a:p>
+          <a:p>
+            <a:pPr marL="285750" marR="0" lvl="0" indent="-285750" algn="l" defTabSz="914400" rtl="0" eaLnBrk="1" fontAlgn="auto" latinLnBrk="0" hangingPunct="1">
+              <a:lnSpc>
+                <a:spcPct val="100000"/>
+              </a:lnSpc>
+              <a:spcBef>
+                <a:spcPts val="0"/>
+              </a:spcBef>
+              <a:spcAft>
+                <a:spcPts val="0"/>
+              </a:spcAft>
+              <a:buClrTx/>
+              <a:buSzTx/>
+              <a:buFont typeface="Arial" panose="020B0604020202020204" pitchFamily="34" charset="0"/>
+              <a:buChar char="•"/>
+              <a:tabLst/>
+              <a:defRPr/>
+            </a:pPr>
+            <a:r>
+              <a:rPr kumimoji="0" lang="en-US" sz="2000" b="0" i="0" u="none" strike="noStrike" kern="1200" cap="none" spc="0" normalizeH="0" baseline="0" noProof="0" dirty="0">
+                <a:ln>
+                  <a:noFill/>
+                </a:ln>
+                <a:solidFill>
+                  <a:srgbClr val="007598"/>
+                </a:solidFill>
+                <a:effectLst/>
+                <a:uLnTx/>
+                <a:uFillTx/>
+                <a:latin typeface="Calibri" panose="020F0502020204030204"/>
+                <a:ea typeface="+mn-ea"/>
+                <a:cs typeface="+mn-cs"/>
+              </a:rPr>
+              <a:t>In a healthy group setting, those notifications can perk you up and bring motivation to your work-flow!</a:t>
+            </a:r>
+          </a:p>
+          <a:p>
+            <a:pPr marL="285750" marR="0" lvl="0" indent="-285750" algn="l" defTabSz="914400" rtl="0" eaLnBrk="1" fontAlgn="auto" latinLnBrk="0" hangingPunct="1">
+              <a:lnSpc>
+                <a:spcPct val="100000"/>
+              </a:lnSpc>
+              <a:spcBef>
+                <a:spcPts val="0"/>
+              </a:spcBef>
+              <a:spcAft>
+                <a:spcPts val="0"/>
+              </a:spcAft>
+              <a:buClrTx/>
+              <a:buSzTx/>
+              <a:buFont typeface="Arial" panose="020B0604020202020204" pitchFamily="34" charset="0"/>
+              <a:buChar char="•"/>
+              <a:tabLst/>
+              <a:defRPr/>
+            </a:pPr>
+            <a:endParaRPr kumimoji="0" lang="en-US" sz="2000" b="0" i="0" u="none" strike="noStrike" kern="1200" cap="none" spc="0" normalizeH="0" baseline="0" noProof="0" dirty="0">
+              <a:ln>
+                <a:noFill/>
+              </a:ln>
+              <a:solidFill>
+                <a:srgbClr val="007598"/>
+              </a:solidFill>
+              <a:effectLst/>
+              <a:uLnTx/>
+              <a:uFillTx/>
+              <a:latin typeface="Calibri" panose="020F0502020204030204"/>
+              <a:ea typeface="+mn-ea"/>
+              <a:cs typeface="+mn-cs"/>
+            </a:endParaRPr>
+          </a:p>
+          <a:p>
+            <a:pPr marL="285750" marR="0" lvl="0" indent="-285750" algn="l" defTabSz="914400" rtl="0" eaLnBrk="1" fontAlgn="auto" latinLnBrk="0" hangingPunct="1">
+              <a:lnSpc>
+                <a:spcPct val="100000"/>
+              </a:lnSpc>
+              <a:spcBef>
+                <a:spcPts val="0"/>
+              </a:spcBef>
+              <a:spcAft>
+                <a:spcPts val="0"/>
+              </a:spcAft>
+              <a:buClrTx/>
+              <a:buSzTx/>
+              <a:buFont typeface="Arial" panose="020B0604020202020204" pitchFamily="34" charset="0"/>
+              <a:buChar char="•"/>
+              <a:tabLst/>
+              <a:defRPr/>
+            </a:pPr>
+            <a:r>
+              <a:rPr kumimoji="0" lang="en-US" sz="2000" b="0" i="0" u="none" strike="noStrike" kern="1200" cap="none" spc="0" normalizeH="0" baseline="0" noProof="0" dirty="0">
+                <a:ln>
+                  <a:noFill/>
+                </a:ln>
+                <a:solidFill>
+                  <a:srgbClr val="007598"/>
+                </a:solidFill>
+                <a:effectLst/>
+                <a:uLnTx/>
+                <a:uFillTx/>
+                <a:latin typeface="Calibri" panose="020F0502020204030204"/>
+                <a:ea typeface="+mn-ea"/>
+                <a:cs typeface="+mn-cs"/>
+              </a:rPr>
+              <a:t>Efficiency is always important, especially in the tech world. However, we find our group is most efficient when we are all laughing with each other.</a:t>
+            </a:r>
+          </a:p>
+        </p:txBody>
+      </p:sp>
+      <p:pic>
+        <p:nvPicPr>
+          <p:cNvPr id="6" name="Content Placeholder 5">
+            <a:extLst>
+              <a:ext uri="{FF2B5EF4-FFF2-40B4-BE49-F238E27FC236}">
+                <a16:creationId xmlns:a16="http://schemas.microsoft.com/office/drawing/2014/main" id="{B070374E-4E90-6E58-153B-FCEFE25430E4}"/>
+              </a:ext>
+            </a:extLst>
+          </p:cNvPr>
+          <p:cNvPicPr>
+            <a:picLocks noGrp="1" noChangeAspect="1"/>
+          </p:cNvPicPr>
+          <p:nvPr>
+            <p:ph idx="1"/>
+          </p:nvPr>
+        </p:nvPicPr>
+        <p:blipFill>
+          <a:blip r:embed="rId3">
+            <a:extLst>
+              <a:ext uri="{28A0092B-C50C-407E-A947-70E740481C1C}">
+                <a14:useLocalDpi xmlns:a14="http://schemas.microsoft.com/office/drawing/2010/main" val="0"/>
+              </a:ext>
+            </a:extLst>
+          </a:blip>
+          <a:srcRect/>
+          <a:stretch/>
+        </p:blipFill>
+        <p:spPr>
+          <a:xfrm>
+            <a:off x="5848712" y="1071421"/>
+            <a:ext cx="6137316" cy="4618179"/>
+          </a:xfrm>
+          <a:effectLst>
+            <a:outerShdw blurRad="190500" dist="38100" dir="2700000" sx="102000" sy="102000" algn="tl" rotWithShape="0">
+              <a:prstClr val="black">
+                <a:alpha val="40000"/>
+              </a:prstClr>
+            </a:outerShdw>
+          </a:effectLst>
+        </p:spPr>
+      </p:pic>
+    </p:spTree>
+    <p:extLst>
+      <p:ext uri="{BB962C8B-B14F-4D97-AF65-F5344CB8AC3E}">
+        <p14:creationId xmlns:p14="http://schemas.microsoft.com/office/powerpoint/2010/main" val="857814757"/>
+      </p:ext>
+    </p:extLst>
+  </p:cSld>
+  <p:clrMapOvr>
+    <a:masterClrMapping/>
+  </p:clrMapOvr>
+</p:sld>
+</file>
+
+<file path=ppt/slides/slide21.xml><?xml version="1.0" encoding="utf-8"?>
+<p:sld xmlns:a="http://schemas.openxmlformats.org/drawingml/2006/main" xmlns:r="http://schemas.openxmlformats.org/officeDocument/2006/relationships" xmlns:p="http://schemas.openxmlformats.org/presentationml/2006/main">
+  <p:cSld>
+    <p:spTree>
+      <p:nvGrpSpPr>
+        <p:cNvPr id="1" name=""/>
+        <p:cNvGrpSpPr/>
+        <p:nvPr/>
+      </p:nvGrpSpPr>
+      <p:grpSpPr>
+        <a:xfrm>
+          <a:off x="0" y="0"/>
+          <a:ext cx="0" cy="0"/>
+          <a:chOff x="0" y="0"/>
+          <a:chExt cx="0" cy="0"/>
+        </a:xfrm>
+      </p:grpSpPr>
+      <p:pic>
+        <p:nvPicPr>
+          <p:cNvPr id="5" name="Content Placeholder 4">
+            <a:extLst>
+              <a:ext uri="{FF2B5EF4-FFF2-40B4-BE49-F238E27FC236}">
+                <a16:creationId xmlns:a16="http://schemas.microsoft.com/office/drawing/2014/main" id="{075A8137-7C75-A9F5-529F-4D6C410FDC24}"/>
+              </a:ext>
+            </a:extLst>
+          </p:cNvPr>
+          <p:cNvPicPr>
+            <a:picLocks noGrp="1" noChangeAspect="1"/>
+          </p:cNvPicPr>
+          <p:nvPr>
+            <p:ph idx="1"/>
+          </p:nvPr>
+        </p:nvPicPr>
+        <p:blipFill>
+          <a:blip r:embed="rId3"/>
+          <a:stretch>
+            <a:fillRect/>
+          </a:stretch>
+        </p:blipFill>
+        <p:spPr>
+          <a:xfrm>
+            <a:off x="954072" y="1017201"/>
+            <a:ext cx="10283856" cy="2678819"/>
+          </a:xfrm>
+        </p:spPr>
+      </p:pic>
+    </p:spTree>
+    <p:extLst>
+      <p:ext uri="{BB962C8B-B14F-4D97-AF65-F5344CB8AC3E}">
+        <p14:creationId xmlns:p14="http://schemas.microsoft.com/office/powerpoint/2010/main" val="593074532"/>
       </p:ext>
     </p:extLst>
   </p:cSld>

--- a/LeveragingSlackForStudentCollaboration.pptx
+++ b/LeveragingSlackForStudentCollaboration.pptx
@@ -133,6 +133,65 @@
     </p:ext>
   </p:extLst>
 </p:presentation>
+</file>
+
+<file path=ppt/changesInfos/changesInfo1.xml><?xml version="1.0" encoding="utf-8"?>
+<pc:chgInfo xmlns:a="http://schemas.openxmlformats.org/drawingml/2006/main" xmlns:r="http://schemas.openxmlformats.org/officeDocument/2006/relationships" xmlns:ac="http://schemas.microsoft.com/office/drawing/2013/main/command" xmlns:pc="http://schemas.microsoft.com/office/powerpoint/2013/main/command">
+  <pc:docChgLst>
+    <pc:chgData name="Gsell, Steven D." userId="6e84bc59-7e38-490f-9209-f43946aa50d2" providerId="ADAL" clId="{D88466B7-03C0-4978-B1B6-A6C2E089C6A2}"/>
+    <pc:docChg chg="undo custSel modSld">
+      <pc:chgData name="Gsell, Steven D." userId="6e84bc59-7e38-490f-9209-f43946aa50d2" providerId="ADAL" clId="{D88466B7-03C0-4978-B1B6-A6C2E089C6A2}" dt="2024-07-27T21:37:25.202" v="81"/>
+      <pc:docMkLst>
+        <pc:docMk/>
+      </pc:docMkLst>
+      <pc:sldChg chg="modSp mod">
+        <pc:chgData name="Gsell, Steven D." userId="6e84bc59-7e38-490f-9209-f43946aa50d2" providerId="ADAL" clId="{D88466B7-03C0-4978-B1B6-A6C2E089C6A2}" dt="2024-07-27T21:37:25.202" v="81"/>
+        <pc:sldMkLst>
+          <pc:docMk/>
+          <pc:sldMk cId="3943678850" sldId="1387"/>
+        </pc:sldMkLst>
+        <pc:spChg chg="mod">
+          <ac:chgData name="Gsell, Steven D." userId="6e84bc59-7e38-490f-9209-f43946aa50d2" providerId="ADAL" clId="{D88466B7-03C0-4978-B1B6-A6C2E089C6A2}" dt="2024-07-27T21:37:25.202" v="81"/>
+          <ac:spMkLst>
+            <pc:docMk/>
+            <pc:sldMk cId="3943678850" sldId="1387"/>
+            <ac:spMk id="10" creationId="{978843E6-49FE-CE26-265D-A2D19E4793C0}"/>
+          </ac:spMkLst>
+        </pc:spChg>
+      </pc:sldChg>
+      <pc:sldChg chg="modSp mod">
+        <pc:chgData name="Gsell, Steven D." userId="6e84bc59-7e38-490f-9209-f43946aa50d2" providerId="ADAL" clId="{D88466B7-03C0-4978-B1B6-A6C2E089C6A2}" dt="2024-07-27T21:37:01.524" v="80" actId="20577"/>
+        <pc:sldMkLst>
+          <pc:docMk/>
+          <pc:sldMk cId="2257766621" sldId="1388"/>
+        </pc:sldMkLst>
+        <pc:spChg chg="mod">
+          <ac:chgData name="Gsell, Steven D." userId="6e84bc59-7e38-490f-9209-f43946aa50d2" providerId="ADAL" clId="{D88466B7-03C0-4978-B1B6-A6C2E089C6A2}" dt="2024-07-27T21:37:01.524" v="80" actId="20577"/>
+          <ac:spMkLst>
+            <pc:docMk/>
+            <pc:sldMk cId="2257766621" sldId="1388"/>
+            <ac:spMk id="10" creationId="{978843E6-49FE-CE26-265D-A2D19E4793C0}"/>
+          </ac:spMkLst>
+        </pc:spChg>
+      </pc:sldChg>
+      <pc:sldChg chg="modSp mod">
+        <pc:chgData name="Gsell, Steven D." userId="6e84bc59-7e38-490f-9209-f43946aa50d2" providerId="ADAL" clId="{D88466B7-03C0-4978-B1B6-A6C2E089C6A2}" dt="2024-07-27T21:36:53.429" v="68" actId="5793"/>
+        <pc:sldMkLst>
+          <pc:docMk/>
+          <pc:sldMk cId="857814757" sldId="1389"/>
+        </pc:sldMkLst>
+        <pc:spChg chg="mod">
+          <ac:chgData name="Gsell, Steven D." userId="6e84bc59-7e38-490f-9209-f43946aa50d2" providerId="ADAL" clId="{D88466B7-03C0-4978-B1B6-A6C2E089C6A2}" dt="2024-07-27T21:36:53.429" v="68" actId="5793"/>
+          <ac:spMkLst>
+            <pc:docMk/>
+            <pc:sldMk cId="857814757" sldId="1389"/>
+            <ac:spMk id="10" creationId="{978843E6-49FE-CE26-265D-A2D19E4793C0}"/>
+          </ac:spMkLst>
+        </pc:spChg>
+      </pc:sldChg>
+    </pc:docChg>
+  </pc:docChgLst>
+</pc:chgInfo>
 </file>
 
 <file path=ppt/charts/chart1.xml><?xml version="1.0" encoding="utf-8"?>
@@ -1734,7 +1793,7 @@
           <a:p>
             <a:fld id="{CA1F7DAD-AACB-410C-9AA4-BE5099812397}" type="datetimeFigureOut">
               <a:rPr lang="en-US" smtClean="0"/>
-              <a:t>7/17/2024</a:t>
+              <a:t>7/27/2024</a:t>
             </a:fld>
             <a:endParaRPr lang="en-US"/>
           </a:p>
@@ -3824,7 +3883,7 @@
           <a:p>
             <a:fld id="{8F7D2F49-1857-4E7D-8050-DC698401AAB7}" type="datetimeFigureOut">
               <a:rPr lang="en-US" smtClean="0"/>
-              <a:t>7/17/2024</a:t>
+              <a:t>7/27/2024</a:t>
             </a:fld>
             <a:endParaRPr lang="en-US"/>
           </a:p>
@@ -5171,7 +5230,7 @@
           <a:p>
             <a:fld id="{8F7D2F49-1857-4E7D-8050-DC698401AAB7}" type="datetimeFigureOut">
               <a:rPr lang="en-US" smtClean="0"/>
-              <a:t>7/17/2024</a:t>
+              <a:t>7/27/2024</a:t>
             </a:fld>
             <a:endParaRPr lang="en-US"/>
           </a:p>
@@ -8588,178 +8647,49 @@
           </a:bodyPr>
           <a:lstStyle/>
           <a:p>
-            <a:pPr marL="285750" marR="0" lvl="0" indent="-285750" algn="l" defTabSz="914400" rtl="0" eaLnBrk="1" fontAlgn="auto" latinLnBrk="0" hangingPunct="1">
-              <a:lnSpc>
-                <a:spcPct val="100000"/>
-              </a:lnSpc>
-              <a:spcBef>
-                <a:spcPts val="0"/>
-              </a:spcBef>
-              <a:spcAft>
-                <a:spcPts val="0"/>
-              </a:spcAft>
-              <a:buClrTx/>
-              <a:buSzTx/>
+            <a:pPr marL="285750" indent="-285750">
               <a:buFont typeface="Arial" panose="020B0604020202020204" pitchFamily="34" charset="0"/>
               <a:buChar char="•"/>
-              <a:tabLst/>
-              <a:defRPr/>
             </a:pPr>
             <a:r>
-              <a:rPr kumimoji="0" lang="en-US" sz="2000" b="0" i="0" u="none" strike="noStrike" kern="1200" cap="none" spc="0" normalizeH="0" baseline="0" noProof="0" dirty="0">
-                <a:ln>
-                  <a:noFill/>
-                </a:ln>
-                <a:solidFill>
-                  <a:srgbClr val="007598"/>
-                </a:solidFill>
-                <a:effectLst/>
-                <a:uLnTx/>
-                <a:uFillTx/>
-                <a:latin typeface="Calibri" panose="020F0502020204030204"/>
-                <a:ea typeface="+mn-ea"/>
-                <a:cs typeface="+mn-cs"/>
-              </a:rPr>
-              <a:t>How often have you gone to push your code only to see that you need to pull the new updated first?</a:t>
-            </a:r>
-          </a:p>
-          <a:p>
-            <a:pPr marL="285750" marR="0" lvl="0" indent="-285750" algn="l" defTabSz="914400" rtl="0" eaLnBrk="1" fontAlgn="auto" latinLnBrk="0" hangingPunct="1">
-              <a:lnSpc>
-                <a:spcPct val="100000"/>
-              </a:lnSpc>
-              <a:spcBef>
-                <a:spcPts val="0"/>
-              </a:spcBef>
-              <a:spcAft>
-                <a:spcPts val="0"/>
-              </a:spcAft>
-              <a:buClrTx/>
-              <a:buSzTx/>
+              <a:rPr lang="en-US" sz="2000" dirty="0"/>
+              <a:t>Some of our groups have utilized the GitHub plugin for Slack. This allows the group to be up to date with every update and change happening.</a:t>
+            </a:r>
+          </a:p>
+          <a:p>
+            <a:pPr marL="285750" indent="-285750">
               <a:buFont typeface="Arial" panose="020B0604020202020204" pitchFamily="34" charset="0"/>
               <a:buChar char="•"/>
-              <a:tabLst/>
-              <a:defRPr/>
             </a:pPr>
-            <a:endParaRPr kumimoji="0" lang="en-US" sz="2000" b="0" i="0" u="none" strike="noStrike" kern="1200" cap="none" spc="0" normalizeH="0" baseline="0" noProof="0" dirty="0">
-              <a:ln>
-                <a:noFill/>
-              </a:ln>
-              <a:solidFill>
-                <a:srgbClr val="007598"/>
-              </a:solidFill>
-              <a:effectLst/>
-              <a:uLnTx/>
-              <a:uFillTx/>
-              <a:latin typeface="Calibri" panose="020F0502020204030204"/>
-              <a:ea typeface="+mn-ea"/>
-              <a:cs typeface="+mn-cs"/>
-            </a:endParaRPr>
-          </a:p>
-          <a:p>
-            <a:pPr marL="285750" marR="0" lvl="0" indent="-285750" algn="l" defTabSz="914400" rtl="0" eaLnBrk="1" fontAlgn="auto" latinLnBrk="0" hangingPunct="1">
-              <a:lnSpc>
-                <a:spcPct val="100000"/>
-              </a:lnSpc>
-              <a:spcBef>
-                <a:spcPts val="0"/>
-              </a:spcBef>
-              <a:spcAft>
-                <a:spcPts val="0"/>
-              </a:spcAft>
-              <a:buClrTx/>
-              <a:buSzTx/>
+            <a:endParaRPr lang="en-US" sz="2000" dirty="0"/>
+          </a:p>
+          <a:p>
+            <a:pPr marL="285750" indent="-285750">
               <a:buFont typeface="Arial" panose="020B0604020202020204" pitchFamily="34" charset="0"/>
               <a:buChar char="•"/>
-              <a:tabLst/>
-              <a:defRPr/>
             </a:pPr>
             <a:r>
-              <a:rPr kumimoji="0" lang="en-US" sz="2000" b="0" i="0" u="none" strike="noStrike" kern="1200" cap="none" spc="0" normalizeH="0" baseline="0" noProof="0" dirty="0">
-                <a:ln>
-                  <a:noFill/>
-                </a:ln>
-                <a:solidFill>
-                  <a:srgbClr val="007598"/>
-                </a:solidFill>
-                <a:effectLst/>
-                <a:uLnTx/>
-                <a:uFillTx/>
-                <a:latin typeface="Calibri" panose="020F0502020204030204"/>
-                <a:ea typeface="+mn-ea"/>
-                <a:cs typeface="+mn-cs"/>
-              </a:rPr>
-              <a:t>Some of our groups have utilized the GitHub plugin for Slack. This allows the group to be up to date with every update and change happening.</a:t>
-            </a:r>
-          </a:p>
-          <a:p>
-            <a:pPr marL="285750" marR="0" lvl="0" indent="-285750" algn="l" defTabSz="914400" rtl="0" eaLnBrk="1" fontAlgn="auto" latinLnBrk="0" hangingPunct="1">
-              <a:lnSpc>
-                <a:spcPct val="100000"/>
-              </a:lnSpc>
-              <a:spcBef>
-                <a:spcPts val="0"/>
-              </a:spcBef>
-              <a:spcAft>
-                <a:spcPts val="0"/>
-              </a:spcAft>
-              <a:buClrTx/>
-              <a:buSzTx/>
+              <a:rPr lang="en-US" sz="2000" dirty="0"/>
+              <a:t>This allows cohesion of progress updates when the group reconvenes to discuss the next steps!</a:t>
+            </a:r>
+          </a:p>
+          <a:p>
+            <a:pPr marL="285750" indent="-285750">
               <a:buFont typeface="Arial" panose="020B0604020202020204" pitchFamily="34" charset="0"/>
               <a:buChar char="•"/>
-              <a:tabLst/>
-              <a:defRPr/>
             </a:pPr>
-            <a:endParaRPr kumimoji="0" lang="en-US" sz="2000" b="0" i="0" u="none" strike="noStrike" kern="1200" cap="none" spc="0" normalizeH="0" baseline="0" noProof="0" dirty="0">
-              <a:ln>
-                <a:noFill/>
-              </a:ln>
-              <a:solidFill>
-                <a:srgbClr val="007598"/>
-              </a:solidFill>
-              <a:effectLst/>
-              <a:uLnTx/>
-              <a:uFillTx/>
-              <a:latin typeface="Calibri" panose="020F0502020204030204"/>
-              <a:ea typeface="+mn-ea"/>
-              <a:cs typeface="+mn-cs"/>
-            </a:endParaRPr>
-          </a:p>
-          <a:p>
-            <a:pPr marL="285750" marR="0" lvl="0" indent="-285750" algn="l" defTabSz="914400" rtl="0" eaLnBrk="1" fontAlgn="auto" latinLnBrk="0" hangingPunct="1">
-              <a:lnSpc>
-                <a:spcPct val="100000"/>
-              </a:lnSpc>
-              <a:spcBef>
-                <a:spcPts val="0"/>
-              </a:spcBef>
-              <a:spcAft>
-                <a:spcPts val="0"/>
-              </a:spcAft>
-              <a:buClrTx/>
-              <a:buSzTx/>
+            <a:endParaRPr lang="en-US" sz="2000" dirty="0"/>
+          </a:p>
+          <a:p>
+            <a:pPr marL="285750" indent="-285750">
               <a:buFont typeface="Arial" panose="020B0604020202020204" pitchFamily="34" charset="0"/>
               <a:buChar char="•"/>
-              <a:tabLst/>
-              <a:defRPr/>
             </a:pPr>
             <a:r>
-              <a:rPr kumimoji="0" lang="en-US" sz="2000" b="0" i="0" u="none" strike="noStrike" kern="1200" cap="none" spc="0" normalizeH="0" baseline="0" noProof="0" dirty="0">
-                <a:ln>
-                  <a:noFill/>
-                </a:ln>
-                <a:solidFill>
-                  <a:srgbClr val="007598"/>
-                </a:solidFill>
-                <a:effectLst/>
-                <a:uLnTx/>
-                <a:uFillTx/>
-                <a:latin typeface="Calibri" panose="020F0502020204030204"/>
-                <a:ea typeface="+mn-ea"/>
-                <a:cs typeface="+mn-cs"/>
-              </a:rPr>
-              <a:t>This allows cohesion of progress updates when the group reconvenes to discuss the next steps!</a:t>
-            </a:r>
+              <a:rPr lang="en-US" sz="2000"/>
+              <a:t>No matter what you are teaching, there will almost certainly be an add-on that can help your group setting.</a:t>
+            </a:r>
+            <a:endParaRPr lang="en-US" sz="2000" dirty="0"/>
           </a:p>
         </p:txBody>
       </p:sp>
@@ -9065,7 +8995,7 @@
                 <a:ea typeface="+mn-ea"/>
                 <a:cs typeface="+mn-cs"/>
               </a:rPr>
-              <a:t>The cliché goes that a picture speaks a thousands words. So 30fps screen sharing should speak about 30,000 words per second. (pause for laughter)</a:t>
+              <a:t>The cliché goes that a picture speaks a thousands words. So 30fps screen sharing should speak about 30,000 words per second. (pause for cheesy joke laughter)</a:t>
             </a:r>
           </a:p>
         </p:txBody>
@@ -9288,7 +9218,7 @@
         <p:spPr>
           <a:xfrm>
             <a:off x="838200" y="1238081"/>
-            <a:ext cx="4915237" cy="4401205"/>
+            <a:ext cx="4915237" cy="4093428"/>
           </a:xfrm>
           <a:prstGeom prst="rect">
             <a:avLst/>
@@ -9333,113 +9263,11 @@
                 <a:ea typeface="+mn-ea"/>
                 <a:cs typeface="+mn-cs"/>
               </a:rPr>
-              <a:t>Sometimes our computer notifications can cause a bit of a stressful spike in our bodies when we hear that jingle or notification noise. (pop </a:t>
-            </a:r>
-            <a:r>
-              <a:rPr kumimoji="0" lang="en-US" sz="2000" b="0" i="0" u="none" strike="noStrike" kern="1200" cap="none" spc="0" normalizeH="0" baseline="0" noProof="0" dirty="0" err="1">
-                <a:ln>
-                  <a:noFill/>
-                </a:ln>
-                <a:solidFill>
-                  <a:srgbClr val="007598"/>
-                </a:solidFill>
-                <a:effectLst/>
-                <a:uLnTx/>
-                <a:uFillTx/>
-                <a:latin typeface="Calibri" panose="020F0502020204030204"/>
-                <a:ea typeface="+mn-ea"/>
-                <a:cs typeface="+mn-cs"/>
-              </a:rPr>
-              <a:t>pop</a:t>
-            </a:r>
-            <a:r>
-              <a:rPr kumimoji="0" lang="en-US" sz="2000" b="0" i="0" u="none" strike="noStrike" kern="1200" cap="none" spc="0" normalizeH="0" baseline="0" noProof="0" dirty="0">
-                <a:ln>
-                  <a:noFill/>
-                </a:ln>
-                <a:solidFill>
-                  <a:srgbClr val="007598"/>
-                </a:solidFill>
-                <a:effectLst/>
-                <a:uLnTx/>
-                <a:uFillTx/>
-                <a:latin typeface="Calibri" panose="020F0502020204030204"/>
-                <a:ea typeface="+mn-ea"/>
-                <a:cs typeface="+mn-cs"/>
-              </a:rPr>
-              <a:t> </a:t>
-            </a:r>
-            <a:r>
-              <a:rPr kumimoji="0" lang="en-US" sz="2000" b="0" i="0" u="none" strike="noStrike" kern="1200" cap="none" spc="0" normalizeH="0" baseline="0" noProof="0" dirty="0" err="1">
-                <a:ln>
-                  <a:noFill/>
-                </a:ln>
-                <a:solidFill>
-                  <a:srgbClr val="007598"/>
-                </a:solidFill>
-                <a:effectLst/>
-                <a:uLnTx/>
-                <a:uFillTx/>
-                <a:latin typeface="Calibri" panose="020F0502020204030204"/>
-                <a:ea typeface="+mn-ea"/>
-                <a:cs typeface="+mn-cs"/>
-              </a:rPr>
-              <a:t>pop</a:t>
-            </a:r>
-            <a:r>
-              <a:rPr kumimoji="0" lang="en-US" sz="2000" b="0" i="0" u="none" strike="noStrike" kern="1200" cap="none" spc="0" normalizeH="0" baseline="0" noProof="0" dirty="0">
-                <a:ln>
-                  <a:noFill/>
-                </a:ln>
-                <a:solidFill>
-                  <a:srgbClr val="007598"/>
-                </a:solidFill>
-                <a:effectLst/>
-                <a:uLnTx/>
-                <a:uFillTx/>
-                <a:latin typeface="Calibri" panose="020F0502020204030204"/>
-                <a:ea typeface="+mn-ea"/>
-                <a:cs typeface="+mn-cs"/>
-              </a:rPr>
-              <a:t> brush </a:t>
-            </a:r>
-            <a:r>
-              <a:rPr kumimoji="0" lang="en-US" sz="2000" b="0" i="0" u="none" strike="noStrike" kern="1200" cap="none" spc="0" normalizeH="0" baseline="0" noProof="0" dirty="0" err="1">
-                <a:ln>
-                  <a:noFill/>
-                </a:ln>
-                <a:solidFill>
-                  <a:srgbClr val="007598"/>
-                </a:solidFill>
-                <a:effectLst/>
-                <a:uLnTx/>
-                <a:uFillTx/>
-                <a:latin typeface="Calibri" panose="020F0502020204030204"/>
-                <a:ea typeface="+mn-ea"/>
-                <a:cs typeface="+mn-cs"/>
-              </a:rPr>
-              <a:t>brush</a:t>
-            </a:r>
-            <a:r>
-              <a:rPr kumimoji="0" lang="en-US" sz="2000" b="0" i="0" u="none" strike="noStrike" kern="1200" cap="none" spc="0" normalizeH="0" baseline="0" noProof="0" dirty="0">
-                <a:ln>
-                  <a:noFill/>
-                </a:ln>
-                <a:solidFill>
-                  <a:srgbClr val="007598"/>
-                </a:solidFill>
-                <a:effectLst/>
-                <a:uLnTx/>
-                <a:uFillTx/>
-                <a:latin typeface="Calibri" panose="020F0502020204030204"/>
-                <a:ea typeface="+mn-ea"/>
-                <a:cs typeface="+mn-cs"/>
-              </a:rPr>
-              <a:t> brush)</a:t>
-            </a:r>
-          </a:p>
-          <a:p>
-            <a:pPr marL="285750" marR="0" lvl="0" indent="-285750" algn="l" defTabSz="914400" rtl="0" eaLnBrk="1" fontAlgn="auto" latinLnBrk="0" hangingPunct="1">
+              <a:t>Sometimes our computer notifications can cause a bit of a stressful spike in our bodies when we hear that jingle or notification noise.</a:t>
+            </a:r>
+          </a:p>
+          <a:p>
+            <a:pPr marR="0" lvl="0" algn="l" defTabSz="914400" rtl="0" eaLnBrk="1" fontAlgn="auto" latinLnBrk="0" hangingPunct="1">
               <a:lnSpc>
                 <a:spcPct val="100000"/>
               </a:lnSpc>
@@ -9451,8 +9279,6 @@
               </a:spcAft>
               <a:buClrTx/>
               <a:buSzTx/>
-              <a:buFont typeface="Arial" panose="020B0604020202020204" pitchFamily="34" charset="0"/>
-              <a:buChar char="•"/>
               <a:tabLst/>
               <a:defRPr/>
             </a:pPr>

--- a/LeveragingSlackForStudentCollaboration.pptx
+++ b/LeveragingSlackForStudentCollaboration.pptx
@@ -5,7 +5,7 @@
     <p:sldMasterId id="2147483660" r:id="rId1"/>
   </p:sldMasterIdLst>
   <p:notesMasterIdLst>
-    <p:notesMasterId r:id="rId23"/>
+    <p:notesMasterId r:id="rId30"/>
   </p:notesMasterIdLst>
   <p:sldIdLst>
     <p:sldId id="309" r:id="rId2"/>
@@ -21,14 +21,21 @@
     <p:sldId id="1391" r:id="rId12"/>
     <p:sldId id="1392" r:id="rId13"/>
     <p:sldId id="258" r:id="rId14"/>
-    <p:sldId id="1383" r:id="rId15"/>
-    <p:sldId id="1384" r:id="rId16"/>
-    <p:sldId id="1385" r:id="rId17"/>
-    <p:sldId id="1386" r:id="rId18"/>
-    <p:sldId id="1387" r:id="rId19"/>
-    <p:sldId id="1388" r:id="rId20"/>
-    <p:sldId id="1389" r:id="rId21"/>
-    <p:sldId id="1372" r:id="rId22"/>
+    <p:sldId id="1393" r:id="rId15"/>
+    <p:sldId id="1394" r:id="rId16"/>
+    <p:sldId id="1395" r:id="rId17"/>
+    <p:sldId id="1396" r:id="rId18"/>
+    <p:sldId id="1398" r:id="rId19"/>
+    <p:sldId id="1400" r:id="rId20"/>
+    <p:sldId id="1399" r:id="rId21"/>
+    <p:sldId id="1383" r:id="rId22"/>
+    <p:sldId id="1384" r:id="rId23"/>
+    <p:sldId id="1385" r:id="rId24"/>
+    <p:sldId id="1386" r:id="rId25"/>
+    <p:sldId id="1387" r:id="rId26"/>
+    <p:sldId id="1388" r:id="rId27"/>
+    <p:sldId id="1389" r:id="rId28"/>
+    <p:sldId id="1372" r:id="rId29"/>
   </p:sldIdLst>
   <p:sldSz cx="12192000" cy="6858000"/>
   <p:notesSz cx="6858000" cy="9144000"/>
@@ -135,6 +142,14 @@
 </p:presentation>
 </file>
 
+<file path=ppt/revisionInfo.xml><?xml version="1.0" encoding="utf-8"?>
+<p1510:revInfo xmlns:a="http://schemas.openxmlformats.org/drawingml/2006/main" xmlns:r="http://schemas.openxmlformats.org/officeDocument/2006/relationships" xmlns:p1510="http://schemas.microsoft.com/office/powerpoint/2015/10/main">
+  <p1510:revLst>
+    <p1510:client id="{0975EBDE-12D9-4E5A-AECA-ECCCD1A0861B}" v="8" dt="2024-07-30T22:10:33.188"/>
+  </p1510:revLst>
+</p1510:revInfo>
+</file>
+
 <file path=ppt/changesInfos/changesInfo1.xml><?xml version="1.0" encoding="utf-8"?>
 <pc:chgInfo xmlns:a="http://schemas.openxmlformats.org/drawingml/2006/main" xmlns:r="http://schemas.openxmlformats.org/officeDocument/2006/relationships" xmlns:ac="http://schemas.microsoft.com/office/drawing/2013/main/command" xmlns:pc="http://schemas.microsoft.com/office/powerpoint/2013/main/command">
   <pc:docChgLst>
@@ -188,6 +203,309 @@
             <ac:spMk id="10" creationId="{978843E6-49FE-CE26-265D-A2D19E4793C0}"/>
           </ac:spMkLst>
         </pc:spChg>
+      </pc:sldChg>
+    </pc:docChg>
+  </pc:docChgLst>
+  <pc:docChgLst>
+    <pc:chgData name="Brauda, Pamela T." userId="84fd4989-2b49-471a-9a61-f177abea8ce3" providerId="ADAL" clId="{0975EBDE-12D9-4E5A-AECA-ECCCD1A0861B}"/>
+    <pc:docChg chg="custSel addSld delSld modSld sldOrd">
+      <pc:chgData name="Brauda, Pamela T." userId="84fd4989-2b49-471a-9a61-f177abea8ce3" providerId="ADAL" clId="{0975EBDE-12D9-4E5A-AECA-ECCCD1A0861B}" dt="2024-07-30T22:10:39.618" v="1230" actId="20577"/>
+      <pc:docMkLst>
+        <pc:docMk/>
+      </pc:docMkLst>
+      <pc:sldChg chg="modSp mod">
+        <pc:chgData name="Brauda, Pamela T." userId="84fd4989-2b49-471a-9a61-f177abea8ce3" providerId="ADAL" clId="{0975EBDE-12D9-4E5A-AECA-ECCCD1A0861B}" dt="2024-07-30T21:12:45.877" v="54" actId="255"/>
+        <pc:sldMkLst>
+          <pc:docMk/>
+          <pc:sldMk cId="1246754225" sldId="258"/>
+        </pc:sldMkLst>
+        <pc:spChg chg="mod">
+          <ac:chgData name="Brauda, Pamela T." userId="84fd4989-2b49-471a-9a61-f177abea8ce3" providerId="ADAL" clId="{0975EBDE-12D9-4E5A-AECA-ECCCD1A0861B}" dt="2024-07-30T21:12:45.877" v="54" actId="255"/>
+          <ac:spMkLst>
+            <pc:docMk/>
+            <pc:sldMk cId="1246754225" sldId="258"/>
+            <ac:spMk id="8" creationId="{A180AD3A-5A89-B9DB-E16B-C481A20532CD}"/>
+          </ac:spMkLst>
+        </pc:spChg>
+      </pc:sldChg>
+      <pc:sldChg chg="modSp mod">
+        <pc:chgData name="Brauda, Pamela T." userId="84fd4989-2b49-471a-9a61-f177abea8ce3" providerId="ADAL" clId="{0975EBDE-12D9-4E5A-AECA-ECCCD1A0861B}" dt="2024-07-30T21:03:34.152" v="14" actId="20577"/>
+        <pc:sldMkLst>
+          <pc:docMk/>
+          <pc:sldMk cId="1023016579" sldId="1391"/>
+        </pc:sldMkLst>
+        <pc:spChg chg="mod">
+          <ac:chgData name="Brauda, Pamela T." userId="84fd4989-2b49-471a-9a61-f177abea8ce3" providerId="ADAL" clId="{0975EBDE-12D9-4E5A-AECA-ECCCD1A0861B}" dt="2024-07-30T21:03:34.152" v="14" actId="20577"/>
+          <ac:spMkLst>
+            <pc:docMk/>
+            <pc:sldMk cId="1023016579" sldId="1391"/>
+            <ac:spMk id="5" creationId="{90966C4B-121B-6580-E539-BC3F76FEFE5A}"/>
+          </ac:spMkLst>
+        </pc:spChg>
+      </pc:sldChg>
+      <pc:sldChg chg="modSp add mod">
+        <pc:chgData name="Brauda, Pamela T." userId="84fd4989-2b49-471a-9a61-f177abea8ce3" providerId="ADAL" clId="{0975EBDE-12D9-4E5A-AECA-ECCCD1A0861B}" dt="2024-07-30T21:12:13.157" v="50" actId="255"/>
+        <pc:sldMkLst>
+          <pc:docMk/>
+          <pc:sldMk cId="1947754324" sldId="1393"/>
+        </pc:sldMkLst>
+        <pc:spChg chg="mod">
+          <ac:chgData name="Brauda, Pamela T." userId="84fd4989-2b49-471a-9a61-f177abea8ce3" providerId="ADAL" clId="{0975EBDE-12D9-4E5A-AECA-ECCCD1A0861B}" dt="2024-07-30T21:12:13.157" v="50" actId="255"/>
+          <ac:spMkLst>
+            <pc:docMk/>
+            <pc:sldMk cId="1947754324" sldId="1393"/>
+            <ac:spMk id="8" creationId="{A180AD3A-5A89-B9DB-E16B-C481A20532CD}"/>
+          </ac:spMkLst>
+        </pc:spChg>
+      </pc:sldChg>
+      <pc:sldChg chg="addSp delSp modSp add mod">
+        <pc:chgData name="Brauda, Pamela T." userId="84fd4989-2b49-471a-9a61-f177abea8ce3" providerId="ADAL" clId="{0975EBDE-12D9-4E5A-AECA-ECCCD1A0861B}" dt="2024-07-30T21:12:00.206" v="48" actId="255"/>
+        <pc:sldMkLst>
+          <pc:docMk/>
+          <pc:sldMk cId="1850204513" sldId="1394"/>
+        </pc:sldMkLst>
+        <pc:spChg chg="add mod">
+          <ac:chgData name="Brauda, Pamela T." userId="84fd4989-2b49-471a-9a61-f177abea8ce3" providerId="ADAL" clId="{0975EBDE-12D9-4E5A-AECA-ECCCD1A0861B}" dt="2024-07-30T21:12:00.206" v="48" actId="255"/>
+          <ac:spMkLst>
+            <pc:docMk/>
+            <pc:sldMk cId="1850204513" sldId="1394"/>
+            <ac:spMk id="3" creationId="{89983452-CAC3-73FE-DDF8-9317DBC12AFA}"/>
+          </ac:spMkLst>
+        </pc:spChg>
+        <pc:spChg chg="del mod">
+          <ac:chgData name="Brauda, Pamela T." userId="84fd4989-2b49-471a-9a61-f177abea8ce3" providerId="ADAL" clId="{0975EBDE-12D9-4E5A-AECA-ECCCD1A0861B}" dt="2024-07-30T21:10:20.601" v="29" actId="21"/>
+          <ac:spMkLst>
+            <pc:docMk/>
+            <pc:sldMk cId="1850204513" sldId="1394"/>
+            <ac:spMk id="8" creationId="{A180AD3A-5A89-B9DB-E16B-C481A20532CD}"/>
+          </ac:spMkLst>
+        </pc:spChg>
+      </pc:sldChg>
+      <pc:sldChg chg="addSp delSp modSp new mod ord modClrScheme chgLayout">
+        <pc:chgData name="Brauda, Pamela T." userId="84fd4989-2b49-471a-9a61-f177abea8ce3" providerId="ADAL" clId="{0975EBDE-12D9-4E5A-AECA-ECCCD1A0861B}" dt="2024-07-30T21:35:05.976" v="302" actId="1076"/>
+        <pc:sldMkLst>
+          <pc:docMk/>
+          <pc:sldMk cId="1976703465" sldId="1395"/>
+        </pc:sldMkLst>
+        <pc:spChg chg="del mod ord">
+          <ac:chgData name="Brauda, Pamela T." userId="84fd4989-2b49-471a-9a61-f177abea8ce3" providerId="ADAL" clId="{0975EBDE-12D9-4E5A-AECA-ECCCD1A0861B}" dt="2024-07-30T21:17:55.513" v="58" actId="700"/>
+          <ac:spMkLst>
+            <pc:docMk/>
+            <pc:sldMk cId="1976703465" sldId="1395"/>
+            <ac:spMk id="2" creationId="{EED7D7D2-0001-3029-B7A3-2E615A978783}"/>
+          </ac:spMkLst>
+        </pc:spChg>
+        <pc:spChg chg="del mod ord">
+          <ac:chgData name="Brauda, Pamela T." userId="84fd4989-2b49-471a-9a61-f177abea8ce3" providerId="ADAL" clId="{0975EBDE-12D9-4E5A-AECA-ECCCD1A0861B}" dt="2024-07-30T21:17:55.513" v="58" actId="700"/>
+          <ac:spMkLst>
+            <pc:docMk/>
+            <pc:sldMk cId="1976703465" sldId="1395"/>
+            <ac:spMk id="3" creationId="{CF8F8FB0-0782-2102-F6F7-CCF9DCA8AFA7}"/>
+          </ac:spMkLst>
+        </pc:spChg>
+        <pc:spChg chg="add mod ord">
+          <ac:chgData name="Brauda, Pamela T." userId="84fd4989-2b49-471a-9a61-f177abea8ce3" providerId="ADAL" clId="{0975EBDE-12D9-4E5A-AECA-ECCCD1A0861B}" dt="2024-07-30T21:20:39.433" v="85" actId="14100"/>
+          <ac:spMkLst>
+            <pc:docMk/>
+            <pc:sldMk cId="1976703465" sldId="1395"/>
+            <ac:spMk id="4" creationId="{CEBC86DA-5948-973C-A1DA-318EB868F097}"/>
+          </ac:spMkLst>
+        </pc:spChg>
+        <pc:spChg chg="add del mod ord">
+          <ac:chgData name="Brauda, Pamela T." userId="84fd4989-2b49-471a-9a61-f177abea8ce3" providerId="ADAL" clId="{0975EBDE-12D9-4E5A-AECA-ECCCD1A0861B}" dt="2024-07-30T21:20:11.985" v="81" actId="22"/>
+          <ac:spMkLst>
+            <pc:docMk/>
+            <pc:sldMk cId="1976703465" sldId="1395"/>
+            <ac:spMk id="5" creationId="{CB104627-746A-E14B-FB42-200727EBB7E4}"/>
+          </ac:spMkLst>
+        </pc:spChg>
+        <pc:spChg chg="add del mod">
+          <ac:chgData name="Brauda, Pamela T." userId="84fd4989-2b49-471a-9a61-f177abea8ce3" providerId="ADAL" clId="{0975EBDE-12D9-4E5A-AECA-ECCCD1A0861B}" dt="2024-07-30T21:21:58.719" v="90" actId="21"/>
+          <ac:spMkLst>
+            <pc:docMk/>
+            <pc:sldMk cId="1976703465" sldId="1395"/>
+            <ac:spMk id="8" creationId="{4A42030F-AC50-24BA-A981-B0BE0560311D}"/>
+          </ac:spMkLst>
+        </pc:spChg>
+        <pc:spChg chg="add del mod">
+          <ac:chgData name="Brauda, Pamela T." userId="84fd4989-2b49-471a-9a61-f177abea8ce3" providerId="ADAL" clId="{0975EBDE-12D9-4E5A-AECA-ECCCD1A0861B}" dt="2024-07-30T21:22:39.987" v="92" actId="478"/>
+          <ac:spMkLst>
+            <pc:docMk/>
+            <pc:sldMk cId="1976703465" sldId="1395"/>
+            <ac:spMk id="9" creationId="{4A42030F-AC50-24BA-A981-B0BE0560311D}"/>
+          </ac:spMkLst>
+        </pc:spChg>
+        <pc:spChg chg="add del mod">
+          <ac:chgData name="Brauda, Pamela T." userId="84fd4989-2b49-471a-9a61-f177abea8ce3" providerId="ADAL" clId="{0975EBDE-12D9-4E5A-AECA-ECCCD1A0861B}" dt="2024-07-30T21:23:20.389" v="96" actId="21"/>
+          <ac:spMkLst>
+            <pc:docMk/>
+            <pc:sldMk cId="1976703465" sldId="1395"/>
+            <ac:spMk id="10" creationId="{BD2128D8-D56D-EB61-B93A-13CB4C666403}"/>
+          </ac:spMkLst>
+        </pc:spChg>
+        <pc:spChg chg="add mod">
+          <ac:chgData name="Brauda, Pamela T." userId="84fd4989-2b49-471a-9a61-f177abea8ce3" providerId="ADAL" clId="{0975EBDE-12D9-4E5A-AECA-ECCCD1A0861B}" dt="2024-07-30T21:34:56.567" v="301" actId="20577"/>
+          <ac:spMkLst>
+            <pc:docMk/>
+            <pc:sldMk cId="1976703465" sldId="1395"/>
+            <ac:spMk id="11" creationId="{1DCF6CB8-214F-97A2-9371-16E3EB9E8687}"/>
+          </ac:spMkLst>
+        </pc:spChg>
+        <pc:picChg chg="add mod ord">
+          <ac:chgData name="Brauda, Pamela T." userId="84fd4989-2b49-471a-9a61-f177abea8ce3" providerId="ADAL" clId="{0975EBDE-12D9-4E5A-AECA-ECCCD1A0861B}" dt="2024-07-30T21:35:05.976" v="302" actId="1076"/>
+          <ac:picMkLst>
+            <pc:docMk/>
+            <pc:sldMk cId="1976703465" sldId="1395"/>
+            <ac:picMk id="7" creationId="{4ECB618A-3578-7DC3-279F-6ABE56113B27}"/>
+          </ac:picMkLst>
+        </pc:picChg>
+      </pc:sldChg>
+      <pc:sldChg chg="addSp delSp modSp add mod">
+        <pc:chgData name="Brauda, Pamela T." userId="84fd4989-2b49-471a-9a61-f177abea8ce3" providerId="ADAL" clId="{0975EBDE-12D9-4E5A-AECA-ECCCD1A0861B}" dt="2024-07-30T21:30:03.047" v="297" actId="20577"/>
+        <pc:sldMkLst>
+          <pc:docMk/>
+          <pc:sldMk cId="3380884778" sldId="1396"/>
+        </pc:sldMkLst>
+        <pc:spChg chg="add mod">
+          <ac:chgData name="Brauda, Pamela T." userId="84fd4989-2b49-471a-9a61-f177abea8ce3" providerId="ADAL" clId="{0975EBDE-12D9-4E5A-AECA-ECCCD1A0861B}" dt="2024-07-30T21:30:03.047" v="297" actId="20577"/>
+          <ac:spMkLst>
+            <pc:docMk/>
+            <pc:sldMk cId="3380884778" sldId="1396"/>
+            <ac:spMk id="3" creationId="{54958E6B-80CF-AF18-A033-74047074A1B0}"/>
+          </ac:spMkLst>
+        </pc:spChg>
+        <pc:spChg chg="del mod">
+          <ac:chgData name="Brauda, Pamela T." userId="84fd4989-2b49-471a-9a61-f177abea8ce3" providerId="ADAL" clId="{0975EBDE-12D9-4E5A-AECA-ECCCD1A0861B}" dt="2024-07-30T21:28:46.019" v="276" actId="21"/>
+          <ac:spMkLst>
+            <pc:docMk/>
+            <pc:sldMk cId="3380884778" sldId="1396"/>
+            <ac:spMk id="11" creationId="{1DCF6CB8-214F-97A2-9371-16E3EB9E8687}"/>
+          </ac:spMkLst>
+        </pc:spChg>
+        <pc:picChg chg="add mod modCrop">
+          <ac:chgData name="Brauda, Pamela T." userId="84fd4989-2b49-471a-9a61-f177abea8ce3" providerId="ADAL" clId="{0975EBDE-12D9-4E5A-AECA-ECCCD1A0861B}" dt="2024-07-30T21:29:47.847" v="281" actId="732"/>
+          <ac:picMkLst>
+            <pc:docMk/>
+            <pc:sldMk cId="3380884778" sldId="1396"/>
+            <ac:picMk id="6" creationId="{1641F24E-3DB2-6DBC-5D24-0142BBA5A72F}"/>
+          </ac:picMkLst>
+        </pc:picChg>
+        <pc:picChg chg="del">
+          <ac:chgData name="Brauda, Pamela T." userId="84fd4989-2b49-471a-9a61-f177abea8ce3" providerId="ADAL" clId="{0975EBDE-12D9-4E5A-AECA-ECCCD1A0861B}" dt="2024-07-30T21:27:11.653" v="182" actId="478"/>
+          <ac:picMkLst>
+            <pc:docMk/>
+            <pc:sldMk cId="3380884778" sldId="1396"/>
+            <ac:picMk id="7" creationId="{4ECB618A-3578-7DC3-279F-6ABE56113B27}"/>
+          </ac:picMkLst>
+        </pc:picChg>
+      </pc:sldChg>
+      <pc:sldChg chg="add del">
+        <pc:chgData name="Brauda, Pamela T." userId="84fd4989-2b49-471a-9a61-f177abea8ce3" providerId="ADAL" clId="{0975EBDE-12D9-4E5A-AECA-ECCCD1A0861B}" dt="2024-07-30T21:59:59.884" v="587" actId="47"/>
+        <pc:sldMkLst>
+          <pc:docMk/>
+          <pc:sldMk cId="1456481925" sldId="1397"/>
+        </pc:sldMkLst>
+      </pc:sldChg>
+      <pc:sldChg chg="addSp delSp modSp add mod">
+        <pc:chgData name="Brauda, Pamela T." userId="84fd4989-2b49-471a-9a61-f177abea8ce3" providerId="ADAL" clId="{0975EBDE-12D9-4E5A-AECA-ECCCD1A0861B}" dt="2024-07-30T21:43:22.914" v="524" actId="20577"/>
+        <pc:sldMkLst>
+          <pc:docMk/>
+          <pc:sldMk cId="3084161563" sldId="1398"/>
+        </pc:sldMkLst>
+        <pc:spChg chg="mod">
+          <ac:chgData name="Brauda, Pamela T." userId="84fd4989-2b49-471a-9a61-f177abea8ce3" providerId="ADAL" clId="{0975EBDE-12D9-4E5A-AECA-ECCCD1A0861B}" dt="2024-07-30T21:43:22.914" v="524" actId="20577"/>
+          <ac:spMkLst>
+            <pc:docMk/>
+            <pc:sldMk cId="3084161563" sldId="1398"/>
+            <ac:spMk id="3" creationId="{54958E6B-80CF-AF18-A033-74047074A1B0}"/>
+          </ac:spMkLst>
+        </pc:spChg>
+        <pc:picChg chg="add del">
+          <ac:chgData name="Brauda, Pamela T." userId="84fd4989-2b49-471a-9a61-f177abea8ce3" providerId="ADAL" clId="{0975EBDE-12D9-4E5A-AECA-ECCCD1A0861B}" dt="2024-07-30T21:41:04.929" v="481" actId="21"/>
+          <ac:picMkLst>
+            <pc:docMk/>
+            <pc:sldMk cId="3084161563" sldId="1398"/>
+            <ac:picMk id="5" creationId="{84C0C4B6-5378-EDBB-0FFE-59966B514C1B}"/>
+          </ac:picMkLst>
+        </pc:picChg>
+        <pc:picChg chg="del">
+          <ac:chgData name="Brauda, Pamela T." userId="84fd4989-2b49-471a-9a61-f177abea8ce3" providerId="ADAL" clId="{0975EBDE-12D9-4E5A-AECA-ECCCD1A0861B}" dt="2024-07-30T21:37:14.775" v="478" actId="21"/>
+          <ac:picMkLst>
+            <pc:docMk/>
+            <pc:sldMk cId="3084161563" sldId="1398"/>
+            <ac:picMk id="6" creationId="{1641F24E-3DB2-6DBC-5D24-0142BBA5A72F}"/>
+          </ac:picMkLst>
+        </pc:picChg>
+        <pc:picChg chg="add del mod">
+          <ac:chgData name="Brauda, Pamela T." userId="84fd4989-2b49-471a-9a61-f177abea8ce3" providerId="ADAL" clId="{0975EBDE-12D9-4E5A-AECA-ECCCD1A0861B}" dt="2024-07-30T21:42:39.383" v="485" actId="478"/>
+          <ac:picMkLst>
+            <pc:docMk/>
+            <pc:sldMk cId="3084161563" sldId="1398"/>
+            <ac:picMk id="8" creationId="{7CD88404-B9BD-98DF-BF62-0B26880388B1}"/>
+          </ac:picMkLst>
+        </pc:picChg>
+        <pc:picChg chg="add mod">
+          <ac:chgData name="Brauda, Pamela T." userId="84fd4989-2b49-471a-9a61-f177abea8ce3" providerId="ADAL" clId="{0975EBDE-12D9-4E5A-AECA-ECCCD1A0861B}" dt="2024-07-30T21:43:06.207" v="490" actId="14100"/>
+          <ac:picMkLst>
+            <pc:docMk/>
+            <pc:sldMk cId="3084161563" sldId="1398"/>
+            <ac:picMk id="10" creationId="{74CAF061-7174-509A-9CAF-CCA1C73856F7}"/>
+          </ac:picMkLst>
+        </pc:picChg>
+      </pc:sldChg>
+      <pc:sldChg chg="delSp modSp mod">
+        <pc:chgData name="Brauda, Pamela T." userId="84fd4989-2b49-471a-9a61-f177abea8ce3" providerId="ADAL" clId="{0975EBDE-12D9-4E5A-AECA-ECCCD1A0861B}" dt="2024-07-30T21:59:27.508" v="586" actId="20577"/>
+        <pc:sldMkLst>
+          <pc:docMk/>
+          <pc:sldMk cId="1342953347" sldId="1399"/>
+        </pc:sldMkLst>
+        <pc:spChg chg="mod">
+          <ac:chgData name="Brauda, Pamela T." userId="84fd4989-2b49-471a-9a61-f177abea8ce3" providerId="ADAL" clId="{0975EBDE-12D9-4E5A-AECA-ECCCD1A0861B}" dt="2024-07-30T21:59:27.508" v="586" actId="20577"/>
+          <ac:spMkLst>
+            <pc:docMk/>
+            <pc:sldMk cId="1342953347" sldId="1399"/>
+            <ac:spMk id="3" creationId="{54958E6B-80CF-AF18-A033-74047074A1B0}"/>
+          </ac:spMkLst>
+        </pc:spChg>
+        <pc:picChg chg="del">
+          <ac:chgData name="Brauda, Pamela T." userId="84fd4989-2b49-471a-9a61-f177abea8ce3" providerId="ADAL" clId="{0975EBDE-12D9-4E5A-AECA-ECCCD1A0861B}" dt="2024-07-30T21:44:10.343" v="563" actId="21"/>
+          <ac:picMkLst>
+            <pc:docMk/>
+            <pc:sldMk cId="1342953347" sldId="1399"/>
+            <ac:picMk id="6" creationId="{1641F24E-3DB2-6DBC-5D24-0142BBA5A72F}"/>
+          </ac:picMkLst>
+        </pc:picChg>
+      </pc:sldChg>
+      <pc:sldChg chg="addSp delSp modSp add mod">
+        <pc:chgData name="Brauda, Pamela T." userId="84fd4989-2b49-471a-9a61-f177abea8ce3" providerId="ADAL" clId="{0975EBDE-12D9-4E5A-AECA-ECCCD1A0861B}" dt="2024-07-30T22:10:39.618" v="1230" actId="20577"/>
+        <pc:sldMkLst>
+          <pc:docMk/>
+          <pc:sldMk cId="596095672" sldId="1400"/>
+        </pc:sldMkLst>
+        <pc:spChg chg="mod">
+          <ac:chgData name="Brauda, Pamela T." userId="84fd4989-2b49-471a-9a61-f177abea8ce3" providerId="ADAL" clId="{0975EBDE-12D9-4E5A-AECA-ECCCD1A0861B}" dt="2024-07-30T22:10:39.618" v="1230" actId="20577"/>
+          <ac:spMkLst>
+            <pc:docMk/>
+            <pc:sldMk cId="596095672" sldId="1400"/>
+            <ac:spMk id="3" creationId="{54958E6B-80CF-AF18-A033-74047074A1B0}"/>
+          </ac:spMkLst>
+        </pc:spChg>
+        <pc:picChg chg="add del mod">
+          <ac:chgData name="Brauda, Pamela T." userId="84fd4989-2b49-471a-9a61-f177abea8ce3" providerId="ADAL" clId="{0975EBDE-12D9-4E5A-AECA-ECCCD1A0861B}" dt="2024-07-30T22:07:38.317" v="1165" actId="21"/>
+          <ac:picMkLst>
+            <pc:docMk/>
+            <pc:sldMk cId="596095672" sldId="1400"/>
+            <ac:picMk id="6" creationId="{1641F24E-3DB2-6DBC-5D24-0142BBA5A72F}"/>
+          </ac:picMkLst>
+        </pc:picChg>
+        <pc:picChg chg="del">
+          <ac:chgData name="Brauda, Pamela T." userId="84fd4989-2b49-471a-9a61-f177abea8ce3" providerId="ADAL" clId="{0975EBDE-12D9-4E5A-AECA-ECCCD1A0861B}" dt="2024-07-30T22:01:58.489" v="645" actId="478"/>
+          <ac:picMkLst>
+            <pc:docMk/>
+            <pc:sldMk cId="596095672" sldId="1400"/>
+            <ac:picMk id="10" creationId="{74CAF061-7174-509A-9CAF-CCA1C73856F7}"/>
+          </ac:picMkLst>
+        </pc:picChg>
       </pc:sldChg>
     </pc:docChg>
   </pc:docChgLst>
@@ -1793,7 +2111,7 @@
           <a:p>
             <a:fld id="{CA1F7DAD-AACB-410C-9AA4-BE5099812397}" type="datetimeFigureOut">
               <a:rPr lang="en-US" smtClean="0"/>
-              <a:t>7/27/2024</a:t>
+              <a:t>7/30/2024</a:t>
             </a:fld>
             <a:endParaRPr lang="en-US"/>
           </a:p>
@@ -2144,6 +2462,90 @@
 </p:notes>
 </file>
 
+<file path=ppt/notesSlides/notesSlide10.xml><?xml version="1.0" encoding="utf-8"?>
+<p:notes xmlns:a="http://schemas.openxmlformats.org/drawingml/2006/main" xmlns:r="http://schemas.openxmlformats.org/officeDocument/2006/relationships" xmlns:p="http://schemas.openxmlformats.org/presentationml/2006/main">
+  <p:cSld>
+    <p:spTree>
+      <p:nvGrpSpPr>
+        <p:cNvPr id="1" name=""/>
+        <p:cNvGrpSpPr/>
+        <p:nvPr/>
+      </p:nvGrpSpPr>
+      <p:grpSpPr>
+        <a:xfrm>
+          <a:off x="0" y="0"/>
+          <a:ext cx="0" cy="0"/>
+          <a:chOff x="0" y="0"/>
+          <a:chExt cx="0" cy="0"/>
+        </a:xfrm>
+      </p:grpSpPr>
+      <p:sp>
+        <p:nvSpPr>
+          <p:cNvPr id="2" name="Slide Image Placeholder 1"/>
+          <p:cNvSpPr>
+            <a:spLocks noGrp="1" noRot="1" noChangeAspect="1"/>
+          </p:cNvSpPr>
+          <p:nvPr>
+            <p:ph type="sldImg"/>
+          </p:nvPr>
+        </p:nvSpPr>
+        <p:spPr/>
+      </p:sp>
+      <p:sp>
+        <p:nvSpPr>
+          <p:cNvPr id="3" name="Notes Placeholder 2"/>
+          <p:cNvSpPr>
+            <a:spLocks noGrp="1"/>
+          </p:cNvSpPr>
+          <p:nvPr>
+            <p:ph type="body" idx="1"/>
+          </p:nvPr>
+        </p:nvSpPr>
+        <p:spPr/>
+        <p:txBody>
+          <a:bodyPr/>
+          <a:lstStyle/>
+          <a:p>
+            <a:endParaRPr lang="en-US"/>
+          </a:p>
+        </p:txBody>
+      </p:sp>
+      <p:sp>
+        <p:nvSpPr>
+          <p:cNvPr id="4" name="Slide Number Placeholder 3"/>
+          <p:cNvSpPr>
+            <a:spLocks noGrp="1"/>
+          </p:cNvSpPr>
+          <p:nvPr>
+            <p:ph type="sldNum" sz="quarter" idx="5"/>
+          </p:nvPr>
+        </p:nvSpPr>
+        <p:spPr/>
+        <p:txBody>
+          <a:bodyPr/>
+          <a:lstStyle/>
+          <a:p>
+            <a:fld id="{FCFED414-B8BD-4977-925E-1C2AFAB354A8}" type="slidenum">
+              <a:rPr lang="en-US" smtClean="0"/>
+              <a:t>28</a:t>
+            </a:fld>
+            <a:endParaRPr lang="en-US"/>
+          </a:p>
+        </p:txBody>
+      </p:sp>
+    </p:spTree>
+    <p:extLst>
+      <p:ext uri="{BB962C8B-B14F-4D97-AF65-F5344CB8AC3E}">
+        <p14:creationId xmlns:p14="http://schemas.microsoft.com/office/powerpoint/2010/main" val="4052855905"/>
+      </p:ext>
+    </p:extLst>
+  </p:cSld>
+  <p:clrMapOvr>
+    <a:masterClrMapping/>
+  </p:clrMapOvr>
+</p:notes>
+</file>
+
 <file path=ppt/notesSlides/notesSlide2.xml><?xml version="1.0" encoding="utf-8"?>
 <p:notes xmlns:a="http://schemas.openxmlformats.org/drawingml/2006/main" xmlns:r="http://schemas.openxmlformats.org/officeDocument/2006/relationships" xmlns:p="http://schemas.openxmlformats.org/presentationml/2006/main">
   <p:cSld>
@@ -2188,57 +2590,7 @@
           <a:bodyPr/>
           <a:lstStyle/>
           <a:p>
-            <a:pPr marL="285750" indent="-285750">
-              <a:buFont typeface="Arial" panose="020B0604020202020204" pitchFamily="34" charset="0"/>
-              <a:buChar char="•"/>
-            </a:pPr>
-            <a:r>
-              <a:rPr lang="en-US" sz="1200" dirty="0"/>
-              <a:t>Software projects in a class setting can be chaotic without clear communication</a:t>
-            </a:r>
-          </a:p>
-          <a:p>
-            <a:pPr marL="285750" indent="-285750">
-              <a:buFont typeface="Arial" panose="020B0604020202020204" pitchFamily="34" charset="0"/>
-              <a:buChar char="•"/>
-            </a:pPr>
-            <a:endParaRPr lang="en-US" sz="1200" dirty="0"/>
-          </a:p>
-          <a:p>
-            <a:pPr marL="285750" indent="-285750">
-              <a:buFont typeface="Arial" panose="020B0604020202020204" pitchFamily="34" charset="0"/>
-              <a:buChar char="•"/>
-            </a:pPr>
-            <a:r>
-              <a:rPr lang="en-US" sz="1200" dirty="0"/>
-              <a:t>We are all learning and perhaps working with several new technologies for the first time. We are also learning HOW to learn in a fast-paced tech environment.</a:t>
-            </a:r>
-          </a:p>
-          <a:p>
-            <a:pPr marL="285750" indent="-285750">
-              <a:buFont typeface="Arial" panose="020B0604020202020204" pitchFamily="34" charset="0"/>
-              <a:buChar char="•"/>
-            </a:pPr>
-            <a:endParaRPr lang="en-US" sz="1200" dirty="0"/>
-          </a:p>
-          <a:p>
-            <a:pPr marL="285750" indent="-285750">
-              <a:buFont typeface="Arial" panose="020B0604020202020204" pitchFamily="34" charset="0"/>
-              <a:buChar char="•"/>
-            </a:pPr>
-            <a:r>
-              <a:rPr lang="en-US" sz="1200" dirty="0"/>
-              <a:t>When our groups run into problems, Slack allows us to pinpoint the problem as a group and see the clear solution when someone finds it!</a:t>
-            </a:r>
-          </a:p>
-          <a:p>
             <a:endParaRPr lang="en-US" dirty="0"/>
-          </a:p>
-          <a:p>
-            <a:r>
-              <a:rPr lang="en-US" dirty="0"/>
-              <a:t>(Dustin was able to pinpoint a problem with our Spring-Boot API and share what he found with our group. It was part of a dependency that we could manually exclude.)</a:t>
-            </a:r>
           </a:p>
         </p:txBody>
       </p:sp>
@@ -2257,78 +2609,18 @@
           <a:bodyPr/>
           <a:lstStyle/>
           <a:p>
-            <a:pPr marL="0" marR="0" lvl="0" indent="0" algn="r" defTabSz="914400" rtl="0" eaLnBrk="1" fontAlgn="auto" latinLnBrk="0" hangingPunct="1">
-              <a:lnSpc>
-                <a:spcPct val="100000"/>
-              </a:lnSpc>
-              <a:spcBef>
-                <a:spcPts val="0"/>
-              </a:spcBef>
-              <a:spcAft>
-                <a:spcPts val="0"/>
-              </a:spcAft>
-              <a:buClrTx/>
-              <a:buSzTx/>
-              <a:buFontTx/>
-              <a:buNone/>
-              <a:tabLst/>
-              <a:defRPr/>
-            </a:pPr>
             <a:fld id="{AE9ECEFE-5C53-4261-924B-F0AA5F7E0BB8}" type="slidenum">
-              <a:rPr kumimoji="0" lang="en-US" sz="1200" b="0" i="0" u="none" strike="noStrike" kern="1200" cap="none" spc="0" normalizeH="0" baseline="0" noProof="0" smtClean="0">
-                <a:ln>
-                  <a:noFill/>
-                </a:ln>
-                <a:solidFill>
-                  <a:prstClr val="black"/>
-                </a:solidFill>
-                <a:effectLst/>
-                <a:uLnTx/>
-                <a:uFillTx/>
-                <a:latin typeface="Calibri" panose="020F0502020204030204"/>
-                <a:ea typeface="+mn-ea"/>
-                <a:cs typeface="+mn-cs"/>
-              </a:rPr>
-              <a:pPr marL="0" marR="0" lvl="0" indent="0" algn="r" defTabSz="914400" rtl="0" eaLnBrk="1" fontAlgn="auto" latinLnBrk="0" hangingPunct="1">
-                <a:lnSpc>
-                  <a:spcPct val="100000"/>
-                </a:lnSpc>
-                <a:spcBef>
-                  <a:spcPts val="0"/>
-                </a:spcBef>
-                <a:spcAft>
-                  <a:spcPts val="0"/>
-                </a:spcAft>
-                <a:buClrTx/>
-                <a:buSzTx/>
-                <a:buFontTx/>
-                <a:buNone/>
-                <a:tabLst/>
-                <a:defRPr/>
-              </a:pPr>
-              <a:t>15</a:t>
+              <a:rPr lang="en-US" smtClean="0"/>
+              <a:t>18</a:t>
             </a:fld>
-            <a:endParaRPr kumimoji="0" lang="en-US" sz="1200" b="0" i="0" u="none" strike="noStrike" kern="1200" cap="none" spc="0" normalizeH="0" baseline="0" noProof="0">
-              <a:ln>
-                <a:noFill/>
-              </a:ln>
-              <a:solidFill>
-                <a:prstClr val="black"/>
-              </a:solidFill>
-              <a:effectLst/>
-              <a:uLnTx/>
-              <a:uFillTx/>
-              <a:latin typeface="Calibri" panose="020F0502020204030204"/>
-              <a:ea typeface="+mn-ea"/>
-              <a:cs typeface="+mn-cs"/>
-            </a:endParaRPr>
+            <a:endParaRPr lang="en-US"/>
           </a:p>
         </p:txBody>
       </p:sp>
     </p:spTree>
     <p:extLst>
       <p:ext uri="{BB962C8B-B14F-4D97-AF65-F5344CB8AC3E}">
-        <p14:creationId xmlns:p14="http://schemas.microsoft.com/office/powerpoint/2010/main" val="3993838157"/>
+        <p14:creationId xmlns:p14="http://schemas.microsoft.com/office/powerpoint/2010/main" val="568101217"/>
       </p:ext>
     </p:extLst>
   </p:cSld>
@@ -2382,57 +2674,7 @@
           <a:bodyPr/>
           <a:lstStyle/>
           <a:p>
-            <a:pPr marL="285750" indent="-285750">
-              <a:buFont typeface="Arial" panose="020B0604020202020204" pitchFamily="34" charset="0"/>
-              <a:buChar char="•"/>
-            </a:pPr>
-            <a:r>
-              <a:rPr lang="en-US" sz="1200" dirty="0"/>
-              <a:t>Juggling different groups can quickly become a chore without the proper tools.</a:t>
-            </a:r>
-          </a:p>
-          <a:p>
-            <a:pPr marL="285750" indent="-285750">
-              <a:buFont typeface="Arial" panose="020B0604020202020204" pitchFamily="34" charset="0"/>
-              <a:buChar char="•"/>
-            </a:pPr>
-            <a:endParaRPr lang="en-US" sz="1200" dirty="0"/>
-          </a:p>
-          <a:p>
-            <a:pPr marL="285750" indent="-285750">
-              <a:buFont typeface="Arial" panose="020B0604020202020204" pitchFamily="34" charset="0"/>
-              <a:buChar char="•"/>
-            </a:pPr>
-            <a:r>
-              <a:rPr lang="en-US" sz="1200" dirty="0"/>
-              <a:t>Slack allows you to have multiple workspaces at once, with a user-friendly UI to jump between all your groups.</a:t>
-            </a:r>
-          </a:p>
-          <a:p>
-            <a:pPr marL="285750" indent="-285750">
-              <a:buFont typeface="Arial" panose="020B0604020202020204" pitchFamily="34" charset="0"/>
-              <a:buChar char="•"/>
-            </a:pPr>
-            <a:endParaRPr lang="en-US" sz="1200" dirty="0"/>
-          </a:p>
-          <a:p>
-            <a:pPr marL="285750" indent="-285750">
-              <a:buFont typeface="Arial" panose="020B0604020202020204" pitchFamily="34" charset="0"/>
-              <a:buChar char="•"/>
-            </a:pPr>
-            <a:r>
-              <a:rPr lang="en-US" sz="1200" dirty="0"/>
-              <a:t>Having clearly defined workspaces allows for easy transitioning from one group to another. </a:t>
-            </a:r>
-          </a:p>
-          <a:p>
             <a:endParaRPr lang="en-US" dirty="0"/>
-          </a:p>
-          <a:p>
-            <a:r>
-              <a:rPr lang="en-US" dirty="0"/>
-              <a:t>(At FSCJ it can get to be a little much if you are taking multiple IT classes at the same time. Slack allows a handy workspace system to jump between your groups of peers.)</a:t>
-            </a:r>
           </a:p>
         </p:txBody>
       </p:sp>
@@ -2451,78 +2693,18 @@
           <a:bodyPr/>
           <a:lstStyle/>
           <a:p>
-            <a:pPr marL="0" marR="0" lvl="0" indent="0" algn="r" defTabSz="914400" rtl="0" eaLnBrk="1" fontAlgn="auto" latinLnBrk="0" hangingPunct="1">
-              <a:lnSpc>
-                <a:spcPct val="100000"/>
-              </a:lnSpc>
-              <a:spcBef>
-                <a:spcPts val="0"/>
-              </a:spcBef>
-              <a:spcAft>
-                <a:spcPts val="0"/>
-              </a:spcAft>
-              <a:buClrTx/>
-              <a:buSzTx/>
-              <a:buFontTx/>
-              <a:buNone/>
-              <a:tabLst/>
-              <a:defRPr/>
-            </a:pPr>
             <a:fld id="{AE9ECEFE-5C53-4261-924B-F0AA5F7E0BB8}" type="slidenum">
-              <a:rPr kumimoji="0" lang="en-US" sz="1200" b="0" i="0" u="none" strike="noStrike" kern="1200" cap="none" spc="0" normalizeH="0" baseline="0" noProof="0" smtClean="0">
-                <a:ln>
-                  <a:noFill/>
-                </a:ln>
-                <a:solidFill>
-                  <a:prstClr val="black"/>
-                </a:solidFill>
-                <a:effectLst/>
-                <a:uLnTx/>
-                <a:uFillTx/>
-                <a:latin typeface="Calibri" panose="020F0502020204030204"/>
-                <a:ea typeface="+mn-ea"/>
-                <a:cs typeface="+mn-cs"/>
-              </a:rPr>
-              <a:pPr marL="0" marR="0" lvl="0" indent="0" algn="r" defTabSz="914400" rtl="0" eaLnBrk="1" fontAlgn="auto" latinLnBrk="0" hangingPunct="1">
-                <a:lnSpc>
-                  <a:spcPct val="100000"/>
-                </a:lnSpc>
-                <a:spcBef>
-                  <a:spcPts val="0"/>
-                </a:spcBef>
-                <a:spcAft>
-                  <a:spcPts val="0"/>
-                </a:spcAft>
-                <a:buClrTx/>
-                <a:buSzTx/>
-                <a:buFontTx/>
-                <a:buNone/>
-                <a:tabLst/>
-                <a:defRPr/>
-              </a:pPr>
-              <a:t>16</a:t>
+              <a:rPr lang="en-US" smtClean="0"/>
+              <a:t>19</a:t>
             </a:fld>
-            <a:endParaRPr kumimoji="0" lang="en-US" sz="1200" b="0" i="0" u="none" strike="noStrike" kern="1200" cap="none" spc="0" normalizeH="0" baseline="0" noProof="0">
-              <a:ln>
-                <a:noFill/>
-              </a:ln>
-              <a:solidFill>
-                <a:prstClr val="black"/>
-              </a:solidFill>
-              <a:effectLst/>
-              <a:uLnTx/>
-              <a:uFillTx/>
-              <a:latin typeface="Calibri" panose="020F0502020204030204"/>
-              <a:ea typeface="+mn-ea"/>
-              <a:cs typeface="+mn-cs"/>
-            </a:endParaRPr>
+            <a:endParaRPr lang="en-US"/>
           </a:p>
         </p:txBody>
       </p:sp>
     </p:spTree>
     <p:extLst>
       <p:ext uri="{BB962C8B-B14F-4D97-AF65-F5344CB8AC3E}">
-        <p14:creationId xmlns:p14="http://schemas.microsoft.com/office/powerpoint/2010/main" val="1973195403"/>
+        <p14:creationId xmlns:p14="http://schemas.microsoft.com/office/powerpoint/2010/main" val="2023334231"/>
       </p:ext>
     </p:extLst>
   </p:cSld>
@@ -2582,7 +2764,7 @@
             </a:pPr>
             <a:r>
               <a:rPr lang="en-US" sz="1200" dirty="0"/>
-              <a:t>One of the most noticeable things about Slack is the customization that is possible through their add-on apps!</a:t>
+              <a:t>Software projects in a class setting can be chaotic without clear communication</a:t>
             </a:r>
           </a:p>
           <a:p>
@@ -2599,7 +2781,7 @@
             </a:pPr>
             <a:r>
               <a:rPr lang="en-US" sz="1200" dirty="0"/>
-              <a:t>There are thousands of useful apps that can be added to a Slack workspace that supports the task your group is trying to accomplish.</a:t>
+              <a:t>We are all learning and perhaps working with several new technologies for the first time. We are also learning HOW to learn in a fast-paced tech environment.</a:t>
             </a:r>
           </a:p>
           <a:p>
@@ -2616,11 +2798,17 @@
             </a:pPr>
             <a:r>
               <a:rPr lang="en-US" sz="1200" dirty="0"/>
-              <a:t>This customization allows for adaptation to different technologies and for an ever-changing Agile environment.</a:t>
+              <a:t>When our groups run into problems, Slack allows us to pinpoint the problem as a group and see the clear solution when someone finds it!</a:t>
             </a:r>
           </a:p>
           <a:p>
             <a:endParaRPr lang="en-US" dirty="0"/>
+          </a:p>
+          <a:p>
+            <a:r>
+              <a:rPr lang="en-US" dirty="0"/>
+              <a:t>(Dustin was able to pinpoint a problem with our Spring-Boot API and share what he found with our group. It was part of a dependency that we could manually exclude.)</a:t>
+            </a:r>
           </a:p>
         </p:txBody>
       </p:sp>
@@ -2688,7 +2876,7 @@
                 <a:tabLst/>
                 <a:defRPr/>
               </a:pPr>
-              <a:t>17</a:t>
+              <a:t>22</a:t>
             </a:fld>
             <a:endParaRPr kumimoji="0" lang="en-US" sz="1200" b="0" i="0" u="none" strike="noStrike" kern="1200" cap="none" spc="0" normalizeH="0" baseline="0" noProof="0">
               <a:ln>
@@ -2710,7 +2898,7 @@
     </p:spTree>
     <p:extLst>
       <p:ext uri="{BB962C8B-B14F-4D97-AF65-F5344CB8AC3E}">
-        <p14:creationId xmlns:p14="http://schemas.microsoft.com/office/powerpoint/2010/main" val="1117955501"/>
+        <p14:creationId xmlns:p14="http://schemas.microsoft.com/office/powerpoint/2010/main" val="3993838157"/>
       </p:ext>
     </p:extLst>
   </p:cSld>
@@ -2770,7 +2958,7 @@
             </a:pPr>
             <a:r>
               <a:rPr lang="en-US" sz="1200" dirty="0"/>
-              <a:t>How often have you gone to push your code only to see that you need to pull the new updated first?</a:t>
+              <a:t>Juggling different groups can quickly become a chore without the proper tools.</a:t>
             </a:r>
           </a:p>
           <a:p>
@@ -2787,7 +2975,7 @@
             </a:pPr>
             <a:r>
               <a:rPr lang="en-US" sz="1200" dirty="0"/>
-              <a:t>Some of our groups have utilized the GitHub plugin for Slack. This allows the group to be up to date with every update and change happening.</a:t>
+              <a:t>Slack allows you to have multiple workspaces at once, with a user-friendly UI to jump between all your groups.</a:t>
             </a:r>
           </a:p>
           <a:p>
@@ -2804,11 +2992,17 @@
             </a:pPr>
             <a:r>
               <a:rPr lang="en-US" sz="1200" dirty="0"/>
-              <a:t>This allows cohesion of progress updates when the group reconvenes to discuss the next steps!</a:t>
+              <a:t>Having clearly defined workspaces allows for easy transitioning from one group to another. </a:t>
             </a:r>
           </a:p>
           <a:p>
             <a:endParaRPr lang="en-US" dirty="0"/>
+          </a:p>
+          <a:p>
+            <a:r>
+              <a:rPr lang="en-US" dirty="0"/>
+              <a:t>(At FSCJ it can get to be a little much if you are taking multiple IT classes at the same time. Slack allows a handy workspace system to jump between your groups of peers.)</a:t>
+            </a:r>
           </a:p>
         </p:txBody>
       </p:sp>
@@ -2876,7 +3070,7 @@
                 <a:tabLst/>
                 <a:defRPr/>
               </a:pPr>
-              <a:t>18</a:t>
+              <a:t>23</a:t>
             </a:fld>
             <a:endParaRPr kumimoji="0" lang="en-US" sz="1200" b="0" i="0" u="none" strike="noStrike" kern="1200" cap="none" spc="0" normalizeH="0" baseline="0" noProof="0">
               <a:ln>
@@ -2898,7 +3092,7 @@
     </p:spTree>
     <p:extLst>
       <p:ext uri="{BB962C8B-B14F-4D97-AF65-F5344CB8AC3E}">
-        <p14:creationId xmlns:p14="http://schemas.microsoft.com/office/powerpoint/2010/main" val="2657851505"/>
+        <p14:creationId xmlns:p14="http://schemas.microsoft.com/office/powerpoint/2010/main" val="1973195403"/>
       </p:ext>
     </p:extLst>
   </p:cSld>
@@ -2958,7 +3152,7 @@
             </a:pPr>
             <a:r>
               <a:rPr lang="en-US" sz="1200" dirty="0"/>
-              <a:t>By utilizing the Slack Huddle feature our groups are able to have a live collaboration on demand.</a:t>
+              <a:t>One of the most noticeable things about Slack is the customization that is possible through their add-on apps!</a:t>
             </a:r>
           </a:p>
           <a:p>
@@ -2975,7 +3169,7 @@
             </a:pPr>
             <a:r>
               <a:rPr lang="en-US" sz="1200" dirty="0"/>
-              <a:t>If there is any confusion to the project at hand there can be clarification in the matter of seconds!</a:t>
+              <a:t>There are thousands of useful apps that can be added to a Slack workspace that supports the task your group is trying to accomplish.</a:t>
             </a:r>
           </a:p>
           <a:p>
@@ -2992,7 +3186,7 @@
             </a:pPr>
             <a:r>
               <a:rPr lang="en-US" sz="1200" dirty="0"/>
-              <a:t>The cliché goes that a picture speaks a thousands words. So 30fps screen sharing should speak about 30,000 words per second. (pause for laughter)</a:t>
+              <a:t>This customization allows for adaptation to different technologies and for an ever-changing Agile environment.</a:t>
             </a:r>
           </a:p>
           <a:p>
@@ -3064,7 +3258,7 @@
                 <a:tabLst/>
                 <a:defRPr/>
               </a:pPr>
-              <a:t>19</a:t>
+              <a:t>24</a:t>
             </a:fld>
             <a:endParaRPr kumimoji="0" lang="en-US" sz="1200" b="0" i="0" u="none" strike="noStrike" kern="1200" cap="none" spc="0" normalizeH="0" baseline="0" noProof="0">
               <a:ln>
@@ -3086,7 +3280,7 @@
     </p:spTree>
     <p:extLst>
       <p:ext uri="{BB962C8B-B14F-4D97-AF65-F5344CB8AC3E}">
-        <p14:creationId xmlns:p14="http://schemas.microsoft.com/office/powerpoint/2010/main" val="3548995294"/>
+        <p14:creationId xmlns:p14="http://schemas.microsoft.com/office/powerpoint/2010/main" val="1117955501"/>
       </p:ext>
     </p:extLst>
   </p:cSld>
@@ -3146,31 +3340,7 @@
             </a:pPr>
             <a:r>
               <a:rPr lang="en-US" sz="1200" dirty="0"/>
-              <a:t>Sometimes our computer notifications can cause a bit of a stressful spike in our bodies when we hear that jingle or notification noise. (pop </a:t>
-            </a:r>
-            <a:r>
-              <a:rPr lang="en-US" sz="1200" dirty="0" err="1"/>
-              <a:t>pop</a:t>
-            </a:r>
-            <a:r>
-              <a:rPr lang="en-US" sz="1200" dirty="0"/>
-              <a:t> </a:t>
-            </a:r>
-            <a:r>
-              <a:rPr lang="en-US" sz="1200" dirty="0" err="1"/>
-              <a:t>pop</a:t>
-            </a:r>
-            <a:r>
-              <a:rPr lang="en-US" sz="1200" dirty="0"/>
-              <a:t> brush </a:t>
-            </a:r>
-            <a:r>
-              <a:rPr lang="en-US" sz="1200" dirty="0" err="1"/>
-              <a:t>brush</a:t>
-            </a:r>
-            <a:r>
-              <a:rPr lang="en-US" sz="1200" dirty="0"/>
-              <a:t> brush)</a:t>
+              <a:t>How often have you gone to push your code only to see that you need to pull the new updated first?</a:t>
             </a:r>
           </a:p>
           <a:p>
@@ -3187,7 +3357,7 @@
             </a:pPr>
             <a:r>
               <a:rPr lang="en-US" sz="1200" dirty="0"/>
-              <a:t>In a healthy group setting, those notifications can perk you up and bring motivation to your work-flow!</a:t>
+              <a:t>Some of our groups have utilized the GitHub plugin for Slack. This allows the group to be up to date with every update and change happening.</a:t>
             </a:r>
           </a:p>
           <a:p>
@@ -3204,7 +3374,7 @@
             </a:pPr>
             <a:r>
               <a:rPr lang="en-US" sz="1200" dirty="0"/>
-              <a:t>Efficiency is always important, especially in the tech world. However, we find our group is most efficient when we are all laughing with each other.</a:t>
+              <a:t>This allows cohesion of progress updates when the group reconvenes to discuss the next steps!</a:t>
             </a:r>
           </a:p>
           <a:p>
@@ -3276,7 +3446,7 @@
                 <a:tabLst/>
                 <a:defRPr/>
               </a:pPr>
-              <a:t>20</a:t>
+              <a:t>25</a:t>
             </a:fld>
             <a:endParaRPr kumimoji="0" lang="en-US" sz="1200" b="0" i="0" u="none" strike="noStrike" kern="1200" cap="none" spc="0" normalizeH="0" baseline="0" noProof="0">
               <a:ln>
@@ -3298,7 +3468,7 @@
     </p:spTree>
     <p:extLst>
       <p:ext uri="{BB962C8B-B14F-4D97-AF65-F5344CB8AC3E}">
-        <p14:creationId xmlns:p14="http://schemas.microsoft.com/office/powerpoint/2010/main" val="2785805056"/>
+        <p14:creationId xmlns:p14="http://schemas.microsoft.com/office/powerpoint/2010/main" val="2657851505"/>
       </p:ext>
     </p:extLst>
   </p:cSld>
@@ -3352,7 +3522,51 @@
           <a:bodyPr/>
           <a:lstStyle/>
           <a:p>
-            <a:endParaRPr lang="en-US"/>
+            <a:pPr marL="285750" indent="-285750">
+              <a:buFont typeface="Arial" panose="020B0604020202020204" pitchFamily="34" charset="0"/>
+              <a:buChar char="•"/>
+            </a:pPr>
+            <a:r>
+              <a:rPr lang="en-US" sz="1200" dirty="0"/>
+              <a:t>By utilizing the Slack Huddle feature our groups are able to have a live collaboration on demand.</a:t>
+            </a:r>
+          </a:p>
+          <a:p>
+            <a:pPr marL="285750" indent="-285750">
+              <a:buFont typeface="Arial" panose="020B0604020202020204" pitchFamily="34" charset="0"/>
+              <a:buChar char="•"/>
+            </a:pPr>
+            <a:endParaRPr lang="en-US" sz="1200" dirty="0"/>
+          </a:p>
+          <a:p>
+            <a:pPr marL="285750" indent="-285750">
+              <a:buFont typeface="Arial" panose="020B0604020202020204" pitchFamily="34" charset="0"/>
+              <a:buChar char="•"/>
+            </a:pPr>
+            <a:r>
+              <a:rPr lang="en-US" sz="1200" dirty="0"/>
+              <a:t>If there is any confusion to the project at hand there can be clarification in the matter of seconds!</a:t>
+            </a:r>
+          </a:p>
+          <a:p>
+            <a:pPr marL="285750" indent="-285750">
+              <a:buFont typeface="Arial" panose="020B0604020202020204" pitchFamily="34" charset="0"/>
+              <a:buChar char="•"/>
+            </a:pPr>
+            <a:endParaRPr lang="en-US" sz="1200" dirty="0"/>
+          </a:p>
+          <a:p>
+            <a:pPr marL="285750" indent="-285750">
+              <a:buFont typeface="Arial" panose="020B0604020202020204" pitchFamily="34" charset="0"/>
+              <a:buChar char="•"/>
+            </a:pPr>
+            <a:r>
+              <a:rPr lang="en-US" sz="1200" dirty="0"/>
+              <a:t>The cliché goes that a picture speaks a thousands words. So 30fps screen sharing should speak about 30,000 words per second. (pause for laughter)</a:t>
+            </a:r>
+          </a:p>
+          <a:p>
+            <a:endParaRPr lang="en-US" dirty="0"/>
           </a:p>
         </p:txBody>
       </p:sp>
@@ -3371,18 +3585,290 @@
           <a:bodyPr/>
           <a:lstStyle/>
           <a:p>
-            <a:fld id="{FCFED414-B8BD-4977-925E-1C2AFAB354A8}" type="slidenum">
-              <a:rPr lang="en-US" smtClean="0"/>
-              <a:t>21</a:t>
+            <a:pPr marL="0" marR="0" lvl="0" indent="0" algn="r" defTabSz="914400" rtl="0" eaLnBrk="1" fontAlgn="auto" latinLnBrk="0" hangingPunct="1">
+              <a:lnSpc>
+                <a:spcPct val="100000"/>
+              </a:lnSpc>
+              <a:spcBef>
+                <a:spcPts val="0"/>
+              </a:spcBef>
+              <a:spcAft>
+                <a:spcPts val="0"/>
+              </a:spcAft>
+              <a:buClrTx/>
+              <a:buSzTx/>
+              <a:buFontTx/>
+              <a:buNone/>
+              <a:tabLst/>
+              <a:defRPr/>
+            </a:pPr>
+            <a:fld id="{AE9ECEFE-5C53-4261-924B-F0AA5F7E0BB8}" type="slidenum">
+              <a:rPr kumimoji="0" lang="en-US" sz="1200" b="0" i="0" u="none" strike="noStrike" kern="1200" cap="none" spc="0" normalizeH="0" baseline="0" noProof="0" smtClean="0">
+                <a:ln>
+                  <a:noFill/>
+                </a:ln>
+                <a:solidFill>
+                  <a:prstClr val="black"/>
+                </a:solidFill>
+                <a:effectLst/>
+                <a:uLnTx/>
+                <a:uFillTx/>
+                <a:latin typeface="Calibri" panose="020F0502020204030204"/>
+                <a:ea typeface="+mn-ea"/>
+                <a:cs typeface="+mn-cs"/>
+              </a:rPr>
+              <a:pPr marL="0" marR="0" lvl="0" indent="0" algn="r" defTabSz="914400" rtl="0" eaLnBrk="1" fontAlgn="auto" latinLnBrk="0" hangingPunct="1">
+                <a:lnSpc>
+                  <a:spcPct val="100000"/>
+                </a:lnSpc>
+                <a:spcBef>
+                  <a:spcPts val="0"/>
+                </a:spcBef>
+                <a:spcAft>
+                  <a:spcPts val="0"/>
+                </a:spcAft>
+                <a:buClrTx/>
+                <a:buSzTx/>
+                <a:buFontTx/>
+                <a:buNone/>
+                <a:tabLst/>
+                <a:defRPr/>
+              </a:pPr>
+              <a:t>26</a:t>
             </a:fld>
-            <a:endParaRPr lang="en-US"/>
+            <a:endParaRPr kumimoji="0" lang="en-US" sz="1200" b="0" i="0" u="none" strike="noStrike" kern="1200" cap="none" spc="0" normalizeH="0" baseline="0" noProof="0">
+              <a:ln>
+                <a:noFill/>
+              </a:ln>
+              <a:solidFill>
+                <a:prstClr val="black"/>
+              </a:solidFill>
+              <a:effectLst/>
+              <a:uLnTx/>
+              <a:uFillTx/>
+              <a:latin typeface="Calibri" panose="020F0502020204030204"/>
+              <a:ea typeface="+mn-ea"/>
+              <a:cs typeface="+mn-cs"/>
+            </a:endParaRPr>
           </a:p>
         </p:txBody>
       </p:sp>
     </p:spTree>
     <p:extLst>
       <p:ext uri="{BB962C8B-B14F-4D97-AF65-F5344CB8AC3E}">
-        <p14:creationId xmlns:p14="http://schemas.microsoft.com/office/powerpoint/2010/main" val="4052855905"/>
+        <p14:creationId xmlns:p14="http://schemas.microsoft.com/office/powerpoint/2010/main" val="3548995294"/>
+      </p:ext>
+    </p:extLst>
+  </p:cSld>
+  <p:clrMapOvr>
+    <a:masterClrMapping/>
+  </p:clrMapOvr>
+</p:notes>
+</file>
+
+<file path=ppt/notesSlides/notesSlide9.xml><?xml version="1.0" encoding="utf-8"?>
+<p:notes xmlns:a="http://schemas.openxmlformats.org/drawingml/2006/main" xmlns:r="http://schemas.openxmlformats.org/officeDocument/2006/relationships" xmlns:p="http://schemas.openxmlformats.org/presentationml/2006/main">
+  <p:cSld>
+    <p:spTree>
+      <p:nvGrpSpPr>
+        <p:cNvPr id="1" name=""/>
+        <p:cNvGrpSpPr/>
+        <p:nvPr/>
+      </p:nvGrpSpPr>
+      <p:grpSpPr>
+        <a:xfrm>
+          <a:off x="0" y="0"/>
+          <a:ext cx="0" cy="0"/>
+          <a:chOff x="0" y="0"/>
+          <a:chExt cx="0" cy="0"/>
+        </a:xfrm>
+      </p:grpSpPr>
+      <p:sp>
+        <p:nvSpPr>
+          <p:cNvPr id="2" name="Slide Image Placeholder 1"/>
+          <p:cNvSpPr>
+            <a:spLocks noGrp="1" noRot="1" noChangeAspect="1"/>
+          </p:cNvSpPr>
+          <p:nvPr>
+            <p:ph type="sldImg"/>
+          </p:nvPr>
+        </p:nvSpPr>
+        <p:spPr/>
+      </p:sp>
+      <p:sp>
+        <p:nvSpPr>
+          <p:cNvPr id="3" name="Notes Placeholder 2"/>
+          <p:cNvSpPr>
+            <a:spLocks noGrp="1"/>
+          </p:cNvSpPr>
+          <p:nvPr>
+            <p:ph type="body" idx="1"/>
+          </p:nvPr>
+        </p:nvSpPr>
+        <p:spPr/>
+        <p:txBody>
+          <a:bodyPr/>
+          <a:lstStyle/>
+          <a:p>
+            <a:pPr marL="285750" indent="-285750">
+              <a:buFont typeface="Arial" panose="020B0604020202020204" pitchFamily="34" charset="0"/>
+              <a:buChar char="•"/>
+            </a:pPr>
+            <a:r>
+              <a:rPr lang="en-US" sz="1200" dirty="0"/>
+              <a:t>Sometimes our computer notifications can cause a bit of a stressful spike in our bodies when we hear that jingle or notification noise. (pop </a:t>
+            </a:r>
+            <a:r>
+              <a:rPr lang="en-US" sz="1200" dirty="0" err="1"/>
+              <a:t>pop</a:t>
+            </a:r>
+            <a:r>
+              <a:rPr lang="en-US" sz="1200" dirty="0"/>
+              <a:t> </a:t>
+            </a:r>
+            <a:r>
+              <a:rPr lang="en-US" sz="1200" dirty="0" err="1"/>
+              <a:t>pop</a:t>
+            </a:r>
+            <a:r>
+              <a:rPr lang="en-US" sz="1200" dirty="0"/>
+              <a:t> brush </a:t>
+            </a:r>
+            <a:r>
+              <a:rPr lang="en-US" sz="1200" dirty="0" err="1"/>
+              <a:t>brush</a:t>
+            </a:r>
+            <a:r>
+              <a:rPr lang="en-US" sz="1200" dirty="0"/>
+              <a:t> brush)</a:t>
+            </a:r>
+          </a:p>
+          <a:p>
+            <a:pPr marL="285750" indent="-285750">
+              <a:buFont typeface="Arial" panose="020B0604020202020204" pitchFamily="34" charset="0"/>
+              <a:buChar char="•"/>
+            </a:pPr>
+            <a:endParaRPr lang="en-US" sz="1200" dirty="0"/>
+          </a:p>
+          <a:p>
+            <a:pPr marL="285750" indent="-285750">
+              <a:buFont typeface="Arial" panose="020B0604020202020204" pitchFamily="34" charset="0"/>
+              <a:buChar char="•"/>
+            </a:pPr>
+            <a:r>
+              <a:rPr lang="en-US" sz="1200" dirty="0"/>
+              <a:t>In a healthy group setting, those notifications can perk you up and bring motivation to your work-flow!</a:t>
+            </a:r>
+          </a:p>
+          <a:p>
+            <a:pPr marL="285750" indent="-285750">
+              <a:buFont typeface="Arial" panose="020B0604020202020204" pitchFamily="34" charset="0"/>
+              <a:buChar char="•"/>
+            </a:pPr>
+            <a:endParaRPr lang="en-US" sz="1200" dirty="0"/>
+          </a:p>
+          <a:p>
+            <a:pPr marL="285750" indent="-285750">
+              <a:buFont typeface="Arial" panose="020B0604020202020204" pitchFamily="34" charset="0"/>
+              <a:buChar char="•"/>
+            </a:pPr>
+            <a:r>
+              <a:rPr lang="en-US" sz="1200" dirty="0"/>
+              <a:t>Efficiency is always important, especially in the tech world. However, we find our group is most efficient when we are all laughing with each other.</a:t>
+            </a:r>
+          </a:p>
+          <a:p>
+            <a:endParaRPr lang="en-US" dirty="0"/>
+          </a:p>
+        </p:txBody>
+      </p:sp>
+      <p:sp>
+        <p:nvSpPr>
+          <p:cNvPr id="4" name="Slide Number Placeholder 3"/>
+          <p:cNvSpPr>
+            <a:spLocks noGrp="1"/>
+          </p:cNvSpPr>
+          <p:nvPr>
+            <p:ph type="sldNum" sz="quarter" idx="5"/>
+          </p:nvPr>
+        </p:nvSpPr>
+        <p:spPr/>
+        <p:txBody>
+          <a:bodyPr/>
+          <a:lstStyle/>
+          <a:p>
+            <a:pPr marL="0" marR="0" lvl="0" indent="0" algn="r" defTabSz="914400" rtl="0" eaLnBrk="1" fontAlgn="auto" latinLnBrk="0" hangingPunct="1">
+              <a:lnSpc>
+                <a:spcPct val="100000"/>
+              </a:lnSpc>
+              <a:spcBef>
+                <a:spcPts val="0"/>
+              </a:spcBef>
+              <a:spcAft>
+                <a:spcPts val="0"/>
+              </a:spcAft>
+              <a:buClrTx/>
+              <a:buSzTx/>
+              <a:buFontTx/>
+              <a:buNone/>
+              <a:tabLst/>
+              <a:defRPr/>
+            </a:pPr>
+            <a:fld id="{AE9ECEFE-5C53-4261-924B-F0AA5F7E0BB8}" type="slidenum">
+              <a:rPr kumimoji="0" lang="en-US" sz="1200" b="0" i="0" u="none" strike="noStrike" kern="1200" cap="none" spc="0" normalizeH="0" baseline="0" noProof="0" smtClean="0">
+                <a:ln>
+                  <a:noFill/>
+                </a:ln>
+                <a:solidFill>
+                  <a:prstClr val="black"/>
+                </a:solidFill>
+                <a:effectLst/>
+                <a:uLnTx/>
+                <a:uFillTx/>
+                <a:latin typeface="Calibri" panose="020F0502020204030204"/>
+                <a:ea typeface="+mn-ea"/>
+                <a:cs typeface="+mn-cs"/>
+              </a:rPr>
+              <a:pPr marL="0" marR="0" lvl="0" indent="0" algn="r" defTabSz="914400" rtl="0" eaLnBrk="1" fontAlgn="auto" latinLnBrk="0" hangingPunct="1">
+                <a:lnSpc>
+                  <a:spcPct val="100000"/>
+                </a:lnSpc>
+                <a:spcBef>
+                  <a:spcPts val="0"/>
+                </a:spcBef>
+                <a:spcAft>
+                  <a:spcPts val="0"/>
+                </a:spcAft>
+                <a:buClrTx/>
+                <a:buSzTx/>
+                <a:buFontTx/>
+                <a:buNone/>
+                <a:tabLst/>
+                <a:defRPr/>
+              </a:pPr>
+              <a:t>27</a:t>
+            </a:fld>
+            <a:endParaRPr kumimoji="0" lang="en-US" sz="1200" b="0" i="0" u="none" strike="noStrike" kern="1200" cap="none" spc="0" normalizeH="0" baseline="0" noProof="0">
+              <a:ln>
+                <a:noFill/>
+              </a:ln>
+              <a:solidFill>
+                <a:prstClr val="black"/>
+              </a:solidFill>
+              <a:effectLst/>
+              <a:uLnTx/>
+              <a:uFillTx/>
+              <a:latin typeface="Calibri" panose="020F0502020204030204"/>
+              <a:ea typeface="+mn-ea"/>
+              <a:cs typeface="+mn-cs"/>
+            </a:endParaRPr>
+          </a:p>
+        </p:txBody>
+      </p:sp>
+    </p:spTree>
+    <p:extLst>
+      <p:ext uri="{BB962C8B-B14F-4D97-AF65-F5344CB8AC3E}">
+        <p14:creationId xmlns:p14="http://schemas.microsoft.com/office/powerpoint/2010/main" val="2785805056"/>
       </p:ext>
     </p:extLst>
   </p:cSld>
@@ -3883,7 +4369,7 @@
           <a:p>
             <a:fld id="{8F7D2F49-1857-4E7D-8050-DC698401AAB7}" type="datetimeFigureOut">
               <a:rPr lang="en-US" smtClean="0"/>
-              <a:t>7/27/2024</a:t>
+              <a:t>7/30/2024</a:t>
             </a:fld>
             <a:endParaRPr lang="en-US"/>
           </a:p>
@@ -5230,7 +5716,7 @@
           <a:p>
             <a:fld id="{8F7D2F49-1857-4E7D-8050-DC698401AAB7}" type="datetimeFigureOut">
               <a:rPr lang="en-US" smtClean="0"/>
-              <a:t>7/27/2024</a:t>
+              <a:t>7/30/2024</a:t>
             </a:fld>
             <a:endParaRPr lang="en-US"/>
           </a:p>
@@ -6685,7 +7171,33 @@
                 <a:ea typeface="+mn-ea"/>
                 <a:cs typeface="+mn-cs"/>
               </a:rPr>
-              <a:t>While we conducted a survey with a total of eight questions to understand students’ experiences with Slack, our primary focus was on identifying the specific benefits students feel Slack provides. Here are two key questions from the survey:</a:t>
+              <a:t>We conducted a survey with a total of eight questions to understand students’ experiences with Slack. </a:t>
+            </a:r>
+            <a:r>
+              <a:rPr lang="en-US" sz="2000" dirty="0">
+                <a:solidFill>
+                  <a:srgbClr val="007598"/>
+                </a:solidFill>
+                <a:latin typeface="Calibri" panose="020F0502020204030204"/>
+              </a:rPr>
+              <a:t>The</a:t>
+            </a:r>
+            <a:r>
+              <a:rPr kumimoji="0" lang="en-US" sz="2000" b="0" u="none" strike="noStrike" kern="1200" cap="none" spc="0" normalizeH="0" baseline="0" noProof="0" dirty="0">
+                <a:ln>
+                  <a:noFill/>
+                </a:ln>
+                <a:solidFill>
+                  <a:srgbClr val="007598"/>
+                </a:solidFill>
+                <a:effectLst/>
+                <a:uLnTx/>
+                <a:uFillTx/>
+                <a:latin typeface="Calibri" panose="020F0502020204030204"/>
+                <a:ea typeface="+mn-ea"/>
+                <a:cs typeface="+mn-cs"/>
+              </a:rPr>
+              <a:t> primary focus was on identifying the specific benefits students feel Slack provides. Here are two key questions from the survey:</a:t>
             </a:r>
           </a:p>
           <a:p>
@@ -6719,7 +7231,7 @@
                 <a:ea typeface="+mj-ea"/>
                 <a:cs typeface="+mj-cs"/>
               </a:rPr>
-              <a:t>How has your educational experience benefited from using Slack?</a:t>
+              <a:t>How has your educational experience benefitted from using Slack?</a:t>
             </a:r>
           </a:p>
           <a:p>
@@ -6993,7 +7505,7 @@
         <p:spPr>
           <a:xfrm>
             <a:off x="907983" y="990346"/>
-            <a:ext cx="10376034" cy="4313104"/>
+            <a:ext cx="10376034" cy="2518253"/>
           </a:xfrm>
           <a:prstGeom prst="rect">
             <a:avLst/>
@@ -7024,7 +7536,7 @@
               <a:defRPr/>
             </a:pPr>
             <a:r>
-              <a:rPr kumimoji="0" lang="en-US" sz="1400" b="0" i="0" u="none" strike="noStrike" kern="1200" cap="none" spc="0" normalizeH="0" baseline="0" noProof="0" dirty="0">
+              <a:rPr kumimoji="0" lang="en-US" b="0" i="0" u="none" strike="noStrike" kern="1200" cap="none" spc="0" normalizeH="0" baseline="0" noProof="0" dirty="0">
                 <a:ln>
                   <a:noFill/>
                 </a:ln>
@@ -7040,9 +7552,110 @@
                 <a:ea typeface="Aptos" panose="020B0004020202020204" pitchFamily="34" charset="0"/>
                 <a:cs typeface="+mn-cs"/>
               </a:rPr>
-              <a:t>More than half of the respondents found Slack beneficial across various value data points. Notably, the lowest added benefit identified was “Assistance with Assignments,” is subjective and could be interesting to explore further through a query comparing “Ask” versus “Response.” Regarding Collaboration, it might be valuable to conduct a more focused query to assess a student’s Slack presence, comfort in asking for help, and comfort in responding.</a:t>
-            </a:r>
-            <a:endParaRPr kumimoji="0" lang="en-US" sz="1200" b="0" i="0" u="none" strike="noStrike" kern="1200" cap="none" spc="0" normalizeH="0" baseline="0" noProof="0" dirty="0">
+              <a:t>More than half of the respondents found Slack beneficial across various value data points. </a:t>
+            </a:r>
+          </a:p>
+          <a:p>
+            <a:pPr marL="742950" marR="0" lvl="0" indent="-285750" algn="l" defTabSz="914400" rtl="0" eaLnBrk="1" fontAlgn="auto" latinLnBrk="0" hangingPunct="1">
+              <a:lnSpc>
+                <a:spcPct val="106000"/>
+              </a:lnSpc>
+              <a:spcBef>
+                <a:spcPts val="0"/>
+              </a:spcBef>
+              <a:spcAft>
+                <a:spcPts val="0"/>
+              </a:spcAft>
+              <a:buClrTx/>
+              <a:buSzTx/>
+              <a:buFont typeface="Wingdings" panose="05000000000000000000" pitchFamily="2" charset="2"/>
+              <a:buChar char="v"/>
+              <a:tabLst/>
+              <a:defRPr/>
+            </a:pPr>
+            <a:endParaRPr lang="en-US" dirty="0">
+              <a:solidFill>
+                <a:srgbClr val="007598">
+                  <a:lumMod val="50000"/>
+                </a:srgbClr>
+              </a:solidFill>
+              <a:latin typeface="Aptos" panose="020B0004020202020204" pitchFamily="34" charset="0"/>
+              <a:ea typeface="Aptos" panose="020B0004020202020204" pitchFamily="34" charset="0"/>
+            </a:endParaRPr>
+          </a:p>
+          <a:p>
+            <a:pPr marL="742950" marR="0" lvl="0" indent="-285750" algn="l" defTabSz="914400" rtl="0" eaLnBrk="1" fontAlgn="auto" latinLnBrk="0" hangingPunct="1">
+              <a:lnSpc>
+                <a:spcPct val="106000"/>
+              </a:lnSpc>
+              <a:spcBef>
+                <a:spcPts val="0"/>
+              </a:spcBef>
+              <a:spcAft>
+                <a:spcPts val="0"/>
+              </a:spcAft>
+              <a:buClrTx/>
+              <a:buSzTx/>
+              <a:buFont typeface="Wingdings" panose="05000000000000000000" pitchFamily="2" charset="2"/>
+              <a:buChar char="v"/>
+              <a:tabLst/>
+              <a:defRPr/>
+            </a:pPr>
+            <a:r>
+              <a:rPr kumimoji="0" lang="en-US" b="0" i="0" u="none" strike="noStrike" kern="1200" cap="none" spc="0" normalizeH="0" baseline="0" noProof="0" dirty="0">
+                <a:ln>
+                  <a:noFill/>
+                </a:ln>
+                <a:solidFill>
+                  <a:srgbClr val="007598">
+                    <a:lumMod val="50000"/>
+                  </a:srgbClr>
+                </a:solidFill>
+                <a:effectLst/>
+                <a:uLnTx/>
+                <a:uFillTx/>
+                <a:latin typeface="Aptos" panose="020B0004020202020204" pitchFamily="34" charset="0"/>
+                <a:ea typeface="Aptos" panose="020B0004020202020204" pitchFamily="34" charset="0"/>
+                <a:cs typeface="+mn-cs"/>
+              </a:rPr>
+              <a:t>Notably, the lowest added benefit identified was “Assistance with Assignments,” is subjective and could be interesting to explore further through a query comparing “Ask” versus “Response.” Regarding Collaboration, it might be valuable to conduct a more focused query to assess a student’s Slack presence, comfort in asking for help, and comfort in responding.</a:t>
+            </a:r>
+            <a:endParaRPr kumimoji="0" lang="en-US" b="0" i="0" u="none" strike="noStrike" kern="1200" cap="none" spc="0" normalizeH="0" baseline="0" noProof="0" dirty="0">
+              <a:ln>
+                <a:noFill/>
+              </a:ln>
+              <a:solidFill>
+                <a:srgbClr val="007598">
+                  <a:lumMod val="50000"/>
+                </a:srgbClr>
+              </a:solidFill>
+              <a:effectLst/>
+              <a:uLnTx/>
+              <a:uFillTx/>
+              <a:latin typeface="Times New Roman" panose="02020603050405020304" pitchFamily="18" charset="0"/>
+              <a:ea typeface="Times New Roman" panose="02020603050405020304" pitchFamily="18" charset="0"/>
+              <a:cs typeface="+mn-cs"/>
+            </a:endParaRPr>
+          </a:p>
+          <a:p>
+            <a:pPr marL="457200" marR="0" lvl="0" indent="0" algn="l" defTabSz="914400" rtl="0" eaLnBrk="1" fontAlgn="auto" latinLnBrk="0" hangingPunct="1">
+              <a:lnSpc>
+                <a:spcPct val="106000"/>
+              </a:lnSpc>
+              <a:spcBef>
+                <a:spcPts val="0"/>
+              </a:spcBef>
+              <a:spcAft>
+                <a:spcPts val="0"/>
+              </a:spcAft>
+              <a:buClrTx/>
+              <a:buSzTx/>
+              <a:buFontTx/>
+              <a:buNone/>
+              <a:tabLst/>
+              <a:defRPr/>
+            </a:pPr>
+            <a:endParaRPr kumimoji="0" lang="en-US" b="0" i="0" u="none" strike="noStrike" kern="1200" cap="none" spc="0" normalizeH="0" baseline="0" noProof="0" dirty="0">
               <a:ln>
                 <a:noFill/>
               </a:ln>
@@ -7095,6 +7708,98 @@
             </a:endParaRPr>
           </a:p>
           <a:p>
+            <a:pPr marL="628650" marR="0" lvl="0" indent="-171450" algn="l" defTabSz="914400" rtl="0" eaLnBrk="1" fontAlgn="auto" latinLnBrk="0" hangingPunct="1">
+              <a:lnSpc>
+                <a:spcPct val="107000"/>
+              </a:lnSpc>
+              <a:spcBef>
+                <a:spcPts val="0"/>
+              </a:spcBef>
+              <a:spcAft>
+                <a:spcPts val="0"/>
+              </a:spcAft>
+              <a:buClrTx/>
+              <a:buSzTx/>
+              <a:buFont typeface="Wingdings" panose="05000000000000000000" pitchFamily="2" charset="2"/>
+              <a:buChar char="v"/>
+              <a:tabLst/>
+              <a:defRPr/>
+            </a:pPr>
+            <a:endParaRPr kumimoji="0" lang="en-US" sz="1100" b="0" i="0" u="none" strike="noStrike" kern="100" cap="none" spc="0" normalizeH="0" baseline="0" noProof="0" dirty="0">
+              <a:ln>
+                <a:noFill/>
+              </a:ln>
+              <a:solidFill>
+                <a:prstClr val="black"/>
+              </a:solidFill>
+              <a:effectLst/>
+              <a:uLnTx/>
+              <a:uFillTx/>
+              <a:latin typeface="Aptos" panose="020B0004020202020204" pitchFamily="34" charset="0"/>
+              <a:ea typeface="Aptos" panose="020B0004020202020204" pitchFamily="34" charset="0"/>
+              <a:cs typeface="Times New Roman" panose="02020603050405020304" pitchFamily="18" charset="0"/>
+            </a:endParaRPr>
+          </a:p>
+        </p:txBody>
+      </p:sp>
+    </p:spTree>
+    <p:extLst>
+      <p:ext uri="{BB962C8B-B14F-4D97-AF65-F5344CB8AC3E}">
+        <p14:creationId xmlns:p14="http://schemas.microsoft.com/office/powerpoint/2010/main" val="1246754225"/>
+      </p:ext>
+    </p:extLst>
+  </p:cSld>
+  <p:clrMapOvr>
+    <a:masterClrMapping/>
+  </p:clrMapOvr>
+</p:sld>
+</file>
+
+<file path=ppt/slides/slide14.xml><?xml version="1.0" encoding="utf-8"?>
+<p:sld xmlns:a="http://schemas.openxmlformats.org/drawingml/2006/main" xmlns:r="http://schemas.openxmlformats.org/officeDocument/2006/relationships" xmlns:p="http://schemas.openxmlformats.org/presentationml/2006/main">
+  <p:cSld>
+    <p:spTree>
+      <p:nvGrpSpPr>
+        <p:cNvPr id="1" name=""/>
+        <p:cNvGrpSpPr/>
+        <p:nvPr/>
+      </p:nvGrpSpPr>
+      <p:grpSpPr>
+        <a:xfrm>
+          <a:off x="0" y="0"/>
+          <a:ext cx="0" cy="0"/>
+          <a:chOff x="0" y="0"/>
+          <a:chExt cx="0" cy="0"/>
+        </a:xfrm>
+      </p:grpSpPr>
+      <p:sp>
+        <p:nvSpPr>
+          <p:cNvPr id="8" name="TextBox 7">
+            <a:extLst>
+              <a:ext uri="{FF2B5EF4-FFF2-40B4-BE49-F238E27FC236}">
+                <a16:creationId xmlns:a16="http://schemas.microsoft.com/office/drawing/2014/main" id="{A180AD3A-5A89-B9DB-E16B-C481A20532CD}"/>
+              </a:ext>
+            </a:extLst>
+          </p:cNvPr>
+          <p:cNvSpPr txBox="1"/>
+          <p:nvPr/>
+        </p:nvSpPr>
+        <p:spPr>
+          <a:xfrm>
+            <a:off x="907983" y="990346"/>
+            <a:ext cx="10376034" cy="3986284"/>
+          </a:xfrm>
+          <a:prstGeom prst="rect">
+            <a:avLst/>
+          </a:prstGeom>
+          <a:noFill/>
+        </p:spPr>
+        <p:txBody>
+          <a:bodyPr wrap="square">
+            <a:spAutoFit/>
+          </a:bodyPr>
+          <a:lstStyle/>
+          <a:p>
             <a:pPr marL="742950" marR="0" lvl="0" indent="-285750" algn="l" defTabSz="914400" rtl="0" eaLnBrk="1" fontAlgn="auto" latinLnBrk="0" hangingPunct="1">
               <a:lnSpc>
                 <a:spcPct val="106000"/>
@@ -7113,7 +7818,7 @@
               <a:defRPr/>
             </a:pPr>
             <a:r>
-              <a:rPr kumimoji="0" lang="en-US" sz="1400" b="0" i="0" u="none" strike="noStrike" kern="1200" cap="none" spc="0" normalizeH="0" baseline="0" noProof="0" dirty="0">
+              <a:rPr kumimoji="0" lang="en-US" b="0" i="0" u="none" strike="noStrike" kern="1200" cap="none" spc="0" normalizeH="0" baseline="0" noProof="0" dirty="0">
                 <a:ln>
                   <a:noFill/>
                 </a:ln>
@@ -7127,11 +7832,205 @@
                 <a:uFillTx/>
                 <a:latin typeface="Aptos" panose="020B0004020202020204" pitchFamily="34" charset="0"/>
                 <a:ea typeface="Aptos" panose="020B0004020202020204" pitchFamily="34" charset="0"/>
-                <a:cs typeface="+mn-cs"/>
               </a:rPr>
-              <a:t>Focusing on soft skills, our survey revealed that three out of ten students did not perceive soft skills as an added benefit of using Slack. This is an intriguing response, as many students without professional work experience may not fully understand the term “soft skills” or recognize their importance for career growth. By adhering to social and school constructs and codes of conduct, students are practicing these skills daily. As we progress in our careers, often without direct communication, hiring managers are increasingly focusing on the soft skills of potential candidates, which could significantly impact their employability.</a:t>
-            </a:r>
-            <a:endParaRPr kumimoji="0" lang="en-US" sz="1200" b="0" i="0" u="none" strike="noStrike" kern="1200" cap="none" spc="0" normalizeH="0" baseline="0" noProof="0" dirty="0">
+              <a:t>Focusing on soft skills, our survey revealed that three out of ten students did not perceive soft skills as an added benefit of using Slack. </a:t>
+            </a:r>
+          </a:p>
+          <a:p>
+            <a:pPr marL="742950" marR="0" lvl="0" indent="-285750" algn="l" defTabSz="914400" rtl="0" eaLnBrk="1" fontAlgn="auto" latinLnBrk="0" hangingPunct="1">
+              <a:lnSpc>
+                <a:spcPct val="106000"/>
+              </a:lnSpc>
+              <a:spcBef>
+                <a:spcPts val="0"/>
+              </a:spcBef>
+              <a:spcAft>
+                <a:spcPts val="0"/>
+              </a:spcAft>
+              <a:buClrTx/>
+              <a:buSzTx/>
+              <a:buFont typeface="Wingdings" panose="05000000000000000000" pitchFamily="2" charset="2"/>
+              <a:buChar char="v"/>
+              <a:tabLst/>
+              <a:defRPr/>
+            </a:pPr>
+            <a:endParaRPr lang="en-US" dirty="0">
+              <a:solidFill>
+                <a:srgbClr val="007598">
+                  <a:lumMod val="50000"/>
+                </a:srgbClr>
+              </a:solidFill>
+              <a:latin typeface="Aptos" panose="020B0004020202020204" pitchFamily="34" charset="0"/>
+              <a:ea typeface="Aptos" panose="020B0004020202020204" pitchFamily="34" charset="0"/>
+            </a:endParaRPr>
+          </a:p>
+          <a:p>
+            <a:pPr marL="742950" marR="0" lvl="0" indent="-285750" algn="l" defTabSz="914400" rtl="0" eaLnBrk="1" fontAlgn="auto" latinLnBrk="0" hangingPunct="1">
+              <a:lnSpc>
+                <a:spcPct val="106000"/>
+              </a:lnSpc>
+              <a:spcBef>
+                <a:spcPts val="0"/>
+              </a:spcBef>
+              <a:spcAft>
+                <a:spcPts val="0"/>
+              </a:spcAft>
+              <a:buClrTx/>
+              <a:buSzTx/>
+              <a:buFont typeface="Wingdings" panose="05000000000000000000" pitchFamily="2" charset="2"/>
+              <a:buChar char="v"/>
+              <a:tabLst/>
+              <a:defRPr/>
+            </a:pPr>
+            <a:r>
+              <a:rPr kumimoji="0" lang="en-US" b="0" i="0" u="none" strike="noStrike" kern="1200" cap="none" spc="0" normalizeH="0" baseline="0" noProof="0" dirty="0">
+                <a:ln>
+                  <a:noFill/>
+                </a:ln>
+                <a:solidFill>
+                  <a:srgbClr val="007598">
+                    <a:lumMod val="50000"/>
+                  </a:srgbClr>
+                </a:solidFill>
+                <a:effectLst/>
+                <a:uLnTx/>
+                <a:uFillTx/>
+                <a:latin typeface="Aptos" panose="020B0004020202020204" pitchFamily="34" charset="0"/>
+                <a:ea typeface="Aptos" panose="020B0004020202020204" pitchFamily="34" charset="0"/>
+              </a:rPr>
+              <a:t>This is an intriguing response, as many students without professional work experience may not fully understand the term “soft skills” or recognize their importance for career growth. </a:t>
+            </a:r>
+          </a:p>
+          <a:p>
+            <a:pPr marL="742950" marR="0" lvl="0" indent="-285750" algn="l" defTabSz="914400" rtl="0" eaLnBrk="1" fontAlgn="auto" latinLnBrk="0" hangingPunct="1">
+              <a:lnSpc>
+                <a:spcPct val="106000"/>
+              </a:lnSpc>
+              <a:spcBef>
+                <a:spcPts val="0"/>
+              </a:spcBef>
+              <a:spcAft>
+                <a:spcPts val="0"/>
+              </a:spcAft>
+              <a:buClrTx/>
+              <a:buSzTx/>
+              <a:buFont typeface="Wingdings" panose="05000000000000000000" pitchFamily="2" charset="2"/>
+              <a:buChar char="v"/>
+              <a:tabLst/>
+              <a:defRPr/>
+            </a:pPr>
+            <a:endParaRPr lang="en-US" dirty="0">
+              <a:solidFill>
+                <a:srgbClr val="007598">
+                  <a:lumMod val="50000"/>
+                </a:srgbClr>
+              </a:solidFill>
+              <a:latin typeface="Aptos" panose="020B0004020202020204" pitchFamily="34" charset="0"/>
+              <a:ea typeface="Aptos" panose="020B0004020202020204" pitchFamily="34" charset="0"/>
+            </a:endParaRPr>
+          </a:p>
+          <a:p>
+            <a:pPr marL="742950" marR="0" lvl="0" indent="-285750" algn="l" defTabSz="914400" rtl="0" eaLnBrk="1" fontAlgn="auto" latinLnBrk="0" hangingPunct="1">
+              <a:lnSpc>
+                <a:spcPct val="106000"/>
+              </a:lnSpc>
+              <a:spcBef>
+                <a:spcPts val="0"/>
+              </a:spcBef>
+              <a:spcAft>
+                <a:spcPts val="0"/>
+              </a:spcAft>
+              <a:buClrTx/>
+              <a:buSzTx/>
+              <a:buFont typeface="Wingdings" panose="05000000000000000000" pitchFamily="2" charset="2"/>
+              <a:buChar char="v"/>
+              <a:tabLst/>
+              <a:defRPr/>
+            </a:pPr>
+            <a:r>
+              <a:rPr kumimoji="0" lang="en-US" b="0" i="0" u="none" strike="noStrike" kern="1200" cap="none" spc="0" normalizeH="0" baseline="0" noProof="0" dirty="0">
+                <a:ln>
+                  <a:noFill/>
+                </a:ln>
+                <a:solidFill>
+                  <a:srgbClr val="007598">
+                    <a:lumMod val="50000"/>
+                  </a:srgbClr>
+                </a:solidFill>
+                <a:effectLst/>
+                <a:uLnTx/>
+                <a:uFillTx/>
+                <a:latin typeface="Aptos" panose="020B0004020202020204" pitchFamily="34" charset="0"/>
+                <a:ea typeface="Aptos" panose="020B0004020202020204" pitchFamily="34" charset="0"/>
+              </a:rPr>
+              <a:t>By adhering to social and school constructs and codes of conduct, students are practicing these skills daily. </a:t>
+            </a:r>
+          </a:p>
+          <a:p>
+            <a:pPr marL="742950" marR="0" lvl="0" indent="-285750" algn="l" defTabSz="914400" rtl="0" eaLnBrk="1" fontAlgn="auto" latinLnBrk="0" hangingPunct="1">
+              <a:lnSpc>
+                <a:spcPct val="106000"/>
+              </a:lnSpc>
+              <a:spcBef>
+                <a:spcPts val="0"/>
+              </a:spcBef>
+              <a:spcAft>
+                <a:spcPts val="0"/>
+              </a:spcAft>
+              <a:buClrTx/>
+              <a:buSzTx/>
+              <a:buFont typeface="Wingdings" panose="05000000000000000000" pitchFamily="2" charset="2"/>
+              <a:buChar char="v"/>
+              <a:tabLst/>
+              <a:defRPr/>
+            </a:pPr>
+            <a:endParaRPr lang="en-US" dirty="0">
+              <a:solidFill>
+                <a:srgbClr val="007598">
+                  <a:lumMod val="50000"/>
+                </a:srgbClr>
+              </a:solidFill>
+              <a:latin typeface="Aptos" panose="020B0004020202020204" pitchFamily="34" charset="0"/>
+              <a:ea typeface="Aptos" panose="020B0004020202020204" pitchFamily="34" charset="0"/>
+            </a:endParaRPr>
+          </a:p>
+          <a:p>
+            <a:pPr marL="742950" marR="0" lvl="0" indent="-285750" algn="l" defTabSz="914400" rtl="0" eaLnBrk="1" fontAlgn="auto" latinLnBrk="0" hangingPunct="1">
+              <a:lnSpc>
+                <a:spcPct val="106000"/>
+              </a:lnSpc>
+              <a:spcBef>
+                <a:spcPts val="0"/>
+              </a:spcBef>
+              <a:spcAft>
+                <a:spcPts val="0"/>
+              </a:spcAft>
+              <a:buClrTx/>
+              <a:buSzTx/>
+              <a:buFont typeface="Wingdings" panose="05000000000000000000" pitchFamily="2" charset="2"/>
+              <a:buChar char="v"/>
+              <a:tabLst/>
+              <a:defRPr/>
+            </a:pPr>
+            <a:r>
+              <a:rPr kumimoji="0" lang="en-US" b="0" i="0" u="none" strike="noStrike" kern="1200" cap="none" spc="0" normalizeH="0" baseline="0" noProof="0" dirty="0">
+                <a:ln>
+                  <a:noFill/>
+                </a:ln>
+                <a:solidFill>
+                  <a:srgbClr val="007598">
+                    <a:lumMod val="50000"/>
+                  </a:srgbClr>
+                </a:solidFill>
+                <a:effectLst/>
+                <a:uLnTx/>
+                <a:uFillTx/>
+                <a:latin typeface="Aptos" panose="020B0004020202020204" pitchFamily="34" charset="0"/>
+                <a:ea typeface="Aptos" panose="020B0004020202020204" pitchFamily="34" charset="0"/>
+              </a:rPr>
+              <a:t>As we progress in our careers, often without direct communication, hiring managers are increasingly focusing on the soft skills of potential candidates, which could significantly impact their employability.</a:t>
+            </a:r>
+            <a:endParaRPr kumimoji="0" lang="en-US" b="0" i="0" u="none" strike="noStrike" kern="1200" cap="none" spc="0" normalizeH="0" baseline="0" noProof="0" dirty="0">
               <a:ln>
                 <a:noFill/>
               </a:ln>
@@ -7143,9 +8042,8 @@
               <a:effectLst/>
               <a:uLnTx/>
               <a:uFillTx/>
-              <a:latin typeface="Times New Roman" panose="02020603050405020304" pitchFamily="18" charset="0"/>
+              <a:latin typeface="Aptos" panose="020B0004020202020204" pitchFamily="34" charset="0"/>
               <a:ea typeface="Times New Roman" panose="02020603050405020304" pitchFamily="18" charset="0"/>
-              <a:cs typeface="+mn-cs"/>
             </a:endParaRPr>
           </a:p>
           <a:p>
@@ -7184,60 +8082,6 @@
             </a:endParaRPr>
           </a:p>
           <a:p>
-            <a:pPr marL="742950" marR="0" lvl="0" indent="-285750" algn="l" defTabSz="914400" rtl="0" eaLnBrk="1" fontAlgn="auto" latinLnBrk="0" hangingPunct="1">
-              <a:lnSpc>
-                <a:spcPct val="106000"/>
-              </a:lnSpc>
-              <a:spcBef>
-                <a:spcPts val="0"/>
-              </a:spcBef>
-              <a:spcAft>
-                <a:spcPts val="0"/>
-              </a:spcAft>
-              <a:buClrTx/>
-              <a:buSzTx/>
-              <a:buFont typeface="Wingdings" panose="05000000000000000000" pitchFamily="2" charset="2"/>
-              <a:buChar char="v"/>
-              <a:tabLst/>
-              <a:defRPr/>
-            </a:pPr>
-            <a:r>
-              <a:rPr kumimoji="0" lang="en-US" sz="1400" b="0" i="0" u="none" strike="noStrike" kern="1200" cap="none" spc="0" normalizeH="0" baseline="0" noProof="0" dirty="0">
-                <a:ln>
-                  <a:noFill/>
-                </a:ln>
-                <a:solidFill>
-                  <a:srgbClr val="007598">
-                    <a:lumMod val="50000"/>
-                  </a:srgbClr>
-                </a:solidFill>
-                <a:effectLst/>
-                <a:uLnTx/>
-                <a:uFillTx/>
-                <a:latin typeface="Aptos" panose="020B0004020202020204" pitchFamily="34" charset="0"/>
-                <a:ea typeface="Aptos" panose="020B0004020202020204" pitchFamily="34" charset="0"/>
-                <a:cs typeface="+mn-cs"/>
-              </a:rPr>
-              <a:t>This brings us to why Slack can be essential for students. Team-building and collaboration, practicing professionalism, properly asking technical questions, or overcoming obstacles and seeking guidance are all skills that will be valuable in our careers post-graduation. While we and many professionals in our field may be geographically dispersed, gaining a sense of community through collaboration on various projects helps mitigate the isolation often experienced by technology professionals. With a tool like Slack in education, we can develop more experienced students with better communication and productivity skills, leading to improved data and technology outcomes.</a:t>
-            </a:r>
-            <a:endParaRPr kumimoji="0" lang="en-US" sz="1200" b="0" i="0" u="none" strike="noStrike" kern="1200" cap="none" spc="0" normalizeH="0" baseline="0" noProof="0" dirty="0">
-              <a:ln>
-                <a:noFill/>
-              </a:ln>
-              <a:solidFill>
-                <a:srgbClr val="007598">
-                  <a:lumMod val="50000"/>
-                </a:srgbClr>
-              </a:solidFill>
-              <a:effectLst/>
-              <a:uLnTx/>
-              <a:uFillTx/>
-              <a:latin typeface="Times New Roman" panose="02020603050405020304" pitchFamily="18" charset="0"/>
-              <a:ea typeface="Times New Roman" panose="02020603050405020304" pitchFamily="18" charset="0"/>
-              <a:cs typeface="+mn-cs"/>
-            </a:endParaRPr>
-          </a:p>
-          <a:p>
             <a:pPr marL="628650" marR="0" lvl="0" indent="-171450" algn="l" defTabSz="914400" rtl="0" eaLnBrk="1" fontAlgn="auto" latinLnBrk="0" hangingPunct="1">
               <a:lnSpc>
                 <a:spcPct val="107000"/>
@@ -7275,7 +8119,7 @@
     </p:spTree>
     <p:extLst>
       <p:ext uri="{BB962C8B-B14F-4D97-AF65-F5344CB8AC3E}">
-        <p14:creationId xmlns:p14="http://schemas.microsoft.com/office/powerpoint/2010/main" val="1246754225"/>
+        <p14:creationId xmlns:p14="http://schemas.microsoft.com/office/powerpoint/2010/main" val="1947754324"/>
       </p:ext>
     </p:extLst>
   </p:cSld>
@@ -7285,7 +8129,1015 @@
 </p:sld>
 </file>
 
-<file path=ppt/slides/slide14.xml><?xml version="1.0" encoding="utf-8"?>
+<file path=ppt/slides/slide15.xml><?xml version="1.0" encoding="utf-8"?>
+<p:sld xmlns:a="http://schemas.openxmlformats.org/drawingml/2006/main" xmlns:r="http://schemas.openxmlformats.org/officeDocument/2006/relationships" xmlns:p="http://schemas.openxmlformats.org/presentationml/2006/main">
+  <p:cSld>
+    <p:spTree>
+      <p:nvGrpSpPr>
+        <p:cNvPr id="1" name=""/>
+        <p:cNvGrpSpPr/>
+        <p:nvPr/>
+      </p:nvGrpSpPr>
+      <p:grpSpPr>
+        <a:xfrm>
+          <a:off x="0" y="0"/>
+          <a:ext cx="0" cy="0"/>
+          <a:chOff x="0" y="0"/>
+          <a:chExt cx="0" cy="0"/>
+        </a:xfrm>
+      </p:grpSpPr>
+      <p:sp>
+        <p:nvSpPr>
+          <p:cNvPr id="3" name="TextBox 2">
+            <a:extLst>
+              <a:ext uri="{FF2B5EF4-FFF2-40B4-BE49-F238E27FC236}">
+                <a16:creationId xmlns:a16="http://schemas.microsoft.com/office/drawing/2014/main" id="{89983452-CAC3-73FE-DDF8-9317DBC12AFA}"/>
+              </a:ext>
+            </a:extLst>
+          </p:cNvPr>
+          <p:cNvSpPr txBox="1"/>
+          <p:nvPr/>
+        </p:nvSpPr>
+        <p:spPr>
+          <a:xfrm>
+            <a:off x="486382" y="680936"/>
+            <a:ext cx="10953346" cy="3604000"/>
+          </a:xfrm>
+          <a:prstGeom prst="rect">
+            <a:avLst/>
+          </a:prstGeom>
+          <a:noFill/>
+        </p:spPr>
+        <p:txBody>
+          <a:bodyPr wrap="square">
+            <a:spAutoFit/>
+          </a:bodyPr>
+          <a:lstStyle/>
+          <a:p>
+            <a:pPr marL="742950" marR="0" lvl="0" indent="-285750" algn="l" defTabSz="914400" rtl="0" eaLnBrk="1" fontAlgn="auto" latinLnBrk="0" hangingPunct="1">
+              <a:lnSpc>
+                <a:spcPct val="106000"/>
+              </a:lnSpc>
+              <a:spcBef>
+                <a:spcPts val="0"/>
+              </a:spcBef>
+              <a:spcAft>
+                <a:spcPts val="0"/>
+              </a:spcAft>
+              <a:buClrTx/>
+              <a:buSzTx/>
+              <a:buFont typeface="Wingdings" panose="05000000000000000000" pitchFamily="2" charset="2"/>
+              <a:buChar char="v"/>
+              <a:tabLst/>
+              <a:defRPr/>
+            </a:pPr>
+            <a:r>
+              <a:rPr kumimoji="0" lang="en-US" b="0" i="0" u="none" strike="noStrike" kern="1200" cap="none" spc="0" normalizeH="0" baseline="0" noProof="0" dirty="0">
+                <a:ln>
+                  <a:noFill/>
+                </a:ln>
+                <a:solidFill>
+                  <a:srgbClr val="007598">
+                    <a:lumMod val="50000"/>
+                  </a:srgbClr>
+                </a:solidFill>
+                <a:effectLst/>
+                <a:uLnTx/>
+                <a:uFillTx/>
+                <a:latin typeface="Aptos" panose="020B0004020202020204" pitchFamily="34" charset="0"/>
+                <a:ea typeface="Aptos" panose="020B0004020202020204" pitchFamily="34" charset="0"/>
+                <a:cs typeface="+mn-cs"/>
+              </a:rPr>
+              <a:t>This brings us to why Slack can be essential for students. </a:t>
+            </a:r>
+          </a:p>
+          <a:p>
+            <a:pPr marL="742950" marR="0" lvl="0" indent="-285750" algn="l" defTabSz="914400" rtl="0" eaLnBrk="1" fontAlgn="auto" latinLnBrk="0" hangingPunct="1">
+              <a:lnSpc>
+                <a:spcPct val="106000"/>
+              </a:lnSpc>
+              <a:spcBef>
+                <a:spcPts val="0"/>
+              </a:spcBef>
+              <a:spcAft>
+                <a:spcPts val="0"/>
+              </a:spcAft>
+              <a:buClrTx/>
+              <a:buSzTx/>
+              <a:buFont typeface="Wingdings" panose="05000000000000000000" pitchFamily="2" charset="2"/>
+              <a:buChar char="v"/>
+              <a:tabLst/>
+              <a:defRPr/>
+            </a:pPr>
+            <a:endParaRPr lang="en-US" dirty="0">
+              <a:solidFill>
+                <a:srgbClr val="007598">
+                  <a:lumMod val="50000"/>
+                </a:srgbClr>
+              </a:solidFill>
+              <a:latin typeface="Aptos" panose="020B0004020202020204" pitchFamily="34" charset="0"/>
+              <a:ea typeface="Aptos" panose="020B0004020202020204" pitchFamily="34" charset="0"/>
+            </a:endParaRPr>
+          </a:p>
+          <a:p>
+            <a:pPr marL="742950" marR="0" lvl="0" indent="-285750" algn="l" defTabSz="914400" rtl="0" eaLnBrk="1" fontAlgn="auto" latinLnBrk="0" hangingPunct="1">
+              <a:lnSpc>
+                <a:spcPct val="106000"/>
+              </a:lnSpc>
+              <a:spcBef>
+                <a:spcPts val="0"/>
+              </a:spcBef>
+              <a:spcAft>
+                <a:spcPts val="0"/>
+              </a:spcAft>
+              <a:buClrTx/>
+              <a:buSzTx/>
+              <a:buFont typeface="Wingdings" panose="05000000000000000000" pitchFamily="2" charset="2"/>
+              <a:buChar char="v"/>
+              <a:tabLst/>
+              <a:defRPr/>
+            </a:pPr>
+            <a:r>
+              <a:rPr kumimoji="0" lang="en-US" b="0" i="0" u="none" strike="noStrike" kern="1200" cap="none" spc="0" normalizeH="0" baseline="0" noProof="0" dirty="0">
+                <a:ln>
+                  <a:noFill/>
+                </a:ln>
+                <a:solidFill>
+                  <a:srgbClr val="007598">
+                    <a:lumMod val="50000"/>
+                  </a:srgbClr>
+                </a:solidFill>
+                <a:effectLst/>
+                <a:uLnTx/>
+                <a:uFillTx/>
+                <a:latin typeface="Aptos" panose="020B0004020202020204" pitchFamily="34" charset="0"/>
+                <a:ea typeface="Aptos" panose="020B0004020202020204" pitchFamily="34" charset="0"/>
+                <a:cs typeface="+mn-cs"/>
+              </a:rPr>
+              <a:t>Team-building and collaboration, practicing professionalism, properly asking technical questions, or overcoming obstacles and seeking guidance are all skills that will be valuable in our careers post-graduation. </a:t>
+            </a:r>
+          </a:p>
+          <a:p>
+            <a:pPr marL="742950" marR="0" lvl="0" indent="-285750" algn="l" defTabSz="914400" rtl="0" eaLnBrk="1" fontAlgn="auto" latinLnBrk="0" hangingPunct="1">
+              <a:lnSpc>
+                <a:spcPct val="106000"/>
+              </a:lnSpc>
+              <a:spcBef>
+                <a:spcPts val="0"/>
+              </a:spcBef>
+              <a:spcAft>
+                <a:spcPts val="0"/>
+              </a:spcAft>
+              <a:buClrTx/>
+              <a:buSzTx/>
+              <a:buFont typeface="Wingdings" panose="05000000000000000000" pitchFamily="2" charset="2"/>
+              <a:buChar char="v"/>
+              <a:tabLst/>
+              <a:defRPr/>
+            </a:pPr>
+            <a:endParaRPr lang="en-US" dirty="0">
+              <a:solidFill>
+                <a:srgbClr val="007598">
+                  <a:lumMod val="50000"/>
+                </a:srgbClr>
+              </a:solidFill>
+              <a:latin typeface="Aptos" panose="020B0004020202020204" pitchFamily="34" charset="0"/>
+              <a:ea typeface="Aptos" panose="020B0004020202020204" pitchFamily="34" charset="0"/>
+            </a:endParaRPr>
+          </a:p>
+          <a:p>
+            <a:pPr marL="742950" marR="0" lvl="0" indent="-285750" algn="l" defTabSz="914400" rtl="0" eaLnBrk="1" fontAlgn="auto" latinLnBrk="0" hangingPunct="1">
+              <a:lnSpc>
+                <a:spcPct val="106000"/>
+              </a:lnSpc>
+              <a:spcBef>
+                <a:spcPts val="0"/>
+              </a:spcBef>
+              <a:spcAft>
+                <a:spcPts val="0"/>
+              </a:spcAft>
+              <a:buClrTx/>
+              <a:buSzTx/>
+              <a:buFont typeface="Wingdings" panose="05000000000000000000" pitchFamily="2" charset="2"/>
+              <a:buChar char="v"/>
+              <a:tabLst/>
+              <a:defRPr/>
+            </a:pPr>
+            <a:r>
+              <a:rPr kumimoji="0" lang="en-US" b="0" i="0" u="none" strike="noStrike" kern="1200" cap="none" spc="0" normalizeH="0" baseline="0" noProof="0" dirty="0">
+                <a:ln>
+                  <a:noFill/>
+                </a:ln>
+                <a:solidFill>
+                  <a:srgbClr val="007598">
+                    <a:lumMod val="50000"/>
+                  </a:srgbClr>
+                </a:solidFill>
+                <a:effectLst/>
+                <a:uLnTx/>
+                <a:uFillTx/>
+                <a:latin typeface="Aptos" panose="020B0004020202020204" pitchFamily="34" charset="0"/>
+                <a:ea typeface="Aptos" panose="020B0004020202020204" pitchFamily="34" charset="0"/>
+                <a:cs typeface="+mn-cs"/>
+              </a:rPr>
+              <a:t>While we and many professionals in our field may be geographically dispersed, gaining a sense of community through collaboration on various projects helps mitigate the sense of isolation often experienced by technology professionals. </a:t>
+            </a:r>
+          </a:p>
+          <a:p>
+            <a:pPr marL="742950" marR="0" lvl="0" indent="-285750" algn="l" defTabSz="914400" rtl="0" eaLnBrk="1" fontAlgn="auto" latinLnBrk="0" hangingPunct="1">
+              <a:lnSpc>
+                <a:spcPct val="106000"/>
+              </a:lnSpc>
+              <a:spcBef>
+                <a:spcPts val="0"/>
+              </a:spcBef>
+              <a:spcAft>
+                <a:spcPts val="0"/>
+              </a:spcAft>
+              <a:buClrTx/>
+              <a:buSzTx/>
+              <a:buFont typeface="Wingdings" panose="05000000000000000000" pitchFamily="2" charset="2"/>
+              <a:buChar char="v"/>
+              <a:tabLst/>
+              <a:defRPr/>
+            </a:pPr>
+            <a:endParaRPr lang="en-US" dirty="0">
+              <a:solidFill>
+                <a:srgbClr val="007598">
+                  <a:lumMod val="50000"/>
+                </a:srgbClr>
+              </a:solidFill>
+              <a:latin typeface="Aptos" panose="020B0004020202020204" pitchFamily="34" charset="0"/>
+              <a:ea typeface="Aptos" panose="020B0004020202020204" pitchFamily="34" charset="0"/>
+            </a:endParaRPr>
+          </a:p>
+          <a:p>
+            <a:pPr marL="742950" marR="0" lvl="0" indent="-285750" algn="l" defTabSz="914400" rtl="0" eaLnBrk="1" fontAlgn="auto" latinLnBrk="0" hangingPunct="1">
+              <a:lnSpc>
+                <a:spcPct val="106000"/>
+              </a:lnSpc>
+              <a:spcBef>
+                <a:spcPts val="0"/>
+              </a:spcBef>
+              <a:spcAft>
+                <a:spcPts val="0"/>
+              </a:spcAft>
+              <a:buClrTx/>
+              <a:buSzTx/>
+              <a:buFont typeface="Wingdings" panose="05000000000000000000" pitchFamily="2" charset="2"/>
+              <a:buChar char="v"/>
+              <a:tabLst/>
+              <a:defRPr/>
+            </a:pPr>
+            <a:r>
+              <a:rPr kumimoji="0" lang="en-US" b="0" i="0" u="none" strike="noStrike" kern="1200" cap="none" spc="0" normalizeH="0" baseline="0" noProof="0" dirty="0">
+                <a:ln>
+                  <a:noFill/>
+                </a:ln>
+                <a:solidFill>
+                  <a:srgbClr val="007598">
+                    <a:lumMod val="50000"/>
+                  </a:srgbClr>
+                </a:solidFill>
+                <a:effectLst/>
+                <a:uLnTx/>
+                <a:uFillTx/>
+                <a:latin typeface="Aptos" panose="020B0004020202020204" pitchFamily="34" charset="0"/>
+                <a:ea typeface="Aptos" panose="020B0004020202020204" pitchFamily="34" charset="0"/>
+                <a:cs typeface="+mn-cs"/>
+              </a:rPr>
+              <a:t>With a tool like Slack in education, we can develop more experienced students with better communication and productivity skills, leading to improved data and technology outcomes.</a:t>
+            </a:r>
+            <a:endParaRPr kumimoji="0" lang="en-US" b="0" i="0" u="none" strike="noStrike" kern="1200" cap="none" spc="0" normalizeH="0" baseline="0" noProof="0" dirty="0">
+              <a:ln>
+                <a:noFill/>
+              </a:ln>
+              <a:solidFill>
+                <a:srgbClr val="007598">
+                  <a:lumMod val="50000"/>
+                </a:srgbClr>
+              </a:solidFill>
+              <a:effectLst/>
+              <a:uLnTx/>
+              <a:uFillTx/>
+              <a:latin typeface="Times New Roman" panose="02020603050405020304" pitchFamily="18" charset="0"/>
+              <a:ea typeface="Times New Roman" panose="02020603050405020304" pitchFamily="18" charset="0"/>
+              <a:cs typeface="+mn-cs"/>
+            </a:endParaRPr>
+          </a:p>
+        </p:txBody>
+      </p:sp>
+    </p:spTree>
+    <p:extLst>
+      <p:ext uri="{BB962C8B-B14F-4D97-AF65-F5344CB8AC3E}">
+        <p14:creationId xmlns:p14="http://schemas.microsoft.com/office/powerpoint/2010/main" val="1850204513"/>
+      </p:ext>
+    </p:extLst>
+  </p:cSld>
+  <p:clrMapOvr>
+    <a:masterClrMapping/>
+  </p:clrMapOvr>
+</p:sld>
+</file>
+
+<file path=ppt/slides/slide16.xml><?xml version="1.0" encoding="utf-8"?>
+<p:sld xmlns:a="http://schemas.openxmlformats.org/drawingml/2006/main" xmlns:r="http://schemas.openxmlformats.org/officeDocument/2006/relationships" xmlns:p="http://schemas.openxmlformats.org/presentationml/2006/main">
+  <p:cSld>
+    <p:spTree>
+      <p:nvGrpSpPr>
+        <p:cNvPr id="1" name=""/>
+        <p:cNvGrpSpPr/>
+        <p:nvPr/>
+      </p:nvGrpSpPr>
+      <p:grpSpPr>
+        <a:xfrm>
+          <a:off x="0" y="0"/>
+          <a:ext cx="0" cy="0"/>
+          <a:chOff x="0" y="0"/>
+          <a:chExt cx="0" cy="0"/>
+        </a:xfrm>
+      </p:grpSpPr>
+      <p:sp>
+        <p:nvSpPr>
+          <p:cNvPr id="4" name="Title 3">
+            <a:extLst>
+              <a:ext uri="{FF2B5EF4-FFF2-40B4-BE49-F238E27FC236}">
+                <a16:creationId xmlns:a16="http://schemas.microsoft.com/office/drawing/2014/main" id="{CEBC86DA-5948-973C-A1DA-318EB868F097}"/>
+              </a:ext>
+            </a:extLst>
+          </p:cNvPr>
+          <p:cNvSpPr>
+            <a:spLocks noGrp="1"/>
+          </p:cNvSpPr>
+          <p:nvPr>
+            <p:ph type="title"/>
+          </p:nvPr>
+        </p:nvSpPr>
+        <p:spPr>
+          <a:xfrm>
+            <a:off x="838199" y="122407"/>
+            <a:ext cx="10515600" cy="967091"/>
+          </a:xfrm>
+        </p:spPr>
+        <p:txBody>
+          <a:bodyPr/>
+          <a:lstStyle/>
+          <a:p>
+            <a:r>
+              <a:rPr lang="en-US" dirty="0"/>
+              <a:t>Instructor Perspective</a:t>
+            </a:r>
+          </a:p>
+        </p:txBody>
+      </p:sp>
+      <p:pic>
+        <p:nvPicPr>
+          <p:cNvPr id="7" name="Content Placeholder 6">
+            <a:extLst>
+              <a:ext uri="{FF2B5EF4-FFF2-40B4-BE49-F238E27FC236}">
+                <a16:creationId xmlns:a16="http://schemas.microsoft.com/office/drawing/2014/main" id="{4ECB618A-3578-7DC3-279F-6ABE56113B27}"/>
+              </a:ext>
+            </a:extLst>
+          </p:cNvPr>
+          <p:cNvPicPr>
+            <a:picLocks noGrp="1" noChangeAspect="1"/>
+          </p:cNvPicPr>
+          <p:nvPr>
+            <p:ph idx="1"/>
+          </p:nvPr>
+        </p:nvPicPr>
+        <p:blipFill>
+          <a:blip r:embed="rId2"/>
+          <a:stretch>
+            <a:fillRect/>
+          </a:stretch>
+        </p:blipFill>
+        <p:spPr>
+          <a:xfrm>
+            <a:off x="1003961" y="1741792"/>
+            <a:ext cx="10184073" cy="3836312"/>
+          </a:xfrm>
+        </p:spPr>
+      </p:pic>
+      <p:sp>
+        <p:nvSpPr>
+          <p:cNvPr id="11" name="Content Placeholder 2">
+            <a:extLst>
+              <a:ext uri="{FF2B5EF4-FFF2-40B4-BE49-F238E27FC236}">
+                <a16:creationId xmlns:a16="http://schemas.microsoft.com/office/drawing/2014/main" id="{1DCF6CB8-214F-97A2-9371-16E3EB9E8687}"/>
+              </a:ext>
+            </a:extLst>
+          </p:cNvPr>
+          <p:cNvSpPr txBox="1">
+            <a:spLocks/>
+          </p:cNvSpPr>
+          <p:nvPr/>
+        </p:nvSpPr>
+        <p:spPr>
+          <a:xfrm>
+            <a:off x="838198" y="963038"/>
+            <a:ext cx="10515600" cy="4615066"/>
+          </a:xfrm>
+          <a:prstGeom prst="rect">
+            <a:avLst/>
+          </a:prstGeom>
+        </p:spPr>
+        <p:txBody>
+          <a:bodyPr vert="horz" lIns="91440" tIns="45720" rIns="91440" bIns="45720" rtlCol="0">
+            <a:normAutofit/>
+          </a:bodyPr>
+          <a:lstStyle>
+            <a:lvl1pPr marL="228600" indent="-228600" algn="l" defTabSz="914400" rtl="0" eaLnBrk="1" latinLnBrk="0" hangingPunct="1">
+              <a:lnSpc>
+                <a:spcPct val="90000"/>
+              </a:lnSpc>
+              <a:spcBef>
+                <a:spcPts val="1000"/>
+              </a:spcBef>
+              <a:buFont typeface="Arial" panose="020B0604020202020204" pitchFamily="34" charset="0"/>
+              <a:buChar char="•"/>
+              <a:defRPr sz="2800" kern="1200">
+                <a:solidFill>
+                  <a:schemeClr val="tx1"/>
+                </a:solidFill>
+                <a:latin typeface="+mn-lt"/>
+                <a:ea typeface="+mn-ea"/>
+                <a:cs typeface="+mn-cs"/>
+              </a:defRPr>
+            </a:lvl1pPr>
+            <a:lvl2pPr marL="685800" indent="-228600" algn="l" defTabSz="914400" rtl="0" eaLnBrk="1" latinLnBrk="0" hangingPunct="1">
+              <a:lnSpc>
+                <a:spcPct val="90000"/>
+              </a:lnSpc>
+              <a:spcBef>
+                <a:spcPts val="500"/>
+              </a:spcBef>
+              <a:buFont typeface="Arial" panose="020B0604020202020204" pitchFamily="34" charset="0"/>
+              <a:buChar char="•"/>
+              <a:defRPr sz="2400" kern="1200">
+                <a:solidFill>
+                  <a:schemeClr val="tx1"/>
+                </a:solidFill>
+                <a:latin typeface="+mn-lt"/>
+                <a:ea typeface="+mn-ea"/>
+                <a:cs typeface="+mn-cs"/>
+              </a:defRPr>
+            </a:lvl2pPr>
+            <a:lvl3pPr marL="1143000" indent="-228600" algn="l" defTabSz="914400" rtl="0" eaLnBrk="1" latinLnBrk="0" hangingPunct="1">
+              <a:lnSpc>
+                <a:spcPct val="90000"/>
+              </a:lnSpc>
+              <a:spcBef>
+                <a:spcPts val="500"/>
+              </a:spcBef>
+              <a:buFont typeface="Arial" panose="020B0604020202020204" pitchFamily="34" charset="0"/>
+              <a:buChar char="•"/>
+              <a:defRPr sz="2000" kern="1200">
+                <a:solidFill>
+                  <a:schemeClr val="tx1"/>
+                </a:solidFill>
+                <a:latin typeface="+mn-lt"/>
+                <a:ea typeface="+mn-ea"/>
+                <a:cs typeface="+mn-cs"/>
+              </a:defRPr>
+            </a:lvl3pPr>
+            <a:lvl4pPr marL="1600200" indent="-228600" algn="l" defTabSz="914400" rtl="0" eaLnBrk="1" latinLnBrk="0" hangingPunct="1">
+              <a:lnSpc>
+                <a:spcPct val="90000"/>
+              </a:lnSpc>
+              <a:spcBef>
+                <a:spcPts val="500"/>
+              </a:spcBef>
+              <a:buFont typeface="Arial" panose="020B0604020202020204" pitchFamily="34" charset="0"/>
+              <a:buChar char="•"/>
+              <a:defRPr sz="1800" kern="1200">
+                <a:solidFill>
+                  <a:schemeClr val="tx1"/>
+                </a:solidFill>
+                <a:latin typeface="+mn-lt"/>
+                <a:ea typeface="+mn-ea"/>
+                <a:cs typeface="+mn-cs"/>
+              </a:defRPr>
+            </a:lvl4pPr>
+            <a:lvl5pPr marL="2057400" indent="-228600" algn="l" defTabSz="914400" rtl="0" eaLnBrk="1" latinLnBrk="0" hangingPunct="1">
+              <a:lnSpc>
+                <a:spcPct val="90000"/>
+              </a:lnSpc>
+              <a:spcBef>
+                <a:spcPts val="500"/>
+              </a:spcBef>
+              <a:buFont typeface="Arial" panose="020B0604020202020204" pitchFamily="34" charset="0"/>
+              <a:buChar char="•"/>
+              <a:defRPr sz="1800" kern="1200">
+                <a:solidFill>
+                  <a:schemeClr val="tx1"/>
+                </a:solidFill>
+                <a:latin typeface="+mn-lt"/>
+                <a:ea typeface="+mn-ea"/>
+                <a:cs typeface="+mn-cs"/>
+              </a:defRPr>
+            </a:lvl5pPr>
+            <a:lvl6pPr marL="2514600" indent="-228600" algn="l" defTabSz="914400" rtl="0" eaLnBrk="1" latinLnBrk="0" hangingPunct="1">
+              <a:lnSpc>
+                <a:spcPct val="90000"/>
+              </a:lnSpc>
+              <a:spcBef>
+                <a:spcPts val="500"/>
+              </a:spcBef>
+              <a:buFont typeface="Arial" panose="020B0604020202020204" pitchFamily="34" charset="0"/>
+              <a:buChar char="•"/>
+              <a:defRPr sz="1800" kern="1200">
+                <a:solidFill>
+                  <a:schemeClr val="tx1"/>
+                </a:solidFill>
+                <a:latin typeface="+mn-lt"/>
+                <a:ea typeface="+mn-ea"/>
+                <a:cs typeface="+mn-cs"/>
+              </a:defRPr>
+            </a:lvl6pPr>
+            <a:lvl7pPr marL="2971800" indent="-228600" algn="l" defTabSz="914400" rtl="0" eaLnBrk="1" latinLnBrk="0" hangingPunct="1">
+              <a:lnSpc>
+                <a:spcPct val="90000"/>
+              </a:lnSpc>
+              <a:spcBef>
+                <a:spcPts val="500"/>
+              </a:spcBef>
+              <a:buFont typeface="Arial" panose="020B0604020202020204" pitchFamily="34" charset="0"/>
+              <a:buChar char="•"/>
+              <a:defRPr sz="1800" kern="1200">
+                <a:solidFill>
+                  <a:schemeClr val="tx1"/>
+                </a:solidFill>
+                <a:latin typeface="+mn-lt"/>
+                <a:ea typeface="+mn-ea"/>
+                <a:cs typeface="+mn-cs"/>
+              </a:defRPr>
+            </a:lvl7pPr>
+            <a:lvl8pPr marL="3429000" indent="-228600" algn="l" defTabSz="914400" rtl="0" eaLnBrk="1" latinLnBrk="0" hangingPunct="1">
+              <a:lnSpc>
+                <a:spcPct val="90000"/>
+              </a:lnSpc>
+              <a:spcBef>
+                <a:spcPts val="500"/>
+              </a:spcBef>
+              <a:buFont typeface="Arial" panose="020B0604020202020204" pitchFamily="34" charset="0"/>
+              <a:buChar char="•"/>
+              <a:defRPr sz="1800" kern="1200">
+                <a:solidFill>
+                  <a:schemeClr val="tx1"/>
+                </a:solidFill>
+                <a:latin typeface="+mn-lt"/>
+                <a:ea typeface="+mn-ea"/>
+                <a:cs typeface="+mn-cs"/>
+              </a:defRPr>
+            </a:lvl8pPr>
+            <a:lvl9pPr marL="3886200" indent="-228600" algn="l" defTabSz="914400" rtl="0" eaLnBrk="1" latinLnBrk="0" hangingPunct="1">
+              <a:lnSpc>
+                <a:spcPct val="90000"/>
+              </a:lnSpc>
+              <a:spcBef>
+                <a:spcPts val="500"/>
+              </a:spcBef>
+              <a:buFont typeface="Arial" panose="020B0604020202020204" pitchFamily="34" charset="0"/>
+              <a:buChar char="•"/>
+              <a:defRPr sz="1800" kern="1200">
+                <a:solidFill>
+                  <a:schemeClr val="tx1"/>
+                </a:solidFill>
+                <a:latin typeface="+mn-lt"/>
+                <a:ea typeface="+mn-ea"/>
+                <a:cs typeface="+mn-cs"/>
+              </a:defRPr>
+            </a:lvl9pPr>
+          </a:lstStyle>
+          <a:p>
+            <a:r>
+              <a:rPr lang="en-US" dirty="0"/>
+              <a:t>Students get to share great advice and endorsements across classes</a:t>
+            </a:r>
+          </a:p>
+        </p:txBody>
+      </p:sp>
+    </p:spTree>
+    <p:extLst>
+      <p:ext uri="{BB962C8B-B14F-4D97-AF65-F5344CB8AC3E}">
+        <p14:creationId xmlns:p14="http://schemas.microsoft.com/office/powerpoint/2010/main" val="1976703465"/>
+      </p:ext>
+    </p:extLst>
+  </p:cSld>
+  <p:clrMapOvr>
+    <a:masterClrMapping/>
+  </p:clrMapOvr>
+</p:sld>
+</file>
+
+<file path=ppt/slides/slide17.xml><?xml version="1.0" encoding="utf-8"?>
+<p:sld xmlns:a="http://schemas.openxmlformats.org/drawingml/2006/main" xmlns:r="http://schemas.openxmlformats.org/officeDocument/2006/relationships" xmlns:p="http://schemas.openxmlformats.org/presentationml/2006/main">
+  <p:cSld>
+    <p:spTree>
+      <p:nvGrpSpPr>
+        <p:cNvPr id="1" name=""/>
+        <p:cNvGrpSpPr/>
+        <p:nvPr/>
+      </p:nvGrpSpPr>
+      <p:grpSpPr>
+        <a:xfrm>
+          <a:off x="0" y="0"/>
+          <a:ext cx="0" cy="0"/>
+          <a:chOff x="0" y="0"/>
+          <a:chExt cx="0" cy="0"/>
+        </a:xfrm>
+      </p:grpSpPr>
+      <p:sp>
+        <p:nvSpPr>
+          <p:cNvPr id="4" name="Title 3">
+            <a:extLst>
+              <a:ext uri="{FF2B5EF4-FFF2-40B4-BE49-F238E27FC236}">
+                <a16:creationId xmlns:a16="http://schemas.microsoft.com/office/drawing/2014/main" id="{CEBC86DA-5948-973C-A1DA-318EB868F097}"/>
+              </a:ext>
+            </a:extLst>
+          </p:cNvPr>
+          <p:cNvSpPr>
+            <a:spLocks noGrp="1"/>
+          </p:cNvSpPr>
+          <p:nvPr>
+            <p:ph type="title"/>
+          </p:nvPr>
+        </p:nvSpPr>
+        <p:spPr>
+          <a:xfrm>
+            <a:off x="838199" y="122407"/>
+            <a:ext cx="10515600" cy="967091"/>
+          </a:xfrm>
+        </p:spPr>
+        <p:txBody>
+          <a:bodyPr/>
+          <a:lstStyle/>
+          <a:p>
+            <a:r>
+              <a:rPr lang="en-US" dirty="0"/>
+              <a:t>Instructor Perspective</a:t>
+            </a:r>
+          </a:p>
+        </p:txBody>
+      </p:sp>
+      <p:sp>
+        <p:nvSpPr>
+          <p:cNvPr id="3" name="Content Placeholder 2">
+            <a:extLst>
+              <a:ext uri="{FF2B5EF4-FFF2-40B4-BE49-F238E27FC236}">
+                <a16:creationId xmlns:a16="http://schemas.microsoft.com/office/drawing/2014/main" id="{54958E6B-80CF-AF18-A033-74047074A1B0}"/>
+              </a:ext>
+            </a:extLst>
+          </p:cNvPr>
+          <p:cNvSpPr>
+            <a:spLocks noGrp="1"/>
+          </p:cNvSpPr>
+          <p:nvPr>
+            <p:ph idx="1"/>
+          </p:nvPr>
+        </p:nvSpPr>
+        <p:spPr>
+          <a:xfrm>
+            <a:off x="838198" y="963038"/>
+            <a:ext cx="10515600" cy="3786303"/>
+          </a:xfrm>
+        </p:spPr>
+        <p:txBody>
+          <a:bodyPr/>
+          <a:lstStyle/>
+          <a:p>
+            <a:r>
+              <a:rPr lang="en-US" dirty="0"/>
+              <a:t>Students give and get information about school from each other</a:t>
+            </a:r>
+          </a:p>
+          <a:p>
+            <a:endParaRPr lang="en-US" dirty="0"/>
+          </a:p>
+        </p:txBody>
+      </p:sp>
+      <p:pic>
+        <p:nvPicPr>
+          <p:cNvPr id="6" name="Picture 5">
+            <a:extLst>
+              <a:ext uri="{FF2B5EF4-FFF2-40B4-BE49-F238E27FC236}">
+                <a16:creationId xmlns:a16="http://schemas.microsoft.com/office/drawing/2014/main" id="{1641F24E-3DB2-6DBC-5D24-0142BBA5A72F}"/>
+              </a:ext>
+            </a:extLst>
+          </p:cNvPr>
+          <p:cNvPicPr>
+            <a:picLocks noChangeAspect="1"/>
+          </p:cNvPicPr>
+          <p:nvPr/>
+        </p:nvPicPr>
+        <p:blipFill rotWithShape="1">
+          <a:blip r:embed="rId2"/>
+          <a:srcRect b="36777"/>
+          <a:stretch/>
+        </p:blipFill>
+        <p:spPr>
+          <a:xfrm>
+            <a:off x="982302" y="1429966"/>
+            <a:ext cx="9542802" cy="4464996"/>
+          </a:xfrm>
+          <a:prstGeom prst="rect">
+            <a:avLst/>
+          </a:prstGeom>
+        </p:spPr>
+      </p:pic>
+    </p:spTree>
+    <p:extLst>
+      <p:ext uri="{BB962C8B-B14F-4D97-AF65-F5344CB8AC3E}">
+        <p14:creationId xmlns:p14="http://schemas.microsoft.com/office/powerpoint/2010/main" val="3380884778"/>
+      </p:ext>
+    </p:extLst>
+  </p:cSld>
+  <p:clrMapOvr>
+    <a:masterClrMapping/>
+  </p:clrMapOvr>
+</p:sld>
+</file>
+
+<file path=ppt/slides/slide18.xml><?xml version="1.0" encoding="utf-8"?>
+<p:sld xmlns:a="http://schemas.openxmlformats.org/drawingml/2006/main" xmlns:r="http://schemas.openxmlformats.org/officeDocument/2006/relationships" xmlns:p="http://schemas.openxmlformats.org/presentationml/2006/main">
+  <p:cSld>
+    <p:spTree>
+      <p:nvGrpSpPr>
+        <p:cNvPr id="1" name=""/>
+        <p:cNvGrpSpPr/>
+        <p:nvPr/>
+      </p:nvGrpSpPr>
+      <p:grpSpPr>
+        <a:xfrm>
+          <a:off x="0" y="0"/>
+          <a:ext cx="0" cy="0"/>
+          <a:chOff x="0" y="0"/>
+          <a:chExt cx="0" cy="0"/>
+        </a:xfrm>
+      </p:grpSpPr>
+      <p:sp>
+        <p:nvSpPr>
+          <p:cNvPr id="4" name="Title 3">
+            <a:extLst>
+              <a:ext uri="{FF2B5EF4-FFF2-40B4-BE49-F238E27FC236}">
+                <a16:creationId xmlns:a16="http://schemas.microsoft.com/office/drawing/2014/main" id="{CEBC86DA-5948-973C-A1DA-318EB868F097}"/>
+              </a:ext>
+            </a:extLst>
+          </p:cNvPr>
+          <p:cNvSpPr>
+            <a:spLocks noGrp="1"/>
+          </p:cNvSpPr>
+          <p:nvPr>
+            <p:ph type="title"/>
+          </p:nvPr>
+        </p:nvSpPr>
+        <p:spPr>
+          <a:xfrm>
+            <a:off x="838199" y="122407"/>
+            <a:ext cx="10515600" cy="967091"/>
+          </a:xfrm>
+        </p:spPr>
+        <p:txBody>
+          <a:bodyPr/>
+          <a:lstStyle/>
+          <a:p>
+            <a:r>
+              <a:rPr lang="en-US" dirty="0"/>
+              <a:t>Instructor Perspective</a:t>
+            </a:r>
+          </a:p>
+        </p:txBody>
+      </p:sp>
+      <p:sp>
+        <p:nvSpPr>
+          <p:cNvPr id="3" name="Content Placeholder 2">
+            <a:extLst>
+              <a:ext uri="{FF2B5EF4-FFF2-40B4-BE49-F238E27FC236}">
+                <a16:creationId xmlns:a16="http://schemas.microsoft.com/office/drawing/2014/main" id="{54958E6B-80CF-AF18-A033-74047074A1B0}"/>
+              </a:ext>
+            </a:extLst>
+          </p:cNvPr>
+          <p:cNvSpPr>
+            <a:spLocks noGrp="1"/>
+          </p:cNvSpPr>
+          <p:nvPr>
+            <p:ph idx="1"/>
+          </p:nvPr>
+        </p:nvSpPr>
+        <p:spPr>
+          <a:xfrm>
+            <a:off x="838198" y="963038"/>
+            <a:ext cx="10515600" cy="4330322"/>
+          </a:xfrm>
+        </p:spPr>
+        <p:txBody>
+          <a:bodyPr/>
+          <a:lstStyle/>
+          <a:p>
+            <a:r>
+              <a:rPr lang="en-US" dirty="0"/>
+              <a:t>Students who join a class channel can see feedback and assistance for other student's questions – screenshots are easy to paste.</a:t>
+            </a:r>
+          </a:p>
+          <a:p>
+            <a:endParaRPr lang="en-US" dirty="0"/>
+          </a:p>
+          <a:p>
+            <a:endParaRPr lang="en-US" dirty="0"/>
+          </a:p>
+        </p:txBody>
+      </p:sp>
+      <p:pic>
+        <p:nvPicPr>
+          <p:cNvPr id="10" name="Picture 9">
+            <a:extLst>
+              <a:ext uri="{FF2B5EF4-FFF2-40B4-BE49-F238E27FC236}">
+                <a16:creationId xmlns:a16="http://schemas.microsoft.com/office/drawing/2014/main" id="{74CAF061-7174-509A-9CAF-CCA1C73856F7}"/>
+              </a:ext>
+            </a:extLst>
+          </p:cNvPr>
+          <p:cNvPicPr>
+            <a:picLocks noChangeAspect="1"/>
+          </p:cNvPicPr>
+          <p:nvPr/>
+        </p:nvPicPr>
+        <p:blipFill>
+          <a:blip r:embed="rId3"/>
+          <a:stretch>
+            <a:fillRect/>
+          </a:stretch>
+        </p:blipFill>
+        <p:spPr>
+          <a:xfrm>
+            <a:off x="1344383" y="1834917"/>
+            <a:ext cx="10515601" cy="4299074"/>
+          </a:xfrm>
+          <a:prstGeom prst="rect">
+            <a:avLst/>
+          </a:prstGeom>
+        </p:spPr>
+      </p:pic>
+    </p:spTree>
+    <p:extLst>
+      <p:ext uri="{BB962C8B-B14F-4D97-AF65-F5344CB8AC3E}">
+        <p14:creationId xmlns:p14="http://schemas.microsoft.com/office/powerpoint/2010/main" val="3084161563"/>
+      </p:ext>
+    </p:extLst>
+  </p:cSld>
+  <p:clrMapOvr>
+    <a:masterClrMapping/>
+  </p:clrMapOvr>
+</p:sld>
+</file>
+
+<file path=ppt/slides/slide19.xml><?xml version="1.0" encoding="utf-8"?>
+<p:sld xmlns:a="http://schemas.openxmlformats.org/drawingml/2006/main" xmlns:r="http://schemas.openxmlformats.org/officeDocument/2006/relationships" xmlns:p="http://schemas.openxmlformats.org/presentationml/2006/main">
+  <p:cSld>
+    <p:spTree>
+      <p:nvGrpSpPr>
+        <p:cNvPr id="1" name=""/>
+        <p:cNvGrpSpPr/>
+        <p:nvPr/>
+      </p:nvGrpSpPr>
+      <p:grpSpPr>
+        <a:xfrm>
+          <a:off x="0" y="0"/>
+          <a:ext cx="0" cy="0"/>
+          <a:chOff x="0" y="0"/>
+          <a:chExt cx="0" cy="0"/>
+        </a:xfrm>
+      </p:grpSpPr>
+      <p:sp>
+        <p:nvSpPr>
+          <p:cNvPr id="4" name="Title 3">
+            <a:extLst>
+              <a:ext uri="{FF2B5EF4-FFF2-40B4-BE49-F238E27FC236}">
+                <a16:creationId xmlns:a16="http://schemas.microsoft.com/office/drawing/2014/main" id="{CEBC86DA-5948-973C-A1DA-318EB868F097}"/>
+              </a:ext>
+            </a:extLst>
+          </p:cNvPr>
+          <p:cNvSpPr>
+            <a:spLocks noGrp="1"/>
+          </p:cNvSpPr>
+          <p:nvPr>
+            <p:ph type="title"/>
+          </p:nvPr>
+        </p:nvSpPr>
+        <p:spPr>
+          <a:xfrm>
+            <a:off x="838199" y="122407"/>
+            <a:ext cx="10515600" cy="967091"/>
+          </a:xfrm>
+        </p:spPr>
+        <p:txBody>
+          <a:bodyPr/>
+          <a:lstStyle/>
+          <a:p>
+            <a:r>
+              <a:rPr lang="en-US" dirty="0"/>
+              <a:t>Instructor Perspective</a:t>
+            </a:r>
+          </a:p>
+        </p:txBody>
+      </p:sp>
+      <p:sp>
+        <p:nvSpPr>
+          <p:cNvPr id="3" name="Content Placeholder 2">
+            <a:extLst>
+              <a:ext uri="{FF2B5EF4-FFF2-40B4-BE49-F238E27FC236}">
+                <a16:creationId xmlns:a16="http://schemas.microsoft.com/office/drawing/2014/main" id="{54958E6B-80CF-AF18-A033-74047074A1B0}"/>
+              </a:ext>
+            </a:extLst>
+          </p:cNvPr>
+          <p:cNvSpPr>
+            <a:spLocks noGrp="1"/>
+          </p:cNvSpPr>
+          <p:nvPr>
+            <p:ph idx="1"/>
+          </p:nvPr>
+        </p:nvSpPr>
+        <p:spPr>
+          <a:xfrm>
+            <a:off x="838198" y="963038"/>
+            <a:ext cx="10515600" cy="4330322"/>
+          </a:xfrm>
+        </p:spPr>
+        <p:txBody>
+          <a:bodyPr/>
+          <a:lstStyle/>
+          <a:p>
+            <a:r>
+              <a:rPr lang="en-US" dirty="0"/>
+              <a:t>Slack is easier to use on a mobile phone or tablet</a:t>
+            </a:r>
+          </a:p>
+          <a:p>
+            <a:pPr lvl="1"/>
+            <a:r>
+              <a:rPr lang="en-US" dirty="0"/>
+              <a:t>Lower authentication thresholds</a:t>
+            </a:r>
+          </a:p>
+          <a:p>
+            <a:pPr lvl="1"/>
+            <a:r>
+              <a:rPr lang="en-US" dirty="0"/>
+              <a:t>Easier to add attachments, photos, screenshots</a:t>
+            </a:r>
+          </a:p>
+          <a:p>
+            <a:pPr lvl="1"/>
+            <a:r>
+              <a:rPr lang="en-US" dirty="0"/>
+              <a:t>Lightweight feeling compared with traditional email, less formal</a:t>
+            </a:r>
+          </a:p>
+          <a:p>
+            <a:r>
+              <a:rPr lang="en-US" dirty="0"/>
+              <a:t>Students see how professionals communicate in a work setting</a:t>
+            </a:r>
+          </a:p>
+          <a:p>
+            <a:r>
+              <a:rPr lang="en-US" dirty="0"/>
+              <a:t>It feels good to get feedback from others, even if it's </a:t>
+            </a:r>
+            <a:r>
+              <a:rPr lang="en-US"/>
+              <a:t>just a </a:t>
+            </a:r>
+            <a:r>
+              <a:rPr lang="en-US">
+                <a:sym typeface="Wingdings" panose="05000000000000000000" pitchFamily="2" charset="2"/>
+              </a:rPr>
+              <a:t> or </a:t>
+            </a:r>
+            <a:endParaRPr lang="en-US" dirty="0"/>
+          </a:p>
+          <a:p>
+            <a:endParaRPr lang="en-US" dirty="0"/>
+          </a:p>
+          <a:p>
+            <a:endParaRPr lang="en-US" dirty="0"/>
+          </a:p>
+        </p:txBody>
+      </p:sp>
+    </p:spTree>
+    <p:extLst>
+      <p:ext uri="{BB962C8B-B14F-4D97-AF65-F5344CB8AC3E}">
+        <p14:creationId xmlns:p14="http://schemas.microsoft.com/office/powerpoint/2010/main" val="596095672"/>
+      </p:ext>
+    </p:extLst>
+  </p:cSld>
+  <p:clrMapOvr>
+    <a:masterClrMapping/>
+  </p:clrMapOvr>
+</p:sld>
+</file>
+
+<file path=ppt/slides/slide2.xml><?xml version="1.0" encoding="utf-8"?>
 <p:sld xmlns:a="http://schemas.openxmlformats.org/drawingml/2006/main" xmlns:r="http://schemas.openxmlformats.org/officeDocument/2006/relationships" xmlns:p="http://schemas.openxmlformats.org/presentationml/2006/main">
   <p:cSld>
     <p:spTree>
@@ -7329,6 +9181,204 @@
           <a:lstStyle/>
           <a:p>
             <a:r>
+              <a:rPr lang="en-US"/>
+              <a:t>Overview</a:t>
+            </a:r>
+          </a:p>
+        </p:txBody>
+      </p:sp>
+      <p:sp>
+        <p:nvSpPr>
+          <p:cNvPr id="3" name="Content Placeholder 2">
+            <a:extLst>
+              <a:ext uri="{FF2B5EF4-FFF2-40B4-BE49-F238E27FC236}">
+                <a16:creationId xmlns:a16="http://schemas.microsoft.com/office/drawing/2014/main" id="{8105E254-772A-4AB1-8230-33418D800ECD}"/>
+              </a:ext>
+            </a:extLst>
+          </p:cNvPr>
+          <p:cNvSpPr>
+            <a:spLocks noGrp="1"/>
+          </p:cNvSpPr>
+          <p:nvPr>
+            <p:ph idx="1"/>
+          </p:nvPr>
+        </p:nvSpPr>
+        <p:spPr>
+          <a:xfrm>
+            <a:off x="838200" y="1307939"/>
+            <a:ext cx="10515600" cy="4615066"/>
+          </a:xfrm>
+        </p:spPr>
+        <p:txBody>
+          <a:bodyPr>
+            <a:normAutofit fontScale="92500" lnSpcReduction="10000"/>
+          </a:bodyPr>
+          <a:lstStyle/>
+          <a:p>
+            <a:r>
+              <a:rPr lang="en-US" sz="3200"/>
+              <a:t>Slack (https://slack.com/) is a widely adopted cloud-based team communication platform in industry. This session presents a case study showcasing the successful use of Slack for fostering collaboration among undergraduate students across various technology courses. It will provide insights into how Slack was integrated into course curriculum to enhance communication, project management, and teamwork among students. Attendees will learn about the setup of Slack workspaces, the creation of course-specific channels, the integration of tools, and the adoption of digital communication best practices in order to enrich  the educational experience and prepare students for the collaborative demands of the tech industry.</a:t>
+            </a:r>
+            <a:endParaRPr lang="en-US" sz="2800"/>
+          </a:p>
+        </p:txBody>
+      </p:sp>
+    </p:spTree>
+    <p:extLst>
+      <p:ext uri="{BB962C8B-B14F-4D97-AF65-F5344CB8AC3E}">
+        <p14:creationId xmlns:p14="http://schemas.microsoft.com/office/powerpoint/2010/main" val="1697206845"/>
+      </p:ext>
+    </p:extLst>
+  </p:cSld>
+  <p:clrMapOvr>
+    <a:masterClrMapping/>
+  </p:clrMapOvr>
+</p:sld>
+</file>
+
+<file path=ppt/slides/slide20.xml><?xml version="1.0" encoding="utf-8"?>
+<p:sld xmlns:a="http://schemas.openxmlformats.org/drawingml/2006/main" xmlns:r="http://schemas.openxmlformats.org/officeDocument/2006/relationships" xmlns:p="http://schemas.openxmlformats.org/presentationml/2006/main">
+  <p:cSld>
+    <p:spTree>
+      <p:nvGrpSpPr>
+        <p:cNvPr id="1" name=""/>
+        <p:cNvGrpSpPr/>
+        <p:nvPr/>
+      </p:nvGrpSpPr>
+      <p:grpSpPr>
+        <a:xfrm>
+          <a:off x="0" y="0"/>
+          <a:ext cx="0" cy="0"/>
+          <a:chOff x="0" y="0"/>
+          <a:chExt cx="0" cy="0"/>
+        </a:xfrm>
+      </p:grpSpPr>
+      <p:sp>
+        <p:nvSpPr>
+          <p:cNvPr id="4" name="Title 3">
+            <a:extLst>
+              <a:ext uri="{FF2B5EF4-FFF2-40B4-BE49-F238E27FC236}">
+                <a16:creationId xmlns:a16="http://schemas.microsoft.com/office/drawing/2014/main" id="{CEBC86DA-5948-973C-A1DA-318EB868F097}"/>
+              </a:ext>
+            </a:extLst>
+          </p:cNvPr>
+          <p:cNvSpPr>
+            <a:spLocks noGrp="1"/>
+          </p:cNvSpPr>
+          <p:nvPr>
+            <p:ph type="title"/>
+          </p:nvPr>
+        </p:nvSpPr>
+        <p:spPr>
+          <a:xfrm>
+            <a:off x="838199" y="122407"/>
+            <a:ext cx="10515600" cy="967091"/>
+          </a:xfrm>
+        </p:spPr>
+        <p:txBody>
+          <a:bodyPr/>
+          <a:lstStyle/>
+          <a:p>
+            <a:r>
+              <a:rPr lang="en-US" dirty="0"/>
+              <a:t>Instructor Perspective</a:t>
+            </a:r>
+          </a:p>
+        </p:txBody>
+      </p:sp>
+      <p:sp>
+        <p:nvSpPr>
+          <p:cNvPr id="3" name="Content Placeholder 2">
+            <a:extLst>
+              <a:ext uri="{FF2B5EF4-FFF2-40B4-BE49-F238E27FC236}">
+                <a16:creationId xmlns:a16="http://schemas.microsoft.com/office/drawing/2014/main" id="{54958E6B-80CF-AF18-A033-74047074A1B0}"/>
+              </a:ext>
+            </a:extLst>
+          </p:cNvPr>
+          <p:cNvSpPr>
+            <a:spLocks noGrp="1"/>
+          </p:cNvSpPr>
+          <p:nvPr>
+            <p:ph idx="1"/>
+          </p:nvPr>
+        </p:nvSpPr>
+        <p:spPr>
+          <a:xfrm>
+            <a:off x="838198" y="963038"/>
+            <a:ext cx="10515600" cy="3786303"/>
+          </a:xfrm>
+        </p:spPr>
+        <p:txBody>
+          <a:bodyPr/>
+          <a:lstStyle/>
+          <a:p>
+            <a:r>
+              <a:rPr lang="en-US" dirty="0"/>
+              <a:t>Students encourage and support each other during difficult times</a:t>
+            </a:r>
+          </a:p>
+          <a:p>
+            <a:endParaRPr lang="en-US" dirty="0"/>
+          </a:p>
+        </p:txBody>
+      </p:sp>
+    </p:spTree>
+    <p:extLst>
+      <p:ext uri="{BB962C8B-B14F-4D97-AF65-F5344CB8AC3E}">
+        <p14:creationId xmlns:p14="http://schemas.microsoft.com/office/powerpoint/2010/main" val="1342953347"/>
+      </p:ext>
+    </p:extLst>
+  </p:cSld>
+  <p:clrMapOvr>
+    <a:masterClrMapping/>
+  </p:clrMapOvr>
+</p:sld>
+</file>
+
+<file path=ppt/slides/slide21.xml><?xml version="1.0" encoding="utf-8"?>
+<p:sld xmlns:a="http://schemas.openxmlformats.org/drawingml/2006/main" xmlns:r="http://schemas.openxmlformats.org/officeDocument/2006/relationships" xmlns:p="http://schemas.openxmlformats.org/presentationml/2006/main">
+  <p:cSld>
+    <p:spTree>
+      <p:nvGrpSpPr>
+        <p:cNvPr id="1" name=""/>
+        <p:cNvGrpSpPr/>
+        <p:nvPr/>
+      </p:nvGrpSpPr>
+      <p:grpSpPr>
+        <a:xfrm>
+          <a:off x="0" y="0"/>
+          <a:ext cx="0" cy="0"/>
+          <a:chOff x="0" y="0"/>
+          <a:chExt cx="0" cy="0"/>
+        </a:xfrm>
+      </p:grpSpPr>
+      <p:sp>
+        <p:nvSpPr>
+          <p:cNvPr id="2" name="Title 1">
+            <a:extLst>
+              <a:ext uri="{FF2B5EF4-FFF2-40B4-BE49-F238E27FC236}">
+                <a16:creationId xmlns:a16="http://schemas.microsoft.com/office/drawing/2014/main" id="{1193C801-427D-4761-B139-63C3D71F6842}"/>
+              </a:ext>
+            </a:extLst>
+          </p:cNvPr>
+          <p:cNvSpPr>
+            <a:spLocks noGrp="1"/>
+          </p:cNvSpPr>
+          <p:nvPr>
+            <p:ph type="title"/>
+          </p:nvPr>
+        </p:nvSpPr>
+        <p:spPr>
+          <a:xfrm>
+            <a:off x="838200" y="290652"/>
+            <a:ext cx="10515600" cy="780769"/>
+          </a:xfrm>
+        </p:spPr>
+        <p:txBody>
+          <a:bodyPr/>
+          <a:lstStyle/>
+          <a:p>
+            <a:r>
               <a:rPr lang="en-US" dirty="0"/>
               <a:t>Student Experience (Steven Gsell)</a:t>
             </a:r>
@@ -7408,7 +9458,7 @@
 </p:sld>
 </file>
 
-<file path=ppt/slides/slide15.xml><?xml version="1.0" encoding="utf-8"?>
+<file path=ppt/slides/slide22.xml><?xml version="1.0" encoding="utf-8"?>
 <p:sld xmlns:a="http://schemas.openxmlformats.org/drawingml/2006/main" xmlns:r="http://schemas.openxmlformats.org/officeDocument/2006/relationships" xmlns:p="http://schemas.openxmlformats.org/presentationml/2006/main">
   <p:cSld>
     <p:spTree>
@@ -7715,7 +9765,7 @@
 </p:sld>
 </file>
 
-<file path=ppt/slides/slide16.xml><?xml version="1.0" encoding="utf-8"?>
+<file path=ppt/slides/slide23.xml><?xml version="1.0" encoding="utf-8"?>
 <p:sld xmlns:a="http://schemas.openxmlformats.org/drawingml/2006/main" xmlns:r="http://schemas.openxmlformats.org/officeDocument/2006/relationships" xmlns:p="http://schemas.openxmlformats.org/presentationml/2006/main">
   <p:cSld>
     <p:spTree>
@@ -8181,7 +10231,7 @@
 </p:sld>
 </file>
 
-<file path=ppt/slides/slide17.xml><?xml version="1.0" encoding="utf-8"?>
+<file path=ppt/slides/slide24.xml><?xml version="1.0" encoding="utf-8"?>
 <p:sld xmlns:a="http://schemas.openxmlformats.org/drawingml/2006/main" xmlns:r="http://schemas.openxmlformats.org/officeDocument/2006/relationships" xmlns:p="http://schemas.openxmlformats.org/presentationml/2006/main">
   <p:cSld>
     <p:spTree>
@@ -8569,7 +10619,7 @@
 </p:sld>
 </file>
 
-<file path=ppt/slides/slide18.xml><?xml version="1.0" encoding="utf-8"?>
+<file path=ppt/slides/slide25.xml><?xml version="1.0" encoding="utf-8"?>
 <p:sld xmlns:a="http://schemas.openxmlformats.org/drawingml/2006/main" xmlns:r="http://schemas.openxmlformats.org/officeDocument/2006/relationships" xmlns:p="http://schemas.openxmlformats.org/presentationml/2006/main">
   <p:cSld>
     <p:spTree>
@@ -8747,7 +10797,7 @@
 </p:sld>
 </file>
 
-<file path=ppt/slides/slide19.xml><?xml version="1.0" encoding="utf-8"?>
+<file path=ppt/slides/slide26.xml><?xml version="1.0" encoding="utf-8"?>
 <p:sld xmlns:a="http://schemas.openxmlformats.org/drawingml/2006/main" xmlns:r="http://schemas.openxmlformats.org/officeDocument/2006/relationships" xmlns:p="http://schemas.openxmlformats.org/presentationml/2006/main">
   <p:cSld>
     <p:spTree>
@@ -9054,106 +11104,7 @@
 </p:sld>
 </file>
 
-<file path=ppt/slides/slide2.xml><?xml version="1.0" encoding="utf-8"?>
-<p:sld xmlns:a="http://schemas.openxmlformats.org/drawingml/2006/main" xmlns:r="http://schemas.openxmlformats.org/officeDocument/2006/relationships" xmlns:p="http://schemas.openxmlformats.org/presentationml/2006/main">
-  <p:cSld>
-    <p:spTree>
-      <p:nvGrpSpPr>
-        <p:cNvPr id="1" name=""/>
-        <p:cNvGrpSpPr/>
-        <p:nvPr/>
-      </p:nvGrpSpPr>
-      <p:grpSpPr>
-        <a:xfrm>
-          <a:off x="0" y="0"/>
-          <a:ext cx="0" cy="0"/>
-          <a:chOff x="0" y="0"/>
-          <a:chExt cx="0" cy="0"/>
-        </a:xfrm>
-      </p:grpSpPr>
-      <p:sp>
-        <p:nvSpPr>
-          <p:cNvPr id="2" name="Title 1">
-            <a:extLst>
-              <a:ext uri="{FF2B5EF4-FFF2-40B4-BE49-F238E27FC236}">
-                <a16:creationId xmlns:a16="http://schemas.microsoft.com/office/drawing/2014/main" id="{1193C801-427D-4761-B139-63C3D71F6842}"/>
-              </a:ext>
-            </a:extLst>
-          </p:cNvPr>
-          <p:cNvSpPr>
-            <a:spLocks noGrp="1"/>
-          </p:cNvSpPr>
-          <p:nvPr>
-            <p:ph type="title"/>
-          </p:nvPr>
-        </p:nvSpPr>
-        <p:spPr>
-          <a:xfrm>
-            <a:off x="838200" y="290652"/>
-            <a:ext cx="10515600" cy="780769"/>
-          </a:xfrm>
-        </p:spPr>
-        <p:txBody>
-          <a:bodyPr/>
-          <a:lstStyle/>
-          <a:p>
-            <a:r>
-              <a:rPr lang="en-US"/>
-              <a:t>Overview</a:t>
-            </a:r>
-          </a:p>
-        </p:txBody>
-      </p:sp>
-      <p:sp>
-        <p:nvSpPr>
-          <p:cNvPr id="3" name="Content Placeholder 2">
-            <a:extLst>
-              <a:ext uri="{FF2B5EF4-FFF2-40B4-BE49-F238E27FC236}">
-                <a16:creationId xmlns:a16="http://schemas.microsoft.com/office/drawing/2014/main" id="{8105E254-772A-4AB1-8230-33418D800ECD}"/>
-              </a:ext>
-            </a:extLst>
-          </p:cNvPr>
-          <p:cNvSpPr>
-            <a:spLocks noGrp="1"/>
-          </p:cNvSpPr>
-          <p:nvPr>
-            <p:ph idx="1"/>
-          </p:nvPr>
-        </p:nvSpPr>
-        <p:spPr>
-          <a:xfrm>
-            <a:off x="838200" y="1307939"/>
-            <a:ext cx="10515600" cy="4615066"/>
-          </a:xfrm>
-        </p:spPr>
-        <p:txBody>
-          <a:bodyPr>
-            <a:normAutofit fontScale="92500" lnSpcReduction="10000"/>
-          </a:bodyPr>
-          <a:lstStyle/>
-          <a:p>
-            <a:r>
-              <a:rPr lang="en-US" sz="3200"/>
-              <a:t>Slack (https://slack.com/) is a widely adopted cloud-based team communication platform in industry. This session presents a case study showcasing the successful use of Slack for fostering collaboration among undergraduate students across various technology courses. It will provide insights into how Slack was integrated into course curriculum to enhance communication, project management, and teamwork among students. Attendees will learn about the setup of Slack workspaces, the creation of course-specific channels, the integration of tools, and the adoption of digital communication best practices in order to enrich  the educational experience and prepare students for the collaborative demands of the tech industry.</a:t>
-            </a:r>
-            <a:endParaRPr lang="en-US" sz="2800"/>
-          </a:p>
-        </p:txBody>
-      </p:sp>
-    </p:spTree>
-    <p:extLst>
-      <p:ext uri="{BB962C8B-B14F-4D97-AF65-F5344CB8AC3E}">
-        <p14:creationId xmlns:p14="http://schemas.microsoft.com/office/powerpoint/2010/main" val="1697206845"/>
-      </p:ext>
-    </p:extLst>
-  </p:cSld>
-  <p:clrMapOvr>
-    <a:masterClrMapping/>
-  </p:clrMapOvr>
-</p:sld>
-</file>
-
-<file path=ppt/slides/slide20.xml><?xml version="1.0" encoding="utf-8"?>
+<file path=ppt/slides/slide27.xml><?xml version="1.0" encoding="utf-8"?>
 <p:sld xmlns:a="http://schemas.openxmlformats.org/drawingml/2006/main" xmlns:r="http://schemas.openxmlformats.org/officeDocument/2006/relationships" xmlns:p="http://schemas.openxmlformats.org/presentationml/2006/main">
   <p:cSld>
     <p:spTree>
@@ -9458,7 +11409,7 @@
 </p:sld>
 </file>
 
-<file path=ppt/slides/slide21.xml><?xml version="1.0" encoding="utf-8"?>
+<file path=ppt/slides/slide28.xml><?xml version="1.0" encoding="utf-8"?>
 <p:sld xmlns:a="http://schemas.openxmlformats.org/drawingml/2006/main" xmlns:r="http://schemas.openxmlformats.org/officeDocument/2006/relationships" xmlns:p="http://schemas.openxmlformats.org/presentationml/2006/main">
   <p:cSld>
     <p:spTree>
@@ -10112,7 +12063,7 @@
           <a:lstStyle/>
           <a:p>
             <a:r>
-              <a:rPr lang="en-US"/>
+              <a:rPr lang="en-US" dirty="0"/>
               <a:t>Shared Undergraduate Workspace</a:t>
             </a:r>
           </a:p>
@@ -10147,37 +12098,37 @@
           <a:lstStyle/>
           <a:p>
             <a:r>
-              <a:rPr lang="en-US"/>
+              <a:rPr lang="en-US" dirty="0"/>
               <a:t>Cross-course announcements: announcements reach all students across different courses simultaneously, ensuring important information is disseminated quickly and efficiently.</a:t>
             </a:r>
           </a:p>
           <a:p>
             <a:r>
-              <a:rPr lang="en-US"/>
+              <a:rPr lang="en-US" dirty="0"/>
               <a:t>Facilitating mentorship: senior students or those who have taken certain courses can mentor juniors, providing guidance and sharing their experiences, which can be very beneficial for newcomers.</a:t>
             </a:r>
           </a:p>
           <a:p>
             <a:r>
-              <a:rPr lang="en-US"/>
+              <a:rPr lang="en-US" dirty="0"/>
               <a:t>Integrated tools and apps: integrations (e.g., GitHub, Trello, Google Drive) can streamline project management and collaborative tasks across courses, enhancing productivity and learning.</a:t>
             </a:r>
           </a:p>
           <a:p>
             <a:r>
-              <a:rPr lang="en-US"/>
+              <a:rPr lang="en-US" dirty="0"/>
               <a:t>Enhanced learning experience: informal communication style can make students feel more comfortable asking questions and participating in discussions, leading to a more engaging and interactive learning experience.</a:t>
             </a:r>
           </a:p>
           <a:p>
             <a:r>
-              <a:rPr lang="en-US"/>
+              <a:rPr lang="en-US" dirty="0"/>
               <a:t>Feedback and improvement: feedback from students about the courses in real-time, allowing for continuous improvement based on student input.</a:t>
             </a:r>
           </a:p>
           <a:p>
             <a:r>
-              <a:rPr lang="en-US"/>
+              <a:rPr lang="en-US" dirty="0"/>
               <a:t>Event coordination: organize events, such as hackathons, guest lectures, or study sessions, becomes easier.</a:t>
             </a:r>
           </a:p>

--- a/LeveragingSlackForStudentCollaboration.pptx
+++ b/LeveragingSlackForStudentCollaboration.pptx
@@ -6506,7 +6506,7 @@
           <a:p>
             <a:r>
               <a:rPr lang="en-US" sz="2400"/>
-              <a:t>Kathryn Arraya 	(A.S. Data Science Technology)</a:t>
+              <a:t>Kathryn Araya 		(A.S. Data Science Technology)</a:t>
             </a:r>
           </a:p>
           <a:p>

--- a/LeveragingSlackForStudentCollaboration.pptx
+++ b/LeveragingSlackForStudentCollaboration.pptx
@@ -5,7 +5,7 @@
     <p:sldMasterId id="2147483660" r:id="rId1"/>
   </p:sldMasterIdLst>
   <p:notesMasterIdLst>
-    <p:notesMasterId r:id="rId30"/>
+    <p:notesMasterId r:id="rId26"/>
   </p:notesMasterIdLst>
   <p:sldIdLst>
     <p:sldId id="309" r:id="rId2"/>
@@ -19,23 +19,19 @@
     <p:sldId id="1379" r:id="rId10"/>
     <p:sldId id="1380" r:id="rId11"/>
     <p:sldId id="1391" r:id="rId12"/>
-    <p:sldId id="1392" r:id="rId13"/>
-    <p:sldId id="258" r:id="rId14"/>
-    <p:sldId id="1393" r:id="rId15"/>
-    <p:sldId id="1394" r:id="rId16"/>
-    <p:sldId id="1395" r:id="rId17"/>
-    <p:sldId id="1396" r:id="rId18"/>
-    <p:sldId id="1398" r:id="rId19"/>
-    <p:sldId id="1400" r:id="rId20"/>
-    <p:sldId id="1399" r:id="rId21"/>
-    <p:sldId id="1383" r:id="rId22"/>
-    <p:sldId id="1384" r:id="rId23"/>
-    <p:sldId id="1385" r:id="rId24"/>
-    <p:sldId id="1386" r:id="rId25"/>
-    <p:sldId id="1387" r:id="rId26"/>
-    <p:sldId id="1388" r:id="rId27"/>
-    <p:sldId id="1389" r:id="rId28"/>
-    <p:sldId id="1372" r:id="rId29"/>
+    <p:sldId id="1393" r:id="rId13"/>
+    <p:sldId id="1394" r:id="rId14"/>
+    <p:sldId id="1395" r:id="rId15"/>
+    <p:sldId id="1392" r:id="rId16"/>
+    <p:sldId id="258" r:id="rId17"/>
+    <p:sldId id="1383" r:id="rId18"/>
+    <p:sldId id="1384" r:id="rId19"/>
+    <p:sldId id="1385" r:id="rId20"/>
+    <p:sldId id="1386" r:id="rId21"/>
+    <p:sldId id="1387" r:id="rId22"/>
+    <p:sldId id="1388" r:id="rId23"/>
+    <p:sldId id="1389" r:id="rId24"/>
+    <p:sldId id="1372" r:id="rId25"/>
   </p:sldIdLst>
   <p:sldSz cx="12192000" cy="6858000"/>
   <p:notesSz cx="6858000" cy="9144000"/>
@@ -145,7 +141,7 @@
 <file path=ppt/revisionInfo.xml><?xml version="1.0" encoding="utf-8"?>
 <p1510:revInfo xmlns:a="http://schemas.openxmlformats.org/drawingml/2006/main" xmlns:r="http://schemas.openxmlformats.org/officeDocument/2006/relationships" xmlns:p1510="http://schemas.microsoft.com/office/powerpoint/2015/10/main">
   <p1510:revLst>
-    <p1510:client id="{0975EBDE-12D9-4E5A-AECA-ECCCD1A0861B}" v="8" dt="2024-07-30T22:10:33.188"/>
+    <p1510:client id="{BDCE088A-33BF-429B-9FCA-48A5EDA83B0C}" v="4" dt="2024-07-31T15:50:45.443"/>
   </p1510:revLst>
 </p1510:revInfo>
 </file>
@@ -153,89 +149,20 @@
 <file path=ppt/changesInfos/changesInfo1.xml><?xml version="1.0" encoding="utf-8"?>
 <pc:chgInfo xmlns:a="http://schemas.openxmlformats.org/drawingml/2006/main" xmlns:r="http://schemas.openxmlformats.org/officeDocument/2006/relationships" xmlns:ac="http://schemas.microsoft.com/office/drawing/2013/main/command" xmlns:pc="http://schemas.microsoft.com/office/powerpoint/2013/main/command">
   <pc:docChgLst>
-    <pc:chgData name="Gsell, Steven D." userId="6e84bc59-7e38-490f-9209-f43946aa50d2" providerId="ADAL" clId="{D88466B7-03C0-4978-B1B6-A6C2E089C6A2}"/>
-    <pc:docChg chg="undo custSel modSld">
-      <pc:chgData name="Gsell, Steven D." userId="6e84bc59-7e38-490f-9209-f43946aa50d2" providerId="ADAL" clId="{D88466B7-03C0-4978-B1B6-A6C2E089C6A2}" dt="2024-07-27T21:37:25.202" v="81"/>
+    <pc:chgData name="Araya, Kathryn B." userId="060eb195-9722-4889-b982-6ebd66da43b8" providerId="ADAL" clId="{BDCE088A-33BF-429B-9FCA-48A5EDA83B0C}"/>
+    <pc:docChg chg="undo custSel addSld modSld">
+      <pc:chgData name="Araya, Kathryn B." userId="060eb195-9722-4889-b982-6ebd66da43b8" providerId="ADAL" clId="{BDCE088A-33BF-429B-9FCA-48A5EDA83B0C}" dt="2024-07-31T16:18:21.994" v="656" actId="20577"/>
       <pc:docMkLst>
         <pc:docMk/>
       </pc:docMkLst>
       <pc:sldChg chg="modSp mod">
-        <pc:chgData name="Gsell, Steven D." userId="6e84bc59-7e38-490f-9209-f43946aa50d2" providerId="ADAL" clId="{D88466B7-03C0-4978-B1B6-A6C2E089C6A2}" dt="2024-07-27T21:37:25.202" v="81"/>
-        <pc:sldMkLst>
-          <pc:docMk/>
-          <pc:sldMk cId="3943678850" sldId="1387"/>
-        </pc:sldMkLst>
-        <pc:spChg chg="mod">
-          <ac:chgData name="Gsell, Steven D." userId="6e84bc59-7e38-490f-9209-f43946aa50d2" providerId="ADAL" clId="{D88466B7-03C0-4978-B1B6-A6C2E089C6A2}" dt="2024-07-27T21:37:25.202" v="81"/>
-          <ac:spMkLst>
-            <pc:docMk/>
-            <pc:sldMk cId="3943678850" sldId="1387"/>
-            <ac:spMk id="10" creationId="{978843E6-49FE-CE26-265D-A2D19E4793C0}"/>
-          </ac:spMkLst>
-        </pc:spChg>
-      </pc:sldChg>
-      <pc:sldChg chg="modSp mod">
-        <pc:chgData name="Gsell, Steven D." userId="6e84bc59-7e38-490f-9209-f43946aa50d2" providerId="ADAL" clId="{D88466B7-03C0-4978-B1B6-A6C2E089C6A2}" dt="2024-07-27T21:37:01.524" v="80" actId="20577"/>
-        <pc:sldMkLst>
-          <pc:docMk/>
-          <pc:sldMk cId="2257766621" sldId="1388"/>
-        </pc:sldMkLst>
-        <pc:spChg chg="mod">
-          <ac:chgData name="Gsell, Steven D." userId="6e84bc59-7e38-490f-9209-f43946aa50d2" providerId="ADAL" clId="{D88466B7-03C0-4978-B1B6-A6C2E089C6A2}" dt="2024-07-27T21:37:01.524" v="80" actId="20577"/>
-          <ac:spMkLst>
-            <pc:docMk/>
-            <pc:sldMk cId="2257766621" sldId="1388"/>
-            <ac:spMk id="10" creationId="{978843E6-49FE-CE26-265D-A2D19E4793C0}"/>
-          </ac:spMkLst>
-        </pc:spChg>
-      </pc:sldChg>
-      <pc:sldChg chg="modSp mod">
-        <pc:chgData name="Gsell, Steven D." userId="6e84bc59-7e38-490f-9209-f43946aa50d2" providerId="ADAL" clId="{D88466B7-03C0-4978-B1B6-A6C2E089C6A2}" dt="2024-07-27T21:36:53.429" v="68" actId="5793"/>
-        <pc:sldMkLst>
-          <pc:docMk/>
-          <pc:sldMk cId="857814757" sldId="1389"/>
-        </pc:sldMkLst>
-        <pc:spChg chg="mod">
-          <ac:chgData name="Gsell, Steven D." userId="6e84bc59-7e38-490f-9209-f43946aa50d2" providerId="ADAL" clId="{D88466B7-03C0-4978-B1B6-A6C2E089C6A2}" dt="2024-07-27T21:36:53.429" v="68" actId="5793"/>
-          <ac:spMkLst>
-            <pc:docMk/>
-            <pc:sldMk cId="857814757" sldId="1389"/>
-            <ac:spMk id="10" creationId="{978843E6-49FE-CE26-265D-A2D19E4793C0}"/>
-          </ac:spMkLst>
-        </pc:spChg>
-      </pc:sldChg>
-    </pc:docChg>
-  </pc:docChgLst>
-  <pc:docChgLst>
-    <pc:chgData name="Brauda, Pamela T." userId="84fd4989-2b49-471a-9a61-f177abea8ce3" providerId="ADAL" clId="{0975EBDE-12D9-4E5A-AECA-ECCCD1A0861B}"/>
-    <pc:docChg chg="custSel addSld delSld modSld sldOrd">
-      <pc:chgData name="Brauda, Pamela T." userId="84fd4989-2b49-471a-9a61-f177abea8ce3" providerId="ADAL" clId="{0975EBDE-12D9-4E5A-AECA-ECCCD1A0861B}" dt="2024-07-30T22:10:39.618" v="1230" actId="20577"/>
-      <pc:docMkLst>
-        <pc:docMk/>
-      </pc:docMkLst>
-      <pc:sldChg chg="modSp mod">
-        <pc:chgData name="Brauda, Pamela T." userId="84fd4989-2b49-471a-9a61-f177abea8ce3" providerId="ADAL" clId="{0975EBDE-12D9-4E5A-AECA-ECCCD1A0861B}" dt="2024-07-30T21:12:45.877" v="54" actId="255"/>
-        <pc:sldMkLst>
-          <pc:docMk/>
-          <pc:sldMk cId="1246754225" sldId="258"/>
-        </pc:sldMkLst>
-        <pc:spChg chg="mod">
-          <ac:chgData name="Brauda, Pamela T." userId="84fd4989-2b49-471a-9a61-f177abea8ce3" providerId="ADAL" clId="{0975EBDE-12D9-4E5A-AECA-ECCCD1A0861B}" dt="2024-07-30T21:12:45.877" v="54" actId="255"/>
-          <ac:spMkLst>
-            <pc:docMk/>
-            <pc:sldMk cId="1246754225" sldId="258"/>
-            <ac:spMk id="8" creationId="{A180AD3A-5A89-B9DB-E16B-C481A20532CD}"/>
-          </ac:spMkLst>
-        </pc:spChg>
-      </pc:sldChg>
-      <pc:sldChg chg="modSp mod">
-        <pc:chgData name="Brauda, Pamela T." userId="84fd4989-2b49-471a-9a61-f177abea8ce3" providerId="ADAL" clId="{0975EBDE-12D9-4E5A-AECA-ECCCD1A0861B}" dt="2024-07-30T21:03:34.152" v="14" actId="20577"/>
+        <pc:chgData name="Araya, Kathryn B." userId="060eb195-9722-4889-b982-6ebd66da43b8" providerId="ADAL" clId="{BDCE088A-33BF-429B-9FCA-48A5EDA83B0C}" dt="2024-07-31T15:55:10.193" v="391" actId="27636"/>
         <pc:sldMkLst>
           <pc:docMk/>
           <pc:sldMk cId="1023016579" sldId="1391"/>
         </pc:sldMkLst>
         <pc:spChg chg="mod">
-          <ac:chgData name="Brauda, Pamela T." userId="84fd4989-2b49-471a-9a61-f177abea8ce3" providerId="ADAL" clId="{0975EBDE-12D9-4E5A-AECA-ECCCD1A0861B}" dt="2024-07-30T21:03:34.152" v="14" actId="20577"/>
+          <ac:chgData name="Araya, Kathryn B." userId="060eb195-9722-4889-b982-6ebd66da43b8" providerId="ADAL" clId="{BDCE088A-33BF-429B-9FCA-48A5EDA83B0C}" dt="2024-07-31T15:55:10.193" v="391" actId="27636"/>
           <ac:spMkLst>
             <pc:docMk/>
             <pc:sldMk cId="1023016579" sldId="1391"/>
@@ -243,269 +170,146 @@
           </ac:spMkLst>
         </pc:spChg>
       </pc:sldChg>
-      <pc:sldChg chg="modSp add mod">
-        <pc:chgData name="Brauda, Pamela T." userId="84fd4989-2b49-471a-9a61-f177abea8ce3" providerId="ADAL" clId="{0975EBDE-12D9-4E5A-AECA-ECCCD1A0861B}" dt="2024-07-30T21:12:13.157" v="50" actId="255"/>
+      <pc:sldChg chg="addSp modSp new mod">
+        <pc:chgData name="Araya, Kathryn B." userId="060eb195-9722-4889-b982-6ebd66da43b8" providerId="ADAL" clId="{BDCE088A-33BF-429B-9FCA-48A5EDA83B0C}" dt="2024-07-31T16:17:40.922" v="646" actId="1076"/>
         <pc:sldMkLst>
           <pc:docMk/>
-          <pc:sldMk cId="1947754324" sldId="1393"/>
+          <pc:sldMk cId="3527621785" sldId="1393"/>
         </pc:sldMkLst>
-        <pc:spChg chg="mod">
-          <ac:chgData name="Brauda, Pamela T." userId="84fd4989-2b49-471a-9a61-f177abea8ce3" providerId="ADAL" clId="{0975EBDE-12D9-4E5A-AECA-ECCCD1A0861B}" dt="2024-07-30T21:12:13.157" v="50" actId="255"/>
+        <pc:spChg chg="add mod">
+          <ac:chgData name="Araya, Kathryn B." userId="060eb195-9722-4889-b982-6ebd66da43b8" providerId="ADAL" clId="{BDCE088A-33BF-429B-9FCA-48A5EDA83B0C}" dt="2024-07-31T16:17:40.922" v="646" actId="1076"/>
           <ac:spMkLst>
             <pc:docMk/>
-            <pc:sldMk cId="1947754324" sldId="1393"/>
-            <ac:spMk id="8" creationId="{A180AD3A-5A89-B9DB-E16B-C481A20532CD}"/>
+            <pc:sldMk cId="3527621785" sldId="1393"/>
+            <ac:spMk id="3" creationId="{A7840146-279C-69D8-A841-0DB43D8513C3}"/>
           </ac:spMkLst>
         </pc:spChg>
       </pc:sldChg>
-      <pc:sldChg chg="addSp delSp modSp add mod">
-        <pc:chgData name="Brauda, Pamela T." userId="84fd4989-2b49-471a-9a61-f177abea8ce3" providerId="ADAL" clId="{0975EBDE-12D9-4E5A-AECA-ECCCD1A0861B}" dt="2024-07-30T21:12:00.206" v="48" actId="255"/>
+      <pc:sldChg chg="addSp delSp modSp new mod">
+        <pc:chgData name="Araya, Kathryn B." userId="060eb195-9722-4889-b982-6ebd66da43b8" providerId="ADAL" clId="{BDCE088A-33BF-429B-9FCA-48A5EDA83B0C}" dt="2024-07-31T16:15:47.060" v="627" actId="20577"/>
         <pc:sldMkLst>
           <pc:docMk/>
-          <pc:sldMk cId="1850204513" sldId="1394"/>
+          <pc:sldMk cId="2202081751" sldId="1394"/>
         </pc:sldMkLst>
         <pc:spChg chg="add mod">
-          <ac:chgData name="Brauda, Pamela T." userId="84fd4989-2b49-471a-9a61-f177abea8ce3" providerId="ADAL" clId="{0975EBDE-12D9-4E5A-AECA-ECCCD1A0861B}" dt="2024-07-30T21:12:00.206" v="48" actId="255"/>
+          <ac:chgData name="Araya, Kathryn B." userId="060eb195-9722-4889-b982-6ebd66da43b8" providerId="ADAL" clId="{BDCE088A-33BF-429B-9FCA-48A5EDA83B0C}" dt="2024-07-31T16:13:59.522" v="608" actId="1076"/>
           <ac:spMkLst>
             <pc:docMk/>
-            <pc:sldMk cId="1850204513" sldId="1394"/>
-            <ac:spMk id="3" creationId="{89983452-CAC3-73FE-DDF8-9317DBC12AFA}"/>
+            <pc:sldMk cId="2202081751" sldId="1394"/>
+            <ac:spMk id="3" creationId="{5D335F4E-0A6A-D99F-9A75-5C84D81F4F32}"/>
           </ac:spMkLst>
         </pc:spChg>
-        <pc:spChg chg="del mod">
-          <ac:chgData name="Brauda, Pamela T." userId="84fd4989-2b49-471a-9a61-f177abea8ce3" providerId="ADAL" clId="{0975EBDE-12D9-4E5A-AECA-ECCCD1A0861B}" dt="2024-07-30T21:10:20.601" v="29" actId="21"/>
+        <pc:spChg chg="add del mod">
+          <ac:chgData name="Araya, Kathryn B." userId="060eb195-9722-4889-b982-6ebd66da43b8" providerId="ADAL" clId="{BDCE088A-33BF-429B-9FCA-48A5EDA83B0C}" dt="2024-07-31T15:47:07.275" v="205" actId="21"/>
           <ac:spMkLst>
             <pc:docMk/>
-            <pc:sldMk cId="1850204513" sldId="1394"/>
-            <ac:spMk id="8" creationId="{A180AD3A-5A89-B9DB-E16B-C481A20532CD}"/>
+            <pc:sldMk cId="2202081751" sldId="1394"/>
+            <ac:spMk id="5" creationId="{AECD7060-A6BC-7EE2-96BA-3D048EE44F83}"/>
+          </ac:spMkLst>
+        </pc:spChg>
+        <pc:spChg chg="add mod">
+          <ac:chgData name="Araya, Kathryn B." userId="060eb195-9722-4889-b982-6ebd66da43b8" providerId="ADAL" clId="{BDCE088A-33BF-429B-9FCA-48A5EDA83B0C}" dt="2024-07-31T16:13:45.687" v="607" actId="207"/>
+          <ac:spMkLst>
+            <pc:docMk/>
+            <pc:sldMk cId="2202081751" sldId="1394"/>
+            <ac:spMk id="6" creationId="{34A753BA-47DA-7D55-38EE-D0517F574EEA}"/>
+          </ac:spMkLst>
+        </pc:spChg>
+        <pc:spChg chg="add del mod">
+          <ac:chgData name="Araya, Kathryn B." userId="060eb195-9722-4889-b982-6ebd66da43b8" providerId="ADAL" clId="{BDCE088A-33BF-429B-9FCA-48A5EDA83B0C}" dt="2024-07-31T15:47:23.930" v="209"/>
+          <ac:spMkLst>
+            <pc:docMk/>
+            <pc:sldMk cId="2202081751" sldId="1394"/>
+            <ac:spMk id="7" creationId="{6F632A1E-3D92-C388-2547-D04B689BD6A9}"/>
+          </ac:spMkLst>
+        </pc:spChg>
+        <pc:spChg chg="add mod">
+          <ac:chgData name="Araya, Kathryn B." userId="060eb195-9722-4889-b982-6ebd66da43b8" providerId="ADAL" clId="{BDCE088A-33BF-429B-9FCA-48A5EDA83B0C}" dt="2024-07-31T16:13:36.078" v="606" actId="207"/>
+          <ac:spMkLst>
+            <pc:docMk/>
+            <pc:sldMk cId="2202081751" sldId="1394"/>
+            <ac:spMk id="8" creationId="{AECD7060-A6BC-7EE2-96BA-3D048EE44F83}"/>
+          </ac:spMkLst>
+        </pc:spChg>
+        <pc:spChg chg="add del mod">
+          <ac:chgData name="Araya, Kathryn B." userId="060eb195-9722-4889-b982-6ebd66da43b8" providerId="ADAL" clId="{BDCE088A-33BF-429B-9FCA-48A5EDA83B0C}" dt="2024-07-31T15:48:43.967" v="219" actId="21"/>
+          <ac:spMkLst>
+            <pc:docMk/>
+            <pc:sldMk cId="2202081751" sldId="1394"/>
+            <ac:spMk id="10" creationId="{B9C461CD-A26B-2948-AE6A-813CE83C1290}"/>
+          </ac:spMkLst>
+        </pc:spChg>
+        <pc:spChg chg="add del mod">
+          <ac:chgData name="Araya, Kathryn B." userId="060eb195-9722-4889-b982-6ebd66da43b8" providerId="ADAL" clId="{BDCE088A-33BF-429B-9FCA-48A5EDA83B0C}" dt="2024-07-31T15:50:13.914" v="226" actId="478"/>
+          <ac:spMkLst>
+            <pc:docMk/>
+            <pc:sldMk cId="2202081751" sldId="1394"/>
+            <ac:spMk id="12" creationId="{F1FB1EB5-EEE5-B7B2-9248-041E07E585C9}"/>
+          </ac:spMkLst>
+        </pc:spChg>
+        <pc:spChg chg="add del mod">
+          <ac:chgData name="Araya, Kathryn B." userId="060eb195-9722-4889-b982-6ebd66da43b8" providerId="ADAL" clId="{BDCE088A-33BF-429B-9FCA-48A5EDA83B0C}" dt="2024-07-31T15:50:30.548" v="229" actId="21"/>
+          <ac:spMkLst>
+            <pc:docMk/>
+            <pc:sldMk cId="2202081751" sldId="1394"/>
+            <ac:spMk id="14" creationId="{A5A663A0-BDFA-E9E7-03BE-4A398A47A4F2}"/>
+          </ac:spMkLst>
+        </pc:spChg>
+        <pc:spChg chg="add mod">
+          <ac:chgData name="Araya, Kathryn B." userId="060eb195-9722-4889-b982-6ebd66da43b8" providerId="ADAL" clId="{BDCE088A-33BF-429B-9FCA-48A5EDA83B0C}" dt="2024-07-31T16:15:47.060" v="627" actId="20577"/>
+          <ac:spMkLst>
+            <pc:docMk/>
+            <pc:sldMk cId="2202081751" sldId="1394"/>
+            <ac:spMk id="15" creationId="{706C253D-859A-7B58-6007-E0D37716169F}"/>
           </ac:spMkLst>
         </pc:spChg>
       </pc:sldChg>
-      <pc:sldChg chg="addSp delSp modSp new mod ord modClrScheme chgLayout">
-        <pc:chgData name="Brauda, Pamela T." userId="84fd4989-2b49-471a-9a61-f177abea8ce3" providerId="ADAL" clId="{0975EBDE-12D9-4E5A-AECA-ECCCD1A0861B}" dt="2024-07-30T21:35:05.976" v="302" actId="1076"/>
+      <pc:sldChg chg="addSp modSp new mod">
+        <pc:chgData name="Araya, Kathryn B." userId="060eb195-9722-4889-b982-6ebd66da43b8" providerId="ADAL" clId="{BDCE088A-33BF-429B-9FCA-48A5EDA83B0C}" dt="2024-07-31T16:18:21.994" v="656" actId="20577"/>
         <pc:sldMkLst>
           <pc:docMk/>
-          <pc:sldMk cId="1976703465" sldId="1395"/>
+          <pc:sldMk cId="3212948152" sldId="1395"/>
         </pc:sldMkLst>
-        <pc:spChg chg="del mod ord">
-          <ac:chgData name="Brauda, Pamela T." userId="84fd4989-2b49-471a-9a61-f177abea8ce3" providerId="ADAL" clId="{0975EBDE-12D9-4E5A-AECA-ECCCD1A0861B}" dt="2024-07-30T21:17:55.513" v="58" actId="700"/>
+        <pc:spChg chg="add mod">
+          <ac:chgData name="Araya, Kathryn B." userId="060eb195-9722-4889-b982-6ebd66da43b8" providerId="ADAL" clId="{BDCE088A-33BF-429B-9FCA-48A5EDA83B0C}" dt="2024-07-31T15:56:44.468" v="397" actId="14100"/>
           <ac:spMkLst>
             <pc:docMk/>
-            <pc:sldMk cId="1976703465" sldId="1395"/>
-            <ac:spMk id="2" creationId="{EED7D7D2-0001-3029-B7A3-2E615A978783}"/>
-          </ac:spMkLst>
-        </pc:spChg>
-        <pc:spChg chg="del mod ord">
-          <ac:chgData name="Brauda, Pamela T." userId="84fd4989-2b49-471a-9a61-f177abea8ce3" providerId="ADAL" clId="{0975EBDE-12D9-4E5A-AECA-ECCCD1A0861B}" dt="2024-07-30T21:17:55.513" v="58" actId="700"/>
-          <ac:spMkLst>
-            <pc:docMk/>
-            <pc:sldMk cId="1976703465" sldId="1395"/>
-            <ac:spMk id="3" creationId="{CF8F8FB0-0782-2102-F6F7-CCF9DCA8AFA7}"/>
-          </ac:spMkLst>
-        </pc:spChg>
-        <pc:spChg chg="add mod ord">
-          <ac:chgData name="Brauda, Pamela T." userId="84fd4989-2b49-471a-9a61-f177abea8ce3" providerId="ADAL" clId="{0975EBDE-12D9-4E5A-AECA-ECCCD1A0861B}" dt="2024-07-30T21:20:39.433" v="85" actId="14100"/>
-          <ac:spMkLst>
-            <pc:docMk/>
-            <pc:sldMk cId="1976703465" sldId="1395"/>
-            <ac:spMk id="4" creationId="{CEBC86DA-5948-973C-A1DA-318EB868F097}"/>
-          </ac:spMkLst>
-        </pc:spChg>
-        <pc:spChg chg="add del mod ord">
-          <ac:chgData name="Brauda, Pamela T." userId="84fd4989-2b49-471a-9a61-f177abea8ce3" providerId="ADAL" clId="{0975EBDE-12D9-4E5A-AECA-ECCCD1A0861B}" dt="2024-07-30T21:20:11.985" v="81" actId="22"/>
-          <ac:spMkLst>
-            <pc:docMk/>
-            <pc:sldMk cId="1976703465" sldId="1395"/>
-            <ac:spMk id="5" creationId="{CB104627-746A-E14B-FB42-200727EBB7E4}"/>
-          </ac:spMkLst>
-        </pc:spChg>
-        <pc:spChg chg="add del mod">
-          <ac:chgData name="Brauda, Pamela T." userId="84fd4989-2b49-471a-9a61-f177abea8ce3" providerId="ADAL" clId="{0975EBDE-12D9-4E5A-AECA-ECCCD1A0861B}" dt="2024-07-30T21:21:58.719" v="90" actId="21"/>
-          <ac:spMkLst>
-            <pc:docMk/>
-            <pc:sldMk cId="1976703465" sldId="1395"/>
-            <ac:spMk id="8" creationId="{4A42030F-AC50-24BA-A981-B0BE0560311D}"/>
-          </ac:spMkLst>
-        </pc:spChg>
-        <pc:spChg chg="add del mod">
-          <ac:chgData name="Brauda, Pamela T." userId="84fd4989-2b49-471a-9a61-f177abea8ce3" providerId="ADAL" clId="{0975EBDE-12D9-4E5A-AECA-ECCCD1A0861B}" dt="2024-07-30T21:22:39.987" v="92" actId="478"/>
-          <ac:spMkLst>
-            <pc:docMk/>
-            <pc:sldMk cId="1976703465" sldId="1395"/>
-            <ac:spMk id="9" creationId="{4A42030F-AC50-24BA-A981-B0BE0560311D}"/>
-          </ac:spMkLst>
-        </pc:spChg>
-        <pc:spChg chg="add del mod">
-          <ac:chgData name="Brauda, Pamela T." userId="84fd4989-2b49-471a-9a61-f177abea8ce3" providerId="ADAL" clId="{0975EBDE-12D9-4E5A-AECA-ECCCD1A0861B}" dt="2024-07-30T21:23:20.389" v="96" actId="21"/>
-          <ac:spMkLst>
-            <pc:docMk/>
-            <pc:sldMk cId="1976703465" sldId="1395"/>
-            <ac:spMk id="10" creationId="{BD2128D8-D56D-EB61-B93A-13CB4C666403}"/>
+            <pc:sldMk cId="3212948152" sldId="1395"/>
+            <ac:spMk id="3" creationId="{C461A3D9-72DC-5232-231F-C6F1BA57C316}"/>
           </ac:spMkLst>
         </pc:spChg>
         <pc:spChg chg="add mod">
-          <ac:chgData name="Brauda, Pamela T." userId="84fd4989-2b49-471a-9a61-f177abea8ce3" providerId="ADAL" clId="{0975EBDE-12D9-4E5A-AECA-ECCCD1A0861B}" dt="2024-07-30T21:34:56.567" v="301" actId="20577"/>
+          <ac:chgData name="Araya, Kathryn B." userId="060eb195-9722-4889-b982-6ebd66da43b8" providerId="ADAL" clId="{BDCE088A-33BF-429B-9FCA-48A5EDA83B0C}" dt="2024-07-31T16:03:29.048" v="460" actId="1076"/>
           <ac:spMkLst>
             <pc:docMk/>
-            <pc:sldMk cId="1976703465" sldId="1395"/>
-            <ac:spMk id="11" creationId="{1DCF6CB8-214F-97A2-9371-16E3EB9E8687}"/>
+            <pc:sldMk cId="3212948152" sldId="1395"/>
+            <ac:spMk id="5" creationId="{DDFDEC31-4904-02DE-E551-AE5C5970D7AF}"/>
           </ac:spMkLst>
         </pc:spChg>
-        <pc:picChg chg="add mod ord">
-          <ac:chgData name="Brauda, Pamela T." userId="84fd4989-2b49-471a-9a61-f177abea8ce3" providerId="ADAL" clId="{0975EBDE-12D9-4E5A-AECA-ECCCD1A0861B}" dt="2024-07-30T21:35:05.976" v="302" actId="1076"/>
-          <ac:picMkLst>
-            <pc:docMk/>
-            <pc:sldMk cId="1976703465" sldId="1395"/>
-            <ac:picMk id="7" creationId="{4ECB618A-3578-7DC3-279F-6ABE56113B27}"/>
-          </ac:picMkLst>
-        </pc:picChg>
-      </pc:sldChg>
-      <pc:sldChg chg="addSp delSp modSp add mod">
-        <pc:chgData name="Brauda, Pamela T." userId="84fd4989-2b49-471a-9a61-f177abea8ce3" providerId="ADAL" clId="{0975EBDE-12D9-4E5A-AECA-ECCCD1A0861B}" dt="2024-07-30T21:30:03.047" v="297" actId="20577"/>
-        <pc:sldMkLst>
-          <pc:docMk/>
-          <pc:sldMk cId="3380884778" sldId="1396"/>
-        </pc:sldMkLst>
         <pc:spChg chg="add mod">
-          <ac:chgData name="Brauda, Pamela T." userId="84fd4989-2b49-471a-9a61-f177abea8ce3" providerId="ADAL" clId="{0975EBDE-12D9-4E5A-AECA-ECCCD1A0861B}" dt="2024-07-30T21:30:03.047" v="297" actId="20577"/>
+          <ac:chgData name="Araya, Kathryn B." userId="060eb195-9722-4889-b982-6ebd66da43b8" providerId="ADAL" clId="{BDCE088A-33BF-429B-9FCA-48A5EDA83B0C}" dt="2024-07-31T16:03:33.086" v="461" actId="1076"/>
           <ac:spMkLst>
             <pc:docMk/>
-            <pc:sldMk cId="3380884778" sldId="1396"/>
-            <ac:spMk id="3" creationId="{54958E6B-80CF-AF18-A033-74047074A1B0}"/>
+            <pc:sldMk cId="3212948152" sldId="1395"/>
+            <ac:spMk id="7" creationId="{1DFF4FCA-A41D-DA2F-2813-A150870248C3}"/>
           </ac:spMkLst>
         </pc:spChg>
-        <pc:spChg chg="del mod">
-          <ac:chgData name="Brauda, Pamela T." userId="84fd4989-2b49-471a-9a61-f177abea8ce3" providerId="ADAL" clId="{0975EBDE-12D9-4E5A-AECA-ECCCD1A0861B}" dt="2024-07-30T21:28:46.019" v="276" actId="21"/>
+        <pc:spChg chg="add mod">
+          <ac:chgData name="Araya, Kathryn B." userId="060eb195-9722-4889-b982-6ebd66da43b8" providerId="ADAL" clId="{BDCE088A-33BF-429B-9FCA-48A5EDA83B0C}" dt="2024-07-31T16:03:38.311" v="462" actId="1076"/>
           <ac:spMkLst>
             <pc:docMk/>
-            <pc:sldMk cId="3380884778" sldId="1396"/>
-            <ac:spMk id="11" creationId="{1DCF6CB8-214F-97A2-9371-16E3EB9E8687}"/>
+            <pc:sldMk cId="3212948152" sldId="1395"/>
+            <ac:spMk id="9" creationId="{8A98714F-4F46-58A0-7FD2-3F72AC8A3C4B}"/>
           </ac:spMkLst>
         </pc:spChg>
-        <pc:picChg chg="add mod modCrop">
-          <ac:chgData name="Brauda, Pamela T." userId="84fd4989-2b49-471a-9a61-f177abea8ce3" providerId="ADAL" clId="{0975EBDE-12D9-4E5A-AECA-ECCCD1A0861B}" dt="2024-07-30T21:29:47.847" v="281" actId="732"/>
-          <ac:picMkLst>
-            <pc:docMk/>
-            <pc:sldMk cId="3380884778" sldId="1396"/>
-            <ac:picMk id="6" creationId="{1641F24E-3DB2-6DBC-5D24-0142BBA5A72F}"/>
-          </ac:picMkLst>
-        </pc:picChg>
-        <pc:picChg chg="del">
-          <ac:chgData name="Brauda, Pamela T." userId="84fd4989-2b49-471a-9a61-f177abea8ce3" providerId="ADAL" clId="{0975EBDE-12D9-4E5A-AECA-ECCCD1A0861B}" dt="2024-07-30T21:27:11.653" v="182" actId="478"/>
-          <ac:picMkLst>
-            <pc:docMk/>
-            <pc:sldMk cId="3380884778" sldId="1396"/>
-            <ac:picMk id="7" creationId="{4ECB618A-3578-7DC3-279F-6ABE56113B27}"/>
-          </ac:picMkLst>
-        </pc:picChg>
-      </pc:sldChg>
-      <pc:sldChg chg="add del">
-        <pc:chgData name="Brauda, Pamela T." userId="84fd4989-2b49-471a-9a61-f177abea8ce3" providerId="ADAL" clId="{0975EBDE-12D9-4E5A-AECA-ECCCD1A0861B}" dt="2024-07-30T21:59:59.884" v="587" actId="47"/>
-        <pc:sldMkLst>
-          <pc:docMk/>
-          <pc:sldMk cId="1456481925" sldId="1397"/>
-        </pc:sldMkLst>
-      </pc:sldChg>
-      <pc:sldChg chg="addSp delSp modSp add mod">
-        <pc:chgData name="Brauda, Pamela T." userId="84fd4989-2b49-471a-9a61-f177abea8ce3" providerId="ADAL" clId="{0975EBDE-12D9-4E5A-AECA-ECCCD1A0861B}" dt="2024-07-30T21:43:22.914" v="524" actId="20577"/>
-        <pc:sldMkLst>
-          <pc:docMk/>
-          <pc:sldMk cId="3084161563" sldId="1398"/>
-        </pc:sldMkLst>
-        <pc:spChg chg="mod">
-          <ac:chgData name="Brauda, Pamela T." userId="84fd4989-2b49-471a-9a61-f177abea8ce3" providerId="ADAL" clId="{0975EBDE-12D9-4E5A-AECA-ECCCD1A0861B}" dt="2024-07-30T21:43:22.914" v="524" actId="20577"/>
+        <pc:spChg chg="add mod">
+          <ac:chgData name="Araya, Kathryn B." userId="060eb195-9722-4889-b982-6ebd66da43b8" providerId="ADAL" clId="{BDCE088A-33BF-429B-9FCA-48A5EDA83B0C}" dt="2024-07-31T16:18:21.994" v="656" actId="20577"/>
           <ac:spMkLst>
             <pc:docMk/>
-            <pc:sldMk cId="3084161563" sldId="1398"/>
-            <ac:spMk id="3" creationId="{54958E6B-80CF-AF18-A033-74047074A1B0}"/>
+            <pc:sldMk cId="3212948152" sldId="1395"/>
+            <ac:spMk id="11" creationId="{9118273F-ADFB-3BF8-CF45-256D68BC9CD5}"/>
           </ac:spMkLst>
         </pc:spChg>
-        <pc:picChg chg="add del">
-          <ac:chgData name="Brauda, Pamela T." userId="84fd4989-2b49-471a-9a61-f177abea8ce3" providerId="ADAL" clId="{0975EBDE-12D9-4E5A-AECA-ECCCD1A0861B}" dt="2024-07-30T21:41:04.929" v="481" actId="21"/>
-          <ac:picMkLst>
-            <pc:docMk/>
-            <pc:sldMk cId="3084161563" sldId="1398"/>
-            <ac:picMk id="5" creationId="{84C0C4B6-5378-EDBB-0FFE-59966B514C1B}"/>
-          </ac:picMkLst>
-        </pc:picChg>
-        <pc:picChg chg="del">
-          <ac:chgData name="Brauda, Pamela T." userId="84fd4989-2b49-471a-9a61-f177abea8ce3" providerId="ADAL" clId="{0975EBDE-12D9-4E5A-AECA-ECCCD1A0861B}" dt="2024-07-30T21:37:14.775" v="478" actId="21"/>
-          <ac:picMkLst>
-            <pc:docMk/>
-            <pc:sldMk cId="3084161563" sldId="1398"/>
-            <ac:picMk id="6" creationId="{1641F24E-3DB2-6DBC-5D24-0142BBA5A72F}"/>
-          </ac:picMkLst>
-        </pc:picChg>
-        <pc:picChg chg="add del mod">
-          <ac:chgData name="Brauda, Pamela T." userId="84fd4989-2b49-471a-9a61-f177abea8ce3" providerId="ADAL" clId="{0975EBDE-12D9-4E5A-AECA-ECCCD1A0861B}" dt="2024-07-30T21:42:39.383" v="485" actId="478"/>
-          <ac:picMkLst>
-            <pc:docMk/>
-            <pc:sldMk cId="3084161563" sldId="1398"/>
-            <ac:picMk id="8" creationId="{7CD88404-B9BD-98DF-BF62-0B26880388B1}"/>
-          </ac:picMkLst>
-        </pc:picChg>
-        <pc:picChg chg="add mod">
-          <ac:chgData name="Brauda, Pamela T." userId="84fd4989-2b49-471a-9a61-f177abea8ce3" providerId="ADAL" clId="{0975EBDE-12D9-4E5A-AECA-ECCCD1A0861B}" dt="2024-07-30T21:43:06.207" v="490" actId="14100"/>
-          <ac:picMkLst>
-            <pc:docMk/>
-            <pc:sldMk cId="3084161563" sldId="1398"/>
-            <ac:picMk id="10" creationId="{74CAF061-7174-509A-9CAF-CCA1C73856F7}"/>
-          </ac:picMkLst>
-        </pc:picChg>
-      </pc:sldChg>
-      <pc:sldChg chg="delSp modSp mod">
-        <pc:chgData name="Brauda, Pamela T." userId="84fd4989-2b49-471a-9a61-f177abea8ce3" providerId="ADAL" clId="{0975EBDE-12D9-4E5A-AECA-ECCCD1A0861B}" dt="2024-07-30T21:59:27.508" v="586" actId="20577"/>
-        <pc:sldMkLst>
-          <pc:docMk/>
-          <pc:sldMk cId="1342953347" sldId="1399"/>
-        </pc:sldMkLst>
-        <pc:spChg chg="mod">
-          <ac:chgData name="Brauda, Pamela T." userId="84fd4989-2b49-471a-9a61-f177abea8ce3" providerId="ADAL" clId="{0975EBDE-12D9-4E5A-AECA-ECCCD1A0861B}" dt="2024-07-30T21:59:27.508" v="586" actId="20577"/>
-          <ac:spMkLst>
-            <pc:docMk/>
-            <pc:sldMk cId="1342953347" sldId="1399"/>
-            <ac:spMk id="3" creationId="{54958E6B-80CF-AF18-A033-74047074A1B0}"/>
-          </ac:spMkLst>
-        </pc:spChg>
-        <pc:picChg chg="del">
-          <ac:chgData name="Brauda, Pamela T." userId="84fd4989-2b49-471a-9a61-f177abea8ce3" providerId="ADAL" clId="{0975EBDE-12D9-4E5A-AECA-ECCCD1A0861B}" dt="2024-07-30T21:44:10.343" v="563" actId="21"/>
-          <ac:picMkLst>
-            <pc:docMk/>
-            <pc:sldMk cId="1342953347" sldId="1399"/>
-            <ac:picMk id="6" creationId="{1641F24E-3DB2-6DBC-5D24-0142BBA5A72F}"/>
-          </ac:picMkLst>
-        </pc:picChg>
-      </pc:sldChg>
-      <pc:sldChg chg="addSp delSp modSp add mod">
-        <pc:chgData name="Brauda, Pamela T." userId="84fd4989-2b49-471a-9a61-f177abea8ce3" providerId="ADAL" clId="{0975EBDE-12D9-4E5A-AECA-ECCCD1A0861B}" dt="2024-07-30T22:10:39.618" v="1230" actId="20577"/>
-        <pc:sldMkLst>
-          <pc:docMk/>
-          <pc:sldMk cId="596095672" sldId="1400"/>
-        </pc:sldMkLst>
-        <pc:spChg chg="mod">
-          <ac:chgData name="Brauda, Pamela T." userId="84fd4989-2b49-471a-9a61-f177abea8ce3" providerId="ADAL" clId="{0975EBDE-12D9-4E5A-AECA-ECCCD1A0861B}" dt="2024-07-30T22:10:39.618" v="1230" actId="20577"/>
-          <ac:spMkLst>
-            <pc:docMk/>
-            <pc:sldMk cId="596095672" sldId="1400"/>
-            <ac:spMk id="3" creationId="{54958E6B-80CF-AF18-A033-74047074A1B0}"/>
-          </ac:spMkLst>
-        </pc:spChg>
-        <pc:picChg chg="add del mod">
-          <ac:chgData name="Brauda, Pamela T." userId="84fd4989-2b49-471a-9a61-f177abea8ce3" providerId="ADAL" clId="{0975EBDE-12D9-4E5A-AECA-ECCCD1A0861B}" dt="2024-07-30T22:07:38.317" v="1165" actId="21"/>
-          <ac:picMkLst>
-            <pc:docMk/>
-            <pc:sldMk cId="596095672" sldId="1400"/>
-            <ac:picMk id="6" creationId="{1641F24E-3DB2-6DBC-5D24-0142BBA5A72F}"/>
-          </ac:picMkLst>
-        </pc:picChg>
-        <pc:picChg chg="del">
-          <ac:chgData name="Brauda, Pamela T." userId="84fd4989-2b49-471a-9a61-f177abea8ce3" providerId="ADAL" clId="{0975EBDE-12D9-4E5A-AECA-ECCCD1A0861B}" dt="2024-07-30T22:01:58.489" v="645" actId="478"/>
-          <ac:picMkLst>
-            <pc:docMk/>
-            <pc:sldMk cId="596095672" sldId="1400"/>
-            <ac:picMk id="10" creationId="{74CAF061-7174-509A-9CAF-CCA1C73856F7}"/>
-          </ac:picMkLst>
-        </pc:picChg>
       </pc:sldChg>
     </pc:docChg>
   </pc:docChgLst>
@@ -2462,90 +2266,6 @@
 </p:notes>
 </file>
 
-<file path=ppt/notesSlides/notesSlide10.xml><?xml version="1.0" encoding="utf-8"?>
-<p:notes xmlns:a="http://schemas.openxmlformats.org/drawingml/2006/main" xmlns:r="http://schemas.openxmlformats.org/officeDocument/2006/relationships" xmlns:p="http://schemas.openxmlformats.org/presentationml/2006/main">
-  <p:cSld>
-    <p:spTree>
-      <p:nvGrpSpPr>
-        <p:cNvPr id="1" name=""/>
-        <p:cNvGrpSpPr/>
-        <p:nvPr/>
-      </p:nvGrpSpPr>
-      <p:grpSpPr>
-        <a:xfrm>
-          <a:off x="0" y="0"/>
-          <a:ext cx="0" cy="0"/>
-          <a:chOff x="0" y="0"/>
-          <a:chExt cx="0" cy="0"/>
-        </a:xfrm>
-      </p:grpSpPr>
-      <p:sp>
-        <p:nvSpPr>
-          <p:cNvPr id="2" name="Slide Image Placeholder 1"/>
-          <p:cNvSpPr>
-            <a:spLocks noGrp="1" noRot="1" noChangeAspect="1"/>
-          </p:cNvSpPr>
-          <p:nvPr>
-            <p:ph type="sldImg"/>
-          </p:nvPr>
-        </p:nvSpPr>
-        <p:spPr/>
-      </p:sp>
-      <p:sp>
-        <p:nvSpPr>
-          <p:cNvPr id="3" name="Notes Placeholder 2"/>
-          <p:cNvSpPr>
-            <a:spLocks noGrp="1"/>
-          </p:cNvSpPr>
-          <p:nvPr>
-            <p:ph type="body" idx="1"/>
-          </p:nvPr>
-        </p:nvSpPr>
-        <p:spPr/>
-        <p:txBody>
-          <a:bodyPr/>
-          <a:lstStyle/>
-          <a:p>
-            <a:endParaRPr lang="en-US"/>
-          </a:p>
-        </p:txBody>
-      </p:sp>
-      <p:sp>
-        <p:nvSpPr>
-          <p:cNvPr id="4" name="Slide Number Placeholder 3"/>
-          <p:cNvSpPr>
-            <a:spLocks noGrp="1"/>
-          </p:cNvSpPr>
-          <p:nvPr>
-            <p:ph type="sldNum" sz="quarter" idx="5"/>
-          </p:nvPr>
-        </p:nvSpPr>
-        <p:spPr/>
-        <p:txBody>
-          <a:bodyPr/>
-          <a:lstStyle/>
-          <a:p>
-            <a:fld id="{FCFED414-B8BD-4977-925E-1C2AFAB354A8}" type="slidenum">
-              <a:rPr lang="en-US" smtClean="0"/>
-              <a:t>28</a:t>
-            </a:fld>
-            <a:endParaRPr lang="en-US"/>
-          </a:p>
-        </p:txBody>
-      </p:sp>
-    </p:spTree>
-    <p:extLst>
-      <p:ext uri="{BB962C8B-B14F-4D97-AF65-F5344CB8AC3E}">
-        <p14:creationId xmlns:p14="http://schemas.microsoft.com/office/powerpoint/2010/main" val="4052855905"/>
-      </p:ext>
-    </p:extLst>
-  </p:cSld>
-  <p:clrMapOvr>
-    <a:masterClrMapping/>
-  </p:clrMapOvr>
-</p:notes>
-</file>
-
 <file path=ppt/notesSlides/notesSlide2.xml><?xml version="1.0" encoding="utf-8"?>
 <p:notes xmlns:a="http://schemas.openxmlformats.org/drawingml/2006/main" xmlns:r="http://schemas.openxmlformats.org/officeDocument/2006/relationships" xmlns:p="http://schemas.openxmlformats.org/presentationml/2006/main">
   <p:cSld>
@@ -2590,7 +2310,57 @@
           <a:bodyPr/>
           <a:lstStyle/>
           <a:p>
+            <a:pPr marL="285750" indent="-285750">
+              <a:buFont typeface="Arial" panose="020B0604020202020204" pitchFamily="34" charset="0"/>
+              <a:buChar char="•"/>
+            </a:pPr>
+            <a:r>
+              <a:rPr lang="en-US" sz="1200" dirty="0"/>
+              <a:t>Software projects in a class setting can be chaotic without clear communication</a:t>
+            </a:r>
+          </a:p>
+          <a:p>
+            <a:pPr marL="285750" indent="-285750">
+              <a:buFont typeface="Arial" panose="020B0604020202020204" pitchFamily="34" charset="0"/>
+              <a:buChar char="•"/>
+            </a:pPr>
+            <a:endParaRPr lang="en-US" sz="1200" dirty="0"/>
+          </a:p>
+          <a:p>
+            <a:pPr marL="285750" indent="-285750">
+              <a:buFont typeface="Arial" panose="020B0604020202020204" pitchFamily="34" charset="0"/>
+              <a:buChar char="•"/>
+            </a:pPr>
+            <a:r>
+              <a:rPr lang="en-US" sz="1200" dirty="0"/>
+              <a:t>We are all learning and perhaps working with several new technologies for the first time. We are also learning HOW to learn in a fast-paced tech environment.</a:t>
+            </a:r>
+          </a:p>
+          <a:p>
+            <a:pPr marL="285750" indent="-285750">
+              <a:buFont typeface="Arial" panose="020B0604020202020204" pitchFamily="34" charset="0"/>
+              <a:buChar char="•"/>
+            </a:pPr>
+            <a:endParaRPr lang="en-US" sz="1200" dirty="0"/>
+          </a:p>
+          <a:p>
+            <a:pPr marL="285750" indent="-285750">
+              <a:buFont typeface="Arial" panose="020B0604020202020204" pitchFamily="34" charset="0"/>
+              <a:buChar char="•"/>
+            </a:pPr>
+            <a:r>
+              <a:rPr lang="en-US" sz="1200" dirty="0"/>
+              <a:t>When our groups run into problems, Slack allows us to pinpoint the problem as a group and see the clear solution when someone finds it!</a:t>
+            </a:r>
+          </a:p>
+          <a:p>
             <a:endParaRPr lang="en-US" dirty="0"/>
+          </a:p>
+          <a:p>
+            <a:r>
+              <a:rPr lang="en-US" dirty="0"/>
+              <a:t>(Dustin was able to pinpoint a problem with our Spring-Boot API and share what he found with our group. It was part of a dependency that we could manually exclude.)</a:t>
+            </a:r>
           </a:p>
         </p:txBody>
       </p:sp>
@@ -2609,18 +2379,78 @@
           <a:bodyPr/>
           <a:lstStyle/>
           <a:p>
+            <a:pPr marL="0" marR="0" lvl="0" indent="0" algn="r" defTabSz="914400" rtl="0" eaLnBrk="1" fontAlgn="auto" latinLnBrk="0" hangingPunct="1">
+              <a:lnSpc>
+                <a:spcPct val="100000"/>
+              </a:lnSpc>
+              <a:spcBef>
+                <a:spcPts val="0"/>
+              </a:spcBef>
+              <a:spcAft>
+                <a:spcPts val="0"/>
+              </a:spcAft>
+              <a:buClrTx/>
+              <a:buSzTx/>
+              <a:buFontTx/>
+              <a:buNone/>
+              <a:tabLst/>
+              <a:defRPr/>
+            </a:pPr>
             <a:fld id="{AE9ECEFE-5C53-4261-924B-F0AA5F7E0BB8}" type="slidenum">
-              <a:rPr lang="en-US" smtClean="0"/>
+              <a:rPr kumimoji="0" lang="en-US" sz="1200" b="0" i="0" u="none" strike="noStrike" kern="1200" cap="none" spc="0" normalizeH="0" baseline="0" noProof="0" smtClean="0">
+                <a:ln>
+                  <a:noFill/>
+                </a:ln>
+                <a:solidFill>
+                  <a:prstClr val="black"/>
+                </a:solidFill>
+                <a:effectLst/>
+                <a:uLnTx/>
+                <a:uFillTx/>
+                <a:latin typeface="Calibri" panose="020F0502020204030204"/>
+                <a:ea typeface="+mn-ea"/>
+                <a:cs typeface="+mn-cs"/>
+              </a:rPr>
+              <a:pPr marL="0" marR="0" lvl="0" indent="0" algn="r" defTabSz="914400" rtl="0" eaLnBrk="1" fontAlgn="auto" latinLnBrk="0" hangingPunct="1">
+                <a:lnSpc>
+                  <a:spcPct val="100000"/>
+                </a:lnSpc>
+                <a:spcBef>
+                  <a:spcPts val="0"/>
+                </a:spcBef>
+                <a:spcAft>
+                  <a:spcPts val="0"/>
+                </a:spcAft>
+                <a:buClrTx/>
+                <a:buSzTx/>
+                <a:buFontTx/>
+                <a:buNone/>
+                <a:tabLst/>
+                <a:defRPr/>
+              </a:pPr>
               <a:t>18</a:t>
             </a:fld>
-            <a:endParaRPr lang="en-US"/>
+            <a:endParaRPr kumimoji="0" lang="en-US" sz="1200" b="0" i="0" u="none" strike="noStrike" kern="1200" cap="none" spc="0" normalizeH="0" baseline="0" noProof="0">
+              <a:ln>
+                <a:noFill/>
+              </a:ln>
+              <a:solidFill>
+                <a:prstClr val="black"/>
+              </a:solidFill>
+              <a:effectLst/>
+              <a:uLnTx/>
+              <a:uFillTx/>
+              <a:latin typeface="Calibri" panose="020F0502020204030204"/>
+              <a:ea typeface="+mn-ea"/>
+              <a:cs typeface="+mn-cs"/>
+            </a:endParaRPr>
           </a:p>
         </p:txBody>
       </p:sp>
     </p:spTree>
     <p:extLst>
       <p:ext uri="{BB962C8B-B14F-4D97-AF65-F5344CB8AC3E}">
-        <p14:creationId xmlns:p14="http://schemas.microsoft.com/office/powerpoint/2010/main" val="568101217"/>
+        <p14:creationId xmlns:p14="http://schemas.microsoft.com/office/powerpoint/2010/main" val="3993838157"/>
       </p:ext>
     </p:extLst>
   </p:cSld>
@@ -2674,7 +2504,57 @@
           <a:bodyPr/>
           <a:lstStyle/>
           <a:p>
+            <a:pPr marL="285750" indent="-285750">
+              <a:buFont typeface="Arial" panose="020B0604020202020204" pitchFamily="34" charset="0"/>
+              <a:buChar char="•"/>
+            </a:pPr>
+            <a:r>
+              <a:rPr lang="en-US" sz="1200" dirty="0"/>
+              <a:t>Juggling different groups can quickly become a chore without the proper tools.</a:t>
+            </a:r>
+          </a:p>
+          <a:p>
+            <a:pPr marL="285750" indent="-285750">
+              <a:buFont typeface="Arial" panose="020B0604020202020204" pitchFamily="34" charset="0"/>
+              <a:buChar char="•"/>
+            </a:pPr>
+            <a:endParaRPr lang="en-US" sz="1200" dirty="0"/>
+          </a:p>
+          <a:p>
+            <a:pPr marL="285750" indent="-285750">
+              <a:buFont typeface="Arial" panose="020B0604020202020204" pitchFamily="34" charset="0"/>
+              <a:buChar char="•"/>
+            </a:pPr>
+            <a:r>
+              <a:rPr lang="en-US" sz="1200" dirty="0"/>
+              <a:t>Slack allows you to have multiple workspaces at once, with a user-friendly UI to jump between all your groups.</a:t>
+            </a:r>
+          </a:p>
+          <a:p>
+            <a:pPr marL="285750" indent="-285750">
+              <a:buFont typeface="Arial" panose="020B0604020202020204" pitchFamily="34" charset="0"/>
+              <a:buChar char="•"/>
+            </a:pPr>
+            <a:endParaRPr lang="en-US" sz="1200" dirty="0"/>
+          </a:p>
+          <a:p>
+            <a:pPr marL="285750" indent="-285750">
+              <a:buFont typeface="Arial" panose="020B0604020202020204" pitchFamily="34" charset="0"/>
+              <a:buChar char="•"/>
+            </a:pPr>
+            <a:r>
+              <a:rPr lang="en-US" sz="1200" dirty="0"/>
+              <a:t>Having clearly defined workspaces allows for easy transitioning from one group to another. </a:t>
+            </a:r>
+          </a:p>
+          <a:p>
             <a:endParaRPr lang="en-US" dirty="0"/>
+          </a:p>
+          <a:p>
+            <a:r>
+              <a:rPr lang="en-US" dirty="0"/>
+              <a:t>(At FSCJ it can get to be a little much if you are taking multiple IT classes at the same time. Slack allows a handy workspace system to jump between your groups of peers.)</a:t>
+            </a:r>
           </a:p>
         </p:txBody>
       </p:sp>
@@ -2693,18 +2573,78 @@
           <a:bodyPr/>
           <a:lstStyle/>
           <a:p>
+            <a:pPr marL="0" marR="0" lvl="0" indent="0" algn="r" defTabSz="914400" rtl="0" eaLnBrk="1" fontAlgn="auto" latinLnBrk="0" hangingPunct="1">
+              <a:lnSpc>
+                <a:spcPct val="100000"/>
+              </a:lnSpc>
+              <a:spcBef>
+                <a:spcPts val="0"/>
+              </a:spcBef>
+              <a:spcAft>
+                <a:spcPts val="0"/>
+              </a:spcAft>
+              <a:buClrTx/>
+              <a:buSzTx/>
+              <a:buFontTx/>
+              <a:buNone/>
+              <a:tabLst/>
+              <a:defRPr/>
+            </a:pPr>
             <a:fld id="{AE9ECEFE-5C53-4261-924B-F0AA5F7E0BB8}" type="slidenum">
-              <a:rPr lang="en-US" smtClean="0"/>
+              <a:rPr kumimoji="0" lang="en-US" sz="1200" b="0" i="0" u="none" strike="noStrike" kern="1200" cap="none" spc="0" normalizeH="0" baseline="0" noProof="0" smtClean="0">
+                <a:ln>
+                  <a:noFill/>
+                </a:ln>
+                <a:solidFill>
+                  <a:prstClr val="black"/>
+                </a:solidFill>
+                <a:effectLst/>
+                <a:uLnTx/>
+                <a:uFillTx/>
+                <a:latin typeface="Calibri" panose="020F0502020204030204"/>
+                <a:ea typeface="+mn-ea"/>
+                <a:cs typeface="+mn-cs"/>
+              </a:rPr>
+              <a:pPr marL="0" marR="0" lvl="0" indent="0" algn="r" defTabSz="914400" rtl="0" eaLnBrk="1" fontAlgn="auto" latinLnBrk="0" hangingPunct="1">
+                <a:lnSpc>
+                  <a:spcPct val="100000"/>
+                </a:lnSpc>
+                <a:spcBef>
+                  <a:spcPts val="0"/>
+                </a:spcBef>
+                <a:spcAft>
+                  <a:spcPts val="0"/>
+                </a:spcAft>
+                <a:buClrTx/>
+                <a:buSzTx/>
+                <a:buFontTx/>
+                <a:buNone/>
+                <a:tabLst/>
+                <a:defRPr/>
+              </a:pPr>
               <a:t>19</a:t>
             </a:fld>
-            <a:endParaRPr lang="en-US"/>
+            <a:endParaRPr kumimoji="0" lang="en-US" sz="1200" b="0" i="0" u="none" strike="noStrike" kern="1200" cap="none" spc="0" normalizeH="0" baseline="0" noProof="0">
+              <a:ln>
+                <a:noFill/>
+              </a:ln>
+              <a:solidFill>
+                <a:prstClr val="black"/>
+              </a:solidFill>
+              <a:effectLst/>
+              <a:uLnTx/>
+              <a:uFillTx/>
+              <a:latin typeface="Calibri" panose="020F0502020204030204"/>
+              <a:ea typeface="+mn-ea"/>
+              <a:cs typeface="+mn-cs"/>
+            </a:endParaRPr>
           </a:p>
         </p:txBody>
       </p:sp>
     </p:spTree>
     <p:extLst>
       <p:ext uri="{BB962C8B-B14F-4D97-AF65-F5344CB8AC3E}">
-        <p14:creationId xmlns:p14="http://schemas.microsoft.com/office/powerpoint/2010/main" val="2023334231"/>
+        <p14:creationId xmlns:p14="http://schemas.microsoft.com/office/powerpoint/2010/main" val="1973195403"/>
       </p:ext>
     </p:extLst>
   </p:cSld>
@@ -2764,7 +2704,7 @@
             </a:pPr>
             <a:r>
               <a:rPr lang="en-US" sz="1200" dirty="0"/>
-              <a:t>Software projects in a class setting can be chaotic without clear communication</a:t>
+              <a:t>One of the most noticeable things about Slack is the customization that is possible through their add-on apps!</a:t>
             </a:r>
           </a:p>
           <a:p>
@@ -2781,7 +2721,7 @@
             </a:pPr>
             <a:r>
               <a:rPr lang="en-US" sz="1200" dirty="0"/>
-              <a:t>We are all learning and perhaps working with several new technologies for the first time. We are also learning HOW to learn in a fast-paced tech environment.</a:t>
+              <a:t>There are thousands of useful apps that can be added to a Slack workspace that supports the task your group is trying to accomplish.</a:t>
             </a:r>
           </a:p>
           <a:p>
@@ -2798,17 +2738,11 @@
             </a:pPr>
             <a:r>
               <a:rPr lang="en-US" sz="1200" dirty="0"/>
-              <a:t>When our groups run into problems, Slack allows us to pinpoint the problem as a group and see the clear solution when someone finds it!</a:t>
+              <a:t>This customization allows for adaptation to different technologies and for an ever-changing Agile environment.</a:t>
             </a:r>
           </a:p>
           <a:p>
             <a:endParaRPr lang="en-US" dirty="0"/>
-          </a:p>
-          <a:p>
-            <a:r>
-              <a:rPr lang="en-US" dirty="0"/>
-              <a:t>(Dustin was able to pinpoint a problem with our Spring-Boot API and share what he found with our group. It was part of a dependency that we could manually exclude.)</a:t>
-            </a:r>
           </a:p>
         </p:txBody>
       </p:sp>
@@ -2876,7 +2810,7 @@
                 <a:tabLst/>
                 <a:defRPr/>
               </a:pPr>
-              <a:t>22</a:t>
+              <a:t>20</a:t>
             </a:fld>
             <a:endParaRPr kumimoji="0" lang="en-US" sz="1200" b="0" i="0" u="none" strike="noStrike" kern="1200" cap="none" spc="0" normalizeH="0" baseline="0" noProof="0">
               <a:ln>
@@ -2898,7 +2832,7 @@
     </p:spTree>
     <p:extLst>
       <p:ext uri="{BB962C8B-B14F-4D97-AF65-F5344CB8AC3E}">
-        <p14:creationId xmlns:p14="http://schemas.microsoft.com/office/powerpoint/2010/main" val="3993838157"/>
+        <p14:creationId xmlns:p14="http://schemas.microsoft.com/office/powerpoint/2010/main" val="1117955501"/>
       </p:ext>
     </p:extLst>
   </p:cSld>
@@ -2958,7 +2892,7 @@
             </a:pPr>
             <a:r>
               <a:rPr lang="en-US" sz="1200" dirty="0"/>
-              <a:t>Juggling different groups can quickly become a chore without the proper tools.</a:t>
+              <a:t>How often have you gone to push your code only to see that you need to pull the new updated first?</a:t>
             </a:r>
           </a:p>
           <a:p>
@@ -2975,7 +2909,7 @@
             </a:pPr>
             <a:r>
               <a:rPr lang="en-US" sz="1200" dirty="0"/>
-              <a:t>Slack allows you to have multiple workspaces at once, with a user-friendly UI to jump between all your groups.</a:t>
+              <a:t>Some of our groups have utilized the GitHub plugin for Slack. This allows the group to be up to date with every update and change happening.</a:t>
             </a:r>
           </a:p>
           <a:p>
@@ -2992,17 +2926,11 @@
             </a:pPr>
             <a:r>
               <a:rPr lang="en-US" sz="1200" dirty="0"/>
-              <a:t>Having clearly defined workspaces allows for easy transitioning from one group to another. </a:t>
+              <a:t>This allows cohesion of progress updates when the group reconvenes to discuss the next steps!</a:t>
             </a:r>
           </a:p>
           <a:p>
             <a:endParaRPr lang="en-US" dirty="0"/>
-          </a:p>
-          <a:p>
-            <a:r>
-              <a:rPr lang="en-US" dirty="0"/>
-              <a:t>(At FSCJ it can get to be a little much if you are taking multiple IT classes at the same time. Slack allows a handy workspace system to jump between your groups of peers.)</a:t>
-            </a:r>
           </a:p>
         </p:txBody>
       </p:sp>
@@ -3070,7 +2998,7 @@
                 <a:tabLst/>
                 <a:defRPr/>
               </a:pPr>
-              <a:t>23</a:t>
+              <a:t>21</a:t>
             </a:fld>
             <a:endParaRPr kumimoji="0" lang="en-US" sz="1200" b="0" i="0" u="none" strike="noStrike" kern="1200" cap="none" spc="0" normalizeH="0" baseline="0" noProof="0">
               <a:ln>
@@ -3092,7 +3020,7 @@
     </p:spTree>
     <p:extLst>
       <p:ext uri="{BB962C8B-B14F-4D97-AF65-F5344CB8AC3E}">
-        <p14:creationId xmlns:p14="http://schemas.microsoft.com/office/powerpoint/2010/main" val="1973195403"/>
+        <p14:creationId xmlns:p14="http://schemas.microsoft.com/office/powerpoint/2010/main" val="2657851505"/>
       </p:ext>
     </p:extLst>
   </p:cSld>
@@ -3152,7 +3080,7 @@
             </a:pPr>
             <a:r>
               <a:rPr lang="en-US" sz="1200" dirty="0"/>
-              <a:t>One of the most noticeable things about Slack is the customization that is possible through their add-on apps!</a:t>
+              <a:t>By utilizing the Slack Huddle feature our groups are able to have a live collaboration on demand.</a:t>
             </a:r>
           </a:p>
           <a:p>
@@ -3169,7 +3097,7 @@
             </a:pPr>
             <a:r>
               <a:rPr lang="en-US" sz="1200" dirty="0"/>
-              <a:t>There are thousands of useful apps that can be added to a Slack workspace that supports the task your group is trying to accomplish.</a:t>
+              <a:t>If there is any confusion to the project at hand there can be clarification in the matter of seconds!</a:t>
             </a:r>
           </a:p>
           <a:p>
@@ -3186,7 +3114,7 @@
             </a:pPr>
             <a:r>
               <a:rPr lang="en-US" sz="1200" dirty="0"/>
-              <a:t>This customization allows for adaptation to different technologies and for an ever-changing Agile environment.</a:t>
+              <a:t>The cliché goes that a picture speaks a thousands words. So 30fps screen sharing should speak about 30,000 words per second. (pause for laughter)</a:t>
             </a:r>
           </a:p>
           <a:p>
@@ -3258,7 +3186,7 @@
                 <a:tabLst/>
                 <a:defRPr/>
               </a:pPr>
-              <a:t>24</a:t>
+              <a:t>22</a:t>
             </a:fld>
             <a:endParaRPr kumimoji="0" lang="en-US" sz="1200" b="0" i="0" u="none" strike="noStrike" kern="1200" cap="none" spc="0" normalizeH="0" baseline="0" noProof="0">
               <a:ln>
@@ -3280,7 +3208,7 @@
     </p:spTree>
     <p:extLst>
       <p:ext uri="{BB962C8B-B14F-4D97-AF65-F5344CB8AC3E}">
-        <p14:creationId xmlns:p14="http://schemas.microsoft.com/office/powerpoint/2010/main" val="1117955501"/>
+        <p14:creationId xmlns:p14="http://schemas.microsoft.com/office/powerpoint/2010/main" val="3548995294"/>
       </p:ext>
     </p:extLst>
   </p:cSld>
@@ -3340,7 +3268,31 @@
             </a:pPr>
             <a:r>
               <a:rPr lang="en-US" sz="1200" dirty="0"/>
-              <a:t>How often have you gone to push your code only to see that you need to pull the new updated first?</a:t>
+              <a:t>Sometimes our computer notifications can cause a bit of a stressful spike in our bodies when we hear that jingle or notification noise. (pop </a:t>
+            </a:r>
+            <a:r>
+              <a:rPr lang="en-US" sz="1200" dirty="0" err="1"/>
+              <a:t>pop</a:t>
+            </a:r>
+            <a:r>
+              <a:rPr lang="en-US" sz="1200" dirty="0"/>
+              <a:t> </a:t>
+            </a:r>
+            <a:r>
+              <a:rPr lang="en-US" sz="1200" dirty="0" err="1"/>
+              <a:t>pop</a:t>
+            </a:r>
+            <a:r>
+              <a:rPr lang="en-US" sz="1200" dirty="0"/>
+              <a:t> brush </a:t>
+            </a:r>
+            <a:r>
+              <a:rPr lang="en-US" sz="1200" dirty="0" err="1"/>
+              <a:t>brush</a:t>
+            </a:r>
+            <a:r>
+              <a:rPr lang="en-US" sz="1200" dirty="0"/>
+              <a:t> brush)</a:t>
             </a:r>
           </a:p>
           <a:p>
@@ -3357,7 +3309,7 @@
             </a:pPr>
             <a:r>
               <a:rPr lang="en-US" sz="1200" dirty="0"/>
-              <a:t>Some of our groups have utilized the GitHub plugin for Slack. This allows the group to be up to date with every update and change happening.</a:t>
+              <a:t>In a healthy group setting, those notifications can perk you up and bring motivation to your work-flow!</a:t>
             </a:r>
           </a:p>
           <a:p>
@@ -3374,7 +3326,7 @@
             </a:pPr>
             <a:r>
               <a:rPr lang="en-US" sz="1200" dirty="0"/>
-              <a:t>This allows cohesion of progress updates when the group reconvenes to discuss the next steps!</a:t>
+              <a:t>Efficiency is always important, especially in the tech world. However, we find our group is most efficient when we are all laughing with each other.</a:t>
             </a:r>
           </a:p>
           <a:p>
@@ -3446,7 +3398,7 @@
                 <a:tabLst/>
                 <a:defRPr/>
               </a:pPr>
-              <a:t>25</a:t>
+              <a:t>23</a:t>
             </a:fld>
             <a:endParaRPr kumimoji="0" lang="en-US" sz="1200" b="0" i="0" u="none" strike="noStrike" kern="1200" cap="none" spc="0" normalizeH="0" baseline="0" noProof="0">
               <a:ln>
@@ -3468,7 +3420,7 @@
     </p:spTree>
     <p:extLst>
       <p:ext uri="{BB962C8B-B14F-4D97-AF65-F5344CB8AC3E}">
-        <p14:creationId xmlns:p14="http://schemas.microsoft.com/office/powerpoint/2010/main" val="2657851505"/>
+        <p14:creationId xmlns:p14="http://schemas.microsoft.com/office/powerpoint/2010/main" val="2785805056"/>
       </p:ext>
     </p:extLst>
   </p:cSld>
@@ -3522,51 +3474,7 @@
           <a:bodyPr/>
           <a:lstStyle/>
           <a:p>
-            <a:pPr marL="285750" indent="-285750">
-              <a:buFont typeface="Arial" panose="020B0604020202020204" pitchFamily="34" charset="0"/>
-              <a:buChar char="•"/>
-            </a:pPr>
-            <a:r>
-              <a:rPr lang="en-US" sz="1200" dirty="0"/>
-              <a:t>By utilizing the Slack Huddle feature our groups are able to have a live collaboration on demand.</a:t>
-            </a:r>
-          </a:p>
-          <a:p>
-            <a:pPr marL="285750" indent="-285750">
-              <a:buFont typeface="Arial" panose="020B0604020202020204" pitchFamily="34" charset="0"/>
-              <a:buChar char="•"/>
-            </a:pPr>
-            <a:endParaRPr lang="en-US" sz="1200" dirty="0"/>
-          </a:p>
-          <a:p>
-            <a:pPr marL="285750" indent="-285750">
-              <a:buFont typeface="Arial" panose="020B0604020202020204" pitchFamily="34" charset="0"/>
-              <a:buChar char="•"/>
-            </a:pPr>
-            <a:r>
-              <a:rPr lang="en-US" sz="1200" dirty="0"/>
-              <a:t>If there is any confusion to the project at hand there can be clarification in the matter of seconds!</a:t>
-            </a:r>
-          </a:p>
-          <a:p>
-            <a:pPr marL="285750" indent="-285750">
-              <a:buFont typeface="Arial" panose="020B0604020202020204" pitchFamily="34" charset="0"/>
-              <a:buChar char="•"/>
-            </a:pPr>
-            <a:endParaRPr lang="en-US" sz="1200" dirty="0"/>
-          </a:p>
-          <a:p>
-            <a:pPr marL="285750" indent="-285750">
-              <a:buFont typeface="Arial" panose="020B0604020202020204" pitchFamily="34" charset="0"/>
-              <a:buChar char="•"/>
-            </a:pPr>
-            <a:r>
-              <a:rPr lang="en-US" sz="1200" dirty="0"/>
-              <a:t>The cliché goes that a picture speaks a thousands words. So 30fps screen sharing should speak about 30,000 words per second. (pause for laughter)</a:t>
-            </a:r>
-          </a:p>
-          <a:p>
-            <a:endParaRPr lang="en-US" dirty="0"/>
+            <a:endParaRPr lang="en-US"/>
           </a:p>
         </p:txBody>
       </p:sp>
@@ -3585,290 +3493,18 @@
           <a:bodyPr/>
           <a:lstStyle/>
           <a:p>
-            <a:pPr marL="0" marR="0" lvl="0" indent="0" algn="r" defTabSz="914400" rtl="0" eaLnBrk="1" fontAlgn="auto" latinLnBrk="0" hangingPunct="1">
-              <a:lnSpc>
-                <a:spcPct val="100000"/>
-              </a:lnSpc>
-              <a:spcBef>
-                <a:spcPts val="0"/>
-              </a:spcBef>
-              <a:spcAft>
-                <a:spcPts val="0"/>
-              </a:spcAft>
-              <a:buClrTx/>
-              <a:buSzTx/>
-              <a:buFontTx/>
-              <a:buNone/>
-              <a:tabLst/>
-              <a:defRPr/>
-            </a:pPr>
-            <a:fld id="{AE9ECEFE-5C53-4261-924B-F0AA5F7E0BB8}" type="slidenum">
-              <a:rPr kumimoji="0" lang="en-US" sz="1200" b="0" i="0" u="none" strike="noStrike" kern="1200" cap="none" spc="0" normalizeH="0" baseline="0" noProof="0" smtClean="0">
-                <a:ln>
-                  <a:noFill/>
-                </a:ln>
-                <a:solidFill>
-                  <a:prstClr val="black"/>
-                </a:solidFill>
-                <a:effectLst/>
-                <a:uLnTx/>
-                <a:uFillTx/>
-                <a:latin typeface="Calibri" panose="020F0502020204030204"/>
-                <a:ea typeface="+mn-ea"/>
-                <a:cs typeface="+mn-cs"/>
-              </a:rPr>
-              <a:pPr marL="0" marR="0" lvl="0" indent="0" algn="r" defTabSz="914400" rtl="0" eaLnBrk="1" fontAlgn="auto" latinLnBrk="0" hangingPunct="1">
-                <a:lnSpc>
-                  <a:spcPct val="100000"/>
-                </a:lnSpc>
-                <a:spcBef>
-                  <a:spcPts val="0"/>
-                </a:spcBef>
-                <a:spcAft>
-                  <a:spcPts val="0"/>
-                </a:spcAft>
-                <a:buClrTx/>
-                <a:buSzTx/>
-                <a:buFontTx/>
-                <a:buNone/>
-                <a:tabLst/>
-                <a:defRPr/>
-              </a:pPr>
-              <a:t>26</a:t>
+            <a:fld id="{FCFED414-B8BD-4977-925E-1C2AFAB354A8}" type="slidenum">
+              <a:rPr lang="en-US" smtClean="0"/>
+              <a:t>24</a:t>
             </a:fld>
-            <a:endParaRPr kumimoji="0" lang="en-US" sz="1200" b="0" i="0" u="none" strike="noStrike" kern="1200" cap="none" spc="0" normalizeH="0" baseline="0" noProof="0">
-              <a:ln>
-                <a:noFill/>
-              </a:ln>
-              <a:solidFill>
-                <a:prstClr val="black"/>
-              </a:solidFill>
-              <a:effectLst/>
-              <a:uLnTx/>
-              <a:uFillTx/>
-              <a:latin typeface="Calibri" panose="020F0502020204030204"/>
-              <a:ea typeface="+mn-ea"/>
-              <a:cs typeface="+mn-cs"/>
-            </a:endParaRPr>
+            <a:endParaRPr lang="en-US"/>
           </a:p>
         </p:txBody>
       </p:sp>
     </p:spTree>
     <p:extLst>
       <p:ext uri="{BB962C8B-B14F-4D97-AF65-F5344CB8AC3E}">
-        <p14:creationId xmlns:p14="http://schemas.microsoft.com/office/powerpoint/2010/main" val="3548995294"/>
-      </p:ext>
-    </p:extLst>
-  </p:cSld>
-  <p:clrMapOvr>
-    <a:masterClrMapping/>
-  </p:clrMapOvr>
-</p:notes>
-</file>
-
-<file path=ppt/notesSlides/notesSlide9.xml><?xml version="1.0" encoding="utf-8"?>
-<p:notes xmlns:a="http://schemas.openxmlformats.org/drawingml/2006/main" xmlns:r="http://schemas.openxmlformats.org/officeDocument/2006/relationships" xmlns:p="http://schemas.openxmlformats.org/presentationml/2006/main">
-  <p:cSld>
-    <p:spTree>
-      <p:nvGrpSpPr>
-        <p:cNvPr id="1" name=""/>
-        <p:cNvGrpSpPr/>
-        <p:nvPr/>
-      </p:nvGrpSpPr>
-      <p:grpSpPr>
-        <a:xfrm>
-          <a:off x="0" y="0"/>
-          <a:ext cx="0" cy="0"/>
-          <a:chOff x="0" y="0"/>
-          <a:chExt cx="0" cy="0"/>
-        </a:xfrm>
-      </p:grpSpPr>
-      <p:sp>
-        <p:nvSpPr>
-          <p:cNvPr id="2" name="Slide Image Placeholder 1"/>
-          <p:cNvSpPr>
-            <a:spLocks noGrp="1" noRot="1" noChangeAspect="1"/>
-          </p:cNvSpPr>
-          <p:nvPr>
-            <p:ph type="sldImg"/>
-          </p:nvPr>
-        </p:nvSpPr>
-        <p:spPr/>
-      </p:sp>
-      <p:sp>
-        <p:nvSpPr>
-          <p:cNvPr id="3" name="Notes Placeholder 2"/>
-          <p:cNvSpPr>
-            <a:spLocks noGrp="1"/>
-          </p:cNvSpPr>
-          <p:nvPr>
-            <p:ph type="body" idx="1"/>
-          </p:nvPr>
-        </p:nvSpPr>
-        <p:spPr/>
-        <p:txBody>
-          <a:bodyPr/>
-          <a:lstStyle/>
-          <a:p>
-            <a:pPr marL="285750" indent="-285750">
-              <a:buFont typeface="Arial" panose="020B0604020202020204" pitchFamily="34" charset="0"/>
-              <a:buChar char="•"/>
-            </a:pPr>
-            <a:r>
-              <a:rPr lang="en-US" sz="1200" dirty="0"/>
-              <a:t>Sometimes our computer notifications can cause a bit of a stressful spike in our bodies when we hear that jingle or notification noise. (pop </a:t>
-            </a:r>
-            <a:r>
-              <a:rPr lang="en-US" sz="1200" dirty="0" err="1"/>
-              <a:t>pop</a:t>
-            </a:r>
-            <a:r>
-              <a:rPr lang="en-US" sz="1200" dirty="0"/>
-              <a:t> </a:t>
-            </a:r>
-            <a:r>
-              <a:rPr lang="en-US" sz="1200" dirty="0" err="1"/>
-              <a:t>pop</a:t>
-            </a:r>
-            <a:r>
-              <a:rPr lang="en-US" sz="1200" dirty="0"/>
-              <a:t> brush </a:t>
-            </a:r>
-            <a:r>
-              <a:rPr lang="en-US" sz="1200" dirty="0" err="1"/>
-              <a:t>brush</a:t>
-            </a:r>
-            <a:r>
-              <a:rPr lang="en-US" sz="1200" dirty="0"/>
-              <a:t> brush)</a:t>
-            </a:r>
-          </a:p>
-          <a:p>
-            <a:pPr marL="285750" indent="-285750">
-              <a:buFont typeface="Arial" panose="020B0604020202020204" pitchFamily="34" charset="0"/>
-              <a:buChar char="•"/>
-            </a:pPr>
-            <a:endParaRPr lang="en-US" sz="1200" dirty="0"/>
-          </a:p>
-          <a:p>
-            <a:pPr marL="285750" indent="-285750">
-              <a:buFont typeface="Arial" panose="020B0604020202020204" pitchFamily="34" charset="0"/>
-              <a:buChar char="•"/>
-            </a:pPr>
-            <a:r>
-              <a:rPr lang="en-US" sz="1200" dirty="0"/>
-              <a:t>In a healthy group setting, those notifications can perk you up and bring motivation to your work-flow!</a:t>
-            </a:r>
-          </a:p>
-          <a:p>
-            <a:pPr marL="285750" indent="-285750">
-              <a:buFont typeface="Arial" panose="020B0604020202020204" pitchFamily="34" charset="0"/>
-              <a:buChar char="•"/>
-            </a:pPr>
-            <a:endParaRPr lang="en-US" sz="1200" dirty="0"/>
-          </a:p>
-          <a:p>
-            <a:pPr marL="285750" indent="-285750">
-              <a:buFont typeface="Arial" panose="020B0604020202020204" pitchFamily="34" charset="0"/>
-              <a:buChar char="•"/>
-            </a:pPr>
-            <a:r>
-              <a:rPr lang="en-US" sz="1200" dirty="0"/>
-              <a:t>Efficiency is always important, especially in the tech world. However, we find our group is most efficient when we are all laughing with each other.</a:t>
-            </a:r>
-          </a:p>
-          <a:p>
-            <a:endParaRPr lang="en-US" dirty="0"/>
-          </a:p>
-        </p:txBody>
-      </p:sp>
-      <p:sp>
-        <p:nvSpPr>
-          <p:cNvPr id="4" name="Slide Number Placeholder 3"/>
-          <p:cNvSpPr>
-            <a:spLocks noGrp="1"/>
-          </p:cNvSpPr>
-          <p:nvPr>
-            <p:ph type="sldNum" sz="quarter" idx="5"/>
-          </p:nvPr>
-        </p:nvSpPr>
-        <p:spPr/>
-        <p:txBody>
-          <a:bodyPr/>
-          <a:lstStyle/>
-          <a:p>
-            <a:pPr marL="0" marR="0" lvl="0" indent="0" algn="r" defTabSz="914400" rtl="0" eaLnBrk="1" fontAlgn="auto" latinLnBrk="0" hangingPunct="1">
-              <a:lnSpc>
-                <a:spcPct val="100000"/>
-              </a:lnSpc>
-              <a:spcBef>
-                <a:spcPts val="0"/>
-              </a:spcBef>
-              <a:spcAft>
-                <a:spcPts val="0"/>
-              </a:spcAft>
-              <a:buClrTx/>
-              <a:buSzTx/>
-              <a:buFontTx/>
-              <a:buNone/>
-              <a:tabLst/>
-              <a:defRPr/>
-            </a:pPr>
-            <a:fld id="{AE9ECEFE-5C53-4261-924B-F0AA5F7E0BB8}" type="slidenum">
-              <a:rPr kumimoji="0" lang="en-US" sz="1200" b="0" i="0" u="none" strike="noStrike" kern="1200" cap="none" spc="0" normalizeH="0" baseline="0" noProof="0" smtClean="0">
-                <a:ln>
-                  <a:noFill/>
-                </a:ln>
-                <a:solidFill>
-                  <a:prstClr val="black"/>
-                </a:solidFill>
-                <a:effectLst/>
-                <a:uLnTx/>
-                <a:uFillTx/>
-                <a:latin typeface="Calibri" panose="020F0502020204030204"/>
-                <a:ea typeface="+mn-ea"/>
-                <a:cs typeface="+mn-cs"/>
-              </a:rPr>
-              <a:pPr marL="0" marR="0" lvl="0" indent="0" algn="r" defTabSz="914400" rtl="0" eaLnBrk="1" fontAlgn="auto" latinLnBrk="0" hangingPunct="1">
-                <a:lnSpc>
-                  <a:spcPct val="100000"/>
-                </a:lnSpc>
-                <a:spcBef>
-                  <a:spcPts val="0"/>
-                </a:spcBef>
-                <a:spcAft>
-                  <a:spcPts val="0"/>
-                </a:spcAft>
-                <a:buClrTx/>
-                <a:buSzTx/>
-                <a:buFontTx/>
-                <a:buNone/>
-                <a:tabLst/>
-                <a:defRPr/>
-              </a:pPr>
-              <a:t>27</a:t>
-            </a:fld>
-            <a:endParaRPr kumimoji="0" lang="en-US" sz="1200" b="0" i="0" u="none" strike="noStrike" kern="1200" cap="none" spc="0" normalizeH="0" baseline="0" noProof="0">
-              <a:ln>
-                <a:noFill/>
-              </a:ln>
-              <a:solidFill>
-                <a:prstClr val="black"/>
-              </a:solidFill>
-              <a:effectLst/>
-              <a:uLnTx/>
-              <a:uFillTx/>
-              <a:latin typeface="Calibri" panose="020F0502020204030204"/>
-              <a:ea typeface="+mn-ea"/>
-              <a:cs typeface="+mn-cs"/>
-            </a:endParaRPr>
-          </a:p>
-        </p:txBody>
-      </p:sp>
-    </p:spTree>
-    <p:extLst>
-      <p:ext uri="{BB962C8B-B14F-4D97-AF65-F5344CB8AC3E}">
-        <p14:creationId xmlns:p14="http://schemas.microsoft.com/office/powerpoint/2010/main" val="2785805056"/>
+        <p14:creationId xmlns:p14="http://schemas.microsoft.com/office/powerpoint/2010/main" val="4052855905"/>
       </p:ext>
     </p:extLst>
   </p:cSld>
@@ -6506,7 +6142,7 @@
           <a:p>
             <a:r>
               <a:rPr lang="en-US" sz="2400"/>
-              <a:t>Kathryn Araya 		(A.S. Data Science Technology)</a:t>
+              <a:t>Kathryn Arraya 	(A.S. Data Science Technology)</a:t>
             </a:r>
           </a:p>
           <a:p>
@@ -6625,10 +6261,10 @@
               </a:spcBef>
             </a:pPr>
             <a:r>
-              <a:rPr lang="en-US" sz="2000"/>
+              <a:rPr lang="en-US" sz="2000" dirty="0"/>
               <a:t>Canvas Announcement</a:t>
             </a:r>
-            <a:endParaRPr lang="en-US" sz="2000">
+            <a:endParaRPr lang="en-US" sz="2000" dirty="0">
               <a:solidFill>
                 <a:srgbClr val="000000"/>
               </a:solidFill>
@@ -6645,7 +6281,7 @@
               <a:buNone/>
             </a:pPr>
             <a:r>
-              <a:rPr lang="en-US" sz="2000" b="1">
+              <a:rPr lang="en-US" sz="2000" b="1" dirty="0">
                 <a:solidFill>
                   <a:srgbClr val="000000"/>
                 </a:solidFill>
@@ -6664,7 +6300,7 @@
               <a:buNone/>
             </a:pPr>
             <a:r>
-              <a:rPr lang="en-US" sz="1800">
+              <a:rPr lang="en-US" sz="1800" dirty="0">
                 <a:solidFill>
                   <a:srgbClr val="000000"/>
                 </a:solidFill>
@@ -6683,12 +6319,28 @@
               <a:buNone/>
             </a:pPr>
             <a:r>
-              <a:rPr lang="en-US" sz="1800">
+              <a:rPr lang="en-US" sz="1800" dirty="0">
                 <a:solidFill>
                   <a:srgbClr val="000000"/>
                 </a:solidFill>
               </a:rPr>
-              <a:t>	https://join.slack.com/t/summer24-workspace/shared_invite/... </a:t>
+              <a:t>	https://join.slack.com/t/summer24-workspace/</a:t>
+            </a:r>
+            <a:r>
+              <a:rPr lang="en-US" sz="1800" dirty="0" err="1">
+                <a:solidFill>
+                  <a:srgbClr val="000000"/>
+                </a:solidFill>
+              </a:rPr>
+              <a:t>shared_invite</a:t>
+            </a:r>
+            <a:r>
+              <a:rPr lang="en-US" sz="1800" dirty="0">
+                <a:solidFill>
+                  <a:srgbClr val="000000"/>
+                </a:solidFill>
+              </a:rPr>
+              <a:t>/... </a:t>
             </a:r>
           </a:p>
           <a:p>
@@ -6699,7 +6351,7 @@
               <a:buNone/>
             </a:pPr>
             <a:r>
-              <a:rPr lang="en-US" sz="1600">
+              <a:rPr lang="en-US" sz="1600" dirty="0">
                 <a:solidFill>
                   <a:srgbClr val="000000"/>
                 </a:solidFill>
@@ -6707,14 +6359,14 @@
               <a:t>You can download Slack for Windows here: https://slack.com/downloads/windows</a:t>
             </a:r>
             <a:br>
-              <a:rPr lang="en-US" sz="1600">
+              <a:rPr lang="en-US" sz="1600" dirty="0">
                 <a:solidFill>
                   <a:srgbClr val="000000"/>
                 </a:solidFill>
               </a:rPr>
             </a:br>
             <a:r>
-              <a:rPr lang="en-US" sz="1600">
+              <a:rPr lang="en-US" sz="1600" dirty="0">
                 <a:solidFill>
                   <a:srgbClr val="000000"/>
                 </a:solidFill>
@@ -6722,14 +6374,14 @@
               <a:t>You can download Slack for Mac here: https://slack.com/downloads/mac </a:t>
             </a:r>
             <a:br>
-              <a:rPr lang="en-US" sz="1600">
+              <a:rPr lang="en-US" sz="1600" dirty="0">
                 <a:solidFill>
                   <a:srgbClr val="000000"/>
                 </a:solidFill>
               </a:rPr>
             </a:br>
             <a:r>
-              <a:rPr lang="en-US" sz="1600">
+              <a:rPr lang="en-US" sz="1600" dirty="0">
                 <a:solidFill>
                   <a:srgbClr val="000000"/>
                 </a:solidFill>
@@ -6748,7 +6400,7 @@
               <a:buNone/>
             </a:pPr>
             <a:r>
-              <a:rPr lang="en-US" sz="1800">
+              <a:rPr lang="en-US" sz="1800" dirty="0">
                 <a:solidFill>
                   <a:srgbClr val="000000"/>
                 </a:solidFill>
@@ -6766,7 +6418,7 @@
               </a:spcBef>
             </a:pPr>
             <a:r>
-              <a:rPr lang="en-US" sz="1800">
+              <a:rPr lang="en-US" sz="1800" dirty="0">
                 <a:solidFill>
                   <a:srgbClr val="000000"/>
                 </a:solidFill>
@@ -6784,7 +6436,7 @@
               </a:spcBef>
             </a:pPr>
             <a:r>
-              <a:rPr lang="en-US" sz="1800">
+              <a:rPr lang="en-US" sz="1800" dirty="0">
                 <a:solidFill>
                   <a:srgbClr val="000000"/>
                 </a:solidFill>
@@ -6802,7 +6454,7 @@
               </a:spcBef>
             </a:pPr>
             <a:r>
-              <a:rPr lang="en-US" sz="1800">
+              <a:rPr lang="en-US" sz="1800" dirty="0">
                 <a:solidFill>
                   <a:srgbClr val="000000"/>
                 </a:solidFill>
@@ -6821,7 +6473,7 @@
               <a:buNone/>
             </a:pPr>
             <a:r>
-              <a:rPr lang="en-US" sz="1800" b="1">
+              <a:rPr lang="en-US" sz="1800" b="1" dirty="0">
                 <a:solidFill>
                   <a:srgbClr val="000000"/>
                 </a:solidFill>
@@ -6972,7 +6624,7 @@
         </p:spPr>
         <p:txBody>
           <a:bodyPr vert="horz" lIns="91440" tIns="45720" rIns="91440" bIns="45720" rtlCol="0">
-            <a:normAutofit/>
+            <a:normAutofit lnSpcReduction="10000"/>
           </a:bodyPr>
           <a:lstStyle>
             <a:lvl1pPr marL="228600" indent="-228600" algn="l" defTabSz="914400" rtl="0" eaLnBrk="1" latinLnBrk="0" hangingPunct="1">
@@ -7157,7 +6809,7 @@
               <a:defRPr/>
             </a:pPr>
             <a:r>
-              <a:rPr kumimoji="0" lang="en-US" sz="2000" b="0" u="none" strike="noStrike" kern="1200" cap="none" spc="0" normalizeH="0" baseline="0" noProof="0" dirty="0">
+              <a:rPr kumimoji="0" lang="en-US" sz="2400" b="0" u="none" strike="noStrike" kern="1200" cap="none" spc="0" normalizeH="0" baseline="0" noProof="0" dirty="0">
                 <a:ln>
                   <a:noFill/>
                 </a:ln>
@@ -7171,33 +6823,7 @@
                 <a:ea typeface="+mn-ea"/>
                 <a:cs typeface="+mn-cs"/>
               </a:rPr>
-              <a:t>We conducted a survey with a total of eight questions to understand students’ experiences with Slack. </a:t>
-            </a:r>
-            <a:r>
-              <a:rPr lang="en-US" sz="2000" dirty="0">
-                <a:solidFill>
-                  <a:srgbClr val="007598"/>
-                </a:solidFill>
-                <a:latin typeface="Calibri" panose="020F0502020204030204"/>
-              </a:rPr>
-              <a:t>The</a:t>
-            </a:r>
-            <a:r>
-              <a:rPr kumimoji="0" lang="en-US" sz="2000" b="0" u="none" strike="noStrike" kern="1200" cap="none" spc="0" normalizeH="0" baseline="0" noProof="0" dirty="0">
-                <a:ln>
-                  <a:noFill/>
-                </a:ln>
-                <a:solidFill>
-                  <a:srgbClr val="007598"/>
-                </a:solidFill>
-                <a:effectLst/>
-                <a:uLnTx/>
-                <a:uFillTx/>
-                <a:latin typeface="Calibri" panose="020F0502020204030204"/>
-                <a:ea typeface="+mn-ea"/>
-                <a:cs typeface="+mn-cs"/>
-              </a:rPr>
-              <a:t> primary focus was on identifying the specific benefits students feel Slack provides. Here are two key questions from the survey:</a:t>
+              <a:t>While we conducted a survey with a total of eight questions to understand students’ experiences with Slack, our primary focus was on identifying the specific benefits students feel Slack provides. Here are two key questions from the survey:</a:t>
             </a:r>
           </a:p>
           <a:p>
@@ -7231,7 +6857,7 @@
                 <a:ea typeface="+mj-ea"/>
                 <a:cs typeface="+mj-cs"/>
               </a:rPr>
-              <a:t>How has your educational experience benefitted from using Slack?</a:t>
+              <a:t>How has your educational experience benefited from using Slack?</a:t>
             </a:r>
           </a:p>
           <a:p>
@@ -7430,6 +7056,1636 @@
           <a:chExt cx="0" cy="0"/>
         </a:xfrm>
       </p:grpSpPr>
+      <p:sp>
+        <p:nvSpPr>
+          <p:cNvPr id="3" name="TextBox 2">
+            <a:extLst>
+              <a:ext uri="{FF2B5EF4-FFF2-40B4-BE49-F238E27FC236}">
+                <a16:creationId xmlns:a16="http://schemas.microsoft.com/office/drawing/2014/main" id="{A7840146-279C-69D8-A841-0DB43D8513C3}"/>
+              </a:ext>
+            </a:extLst>
+          </p:cNvPr>
+          <p:cNvSpPr txBox="1"/>
+          <p:nvPr/>
+        </p:nvSpPr>
+        <p:spPr>
+          <a:xfrm>
+            <a:off x="1122948" y="0"/>
+            <a:ext cx="9079832" cy="6269409"/>
+          </a:xfrm>
+          <a:prstGeom prst="rect">
+            <a:avLst/>
+          </a:prstGeom>
+          <a:noFill/>
+        </p:spPr>
+        <p:txBody>
+          <a:bodyPr wrap="square">
+            <a:spAutoFit/>
+          </a:bodyPr>
+          <a:lstStyle/>
+          <a:p>
+            <a:endParaRPr lang="en-US" sz="2400" dirty="0">
+              <a:latin typeface="Arial" panose="020B0604020202020204" pitchFamily="34" charset="0"/>
+              <a:cs typeface="Arial" panose="020B0604020202020204" pitchFamily="34" charset="0"/>
+            </a:endParaRPr>
+          </a:p>
+          <a:p>
+            <a:pPr marL="342900" indent="-342900">
+              <a:buAutoNum type="arabicParenR"/>
+            </a:pPr>
+            <a:r>
+              <a:rPr lang="en-US" sz="2400" b="1" dirty="0">
+                <a:latin typeface="Arial" panose="020B0604020202020204" pitchFamily="34" charset="0"/>
+                <a:cs typeface="Arial" panose="020B0604020202020204" pitchFamily="34" charset="0"/>
+              </a:rPr>
+              <a:t>How did you first hear of Slack?</a:t>
+            </a:r>
+          </a:p>
+          <a:p>
+            <a:endParaRPr lang="en-US" sz="800" b="1" dirty="0"/>
+          </a:p>
+          <a:p>
+            <a:pPr marL="800100" lvl="1" indent="-342900">
+              <a:lnSpc>
+                <a:spcPct val="107000"/>
+              </a:lnSpc>
+              <a:buFont typeface="+mj-lt"/>
+              <a:buAutoNum type="arabicParenR"/>
+              <a:tabLst>
+                <a:tab pos="457200" algn="l"/>
+              </a:tabLst>
+            </a:pPr>
+            <a:r>
+              <a:rPr lang="en-US" sz="2000" kern="0" dirty="0">
+                <a:effectLst/>
+                <a:highlight>
+                  <a:srgbClr val="F8F8F8"/>
+                </a:highlight>
+                <a:latin typeface="Arial" panose="020B0604020202020204" pitchFamily="34" charset="0"/>
+                <a:ea typeface="Times New Roman" panose="02020603050405020304" pitchFamily="18" charset="0"/>
+                <a:cs typeface="Times New Roman" panose="02020603050405020304" pitchFamily="18" charset="0"/>
+              </a:rPr>
+              <a:t>Within the last year</a:t>
+            </a:r>
+            <a:endParaRPr lang="en-US" sz="2000" kern="100" dirty="0">
+              <a:effectLst/>
+              <a:highlight>
+                <a:srgbClr val="F8F8F8"/>
+              </a:highlight>
+              <a:latin typeface="Calibri" panose="020F0502020204030204" pitchFamily="34" charset="0"/>
+              <a:ea typeface="Calibri" panose="020F0502020204030204" pitchFamily="34" charset="0"/>
+              <a:cs typeface="Times New Roman" panose="02020603050405020304" pitchFamily="18" charset="0"/>
+            </a:endParaRPr>
+          </a:p>
+          <a:p>
+            <a:pPr marL="800100" lvl="1" indent="-342900">
+              <a:lnSpc>
+                <a:spcPct val="107000"/>
+              </a:lnSpc>
+              <a:buFont typeface="+mj-lt"/>
+              <a:buAutoNum type="arabicParenR"/>
+              <a:tabLst>
+                <a:tab pos="457200" algn="l"/>
+              </a:tabLst>
+            </a:pPr>
+            <a:r>
+              <a:rPr lang="en-US" sz="2000" kern="0" dirty="0">
+                <a:effectLst/>
+                <a:highlight>
+                  <a:srgbClr val="F8F8F8"/>
+                </a:highlight>
+                <a:latin typeface="Arial" panose="020B0604020202020204" pitchFamily="34" charset="0"/>
+                <a:ea typeface="Times New Roman" panose="02020603050405020304" pitchFamily="18" charset="0"/>
+                <a:cs typeface="Times New Roman" panose="02020603050405020304" pitchFamily="18" charset="0"/>
+              </a:rPr>
+              <a:t>More than a year ago</a:t>
+            </a:r>
+            <a:endParaRPr lang="en-US" sz="2000" kern="100" dirty="0">
+              <a:effectLst/>
+              <a:highlight>
+                <a:srgbClr val="F8F8F8"/>
+              </a:highlight>
+              <a:latin typeface="Calibri" panose="020F0502020204030204" pitchFamily="34" charset="0"/>
+              <a:ea typeface="Calibri" panose="020F0502020204030204" pitchFamily="34" charset="0"/>
+              <a:cs typeface="Times New Roman" panose="02020603050405020304" pitchFamily="18" charset="0"/>
+            </a:endParaRPr>
+          </a:p>
+          <a:p>
+            <a:pPr marL="800100" lvl="1" indent="-342900">
+              <a:lnSpc>
+                <a:spcPct val="107000"/>
+              </a:lnSpc>
+              <a:buFont typeface="+mj-lt"/>
+              <a:buAutoNum type="arabicParenR"/>
+              <a:tabLst>
+                <a:tab pos="457200" algn="l"/>
+              </a:tabLst>
+            </a:pPr>
+            <a:r>
+              <a:rPr lang="en-US" sz="2000" kern="0" dirty="0">
+                <a:effectLst/>
+                <a:highlight>
+                  <a:srgbClr val="F8F8F8"/>
+                </a:highlight>
+                <a:latin typeface="Arial" panose="020B0604020202020204" pitchFamily="34" charset="0"/>
+                <a:ea typeface="Times New Roman" panose="02020603050405020304" pitchFamily="18" charset="0"/>
+                <a:cs typeface="Times New Roman" panose="02020603050405020304" pitchFamily="18" charset="0"/>
+              </a:rPr>
+              <a:t>More than 3 years ago.</a:t>
+            </a:r>
+            <a:endParaRPr lang="en-US" sz="2000" kern="100" dirty="0">
+              <a:effectLst/>
+              <a:highlight>
+                <a:srgbClr val="F8F8F8"/>
+              </a:highlight>
+              <a:latin typeface="Calibri" panose="020F0502020204030204" pitchFamily="34" charset="0"/>
+              <a:ea typeface="Calibri" panose="020F0502020204030204" pitchFamily="34" charset="0"/>
+              <a:cs typeface="Times New Roman" panose="02020603050405020304" pitchFamily="18" charset="0"/>
+            </a:endParaRPr>
+          </a:p>
+          <a:p>
+            <a:pPr marL="800100" lvl="1" indent="-342900">
+              <a:lnSpc>
+                <a:spcPct val="107000"/>
+              </a:lnSpc>
+              <a:buFont typeface="+mj-lt"/>
+              <a:buAutoNum type="arabicParenR"/>
+              <a:tabLst>
+                <a:tab pos="457200" algn="l"/>
+              </a:tabLst>
+            </a:pPr>
+            <a:r>
+              <a:rPr lang="en-US" sz="2000" kern="0" dirty="0">
+                <a:highlight>
+                  <a:srgbClr val="F8F8F8"/>
+                </a:highlight>
+                <a:latin typeface="Arial" panose="020B0604020202020204" pitchFamily="34" charset="0"/>
+                <a:cs typeface="Times New Roman" panose="02020603050405020304" pitchFamily="18" charset="0"/>
+              </a:rPr>
+              <a:t>More than 5 years ago.</a:t>
+            </a:r>
+          </a:p>
+          <a:p>
+            <a:pPr marL="342900" indent="-342900">
+              <a:buAutoNum type="arabicParenR"/>
+            </a:pPr>
+            <a:endParaRPr lang="en-US" dirty="0"/>
+          </a:p>
+          <a:p>
+            <a:pPr marL="342900" indent="-342900">
+              <a:buAutoNum type="arabicParenR"/>
+            </a:pPr>
+            <a:r>
+              <a:rPr lang="en-US" sz="2400" b="1" dirty="0">
+                <a:latin typeface="Arial" panose="020B0604020202020204" pitchFamily="34" charset="0"/>
+                <a:cs typeface="Arial" panose="020B0604020202020204" pitchFamily="34" charset="0"/>
+              </a:rPr>
+              <a:t>How did you communicate with your professors and fellow classmates prior to using Slack?</a:t>
+            </a:r>
+          </a:p>
+          <a:p>
+            <a:endParaRPr lang="en-US" sz="800" b="1" dirty="0">
+              <a:latin typeface="Arial" panose="020B0604020202020204" pitchFamily="34" charset="0"/>
+              <a:cs typeface="Arial" panose="020B0604020202020204" pitchFamily="34" charset="0"/>
+            </a:endParaRPr>
+          </a:p>
+          <a:p>
+            <a:pPr marR="0" lvl="1">
+              <a:lnSpc>
+                <a:spcPct val="107000"/>
+              </a:lnSpc>
+              <a:spcBef>
+                <a:spcPts val="0"/>
+              </a:spcBef>
+              <a:spcAft>
+                <a:spcPts val="0"/>
+              </a:spcAft>
+              <a:tabLst>
+                <a:tab pos="457200" algn="l"/>
+              </a:tabLst>
+            </a:pPr>
+            <a:r>
+              <a:rPr lang="en-US" sz="2000" kern="0" dirty="0">
+                <a:highlight>
+                  <a:srgbClr val="F8F8F8"/>
+                </a:highlight>
+                <a:latin typeface="Arial" panose="020B0604020202020204" pitchFamily="34" charset="0"/>
+                <a:cs typeface="Times New Roman" panose="02020603050405020304" pitchFamily="18" charset="0"/>
+              </a:rPr>
+              <a:t>1)  School email</a:t>
+            </a:r>
+          </a:p>
+          <a:p>
+            <a:pPr marR="0" lvl="1">
+              <a:lnSpc>
+                <a:spcPct val="107000"/>
+              </a:lnSpc>
+              <a:spcBef>
+                <a:spcPts val="0"/>
+              </a:spcBef>
+              <a:spcAft>
+                <a:spcPts val="0"/>
+              </a:spcAft>
+              <a:tabLst>
+                <a:tab pos="457200" algn="l"/>
+              </a:tabLst>
+            </a:pPr>
+            <a:r>
+              <a:rPr lang="en-US" sz="2000" kern="0" dirty="0">
+                <a:highlight>
+                  <a:srgbClr val="F8F8F8"/>
+                </a:highlight>
+                <a:latin typeface="Arial" panose="020B0604020202020204" pitchFamily="34" charset="0"/>
+                <a:cs typeface="Times New Roman" panose="02020603050405020304" pitchFamily="18" charset="0"/>
+              </a:rPr>
+              <a:t>2)  Via Canvas</a:t>
+            </a:r>
+          </a:p>
+          <a:p>
+            <a:pPr marR="0" lvl="1">
+              <a:lnSpc>
+                <a:spcPct val="107000"/>
+              </a:lnSpc>
+              <a:spcBef>
+                <a:spcPts val="0"/>
+              </a:spcBef>
+              <a:spcAft>
+                <a:spcPts val="0"/>
+              </a:spcAft>
+              <a:tabLst>
+                <a:tab pos="457200" algn="l"/>
+              </a:tabLst>
+            </a:pPr>
+            <a:r>
+              <a:rPr lang="en-US" sz="2000" kern="0" dirty="0">
+                <a:highlight>
+                  <a:srgbClr val="F8F8F8"/>
+                </a:highlight>
+                <a:latin typeface="Arial" panose="020B0604020202020204" pitchFamily="34" charset="0"/>
+                <a:cs typeface="Times New Roman" panose="02020603050405020304" pitchFamily="18" charset="0"/>
+              </a:rPr>
+              <a:t>3)  Via scheduled meetings with profs</a:t>
+            </a:r>
+          </a:p>
+          <a:p>
+            <a:pPr marR="0" lvl="1">
+              <a:lnSpc>
+                <a:spcPct val="107000"/>
+              </a:lnSpc>
+              <a:spcBef>
+                <a:spcPts val="0"/>
+              </a:spcBef>
+              <a:spcAft>
+                <a:spcPts val="0"/>
+              </a:spcAft>
+              <a:tabLst>
+                <a:tab pos="457200" algn="l"/>
+              </a:tabLst>
+            </a:pPr>
+            <a:r>
+              <a:rPr lang="en-US" sz="2000" kern="0" dirty="0">
+                <a:highlight>
+                  <a:srgbClr val="F8F8F8"/>
+                </a:highlight>
+                <a:latin typeface="Arial" panose="020B0604020202020204" pitchFamily="34" charset="0"/>
+                <a:cs typeface="Times New Roman" panose="02020603050405020304" pitchFamily="18" charset="0"/>
+              </a:rPr>
+              <a:t>4)  Social media, personal emails and/ or phone numbers to contact fellow 	classmates</a:t>
+            </a:r>
+          </a:p>
+          <a:p>
+            <a:pPr marR="0" lvl="1">
+              <a:lnSpc>
+                <a:spcPct val="107000"/>
+              </a:lnSpc>
+              <a:spcBef>
+                <a:spcPts val="0"/>
+              </a:spcBef>
+              <a:spcAft>
+                <a:spcPts val="0"/>
+              </a:spcAft>
+              <a:tabLst>
+                <a:tab pos="457200" algn="l"/>
+              </a:tabLst>
+            </a:pPr>
+            <a:r>
+              <a:rPr lang="en-US" sz="2000" kern="0" dirty="0">
+                <a:highlight>
+                  <a:srgbClr val="F8F8F8"/>
+                </a:highlight>
+                <a:latin typeface="Arial" panose="020B0604020202020204" pitchFamily="34" charset="0"/>
+                <a:cs typeface="Times New Roman" panose="02020603050405020304" pitchFamily="18" charset="0"/>
+              </a:rPr>
+              <a:t>5)  I have never communicated with professors or fellow students outside 	designated assignments/discussions.</a:t>
+            </a:r>
+          </a:p>
+          <a:p>
+            <a:endParaRPr lang="en-US" dirty="0"/>
+          </a:p>
+          <a:p>
+            <a:pPr marL="342900" indent="-342900">
+              <a:buAutoNum type="arabicParenR"/>
+            </a:pPr>
+            <a:endParaRPr lang="en-US" dirty="0"/>
+          </a:p>
+        </p:txBody>
+      </p:sp>
+    </p:spTree>
+    <p:extLst>
+      <p:ext uri="{BB962C8B-B14F-4D97-AF65-F5344CB8AC3E}">
+        <p14:creationId xmlns:p14="http://schemas.microsoft.com/office/powerpoint/2010/main" val="3527621785"/>
+      </p:ext>
+    </p:extLst>
+  </p:cSld>
+  <p:clrMapOvr>
+    <a:masterClrMapping/>
+  </p:clrMapOvr>
+</p:sld>
+</file>
+
+<file path=ppt/slides/slide13.xml><?xml version="1.0" encoding="utf-8"?>
+<p:sld xmlns:a="http://schemas.openxmlformats.org/drawingml/2006/main" xmlns:r="http://schemas.openxmlformats.org/officeDocument/2006/relationships" xmlns:p="http://schemas.openxmlformats.org/presentationml/2006/main">
+  <p:cSld>
+    <p:spTree>
+      <p:nvGrpSpPr>
+        <p:cNvPr id="1" name=""/>
+        <p:cNvGrpSpPr/>
+        <p:nvPr/>
+      </p:nvGrpSpPr>
+      <p:grpSpPr>
+        <a:xfrm>
+          <a:off x="0" y="0"/>
+          <a:ext cx="0" cy="0"/>
+          <a:chOff x="0" y="0"/>
+          <a:chExt cx="0" cy="0"/>
+        </a:xfrm>
+      </p:grpSpPr>
+      <p:sp>
+        <p:nvSpPr>
+          <p:cNvPr id="3" name="TextBox 2">
+            <a:extLst>
+              <a:ext uri="{FF2B5EF4-FFF2-40B4-BE49-F238E27FC236}">
+                <a16:creationId xmlns:a16="http://schemas.microsoft.com/office/drawing/2014/main" id="{5D335F4E-0A6A-D99F-9A75-5C84D81F4F32}"/>
+              </a:ext>
+            </a:extLst>
+          </p:cNvPr>
+          <p:cNvSpPr txBox="1"/>
+          <p:nvPr/>
+        </p:nvSpPr>
+        <p:spPr>
+          <a:xfrm>
+            <a:off x="1395663" y="32752"/>
+            <a:ext cx="9368590" cy="1569660"/>
+          </a:xfrm>
+          <a:prstGeom prst="rect">
+            <a:avLst/>
+          </a:prstGeom>
+          <a:noFill/>
+        </p:spPr>
+        <p:txBody>
+          <a:bodyPr wrap="square">
+            <a:spAutoFit/>
+          </a:bodyPr>
+          <a:lstStyle/>
+          <a:p>
+            <a:endParaRPr lang="en-US" sz="2400" b="1" dirty="0">
+              <a:latin typeface="Arial" panose="020B0604020202020204" pitchFamily="34" charset="0"/>
+              <a:cs typeface="Arial" panose="020B0604020202020204" pitchFamily="34" charset="0"/>
+            </a:endParaRPr>
+          </a:p>
+          <a:p>
+            <a:pPr marL="457200" indent="-457200">
+              <a:buFont typeface="+mj-lt"/>
+              <a:buAutoNum type="arabicParenR" startAt="3"/>
+            </a:pPr>
+            <a:r>
+              <a:rPr lang="en-US" sz="2400" b="1" dirty="0">
+                <a:latin typeface="Arial" panose="020B0604020202020204" pitchFamily="34" charset="0"/>
+                <a:cs typeface="Arial" panose="020B0604020202020204" pitchFamily="34" charset="0"/>
+              </a:rPr>
+              <a:t>How has your educational experience benefited from using Slack?</a:t>
+            </a:r>
+          </a:p>
+          <a:p>
+            <a:r>
+              <a:rPr lang="en-US" sz="2400" b="1" dirty="0">
+                <a:latin typeface="Arial" panose="020B0604020202020204" pitchFamily="34" charset="0"/>
+                <a:cs typeface="Arial" panose="020B0604020202020204" pitchFamily="34" charset="0"/>
+              </a:rPr>
+              <a:t>	(Please select all that apply from the following):</a:t>
+            </a:r>
+          </a:p>
+        </p:txBody>
+      </p:sp>
+      <p:sp>
+        <p:nvSpPr>
+          <p:cNvPr id="6" name="TextBox 5">
+            <a:extLst>
+              <a:ext uri="{FF2B5EF4-FFF2-40B4-BE49-F238E27FC236}">
+                <a16:creationId xmlns:a16="http://schemas.microsoft.com/office/drawing/2014/main" id="{34A753BA-47DA-7D55-38EE-D0517F574EEA}"/>
+              </a:ext>
+            </a:extLst>
+          </p:cNvPr>
+          <p:cNvSpPr txBox="1"/>
+          <p:nvPr/>
+        </p:nvSpPr>
+        <p:spPr>
+          <a:xfrm>
+            <a:off x="5983705" y="1802050"/>
+            <a:ext cx="5277853" cy="1501117"/>
+          </a:xfrm>
+          <a:prstGeom prst="rect">
+            <a:avLst/>
+          </a:prstGeom>
+          <a:noFill/>
+        </p:spPr>
+        <p:txBody>
+          <a:bodyPr wrap="square" rtlCol="0">
+            <a:spAutoFit/>
+          </a:bodyPr>
+          <a:lstStyle/>
+          <a:p>
+            <a:pPr marL="457200" marR="0" indent="-457200">
+              <a:lnSpc>
+                <a:spcPct val="107000"/>
+              </a:lnSpc>
+              <a:spcBef>
+                <a:spcPts val="0"/>
+              </a:spcBef>
+              <a:spcAft>
+                <a:spcPts val="300"/>
+              </a:spcAft>
+              <a:buFont typeface="+mj-lt"/>
+              <a:buAutoNum type="arabicParenR" startAt="6"/>
+            </a:pPr>
+            <a:r>
+              <a:rPr lang="en-US" sz="2000" kern="0" dirty="0">
+                <a:highlight>
+                  <a:srgbClr val="F8F8F8"/>
+                </a:highlight>
+                <a:latin typeface="Arial" panose="020B0604020202020204" pitchFamily="34" charset="0"/>
+                <a:cs typeface="Times New Roman" panose="02020603050405020304" pitchFamily="18" charset="0"/>
+              </a:rPr>
+              <a:t>timely responses to questions</a:t>
+            </a:r>
+          </a:p>
+          <a:p>
+            <a:pPr marL="457200" marR="0" indent="-457200">
+              <a:lnSpc>
+                <a:spcPct val="107000"/>
+              </a:lnSpc>
+              <a:spcBef>
+                <a:spcPts val="0"/>
+              </a:spcBef>
+              <a:spcAft>
+                <a:spcPts val="300"/>
+              </a:spcAft>
+              <a:buFont typeface="+mj-lt"/>
+              <a:buAutoNum type="arabicParenR" startAt="6"/>
+            </a:pPr>
+            <a:r>
+              <a:rPr lang="en-US" sz="2000" kern="0" dirty="0">
+                <a:highlight>
+                  <a:srgbClr val="F8F8F8"/>
+                </a:highlight>
+                <a:latin typeface="Arial" panose="020B0604020202020204" pitchFamily="34" charset="0"/>
+                <a:cs typeface="Times New Roman" panose="02020603050405020304" pitchFamily="18" charset="0"/>
+              </a:rPr>
+              <a:t>feeling of community</a:t>
+            </a:r>
+          </a:p>
+          <a:p>
+            <a:pPr marL="457200" marR="0" indent="-457200">
+              <a:lnSpc>
+                <a:spcPct val="107000"/>
+              </a:lnSpc>
+              <a:spcBef>
+                <a:spcPts val="0"/>
+              </a:spcBef>
+              <a:spcAft>
+                <a:spcPts val="300"/>
+              </a:spcAft>
+              <a:buFont typeface="+mj-lt"/>
+              <a:buAutoNum type="arabicParenR" startAt="6"/>
+            </a:pPr>
+            <a:r>
+              <a:rPr lang="en-US" sz="2000" kern="0" dirty="0">
+                <a:highlight>
+                  <a:srgbClr val="F8F8F8"/>
+                </a:highlight>
+                <a:latin typeface="Arial" panose="020B0604020202020204" pitchFamily="34" charset="0"/>
+                <a:cs typeface="Times New Roman" panose="02020603050405020304" pitchFamily="18" charset="0"/>
+              </a:rPr>
+              <a:t>other: ________</a:t>
+            </a:r>
+          </a:p>
+          <a:p>
+            <a:pPr marL="457200" marR="0" indent="-457200">
+              <a:lnSpc>
+                <a:spcPct val="107000"/>
+              </a:lnSpc>
+              <a:spcBef>
+                <a:spcPts val="0"/>
+              </a:spcBef>
+              <a:spcAft>
+                <a:spcPts val="300"/>
+              </a:spcAft>
+              <a:buFont typeface="+mj-lt"/>
+              <a:buAutoNum type="arabicParenR" startAt="6"/>
+            </a:pPr>
+            <a:r>
+              <a:rPr lang="en-US" sz="2000" kern="0" dirty="0">
+                <a:highlight>
+                  <a:srgbClr val="F8F8F8"/>
+                </a:highlight>
+                <a:latin typeface="Arial" panose="020B0604020202020204" pitchFamily="34" charset="0"/>
+                <a:cs typeface="Times New Roman" panose="02020603050405020304" pitchFamily="18" charset="0"/>
+              </a:rPr>
+              <a:t>no perceived benefits</a:t>
+            </a:r>
+          </a:p>
+        </p:txBody>
+      </p:sp>
+      <p:sp>
+        <p:nvSpPr>
+          <p:cNvPr id="8" name="TextBox 7">
+            <a:extLst>
+              <a:ext uri="{FF2B5EF4-FFF2-40B4-BE49-F238E27FC236}">
+                <a16:creationId xmlns:a16="http://schemas.microsoft.com/office/drawing/2014/main" id="{AECD7060-A6BC-7EE2-96BA-3D048EE44F83}"/>
+              </a:ext>
+            </a:extLst>
+          </p:cNvPr>
+          <p:cNvSpPr txBox="1"/>
+          <p:nvPr/>
+        </p:nvSpPr>
+        <p:spPr>
+          <a:xfrm>
+            <a:off x="2374234" y="1802050"/>
+            <a:ext cx="3400926" cy="3630930"/>
+          </a:xfrm>
+          <a:prstGeom prst="rect">
+            <a:avLst/>
+          </a:prstGeom>
+          <a:noFill/>
+        </p:spPr>
+        <p:txBody>
+          <a:bodyPr wrap="square">
+            <a:spAutoFit/>
+          </a:bodyPr>
+          <a:lstStyle/>
+          <a:p>
+            <a:pPr marL="457200" marR="0" indent="-457200">
+              <a:lnSpc>
+                <a:spcPct val="107000"/>
+              </a:lnSpc>
+              <a:spcBef>
+                <a:spcPts val="0"/>
+              </a:spcBef>
+              <a:spcAft>
+                <a:spcPts val="300"/>
+              </a:spcAft>
+              <a:buFont typeface="+mj-lt"/>
+              <a:buAutoNum type="arabicParenR"/>
+            </a:pPr>
+            <a:r>
+              <a:rPr lang="en-US" sz="2000" kern="0" dirty="0">
+                <a:highlight>
+                  <a:srgbClr val="F8F8F8"/>
+                </a:highlight>
+                <a:latin typeface="Arial" panose="020B0604020202020204" pitchFamily="34" charset="0"/>
+                <a:cs typeface="Times New Roman" panose="02020603050405020304" pitchFamily="18" charset="0"/>
+              </a:rPr>
+              <a:t>Productivity		</a:t>
+            </a:r>
+          </a:p>
+          <a:p>
+            <a:pPr marL="457200" marR="0" indent="-457200">
+              <a:lnSpc>
+                <a:spcPct val="107000"/>
+              </a:lnSpc>
+              <a:spcBef>
+                <a:spcPts val="0"/>
+              </a:spcBef>
+              <a:spcAft>
+                <a:spcPts val="300"/>
+              </a:spcAft>
+              <a:buFont typeface="+mj-lt"/>
+              <a:buAutoNum type="arabicParenR"/>
+            </a:pPr>
+            <a:r>
+              <a:rPr lang="en-US" sz="2000" kern="0" dirty="0">
+                <a:highlight>
+                  <a:srgbClr val="F8F8F8"/>
+                </a:highlight>
+                <a:latin typeface="Arial" panose="020B0604020202020204" pitchFamily="34" charset="0"/>
+                <a:cs typeface="Times New Roman" panose="02020603050405020304" pitchFamily="18" charset="0"/>
+              </a:rPr>
+              <a:t>communication</a:t>
+            </a:r>
+            <a:r>
+              <a:rPr lang="en-US" sz="2000" kern="0" dirty="0">
+                <a:solidFill>
+                  <a:srgbClr val="1D1C1D"/>
+                </a:solidFill>
+                <a:highlight>
+                  <a:srgbClr val="F8F8F8"/>
+                </a:highlight>
+                <a:latin typeface="Arial" panose="020B0604020202020204" pitchFamily="34" charset="0"/>
+                <a:cs typeface="Times New Roman" panose="02020603050405020304" pitchFamily="18" charset="0"/>
+              </a:rPr>
+              <a:t> </a:t>
+            </a:r>
+            <a:r>
+              <a:rPr lang="en-US" sz="2000" kern="0" dirty="0">
+                <a:highlight>
+                  <a:srgbClr val="F8F8F8"/>
+                </a:highlight>
+                <a:latin typeface="Arial" panose="020B0604020202020204" pitchFamily="34" charset="0"/>
+                <a:cs typeface="Times New Roman" panose="02020603050405020304" pitchFamily="18" charset="0"/>
+              </a:rPr>
+              <a:t>skills</a:t>
+            </a:r>
+          </a:p>
+          <a:p>
+            <a:pPr marL="457200" marR="0" indent="-457200">
+              <a:lnSpc>
+                <a:spcPct val="107000"/>
+              </a:lnSpc>
+              <a:spcBef>
+                <a:spcPts val="0"/>
+              </a:spcBef>
+              <a:spcAft>
+                <a:spcPts val="300"/>
+              </a:spcAft>
+              <a:buFont typeface="+mj-lt"/>
+              <a:buAutoNum type="arabicParenR"/>
+            </a:pPr>
+            <a:r>
+              <a:rPr lang="en-US" sz="2000" kern="0" dirty="0">
+                <a:highlight>
+                  <a:srgbClr val="F8F8F8"/>
+                </a:highlight>
+                <a:latin typeface="Arial" panose="020B0604020202020204" pitchFamily="34" charset="0"/>
+                <a:cs typeface="Times New Roman" panose="02020603050405020304" pitchFamily="18" charset="0"/>
+              </a:rPr>
+              <a:t>Collaborating</a:t>
+            </a:r>
+          </a:p>
+          <a:p>
+            <a:pPr marL="457200" marR="0" indent="-457200">
+              <a:lnSpc>
+                <a:spcPct val="107000"/>
+              </a:lnSpc>
+              <a:spcBef>
+                <a:spcPts val="0"/>
+              </a:spcBef>
+              <a:spcAft>
+                <a:spcPts val="300"/>
+              </a:spcAft>
+              <a:buFont typeface="+mj-lt"/>
+              <a:buAutoNum type="arabicParenR"/>
+            </a:pPr>
+            <a:r>
+              <a:rPr lang="en-US" sz="2000" kern="0" dirty="0">
+                <a:highlight>
+                  <a:srgbClr val="F8F8F8"/>
+                </a:highlight>
+                <a:latin typeface="Arial" panose="020B0604020202020204" pitchFamily="34" charset="0"/>
+                <a:cs typeface="Times New Roman" panose="02020603050405020304" pitchFamily="18" charset="0"/>
+              </a:rPr>
+              <a:t>assignment</a:t>
+            </a:r>
+            <a:r>
+              <a:rPr lang="en-US" sz="2000" kern="0" dirty="0">
+                <a:solidFill>
+                  <a:srgbClr val="1D1C1D"/>
+                </a:solidFill>
+                <a:highlight>
+                  <a:srgbClr val="F8F8F8"/>
+                </a:highlight>
+                <a:latin typeface="Arial" panose="020B0604020202020204" pitchFamily="34" charset="0"/>
+                <a:cs typeface="Times New Roman" panose="02020603050405020304" pitchFamily="18" charset="0"/>
+              </a:rPr>
+              <a:t> </a:t>
+            </a:r>
+            <a:r>
+              <a:rPr lang="en-US" sz="2000" kern="0" dirty="0">
+                <a:highlight>
+                  <a:srgbClr val="F8F8F8"/>
+                </a:highlight>
+                <a:latin typeface="Arial" panose="020B0604020202020204" pitchFamily="34" charset="0"/>
+                <a:cs typeface="Times New Roman" panose="02020603050405020304" pitchFamily="18" charset="0"/>
+              </a:rPr>
+              <a:t>experience</a:t>
+            </a:r>
+          </a:p>
+          <a:p>
+            <a:pPr marL="457200" marR="0" indent="-457200">
+              <a:lnSpc>
+                <a:spcPct val="107000"/>
+              </a:lnSpc>
+              <a:spcBef>
+                <a:spcPts val="0"/>
+              </a:spcBef>
+              <a:spcAft>
+                <a:spcPts val="300"/>
+              </a:spcAft>
+              <a:buFont typeface="+mj-lt"/>
+              <a:buAutoNum type="arabicParenR"/>
+            </a:pPr>
+            <a:r>
+              <a:rPr lang="en-US" sz="2000" kern="0" dirty="0">
+                <a:highlight>
+                  <a:srgbClr val="F8F8F8"/>
+                </a:highlight>
+                <a:latin typeface="Arial" panose="020B0604020202020204" pitchFamily="34" charset="0"/>
+                <a:cs typeface="Times New Roman" panose="02020603050405020304" pitchFamily="18" charset="0"/>
+              </a:rPr>
+              <a:t>soft-skills</a:t>
+            </a:r>
+          </a:p>
+          <a:p>
+            <a:pPr marR="0">
+              <a:lnSpc>
+                <a:spcPct val="107000"/>
+              </a:lnSpc>
+              <a:spcBef>
+                <a:spcPts val="0"/>
+              </a:spcBef>
+              <a:spcAft>
+                <a:spcPts val="300"/>
+              </a:spcAft>
+            </a:pPr>
+            <a:r>
+              <a:rPr lang="en-US" sz="2000" kern="0" dirty="0">
+                <a:solidFill>
+                  <a:srgbClr val="1D1C1D"/>
+                </a:solidFill>
+                <a:highlight>
+                  <a:srgbClr val="F8F8F8"/>
+                </a:highlight>
+                <a:latin typeface="Arial" panose="020B0604020202020204" pitchFamily="34" charset="0"/>
+                <a:cs typeface="Times New Roman" panose="02020603050405020304" pitchFamily="18" charset="0"/>
+              </a:rPr>
+              <a:t>								</a:t>
+            </a:r>
+          </a:p>
+          <a:p>
+            <a:pPr marR="0">
+              <a:lnSpc>
+                <a:spcPct val="107000"/>
+              </a:lnSpc>
+              <a:spcBef>
+                <a:spcPts val="0"/>
+              </a:spcBef>
+              <a:spcAft>
+                <a:spcPts val="300"/>
+              </a:spcAft>
+            </a:pPr>
+            <a:endParaRPr lang="en-US" sz="2000" kern="0" dirty="0">
+              <a:solidFill>
+                <a:srgbClr val="1D1C1D"/>
+              </a:solidFill>
+              <a:highlight>
+                <a:srgbClr val="F8F8F8"/>
+              </a:highlight>
+              <a:latin typeface="Arial" panose="020B0604020202020204" pitchFamily="34" charset="0"/>
+              <a:cs typeface="Times New Roman" panose="02020603050405020304" pitchFamily="18" charset="0"/>
+            </a:endParaRPr>
+          </a:p>
+          <a:p>
+            <a:pPr marR="0">
+              <a:lnSpc>
+                <a:spcPct val="107000"/>
+              </a:lnSpc>
+              <a:spcBef>
+                <a:spcPts val="0"/>
+              </a:spcBef>
+              <a:spcAft>
+                <a:spcPts val="300"/>
+              </a:spcAft>
+            </a:pPr>
+            <a:r>
+              <a:rPr lang="en-US" sz="2000" kern="0" dirty="0">
+                <a:solidFill>
+                  <a:srgbClr val="1D1C1D"/>
+                </a:solidFill>
+                <a:highlight>
+                  <a:srgbClr val="F8F8F8"/>
+                </a:highlight>
+                <a:latin typeface="Arial" panose="020B0604020202020204" pitchFamily="34" charset="0"/>
+                <a:cs typeface="Times New Roman" panose="02020603050405020304" pitchFamily="18" charset="0"/>
+              </a:rPr>
+              <a:t>		</a:t>
+            </a:r>
+          </a:p>
+        </p:txBody>
+      </p:sp>
+      <p:sp>
+        <p:nvSpPr>
+          <p:cNvPr id="15" name="TextBox 14">
+            <a:extLst>
+              <a:ext uri="{FF2B5EF4-FFF2-40B4-BE49-F238E27FC236}">
+                <a16:creationId xmlns:a16="http://schemas.microsoft.com/office/drawing/2014/main" id="{706C253D-859A-7B58-6007-E0D37716169F}"/>
+              </a:ext>
+            </a:extLst>
+          </p:cNvPr>
+          <p:cNvSpPr txBox="1"/>
+          <p:nvPr/>
+        </p:nvSpPr>
+        <p:spPr>
+          <a:xfrm>
+            <a:off x="1395665" y="3970625"/>
+            <a:ext cx="8758989" cy="2031325"/>
+          </a:xfrm>
+          <a:prstGeom prst="rect">
+            <a:avLst/>
+          </a:prstGeom>
+          <a:noFill/>
+        </p:spPr>
+        <p:txBody>
+          <a:bodyPr wrap="square" rtlCol="0">
+            <a:spAutoFit/>
+          </a:bodyPr>
+          <a:lstStyle/>
+          <a:p>
+            <a:r>
+              <a:rPr lang="en-US" sz="2400" b="1" dirty="0">
+                <a:latin typeface="Arial" panose="020B0604020202020204" pitchFamily="34" charset="0"/>
+                <a:cs typeface="Arial" panose="020B0604020202020204" pitchFamily="34" charset="0"/>
+              </a:rPr>
+              <a:t>4) How quickly were you able to learn how to use Slack?</a:t>
+            </a:r>
+          </a:p>
+          <a:p>
+            <a:r>
+              <a:rPr lang="en-US" sz="2400" b="1" dirty="0">
+                <a:latin typeface="Arial" panose="020B0604020202020204" pitchFamily="34" charset="0"/>
+                <a:cs typeface="Arial" panose="020B0604020202020204" pitchFamily="34" charset="0"/>
+              </a:rPr>
+              <a:t> </a:t>
+            </a:r>
+            <a:endParaRPr lang="en-US" sz="800" b="1" dirty="0">
+              <a:latin typeface="Arial" panose="020B0604020202020204" pitchFamily="34" charset="0"/>
+              <a:cs typeface="Arial" panose="020B0604020202020204" pitchFamily="34" charset="0"/>
+            </a:endParaRPr>
+          </a:p>
+          <a:p>
+            <a:r>
+              <a:rPr lang="en-US" sz="2000" kern="0" dirty="0">
+                <a:highlight>
+                  <a:srgbClr val="F8F8F8"/>
+                </a:highlight>
+                <a:latin typeface="Arial" panose="020B0604020202020204" pitchFamily="34" charset="0"/>
+                <a:cs typeface="Times New Roman" panose="02020603050405020304" pitchFamily="18" charset="0"/>
+              </a:rPr>
+              <a:t>       	 1)    Within a day</a:t>
+            </a:r>
+          </a:p>
+          <a:p>
+            <a:r>
+              <a:rPr lang="en-US" sz="2000" kern="0" dirty="0">
+                <a:highlight>
+                  <a:srgbClr val="F8F8F8"/>
+                </a:highlight>
+                <a:latin typeface="Arial" panose="020B0604020202020204" pitchFamily="34" charset="0"/>
+                <a:cs typeface="Times New Roman" panose="02020603050405020304" pitchFamily="18" charset="0"/>
+              </a:rPr>
+              <a:t>              2)    Took me a while to get a hang of it</a:t>
+            </a:r>
+          </a:p>
+          <a:p>
+            <a:r>
+              <a:rPr lang="en-US" sz="2000" kern="0" dirty="0">
+                <a:highlight>
+                  <a:srgbClr val="F8F8F8"/>
+                </a:highlight>
+                <a:latin typeface="Arial" panose="020B0604020202020204" pitchFamily="34" charset="0"/>
+                <a:cs typeface="Times New Roman" panose="02020603050405020304" pitchFamily="18" charset="0"/>
+              </a:rPr>
+              <a:t>              3)    Still trying to figure it out</a:t>
+            </a:r>
+          </a:p>
+          <a:p>
+            <a:endParaRPr lang="en-US" dirty="0"/>
+          </a:p>
+        </p:txBody>
+      </p:sp>
+    </p:spTree>
+    <p:extLst>
+      <p:ext uri="{BB962C8B-B14F-4D97-AF65-F5344CB8AC3E}">
+        <p14:creationId xmlns:p14="http://schemas.microsoft.com/office/powerpoint/2010/main" val="2202081751"/>
+      </p:ext>
+    </p:extLst>
+  </p:cSld>
+  <p:clrMapOvr>
+    <a:masterClrMapping/>
+  </p:clrMapOvr>
+</p:sld>
+</file>
+
+<file path=ppt/slides/slide14.xml><?xml version="1.0" encoding="utf-8"?>
+<p:sld xmlns:a="http://schemas.openxmlformats.org/drawingml/2006/main" xmlns:r="http://schemas.openxmlformats.org/officeDocument/2006/relationships" xmlns:p="http://schemas.openxmlformats.org/presentationml/2006/main">
+  <p:cSld>
+    <p:spTree>
+      <p:nvGrpSpPr>
+        <p:cNvPr id="1" name=""/>
+        <p:cNvGrpSpPr/>
+        <p:nvPr/>
+      </p:nvGrpSpPr>
+      <p:grpSpPr>
+        <a:xfrm>
+          <a:off x="0" y="0"/>
+          <a:ext cx="0" cy="0"/>
+          <a:chOff x="0" y="0"/>
+          <a:chExt cx="0" cy="0"/>
+        </a:xfrm>
+      </p:grpSpPr>
+      <p:sp>
+        <p:nvSpPr>
+          <p:cNvPr id="3" name="TextBox 2">
+            <a:extLst>
+              <a:ext uri="{FF2B5EF4-FFF2-40B4-BE49-F238E27FC236}">
+                <a16:creationId xmlns:a16="http://schemas.microsoft.com/office/drawing/2014/main" id="{C461A3D9-72DC-5232-231F-C6F1BA57C316}"/>
+              </a:ext>
+            </a:extLst>
+          </p:cNvPr>
+          <p:cNvSpPr txBox="1"/>
+          <p:nvPr/>
+        </p:nvSpPr>
+        <p:spPr>
+          <a:xfrm>
+            <a:off x="1074821" y="288758"/>
+            <a:ext cx="9480884" cy="467629"/>
+          </a:xfrm>
+          <a:prstGeom prst="rect">
+            <a:avLst/>
+          </a:prstGeom>
+          <a:noFill/>
+        </p:spPr>
+        <p:txBody>
+          <a:bodyPr wrap="square">
+            <a:spAutoFit/>
+          </a:bodyPr>
+          <a:lstStyle/>
+          <a:p>
+            <a:pPr marL="0" marR="0">
+              <a:lnSpc>
+                <a:spcPct val="107000"/>
+              </a:lnSpc>
+              <a:spcBef>
+                <a:spcPts val="0"/>
+              </a:spcBef>
+              <a:spcAft>
+                <a:spcPts val="0"/>
+              </a:spcAft>
+            </a:pPr>
+            <a:r>
+              <a:rPr lang="en-US" sz="2400" kern="0" dirty="0">
+                <a:effectLst/>
+                <a:highlight>
+                  <a:srgbClr val="F8F8F8"/>
+                </a:highlight>
+                <a:latin typeface="Arial" panose="020B0604020202020204" pitchFamily="34" charset="0"/>
+                <a:ea typeface="Times New Roman" panose="02020603050405020304" pitchFamily="18" charset="0"/>
+                <a:cs typeface="Times New Roman" panose="02020603050405020304" pitchFamily="18" charset="0"/>
+              </a:rPr>
+              <a:t>5) </a:t>
+            </a:r>
+            <a:r>
+              <a:rPr lang="en-US" sz="2400" b="1" kern="0" dirty="0">
+                <a:effectLst/>
+                <a:highlight>
+                  <a:srgbClr val="F8F8F8"/>
+                </a:highlight>
+                <a:latin typeface="Arial" panose="020B0604020202020204" pitchFamily="34" charset="0"/>
+                <a:ea typeface="Times New Roman" panose="02020603050405020304" pitchFamily="18" charset="0"/>
+                <a:cs typeface="Times New Roman" panose="02020603050405020304" pitchFamily="18" charset="0"/>
+              </a:rPr>
+              <a:t>What elements of Slack are the most/least important to you?</a:t>
+            </a:r>
+            <a:endParaRPr lang="en-US" sz="2400" kern="100" dirty="0">
+              <a:effectLst/>
+              <a:highlight>
+                <a:srgbClr val="F8F8F8"/>
+              </a:highlight>
+              <a:latin typeface="Calibri" panose="020F0502020204030204" pitchFamily="34" charset="0"/>
+              <a:ea typeface="Calibri" panose="020F0502020204030204" pitchFamily="34" charset="0"/>
+              <a:cs typeface="Times New Roman" panose="02020603050405020304" pitchFamily="18" charset="0"/>
+            </a:endParaRPr>
+          </a:p>
+        </p:txBody>
+      </p:sp>
+      <p:sp>
+        <p:nvSpPr>
+          <p:cNvPr id="5" name="TextBox 4">
+            <a:extLst>
+              <a:ext uri="{FF2B5EF4-FFF2-40B4-BE49-F238E27FC236}">
+                <a16:creationId xmlns:a16="http://schemas.microsoft.com/office/drawing/2014/main" id="{DDFDEC31-4904-02DE-E551-AE5C5970D7AF}"/>
+              </a:ext>
+            </a:extLst>
+          </p:cNvPr>
+          <p:cNvSpPr txBox="1"/>
+          <p:nvPr/>
+        </p:nvSpPr>
+        <p:spPr>
+          <a:xfrm>
+            <a:off x="1074819" y="964795"/>
+            <a:ext cx="10459453" cy="862800"/>
+          </a:xfrm>
+          <a:prstGeom prst="rect">
+            <a:avLst/>
+          </a:prstGeom>
+          <a:noFill/>
+        </p:spPr>
+        <p:txBody>
+          <a:bodyPr wrap="square">
+            <a:spAutoFit/>
+          </a:bodyPr>
+          <a:lstStyle/>
+          <a:p>
+            <a:pPr marL="0" marR="0">
+              <a:lnSpc>
+                <a:spcPct val="107000"/>
+              </a:lnSpc>
+              <a:spcBef>
+                <a:spcPts val="0"/>
+              </a:spcBef>
+              <a:spcAft>
+                <a:spcPts val="0"/>
+              </a:spcAft>
+            </a:pPr>
+            <a:r>
+              <a:rPr lang="en-US" sz="2400" kern="0" dirty="0">
+                <a:effectLst/>
+                <a:highlight>
+                  <a:srgbClr val="F8F8F8"/>
+                </a:highlight>
+                <a:latin typeface="Arial" panose="020B0604020202020204" pitchFamily="34" charset="0"/>
+                <a:ea typeface="Times New Roman" panose="02020603050405020304" pitchFamily="18" charset="0"/>
+                <a:cs typeface="Times New Roman" panose="02020603050405020304" pitchFamily="18" charset="0"/>
+              </a:rPr>
+              <a:t>6) </a:t>
+            </a:r>
+            <a:r>
+              <a:rPr lang="en-US" sz="2400" b="1" kern="0" dirty="0">
+                <a:effectLst/>
+                <a:highlight>
+                  <a:srgbClr val="F8F8F8"/>
+                </a:highlight>
+                <a:latin typeface="Arial" panose="020B0604020202020204" pitchFamily="34" charset="0"/>
+                <a:ea typeface="Times New Roman" panose="02020603050405020304" pitchFamily="18" charset="0"/>
+                <a:cs typeface="Times New Roman" panose="02020603050405020304" pitchFamily="18" charset="0"/>
+              </a:rPr>
+              <a:t>What, if anything, </a:t>
+            </a:r>
+            <a:r>
+              <a:rPr lang="en-US" sz="2400" b="1" strike="sngStrike" kern="0" dirty="0">
+                <a:effectLst/>
+                <a:highlight>
+                  <a:srgbClr val="F8F8F8"/>
+                </a:highlight>
+                <a:latin typeface="Arial" panose="020B0604020202020204" pitchFamily="34" charset="0"/>
+                <a:ea typeface="Times New Roman" panose="02020603050405020304" pitchFamily="18" charset="0"/>
+                <a:cs typeface="Times New Roman" panose="02020603050405020304" pitchFamily="18" charset="0"/>
+              </a:rPr>
+              <a:t>is</a:t>
+            </a:r>
+            <a:r>
+              <a:rPr lang="en-US" sz="2400" b="1" kern="0" dirty="0">
+                <a:effectLst/>
+                <a:highlight>
+                  <a:srgbClr val="F8F8F8"/>
+                </a:highlight>
+                <a:latin typeface="Arial" panose="020B0604020202020204" pitchFamily="34" charset="0"/>
+                <a:ea typeface="Times New Roman" panose="02020603050405020304" pitchFamily="18" charset="0"/>
+                <a:cs typeface="Times New Roman" panose="02020603050405020304" pitchFamily="18" charset="0"/>
+              </a:rPr>
+              <a:t> has been the most frustrating part about </a:t>
+            </a:r>
+          </a:p>
+          <a:p>
+            <a:pPr marL="0" marR="0">
+              <a:lnSpc>
+                <a:spcPct val="107000"/>
+              </a:lnSpc>
+              <a:spcBef>
+                <a:spcPts val="0"/>
+              </a:spcBef>
+              <a:spcAft>
+                <a:spcPts val="0"/>
+              </a:spcAft>
+            </a:pPr>
+            <a:r>
+              <a:rPr lang="en-US" sz="2400" b="1" kern="0" dirty="0">
+                <a:effectLst/>
+                <a:highlight>
+                  <a:srgbClr val="F8F8F8"/>
+                </a:highlight>
+                <a:latin typeface="Arial" panose="020B0604020202020204" pitchFamily="34" charset="0"/>
+                <a:ea typeface="Times New Roman" panose="02020603050405020304" pitchFamily="18" charset="0"/>
+                <a:cs typeface="Times New Roman" panose="02020603050405020304" pitchFamily="18" charset="0"/>
+              </a:rPr>
+              <a:t>     using Slack?</a:t>
+            </a:r>
+            <a:endParaRPr lang="en-US" sz="2400" kern="100" dirty="0">
+              <a:effectLst/>
+              <a:highlight>
+                <a:srgbClr val="F8F8F8"/>
+              </a:highlight>
+              <a:latin typeface="Calibri" panose="020F0502020204030204" pitchFamily="34" charset="0"/>
+              <a:ea typeface="Calibri" panose="020F0502020204030204" pitchFamily="34" charset="0"/>
+              <a:cs typeface="Times New Roman" panose="02020603050405020304" pitchFamily="18" charset="0"/>
+            </a:endParaRPr>
+          </a:p>
+        </p:txBody>
+      </p:sp>
+      <p:sp>
+        <p:nvSpPr>
+          <p:cNvPr id="7" name="TextBox 6">
+            <a:extLst>
+              <a:ext uri="{FF2B5EF4-FFF2-40B4-BE49-F238E27FC236}">
+                <a16:creationId xmlns:a16="http://schemas.microsoft.com/office/drawing/2014/main" id="{1DFF4FCA-A41D-DA2F-2813-A150870248C3}"/>
+              </a:ext>
+            </a:extLst>
+          </p:cNvPr>
+          <p:cNvSpPr txBox="1"/>
+          <p:nvPr/>
+        </p:nvSpPr>
+        <p:spPr>
+          <a:xfrm>
+            <a:off x="1106898" y="2105385"/>
+            <a:ext cx="9480883" cy="862800"/>
+          </a:xfrm>
+          <a:prstGeom prst="rect">
+            <a:avLst/>
+          </a:prstGeom>
+          <a:noFill/>
+        </p:spPr>
+        <p:txBody>
+          <a:bodyPr wrap="square">
+            <a:spAutoFit/>
+          </a:bodyPr>
+          <a:lstStyle/>
+          <a:p>
+            <a:pPr marL="0" marR="0">
+              <a:lnSpc>
+                <a:spcPct val="107000"/>
+              </a:lnSpc>
+              <a:spcBef>
+                <a:spcPts val="0"/>
+              </a:spcBef>
+              <a:spcAft>
+                <a:spcPts val="0"/>
+              </a:spcAft>
+            </a:pPr>
+            <a:r>
+              <a:rPr lang="en-US" sz="2400" kern="0" dirty="0">
+                <a:effectLst/>
+                <a:highlight>
+                  <a:srgbClr val="F8F8F8"/>
+                </a:highlight>
+                <a:latin typeface="Arial" panose="020B0604020202020204" pitchFamily="34" charset="0"/>
+                <a:ea typeface="Times New Roman" panose="02020603050405020304" pitchFamily="18" charset="0"/>
+                <a:cs typeface="Times New Roman" panose="02020603050405020304" pitchFamily="18" charset="0"/>
+              </a:rPr>
+              <a:t>7) </a:t>
+            </a:r>
+            <a:r>
+              <a:rPr lang="en-US" sz="2400" b="1" kern="0" dirty="0">
+                <a:effectLst/>
+                <a:highlight>
+                  <a:srgbClr val="F8F8F8"/>
+                </a:highlight>
+                <a:latin typeface="Arial" panose="020B0604020202020204" pitchFamily="34" charset="0"/>
+                <a:ea typeface="Times New Roman" panose="02020603050405020304" pitchFamily="18" charset="0"/>
+                <a:cs typeface="Times New Roman" panose="02020603050405020304" pitchFamily="18" charset="0"/>
+              </a:rPr>
+              <a:t>Did you find the navigation menu intuitive and easy to 	understand?</a:t>
+            </a:r>
+            <a:endParaRPr lang="en-US" sz="2400" kern="100" dirty="0">
+              <a:effectLst/>
+              <a:highlight>
+                <a:srgbClr val="F8F8F8"/>
+              </a:highlight>
+              <a:latin typeface="Calibri" panose="020F0502020204030204" pitchFamily="34" charset="0"/>
+              <a:ea typeface="Calibri" panose="020F0502020204030204" pitchFamily="34" charset="0"/>
+              <a:cs typeface="Times New Roman" panose="02020603050405020304" pitchFamily="18" charset="0"/>
+            </a:endParaRPr>
+          </a:p>
+        </p:txBody>
+      </p:sp>
+      <p:sp>
+        <p:nvSpPr>
+          <p:cNvPr id="9" name="TextBox 8">
+            <a:extLst>
+              <a:ext uri="{FF2B5EF4-FFF2-40B4-BE49-F238E27FC236}">
+                <a16:creationId xmlns:a16="http://schemas.microsoft.com/office/drawing/2014/main" id="{8A98714F-4F46-58A0-7FD2-3F72AC8A3C4B}"/>
+              </a:ext>
+            </a:extLst>
+          </p:cNvPr>
+          <p:cNvSpPr txBox="1"/>
+          <p:nvPr/>
+        </p:nvSpPr>
+        <p:spPr>
+          <a:xfrm>
+            <a:off x="1395663" y="3036446"/>
+            <a:ext cx="6096000" cy="1063689"/>
+          </a:xfrm>
+          <a:prstGeom prst="rect">
+            <a:avLst/>
+          </a:prstGeom>
+          <a:noFill/>
+        </p:spPr>
+        <p:txBody>
+          <a:bodyPr wrap="square">
+            <a:spAutoFit/>
+          </a:bodyPr>
+          <a:lstStyle/>
+          <a:p>
+            <a:pPr marL="457200" marR="0" lvl="0" indent="-457200">
+              <a:lnSpc>
+                <a:spcPct val="107000"/>
+              </a:lnSpc>
+              <a:spcBef>
+                <a:spcPts val="0"/>
+              </a:spcBef>
+              <a:spcAft>
+                <a:spcPts val="0"/>
+              </a:spcAft>
+              <a:buFont typeface="+mj-lt"/>
+              <a:buAutoNum type="arabicParenR"/>
+              <a:tabLst>
+                <a:tab pos="457200" algn="l"/>
+              </a:tabLst>
+            </a:pPr>
+            <a:r>
+              <a:rPr lang="en-US" sz="2000" kern="0" dirty="0">
+                <a:highlight>
+                  <a:srgbClr val="F8F8F8"/>
+                </a:highlight>
+                <a:latin typeface="Arial" panose="020B0604020202020204" pitchFamily="34" charset="0"/>
+                <a:cs typeface="Times New Roman" panose="02020603050405020304" pitchFamily="18" charset="0"/>
+              </a:rPr>
+              <a:t>Yes</a:t>
+            </a:r>
+          </a:p>
+          <a:p>
+            <a:pPr marL="457200" marR="0" lvl="0" indent="-457200">
+              <a:lnSpc>
+                <a:spcPct val="107000"/>
+              </a:lnSpc>
+              <a:spcBef>
+                <a:spcPts val="0"/>
+              </a:spcBef>
+              <a:spcAft>
+                <a:spcPts val="0"/>
+              </a:spcAft>
+              <a:buFont typeface="+mj-lt"/>
+              <a:buAutoNum type="arabicParenR"/>
+              <a:tabLst>
+                <a:tab pos="457200" algn="l"/>
+              </a:tabLst>
+            </a:pPr>
+            <a:r>
+              <a:rPr lang="en-US" sz="2000" kern="0" dirty="0">
+                <a:effectLst/>
+                <a:highlight>
+                  <a:srgbClr val="F8F8F8"/>
+                </a:highlight>
+                <a:latin typeface="Arial" panose="020B0604020202020204" pitchFamily="34" charset="0"/>
+                <a:ea typeface="Times New Roman" panose="02020603050405020304" pitchFamily="18" charset="0"/>
+                <a:cs typeface="Times New Roman" panose="02020603050405020304" pitchFamily="18" charset="0"/>
+              </a:rPr>
+              <a:t>No</a:t>
+            </a:r>
+            <a:endParaRPr lang="en-US" sz="2000" kern="100" dirty="0">
+              <a:effectLst/>
+              <a:highlight>
+                <a:srgbClr val="F8F8F8"/>
+              </a:highlight>
+              <a:latin typeface="Calibri" panose="020F0502020204030204" pitchFamily="34" charset="0"/>
+              <a:ea typeface="Calibri" panose="020F0502020204030204" pitchFamily="34" charset="0"/>
+              <a:cs typeface="Times New Roman" panose="02020603050405020304" pitchFamily="18" charset="0"/>
+            </a:endParaRPr>
+          </a:p>
+          <a:p>
+            <a:pPr marL="457200" marR="0" lvl="0" indent="-457200">
+              <a:lnSpc>
+                <a:spcPct val="107000"/>
+              </a:lnSpc>
+              <a:spcBef>
+                <a:spcPts val="0"/>
+              </a:spcBef>
+              <a:spcAft>
+                <a:spcPts val="0"/>
+              </a:spcAft>
+              <a:buFont typeface="+mj-lt"/>
+              <a:buAutoNum type="arabicParenR"/>
+              <a:tabLst>
+                <a:tab pos="457200" algn="l"/>
+              </a:tabLst>
+            </a:pPr>
+            <a:r>
+              <a:rPr lang="en-US" sz="2000" kern="0" dirty="0">
+                <a:effectLst/>
+                <a:highlight>
+                  <a:srgbClr val="F8F8F8"/>
+                </a:highlight>
+                <a:latin typeface="Arial" panose="020B0604020202020204" pitchFamily="34" charset="0"/>
+                <a:ea typeface="Times New Roman" panose="02020603050405020304" pitchFamily="18" charset="0"/>
+                <a:cs typeface="Times New Roman" panose="02020603050405020304" pitchFamily="18" charset="0"/>
+              </a:rPr>
+              <a:t>Could be easier</a:t>
+            </a:r>
+            <a:endParaRPr lang="en-US" sz="2000" kern="100" dirty="0">
+              <a:effectLst/>
+              <a:highlight>
+                <a:srgbClr val="F8F8F8"/>
+              </a:highlight>
+              <a:latin typeface="Calibri" panose="020F0502020204030204" pitchFamily="34" charset="0"/>
+              <a:ea typeface="Calibri" panose="020F0502020204030204" pitchFamily="34" charset="0"/>
+              <a:cs typeface="Times New Roman" panose="02020603050405020304" pitchFamily="18" charset="0"/>
+            </a:endParaRPr>
+          </a:p>
+        </p:txBody>
+      </p:sp>
+      <p:sp>
+        <p:nvSpPr>
+          <p:cNvPr id="11" name="TextBox 10">
+            <a:extLst>
+              <a:ext uri="{FF2B5EF4-FFF2-40B4-BE49-F238E27FC236}">
+                <a16:creationId xmlns:a16="http://schemas.microsoft.com/office/drawing/2014/main" id="{9118273F-ADFB-3BF8-CF45-256D68BC9CD5}"/>
+              </a:ext>
+            </a:extLst>
+          </p:cNvPr>
+          <p:cNvSpPr txBox="1"/>
+          <p:nvPr/>
+        </p:nvSpPr>
+        <p:spPr>
+          <a:xfrm>
+            <a:off x="1074818" y="4168396"/>
+            <a:ext cx="10876550" cy="1957715"/>
+          </a:xfrm>
+          <a:prstGeom prst="rect">
+            <a:avLst/>
+          </a:prstGeom>
+          <a:noFill/>
+        </p:spPr>
+        <p:txBody>
+          <a:bodyPr wrap="square">
+            <a:spAutoFit/>
+          </a:bodyPr>
+          <a:lstStyle/>
+          <a:p>
+            <a:pPr marL="0" marR="0">
+              <a:lnSpc>
+                <a:spcPct val="107000"/>
+              </a:lnSpc>
+              <a:spcBef>
+                <a:spcPts val="0"/>
+              </a:spcBef>
+              <a:spcAft>
+                <a:spcPts val="0"/>
+              </a:spcAft>
+            </a:pPr>
+            <a:r>
+              <a:rPr lang="en-US" sz="2400" kern="0" dirty="0">
+                <a:effectLst/>
+                <a:highlight>
+                  <a:srgbClr val="F8F8F8"/>
+                </a:highlight>
+                <a:latin typeface="Arial" panose="020B0604020202020204" pitchFamily="34" charset="0"/>
+                <a:ea typeface="Times New Roman" panose="02020603050405020304" pitchFamily="18" charset="0"/>
+                <a:cs typeface="Times New Roman" panose="02020603050405020304" pitchFamily="18" charset="0"/>
+              </a:rPr>
+              <a:t>8) </a:t>
+            </a:r>
+            <a:r>
+              <a:rPr lang="en-US" sz="2400" b="1" kern="0" dirty="0">
+                <a:effectLst/>
+                <a:highlight>
+                  <a:srgbClr val="F8F8F8"/>
+                </a:highlight>
+                <a:latin typeface="Arial" panose="020B0604020202020204" pitchFamily="34" charset="0"/>
+                <a:ea typeface="Times New Roman" panose="02020603050405020304" pitchFamily="18" charset="0"/>
+                <a:cs typeface="Times New Roman" panose="02020603050405020304" pitchFamily="18" charset="0"/>
+              </a:rPr>
+              <a:t>Do you feel Slack could continue to be beneficial to you </a:t>
+            </a:r>
+            <a:r>
+              <a:rPr lang="en-US" sz="2400" b="1" kern="0">
+                <a:effectLst/>
+                <a:highlight>
+                  <a:srgbClr val="F8F8F8"/>
+                </a:highlight>
+                <a:latin typeface="Arial" panose="020B0604020202020204" pitchFamily="34" charset="0"/>
+                <a:ea typeface="Times New Roman" panose="02020603050405020304" pitchFamily="18" charset="0"/>
+                <a:cs typeface="Times New Roman" panose="02020603050405020304" pitchFamily="18" charset="0"/>
+              </a:rPr>
+              <a:t>after    	graduation</a:t>
+            </a:r>
+            <a:r>
+              <a:rPr lang="en-US" sz="2400" b="1" kern="0" dirty="0">
+                <a:effectLst/>
+                <a:highlight>
+                  <a:srgbClr val="F8F8F8"/>
+                </a:highlight>
+                <a:latin typeface="Arial" panose="020B0604020202020204" pitchFamily="34" charset="0"/>
+                <a:ea typeface="Times New Roman" panose="02020603050405020304" pitchFamily="18" charset="0"/>
+                <a:cs typeface="Times New Roman" panose="02020603050405020304" pitchFamily="18" charset="0"/>
+              </a:rPr>
+              <a:t>, perhaps in a professional setting?</a:t>
+            </a:r>
+          </a:p>
+          <a:p>
+            <a:pPr marL="0" marR="0">
+              <a:lnSpc>
+                <a:spcPct val="107000"/>
+              </a:lnSpc>
+              <a:spcBef>
+                <a:spcPts val="0"/>
+              </a:spcBef>
+              <a:spcAft>
+                <a:spcPts val="0"/>
+              </a:spcAft>
+            </a:pPr>
+            <a:endParaRPr lang="en-US" sz="800" b="1" kern="0" dirty="0">
+              <a:effectLst/>
+              <a:highlight>
+                <a:srgbClr val="F8F8F8"/>
+              </a:highlight>
+              <a:latin typeface="Arial" panose="020B0604020202020204" pitchFamily="34" charset="0"/>
+              <a:ea typeface="Times New Roman" panose="02020603050405020304" pitchFamily="18" charset="0"/>
+              <a:cs typeface="Times New Roman" panose="02020603050405020304" pitchFamily="18" charset="0"/>
+            </a:endParaRPr>
+          </a:p>
+          <a:p>
+            <a:pPr marL="0" marR="0">
+              <a:lnSpc>
+                <a:spcPct val="107000"/>
+              </a:lnSpc>
+              <a:spcBef>
+                <a:spcPts val="0"/>
+              </a:spcBef>
+              <a:spcAft>
+                <a:spcPts val="0"/>
+              </a:spcAft>
+            </a:pPr>
+            <a:endParaRPr lang="en-US" sz="200" kern="100" dirty="0">
+              <a:effectLst/>
+              <a:highlight>
+                <a:srgbClr val="F8F8F8"/>
+              </a:highlight>
+              <a:latin typeface="Calibri" panose="020F0502020204030204" pitchFamily="34" charset="0"/>
+              <a:ea typeface="Calibri" panose="020F0502020204030204" pitchFamily="34" charset="0"/>
+              <a:cs typeface="Times New Roman" panose="02020603050405020304" pitchFamily="18" charset="0"/>
+            </a:endParaRPr>
+          </a:p>
+          <a:p>
+            <a:pPr marL="800100" lvl="1" indent="-342900">
+              <a:lnSpc>
+                <a:spcPct val="107000"/>
+              </a:lnSpc>
+              <a:buFont typeface="+mj-lt"/>
+              <a:buAutoNum type="arabicParenR"/>
+              <a:tabLst>
+                <a:tab pos="457200" algn="l"/>
+              </a:tabLst>
+            </a:pPr>
+            <a:r>
+              <a:rPr lang="en-US" sz="2000" kern="0" dirty="0">
+                <a:highlight>
+                  <a:srgbClr val="F8F8F8"/>
+                </a:highlight>
+                <a:latin typeface="Arial" panose="020B0604020202020204" pitchFamily="34" charset="0"/>
+                <a:cs typeface="Times New Roman" panose="02020603050405020304" pitchFamily="18" charset="0"/>
+              </a:rPr>
+              <a:t>Yes		3)   </a:t>
+            </a:r>
+            <a:r>
+              <a:rPr lang="en-US" sz="2000" kern="0" dirty="0">
+                <a:effectLst/>
+                <a:highlight>
+                  <a:srgbClr val="F8F8F8"/>
+                </a:highlight>
+                <a:latin typeface="Arial" panose="020B0604020202020204" pitchFamily="34" charset="0"/>
+                <a:ea typeface="Times New Roman" panose="02020603050405020304" pitchFamily="18" charset="0"/>
+                <a:cs typeface="Times New Roman" panose="02020603050405020304" pitchFamily="18" charset="0"/>
+              </a:rPr>
+              <a:t>I already use it in my profession </a:t>
+            </a:r>
+            <a:endParaRPr lang="en-US" sz="2000" kern="0" dirty="0">
+              <a:highlight>
+                <a:srgbClr val="F8F8F8"/>
+              </a:highlight>
+              <a:latin typeface="Arial" panose="020B0604020202020204" pitchFamily="34" charset="0"/>
+              <a:ea typeface="Times New Roman" panose="02020603050405020304" pitchFamily="18" charset="0"/>
+              <a:cs typeface="Times New Roman" panose="02020603050405020304" pitchFamily="18" charset="0"/>
+            </a:endParaRPr>
+          </a:p>
+          <a:p>
+            <a:pPr marL="800100" lvl="1" indent="-342900">
+              <a:lnSpc>
+                <a:spcPct val="107000"/>
+              </a:lnSpc>
+              <a:buFont typeface="+mj-lt"/>
+              <a:buAutoNum type="arabicParenR"/>
+              <a:tabLst>
+                <a:tab pos="457200" algn="l"/>
+              </a:tabLst>
+            </a:pPr>
+            <a:r>
+              <a:rPr lang="en-US" sz="2000" kern="0" dirty="0">
+                <a:effectLst/>
+                <a:highlight>
+                  <a:srgbClr val="F8F8F8"/>
+                </a:highlight>
+                <a:latin typeface="Arial" panose="020B0604020202020204" pitchFamily="34" charset="0"/>
+                <a:ea typeface="Times New Roman" panose="02020603050405020304" pitchFamily="18" charset="0"/>
+                <a:cs typeface="Times New Roman" panose="02020603050405020304" pitchFamily="18" charset="0"/>
+              </a:rPr>
+              <a:t>No</a:t>
+            </a:r>
+            <a:r>
+              <a:rPr lang="en-US" kern="0" dirty="0">
+                <a:solidFill>
+                  <a:srgbClr val="1D1C1D"/>
+                </a:solidFill>
+                <a:effectLst/>
+                <a:highlight>
+                  <a:srgbClr val="F8F8F8"/>
+                </a:highlight>
+                <a:latin typeface="Arial" panose="020B0604020202020204" pitchFamily="34" charset="0"/>
+                <a:ea typeface="Times New Roman" panose="02020603050405020304" pitchFamily="18" charset="0"/>
+                <a:cs typeface="Times New Roman" panose="02020603050405020304" pitchFamily="18" charset="0"/>
+              </a:rPr>
+              <a:t>		</a:t>
+            </a:r>
+            <a:endParaRPr lang="en-US" sz="1600" kern="100" dirty="0">
+              <a:effectLst/>
+              <a:highlight>
+                <a:srgbClr val="F8F8F8"/>
+              </a:highlight>
+              <a:latin typeface="Calibri" panose="020F0502020204030204" pitchFamily="34" charset="0"/>
+              <a:ea typeface="Calibri" panose="020F0502020204030204" pitchFamily="34" charset="0"/>
+              <a:cs typeface="Times New Roman" panose="02020603050405020304" pitchFamily="18" charset="0"/>
+            </a:endParaRPr>
+          </a:p>
+          <a:p>
+            <a:pPr marL="0" marR="0">
+              <a:lnSpc>
+                <a:spcPct val="107000"/>
+              </a:lnSpc>
+              <a:spcBef>
+                <a:spcPts val="0"/>
+              </a:spcBef>
+              <a:spcAft>
+                <a:spcPts val="800"/>
+              </a:spcAft>
+            </a:pPr>
+            <a:r>
+              <a:rPr lang="en-US" sz="1600" kern="100" dirty="0">
+                <a:effectLst/>
+                <a:latin typeface="Calibri" panose="020F0502020204030204" pitchFamily="34" charset="0"/>
+                <a:ea typeface="Calibri" panose="020F0502020204030204" pitchFamily="34" charset="0"/>
+                <a:cs typeface="Times New Roman" panose="02020603050405020304" pitchFamily="18" charset="0"/>
+              </a:rPr>
+              <a:t>­</a:t>
+            </a:r>
+          </a:p>
+        </p:txBody>
+      </p:sp>
+    </p:spTree>
+    <p:extLst>
+      <p:ext uri="{BB962C8B-B14F-4D97-AF65-F5344CB8AC3E}">
+        <p14:creationId xmlns:p14="http://schemas.microsoft.com/office/powerpoint/2010/main" val="3212948152"/>
+      </p:ext>
+    </p:extLst>
+  </p:cSld>
+  <p:clrMapOvr>
+    <a:masterClrMapping/>
+  </p:clrMapOvr>
+</p:sld>
+</file>
+
+<file path=ppt/slides/slide15.xml><?xml version="1.0" encoding="utf-8"?>
+<p:sld xmlns:a="http://schemas.openxmlformats.org/drawingml/2006/main" xmlns:r="http://schemas.openxmlformats.org/officeDocument/2006/relationships" xmlns:p="http://schemas.openxmlformats.org/presentationml/2006/main">
+  <p:cSld>
+    <p:spTree>
+      <p:nvGrpSpPr>
+        <p:cNvPr id="1" name=""/>
+        <p:cNvGrpSpPr/>
+        <p:nvPr/>
+      </p:nvGrpSpPr>
+      <p:grpSpPr>
+        <a:xfrm>
+          <a:off x="0" y="0"/>
+          <a:ext cx="0" cy="0"/>
+          <a:chOff x="0" y="0"/>
+          <a:chExt cx="0" cy="0"/>
+        </a:xfrm>
+      </p:grpSpPr>
       <p:graphicFrame>
         <p:nvGraphicFramePr>
           <p:cNvPr id="12" name="Chart 11">
@@ -7473,7 +8729,7 @@
 </p:sld>
 </file>
 
-<file path=ppt/slides/slide13.xml><?xml version="1.0" encoding="utf-8"?>
+<file path=ppt/slides/slide16.xml><?xml version="1.0" encoding="utf-8"?>
 <p:sld xmlns:a="http://schemas.openxmlformats.org/drawingml/2006/main" xmlns:r="http://schemas.openxmlformats.org/officeDocument/2006/relationships" xmlns:p="http://schemas.openxmlformats.org/presentationml/2006/main">
   <p:cSld>
     <p:spTree>
@@ -7505,7 +8761,7 @@
         <p:spPr>
           <a:xfrm>
             <a:off x="907983" y="990346"/>
-            <a:ext cx="10376034" cy="2518253"/>
+            <a:ext cx="10376034" cy="4313104"/>
           </a:xfrm>
           <a:prstGeom prst="rect">
             <a:avLst/>
@@ -7536,7 +8792,7 @@
               <a:defRPr/>
             </a:pPr>
             <a:r>
-              <a:rPr kumimoji="0" lang="en-US" b="0" i="0" u="none" strike="noStrike" kern="1200" cap="none" spc="0" normalizeH="0" baseline="0" noProof="0" dirty="0">
+              <a:rPr kumimoji="0" lang="en-US" sz="1400" b="0" i="0" u="none" strike="noStrike" kern="1200" cap="none" spc="0" normalizeH="0" baseline="0" noProof="0" dirty="0">
                 <a:ln>
                   <a:noFill/>
                 </a:ln>
@@ -7552,144 +8808,8 @@
                 <a:ea typeface="Aptos" panose="020B0004020202020204" pitchFamily="34" charset="0"/>
                 <a:cs typeface="+mn-cs"/>
               </a:rPr>
-              <a:t>More than half of the respondents found Slack beneficial across various value data points. </a:t>
-            </a:r>
-          </a:p>
-          <a:p>
-            <a:pPr marL="742950" marR="0" lvl="0" indent="-285750" algn="l" defTabSz="914400" rtl="0" eaLnBrk="1" fontAlgn="auto" latinLnBrk="0" hangingPunct="1">
-              <a:lnSpc>
-                <a:spcPct val="106000"/>
-              </a:lnSpc>
-              <a:spcBef>
-                <a:spcPts val="0"/>
-              </a:spcBef>
-              <a:spcAft>
-                <a:spcPts val="0"/>
-              </a:spcAft>
-              <a:buClrTx/>
-              <a:buSzTx/>
-              <a:buFont typeface="Wingdings" panose="05000000000000000000" pitchFamily="2" charset="2"/>
-              <a:buChar char="v"/>
-              <a:tabLst/>
-              <a:defRPr/>
-            </a:pPr>
-            <a:endParaRPr lang="en-US" dirty="0">
-              <a:solidFill>
-                <a:srgbClr val="007598">
-                  <a:lumMod val="50000"/>
-                </a:srgbClr>
-              </a:solidFill>
-              <a:latin typeface="Aptos" panose="020B0004020202020204" pitchFamily="34" charset="0"/>
-              <a:ea typeface="Aptos" panose="020B0004020202020204" pitchFamily="34" charset="0"/>
-            </a:endParaRPr>
-          </a:p>
-          <a:p>
-            <a:pPr marL="742950" marR="0" lvl="0" indent="-285750" algn="l" defTabSz="914400" rtl="0" eaLnBrk="1" fontAlgn="auto" latinLnBrk="0" hangingPunct="1">
-              <a:lnSpc>
-                <a:spcPct val="106000"/>
-              </a:lnSpc>
-              <a:spcBef>
-                <a:spcPts val="0"/>
-              </a:spcBef>
-              <a:spcAft>
-                <a:spcPts val="0"/>
-              </a:spcAft>
-              <a:buClrTx/>
-              <a:buSzTx/>
-              <a:buFont typeface="Wingdings" panose="05000000000000000000" pitchFamily="2" charset="2"/>
-              <a:buChar char="v"/>
-              <a:tabLst/>
-              <a:defRPr/>
-            </a:pPr>
-            <a:r>
-              <a:rPr kumimoji="0" lang="en-US" b="0" i="0" u="none" strike="noStrike" kern="1200" cap="none" spc="0" normalizeH="0" baseline="0" noProof="0" dirty="0">
-                <a:ln>
-                  <a:noFill/>
-                </a:ln>
-                <a:solidFill>
-                  <a:srgbClr val="007598">
-                    <a:lumMod val="50000"/>
-                  </a:srgbClr>
-                </a:solidFill>
-                <a:effectLst/>
-                <a:uLnTx/>
-                <a:uFillTx/>
-                <a:latin typeface="Aptos" panose="020B0004020202020204" pitchFamily="34" charset="0"/>
-                <a:ea typeface="Aptos" panose="020B0004020202020204" pitchFamily="34" charset="0"/>
-                <a:cs typeface="+mn-cs"/>
-              </a:rPr>
-              <a:t>Notably, the lowest added benefit identified was “Assistance with Assignments,” is subjective and could be interesting to explore further through a query comparing “Ask” versus “Response.” Regarding Collaboration, it might be valuable to conduct a more focused query to assess a student’s Slack presence, comfort in asking for help, and comfort in responding.</a:t>
-            </a:r>
-            <a:endParaRPr kumimoji="0" lang="en-US" b="0" i="0" u="none" strike="noStrike" kern="1200" cap="none" spc="0" normalizeH="0" baseline="0" noProof="0" dirty="0">
-              <a:ln>
-                <a:noFill/>
-              </a:ln>
-              <a:solidFill>
-                <a:srgbClr val="007598">
-                  <a:lumMod val="50000"/>
-                </a:srgbClr>
-              </a:solidFill>
-              <a:effectLst/>
-              <a:uLnTx/>
-              <a:uFillTx/>
-              <a:latin typeface="Times New Roman" panose="02020603050405020304" pitchFamily="18" charset="0"/>
-              <a:ea typeface="Times New Roman" panose="02020603050405020304" pitchFamily="18" charset="0"/>
-              <a:cs typeface="+mn-cs"/>
-            </a:endParaRPr>
-          </a:p>
-          <a:p>
-            <a:pPr marL="457200" marR="0" lvl="0" indent="0" algn="l" defTabSz="914400" rtl="0" eaLnBrk="1" fontAlgn="auto" latinLnBrk="0" hangingPunct="1">
-              <a:lnSpc>
-                <a:spcPct val="106000"/>
-              </a:lnSpc>
-              <a:spcBef>
-                <a:spcPts val="0"/>
-              </a:spcBef>
-              <a:spcAft>
-                <a:spcPts val="0"/>
-              </a:spcAft>
-              <a:buClrTx/>
-              <a:buSzTx/>
-              <a:buFontTx/>
-              <a:buNone/>
-              <a:tabLst/>
-              <a:defRPr/>
-            </a:pPr>
-            <a:endParaRPr kumimoji="0" lang="en-US" b="0" i="0" u="none" strike="noStrike" kern="1200" cap="none" spc="0" normalizeH="0" baseline="0" noProof="0" dirty="0">
-              <a:ln>
-                <a:noFill/>
-              </a:ln>
-              <a:solidFill>
-                <a:srgbClr val="007598">
-                  <a:lumMod val="50000"/>
-                </a:srgbClr>
-              </a:solidFill>
-              <a:effectLst/>
-              <a:uLnTx/>
-              <a:uFillTx/>
-              <a:latin typeface="Times New Roman" panose="02020603050405020304" pitchFamily="18" charset="0"/>
-              <a:ea typeface="Times New Roman" panose="02020603050405020304" pitchFamily="18" charset="0"/>
-              <a:cs typeface="+mn-cs"/>
-            </a:endParaRPr>
-          </a:p>
-          <a:p>
-            <a:pPr marL="457200" marR="0" lvl="0" indent="0" algn="l" defTabSz="914400" rtl="0" eaLnBrk="1" fontAlgn="auto" latinLnBrk="0" hangingPunct="1">
-              <a:lnSpc>
-                <a:spcPct val="106000"/>
-              </a:lnSpc>
-              <a:spcBef>
-                <a:spcPts val="0"/>
-              </a:spcBef>
-              <a:spcAft>
-                <a:spcPts val="0"/>
-              </a:spcAft>
-              <a:buClrTx/>
-              <a:buSzTx/>
-              <a:buFontTx/>
-              <a:buNone/>
-              <a:tabLst/>
-              <a:defRPr/>
-            </a:pPr>
+              <a:t>More than half of the respondents found Slack beneficial across various value data points. Notably, the lowest added benefit identified was “Assistance with Assignments,” is subjective and could be interesting to explore further through a query comparing “Ask” versus “Response.” Regarding Collaboration, it might be valuable to conduct a more focused query to assess a student’s Slack presence, comfort in asking for help, and comfort in responding.</a:t>
+            </a:r>
             <a:endParaRPr kumimoji="0" lang="en-US" sz="1200" b="0" i="0" u="none" strike="noStrike" kern="1200" cap="none" spc="0" normalizeH="0" baseline="0" noProof="0" dirty="0">
               <a:ln>
                 <a:noFill/>
@@ -7708,345 +8828,6 @@
             </a:endParaRPr>
           </a:p>
           <a:p>
-            <a:pPr marL="628650" marR="0" lvl="0" indent="-171450" algn="l" defTabSz="914400" rtl="0" eaLnBrk="1" fontAlgn="auto" latinLnBrk="0" hangingPunct="1">
-              <a:lnSpc>
-                <a:spcPct val="107000"/>
-              </a:lnSpc>
-              <a:spcBef>
-                <a:spcPts val="0"/>
-              </a:spcBef>
-              <a:spcAft>
-                <a:spcPts val="0"/>
-              </a:spcAft>
-              <a:buClrTx/>
-              <a:buSzTx/>
-              <a:buFont typeface="Wingdings" panose="05000000000000000000" pitchFamily="2" charset="2"/>
-              <a:buChar char="v"/>
-              <a:tabLst/>
-              <a:defRPr/>
-            </a:pPr>
-            <a:endParaRPr kumimoji="0" lang="en-US" sz="1100" b="0" i="0" u="none" strike="noStrike" kern="100" cap="none" spc="0" normalizeH="0" baseline="0" noProof="0" dirty="0">
-              <a:ln>
-                <a:noFill/>
-              </a:ln>
-              <a:solidFill>
-                <a:prstClr val="black"/>
-              </a:solidFill>
-              <a:effectLst/>
-              <a:uLnTx/>
-              <a:uFillTx/>
-              <a:latin typeface="Aptos" panose="020B0004020202020204" pitchFamily="34" charset="0"/>
-              <a:ea typeface="Aptos" panose="020B0004020202020204" pitchFamily="34" charset="0"/>
-              <a:cs typeface="Times New Roman" panose="02020603050405020304" pitchFamily="18" charset="0"/>
-            </a:endParaRPr>
-          </a:p>
-        </p:txBody>
-      </p:sp>
-    </p:spTree>
-    <p:extLst>
-      <p:ext uri="{BB962C8B-B14F-4D97-AF65-F5344CB8AC3E}">
-        <p14:creationId xmlns:p14="http://schemas.microsoft.com/office/powerpoint/2010/main" val="1246754225"/>
-      </p:ext>
-    </p:extLst>
-  </p:cSld>
-  <p:clrMapOvr>
-    <a:masterClrMapping/>
-  </p:clrMapOvr>
-</p:sld>
-</file>
-
-<file path=ppt/slides/slide14.xml><?xml version="1.0" encoding="utf-8"?>
-<p:sld xmlns:a="http://schemas.openxmlformats.org/drawingml/2006/main" xmlns:r="http://schemas.openxmlformats.org/officeDocument/2006/relationships" xmlns:p="http://schemas.openxmlformats.org/presentationml/2006/main">
-  <p:cSld>
-    <p:spTree>
-      <p:nvGrpSpPr>
-        <p:cNvPr id="1" name=""/>
-        <p:cNvGrpSpPr/>
-        <p:nvPr/>
-      </p:nvGrpSpPr>
-      <p:grpSpPr>
-        <a:xfrm>
-          <a:off x="0" y="0"/>
-          <a:ext cx="0" cy="0"/>
-          <a:chOff x="0" y="0"/>
-          <a:chExt cx="0" cy="0"/>
-        </a:xfrm>
-      </p:grpSpPr>
-      <p:sp>
-        <p:nvSpPr>
-          <p:cNvPr id="8" name="TextBox 7">
-            <a:extLst>
-              <a:ext uri="{FF2B5EF4-FFF2-40B4-BE49-F238E27FC236}">
-                <a16:creationId xmlns:a16="http://schemas.microsoft.com/office/drawing/2014/main" id="{A180AD3A-5A89-B9DB-E16B-C481A20532CD}"/>
-              </a:ext>
-            </a:extLst>
-          </p:cNvPr>
-          <p:cNvSpPr txBox="1"/>
-          <p:nvPr/>
-        </p:nvSpPr>
-        <p:spPr>
-          <a:xfrm>
-            <a:off x="907983" y="990346"/>
-            <a:ext cx="10376034" cy="3986284"/>
-          </a:xfrm>
-          <a:prstGeom prst="rect">
-            <a:avLst/>
-          </a:prstGeom>
-          <a:noFill/>
-        </p:spPr>
-        <p:txBody>
-          <a:bodyPr wrap="square">
-            <a:spAutoFit/>
-          </a:bodyPr>
-          <a:lstStyle/>
-          <a:p>
-            <a:pPr marL="742950" marR="0" lvl="0" indent="-285750" algn="l" defTabSz="914400" rtl="0" eaLnBrk="1" fontAlgn="auto" latinLnBrk="0" hangingPunct="1">
-              <a:lnSpc>
-                <a:spcPct val="106000"/>
-              </a:lnSpc>
-              <a:spcBef>
-                <a:spcPts val="0"/>
-              </a:spcBef>
-              <a:spcAft>
-                <a:spcPts val="0"/>
-              </a:spcAft>
-              <a:buClrTx/>
-              <a:buSzTx/>
-              <a:buFont typeface="Wingdings" panose="05000000000000000000" pitchFamily="2" charset="2"/>
-              <a:buChar char="v"/>
-              <a:tabLst/>
-              <a:defRPr/>
-            </a:pPr>
-            <a:r>
-              <a:rPr kumimoji="0" lang="en-US" b="0" i="0" u="none" strike="noStrike" kern="1200" cap="none" spc="0" normalizeH="0" baseline="0" noProof="0" dirty="0">
-                <a:ln>
-                  <a:noFill/>
-                </a:ln>
-                <a:solidFill>
-                  <a:srgbClr val="007598">
-                    <a:lumMod val="50000"/>
-                  </a:srgbClr>
-                </a:solidFill>
-                <a:effectLst/>
-                <a:uLnTx/>
-                <a:uFillTx/>
-                <a:latin typeface="Aptos" panose="020B0004020202020204" pitchFamily="34" charset="0"/>
-                <a:ea typeface="Aptos" panose="020B0004020202020204" pitchFamily="34" charset="0"/>
-              </a:rPr>
-              <a:t>Focusing on soft skills, our survey revealed that three out of ten students did not perceive soft skills as an added benefit of using Slack. </a:t>
-            </a:r>
-          </a:p>
-          <a:p>
-            <a:pPr marL="742950" marR="0" lvl="0" indent="-285750" algn="l" defTabSz="914400" rtl="0" eaLnBrk="1" fontAlgn="auto" latinLnBrk="0" hangingPunct="1">
-              <a:lnSpc>
-                <a:spcPct val="106000"/>
-              </a:lnSpc>
-              <a:spcBef>
-                <a:spcPts val="0"/>
-              </a:spcBef>
-              <a:spcAft>
-                <a:spcPts val="0"/>
-              </a:spcAft>
-              <a:buClrTx/>
-              <a:buSzTx/>
-              <a:buFont typeface="Wingdings" panose="05000000000000000000" pitchFamily="2" charset="2"/>
-              <a:buChar char="v"/>
-              <a:tabLst/>
-              <a:defRPr/>
-            </a:pPr>
-            <a:endParaRPr lang="en-US" dirty="0">
-              <a:solidFill>
-                <a:srgbClr val="007598">
-                  <a:lumMod val="50000"/>
-                </a:srgbClr>
-              </a:solidFill>
-              <a:latin typeface="Aptos" panose="020B0004020202020204" pitchFamily="34" charset="0"/>
-              <a:ea typeface="Aptos" panose="020B0004020202020204" pitchFamily="34" charset="0"/>
-            </a:endParaRPr>
-          </a:p>
-          <a:p>
-            <a:pPr marL="742950" marR="0" lvl="0" indent="-285750" algn="l" defTabSz="914400" rtl="0" eaLnBrk="1" fontAlgn="auto" latinLnBrk="0" hangingPunct="1">
-              <a:lnSpc>
-                <a:spcPct val="106000"/>
-              </a:lnSpc>
-              <a:spcBef>
-                <a:spcPts val="0"/>
-              </a:spcBef>
-              <a:spcAft>
-                <a:spcPts val="0"/>
-              </a:spcAft>
-              <a:buClrTx/>
-              <a:buSzTx/>
-              <a:buFont typeface="Wingdings" panose="05000000000000000000" pitchFamily="2" charset="2"/>
-              <a:buChar char="v"/>
-              <a:tabLst/>
-              <a:defRPr/>
-            </a:pPr>
-            <a:r>
-              <a:rPr kumimoji="0" lang="en-US" b="0" i="0" u="none" strike="noStrike" kern="1200" cap="none" spc="0" normalizeH="0" baseline="0" noProof="0" dirty="0">
-                <a:ln>
-                  <a:noFill/>
-                </a:ln>
-                <a:solidFill>
-                  <a:srgbClr val="007598">
-                    <a:lumMod val="50000"/>
-                  </a:srgbClr>
-                </a:solidFill>
-                <a:effectLst/>
-                <a:uLnTx/>
-                <a:uFillTx/>
-                <a:latin typeface="Aptos" panose="020B0004020202020204" pitchFamily="34" charset="0"/>
-                <a:ea typeface="Aptos" panose="020B0004020202020204" pitchFamily="34" charset="0"/>
-              </a:rPr>
-              <a:t>This is an intriguing response, as many students without professional work experience may not fully understand the term “soft skills” or recognize their importance for career growth. </a:t>
-            </a:r>
-          </a:p>
-          <a:p>
-            <a:pPr marL="742950" marR="0" lvl="0" indent="-285750" algn="l" defTabSz="914400" rtl="0" eaLnBrk="1" fontAlgn="auto" latinLnBrk="0" hangingPunct="1">
-              <a:lnSpc>
-                <a:spcPct val="106000"/>
-              </a:lnSpc>
-              <a:spcBef>
-                <a:spcPts val="0"/>
-              </a:spcBef>
-              <a:spcAft>
-                <a:spcPts val="0"/>
-              </a:spcAft>
-              <a:buClrTx/>
-              <a:buSzTx/>
-              <a:buFont typeface="Wingdings" panose="05000000000000000000" pitchFamily="2" charset="2"/>
-              <a:buChar char="v"/>
-              <a:tabLst/>
-              <a:defRPr/>
-            </a:pPr>
-            <a:endParaRPr lang="en-US" dirty="0">
-              <a:solidFill>
-                <a:srgbClr val="007598">
-                  <a:lumMod val="50000"/>
-                </a:srgbClr>
-              </a:solidFill>
-              <a:latin typeface="Aptos" panose="020B0004020202020204" pitchFamily="34" charset="0"/>
-              <a:ea typeface="Aptos" panose="020B0004020202020204" pitchFamily="34" charset="0"/>
-            </a:endParaRPr>
-          </a:p>
-          <a:p>
-            <a:pPr marL="742950" marR="0" lvl="0" indent="-285750" algn="l" defTabSz="914400" rtl="0" eaLnBrk="1" fontAlgn="auto" latinLnBrk="0" hangingPunct="1">
-              <a:lnSpc>
-                <a:spcPct val="106000"/>
-              </a:lnSpc>
-              <a:spcBef>
-                <a:spcPts val="0"/>
-              </a:spcBef>
-              <a:spcAft>
-                <a:spcPts val="0"/>
-              </a:spcAft>
-              <a:buClrTx/>
-              <a:buSzTx/>
-              <a:buFont typeface="Wingdings" panose="05000000000000000000" pitchFamily="2" charset="2"/>
-              <a:buChar char="v"/>
-              <a:tabLst/>
-              <a:defRPr/>
-            </a:pPr>
-            <a:r>
-              <a:rPr kumimoji="0" lang="en-US" b="0" i="0" u="none" strike="noStrike" kern="1200" cap="none" spc="0" normalizeH="0" baseline="0" noProof="0" dirty="0">
-                <a:ln>
-                  <a:noFill/>
-                </a:ln>
-                <a:solidFill>
-                  <a:srgbClr val="007598">
-                    <a:lumMod val="50000"/>
-                  </a:srgbClr>
-                </a:solidFill>
-                <a:effectLst/>
-                <a:uLnTx/>
-                <a:uFillTx/>
-                <a:latin typeface="Aptos" panose="020B0004020202020204" pitchFamily="34" charset="0"/>
-                <a:ea typeface="Aptos" panose="020B0004020202020204" pitchFamily="34" charset="0"/>
-              </a:rPr>
-              <a:t>By adhering to social and school constructs and codes of conduct, students are practicing these skills daily. </a:t>
-            </a:r>
-          </a:p>
-          <a:p>
-            <a:pPr marL="742950" marR="0" lvl="0" indent="-285750" algn="l" defTabSz="914400" rtl="0" eaLnBrk="1" fontAlgn="auto" latinLnBrk="0" hangingPunct="1">
-              <a:lnSpc>
-                <a:spcPct val="106000"/>
-              </a:lnSpc>
-              <a:spcBef>
-                <a:spcPts val="0"/>
-              </a:spcBef>
-              <a:spcAft>
-                <a:spcPts val="0"/>
-              </a:spcAft>
-              <a:buClrTx/>
-              <a:buSzTx/>
-              <a:buFont typeface="Wingdings" panose="05000000000000000000" pitchFamily="2" charset="2"/>
-              <a:buChar char="v"/>
-              <a:tabLst/>
-              <a:defRPr/>
-            </a:pPr>
-            <a:endParaRPr lang="en-US" dirty="0">
-              <a:solidFill>
-                <a:srgbClr val="007598">
-                  <a:lumMod val="50000"/>
-                </a:srgbClr>
-              </a:solidFill>
-              <a:latin typeface="Aptos" panose="020B0004020202020204" pitchFamily="34" charset="0"/>
-              <a:ea typeface="Aptos" panose="020B0004020202020204" pitchFamily="34" charset="0"/>
-            </a:endParaRPr>
-          </a:p>
-          <a:p>
-            <a:pPr marL="742950" marR="0" lvl="0" indent="-285750" algn="l" defTabSz="914400" rtl="0" eaLnBrk="1" fontAlgn="auto" latinLnBrk="0" hangingPunct="1">
-              <a:lnSpc>
-                <a:spcPct val="106000"/>
-              </a:lnSpc>
-              <a:spcBef>
-                <a:spcPts val="0"/>
-              </a:spcBef>
-              <a:spcAft>
-                <a:spcPts val="0"/>
-              </a:spcAft>
-              <a:buClrTx/>
-              <a:buSzTx/>
-              <a:buFont typeface="Wingdings" panose="05000000000000000000" pitchFamily="2" charset="2"/>
-              <a:buChar char="v"/>
-              <a:tabLst/>
-              <a:defRPr/>
-            </a:pPr>
-            <a:r>
-              <a:rPr kumimoji="0" lang="en-US" b="0" i="0" u="none" strike="noStrike" kern="1200" cap="none" spc="0" normalizeH="0" baseline="0" noProof="0" dirty="0">
-                <a:ln>
-                  <a:noFill/>
-                </a:ln>
-                <a:solidFill>
-                  <a:srgbClr val="007598">
-                    <a:lumMod val="50000"/>
-                  </a:srgbClr>
-                </a:solidFill>
-                <a:effectLst/>
-                <a:uLnTx/>
-                <a:uFillTx/>
-                <a:latin typeface="Aptos" panose="020B0004020202020204" pitchFamily="34" charset="0"/>
-                <a:ea typeface="Aptos" panose="020B0004020202020204" pitchFamily="34" charset="0"/>
-              </a:rPr>
-              <a:t>As we progress in our careers, often without direct communication, hiring managers are increasingly focusing on the soft skills of potential candidates, which could significantly impact their employability.</a:t>
-            </a:r>
-            <a:endParaRPr kumimoji="0" lang="en-US" b="0" i="0" u="none" strike="noStrike" kern="1200" cap="none" spc="0" normalizeH="0" baseline="0" noProof="0" dirty="0">
-              <a:ln>
-                <a:noFill/>
-              </a:ln>
-              <a:solidFill>
-                <a:srgbClr val="007598">
-                  <a:lumMod val="50000"/>
-                </a:srgbClr>
-              </a:solidFill>
-              <a:effectLst/>
-              <a:uLnTx/>
-              <a:uFillTx/>
-              <a:latin typeface="Aptos" panose="020B0004020202020204" pitchFamily="34" charset="0"/>
-              <a:ea typeface="Times New Roman" panose="02020603050405020304" pitchFamily="18" charset="0"/>
-            </a:endParaRPr>
-          </a:p>
-          <a:p>
             <a:pPr marL="457200" marR="0" lvl="0" indent="0" algn="l" defTabSz="914400" rtl="0" eaLnBrk="1" fontAlgn="auto" latinLnBrk="0" hangingPunct="1">
               <a:lnSpc>
                 <a:spcPct val="106000"/>
@@ -8082,9 +8863,9 @@
             </a:endParaRPr>
           </a:p>
           <a:p>
-            <a:pPr marL="628650" marR="0" lvl="0" indent="-171450" algn="l" defTabSz="914400" rtl="0" eaLnBrk="1" fontAlgn="auto" latinLnBrk="0" hangingPunct="1">
+            <a:pPr marL="742950" marR="0" lvl="0" indent="-285750" algn="l" defTabSz="914400" rtl="0" eaLnBrk="1" fontAlgn="auto" latinLnBrk="0" hangingPunct="1">
               <a:lnSpc>
-                <a:spcPct val="107000"/>
+                <a:spcPct val="106000"/>
               </a:lnSpc>
               <a:spcBef>
                 <a:spcPts val="0"/>
@@ -8099,100 +8880,8 @@
               <a:tabLst/>
               <a:defRPr/>
             </a:pPr>
-            <a:endParaRPr kumimoji="0" lang="en-US" sz="1100" b="0" i="0" u="none" strike="noStrike" kern="100" cap="none" spc="0" normalizeH="0" baseline="0" noProof="0" dirty="0">
-              <a:ln>
-                <a:noFill/>
-              </a:ln>
-              <a:solidFill>
-                <a:prstClr val="black"/>
-              </a:solidFill>
-              <a:effectLst/>
-              <a:uLnTx/>
-              <a:uFillTx/>
-              <a:latin typeface="Aptos" panose="020B0004020202020204" pitchFamily="34" charset="0"/>
-              <a:ea typeface="Aptos" panose="020B0004020202020204" pitchFamily="34" charset="0"/>
-              <a:cs typeface="Times New Roman" panose="02020603050405020304" pitchFamily="18" charset="0"/>
-            </a:endParaRPr>
-          </a:p>
-        </p:txBody>
-      </p:sp>
-    </p:spTree>
-    <p:extLst>
-      <p:ext uri="{BB962C8B-B14F-4D97-AF65-F5344CB8AC3E}">
-        <p14:creationId xmlns:p14="http://schemas.microsoft.com/office/powerpoint/2010/main" val="1947754324"/>
-      </p:ext>
-    </p:extLst>
-  </p:cSld>
-  <p:clrMapOvr>
-    <a:masterClrMapping/>
-  </p:clrMapOvr>
-</p:sld>
-</file>
-
-<file path=ppt/slides/slide15.xml><?xml version="1.0" encoding="utf-8"?>
-<p:sld xmlns:a="http://schemas.openxmlformats.org/drawingml/2006/main" xmlns:r="http://schemas.openxmlformats.org/officeDocument/2006/relationships" xmlns:p="http://schemas.openxmlformats.org/presentationml/2006/main">
-  <p:cSld>
-    <p:spTree>
-      <p:nvGrpSpPr>
-        <p:cNvPr id="1" name=""/>
-        <p:cNvGrpSpPr/>
-        <p:nvPr/>
-      </p:nvGrpSpPr>
-      <p:grpSpPr>
-        <a:xfrm>
-          <a:off x="0" y="0"/>
-          <a:ext cx="0" cy="0"/>
-          <a:chOff x="0" y="0"/>
-          <a:chExt cx="0" cy="0"/>
-        </a:xfrm>
-      </p:grpSpPr>
-      <p:sp>
-        <p:nvSpPr>
-          <p:cNvPr id="3" name="TextBox 2">
-            <a:extLst>
-              <a:ext uri="{FF2B5EF4-FFF2-40B4-BE49-F238E27FC236}">
-                <a16:creationId xmlns:a16="http://schemas.microsoft.com/office/drawing/2014/main" id="{89983452-CAC3-73FE-DDF8-9317DBC12AFA}"/>
-              </a:ext>
-            </a:extLst>
-          </p:cNvPr>
-          <p:cNvSpPr txBox="1"/>
-          <p:nvPr/>
-        </p:nvSpPr>
-        <p:spPr>
-          <a:xfrm>
-            <a:off x="486382" y="680936"/>
-            <a:ext cx="10953346" cy="3604000"/>
-          </a:xfrm>
-          <a:prstGeom prst="rect">
-            <a:avLst/>
-          </a:prstGeom>
-          <a:noFill/>
-        </p:spPr>
-        <p:txBody>
-          <a:bodyPr wrap="square">
-            <a:spAutoFit/>
-          </a:bodyPr>
-          <a:lstStyle/>
-          <a:p>
-            <a:pPr marL="742950" marR="0" lvl="0" indent="-285750" algn="l" defTabSz="914400" rtl="0" eaLnBrk="1" fontAlgn="auto" latinLnBrk="0" hangingPunct="1">
-              <a:lnSpc>
-                <a:spcPct val="106000"/>
-              </a:lnSpc>
-              <a:spcBef>
-                <a:spcPts val="0"/>
-              </a:spcBef>
-              <a:spcAft>
-                <a:spcPts val="0"/>
-              </a:spcAft>
-              <a:buClrTx/>
-              <a:buSzTx/>
-              <a:buFont typeface="Wingdings" panose="05000000000000000000" pitchFamily="2" charset="2"/>
-              <a:buChar char="v"/>
-              <a:tabLst/>
-              <a:defRPr/>
-            </a:pPr>
-            <a:r>
-              <a:rPr kumimoji="0" lang="en-US" b="0" i="0" u="none" strike="noStrike" kern="1200" cap="none" spc="0" normalizeH="0" baseline="0" noProof="0" dirty="0">
+            <a:r>
+              <a:rPr kumimoji="0" lang="en-US" sz="1400" b="0" i="0" u="none" strike="noStrike" kern="1200" cap="none" spc="0" normalizeH="0" baseline="0" noProof="0" dirty="0">
                 <a:ln>
                   <a:noFill/>
                 </a:ln>
@@ -8208,8 +8897,59 @@
                 <a:ea typeface="Aptos" panose="020B0004020202020204" pitchFamily="34" charset="0"/>
                 <a:cs typeface="+mn-cs"/>
               </a:rPr>
-              <a:t>This brings us to why Slack can be essential for students. </a:t>
-            </a:r>
+              <a:t>Focusing on soft skills, our survey revealed that three out of ten students did not perceive soft skills as an added benefit of using Slack. This is an intriguing response, as many students without professional work experience may not fully understand the term “soft skills” or recognize their importance for career growth. By adhering to social and school constructs and codes of conduct, students are practicing these skills daily. As we progress in our careers, often without direct communication, hiring managers are increasingly focusing on the soft skills of potential candidates, which could significantly impact their employability.</a:t>
+            </a:r>
+            <a:endParaRPr kumimoji="0" lang="en-US" sz="1200" b="0" i="0" u="none" strike="noStrike" kern="1200" cap="none" spc="0" normalizeH="0" baseline="0" noProof="0" dirty="0">
+              <a:ln>
+                <a:noFill/>
+              </a:ln>
+              <a:solidFill>
+                <a:srgbClr val="007598">
+                  <a:lumMod val="50000"/>
+                </a:srgbClr>
+              </a:solidFill>
+              <a:effectLst/>
+              <a:uLnTx/>
+              <a:uFillTx/>
+              <a:latin typeface="Times New Roman" panose="02020603050405020304" pitchFamily="18" charset="0"/>
+              <a:ea typeface="Times New Roman" panose="02020603050405020304" pitchFamily="18" charset="0"/>
+              <a:cs typeface="+mn-cs"/>
+            </a:endParaRPr>
+          </a:p>
+          <a:p>
+            <a:pPr marL="457200" marR="0" lvl="0" indent="0" algn="l" defTabSz="914400" rtl="0" eaLnBrk="1" fontAlgn="auto" latinLnBrk="0" hangingPunct="1">
+              <a:lnSpc>
+                <a:spcPct val="106000"/>
+              </a:lnSpc>
+              <a:spcBef>
+                <a:spcPts val="0"/>
+              </a:spcBef>
+              <a:spcAft>
+                <a:spcPts val="0"/>
+              </a:spcAft>
+              <a:buClrTx/>
+              <a:buSzTx/>
+              <a:buFontTx/>
+              <a:buNone/>
+              <a:tabLst/>
+              <a:defRPr/>
+            </a:pPr>
+            <a:endParaRPr kumimoji="0" lang="en-US" sz="1200" b="0" i="0" u="none" strike="noStrike" kern="1200" cap="none" spc="0" normalizeH="0" baseline="0" noProof="0" dirty="0">
+              <a:ln>
+                <a:noFill/>
+              </a:ln>
+              <a:solidFill>
+                <a:srgbClr val="007598">
+                  <a:lumMod val="50000"/>
+                </a:srgbClr>
+              </a:solidFill>
+              <a:effectLst/>
+              <a:uLnTx/>
+              <a:uFillTx/>
+              <a:latin typeface="Times New Roman" panose="02020603050405020304" pitchFamily="18" charset="0"/>
+              <a:ea typeface="Times New Roman" panose="02020603050405020304" pitchFamily="18" charset="0"/>
+              <a:cs typeface="+mn-cs"/>
+            </a:endParaRPr>
           </a:p>
           <a:p>
             <a:pPr marL="742950" marR="0" lvl="0" indent="-285750" algn="l" defTabSz="914400" rtl="0" eaLnBrk="1" fontAlgn="auto" latinLnBrk="0" hangingPunct="1">
@@ -8229,36 +8969,8 @@
               <a:tabLst/>
               <a:defRPr/>
             </a:pPr>
-            <a:endParaRPr lang="en-US" dirty="0">
-              <a:solidFill>
-                <a:srgbClr val="007598">
-                  <a:lumMod val="50000"/>
-                </a:srgbClr>
-              </a:solidFill>
-              <a:latin typeface="Aptos" panose="020B0004020202020204" pitchFamily="34" charset="0"/>
-              <a:ea typeface="Aptos" panose="020B0004020202020204" pitchFamily="34" charset="0"/>
-            </a:endParaRPr>
-          </a:p>
-          <a:p>
-            <a:pPr marL="742950" marR="0" lvl="0" indent="-285750" algn="l" defTabSz="914400" rtl="0" eaLnBrk="1" fontAlgn="auto" latinLnBrk="0" hangingPunct="1">
-              <a:lnSpc>
-                <a:spcPct val="106000"/>
-              </a:lnSpc>
-              <a:spcBef>
-                <a:spcPts val="0"/>
-              </a:spcBef>
-              <a:spcAft>
-                <a:spcPts val="0"/>
-              </a:spcAft>
-              <a:buClrTx/>
-              <a:buSzTx/>
-              <a:buFont typeface="Wingdings" panose="05000000000000000000" pitchFamily="2" charset="2"/>
-              <a:buChar char="v"/>
-              <a:tabLst/>
-              <a:defRPr/>
-            </a:pPr>
-            <a:r>
-              <a:rPr kumimoji="0" lang="en-US" b="0" i="0" u="none" strike="noStrike" kern="1200" cap="none" spc="0" normalizeH="0" baseline="0" noProof="0" dirty="0">
+            <a:r>
+              <a:rPr kumimoji="0" lang="en-US" sz="1400" b="0" i="0" u="none" strike="noStrike" kern="1200" cap="none" spc="0" normalizeH="0" baseline="0" noProof="0" dirty="0">
                 <a:ln>
                   <a:noFill/>
                 </a:ln>
@@ -8274,141 +8986,9 @@
                 <a:ea typeface="Aptos" panose="020B0004020202020204" pitchFamily="34" charset="0"/>
                 <a:cs typeface="+mn-cs"/>
               </a:rPr>
-              <a:t>Team-building and collaboration, practicing professionalism, properly asking technical questions, or overcoming obstacles and seeking guidance are all skills that will be valuable in our careers post-graduation. </a:t>
-            </a:r>
-          </a:p>
-          <a:p>
-            <a:pPr marL="742950" marR="0" lvl="0" indent="-285750" algn="l" defTabSz="914400" rtl="0" eaLnBrk="1" fontAlgn="auto" latinLnBrk="0" hangingPunct="1">
-              <a:lnSpc>
-                <a:spcPct val="106000"/>
-              </a:lnSpc>
-              <a:spcBef>
-                <a:spcPts val="0"/>
-              </a:spcBef>
-              <a:spcAft>
-                <a:spcPts val="0"/>
-              </a:spcAft>
-              <a:buClrTx/>
-              <a:buSzTx/>
-              <a:buFont typeface="Wingdings" panose="05000000000000000000" pitchFamily="2" charset="2"/>
-              <a:buChar char="v"/>
-              <a:tabLst/>
-              <a:defRPr/>
-            </a:pPr>
-            <a:endParaRPr lang="en-US" dirty="0">
-              <a:solidFill>
-                <a:srgbClr val="007598">
-                  <a:lumMod val="50000"/>
-                </a:srgbClr>
-              </a:solidFill>
-              <a:latin typeface="Aptos" panose="020B0004020202020204" pitchFamily="34" charset="0"/>
-              <a:ea typeface="Aptos" panose="020B0004020202020204" pitchFamily="34" charset="0"/>
-            </a:endParaRPr>
-          </a:p>
-          <a:p>
-            <a:pPr marL="742950" marR="0" lvl="0" indent="-285750" algn="l" defTabSz="914400" rtl="0" eaLnBrk="1" fontAlgn="auto" latinLnBrk="0" hangingPunct="1">
-              <a:lnSpc>
-                <a:spcPct val="106000"/>
-              </a:lnSpc>
-              <a:spcBef>
-                <a:spcPts val="0"/>
-              </a:spcBef>
-              <a:spcAft>
-                <a:spcPts val="0"/>
-              </a:spcAft>
-              <a:buClrTx/>
-              <a:buSzTx/>
-              <a:buFont typeface="Wingdings" panose="05000000000000000000" pitchFamily="2" charset="2"/>
-              <a:buChar char="v"/>
-              <a:tabLst/>
-              <a:defRPr/>
-            </a:pPr>
-            <a:r>
-              <a:rPr kumimoji="0" lang="en-US" b="0" i="0" u="none" strike="noStrike" kern="1200" cap="none" spc="0" normalizeH="0" baseline="0" noProof="0" dirty="0">
-                <a:ln>
-                  <a:noFill/>
-                </a:ln>
-                <a:solidFill>
-                  <a:srgbClr val="007598">
-                    <a:lumMod val="50000"/>
-                  </a:srgbClr>
-                </a:solidFill>
-                <a:effectLst/>
-                <a:uLnTx/>
-                <a:uFillTx/>
-                <a:latin typeface="Aptos" panose="020B0004020202020204" pitchFamily="34" charset="0"/>
-                <a:ea typeface="Aptos" panose="020B0004020202020204" pitchFamily="34" charset="0"/>
-                <a:cs typeface="+mn-cs"/>
-              </a:rPr>
-              <a:t>While we and many professionals in our field may be geographically dispersed, gaining a sense of community through collaboration on various projects helps mitigate the sense of isolation often experienced by technology professionals. </a:t>
-            </a:r>
-          </a:p>
-          <a:p>
-            <a:pPr marL="742950" marR="0" lvl="0" indent="-285750" algn="l" defTabSz="914400" rtl="0" eaLnBrk="1" fontAlgn="auto" latinLnBrk="0" hangingPunct="1">
-              <a:lnSpc>
-                <a:spcPct val="106000"/>
-              </a:lnSpc>
-              <a:spcBef>
-                <a:spcPts val="0"/>
-              </a:spcBef>
-              <a:spcAft>
-                <a:spcPts val="0"/>
-              </a:spcAft>
-              <a:buClrTx/>
-              <a:buSzTx/>
-              <a:buFont typeface="Wingdings" panose="05000000000000000000" pitchFamily="2" charset="2"/>
-              <a:buChar char="v"/>
-              <a:tabLst/>
-              <a:defRPr/>
-            </a:pPr>
-            <a:endParaRPr lang="en-US" dirty="0">
-              <a:solidFill>
-                <a:srgbClr val="007598">
-                  <a:lumMod val="50000"/>
-                </a:srgbClr>
-              </a:solidFill>
-              <a:latin typeface="Aptos" panose="020B0004020202020204" pitchFamily="34" charset="0"/>
-              <a:ea typeface="Aptos" panose="020B0004020202020204" pitchFamily="34" charset="0"/>
-            </a:endParaRPr>
-          </a:p>
-          <a:p>
-            <a:pPr marL="742950" marR="0" lvl="0" indent="-285750" algn="l" defTabSz="914400" rtl="0" eaLnBrk="1" fontAlgn="auto" latinLnBrk="0" hangingPunct="1">
-              <a:lnSpc>
-                <a:spcPct val="106000"/>
-              </a:lnSpc>
-              <a:spcBef>
-                <a:spcPts val="0"/>
-              </a:spcBef>
-              <a:spcAft>
-                <a:spcPts val="0"/>
-              </a:spcAft>
-              <a:buClrTx/>
-              <a:buSzTx/>
-              <a:buFont typeface="Wingdings" panose="05000000000000000000" pitchFamily="2" charset="2"/>
-              <a:buChar char="v"/>
-              <a:tabLst/>
-              <a:defRPr/>
-            </a:pPr>
-            <a:r>
-              <a:rPr kumimoji="0" lang="en-US" b="0" i="0" u="none" strike="noStrike" kern="1200" cap="none" spc="0" normalizeH="0" baseline="0" noProof="0" dirty="0">
-                <a:ln>
-                  <a:noFill/>
-                </a:ln>
-                <a:solidFill>
-                  <a:srgbClr val="007598">
-                    <a:lumMod val="50000"/>
-                  </a:srgbClr>
-                </a:solidFill>
-                <a:effectLst/>
-                <a:uLnTx/>
-                <a:uFillTx/>
-                <a:latin typeface="Aptos" panose="020B0004020202020204" pitchFamily="34" charset="0"/>
-                <a:ea typeface="Aptos" panose="020B0004020202020204" pitchFamily="34" charset="0"/>
-                <a:cs typeface="+mn-cs"/>
-              </a:rPr>
-              <a:t>With a tool like Slack in education, we can develop more experienced students with better communication and productivity skills, leading to improved data and technology outcomes.</a:t>
-            </a:r>
-            <a:endParaRPr kumimoji="0" lang="en-US" b="0" i="0" u="none" strike="noStrike" kern="1200" cap="none" spc="0" normalizeH="0" baseline="0" noProof="0" dirty="0">
+              <a:t>This brings us to why Slack can be essential for students. Team-building and collaboration, practicing professionalism, properly asking technical questions, or overcoming obstacles and seeking guidance are all skills that will be valuable in our careers post-graduation. While we and many professionals in our field may be geographically dispersed, gaining a sense of community through collaboration on various projects helps mitigate the isolation often experienced by technology professionals. With a tool like Slack in education, we can develop more experienced students with better communication and productivity skills, leading to improved data and technology outcomes.</a:t>
+            </a:r>
+            <a:endParaRPr kumimoji="0" lang="en-US" sz="1200" b="0" i="0" u="none" strike="noStrike" kern="1200" cap="none" spc="0" normalizeH="0" baseline="0" noProof="0" dirty="0">
               <a:ln>
                 <a:noFill/>
               </a:ln>
@@ -8425,303 +9005,45 @@
               <a:cs typeface="+mn-cs"/>
             </a:endParaRPr>
           </a:p>
+          <a:p>
+            <a:pPr marL="628650" marR="0" lvl="0" indent="-171450" algn="l" defTabSz="914400" rtl="0" eaLnBrk="1" fontAlgn="auto" latinLnBrk="0" hangingPunct="1">
+              <a:lnSpc>
+                <a:spcPct val="107000"/>
+              </a:lnSpc>
+              <a:spcBef>
+                <a:spcPts val="0"/>
+              </a:spcBef>
+              <a:spcAft>
+                <a:spcPts val="0"/>
+              </a:spcAft>
+              <a:buClrTx/>
+              <a:buSzTx/>
+              <a:buFont typeface="Wingdings" panose="05000000000000000000" pitchFamily="2" charset="2"/>
+              <a:buChar char="v"/>
+              <a:tabLst/>
+              <a:defRPr/>
+            </a:pPr>
+            <a:endParaRPr kumimoji="0" lang="en-US" sz="1100" b="0" i="0" u="none" strike="noStrike" kern="100" cap="none" spc="0" normalizeH="0" baseline="0" noProof="0" dirty="0">
+              <a:ln>
+                <a:noFill/>
+              </a:ln>
+              <a:solidFill>
+                <a:prstClr val="black"/>
+              </a:solidFill>
+              <a:effectLst/>
+              <a:uLnTx/>
+              <a:uFillTx/>
+              <a:latin typeface="Aptos" panose="020B0004020202020204" pitchFamily="34" charset="0"/>
+              <a:ea typeface="Aptos" panose="020B0004020202020204" pitchFamily="34" charset="0"/>
+              <a:cs typeface="Times New Roman" panose="02020603050405020304" pitchFamily="18" charset="0"/>
+            </a:endParaRPr>
+          </a:p>
         </p:txBody>
       </p:sp>
     </p:spTree>
     <p:extLst>
       <p:ext uri="{BB962C8B-B14F-4D97-AF65-F5344CB8AC3E}">
-        <p14:creationId xmlns:p14="http://schemas.microsoft.com/office/powerpoint/2010/main" val="1850204513"/>
-      </p:ext>
-    </p:extLst>
-  </p:cSld>
-  <p:clrMapOvr>
-    <a:masterClrMapping/>
-  </p:clrMapOvr>
-</p:sld>
-</file>
-
-<file path=ppt/slides/slide16.xml><?xml version="1.0" encoding="utf-8"?>
-<p:sld xmlns:a="http://schemas.openxmlformats.org/drawingml/2006/main" xmlns:r="http://schemas.openxmlformats.org/officeDocument/2006/relationships" xmlns:p="http://schemas.openxmlformats.org/presentationml/2006/main">
-  <p:cSld>
-    <p:spTree>
-      <p:nvGrpSpPr>
-        <p:cNvPr id="1" name=""/>
-        <p:cNvGrpSpPr/>
-        <p:nvPr/>
-      </p:nvGrpSpPr>
-      <p:grpSpPr>
-        <a:xfrm>
-          <a:off x="0" y="0"/>
-          <a:ext cx="0" cy="0"/>
-          <a:chOff x="0" y="0"/>
-          <a:chExt cx="0" cy="0"/>
-        </a:xfrm>
-      </p:grpSpPr>
-      <p:sp>
-        <p:nvSpPr>
-          <p:cNvPr id="4" name="Title 3">
-            <a:extLst>
-              <a:ext uri="{FF2B5EF4-FFF2-40B4-BE49-F238E27FC236}">
-                <a16:creationId xmlns:a16="http://schemas.microsoft.com/office/drawing/2014/main" id="{CEBC86DA-5948-973C-A1DA-318EB868F097}"/>
-              </a:ext>
-            </a:extLst>
-          </p:cNvPr>
-          <p:cNvSpPr>
-            <a:spLocks noGrp="1"/>
-          </p:cNvSpPr>
-          <p:nvPr>
-            <p:ph type="title"/>
-          </p:nvPr>
-        </p:nvSpPr>
-        <p:spPr>
-          <a:xfrm>
-            <a:off x="838199" y="122407"/>
-            <a:ext cx="10515600" cy="967091"/>
-          </a:xfrm>
-        </p:spPr>
-        <p:txBody>
-          <a:bodyPr/>
-          <a:lstStyle/>
-          <a:p>
-            <a:r>
-              <a:rPr lang="en-US" dirty="0"/>
-              <a:t>Instructor Perspective</a:t>
-            </a:r>
-          </a:p>
-        </p:txBody>
-      </p:sp>
-      <p:pic>
-        <p:nvPicPr>
-          <p:cNvPr id="7" name="Content Placeholder 6">
-            <a:extLst>
-              <a:ext uri="{FF2B5EF4-FFF2-40B4-BE49-F238E27FC236}">
-                <a16:creationId xmlns:a16="http://schemas.microsoft.com/office/drawing/2014/main" id="{4ECB618A-3578-7DC3-279F-6ABE56113B27}"/>
-              </a:ext>
-            </a:extLst>
-          </p:cNvPr>
-          <p:cNvPicPr>
-            <a:picLocks noGrp="1" noChangeAspect="1"/>
-          </p:cNvPicPr>
-          <p:nvPr>
-            <p:ph idx="1"/>
-          </p:nvPr>
-        </p:nvPicPr>
-        <p:blipFill>
-          <a:blip r:embed="rId2"/>
-          <a:stretch>
-            <a:fillRect/>
-          </a:stretch>
-        </p:blipFill>
-        <p:spPr>
-          <a:xfrm>
-            <a:off x="1003961" y="1741792"/>
-            <a:ext cx="10184073" cy="3836312"/>
-          </a:xfrm>
-        </p:spPr>
-      </p:pic>
-      <p:sp>
-        <p:nvSpPr>
-          <p:cNvPr id="11" name="Content Placeholder 2">
-            <a:extLst>
-              <a:ext uri="{FF2B5EF4-FFF2-40B4-BE49-F238E27FC236}">
-                <a16:creationId xmlns:a16="http://schemas.microsoft.com/office/drawing/2014/main" id="{1DCF6CB8-214F-97A2-9371-16E3EB9E8687}"/>
-              </a:ext>
-            </a:extLst>
-          </p:cNvPr>
-          <p:cNvSpPr txBox="1">
-            <a:spLocks/>
-          </p:cNvSpPr>
-          <p:nvPr/>
-        </p:nvSpPr>
-        <p:spPr>
-          <a:xfrm>
-            <a:off x="838198" y="963038"/>
-            <a:ext cx="10515600" cy="4615066"/>
-          </a:xfrm>
-          <a:prstGeom prst="rect">
-            <a:avLst/>
-          </a:prstGeom>
-        </p:spPr>
-        <p:txBody>
-          <a:bodyPr vert="horz" lIns="91440" tIns="45720" rIns="91440" bIns="45720" rtlCol="0">
-            <a:normAutofit/>
-          </a:bodyPr>
-          <a:lstStyle>
-            <a:lvl1pPr marL="228600" indent="-228600" algn="l" defTabSz="914400" rtl="0" eaLnBrk="1" latinLnBrk="0" hangingPunct="1">
-              <a:lnSpc>
-                <a:spcPct val="90000"/>
-              </a:lnSpc>
-              <a:spcBef>
-                <a:spcPts val="1000"/>
-              </a:spcBef>
-              <a:buFont typeface="Arial" panose="020B0604020202020204" pitchFamily="34" charset="0"/>
-              <a:buChar char="•"/>
-              <a:defRPr sz="2800" kern="1200">
-                <a:solidFill>
-                  <a:schemeClr val="tx1"/>
-                </a:solidFill>
-                <a:latin typeface="+mn-lt"/>
-                <a:ea typeface="+mn-ea"/>
-                <a:cs typeface="+mn-cs"/>
-              </a:defRPr>
-            </a:lvl1pPr>
-            <a:lvl2pPr marL="685800" indent="-228600" algn="l" defTabSz="914400" rtl="0" eaLnBrk="1" latinLnBrk="0" hangingPunct="1">
-              <a:lnSpc>
-                <a:spcPct val="90000"/>
-              </a:lnSpc>
-              <a:spcBef>
-                <a:spcPts val="500"/>
-              </a:spcBef>
-              <a:buFont typeface="Arial" panose="020B0604020202020204" pitchFamily="34" charset="0"/>
-              <a:buChar char="•"/>
-              <a:defRPr sz="2400" kern="1200">
-                <a:solidFill>
-                  <a:schemeClr val="tx1"/>
-                </a:solidFill>
-                <a:latin typeface="+mn-lt"/>
-                <a:ea typeface="+mn-ea"/>
-                <a:cs typeface="+mn-cs"/>
-              </a:defRPr>
-            </a:lvl2pPr>
-            <a:lvl3pPr marL="1143000" indent="-228600" algn="l" defTabSz="914400" rtl="0" eaLnBrk="1" latinLnBrk="0" hangingPunct="1">
-              <a:lnSpc>
-                <a:spcPct val="90000"/>
-              </a:lnSpc>
-              <a:spcBef>
-                <a:spcPts val="500"/>
-              </a:spcBef>
-              <a:buFont typeface="Arial" panose="020B0604020202020204" pitchFamily="34" charset="0"/>
-              <a:buChar char="•"/>
-              <a:defRPr sz="2000" kern="1200">
-                <a:solidFill>
-                  <a:schemeClr val="tx1"/>
-                </a:solidFill>
-                <a:latin typeface="+mn-lt"/>
-                <a:ea typeface="+mn-ea"/>
-                <a:cs typeface="+mn-cs"/>
-              </a:defRPr>
-            </a:lvl3pPr>
-            <a:lvl4pPr marL="1600200" indent="-228600" algn="l" defTabSz="914400" rtl="0" eaLnBrk="1" latinLnBrk="0" hangingPunct="1">
-              <a:lnSpc>
-                <a:spcPct val="90000"/>
-              </a:lnSpc>
-              <a:spcBef>
-                <a:spcPts val="500"/>
-              </a:spcBef>
-              <a:buFont typeface="Arial" panose="020B0604020202020204" pitchFamily="34" charset="0"/>
-              <a:buChar char="•"/>
-              <a:defRPr sz="1800" kern="1200">
-                <a:solidFill>
-                  <a:schemeClr val="tx1"/>
-                </a:solidFill>
-                <a:latin typeface="+mn-lt"/>
-                <a:ea typeface="+mn-ea"/>
-                <a:cs typeface="+mn-cs"/>
-              </a:defRPr>
-            </a:lvl4pPr>
-            <a:lvl5pPr marL="2057400" indent="-228600" algn="l" defTabSz="914400" rtl="0" eaLnBrk="1" latinLnBrk="0" hangingPunct="1">
-              <a:lnSpc>
-                <a:spcPct val="90000"/>
-              </a:lnSpc>
-              <a:spcBef>
-                <a:spcPts val="500"/>
-              </a:spcBef>
-              <a:buFont typeface="Arial" panose="020B0604020202020204" pitchFamily="34" charset="0"/>
-              <a:buChar char="•"/>
-              <a:defRPr sz="1800" kern="1200">
-                <a:solidFill>
-                  <a:schemeClr val="tx1"/>
-                </a:solidFill>
-                <a:latin typeface="+mn-lt"/>
-                <a:ea typeface="+mn-ea"/>
-                <a:cs typeface="+mn-cs"/>
-              </a:defRPr>
-            </a:lvl5pPr>
-            <a:lvl6pPr marL="2514600" indent="-228600" algn="l" defTabSz="914400" rtl="0" eaLnBrk="1" latinLnBrk="0" hangingPunct="1">
-              <a:lnSpc>
-                <a:spcPct val="90000"/>
-              </a:lnSpc>
-              <a:spcBef>
-                <a:spcPts val="500"/>
-              </a:spcBef>
-              <a:buFont typeface="Arial" panose="020B0604020202020204" pitchFamily="34" charset="0"/>
-              <a:buChar char="•"/>
-              <a:defRPr sz="1800" kern="1200">
-                <a:solidFill>
-                  <a:schemeClr val="tx1"/>
-                </a:solidFill>
-                <a:latin typeface="+mn-lt"/>
-                <a:ea typeface="+mn-ea"/>
-                <a:cs typeface="+mn-cs"/>
-              </a:defRPr>
-            </a:lvl6pPr>
-            <a:lvl7pPr marL="2971800" indent="-228600" algn="l" defTabSz="914400" rtl="0" eaLnBrk="1" latinLnBrk="0" hangingPunct="1">
-              <a:lnSpc>
-                <a:spcPct val="90000"/>
-              </a:lnSpc>
-              <a:spcBef>
-                <a:spcPts val="500"/>
-              </a:spcBef>
-              <a:buFont typeface="Arial" panose="020B0604020202020204" pitchFamily="34" charset="0"/>
-              <a:buChar char="•"/>
-              <a:defRPr sz="1800" kern="1200">
-                <a:solidFill>
-                  <a:schemeClr val="tx1"/>
-                </a:solidFill>
-                <a:latin typeface="+mn-lt"/>
-                <a:ea typeface="+mn-ea"/>
-                <a:cs typeface="+mn-cs"/>
-              </a:defRPr>
-            </a:lvl7pPr>
-            <a:lvl8pPr marL="3429000" indent="-228600" algn="l" defTabSz="914400" rtl="0" eaLnBrk="1" latinLnBrk="0" hangingPunct="1">
-              <a:lnSpc>
-                <a:spcPct val="90000"/>
-              </a:lnSpc>
-              <a:spcBef>
-                <a:spcPts val="500"/>
-              </a:spcBef>
-              <a:buFont typeface="Arial" panose="020B0604020202020204" pitchFamily="34" charset="0"/>
-              <a:buChar char="•"/>
-              <a:defRPr sz="1800" kern="1200">
-                <a:solidFill>
-                  <a:schemeClr val="tx1"/>
-                </a:solidFill>
-                <a:latin typeface="+mn-lt"/>
-                <a:ea typeface="+mn-ea"/>
-                <a:cs typeface="+mn-cs"/>
-              </a:defRPr>
-            </a:lvl8pPr>
-            <a:lvl9pPr marL="3886200" indent="-228600" algn="l" defTabSz="914400" rtl="0" eaLnBrk="1" latinLnBrk="0" hangingPunct="1">
-              <a:lnSpc>
-                <a:spcPct val="90000"/>
-              </a:lnSpc>
-              <a:spcBef>
-                <a:spcPts val="500"/>
-              </a:spcBef>
-              <a:buFont typeface="Arial" panose="020B0604020202020204" pitchFamily="34" charset="0"/>
-              <a:buChar char="•"/>
-              <a:defRPr sz="1800" kern="1200">
-                <a:solidFill>
-                  <a:schemeClr val="tx1"/>
-                </a:solidFill>
-                <a:latin typeface="+mn-lt"/>
-                <a:ea typeface="+mn-ea"/>
-                <a:cs typeface="+mn-cs"/>
-              </a:defRPr>
-            </a:lvl9pPr>
-          </a:lstStyle>
-          <a:p>
-            <a:r>
-              <a:rPr lang="en-US" dirty="0"/>
-              <a:t>Students get to share great advice and endorsements across classes</a:t>
-            </a:r>
-          </a:p>
-        </p:txBody>
-      </p:sp>
-    </p:spTree>
-    <p:extLst>
-      <p:ext uri="{BB962C8B-B14F-4D97-AF65-F5344CB8AC3E}">
-        <p14:creationId xmlns:p14="http://schemas.microsoft.com/office/powerpoint/2010/main" val="1976703465"/>
+        <p14:creationId xmlns:p14="http://schemas.microsoft.com/office/powerpoint/2010/main" val="1246754225"/>
       </p:ext>
     </p:extLst>
   </p:cSld>
@@ -8732,412 +9054,6 @@
 </file>
 
 <file path=ppt/slides/slide17.xml><?xml version="1.0" encoding="utf-8"?>
-<p:sld xmlns:a="http://schemas.openxmlformats.org/drawingml/2006/main" xmlns:r="http://schemas.openxmlformats.org/officeDocument/2006/relationships" xmlns:p="http://schemas.openxmlformats.org/presentationml/2006/main">
-  <p:cSld>
-    <p:spTree>
-      <p:nvGrpSpPr>
-        <p:cNvPr id="1" name=""/>
-        <p:cNvGrpSpPr/>
-        <p:nvPr/>
-      </p:nvGrpSpPr>
-      <p:grpSpPr>
-        <a:xfrm>
-          <a:off x="0" y="0"/>
-          <a:ext cx="0" cy="0"/>
-          <a:chOff x="0" y="0"/>
-          <a:chExt cx="0" cy="0"/>
-        </a:xfrm>
-      </p:grpSpPr>
-      <p:sp>
-        <p:nvSpPr>
-          <p:cNvPr id="4" name="Title 3">
-            <a:extLst>
-              <a:ext uri="{FF2B5EF4-FFF2-40B4-BE49-F238E27FC236}">
-                <a16:creationId xmlns:a16="http://schemas.microsoft.com/office/drawing/2014/main" id="{CEBC86DA-5948-973C-A1DA-318EB868F097}"/>
-              </a:ext>
-            </a:extLst>
-          </p:cNvPr>
-          <p:cNvSpPr>
-            <a:spLocks noGrp="1"/>
-          </p:cNvSpPr>
-          <p:nvPr>
-            <p:ph type="title"/>
-          </p:nvPr>
-        </p:nvSpPr>
-        <p:spPr>
-          <a:xfrm>
-            <a:off x="838199" y="122407"/>
-            <a:ext cx="10515600" cy="967091"/>
-          </a:xfrm>
-        </p:spPr>
-        <p:txBody>
-          <a:bodyPr/>
-          <a:lstStyle/>
-          <a:p>
-            <a:r>
-              <a:rPr lang="en-US" dirty="0"/>
-              <a:t>Instructor Perspective</a:t>
-            </a:r>
-          </a:p>
-        </p:txBody>
-      </p:sp>
-      <p:sp>
-        <p:nvSpPr>
-          <p:cNvPr id="3" name="Content Placeholder 2">
-            <a:extLst>
-              <a:ext uri="{FF2B5EF4-FFF2-40B4-BE49-F238E27FC236}">
-                <a16:creationId xmlns:a16="http://schemas.microsoft.com/office/drawing/2014/main" id="{54958E6B-80CF-AF18-A033-74047074A1B0}"/>
-              </a:ext>
-            </a:extLst>
-          </p:cNvPr>
-          <p:cNvSpPr>
-            <a:spLocks noGrp="1"/>
-          </p:cNvSpPr>
-          <p:nvPr>
-            <p:ph idx="1"/>
-          </p:nvPr>
-        </p:nvSpPr>
-        <p:spPr>
-          <a:xfrm>
-            <a:off x="838198" y="963038"/>
-            <a:ext cx="10515600" cy="3786303"/>
-          </a:xfrm>
-        </p:spPr>
-        <p:txBody>
-          <a:bodyPr/>
-          <a:lstStyle/>
-          <a:p>
-            <a:r>
-              <a:rPr lang="en-US" dirty="0"/>
-              <a:t>Students give and get information about school from each other</a:t>
-            </a:r>
-          </a:p>
-          <a:p>
-            <a:endParaRPr lang="en-US" dirty="0"/>
-          </a:p>
-        </p:txBody>
-      </p:sp>
-      <p:pic>
-        <p:nvPicPr>
-          <p:cNvPr id="6" name="Picture 5">
-            <a:extLst>
-              <a:ext uri="{FF2B5EF4-FFF2-40B4-BE49-F238E27FC236}">
-                <a16:creationId xmlns:a16="http://schemas.microsoft.com/office/drawing/2014/main" id="{1641F24E-3DB2-6DBC-5D24-0142BBA5A72F}"/>
-              </a:ext>
-            </a:extLst>
-          </p:cNvPr>
-          <p:cNvPicPr>
-            <a:picLocks noChangeAspect="1"/>
-          </p:cNvPicPr>
-          <p:nvPr/>
-        </p:nvPicPr>
-        <p:blipFill rotWithShape="1">
-          <a:blip r:embed="rId2"/>
-          <a:srcRect b="36777"/>
-          <a:stretch/>
-        </p:blipFill>
-        <p:spPr>
-          <a:xfrm>
-            <a:off x="982302" y="1429966"/>
-            <a:ext cx="9542802" cy="4464996"/>
-          </a:xfrm>
-          <a:prstGeom prst="rect">
-            <a:avLst/>
-          </a:prstGeom>
-        </p:spPr>
-      </p:pic>
-    </p:spTree>
-    <p:extLst>
-      <p:ext uri="{BB962C8B-B14F-4D97-AF65-F5344CB8AC3E}">
-        <p14:creationId xmlns:p14="http://schemas.microsoft.com/office/powerpoint/2010/main" val="3380884778"/>
-      </p:ext>
-    </p:extLst>
-  </p:cSld>
-  <p:clrMapOvr>
-    <a:masterClrMapping/>
-  </p:clrMapOvr>
-</p:sld>
-</file>
-
-<file path=ppt/slides/slide18.xml><?xml version="1.0" encoding="utf-8"?>
-<p:sld xmlns:a="http://schemas.openxmlformats.org/drawingml/2006/main" xmlns:r="http://schemas.openxmlformats.org/officeDocument/2006/relationships" xmlns:p="http://schemas.openxmlformats.org/presentationml/2006/main">
-  <p:cSld>
-    <p:spTree>
-      <p:nvGrpSpPr>
-        <p:cNvPr id="1" name=""/>
-        <p:cNvGrpSpPr/>
-        <p:nvPr/>
-      </p:nvGrpSpPr>
-      <p:grpSpPr>
-        <a:xfrm>
-          <a:off x="0" y="0"/>
-          <a:ext cx="0" cy="0"/>
-          <a:chOff x="0" y="0"/>
-          <a:chExt cx="0" cy="0"/>
-        </a:xfrm>
-      </p:grpSpPr>
-      <p:sp>
-        <p:nvSpPr>
-          <p:cNvPr id="4" name="Title 3">
-            <a:extLst>
-              <a:ext uri="{FF2B5EF4-FFF2-40B4-BE49-F238E27FC236}">
-                <a16:creationId xmlns:a16="http://schemas.microsoft.com/office/drawing/2014/main" id="{CEBC86DA-5948-973C-A1DA-318EB868F097}"/>
-              </a:ext>
-            </a:extLst>
-          </p:cNvPr>
-          <p:cNvSpPr>
-            <a:spLocks noGrp="1"/>
-          </p:cNvSpPr>
-          <p:nvPr>
-            <p:ph type="title"/>
-          </p:nvPr>
-        </p:nvSpPr>
-        <p:spPr>
-          <a:xfrm>
-            <a:off x="838199" y="122407"/>
-            <a:ext cx="10515600" cy="967091"/>
-          </a:xfrm>
-        </p:spPr>
-        <p:txBody>
-          <a:bodyPr/>
-          <a:lstStyle/>
-          <a:p>
-            <a:r>
-              <a:rPr lang="en-US" dirty="0"/>
-              <a:t>Instructor Perspective</a:t>
-            </a:r>
-          </a:p>
-        </p:txBody>
-      </p:sp>
-      <p:sp>
-        <p:nvSpPr>
-          <p:cNvPr id="3" name="Content Placeholder 2">
-            <a:extLst>
-              <a:ext uri="{FF2B5EF4-FFF2-40B4-BE49-F238E27FC236}">
-                <a16:creationId xmlns:a16="http://schemas.microsoft.com/office/drawing/2014/main" id="{54958E6B-80CF-AF18-A033-74047074A1B0}"/>
-              </a:ext>
-            </a:extLst>
-          </p:cNvPr>
-          <p:cNvSpPr>
-            <a:spLocks noGrp="1"/>
-          </p:cNvSpPr>
-          <p:nvPr>
-            <p:ph idx="1"/>
-          </p:nvPr>
-        </p:nvSpPr>
-        <p:spPr>
-          <a:xfrm>
-            <a:off x="838198" y="963038"/>
-            <a:ext cx="10515600" cy="4330322"/>
-          </a:xfrm>
-        </p:spPr>
-        <p:txBody>
-          <a:bodyPr/>
-          <a:lstStyle/>
-          <a:p>
-            <a:r>
-              <a:rPr lang="en-US" dirty="0"/>
-              <a:t>Students who join a class channel can see feedback and assistance for other student's questions – screenshots are easy to paste.</a:t>
-            </a:r>
-          </a:p>
-          <a:p>
-            <a:endParaRPr lang="en-US" dirty="0"/>
-          </a:p>
-          <a:p>
-            <a:endParaRPr lang="en-US" dirty="0"/>
-          </a:p>
-        </p:txBody>
-      </p:sp>
-      <p:pic>
-        <p:nvPicPr>
-          <p:cNvPr id="10" name="Picture 9">
-            <a:extLst>
-              <a:ext uri="{FF2B5EF4-FFF2-40B4-BE49-F238E27FC236}">
-                <a16:creationId xmlns:a16="http://schemas.microsoft.com/office/drawing/2014/main" id="{74CAF061-7174-509A-9CAF-CCA1C73856F7}"/>
-              </a:ext>
-            </a:extLst>
-          </p:cNvPr>
-          <p:cNvPicPr>
-            <a:picLocks noChangeAspect="1"/>
-          </p:cNvPicPr>
-          <p:nvPr/>
-        </p:nvPicPr>
-        <p:blipFill>
-          <a:blip r:embed="rId3"/>
-          <a:stretch>
-            <a:fillRect/>
-          </a:stretch>
-        </p:blipFill>
-        <p:spPr>
-          <a:xfrm>
-            <a:off x="1344383" y="1834917"/>
-            <a:ext cx="10515601" cy="4299074"/>
-          </a:xfrm>
-          <a:prstGeom prst="rect">
-            <a:avLst/>
-          </a:prstGeom>
-        </p:spPr>
-      </p:pic>
-    </p:spTree>
-    <p:extLst>
-      <p:ext uri="{BB962C8B-B14F-4D97-AF65-F5344CB8AC3E}">
-        <p14:creationId xmlns:p14="http://schemas.microsoft.com/office/powerpoint/2010/main" val="3084161563"/>
-      </p:ext>
-    </p:extLst>
-  </p:cSld>
-  <p:clrMapOvr>
-    <a:masterClrMapping/>
-  </p:clrMapOvr>
-</p:sld>
-</file>
-
-<file path=ppt/slides/slide19.xml><?xml version="1.0" encoding="utf-8"?>
-<p:sld xmlns:a="http://schemas.openxmlformats.org/drawingml/2006/main" xmlns:r="http://schemas.openxmlformats.org/officeDocument/2006/relationships" xmlns:p="http://schemas.openxmlformats.org/presentationml/2006/main">
-  <p:cSld>
-    <p:spTree>
-      <p:nvGrpSpPr>
-        <p:cNvPr id="1" name=""/>
-        <p:cNvGrpSpPr/>
-        <p:nvPr/>
-      </p:nvGrpSpPr>
-      <p:grpSpPr>
-        <a:xfrm>
-          <a:off x="0" y="0"/>
-          <a:ext cx="0" cy="0"/>
-          <a:chOff x="0" y="0"/>
-          <a:chExt cx="0" cy="0"/>
-        </a:xfrm>
-      </p:grpSpPr>
-      <p:sp>
-        <p:nvSpPr>
-          <p:cNvPr id="4" name="Title 3">
-            <a:extLst>
-              <a:ext uri="{FF2B5EF4-FFF2-40B4-BE49-F238E27FC236}">
-                <a16:creationId xmlns:a16="http://schemas.microsoft.com/office/drawing/2014/main" id="{CEBC86DA-5948-973C-A1DA-318EB868F097}"/>
-              </a:ext>
-            </a:extLst>
-          </p:cNvPr>
-          <p:cNvSpPr>
-            <a:spLocks noGrp="1"/>
-          </p:cNvSpPr>
-          <p:nvPr>
-            <p:ph type="title"/>
-          </p:nvPr>
-        </p:nvSpPr>
-        <p:spPr>
-          <a:xfrm>
-            <a:off x="838199" y="122407"/>
-            <a:ext cx="10515600" cy="967091"/>
-          </a:xfrm>
-        </p:spPr>
-        <p:txBody>
-          <a:bodyPr/>
-          <a:lstStyle/>
-          <a:p>
-            <a:r>
-              <a:rPr lang="en-US" dirty="0"/>
-              <a:t>Instructor Perspective</a:t>
-            </a:r>
-          </a:p>
-        </p:txBody>
-      </p:sp>
-      <p:sp>
-        <p:nvSpPr>
-          <p:cNvPr id="3" name="Content Placeholder 2">
-            <a:extLst>
-              <a:ext uri="{FF2B5EF4-FFF2-40B4-BE49-F238E27FC236}">
-                <a16:creationId xmlns:a16="http://schemas.microsoft.com/office/drawing/2014/main" id="{54958E6B-80CF-AF18-A033-74047074A1B0}"/>
-              </a:ext>
-            </a:extLst>
-          </p:cNvPr>
-          <p:cNvSpPr>
-            <a:spLocks noGrp="1"/>
-          </p:cNvSpPr>
-          <p:nvPr>
-            <p:ph idx="1"/>
-          </p:nvPr>
-        </p:nvSpPr>
-        <p:spPr>
-          <a:xfrm>
-            <a:off x="838198" y="963038"/>
-            <a:ext cx="10515600" cy="4330322"/>
-          </a:xfrm>
-        </p:spPr>
-        <p:txBody>
-          <a:bodyPr/>
-          <a:lstStyle/>
-          <a:p>
-            <a:r>
-              <a:rPr lang="en-US" dirty="0"/>
-              <a:t>Slack is easier to use on a mobile phone or tablet</a:t>
-            </a:r>
-          </a:p>
-          <a:p>
-            <a:pPr lvl="1"/>
-            <a:r>
-              <a:rPr lang="en-US" dirty="0"/>
-              <a:t>Lower authentication thresholds</a:t>
-            </a:r>
-          </a:p>
-          <a:p>
-            <a:pPr lvl="1"/>
-            <a:r>
-              <a:rPr lang="en-US" dirty="0"/>
-              <a:t>Easier to add attachments, photos, screenshots</a:t>
-            </a:r>
-          </a:p>
-          <a:p>
-            <a:pPr lvl="1"/>
-            <a:r>
-              <a:rPr lang="en-US" dirty="0"/>
-              <a:t>Lightweight feeling compared with traditional email, less formal</a:t>
-            </a:r>
-          </a:p>
-          <a:p>
-            <a:r>
-              <a:rPr lang="en-US" dirty="0"/>
-              <a:t>Students see how professionals communicate in a work setting</a:t>
-            </a:r>
-          </a:p>
-          <a:p>
-            <a:r>
-              <a:rPr lang="en-US" dirty="0"/>
-              <a:t>It feels good to get feedback from others, even if it's </a:t>
-            </a:r>
-            <a:r>
-              <a:rPr lang="en-US"/>
-              <a:t>just a </a:t>
-            </a:r>
-            <a:r>
-              <a:rPr lang="en-US">
-                <a:sym typeface="Wingdings" panose="05000000000000000000" pitchFamily="2" charset="2"/>
-              </a:rPr>
-              <a:t> or </a:t>
-            </a:r>
-            <a:endParaRPr lang="en-US" dirty="0"/>
-          </a:p>
-          <a:p>
-            <a:endParaRPr lang="en-US" dirty="0"/>
-          </a:p>
-          <a:p>
-            <a:endParaRPr lang="en-US" dirty="0"/>
-          </a:p>
-        </p:txBody>
-      </p:sp>
-    </p:spTree>
-    <p:extLst>
-      <p:ext uri="{BB962C8B-B14F-4D97-AF65-F5344CB8AC3E}">
-        <p14:creationId xmlns:p14="http://schemas.microsoft.com/office/powerpoint/2010/main" val="596095672"/>
-      </p:ext>
-    </p:extLst>
-  </p:cSld>
-  <p:clrMapOvr>
-    <a:masterClrMapping/>
-  </p:clrMapOvr>
-</p:sld>
-</file>
-
-<file path=ppt/slides/slide2.xml><?xml version="1.0" encoding="utf-8"?>
 <p:sld xmlns:a="http://schemas.openxmlformats.org/drawingml/2006/main" xmlns:r="http://schemas.openxmlformats.org/officeDocument/2006/relationships" xmlns:p="http://schemas.openxmlformats.org/presentationml/2006/main">
   <p:cSld>
     <p:spTree>
@@ -9181,204 +9097,6 @@
           <a:lstStyle/>
           <a:p>
             <a:r>
-              <a:rPr lang="en-US"/>
-              <a:t>Overview</a:t>
-            </a:r>
-          </a:p>
-        </p:txBody>
-      </p:sp>
-      <p:sp>
-        <p:nvSpPr>
-          <p:cNvPr id="3" name="Content Placeholder 2">
-            <a:extLst>
-              <a:ext uri="{FF2B5EF4-FFF2-40B4-BE49-F238E27FC236}">
-                <a16:creationId xmlns:a16="http://schemas.microsoft.com/office/drawing/2014/main" id="{8105E254-772A-4AB1-8230-33418D800ECD}"/>
-              </a:ext>
-            </a:extLst>
-          </p:cNvPr>
-          <p:cNvSpPr>
-            <a:spLocks noGrp="1"/>
-          </p:cNvSpPr>
-          <p:nvPr>
-            <p:ph idx="1"/>
-          </p:nvPr>
-        </p:nvSpPr>
-        <p:spPr>
-          <a:xfrm>
-            <a:off x="838200" y="1307939"/>
-            <a:ext cx="10515600" cy="4615066"/>
-          </a:xfrm>
-        </p:spPr>
-        <p:txBody>
-          <a:bodyPr>
-            <a:normAutofit fontScale="92500" lnSpcReduction="10000"/>
-          </a:bodyPr>
-          <a:lstStyle/>
-          <a:p>
-            <a:r>
-              <a:rPr lang="en-US" sz="3200"/>
-              <a:t>Slack (https://slack.com/) is a widely adopted cloud-based team communication platform in industry. This session presents a case study showcasing the successful use of Slack for fostering collaboration among undergraduate students across various technology courses. It will provide insights into how Slack was integrated into course curriculum to enhance communication, project management, and teamwork among students. Attendees will learn about the setup of Slack workspaces, the creation of course-specific channels, the integration of tools, and the adoption of digital communication best practices in order to enrich  the educational experience and prepare students for the collaborative demands of the tech industry.</a:t>
-            </a:r>
-            <a:endParaRPr lang="en-US" sz="2800"/>
-          </a:p>
-        </p:txBody>
-      </p:sp>
-    </p:spTree>
-    <p:extLst>
-      <p:ext uri="{BB962C8B-B14F-4D97-AF65-F5344CB8AC3E}">
-        <p14:creationId xmlns:p14="http://schemas.microsoft.com/office/powerpoint/2010/main" val="1697206845"/>
-      </p:ext>
-    </p:extLst>
-  </p:cSld>
-  <p:clrMapOvr>
-    <a:masterClrMapping/>
-  </p:clrMapOvr>
-</p:sld>
-</file>
-
-<file path=ppt/slides/slide20.xml><?xml version="1.0" encoding="utf-8"?>
-<p:sld xmlns:a="http://schemas.openxmlformats.org/drawingml/2006/main" xmlns:r="http://schemas.openxmlformats.org/officeDocument/2006/relationships" xmlns:p="http://schemas.openxmlformats.org/presentationml/2006/main">
-  <p:cSld>
-    <p:spTree>
-      <p:nvGrpSpPr>
-        <p:cNvPr id="1" name=""/>
-        <p:cNvGrpSpPr/>
-        <p:nvPr/>
-      </p:nvGrpSpPr>
-      <p:grpSpPr>
-        <a:xfrm>
-          <a:off x="0" y="0"/>
-          <a:ext cx="0" cy="0"/>
-          <a:chOff x="0" y="0"/>
-          <a:chExt cx="0" cy="0"/>
-        </a:xfrm>
-      </p:grpSpPr>
-      <p:sp>
-        <p:nvSpPr>
-          <p:cNvPr id="4" name="Title 3">
-            <a:extLst>
-              <a:ext uri="{FF2B5EF4-FFF2-40B4-BE49-F238E27FC236}">
-                <a16:creationId xmlns:a16="http://schemas.microsoft.com/office/drawing/2014/main" id="{CEBC86DA-5948-973C-A1DA-318EB868F097}"/>
-              </a:ext>
-            </a:extLst>
-          </p:cNvPr>
-          <p:cNvSpPr>
-            <a:spLocks noGrp="1"/>
-          </p:cNvSpPr>
-          <p:nvPr>
-            <p:ph type="title"/>
-          </p:nvPr>
-        </p:nvSpPr>
-        <p:spPr>
-          <a:xfrm>
-            <a:off x="838199" y="122407"/>
-            <a:ext cx="10515600" cy="967091"/>
-          </a:xfrm>
-        </p:spPr>
-        <p:txBody>
-          <a:bodyPr/>
-          <a:lstStyle/>
-          <a:p>
-            <a:r>
-              <a:rPr lang="en-US" dirty="0"/>
-              <a:t>Instructor Perspective</a:t>
-            </a:r>
-          </a:p>
-        </p:txBody>
-      </p:sp>
-      <p:sp>
-        <p:nvSpPr>
-          <p:cNvPr id="3" name="Content Placeholder 2">
-            <a:extLst>
-              <a:ext uri="{FF2B5EF4-FFF2-40B4-BE49-F238E27FC236}">
-                <a16:creationId xmlns:a16="http://schemas.microsoft.com/office/drawing/2014/main" id="{54958E6B-80CF-AF18-A033-74047074A1B0}"/>
-              </a:ext>
-            </a:extLst>
-          </p:cNvPr>
-          <p:cNvSpPr>
-            <a:spLocks noGrp="1"/>
-          </p:cNvSpPr>
-          <p:nvPr>
-            <p:ph idx="1"/>
-          </p:nvPr>
-        </p:nvSpPr>
-        <p:spPr>
-          <a:xfrm>
-            <a:off x="838198" y="963038"/>
-            <a:ext cx="10515600" cy="3786303"/>
-          </a:xfrm>
-        </p:spPr>
-        <p:txBody>
-          <a:bodyPr/>
-          <a:lstStyle/>
-          <a:p>
-            <a:r>
-              <a:rPr lang="en-US" dirty="0"/>
-              <a:t>Students encourage and support each other during difficult times</a:t>
-            </a:r>
-          </a:p>
-          <a:p>
-            <a:endParaRPr lang="en-US" dirty="0"/>
-          </a:p>
-        </p:txBody>
-      </p:sp>
-    </p:spTree>
-    <p:extLst>
-      <p:ext uri="{BB962C8B-B14F-4D97-AF65-F5344CB8AC3E}">
-        <p14:creationId xmlns:p14="http://schemas.microsoft.com/office/powerpoint/2010/main" val="1342953347"/>
-      </p:ext>
-    </p:extLst>
-  </p:cSld>
-  <p:clrMapOvr>
-    <a:masterClrMapping/>
-  </p:clrMapOvr>
-</p:sld>
-</file>
-
-<file path=ppt/slides/slide21.xml><?xml version="1.0" encoding="utf-8"?>
-<p:sld xmlns:a="http://schemas.openxmlformats.org/drawingml/2006/main" xmlns:r="http://schemas.openxmlformats.org/officeDocument/2006/relationships" xmlns:p="http://schemas.openxmlformats.org/presentationml/2006/main">
-  <p:cSld>
-    <p:spTree>
-      <p:nvGrpSpPr>
-        <p:cNvPr id="1" name=""/>
-        <p:cNvGrpSpPr/>
-        <p:nvPr/>
-      </p:nvGrpSpPr>
-      <p:grpSpPr>
-        <a:xfrm>
-          <a:off x="0" y="0"/>
-          <a:ext cx="0" cy="0"/>
-          <a:chOff x="0" y="0"/>
-          <a:chExt cx="0" cy="0"/>
-        </a:xfrm>
-      </p:grpSpPr>
-      <p:sp>
-        <p:nvSpPr>
-          <p:cNvPr id="2" name="Title 1">
-            <a:extLst>
-              <a:ext uri="{FF2B5EF4-FFF2-40B4-BE49-F238E27FC236}">
-                <a16:creationId xmlns:a16="http://schemas.microsoft.com/office/drawing/2014/main" id="{1193C801-427D-4761-B139-63C3D71F6842}"/>
-              </a:ext>
-            </a:extLst>
-          </p:cNvPr>
-          <p:cNvSpPr>
-            <a:spLocks noGrp="1"/>
-          </p:cNvSpPr>
-          <p:nvPr>
-            <p:ph type="title"/>
-          </p:nvPr>
-        </p:nvSpPr>
-        <p:spPr>
-          <a:xfrm>
-            <a:off x="838200" y="290652"/>
-            <a:ext cx="10515600" cy="780769"/>
-          </a:xfrm>
-        </p:spPr>
-        <p:txBody>
-          <a:bodyPr/>
-          <a:lstStyle/>
-          <a:p>
-            <a:r>
               <a:rPr lang="en-US" dirty="0"/>
               <a:t>Student Experience (Steven Gsell)</a:t>
             </a:r>
@@ -9458,7 +9176,7 @@
 </p:sld>
 </file>
 
-<file path=ppt/slides/slide22.xml><?xml version="1.0" encoding="utf-8"?>
+<file path=ppt/slides/slide18.xml><?xml version="1.0" encoding="utf-8"?>
 <p:sld xmlns:a="http://schemas.openxmlformats.org/drawingml/2006/main" xmlns:r="http://schemas.openxmlformats.org/officeDocument/2006/relationships" xmlns:p="http://schemas.openxmlformats.org/presentationml/2006/main">
   <p:cSld>
     <p:spTree>
@@ -9765,7 +9483,7 @@
 </p:sld>
 </file>
 
-<file path=ppt/slides/slide23.xml><?xml version="1.0" encoding="utf-8"?>
+<file path=ppt/slides/slide19.xml><?xml version="1.0" encoding="utf-8"?>
 <p:sld xmlns:a="http://schemas.openxmlformats.org/drawingml/2006/main" xmlns:r="http://schemas.openxmlformats.org/officeDocument/2006/relationships" xmlns:p="http://schemas.openxmlformats.org/presentationml/2006/main">
   <p:cSld>
     <p:spTree>
@@ -10231,7 +9949,106 @@
 </p:sld>
 </file>
 
-<file path=ppt/slides/slide24.xml><?xml version="1.0" encoding="utf-8"?>
+<file path=ppt/slides/slide2.xml><?xml version="1.0" encoding="utf-8"?>
+<p:sld xmlns:a="http://schemas.openxmlformats.org/drawingml/2006/main" xmlns:r="http://schemas.openxmlformats.org/officeDocument/2006/relationships" xmlns:p="http://schemas.openxmlformats.org/presentationml/2006/main">
+  <p:cSld>
+    <p:spTree>
+      <p:nvGrpSpPr>
+        <p:cNvPr id="1" name=""/>
+        <p:cNvGrpSpPr/>
+        <p:nvPr/>
+      </p:nvGrpSpPr>
+      <p:grpSpPr>
+        <a:xfrm>
+          <a:off x="0" y="0"/>
+          <a:ext cx="0" cy="0"/>
+          <a:chOff x="0" y="0"/>
+          <a:chExt cx="0" cy="0"/>
+        </a:xfrm>
+      </p:grpSpPr>
+      <p:sp>
+        <p:nvSpPr>
+          <p:cNvPr id="2" name="Title 1">
+            <a:extLst>
+              <a:ext uri="{FF2B5EF4-FFF2-40B4-BE49-F238E27FC236}">
+                <a16:creationId xmlns:a16="http://schemas.microsoft.com/office/drawing/2014/main" id="{1193C801-427D-4761-B139-63C3D71F6842}"/>
+              </a:ext>
+            </a:extLst>
+          </p:cNvPr>
+          <p:cNvSpPr>
+            <a:spLocks noGrp="1"/>
+          </p:cNvSpPr>
+          <p:nvPr>
+            <p:ph type="title"/>
+          </p:nvPr>
+        </p:nvSpPr>
+        <p:spPr>
+          <a:xfrm>
+            <a:off x="838200" y="290652"/>
+            <a:ext cx="10515600" cy="780769"/>
+          </a:xfrm>
+        </p:spPr>
+        <p:txBody>
+          <a:bodyPr/>
+          <a:lstStyle/>
+          <a:p>
+            <a:r>
+              <a:rPr lang="en-US"/>
+              <a:t>Overview</a:t>
+            </a:r>
+          </a:p>
+        </p:txBody>
+      </p:sp>
+      <p:sp>
+        <p:nvSpPr>
+          <p:cNvPr id="3" name="Content Placeholder 2">
+            <a:extLst>
+              <a:ext uri="{FF2B5EF4-FFF2-40B4-BE49-F238E27FC236}">
+                <a16:creationId xmlns:a16="http://schemas.microsoft.com/office/drawing/2014/main" id="{8105E254-772A-4AB1-8230-33418D800ECD}"/>
+              </a:ext>
+            </a:extLst>
+          </p:cNvPr>
+          <p:cNvSpPr>
+            <a:spLocks noGrp="1"/>
+          </p:cNvSpPr>
+          <p:nvPr>
+            <p:ph idx="1"/>
+          </p:nvPr>
+        </p:nvSpPr>
+        <p:spPr>
+          <a:xfrm>
+            <a:off x="838200" y="1307939"/>
+            <a:ext cx="10515600" cy="4615066"/>
+          </a:xfrm>
+        </p:spPr>
+        <p:txBody>
+          <a:bodyPr>
+            <a:normAutofit fontScale="92500" lnSpcReduction="10000"/>
+          </a:bodyPr>
+          <a:lstStyle/>
+          <a:p>
+            <a:r>
+              <a:rPr lang="en-US" sz="3200"/>
+              <a:t>Slack (https://slack.com/) is a widely adopted cloud-based team communication platform in industry. This session presents a case study showcasing the successful use of Slack for fostering collaboration among undergraduate students across various technology courses. It will provide insights into how Slack was integrated into course curriculum to enhance communication, project management, and teamwork among students. Attendees will learn about the setup of Slack workspaces, the creation of course-specific channels, the integration of tools, and the adoption of digital communication best practices in order to enrich  the educational experience and prepare students for the collaborative demands of the tech industry.</a:t>
+            </a:r>
+            <a:endParaRPr lang="en-US" sz="2800"/>
+          </a:p>
+        </p:txBody>
+      </p:sp>
+    </p:spTree>
+    <p:extLst>
+      <p:ext uri="{BB962C8B-B14F-4D97-AF65-F5344CB8AC3E}">
+        <p14:creationId xmlns:p14="http://schemas.microsoft.com/office/powerpoint/2010/main" val="1697206845"/>
+      </p:ext>
+    </p:extLst>
+  </p:cSld>
+  <p:clrMapOvr>
+    <a:masterClrMapping/>
+  </p:clrMapOvr>
+</p:sld>
+</file>
+
+<file path=ppt/slides/slide20.xml><?xml version="1.0" encoding="utf-8"?>
 <p:sld xmlns:a="http://schemas.openxmlformats.org/drawingml/2006/main" xmlns:r="http://schemas.openxmlformats.org/officeDocument/2006/relationships" xmlns:p="http://schemas.openxmlformats.org/presentationml/2006/main">
   <p:cSld>
     <p:spTree>
@@ -10619,7 +10436,7 @@
 </p:sld>
 </file>
 
-<file path=ppt/slides/slide25.xml><?xml version="1.0" encoding="utf-8"?>
+<file path=ppt/slides/slide21.xml><?xml version="1.0" encoding="utf-8"?>
 <p:sld xmlns:a="http://schemas.openxmlformats.org/drawingml/2006/main" xmlns:r="http://schemas.openxmlformats.org/officeDocument/2006/relationships" xmlns:p="http://schemas.openxmlformats.org/presentationml/2006/main">
   <p:cSld>
     <p:spTree>
@@ -10697,49 +10514,178 @@
           </a:bodyPr>
           <a:lstStyle/>
           <a:p>
-            <a:pPr marL="285750" indent="-285750">
+            <a:pPr marL="285750" marR="0" lvl="0" indent="-285750" algn="l" defTabSz="914400" rtl="0" eaLnBrk="1" fontAlgn="auto" latinLnBrk="0" hangingPunct="1">
+              <a:lnSpc>
+                <a:spcPct val="100000"/>
+              </a:lnSpc>
+              <a:spcBef>
+                <a:spcPts val="0"/>
+              </a:spcBef>
+              <a:spcAft>
+                <a:spcPts val="0"/>
+              </a:spcAft>
+              <a:buClrTx/>
+              <a:buSzTx/>
               <a:buFont typeface="Arial" panose="020B0604020202020204" pitchFamily="34" charset="0"/>
               <a:buChar char="•"/>
-            </a:pPr>
-            <a:r>
-              <a:rPr lang="en-US" sz="2000" dirty="0"/>
-              <a:t>Some of our groups have utilized the GitHub plugin for Slack. This allows the group to be up to date with every update and change happening.</a:t>
-            </a:r>
-          </a:p>
-          <a:p>
-            <a:pPr marL="285750" indent="-285750">
+              <a:tabLst/>
+              <a:defRPr/>
+            </a:pPr>
+            <a:r>
+              <a:rPr kumimoji="0" lang="en-US" sz="2000" b="0" i="0" u="none" strike="noStrike" kern="1200" cap="none" spc="0" normalizeH="0" baseline="0" noProof="0" dirty="0">
+                <a:ln>
+                  <a:noFill/>
+                </a:ln>
+                <a:solidFill>
+                  <a:srgbClr val="007598"/>
+                </a:solidFill>
+                <a:effectLst/>
+                <a:uLnTx/>
+                <a:uFillTx/>
+                <a:latin typeface="Calibri" panose="020F0502020204030204"/>
+                <a:ea typeface="+mn-ea"/>
+                <a:cs typeface="+mn-cs"/>
+              </a:rPr>
+              <a:t>How often have you gone to push your code only to see that you need to pull the new updated first?</a:t>
+            </a:r>
+          </a:p>
+          <a:p>
+            <a:pPr marL="285750" marR="0" lvl="0" indent="-285750" algn="l" defTabSz="914400" rtl="0" eaLnBrk="1" fontAlgn="auto" latinLnBrk="0" hangingPunct="1">
+              <a:lnSpc>
+                <a:spcPct val="100000"/>
+              </a:lnSpc>
+              <a:spcBef>
+                <a:spcPts val="0"/>
+              </a:spcBef>
+              <a:spcAft>
+                <a:spcPts val="0"/>
+              </a:spcAft>
+              <a:buClrTx/>
+              <a:buSzTx/>
               <a:buFont typeface="Arial" panose="020B0604020202020204" pitchFamily="34" charset="0"/>
               <a:buChar char="•"/>
-            </a:pPr>
-            <a:endParaRPr lang="en-US" sz="2000" dirty="0"/>
-          </a:p>
-          <a:p>
-            <a:pPr marL="285750" indent="-285750">
+              <a:tabLst/>
+              <a:defRPr/>
+            </a:pPr>
+            <a:endParaRPr kumimoji="0" lang="en-US" sz="2000" b="0" i="0" u="none" strike="noStrike" kern="1200" cap="none" spc="0" normalizeH="0" baseline="0" noProof="0" dirty="0">
+              <a:ln>
+                <a:noFill/>
+              </a:ln>
+              <a:solidFill>
+                <a:srgbClr val="007598"/>
+              </a:solidFill>
+              <a:effectLst/>
+              <a:uLnTx/>
+              <a:uFillTx/>
+              <a:latin typeface="Calibri" panose="020F0502020204030204"/>
+              <a:ea typeface="+mn-ea"/>
+              <a:cs typeface="+mn-cs"/>
+            </a:endParaRPr>
+          </a:p>
+          <a:p>
+            <a:pPr marL="285750" marR="0" lvl="0" indent="-285750" algn="l" defTabSz="914400" rtl="0" eaLnBrk="1" fontAlgn="auto" latinLnBrk="0" hangingPunct="1">
+              <a:lnSpc>
+                <a:spcPct val="100000"/>
+              </a:lnSpc>
+              <a:spcBef>
+                <a:spcPts val="0"/>
+              </a:spcBef>
+              <a:spcAft>
+                <a:spcPts val="0"/>
+              </a:spcAft>
+              <a:buClrTx/>
+              <a:buSzTx/>
               <a:buFont typeface="Arial" panose="020B0604020202020204" pitchFamily="34" charset="0"/>
               <a:buChar char="•"/>
-            </a:pPr>
-            <a:r>
-              <a:rPr lang="en-US" sz="2000" dirty="0"/>
-              <a:t>This allows cohesion of progress updates when the group reconvenes to discuss the next steps!</a:t>
-            </a:r>
-          </a:p>
-          <a:p>
-            <a:pPr marL="285750" indent="-285750">
+              <a:tabLst/>
+              <a:defRPr/>
+            </a:pPr>
+            <a:r>
+              <a:rPr kumimoji="0" lang="en-US" sz="2000" b="0" i="0" u="none" strike="noStrike" kern="1200" cap="none" spc="0" normalizeH="0" baseline="0" noProof="0" dirty="0">
+                <a:ln>
+                  <a:noFill/>
+                </a:ln>
+                <a:solidFill>
+                  <a:srgbClr val="007598"/>
+                </a:solidFill>
+                <a:effectLst/>
+                <a:uLnTx/>
+                <a:uFillTx/>
+                <a:latin typeface="Calibri" panose="020F0502020204030204"/>
+                <a:ea typeface="+mn-ea"/>
+                <a:cs typeface="+mn-cs"/>
+              </a:rPr>
+              <a:t>Some of our groups have utilized the GitHub plugin for Slack. This allows the group to be up to date with every update and change happening.</a:t>
+            </a:r>
+          </a:p>
+          <a:p>
+            <a:pPr marL="285750" marR="0" lvl="0" indent="-285750" algn="l" defTabSz="914400" rtl="0" eaLnBrk="1" fontAlgn="auto" latinLnBrk="0" hangingPunct="1">
+              <a:lnSpc>
+                <a:spcPct val="100000"/>
+              </a:lnSpc>
+              <a:spcBef>
+                <a:spcPts val="0"/>
+              </a:spcBef>
+              <a:spcAft>
+                <a:spcPts val="0"/>
+              </a:spcAft>
+              <a:buClrTx/>
+              <a:buSzTx/>
               <a:buFont typeface="Arial" panose="020B0604020202020204" pitchFamily="34" charset="0"/>
               <a:buChar char="•"/>
-            </a:pPr>
-            <a:endParaRPr lang="en-US" sz="2000" dirty="0"/>
-          </a:p>
-          <a:p>
-            <a:pPr marL="285750" indent="-285750">
+              <a:tabLst/>
+              <a:defRPr/>
+            </a:pPr>
+            <a:endParaRPr kumimoji="0" lang="en-US" sz="2000" b="0" i="0" u="none" strike="noStrike" kern="1200" cap="none" spc="0" normalizeH="0" baseline="0" noProof="0" dirty="0">
+              <a:ln>
+                <a:noFill/>
+              </a:ln>
+              <a:solidFill>
+                <a:srgbClr val="007598"/>
+              </a:solidFill>
+              <a:effectLst/>
+              <a:uLnTx/>
+              <a:uFillTx/>
+              <a:latin typeface="Calibri" panose="020F0502020204030204"/>
+              <a:ea typeface="+mn-ea"/>
+              <a:cs typeface="+mn-cs"/>
+            </a:endParaRPr>
+          </a:p>
+          <a:p>
+            <a:pPr marL="285750" marR="0" lvl="0" indent="-285750" algn="l" defTabSz="914400" rtl="0" eaLnBrk="1" fontAlgn="auto" latinLnBrk="0" hangingPunct="1">
+              <a:lnSpc>
+                <a:spcPct val="100000"/>
+              </a:lnSpc>
+              <a:spcBef>
+                <a:spcPts val="0"/>
+              </a:spcBef>
+              <a:spcAft>
+                <a:spcPts val="0"/>
+              </a:spcAft>
+              <a:buClrTx/>
+              <a:buSzTx/>
               <a:buFont typeface="Arial" panose="020B0604020202020204" pitchFamily="34" charset="0"/>
               <a:buChar char="•"/>
-            </a:pPr>
-            <a:r>
-              <a:rPr lang="en-US" sz="2000"/>
-              <a:t>No matter what you are teaching, there will almost certainly be an add-on that can help your group setting.</a:t>
-            </a:r>
-            <a:endParaRPr lang="en-US" sz="2000" dirty="0"/>
+              <a:tabLst/>
+              <a:defRPr/>
+            </a:pPr>
+            <a:r>
+              <a:rPr kumimoji="0" lang="en-US" sz="2000" b="0" i="0" u="none" strike="noStrike" kern="1200" cap="none" spc="0" normalizeH="0" baseline="0" noProof="0" dirty="0">
+                <a:ln>
+                  <a:noFill/>
+                </a:ln>
+                <a:solidFill>
+                  <a:srgbClr val="007598"/>
+                </a:solidFill>
+                <a:effectLst/>
+                <a:uLnTx/>
+                <a:uFillTx/>
+                <a:latin typeface="Calibri" panose="020F0502020204030204"/>
+                <a:ea typeface="+mn-ea"/>
+                <a:cs typeface="+mn-cs"/>
+              </a:rPr>
+              <a:t>This allows cohesion of progress updates when the group reconvenes to discuss the next steps!</a:t>
+            </a:r>
           </a:p>
         </p:txBody>
       </p:sp>
@@ -10797,7 +10743,7 @@
 </p:sld>
 </file>
 
-<file path=ppt/slides/slide26.xml><?xml version="1.0" encoding="utf-8"?>
+<file path=ppt/slides/slide22.xml><?xml version="1.0" encoding="utf-8"?>
 <p:sld xmlns:a="http://schemas.openxmlformats.org/drawingml/2006/main" xmlns:r="http://schemas.openxmlformats.org/officeDocument/2006/relationships" xmlns:p="http://schemas.openxmlformats.org/presentationml/2006/main">
   <p:cSld>
     <p:spTree>
@@ -11045,7 +10991,7 @@
                 <a:ea typeface="+mn-ea"/>
                 <a:cs typeface="+mn-cs"/>
               </a:rPr>
-              <a:t>The cliché goes that a picture speaks a thousands words. So 30fps screen sharing should speak about 30,000 words per second. (pause for cheesy joke laughter)</a:t>
+              <a:t>The cliché goes that a picture speaks a thousands words. So 30fps screen sharing should speak about 30,000 words per second. (pause for laughter)</a:t>
             </a:r>
           </a:p>
         </p:txBody>
@@ -11104,7 +11050,7 @@
 </p:sld>
 </file>
 
-<file path=ppt/slides/slide27.xml><?xml version="1.0" encoding="utf-8"?>
+<file path=ppt/slides/slide23.xml><?xml version="1.0" encoding="utf-8"?>
 <p:sld xmlns:a="http://schemas.openxmlformats.org/drawingml/2006/main" xmlns:r="http://schemas.openxmlformats.org/officeDocument/2006/relationships" xmlns:p="http://schemas.openxmlformats.org/presentationml/2006/main">
   <p:cSld>
     <p:spTree>
@@ -11169,7 +11115,7 @@
         <p:spPr>
           <a:xfrm>
             <a:off x="838200" y="1238081"/>
-            <a:ext cx="4915237" cy="4093428"/>
+            <a:ext cx="4915237" cy="4401205"/>
           </a:xfrm>
           <a:prstGeom prst="rect">
             <a:avLst/>
@@ -11214,11 +11160,113 @@
                 <a:ea typeface="+mn-ea"/>
                 <a:cs typeface="+mn-cs"/>
               </a:rPr>
-              <a:t>Sometimes our computer notifications can cause a bit of a stressful spike in our bodies when we hear that jingle or notification noise.</a:t>
-            </a:r>
-          </a:p>
-          <a:p>
-            <a:pPr marR="0" lvl="0" algn="l" defTabSz="914400" rtl="0" eaLnBrk="1" fontAlgn="auto" latinLnBrk="0" hangingPunct="1">
+              <a:t>Sometimes our computer notifications can cause a bit of a stressful spike in our bodies when we hear that jingle or notification noise. (pop </a:t>
+            </a:r>
+            <a:r>
+              <a:rPr kumimoji="0" lang="en-US" sz="2000" b="0" i="0" u="none" strike="noStrike" kern="1200" cap="none" spc="0" normalizeH="0" baseline="0" noProof="0" dirty="0" err="1">
+                <a:ln>
+                  <a:noFill/>
+                </a:ln>
+                <a:solidFill>
+                  <a:srgbClr val="007598"/>
+                </a:solidFill>
+                <a:effectLst/>
+                <a:uLnTx/>
+                <a:uFillTx/>
+                <a:latin typeface="Calibri" panose="020F0502020204030204"/>
+                <a:ea typeface="+mn-ea"/>
+                <a:cs typeface="+mn-cs"/>
+              </a:rPr>
+              <a:t>pop</a:t>
+            </a:r>
+            <a:r>
+              <a:rPr kumimoji="0" lang="en-US" sz="2000" b="0" i="0" u="none" strike="noStrike" kern="1200" cap="none" spc="0" normalizeH="0" baseline="0" noProof="0" dirty="0">
+                <a:ln>
+                  <a:noFill/>
+                </a:ln>
+                <a:solidFill>
+                  <a:srgbClr val="007598"/>
+                </a:solidFill>
+                <a:effectLst/>
+                <a:uLnTx/>
+                <a:uFillTx/>
+                <a:latin typeface="Calibri" panose="020F0502020204030204"/>
+                <a:ea typeface="+mn-ea"/>
+                <a:cs typeface="+mn-cs"/>
+              </a:rPr>
+              <a:t> </a:t>
+            </a:r>
+            <a:r>
+              <a:rPr kumimoji="0" lang="en-US" sz="2000" b="0" i="0" u="none" strike="noStrike" kern="1200" cap="none" spc="0" normalizeH="0" baseline="0" noProof="0" dirty="0" err="1">
+                <a:ln>
+                  <a:noFill/>
+                </a:ln>
+                <a:solidFill>
+                  <a:srgbClr val="007598"/>
+                </a:solidFill>
+                <a:effectLst/>
+                <a:uLnTx/>
+                <a:uFillTx/>
+                <a:latin typeface="Calibri" panose="020F0502020204030204"/>
+                <a:ea typeface="+mn-ea"/>
+                <a:cs typeface="+mn-cs"/>
+              </a:rPr>
+              <a:t>pop</a:t>
+            </a:r>
+            <a:r>
+              <a:rPr kumimoji="0" lang="en-US" sz="2000" b="0" i="0" u="none" strike="noStrike" kern="1200" cap="none" spc="0" normalizeH="0" baseline="0" noProof="0" dirty="0">
+                <a:ln>
+                  <a:noFill/>
+                </a:ln>
+                <a:solidFill>
+                  <a:srgbClr val="007598"/>
+                </a:solidFill>
+                <a:effectLst/>
+                <a:uLnTx/>
+                <a:uFillTx/>
+                <a:latin typeface="Calibri" panose="020F0502020204030204"/>
+                <a:ea typeface="+mn-ea"/>
+                <a:cs typeface="+mn-cs"/>
+              </a:rPr>
+              <a:t> brush </a:t>
+            </a:r>
+            <a:r>
+              <a:rPr kumimoji="0" lang="en-US" sz="2000" b="0" i="0" u="none" strike="noStrike" kern="1200" cap="none" spc="0" normalizeH="0" baseline="0" noProof="0" dirty="0" err="1">
+                <a:ln>
+                  <a:noFill/>
+                </a:ln>
+                <a:solidFill>
+                  <a:srgbClr val="007598"/>
+                </a:solidFill>
+                <a:effectLst/>
+                <a:uLnTx/>
+                <a:uFillTx/>
+                <a:latin typeface="Calibri" panose="020F0502020204030204"/>
+                <a:ea typeface="+mn-ea"/>
+                <a:cs typeface="+mn-cs"/>
+              </a:rPr>
+              <a:t>brush</a:t>
+            </a:r>
+            <a:r>
+              <a:rPr kumimoji="0" lang="en-US" sz="2000" b="0" i="0" u="none" strike="noStrike" kern="1200" cap="none" spc="0" normalizeH="0" baseline="0" noProof="0" dirty="0">
+                <a:ln>
+                  <a:noFill/>
+                </a:ln>
+                <a:solidFill>
+                  <a:srgbClr val="007598"/>
+                </a:solidFill>
+                <a:effectLst/>
+                <a:uLnTx/>
+                <a:uFillTx/>
+                <a:latin typeface="Calibri" panose="020F0502020204030204"/>
+                <a:ea typeface="+mn-ea"/>
+                <a:cs typeface="+mn-cs"/>
+              </a:rPr>
+              <a:t> brush)</a:t>
+            </a:r>
+          </a:p>
+          <a:p>
+            <a:pPr marL="285750" marR="0" lvl="0" indent="-285750" algn="l" defTabSz="914400" rtl="0" eaLnBrk="1" fontAlgn="auto" latinLnBrk="0" hangingPunct="1">
               <a:lnSpc>
                 <a:spcPct val="100000"/>
               </a:lnSpc>
@@ -11230,6 +11278,8 @@
               </a:spcAft>
               <a:buClrTx/>
               <a:buSzTx/>
+              <a:buFont typeface="Arial" panose="020B0604020202020204" pitchFamily="34" charset="0"/>
+              <a:buChar char="•"/>
               <a:tabLst/>
               <a:defRPr/>
             </a:pPr>
@@ -11409,7 +11459,7 @@
 </p:sld>
 </file>
 
-<file path=ppt/slides/slide28.xml><?xml version="1.0" encoding="utf-8"?>
+<file path=ppt/slides/slide24.xml><?xml version="1.0" encoding="utf-8"?>
 <p:sld xmlns:a="http://schemas.openxmlformats.org/drawingml/2006/main" xmlns:r="http://schemas.openxmlformats.org/officeDocument/2006/relationships" xmlns:p="http://schemas.openxmlformats.org/presentationml/2006/main">
   <p:cSld>
     <p:spTree>
@@ -12063,7 +12113,7 @@
           <a:lstStyle/>
           <a:p>
             <a:r>
-              <a:rPr lang="en-US" dirty="0"/>
+              <a:rPr lang="en-US"/>
               <a:t>Shared Undergraduate Workspace</a:t>
             </a:r>
           </a:p>
@@ -12098,37 +12148,37 @@
           <a:lstStyle/>
           <a:p>
             <a:r>
-              <a:rPr lang="en-US" dirty="0"/>
+              <a:rPr lang="en-US"/>
               <a:t>Cross-course announcements: announcements reach all students across different courses simultaneously, ensuring important information is disseminated quickly and efficiently.</a:t>
             </a:r>
           </a:p>
           <a:p>
             <a:r>
-              <a:rPr lang="en-US" dirty="0"/>
+              <a:rPr lang="en-US"/>
               <a:t>Facilitating mentorship: senior students or those who have taken certain courses can mentor juniors, providing guidance and sharing their experiences, which can be very beneficial for newcomers.</a:t>
             </a:r>
           </a:p>
           <a:p>
             <a:r>
-              <a:rPr lang="en-US" dirty="0"/>
+              <a:rPr lang="en-US"/>
               <a:t>Integrated tools and apps: integrations (e.g., GitHub, Trello, Google Drive) can streamline project management and collaborative tasks across courses, enhancing productivity and learning.</a:t>
             </a:r>
           </a:p>
           <a:p>
             <a:r>
-              <a:rPr lang="en-US" dirty="0"/>
+              <a:rPr lang="en-US"/>
               <a:t>Enhanced learning experience: informal communication style can make students feel more comfortable asking questions and participating in discussions, leading to a more engaging and interactive learning experience.</a:t>
             </a:r>
           </a:p>
           <a:p>
             <a:r>
-              <a:rPr lang="en-US" dirty="0"/>
+              <a:rPr lang="en-US"/>
               <a:t>Feedback and improvement: feedback from students about the courses in real-time, allowing for continuous improvement based on student input.</a:t>
             </a:r>
           </a:p>
           <a:p>
             <a:r>
-              <a:rPr lang="en-US" dirty="0"/>
+              <a:rPr lang="en-US"/>
               <a:t>Event coordination: organize events, such as hackathons, guest lectures, or study sessions, becomes easier.</a:t>
             </a:r>
           </a:p>
